--- a/media/Master's thesis-2.pptx
+++ b/media/Master's thesis-2.pptx
@@ -529,7 +529,7 @@
           <a:effectLst/>
           <a:extLst>
             <a:ext uri="{91240B29-F687-4f45-9708-019B960494DF}">
-              <a14:hiddenLine xmlns:a14="http://schemas.microsoft.com/office/drawing/2010/main" xmlns="" w="9525">
+              <a14:hiddenLine xmlns="" xmlns:a14="http://schemas.microsoft.com/office/drawing/2010/main" w="9525">
                 <a:solidFill>
                   <a:srgbClr val="000000"/>
                 </a:solidFill>
@@ -539,7 +539,7 @@
               </a14:hiddenLine>
             </a:ext>
             <a:ext uri="{AF507438-7753-43e0-B8FC-AC1667EBCBE1}">
-              <a14:hiddenEffects xmlns:a14="http://schemas.microsoft.com/office/drawing/2010/main" xmlns="">
+              <a14:hiddenEffects xmlns="" xmlns:a14="http://schemas.microsoft.com/office/drawing/2010/main">
                 <a:effectLst>
                   <a:outerShdw blurRad="63500" dist="38099" dir="2700000" algn="ctr" rotWithShape="0">
                     <a:srgbClr val="000000">
@@ -591,14 +591,14 @@
           <a:effectLst/>
           <a:extLst>
             <a:ext uri="{909E8E84-426E-40dd-AFC4-6F175D3DCCD1}">
-              <a14:hiddenFill xmlns:a14="http://schemas.microsoft.com/office/drawing/2010/main" xmlns="">
+              <a14:hiddenFill xmlns="" xmlns:a14="http://schemas.microsoft.com/office/drawing/2010/main">
                 <a:solidFill>
                   <a:srgbClr val="FFFFFF"/>
                 </a:solidFill>
               </a14:hiddenFill>
             </a:ext>
             <a:ext uri="{91240B29-F687-4f45-9708-019B960494DF}">
-              <a14:hiddenLine xmlns:a14="http://schemas.microsoft.com/office/drawing/2010/main" xmlns="" w="9525">
+              <a14:hiddenLine xmlns="" xmlns:a14="http://schemas.microsoft.com/office/drawing/2010/main" w="9525">
                 <a:solidFill>
                   <a:srgbClr val="000000"/>
                 </a:solidFill>
@@ -608,7 +608,7 @@
               </a14:hiddenLine>
             </a:ext>
             <a:ext uri="{AF507438-7753-43e0-B8FC-AC1667EBCBE1}">
-              <a14:hiddenEffects xmlns:a14="http://schemas.microsoft.com/office/drawing/2010/main" xmlns="">
+              <a14:hiddenEffects xmlns="" xmlns:a14="http://schemas.microsoft.com/office/drawing/2010/main">
                 <a:effectLst>
                   <a:outerShdw blurRad="63500" dist="38099" dir="2700000" algn="ctr" rotWithShape="0">
                     <a:srgbClr val="000000">
@@ -660,14 +660,14 @@
           <a:effectLst/>
           <a:extLst>
             <a:ext uri="{909E8E84-426E-40dd-AFC4-6F175D3DCCD1}">
-              <a14:hiddenFill xmlns:a14="http://schemas.microsoft.com/office/drawing/2010/main" xmlns="">
+              <a14:hiddenFill xmlns="" xmlns:a14="http://schemas.microsoft.com/office/drawing/2010/main">
                 <a:solidFill>
                   <a:srgbClr val="FFFFFF"/>
                 </a:solidFill>
               </a14:hiddenFill>
             </a:ext>
             <a:ext uri="{91240B29-F687-4f45-9708-019B960494DF}">
-              <a14:hiddenLine xmlns:a14="http://schemas.microsoft.com/office/drawing/2010/main" xmlns="" w="9525">
+              <a14:hiddenLine xmlns="" xmlns:a14="http://schemas.microsoft.com/office/drawing/2010/main" w="9525">
                 <a:solidFill>
                   <a:srgbClr val="000000"/>
                 </a:solidFill>
@@ -677,7 +677,7 @@
               </a14:hiddenLine>
             </a:ext>
             <a:ext uri="{AF507438-7753-43e0-B8FC-AC1667EBCBE1}">
-              <a14:hiddenEffects xmlns:a14="http://schemas.microsoft.com/office/drawing/2010/main" xmlns="">
+              <a14:hiddenEffects xmlns="" xmlns:a14="http://schemas.microsoft.com/office/drawing/2010/main">
                 <a:effectLst>
                   <a:outerShdw blurRad="63500" dist="38099" dir="2700000" algn="ctr" rotWithShape="0">
                     <a:srgbClr val="000000">
@@ -736,14 +736,14 @@
           <a:effectLst/>
           <a:extLst>
             <a:ext uri="{909E8E84-426E-40dd-AFC4-6F175D3DCCD1}">
-              <a14:hiddenFill xmlns:a14="http://schemas.microsoft.com/office/drawing/2010/main" xmlns="">
+              <a14:hiddenFill xmlns="" xmlns:a14="http://schemas.microsoft.com/office/drawing/2010/main">
                 <a:solidFill>
                   <a:srgbClr val="FFFFFF"/>
                 </a:solidFill>
               </a14:hiddenFill>
             </a:ext>
             <a:ext uri="{AF507438-7753-43e0-B8FC-AC1667EBCBE1}">
-              <a14:hiddenEffects xmlns:a14="http://schemas.microsoft.com/office/drawing/2010/main" xmlns="">
+              <a14:hiddenEffects xmlns="" xmlns:a14="http://schemas.microsoft.com/office/drawing/2010/main">
                 <a:effectLst>
                   <a:outerShdw blurRad="63500" dist="38099" dir="2700000" algn="ctr" rotWithShape="0">
                     <a:schemeClr val="bg2">
@@ -754,7 +754,7 @@
               </a14:hiddenEffects>
             </a:ext>
             <a:ext uri="{FAA26D3D-D897-4be2-8F04-BA451C77F1D7}">
-              <ma14:placeholderFlag xmlns:ma14="http://schemas.microsoft.com/office/mac/drawingml/2011/main" xmlns="" val="1"/>
+              <ma14:placeholderFlag xmlns="" xmlns:ma14="http://schemas.microsoft.com/office/mac/drawingml/2011/main" val="1"/>
             </a:ext>
           </a:extLst>
         </p:spPr>
@@ -784,14 +784,14 @@
           <a:effectLst/>
           <a:extLst>
             <a:ext uri="{909E8E84-426E-40dd-AFC4-6F175D3DCCD1}">
-              <a14:hiddenFill xmlns:a14="http://schemas.microsoft.com/office/drawing/2010/main" xmlns="">
+              <a14:hiddenFill xmlns="" xmlns:a14="http://schemas.microsoft.com/office/drawing/2010/main">
                 <a:solidFill>
                   <a:srgbClr val="FFFFFF"/>
                 </a:solidFill>
               </a14:hiddenFill>
             </a:ext>
             <a:ext uri="{91240B29-F687-4f45-9708-019B960494DF}">
-              <a14:hiddenLine xmlns:a14="http://schemas.microsoft.com/office/drawing/2010/main" xmlns="" w="9525">
+              <a14:hiddenLine xmlns="" xmlns:a14="http://schemas.microsoft.com/office/drawing/2010/main" w="9525">
                 <a:solidFill>
                   <a:srgbClr val="000000"/>
                 </a:solidFill>
@@ -801,7 +801,7 @@
               </a14:hiddenLine>
             </a:ext>
             <a:ext uri="{AF507438-7753-43e0-B8FC-AC1667EBCBE1}">
-              <a14:hiddenEffects xmlns:a14="http://schemas.microsoft.com/office/drawing/2010/main" xmlns="">
+              <a14:hiddenEffects xmlns="" xmlns:a14="http://schemas.microsoft.com/office/drawing/2010/main">
                 <a:effectLst>
                   <a:outerShdw blurRad="63500" dist="38099" dir="2700000" algn="ctr" rotWithShape="0">
                     <a:schemeClr val="bg2">
@@ -812,7 +812,7 @@
               </a14:hiddenEffects>
             </a:ext>
             <a:ext uri="{FAA26D3D-D897-4be2-8F04-BA451C77F1D7}">
-              <ma14:placeholderFlag xmlns:ma14="http://schemas.microsoft.com/office/mac/drawingml/2011/main" xmlns="" val="1"/>
+              <ma14:placeholderFlag xmlns="" xmlns:ma14="http://schemas.microsoft.com/office/mac/drawingml/2011/main" val="1"/>
             </a:ext>
           </a:extLst>
         </p:spPr>
@@ -852,14 +852,14 @@
           <a:effectLst/>
           <a:extLst>
             <a:ext uri="{909E8E84-426E-40dd-AFC4-6F175D3DCCD1}">
-              <a14:hiddenFill xmlns:a14="http://schemas.microsoft.com/office/drawing/2010/main" xmlns="">
+              <a14:hiddenFill xmlns="" xmlns:a14="http://schemas.microsoft.com/office/drawing/2010/main">
                 <a:solidFill>
                   <a:srgbClr val="FFFFFF"/>
                 </a:solidFill>
               </a14:hiddenFill>
             </a:ext>
             <a:ext uri="{91240B29-F687-4f45-9708-019B960494DF}">
-              <a14:hiddenLine xmlns:a14="http://schemas.microsoft.com/office/drawing/2010/main" xmlns="" w="9525">
+              <a14:hiddenLine xmlns="" xmlns:a14="http://schemas.microsoft.com/office/drawing/2010/main" w="9525">
                 <a:solidFill>
                   <a:srgbClr val="000000"/>
                 </a:solidFill>
@@ -869,7 +869,7 @@
               </a14:hiddenLine>
             </a:ext>
             <a:ext uri="{AF507438-7753-43e0-B8FC-AC1667EBCBE1}">
-              <a14:hiddenEffects xmlns:a14="http://schemas.microsoft.com/office/drawing/2010/main" xmlns="">
+              <a14:hiddenEffects xmlns="" xmlns:a14="http://schemas.microsoft.com/office/drawing/2010/main">
                 <a:effectLst>
                   <a:outerShdw blurRad="63500" dist="38099" dir="2700000" algn="ctr" rotWithShape="0">
                     <a:srgbClr val="000000">
@@ -923,14 +923,14 @@
           <a:effectLst/>
           <a:extLst>
             <a:ext uri="{909E8E84-426E-40dd-AFC4-6F175D3DCCD1}">
-              <a14:hiddenFill xmlns:a14="http://schemas.microsoft.com/office/drawing/2010/main" xmlns="">
+              <a14:hiddenFill xmlns="" xmlns:a14="http://schemas.microsoft.com/office/drawing/2010/main">
                 <a:solidFill>
                   <a:srgbClr val="FFFFFF"/>
                 </a:solidFill>
               </a14:hiddenFill>
             </a:ext>
             <a:ext uri="{91240B29-F687-4f45-9708-019B960494DF}">
-              <a14:hiddenLine xmlns:a14="http://schemas.microsoft.com/office/drawing/2010/main" xmlns="" w="9525">
+              <a14:hiddenLine xmlns="" xmlns:a14="http://schemas.microsoft.com/office/drawing/2010/main" w="9525">
                 <a:solidFill>
                   <a:srgbClr val="000000"/>
                 </a:solidFill>
@@ -940,7 +940,7 @@
               </a14:hiddenLine>
             </a:ext>
             <a:ext uri="{AF507438-7753-43e0-B8FC-AC1667EBCBE1}">
-              <a14:hiddenEffects xmlns:a14="http://schemas.microsoft.com/office/drawing/2010/main" xmlns="">
+              <a14:hiddenEffects xmlns="" xmlns:a14="http://schemas.microsoft.com/office/drawing/2010/main">
                 <a:effectLst>
                   <a:outerShdw blurRad="63500" dist="38099" dir="2700000" algn="ctr" rotWithShape="0">
                     <a:schemeClr val="bg2">
@@ -951,7 +951,7 @@
               </a14:hiddenEffects>
             </a:ext>
             <a:ext uri="{FAA26D3D-D897-4be2-8F04-BA451C77F1D7}">
-              <ma14:placeholderFlag xmlns:ma14="http://schemas.microsoft.com/office/mac/drawingml/2011/main" xmlns="" val="1"/>
+              <ma14:placeholderFlag xmlns="" xmlns:ma14="http://schemas.microsoft.com/office/mac/drawingml/2011/main" val="1"/>
             </a:ext>
           </a:extLst>
         </p:spPr>
@@ -2277,14 +2277,14 @@
         <p:spPr>
           <a:extLst>
             <a:ext uri="{909E8E84-426E-40dd-AFC4-6F175D3DCCD1}">
-              <a14:hiddenFill xmlns:a14="http://schemas.microsoft.com/office/drawing/2010/main" xmlns="">
+              <a14:hiddenFill xmlns="" xmlns:a14="http://schemas.microsoft.com/office/drawing/2010/main">
                 <a:solidFill>
                   <a:srgbClr val="FFFFFF"/>
                 </a:solidFill>
               </a14:hiddenFill>
             </a:ext>
             <a:ext uri="{91240B29-F687-4f45-9708-019B960494DF}">
-              <a14:hiddenLine xmlns:a14="http://schemas.microsoft.com/office/drawing/2010/main" xmlns="" w="9525">
+              <a14:hiddenLine xmlns="" xmlns:a14="http://schemas.microsoft.com/office/drawing/2010/main" w="9525">
                 <a:solidFill>
                   <a:srgbClr val="000000"/>
                 </a:solidFill>
@@ -2294,7 +2294,7 @@
               </a14:hiddenLine>
             </a:ext>
             <a:ext uri="{AF507438-7753-43e0-B8FC-AC1667EBCBE1}">
-              <a14:hiddenEffects xmlns:a14="http://schemas.microsoft.com/office/drawing/2010/main" xmlns="">
+              <a14:hiddenEffects xmlns="" xmlns:a14="http://schemas.microsoft.com/office/drawing/2010/main">
                 <a:effectLst>
                   <a:outerShdw blurRad="63500" dist="38099" dir="2700000" algn="ctr" rotWithShape="0">
                     <a:schemeClr val="bg2">
@@ -2305,7 +2305,7 @@
               </a14:hiddenEffects>
             </a:ext>
             <a:ext uri="{FAA26D3D-D897-4be2-8F04-BA451C77F1D7}">
-              <ma14:placeholderFlag xmlns:ma14="http://schemas.microsoft.com/office/mac/drawingml/2011/main" xmlns="" val="1"/>
+              <ma14:placeholderFlag xmlns="" xmlns:ma14="http://schemas.microsoft.com/office/mac/drawingml/2011/main" val="1"/>
             </a:ext>
           </a:extLst>
         </p:spPr>
@@ -2742,14 +2742,14 @@
         <p:spPr>
           <a:extLst>
             <a:ext uri="{909E8E84-426E-40dd-AFC4-6F175D3DCCD1}">
-              <a14:hiddenFill xmlns:a14="http://schemas.microsoft.com/office/drawing/2010/main" xmlns="">
+              <a14:hiddenFill xmlns="" xmlns:a14="http://schemas.microsoft.com/office/drawing/2010/main">
                 <a:solidFill>
                   <a:srgbClr val="FFFFFF"/>
                 </a:solidFill>
               </a14:hiddenFill>
             </a:ext>
             <a:ext uri="{91240B29-F687-4f45-9708-019B960494DF}">
-              <a14:hiddenLine xmlns:a14="http://schemas.microsoft.com/office/drawing/2010/main" xmlns="" w="9525">
+              <a14:hiddenLine xmlns="" xmlns:a14="http://schemas.microsoft.com/office/drawing/2010/main" w="9525">
                 <a:solidFill>
                   <a:srgbClr val="000000"/>
                 </a:solidFill>
@@ -2759,7 +2759,7 @@
               </a14:hiddenLine>
             </a:ext>
             <a:ext uri="{AF507438-7753-43e0-B8FC-AC1667EBCBE1}">
-              <a14:hiddenEffects xmlns:a14="http://schemas.microsoft.com/office/drawing/2010/main" xmlns="">
+              <a14:hiddenEffects xmlns="" xmlns:a14="http://schemas.microsoft.com/office/drawing/2010/main">
                 <a:effectLst>
                   <a:outerShdw blurRad="63500" dist="38099" dir="2700000" algn="ctr" rotWithShape="0">
                     <a:schemeClr val="bg2">
@@ -2770,7 +2770,7 @@
               </a14:hiddenEffects>
             </a:ext>
             <a:ext uri="{FAA26D3D-D897-4be2-8F04-BA451C77F1D7}">
-              <ma14:placeholderFlag xmlns:ma14="http://schemas.microsoft.com/office/mac/drawingml/2011/main" xmlns="" val="1"/>
+              <ma14:placeholderFlag xmlns="" xmlns:ma14="http://schemas.microsoft.com/office/mac/drawingml/2011/main" val="1"/>
             </a:ext>
           </a:extLst>
         </p:spPr>
@@ -3122,14 +3122,14 @@
         <p:spPr>
           <a:extLst>
             <a:ext uri="{909E8E84-426E-40dd-AFC4-6F175D3DCCD1}">
-              <a14:hiddenFill xmlns:a14="http://schemas.microsoft.com/office/drawing/2010/main" xmlns="">
+              <a14:hiddenFill xmlns="" xmlns:a14="http://schemas.microsoft.com/office/drawing/2010/main">
                 <a:solidFill>
                   <a:srgbClr val="FFFFFF"/>
                 </a:solidFill>
               </a14:hiddenFill>
             </a:ext>
             <a:ext uri="{91240B29-F687-4f45-9708-019B960494DF}">
-              <a14:hiddenLine xmlns:a14="http://schemas.microsoft.com/office/drawing/2010/main" xmlns="" w="9525">
+              <a14:hiddenLine xmlns="" xmlns:a14="http://schemas.microsoft.com/office/drawing/2010/main" w="9525">
                 <a:solidFill>
                   <a:srgbClr val="000000"/>
                 </a:solidFill>
@@ -3139,7 +3139,7 @@
               </a14:hiddenLine>
             </a:ext>
             <a:ext uri="{AF507438-7753-43e0-B8FC-AC1667EBCBE1}">
-              <a14:hiddenEffects xmlns:a14="http://schemas.microsoft.com/office/drawing/2010/main" xmlns="">
+              <a14:hiddenEffects xmlns="" xmlns:a14="http://schemas.microsoft.com/office/drawing/2010/main">
                 <a:effectLst>
                   <a:outerShdw blurRad="63500" dist="38099" dir="2700000" algn="ctr" rotWithShape="0">
                     <a:schemeClr val="bg2">
@@ -3150,7 +3150,7 @@
               </a14:hiddenEffects>
             </a:ext>
             <a:ext uri="{FAA26D3D-D897-4be2-8F04-BA451C77F1D7}">
-              <ma14:placeholderFlag xmlns:ma14="http://schemas.microsoft.com/office/mac/drawingml/2011/main" xmlns="" val="1"/>
+              <ma14:placeholderFlag xmlns="" xmlns:ma14="http://schemas.microsoft.com/office/mac/drawingml/2011/main" val="1"/>
             </a:ext>
           </a:extLst>
         </p:spPr>
@@ -5995,7 +5995,7 @@
           <a:effectLst/>
           <a:extLst>
             <a:ext uri="{91240B29-F687-4f45-9708-019B960494DF}">
-              <a14:hiddenLine xmlns:a14="http://schemas.microsoft.com/office/drawing/2010/main" xmlns="" w="9525">
+              <a14:hiddenLine xmlns="" xmlns:a14="http://schemas.microsoft.com/office/drawing/2010/main" w="9525">
                 <a:solidFill>
                   <a:srgbClr val="000000"/>
                 </a:solidFill>
@@ -6005,7 +6005,7 @@
               </a14:hiddenLine>
             </a:ext>
             <a:ext uri="{AF507438-7753-43e0-B8FC-AC1667EBCBE1}">
-              <a14:hiddenEffects xmlns:a14="http://schemas.microsoft.com/office/drawing/2010/main" xmlns="">
+              <a14:hiddenEffects xmlns="" xmlns:a14="http://schemas.microsoft.com/office/drawing/2010/main">
                 <a:effectLst>
                   <a:outerShdw blurRad="63500" dist="38099" dir="2700000" algn="ctr" rotWithShape="0">
                     <a:srgbClr val="000000">
@@ -6058,7 +6058,7 @@
           <a:effectLst/>
           <a:extLst>
             <a:ext uri="{91240B29-F687-4f45-9708-019B960494DF}">
-              <a14:hiddenLine xmlns:a14="http://schemas.microsoft.com/office/drawing/2010/main" xmlns="" w="9525">
+              <a14:hiddenLine xmlns="" xmlns:a14="http://schemas.microsoft.com/office/drawing/2010/main" w="9525">
                 <a:solidFill>
                   <a:srgbClr val="000000"/>
                 </a:solidFill>
@@ -6068,7 +6068,7 @@
               </a14:hiddenLine>
             </a:ext>
             <a:ext uri="{AF507438-7753-43e0-B8FC-AC1667EBCBE1}">
-              <a14:hiddenEffects xmlns:a14="http://schemas.microsoft.com/office/drawing/2010/main" xmlns="">
+              <a14:hiddenEffects xmlns="" xmlns:a14="http://schemas.microsoft.com/office/drawing/2010/main">
                 <a:effectLst>
                   <a:outerShdw blurRad="63500" dist="38099" dir="2700000" algn="ctr" rotWithShape="0">
                     <a:srgbClr val="000000">
@@ -6123,7 +6123,7 @@
           <a:effectLst/>
           <a:extLst>
             <a:ext uri="{91240B29-F687-4f45-9708-019B960494DF}">
-              <a14:hiddenLine xmlns:a14="http://schemas.microsoft.com/office/drawing/2010/main" xmlns="" w="9525">
+              <a14:hiddenLine xmlns="" xmlns:a14="http://schemas.microsoft.com/office/drawing/2010/main" w="9525">
                 <a:solidFill>
                   <a:srgbClr val="000000"/>
                 </a:solidFill>
@@ -6133,7 +6133,7 @@
               </a14:hiddenLine>
             </a:ext>
             <a:ext uri="{AF507438-7753-43e0-B8FC-AC1667EBCBE1}">
-              <a14:hiddenEffects xmlns:a14="http://schemas.microsoft.com/office/drawing/2010/main" xmlns="">
+              <a14:hiddenEffects xmlns="" xmlns:a14="http://schemas.microsoft.com/office/drawing/2010/main">
                 <a:effectLst>
                   <a:outerShdw blurRad="63500" dist="38099" dir="2700000" algn="ctr" rotWithShape="0">
                     <a:srgbClr val="000000">
@@ -6197,7 +6197,7 @@
           <a:effectLst/>
           <a:extLst>
             <a:ext uri="{909E8E84-426E-40dd-AFC4-6F175D3DCCD1}">
-              <a14:hiddenFill xmlns:a14="http://schemas.microsoft.com/office/drawing/2010/main" xmlns="">
+              <a14:hiddenFill xmlns="" xmlns:a14="http://schemas.microsoft.com/office/drawing/2010/main">
                 <a:blipFill dpi="0" rotWithShape="0">
                   <a:blip xmlns:r="http://schemas.openxmlformats.org/officeDocument/2006/relationships"/>
                   <a:srcRect/>
@@ -6208,7 +6208,7 @@
               </a14:hiddenFill>
             </a:ext>
             <a:ext uri="{91240B29-F687-4f45-9708-019B960494DF}">
-              <a14:hiddenLine xmlns:a14="http://schemas.microsoft.com/office/drawing/2010/main" xmlns="" w="9525">
+              <a14:hiddenLine xmlns="" xmlns:a14="http://schemas.microsoft.com/office/drawing/2010/main" w="9525">
                 <a:solidFill>
                   <a:srgbClr val="000000"/>
                 </a:solidFill>
@@ -6218,7 +6218,7 @@
               </a14:hiddenLine>
             </a:ext>
             <a:ext uri="{AF507438-7753-43e0-B8FC-AC1667EBCBE1}">
-              <a14:hiddenEffects xmlns:a14="http://schemas.microsoft.com/office/drawing/2010/main" xmlns="">
+              <a14:hiddenEffects xmlns="" xmlns:a14="http://schemas.microsoft.com/office/drawing/2010/main">
                 <a:effectLst>
                   <a:outerShdw blurRad="63500" dist="38099" dir="2700000" algn="ctr" rotWithShape="0">
                     <a:srgbClr val="000000">
@@ -6254,14 +6254,14 @@
           <a:effectLst/>
           <a:extLst>
             <a:ext uri="{909E8E84-426E-40dd-AFC4-6F175D3DCCD1}">
-              <a14:hiddenFill xmlns:a14="http://schemas.microsoft.com/office/drawing/2010/main" xmlns="">
+              <a14:hiddenFill xmlns="" xmlns:a14="http://schemas.microsoft.com/office/drawing/2010/main">
                 <a:solidFill>
                   <a:srgbClr val="FFFFFF"/>
                 </a:solidFill>
               </a14:hiddenFill>
             </a:ext>
             <a:ext uri="{91240B29-F687-4f45-9708-019B960494DF}">
-              <a14:hiddenLine xmlns:a14="http://schemas.microsoft.com/office/drawing/2010/main" xmlns="" w="9525">
+              <a14:hiddenLine xmlns="" xmlns:a14="http://schemas.microsoft.com/office/drawing/2010/main" w="9525">
                 <a:solidFill>
                   <a:srgbClr val="000000"/>
                 </a:solidFill>
@@ -6271,7 +6271,7 @@
               </a14:hiddenLine>
             </a:ext>
             <a:ext uri="{AF507438-7753-43e0-B8FC-AC1667EBCBE1}">
-              <a14:hiddenEffects xmlns:a14="http://schemas.microsoft.com/office/drawing/2010/main" xmlns="">
+              <a14:hiddenEffects xmlns="" xmlns:a14="http://schemas.microsoft.com/office/drawing/2010/main">
                 <a:effectLst>
                   <a:outerShdw blurRad="63500" dist="38099" dir="2700000" algn="ctr" rotWithShape="0">
                     <a:srgbClr val="000000">
@@ -6582,14 +6582,14 @@
           <a:effectLst/>
           <a:extLst>
             <a:ext uri="{909E8E84-426E-40dd-AFC4-6F175D3DCCD1}">
-              <a14:hiddenFill xmlns:a14="http://schemas.microsoft.com/office/drawing/2010/main" xmlns="">
+              <a14:hiddenFill xmlns="" xmlns:a14="http://schemas.microsoft.com/office/drawing/2010/main">
                 <a:solidFill>
                   <a:srgbClr val="FFFFFF"/>
                 </a:solidFill>
               </a14:hiddenFill>
             </a:ext>
             <a:ext uri="{91240B29-F687-4f45-9708-019B960494DF}">
-              <a14:hiddenLine xmlns:a14="http://schemas.microsoft.com/office/drawing/2010/main" xmlns="" w="9525">
+              <a14:hiddenLine xmlns="" xmlns:a14="http://schemas.microsoft.com/office/drawing/2010/main" w="9525">
                 <a:solidFill>
                   <a:srgbClr val="000000"/>
                 </a:solidFill>
@@ -6599,7 +6599,7 @@
               </a14:hiddenLine>
             </a:ext>
             <a:ext uri="{AF507438-7753-43e0-B8FC-AC1667EBCBE1}">
-              <a14:hiddenEffects xmlns:a14="http://schemas.microsoft.com/office/drawing/2010/main" xmlns="">
+              <a14:hiddenEffects xmlns="" xmlns:a14="http://schemas.microsoft.com/office/drawing/2010/main">
                 <a:effectLst>
                   <a:outerShdw blurRad="63500" dist="38099" dir="2700000" algn="ctr" rotWithShape="0">
                     <a:schemeClr val="bg2">
@@ -6610,7 +6610,7 @@
               </a14:hiddenEffects>
             </a:ext>
             <a:ext uri="{FAA26D3D-D897-4be2-8F04-BA451C77F1D7}">
-              <ma14:placeholderFlag xmlns:ma14="http://schemas.microsoft.com/office/mac/drawingml/2011/main" xmlns="" val="1"/>
+              <ma14:placeholderFlag xmlns="" xmlns:ma14="http://schemas.microsoft.com/office/mac/drawingml/2011/main" val="1"/>
             </a:ext>
           </a:extLst>
         </p:spPr>
@@ -6711,14 +6711,14 @@
           <a:effectLst/>
           <a:extLst>
             <a:ext uri="{909E8E84-426E-40dd-AFC4-6F175D3DCCD1}">
-              <a14:hiddenFill xmlns:a14="http://schemas.microsoft.com/office/drawing/2010/main" xmlns="">
+              <a14:hiddenFill xmlns="" xmlns:a14="http://schemas.microsoft.com/office/drawing/2010/main">
                 <a:solidFill>
                   <a:srgbClr val="FFFFFF"/>
                 </a:solidFill>
               </a14:hiddenFill>
             </a:ext>
             <a:ext uri="{91240B29-F687-4f45-9708-019B960494DF}">
-              <a14:hiddenLine xmlns:a14="http://schemas.microsoft.com/office/drawing/2010/main" xmlns="" w="9525">
+              <a14:hiddenLine xmlns="" xmlns:a14="http://schemas.microsoft.com/office/drawing/2010/main" w="9525">
                 <a:solidFill>
                   <a:srgbClr val="000000"/>
                 </a:solidFill>
@@ -6728,7 +6728,7 @@
               </a14:hiddenLine>
             </a:ext>
             <a:ext uri="{AF507438-7753-43e0-B8FC-AC1667EBCBE1}">
-              <a14:hiddenEffects xmlns:a14="http://schemas.microsoft.com/office/drawing/2010/main" xmlns="">
+              <a14:hiddenEffects xmlns="" xmlns:a14="http://schemas.microsoft.com/office/drawing/2010/main">
                 <a:effectLst>
                   <a:outerShdw blurRad="63500" dist="38099" dir="2700000" algn="ctr" rotWithShape="0">
                     <a:schemeClr val="bg2">
@@ -6739,7 +6739,7 @@
               </a14:hiddenEffects>
             </a:ext>
             <a:ext uri="{FAA26D3D-D897-4be2-8F04-BA451C77F1D7}">
-              <ma14:placeholderFlag xmlns:ma14="http://schemas.microsoft.com/office/mac/drawingml/2011/main" xmlns="" val="1"/>
+              <ma14:placeholderFlag xmlns="" xmlns:ma14="http://schemas.microsoft.com/office/mac/drawingml/2011/main" val="1"/>
             </a:ext>
           </a:extLst>
         </p:spPr>
@@ -7395,7 +7395,7 @@
           <a:effectLst/>
           <a:extLst>
             <a:ext uri="{AF507438-7753-43e0-B8FC-AC1667EBCBE1}">
-              <a14:hiddenEffects xmlns:a14="http://schemas.microsoft.com/office/drawing/2010/main" xmlns="">
+              <a14:hiddenEffects xmlns="" xmlns:a14="http://schemas.microsoft.com/office/drawing/2010/main">
                 <a:effectLst>
                   <a:outerShdw blurRad="63500" dist="38099" dir="2700000" algn="ctr" rotWithShape="0">
                     <a:schemeClr val="bg2">
@@ -7472,19 +7472,7 @@
           <a:p>
             <a:r>
               <a:rPr lang="en-US" dirty="0"/>
-              <a:t>JOBFINDER</a:t>
-            </a:r>
-            <a:r>
-              <a:rPr lang="en-US" dirty="0"/>
-              <a:t>: A </a:t>
-            </a:r>
-            <a:r>
-              <a:rPr lang="en-US" dirty="0"/>
-              <a:t>PERSONALIZED </a:t>
-            </a:r>
-            <a:r>
-              <a:rPr lang="en-US" dirty="0"/>
-              <a:t>RÉ</a:t>
+              <a:t>JOBFINDER: A PERSONALIZED RÉ</a:t>
             </a:r>
             <a:r>
               <a:rPr lang="en-US" altLang="zh-CN" dirty="0"/>
@@ -7492,13 +7480,8 @@
             </a:r>
             <a:r>
               <a:rPr lang="en-US" dirty="0"/>
-              <a:t>É – JOB </a:t>
-            </a:r>
-            <a:r>
-              <a:rPr lang="en-US" dirty="0"/>
-              <a:t>MATCHINGSYSTEM</a:t>
-            </a:r>
-            <a:endParaRPr lang="en-US" dirty="0"/>
+              <a:t>É – JOB MATCHINGSYSTEM</a:t>
+            </a:r>
           </a:p>
         </p:txBody>
       </p:sp>
@@ -7567,12 +7550,26 @@
           <a:bodyPr/>
           <a:lstStyle/>
           <a:p>
+            <a:pPr marL="457200" indent="-457200">
+              <a:buClr>
+                <a:srgbClr val="C00000"/>
+              </a:buClr>
+              <a:buFont typeface="Wingdings" panose="05000000000000000000" pitchFamily="2" charset="2"/>
+              <a:buChar char="v"/>
+            </a:pPr>
             <a:r>
               <a:rPr lang="en-US" sz="2800" dirty="0" smtClean="0"/>
               <a:t>CASPER  (Rafter et. al. 2000)</a:t>
             </a:r>
           </a:p>
           <a:p>
+            <a:pPr marL="457200" indent="-457200">
+              <a:buClr>
+                <a:srgbClr val="C00000"/>
+              </a:buClr>
+              <a:buFont typeface="Wingdings" panose="05000000000000000000" pitchFamily="2" charset="2"/>
+              <a:buChar char="v"/>
+            </a:pPr>
             <a:r>
               <a:rPr lang="en-US" sz="2800" dirty="0" smtClean="0"/>
               <a:t>Collaborative </a:t>
@@ -7591,27 +7588,43 @@
             </a:r>
           </a:p>
           <a:p>
+            <a:pPr marL="457200" indent="-457200">
+              <a:buClr>
+                <a:srgbClr val="C00000"/>
+              </a:buClr>
+              <a:buFont typeface="Wingdings" panose="05000000000000000000" pitchFamily="2" charset="2"/>
+              <a:buChar char="v"/>
+            </a:pPr>
             <a:r>
               <a:rPr lang="en-US" sz="2800" dirty="0" smtClean="0"/>
               <a:t>Get User’s profile from server-log:  </a:t>
             </a:r>
           </a:p>
           <a:p>
-            <a:pPr lvl="1"/>
+            <a:pPr marL="800100" lvl="1" indent="-342900">
+              <a:buFont typeface="Arial" panose="020B0604020202020204" pitchFamily="34" charset="0"/>
+              <a:buChar char="•"/>
+            </a:pPr>
             <a:r>
               <a:rPr lang="en-US" sz="2400" dirty="0" smtClean="0"/>
               <a:t>Jobs visited </a:t>
             </a:r>
           </a:p>
           <a:p>
-            <a:pPr lvl="1"/>
+            <a:pPr marL="800100" lvl="1" indent="-342900">
+              <a:buFont typeface="Arial" panose="020B0604020202020204" pitchFamily="34" charset="0"/>
+              <a:buChar char="•"/>
+            </a:pPr>
             <a:r>
               <a:rPr lang="en-US" sz="2400" dirty="0" smtClean="0"/>
               <a:t>Read time</a:t>
             </a:r>
           </a:p>
           <a:p>
-            <a:pPr lvl="1"/>
+            <a:pPr marL="800100" lvl="1" indent="-342900">
+              <a:buFont typeface="Arial" panose="020B0604020202020204" pitchFamily="34" charset="0"/>
+              <a:buChar char="•"/>
+            </a:pPr>
             <a:r>
               <a:rPr lang="en-US" sz="2400" dirty="0" smtClean="0"/>
               <a:t>Jobs Applied </a:t>
@@ -7811,7 +7824,6 @@
               <a:rPr lang="en-US" dirty="0"/>
               <a:t>CASPER </a:t>
             </a:r>
-            <a:endParaRPr lang="en-US" dirty="0"/>
           </a:p>
         </p:txBody>
       </p:sp>
@@ -7928,6 +7940,13 @@
           <a:bodyPr/>
           <a:lstStyle/>
           <a:p>
+            <a:pPr marL="457200" indent="-457200">
+              <a:buClr>
+                <a:srgbClr val="C00000"/>
+              </a:buClr>
+              <a:buFont typeface="Wingdings" panose="05000000000000000000" pitchFamily="2" charset="2"/>
+              <a:buChar char="v"/>
+            </a:pPr>
             <a:r>
               <a:rPr lang="en-US" sz="2800" dirty="0"/>
               <a:t>Yao Lu et. </a:t>
@@ -7942,6 +7961,13 @@
             </a:r>
           </a:p>
           <a:p>
+            <a:pPr marL="457200" indent="-457200">
+              <a:buClr>
+                <a:srgbClr val="C00000"/>
+              </a:buClr>
+              <a:buFont typeface="Wingdings" panose="05000000000000000000" pitchFamily="2" charset="2"/>
+              <a:buChar char="v"/>
+            </a:pPr>
             <a:r>
               <a:rPr lang="en-US" sz="2800" dirty="0"/>
               <a:t>Content </a:t>
@@ -7953,21 +7979,32 @@
             <a:endParaRPr lang="en-US" sz="2800" dirty="0"/>
           </a:p>
           <a:p>
-            <a:pPr lvl="1"/>
-            <a:r>
-              <a:rPr lang="en-US" sz="2400" dirty="0"/>
+            <a:pPr marL="857250" lvl="2" indent="0">
+              <a:buClr>
+                <a:srgbClr val="C00000"/>
+              </a:buClr>
+            </a:pPr>
+            <a:r>
+              <a:rPr lang="en-US" sz="2000" dirty="0"/>
               <a:t>Similarity is computed </a:t>
             </a:r>
             <a:r>
-              <a:rPr lang="en-US" sz="2400" dirty="0" smtClean="0"/>
+              <a:rPr lang="en-US" sz="2000" dirty="0" smtClean="0"/>
               <a:t>using </a:t>
             </a:r>
             <a:r>
-              <a:rPr lang="en-US" sz="2400" dirty="0"/>
+              <a:rPr lang="en-US" sz="2000" dirty="0"/>
               <a:t>Latent Semantic Analysis (LSA) </a:t>
             </a:r>
           </a:p>
           <a:p>
+            <a:pPr marL="457200" indent="-457200">
+              <a:buClr>
+                <a:srgbClr val="C00000"/>
+              </a:buClr>
+              <a:buFont typeface="Wingdings" panose="05000000000000000000" pitchFamily="2" charset="2"/>
+              <a:buChar char="v"/>
+            </a:pPr>
             <a:r>
               <a:rPr lang="en-US" sz="2800" dirty="0"/>
               <a:t>Collaborative Filtering </a:t>
@@ -8014,7 +8051,6 @@
               <a:rPr lang="en-US" dirty="0"/>
               <a:t>Hybrid Recommender System</a:t>
             </a:r>
-            <a:endParaRPr lang="en-US" dirty="0"/>
           </a:p>
         </p:txBody>
       </p:sp>
@@ -8092,7 +8128,7 @@
           <a:effectLst/>
           <a:extLst>
             <a:ext uri="{AF507438-7753-43e0-B8FC-AC1667EBCBE1}">
-              <a14:hiddenEffects xmlns:a14="http://schemas.microsoft.com/office/drawing/2010/main" xmlns="">
+              <a14:hiddenEffects xmlns="" xmlns:a14="http://schemas.microsoft.com/office/drawing/2010/main">
                 <a:effectLst>
                   <a:outerShdw blurRad="63500" dist="38099" dir="2700000" algn="ctr" rotWithShape="0">
                     <a:schemeClr val="bg2">
@@ -8204,7 +8240,6 @@
               <a:rPr lang="en-US" dirty="0"/>
               <a:t>Hybrid Recommender System</a:t>
             </a:r>
-            <a:endParaRPr lang="en-US" dirty="0"/>
           </a:p>
         </p:txBody>
       </p:sp>
@@ -8297,29 +8332,46 @@
           <a:bodyPr/>
           <a:lstStyle/>
           <a:p>
+            <a:pPr marL="457200" indent="-457200">
+              <a:buClr>
+                <a:srgbClr val="C00000"/>
+              </a:buClr>
+              <a:buFont typeface="Wingdings" panose="05000000000000000000" pitchFamily="2" charset="2"/>
+              <a:buChar char="v"/>
+            </a:pPr>
             <a:r>
               <a:rPr lang="en-US" sz="2800" dirty="0"/>
               <a:t>A system that aids in the shortlisting of candidates for jobs.</a:t>
             </a:r>
           </a:p>
           <a:p>
+            <a:pPr marL="457200" indent="-457200">
+              <a:buClr>
+                <a:srgbClr val="C00000"/>
+              </a:buClr>
+              <a:buFont typeface="Wingdings" panose="05000000000000000000" pitchFamily="2" charset="2"/>
+              <a:buChar char="v"/>
+            </a:pPr>
             <a:r>
               <a:rPr lang="en-US" sz="2800" dirty="0"/>
               <a:t>Using Conditional Random Fields (CRFs) model to extract the information from résumés</a:t>
             </a:r>
           </a:p>
           <a:p>
+            <a:pPr marL="457200" indent="-457200">
+              <a:buClr>
+                <a:srgbClr val="C00000"/>
+              </a:buClr>
+              <a:buFont typeface="Wingdings" panose="05000000000000000000" pitchFamily="2" charset="2"/>
+              <a:buChar char="v"/>
+            </a:pPr>
             <a:r>
               <a:rPr lang="en-US" sz="2800" dirty="0"/>
               <a:t>Filtering the candidates with </a:t>
             </a:r>
             <a:r>
-              <a:rPr lang="en-US" sz="2800" dirty="0" err="1" smtClean="0"/>
-              <a:t>criterias</a:t>
-            </a:r>
-            <a:r>
               <a:rPr lang="en-US" sz="2800" dirty="0" smtClean="0"/>
-              <a:t> </a:t>
+              <a:t>criteria </a:t>
             </a:r>
             <a:endParaRPr lang="en-US" sz="2800" dirty="0"/>
           </a:p>
@@ -8365,7 +8417,6 @@
               <a:rPr lang="en-US" dirty="0"/>
               <a:t>IBM PROSPECT</a:t>
             </a:r>
-            <a:endParaRPr lang="en-US" dirty="0"/>
           </a:p>
         </p:txBody>
       </p:sp>
@@ -8443,7 +8494,7 @@
           <a:effectLst/>
           <a:extLst>
             <a:ext uri="{AF507438-7753-43e0-B8FC-AC1667EBCBE1}">
-              <a14:hiddenEffects xmlns:a14="http://schemas.microsoft.com/office/drawing/2010/main" xmlns="">
+              <a14:hiddenEffects xmlns="" xmlns:a14="http://schemas.microsoft.com/office/drawing/2010/main">
                 <a:effectLst>
                   <a:outerShdw blurRad="63500" dist="38099" dir="2700000" algn="ctr" rotWithShape="0">
                     <a:schemeClr val="bg2">
@@ -8555,7 +8606,6 @@
               <a:rPr lang="en-US" dirty="0"/>
               <a:t>PROSPECT</a:t>
             </a:r>
-            <a:endParaRPr lang="en-US" dirty="0"/>
           </a:p>
         </p:txBody>
       </p:sp>
@@ -8640,7 +8690,7 @@
         </p:nvSpPr>
         <p:spPr>
           <a:xfrm>
-            <a:off x="729455" y="2209800"/>
+            <a:off x="350371" y="1828800"/>
             <a:ext cx="8228013" cy="4217531"/>
           </a:xfrm>
         </p:spPr>
@@ -8648,21 +8698,37 @@
           <a:bodyPr/>
           <a:lstStyle/>
           <a:p>
+            <a:pPr marL="457200" indent="-457200">
+              <a:buClr>
+                <a:srgbClr val="C00000"/>
+              </a:buClr>
+              <a:buFont typeface="Wingdings" panose="05000000000000000000" pitchFamily="2" charset="2"/>
+              <a:buChar char="v"/>
+            </a:pPr>
             <a:r>
               <a:rPr lang="en-US" sz="2800" dirty="0"/>
               <a:t>Staged Information Extraction Framework</a:t>
             </a:r>
           </a:p>
           <a:p>
+            <a:pPr marL="457200" indent="-457200">
+              <a:buClr>
+                <a:srgbClr val="C00000"/>
+              </a:buClr>
+              <a:buFont typeface="Wingdings" panose="05000000000000000000" pitchFamily="2" charset="2"/>
+              <a:buChar char="v"/>
+            </a:pPr>
             <a:r>
               <a:rPr lang="en-US" sz="2800" dirty="0" smtClean="0"/>
-              <a:t>Help managers to find</a:t>
-            </a:r>
-          </a:p>
-          <a:p>
+              <a:t>Help managers to </a:t>
+            </a:r>
             <a:r>
               <a:rPr lang="en-US" sz="2800" dirty="0" smtClean="0"/>
-              <a:t> right candidates</a:t>
+              <a:t>find right </a:t>
+            </a:r>
+            <a:r>
+              <a:rPr lang="en-US" sz="2800" dirty="0" smtClean="0"/>
+              <a:t>candidates</a:t>
             </a:r>
             <a:endParaRPr lang="en-US" sz="2800" dirty="0"/>
           </a:p>
@@ -8704,11 +8770,7 @@
           <a:p>
             <a:r>
               <a:rPr lang="en-US" dirty="0"/>
-              <a:t>HP Resource </a:t>
-            </a:r>
-            <a:r>
-              <a:rPr lang="en-US" dirty="0"/>
-              <a:t>Planning Tool </a:t>
+              <a:t>HP Resource Planning Tool </a:t>
             </a:r>
           </a:p>
         </p:txBody>
@@ -8729,8 +8791,8 @@
         </p:blipFill>
         <p:spPr>
           <a:xfrm>
-            <a:off x="4464378" y="3429000"/>
-            <a:ext cx="4471988" cy="2807494"/>
+            <a:off x="3733800" y="3276600"/>
+            <a:ext cx="5134409" cy="3223359"/>
           </a:xfrm>
           <a:prstGeom prst="rect">
             <a:avLst/>
@@ -8805,6 +8867,9 @@
           <a:lstStyle/>
           <a:p>
             <a:pPr marL="514350" indent="-514350">
+              <a:buClr>
+                <a:srgbClr val="C00000"/>
+              </a:buClr>
               <a:buFont typeface="+mj-lt"/>
               <a:buAutoNum type="arabicPeriod"/>
             </a:pPr>
@@ -8828,6 +8893,9 @@
           </a:p>
           <a:p>
             <a:pPr marL="514350" indent="-514350">
+              <a:buClr>
+                <a:srgbClr val="C00000"/>
+              </a:buClr>
               <a:buFont typeface="+mj-lt"/>
               <a:buAutoNum type="arabicPeriod"/>
             </a:pPr>
@@ -8835,6 +8903,9 @@
           </a:p>
           <a:p>
             <a:pPr marL="514350" indent="-514350">
+              <a:buClr>
+                <a:srgbClr val="C00000"/>
+              </a:buClr>
               <a:buFont typeface="+mj-lt"/>
               <a:buAutoNum type="arabicPeriod"/>
             </a:pPr>
@@ -8845,6 +8916,9 @@
           </a:p>
           <a:p>
             <a:pPr marL="514350" indent="-514350">
+              <a:buClr>
+                <a:srgbClr val="C00000"/>
+              </a:buClr>
               <a:buFont typeface="+mj-lt"/>
               <a:buAutoNum type="arabicPeriod"/>
             </a:pPr>
@@ -8852,6 +8926,9 @@
           </a:p>
           <a:p>
             <a:pPr marL="514350" indent="-514350">
+              <a:buClr>
+                <a:srgbClr val="C00000"/>
+              </a:buClr>
               <a:buFont typeface="+mj-lt"/>
               <a:buAutoNum type="arabicPeriod"/>
             </a:pPr>
@@ -8900,7 +8977,6 @@
               <a:rPr lang="en-US" dirty="0"/>
               <a:t>Problems in Previous Work </a:t>
             </a:r>
-            <a:endParaRPr lang="en-US" dirty="0"/>
           </a:p>
         </p:txBody>
       </p:sp>
@@ -8978,7 +9054,7 @@
           <a:effectLst/>
           <a:extLst>
             <a:ext uri="{AF507438-7753-43e0-B8FC-AC1667EBCBE1}">
-              <a14:hiddenEffects xmlns:a14="http://schemas.microsoft.com/office/drawing/2010/main" xmlns="">
+              <a14:hiddenEffects xmlns="" xmlns:a14="http://schemas.microsoft.com/office/drawing/2010/main">
                 <a:effectLst>
                   <a:outerShdw blurRad="63500" dist="38099" dir="2700000" algn="ctr" rotWithShape="0">
                     <a:schemeClr val="bg2">
@@ -9060,7 +9136,7 @@
           <a:effectLst/>
           <a:extLst>
             <a:ext uri="{AF507438-7753-43e0-B8FC-AC1667EBCBE1}">
-              <a14:hiddenEffects xmlns:a14="http://schemas.microsoft.com/office/drawing/2010/main" xmlns="">
+              <a14:hiddenEffects xmlns="" xmlns:a14="http://schemas.microsoft.com/office/drawing/2010/main">
                 <a:effectLst>
                   <a:outerShdw blurRad="63500" dist="38099" dir="2700000" algn="ctr" rotWithShape="0">
                     <a:schemeClr val="bg2">
@@ -9137,7 +9213,6 @@
               <a:rPr lang="en-US" dirty="0"/>
               <a:t>Problem Definition  </a:t>
             </a:r>
-            <a:endParaRPr lang="en-US" dirty="0"/>
           </a:p>
         </p:txBody>
       </p:sp>
@@ -9311,12 +9386,35 @@
           <a:bodyPr/>
           <a:lstStyle/>
           <a:p>
+            <a:pPr marL="457200" indent="-457200">
+              <a:buClr>
+                <a:srgbClr val="C00000"/>
+              </a:buClr>
+              <a:buFont typeface="Wingdings" panose="05000000000000000000" pitchFamily="2" charset="2"/>
+              <a:buChar char="v"/>
+            </a:pPr>
             <a:r>
               <a:rPr lang="en-US" sz="2800" dirty="0" smtClean="0"/>
-              <a:t>Calculating the similarity values between the user’s résumé and the job models</a:t>
-            </a:r>
-          </a:p>
-          <a:p>
+              <a:t>Calculating the similarity values between the user’s résumé and the job </a:t>
+            </a:r>
+            <a:r>
+              <a:rPr lang="en-US" sz="2800" dirty="0" smtClean="0"/>
+              <a:t>models</a:t>
+            </a:r>
+            <a:r>
+              <a:rPr lang="en-US" sz="2800" dirty="0"/>
+              <a:t>.</a:t>
+            </a:r>
+            <a:endParaRPr lang="en-US" sz="2800" dirty="0" smtClean="0"/>
+          </a:p>
+          <a:p>
+            <a:pPr marL="457200" indent="-457200">
+              <a:buClr>
+                <a:srgbClr val="C00000"/>
+              </a:buClr>
+              <a:buFont typeface="Wingdings" panose="05000000000000000000" pitchFamily="2" charset="2"/>
+              <a:buChar char="v"/>
+            </a:pPr>
             <a:r>
               <a:rPr lang="en-US" sz="2800" dirty="0" smtClean="0"/>
               <a:t>Return the jobs ranked by their similarity value</a:t>
@@ -9449,11 +9547,7 @@
             </a:pPr>
             <a:r>
               <a:rPr lang="en-US" altLang="zh-CN" sz="2800" dirty="0" smtClean="0"/>
-              <a:t>Job finding websites are one of main channels </a:t>
-            </a:r>
-            <a:r>
-              <a:rPr lang="en-US" altLang="zh-CN" sz="2800" dirty="0" smtClean="0"/>
-              <a:t>today</a:t>
+              <a:t>Job finding websites are one of main channels today</a:t>
             </a:r>
             <a:r>
               <a:rPr lang="en-US" altLang="zh-CN" sz="2800" dirty="0"/>
@@ -9798,6 +9892,13 @@
           <a:bodyPr/>
           <a:lstStyle/>
           <a:p>
+            <a:pPr marL="457200" indent="-457200">
+              <a:buClr>
+                <a:srgbClr val="C00000"/>
+              </a:buClr>
+              <a:buFont typeface="Wingdings" panose="05000000000000000000" pitchFamily="2" charset="2"/>
+              <a:buChar char="v"/>
+            </a:pPr>
             <a:r>
               <a:rPr lang="en-US" sz="2800" dirty="0" smtClean="0"/>
               <a:t>r </a:t>
@@ -9812,10 +9913,13 @@
             </a:r>
           </a:p>
           <a:p>
-            <a:r>
-              <a:rPr lang="en-US" sz="2800" dirty="0" smtClean="0"/>
-              <a:t>   </a:t>
-            </a:r>
+            <a:pPr marL="457200" indent="-457200">
+              <a:buClr>
+                <a:srgbClr val="C00000"/>
+              </a:buClr>
+              <a:buFont typeface="Wingdings" panose="05000000000000000000" pitchFamily="2" charset="2"/>
+              <a:buChar char="v"/>
+            </a:pPr>
             <a:r>
               <a:rPr lang="en-US" sz="2800" dirty="0" err="1" smtClean="0"/>
               <a:t>r</a:t>
@@ -9855,6 +9959,13 @@
             <a:endParaRPr lang="en-US" sz="2800" dirty="0"/>
           </a:p>
           <a:p>
+            <a:pPr marL="457200" indent="-457200">
+              <a:buClr>
+                <a:srgbClr val="C00000"/>
+              </a:buClr>
+              <a:buFont typeface="Wingdings" panose="05000000000000000000" pitchFamily="2" charset="2"/>
+              <a:buChar char="v"/>
+            </a:pPr>
             <a:r>
               <a:rPr lang="en-US" sz="2800" dirty="0"/>
               <a:t>j is the </a:t>
@@ -9873,14 +9984,13 @@
             </a:r>
           </a:p>
           <a:p>
-            <a:r>
-              <a:rPr lang="en-US" sz="2800" dirty="0"/>
-              <a:t>	</a:t>
-            </a:r>
-            <a:r>
-              <a:rPr lang="en-US" sz="2800" dirty="0" smtClean="0"/>
-              <a:t>	</a:t>
-            </a:r>
+            <a:pPr marL="457200" indent="-457200">
+              <a:buClr>
+                <a:srgbClr val="C00000"/>
+              </a:buClr>
+              <a:buFont typeface="Wingdings" panose="05000000000000000000" pitchFamily="2" charset="2"/>
+              <a:buChar char="v"/>
+            </a:pPr>
             <a:r>
               <a:rPr lang="en-US" sz="2800" dirty="0" err="1" smtClean="0"/>
               <a:t>j</a:t>
@@ -9919,6 +10029,13 @@
             </a:r>
           </a:p>
           <a:p>
+            <a:pPr marL="457200" indent="-457200">
+              <a:buClr>
+                <a:srgbClr val="C00000"/>
+              </a:buClr>
+              <a:buFont typeface="Wingdings" panose="05000000000000000000" pitchFamily="2" charset="2"/>
+              <a:buChar char="v"/>
+            </a:pPr>
             <a:r>
               <a:rPr lang="en-US" sz="2800" dirty="0" smtClean="0"/>
               <a:t>Similarity value is the summation of weighted similarity values of each field in the models  </a:t>
@@ -10251,7 +10368,7 @@
           <a:effectLst/>
           <a:extLst>
             <a:ext uri="{AF507438-7753-43e0-B8FC-AC1667EBCBE1}">
-              <a14:hiddenEffects xmlns:a14="http://schemas.microsoft.com/office/drawing/2010/main" xmlns="">
+              <a14:hiddenEffects xmlns="" xmlns:a14="http://schemas.microsoft.com/office/drawing/2010/main">
                 <a:effectLst>
                   <a:outerShdw blurRad="63500" dist="38099" dir="2700000" algn="ctr" rotWithShape="0">
                     <a:schemeClr val="bg2">
@@ -10428,13 +10545,8 @@
           <a:p>
             <a:r>
               <a:rPr lang="en-US" dirty="0"/>
-              <a:t>System </a:t>
-            </a:r>
-            <a:r>
-              <a:rPr lang="en-US" dirty="0"/>
-              <a:t>Interface</a:t>
-            </a:r>
-            <a:endParaRPr lang="en-US" dirty="0"/>
+              <a:t>System Interface</a:t>
+            </a:r>
           </a:p>
         </p:txBody>
       </p:sp>
@@ -10599,7 +10711,7 @@
         </p:nvSpPr>
         <p:spPr>
           <a:xfrm>
-            <a:off x="729455" y="2514600"/>
+            <a:off x="729455" y="2209800"/>
             <a:ext cx="8228013" cy="3657600"/>
           </a:xfrm>
         </p:spPr>
@@ -10610,8 +10722,11 @@
           <a:lstStyle/>
           <a:p>
             <a:pPr marL="457200" indent="-457200">
-              <a:buFont typeface="Arial" panose="020B0604020202020204" pitchFamily="34" charset="0"/>
-              <a:buChar char="•"/>
+              <a:buClr>
+                <a:srgbClr val="C00000"/>
+              </a:buClr>
+              <a:buFont typeface="Wingdings" panose="05000000000000000000" pitchFamily="2" charset="2"/>
+              <a:buChar char="v"/>
             </a:pPr>
             <a:r>
               <a:rPr lang="en-US" sz="2800" dirty="0" smtClean="0"/>
@@ -10632,8 +10747,11 @@
           </a:p>
           <a:p>
             <a:pPr marL="457200" indent="-457200">
-              <a:buFont typeface="Arial" panose="020B0604020202020204" pitchFamily="34" charset="0"/>
-              <a:buChar char="•"/>
+              <a:buClr>
+                <a:srgbClr val="C00000"/>
+              </a:buClr>
+              <a:buFont typeface="Wingdings" panose="05000000000000000000" pitchFamily="2" charset="2"/>
+              <a:buChar char="v"/>
             </a:pPr>
             <a:r>
               <a:rPr lang="en-US" sz="2800" dirty="0" smtClean="0"/>
@@ -10667,8 +10785,11 @@
           </a:p>
           <a:p>
             <a:pPr marL="457200" indent="-457200">
-              <a:buFont typeface="Arial" panose="020B0604020202020204" pitchFamily="34" charset="0"/>
-              <a:buChar char="•"/>
+              <a:buClr>
+                <a:srgbClr val="C00000"/>
+              </a:buClr>
+              <a:buFont typeface="Wingdings" panose="05000000000000000000" pitchFamily="2" charset="2"/>
+              <a:buChar char="v"/>
             </a:pPr>
             <a:r>
               <a:rPr lang="en-US" sz="2800" dirty="0"/>
@@ -10708,7 +10829,6 @@
               <a:rPr lang="en-US" dirty="0"/>
               <a:t>Extracting the Models  </a:t>
             </a:r>
-            <a:endParaRPr lang="en-US" dirty="0"/>
           </a:p>
         </p:txBody>
       </p:sp>
@@ -10810,203 +10930,255 @@
               <a:rPr lang="en-US" dirty="0"/>
               <a:t>Information Extraction Stages</a:t>
             </a:r>
-            <a:endParaRPr lang="en-US" dirty="0"/>
           </a:p>
         </p:txBody>
       </p:sp>
       <p:sp>
         <p:nvSpPr>
-          <p:cNvPr id="5" name="Content Placeholder 1"/>
+          <p:cNvPr id="6" name="Content Placeholder 1"/>
           <p:cNvSpPr txBox="1">
             <a:spLocks/>
           </p:cNvSpPr>
           <p:nvPr/>
         </p:nvSpPr>
-        <p:spPr>
+        <p:spPr bwMode="auto">
           <a:xfrm>
-            <a:off x="685800" y="2514600"/>
-            <a:ext cx="4073347" cy="3263504"/>
+            <a:off x="565879" y="2057400"/>
+            <a:ext cx="3244121" cy="3505200"/>
           </a:xfrm>
           <a:prstGeom prst="rect">
             <a:avLst/>
           </a:prstGeom>
+          <a:noFill/>
+          <a:ln>
+            <a:noFill/>
+          </a:ln>
+          <a:effectLst/>
+          <a:extLst>
+            <a:ext uri="{909E8E84-426E-40dd-AFC4-6F175D3DCCD1}">
+              <a14:hiddenFill xmlns="" xmlns:a14="http://schemas.microsoft.com/office/drawing/2010/main">
+                <a:solidFill>
+                  <a:srgbClr val="FFFFFF"/>
+                </a:solidFill>
+              </a14:hiddenFill>
+            </a:ext>
+            <a:ext uri="{91240B29-F687-4f45-9708-019B960494DF}">
+              <a14:hiddenLine xmlns="" xmlns:a14="http://schemas.microsoft.com/office/drawing/2010/main" w="9525">
+                <a:solidFill>
+                  <a:srgbClr val="000000"/>
+                </a:solidFill>
+                <a:round/>
+                <a:headEnd/>
+                <a:tailEnd/>
+              </a14:hiddenLine>
+            </a:ext>
+            <a:ext uri="{AF507438-7753-43e0-B8FC-AC1667EBCBE1}">
+              <a14:hiddenEffects xmlns="" xmlns:a14="http://schemas.microsoft.com/office/drawing/2010/main">
+                <a:effectLst>
+                  <a:outerShdw blurRad="63500" dist="38099" dir="2700000" algn="ctr" rotWithShape="0">
+                    <a:schemeClr val="bg2">
+                      <a:alpha val="74997"/>
+                    </a:schemeClr>
+                  </a:outerShdw>
+                </a:effectLst>
+              </a14:hiddenEffects>
+            </a:ext>
+            <a:ext uri="{FAA26D3D-D897-4be2-8F04-BA451C77F1D7}">
+              <ma14:placeholderFlag xmlns="" xmlns:ma14="http://schemas.microsoft.com/office/mac/drawingml/2011/main" val="1"/>
+            </a:ext>
+          </a:extLst>
         </p:spPr>
         <p:txBody>
-          <a:bodyPr vert="horz" lIns="68580" tIns="34290" rIns="68580" bIns="34290" rtlCol="0">
+          <a:bodyPr vert="horz" wrap="square" lIns="90000" tIns="46800" rIns="90000" bIns="46800" numCol="1" anchor="t" anchorCtr="0" compatLnSpc="1">
+            <a:prstTxWarp prst="textNoShape">
+              <a:avLst/>
+            </a:prstTxWarp>
             <a:normAutofit/>
           </a:bodyPr>
           <a:lstStyle>
-            <a:lvl1pPr marL="228600" indent="-228600" algn="l" defTabSz="914400" rtl="0" eaLnBrk="1" latinLnBrk="0" hangingPunct="1">
-              <a:lnSpc>
-                <a:spcPct val="90000"/>
-              </a:lnSpc>
+            <a:lvl1pPr marL="342900" indent="-342900" algn="l" defTabSz="457200" rtl="0" eaLnBrk="0" fontAlgn="base" hangingPunct="0">
               <a:spcBef>
-                <a:spcPct val="30000"/>
+                <a:spcPts val="800"/>
               </a:spcBef>
+              <a:spcAft>
+                <a:spcPct val="0"/>
+              </a:spcAft>
               <a:buClr>
-                <a:schemeClr val="accent3"/>
+                <a:srgbClr val="000000"/>
               </a:buClr>
-              <a:buFont typeface="Arial" panose="020B0604020202020204" pitchFamily="34" charset="0"/>
-              <a:buChar char="•"/>
-              <a:defRPr sz="2800" kern="1200">
-                <a:solidFill>
-                  <a:schemeClr val="tx1"/>
+              <a:buSzPct val="100000"/>
+              <a:buFont typeface="Times New Roman" panose="02020603050405020304" pitchFamily="18" charset="0"/>
+              <a:defRPr sz="3200">
+                <a:solidFill>
+                  <a:srgbClr val="000000"/>
                 </a:solidFill>
                 <a:latin typeface="+mn-lt"/>
                 <a:ea typeface="+mn-ea"/>
                 <a:cs typeface="+mn-cs"/>
               </a:defRPr>
             </a:lvl1pPr>
-            <a:lvl2pPr marL="685800" indent="-228600" algn="l" defTabSz="914400" rtl="0" eaLnBrk="1" latinLnBrk="0" hangingPunct="1">
-              <a:lnSpc>
-                <a:spcPct val="90000"/>
-              </a:lnSpc>
+            <a:lvl2pPr marL="742950" indent="-285750" algn="l" defTabSz="457200" rtl="0" eaLnBrk="0" fontAlgn="base" hangingPunct="0">
               <a:spcBef>
-                <a:spcPct val="30000"/>
+                <a:spcPts val="700"/>
               </a:spcBef>
+              <a:spcAft>
+                <a:spcPct val="0"/>
+              </a:spcAft>
               <a:buClr>
-                <a:schemeClr val="accent3"/>
+                <a:srgbClr val="000000"/>
               </a:buClr>
-              <a:buFont typeface="Arial" panose="020B0604020202020204" pitchFamily="34" charset="0"/>
-              <a:buChar char="•"/>
-              <a:defRPr sz="2400" kern="1200">
-                <a:solidFill>
-                  <a:schemeClr val="tx1"/>
+              <a:buSzPct val="100000"/>
+              <a:buFont typeface="Times New Roman" panose="02020603050405020304" pitchFamily="18" charset="0"/>
+              <a:defRPr sz="2800">
+                <a:solidFill>
+                  <a:srgbClr val="000000"/>
                 </a:solidFill>
                 <a:latin typeface="+mn-lt"/>
                 <a:ea typeface="+mn-ea"/>
                 <a:cs typeface="+mn-cs"/>
               </a:defRPr>
             </a:lvl2pPr>
-            <a:lvl3pPr marL="1143000" indent="-228600" algn="l" defTabSz="914400" rtl="0" eaLnBrk="1" latinLnBrk="0" hangingPunct="1">
-              <a:lnSpc>
-                <a:spcPct val="90000"/>
-              </a:lnSpc>
+            <a:lvl3pPr marL="1143000" indent="-228600" algn="l" defTabSz="457200" rtl="0" eaLnBrk="0" fontAlgn="base" hangingPunct="0">
               <a:spcBef>
-                <a:spcPct val="30000"/>
+                <a:spcPts val="600"/>
               </a:spcBef>
+              <a:spcAft>
+                <a:spcPct val="0"/>
+              </a:spcAft>
               <a:buClr>
-                <a:schemeClr val="accent3"/>
+                <a:srgbClr val="000000"/>
               </a:buClr>
-              <a:buFont typeface="Arial" panose="020B0604020202020204" pitchFamily="34" charset="0"/>
-              <a:buChar char="•"/>
-              <a:defRPr sz="2000" kern="1200">
-                <a:solidFill>
-                  <a:schemeClr val="tx1"/>
+              <a:buSzPct val="100000"/>
+              <a:buFont typeface="Times New Roman" panose="02020603050405020304" pitchFamily="18" charset="0"/>
+              <a:defRPr sz="2400">
+                <a:solidFill>
+                  <a:srgbClr val="000000"/>
                 </a:solidFill>
                 <a:latin typeface="+mn-lt"/>
                 <a:ea typeface="+mn-ea"/>
                 <a:cs typeface="+mn-cs"/>
               </a:defRPr>
             </a:lvl3pPr>
-            <a:lvl4pPr marL="1600200" indent="-228600" algn="l" defTabSz="914400" rtl="0" eaLnBrk="1" latinLnBrk="0" hangingPunct="1">
-              <a:lnSpc>
-                <a:spcPct val="90000"/>
-              </a:lnSpc>
+            <a:lvl4pPr marL="1600200" indent="-228600" algn="l" defTabSz="457200" rtl="0" eaLnBrk="0" fontAlgn="base" hangingPunct="0">
               <a:spcBef>
-                <a:spcPct val="30000"/>
+                <a:spcPts val="500"/>
               </a:spcBef>
+              <a:spcAft>
+                <a:spcPct val="0"/>
+              </a:spcAft>
               <a:buClr>
-                <a:schemeClr val="accent3"/>
+                <a:srgbClr val="000000"/>
               </a:buClr>
-              <a:buFont typeface="Arial" panose="020B0604020202020204" pitchFamily="34" charset="0"/>
-              <a:buChar char="•"/>
-              <a:defRPr sz="1800" kern="1200">
-                <a:solidFill>
-                  <a:schemeClr val="tx1"/>
+              <a:buSzPct val="100000"/>
+              <a:buFont typeface="Times New Roman" panose="02020603050405020304" pitchFamily="18" charset="0"/>
+              <a:defRPr sz="2000">
+                <a:solidFill>
+                  <a:srgbClr val="000000"/>
                 </a:solidFill>
                 <a:latin typeface="+mn-lt"/>
                 <a:ea typeface="+mn-ea"/>
                 <a:cs typeface="+mn-cs"/>
               </a:defRPr>
             </a:lvl4pPr>
-            <a:lvl5pPr marL="2057400" indent="-228600" algn="l" defTabSz="914400" rtl="0" eaLnBrk="1" latinLnBrk="0" hangingPunct="1">
-              <a:lnSpc>
-                <a:spcPct val="90000"/>
-              </a:lnSpc>
+            <a:lvl5pPr marL="2057400" indent="-228600" algn="l" defTabSz="457200" rtl="0" eaLnBrk="0" fontAlgn="base" hangingPunct="0">
               <a:spcBef>
-                <a:spcPct val="30000"/>
+                <a:spcPts val="500"/>
               </a:spcBef>
+              <a:spcAft>
+                <a:spcPct val="0"/>
+              </a:spcAft>
               <a:buClr>
-                <a:schemeClr val="accent3"/>
+                <a:srgbClr val="000000"/>
               </a:buClr>
-              <a:buFont typeface="Arial" panose="020B0604020202020204" pitchFamily="34" charset="0"/>
-              <a:buChar char="•"/>
-              <a:defRPr sz="1800" kern="1200">
-                <a:solidFill>
-                  <a:schemeClr val="tx1"/>
+              <a:buSzPct val="100000"/>
+              <a:buFont typeface="Times New Roman" panose="02020603050405020304" pitchFamily="18" charset="0"/>
+              <a:defRPr sz="2000">
+                <a:solidFill>
+                  <a:srgbClr val="000000"/>
                 </a:solidFill>
                 <a:latin typeface="+mn-lt"/>
                 <a:ea typeface="+mn-ea"/>
                 <a:cs typeface="+mn-cs"/>
               </a:defRPr>
             </a:lvl5pPr>
-            <a:lvl6pPr marL="2514600" indent="-228600" algn="l" defTabSz="914400" rtl="0" eaLnBrk="1" latinLnBrk="0" hangingPunct="1">
-              <a:lnSpc>
-                <a:spcPct val="90000"/>
-              </a:lnSpc>
+            <a:lvl6pPr marL="2514600" indent="-228600" algn="l" defTabSz="457200" rtl="0" eaLnBrk="0" fontAlgn="base" hangingPunct="0">
               <a:spcBef>
-                <a:spcPct val="30000"/>
+                <a:spcPts val="500"/>
               </a:spcBef>
-              <a:buFont typeface="Arial" panose="020B0604020202020204" pitchFamily="34" charset="0"/>
-              <a:buChar char="•"/>
-              <a:defRPr sz="1800" kern="1200">
-                <a:solidFill>
-                  <a:schemeClr val="tx1"/>
+              <a:spcAft>
+                <a:spcPct val="0"/>
+              </a:spcAft>
+              <a:buClr>
+                <a:srgbClr val="000000"/>
+              </a:buClr>
+              <a:buSzPct val="100000"/>
+              <a:buFont typeface="Times New Roman" charset="0"/>
+              <a:defRPr sz="2000">
+                <a:solidFill>
+                  <a:srgbClr val="000000"/>
                 </a:solidFill>
                 <a:latin typeface="+mn-lt"/>
                 <a:ea typeface="+mn-ea"/>
                 <a:cs typeface="+mn-cs"/>
               </a:defRPr>
             </a:lvl6pPr>
-            <a:lvl7pPr marL="2971800" indent="-228600" algn="l" defTabSz="914400" rtl="0" eaLnBrk="1" latinLnBrk="0" hangingPunct="1">
-              <a:lnSpc>
-                <a:spcPct val="90000"/>
-              </a:lnSpc>
+            <a:lvl7pPr marL="2971800" indent="-228600" algn="l" defTabSz="457200" rtl="0" eaLnBrk="0" fontAlgn="base" hangingPunct="0">
               <a:spcBef>
-                <a:spcPct val="30000"/>
+                <a:spcPts val="500"/>
               </a:spcBef>
-              <a:buFont typeface="Arial" panose="020B0604020202020204" pitchFamily="34" charset="0"/>
-              <a:buChar char="•"/>
-              <a:defRPr sz="1800" kern="1200">
-                <a:solidFill>
-                  <a:schemeClr val="tx1"/>
+              <a:spcAft>
+                <a:spcPct val="0"/>
+              </a:spcAft>
+              <a:buClr>
+                <a:srgbClr val="000000"/>
+              </a:buClr>
+              <a:buSzPct val="100000"/>
+              <a:buFont typeface="Times New Roman" charset="0"/>
+              <a:defRPr sz="2000">
+                <a:solidFill>
+                  <a:srgbClr val="000000"/>
                 </a:solidFill>
                 <a:latin typeface="+mn-lt"/>
                 <a:ea typeface="+mn-ea"/>
                 <a:cs typeface="+mn-cs"/>
               </a:defRPr>
             </a:lvl7pPr>
-            <a:lvl8pPr marL="3429000" indent="-228600" algn="l" defTabSz="914400" rtl="0" eaLnBrk="1" latinLnBrk="0" hangingPunct="1">
-              <a:lnSpc>
-                <a:spcPct val="90000"/>
-              </a:lnSpc>
+            <a:lvl8pPr marL="3429000" indent="-228600" algn="l" defTabSz="457200" rtl="0" eaLnBrk="0" fontAlgn="base" hangingPunct="0">
               <a:spcBef>
-                <a:spcPct val="30000"/>
+                <a:spcPts val="500"/>
               </a:spcBef>
-              <a:buFont typeface="Arial" panose="020B0604020202020204" pitchFamily="34" charset="0"/>
-              <a:buChar char="•"/>
-              <a:defRPr sz="1800" kern="1200">
-                <a:solidFill>
-                  <a:schemeClr val="tx1"/>
+              <a:spcAft>
+                <a:spcPct val="0"/>
+              </a:spcAft>
+              <a:buClr>
+                <a:srgbClr val="000000"/>
+              </a:buClr>
+              <a:buSzPct val="100000"/>
+              <a:buFont typeface="Times New Roman" charset="0"/>
+              <a:defRPr sz="2000">
+                <a:solidFill>
+                  <a:srgbClr val="000000"/>
                 </a:solidFill>
                 <a:latin typeface="+mn-lt"/>
                 <a:ea typeface="+mn-ea"/>
                 <a:cs typeface="+mn-cs"/>
               </a:defRPr>
             </a:lvl8pPr>
-            <a:lvl9pPr marL="3886200" indent="-228600" algn="l" defTabSz="914400" rtl="0" eaLnBrk="1" latinLnBrk="0" hangingPunct="1">
-              <a:lnSpc>
-                <a:spcPct val="90000"/>
-              </a:lnSpc>
+            <a:lvl9pPr marL="3886200" indent="-228600" algn="l" defTabSz="457200" rtl="0" eaLnBrk="0" fontAlgn="base" hangingPunct="0">
               <a:spcBef>
-                <a:spcPct val="30000"/>
+                <a:spcPts val="500"/>
               </a:spcBef>
-              <a:buFont typeface="Arial" panose="020B0604020202020204" pitchFamily="34" charset="0"/>
-              <a:buChar char="•"/>
-              <a:defRPr sz="1800" kern="1200">
-                <a:solidFill>
-                  <a:schemeClr val="tx1"/>
+              <a:spcAft>
+                <a:spcPct val="0"/>
+              </a:spcAft>
+              <a:buClr>
+                <a:srgbClr val="000000"/>
+              </a:buClr>
+              <a:buSzPct val="100000"/>
+              <a:buFont typeface="Times New Roman" charset="0"/>
+              <a:defRPr sz="2000">
+                <a:solidFill>
+                  <a:srgbClr val="000000"/>
                 </a:solidFill>
                 <a:latin typeface="+mn-lt"/>
                 <a:ea typeface="+mn-ea"/>
@@ -11015,71 +11187,109 @@
             </a:lvl9pPr>
           </a:lstStyle>
           <a:p>
-            <a:pPr marL="385763" indent="-385763">
+            <a:pPr marL="514350" indent="-514350">
+              <a:buClr>
+                <a:srgbClr val="C00000"/>
+              </a:buClr>
               <a:buFont typeface="+mj-lt"/>
               <a:buAutoNum type="arabicPeriod"/>
             </a:pPr>
             <a:r>
-              <a:rPr lang="en-US" dirty="0"/>
+              <a:rPr lang="en-US" sz="2600" kern="0" dirty="0">
+                <a:latin typeface="+mj-lt"/>
+                <a:ea typeface="MS PMincho" panose="02020600040205080304" pitchFamily="18" charset="-128"/>
+                <a:cs typeface="Times New Roman" panose="02020603050405020304" pitchFamily="18" charset="0"/>
+              </a:rPr>
               <a:t>HTML Parsing</a:t>
             </a:r>
           </a:p>
           <a:p>
-            <a:pPr marL="385763" indent="-385763">
+            <a:pPr marL="514350" indent="-514350">
+              <a:buClr>
+                <a:srgbClr val="C00000"/>
+              </a:buClr>
               <a:buFont typeface="+mj-lt"/>
               <a:buAutoNum type="arabicPeriod"/>
             </a:pPr>
             <a:r>
-              <a:rPr lang="en-US" dirty="0"/>
+              <a:rPr lang="en-US" sz="2600" kern="0" dirty="0">
+                <a:latin typeface="+mj-lt"/>
+                <a:ea typeface="MS PMincho" panose="02020600040205080304" pitchFamily="18" charset="-128"/>
+                <a:cs typeface="Times New Roman" panose="02020603050405020304" pitchFamily="18" charset="0"/>
+              </a:rPr>
               <a:t>Segmenting</a:t>
             </a:r>
           </a:p>
           <a:p>
-            <a:pPr marL="385763" indent="-385763">
+            <a:pPr marL="514350" indent="-514350">
+              <a:buClr>
+                <a:srgbClr val="C00000"/>
+              </a:buClr>
               <a:buFont typeface="+mj-lt"/>
               <a:buAutoNum type="arabicPeriod"/>
             </a:pPr>
             <a:r>
-              <a:rPr lang="en-US" dirty="0"/>
+              <a:rPr lang="en-US" sz="2600" kern="0" dirty="0">
+                <a:latin typeface="+mj-lt"/>
+                <a:ea typeface="MS PMincho" panose="02020600040205080304" pitchFamily="18" charset="-128"/>
+                <a:cs typeface="Times New Roman" panose="02020603050405020304" pitchFamily="18" charset="0"/>
+              </a:rPr>
               <a:t>Preprocessing</a:t>
             </a:r>
           </a:p>
           <a:p>
-            <a:pPr marL="385763" indent="-385763">
+            <a:pPr marL="514350" indent="-514350">
+              <a:buClr>
+                <a:srgbClr val="C00000"/>
+              </a:buClr>
               <a:buFont typeface="+mj-lt"/>
               <a:buAutoNum type="arabicPeriod"/>
             </a:pPr>
             <a:r>
-              <a:rPr lang="en-US" dirty="0"/>
+              <a:rPr lang="en-US" sz="2600" kern="0" dirty="0">
+                <a:latin typeface="+mj-lt"/>
+                <a:ea typeface="MS PMincho" panose="02020600040205080304" pitchFamily="18" charset="-128"/>
+                <a:cs typeface="Times New Roman" panose="02020603050405020304" pitchFamily="18" charset="0"/>
+              </a:rPr>
               <a:t>Tokenizing</a:t>
             </a:r>
           </a:p>
           <a:p>
-            <a:pPr marL="385763" indent="-385763">
+            <a:pPr marL="514350" indent="-514350">
+              <a:buClr>
+                <a:srgbClr val="C00000"/>
+              </a:buClr>
               <a:buFont typeface="+mj-lt"/>
               <a:buAutoNum type="arabicPeriod"/>
             </a:pPr>
             <a:r>
-              <a:rPr lang="en-US" dirty="0"/>
+              <a:rPr lang="en-US" sz="2600" kern="0" dirty="0">
+                <a:latin typeface="+mj-lt"/>
+                <a:ea typeface="MS PMincho" panose="02020600040205080304" pitchFamily="18" charset="-128"/>
+                <a:cs typeface="Times New Roman" panose="02020603050405020304" pitchFamily="18" charset="0"/>
+              </a:rPr>
               <a:t>Labeling</a:t>
             </a:r>
           </a:p>
           <a:p>
-            <a:pPr marL="385763" indent="-385763">
+            <a:pPr marL="514350" indent="-514350">
+              <a:buClr>
+                <a:srgbClr val="C00000"/>
+              </a:buClr>
               <a:buFont typeface="+mj-lt"/>
               <a:buAutoNum type="arabicPeriod"/>
             </a:pPr>
             <a:r>
-              <a:rPr lang="en-US" dirty="0"/>
+              <a:rPr lang="en-US" sz="2600" kern="0" dirty="0">
+                <a:latin typeface="+mj-lt"/>
+                <a:ea typeface="MS PMincho" panose="02020600040205080304" pitchFamily="18" charset="-128"/>
+                <a:cs typeface="Times New Roman" panose="02020603050405020304" pitchFamily="18" charset="0"/>
+              </a:rPr>
               <a:t>Pattern Matching</a:t>
             </a:r>
           </a:p>
           <a:p>
-            <a:pPr marL="385763" indent="-385763">
-              <a:buFont typeface="+mj-lt"/>
-              <a:buAutoNum type="arabicPeriod"/>
-            </a:pPr>
-            <a:endParaRPr lang="en-US" sz="2100" dirty="0"/>
+            <a:endParaRPr lang="en-US" kern="0" dirty="0"/>
           </a:p>
         </p:txBody>
       </p:sp>
@@ -11333,6 +11543,9 @@
           <a:lstStyle/>
           <a:p>
             <a:pPr marL="514350" indent="-514350">
+              <a:buClr>
+                <a:srgbClr val="C00000"/>
+              </a:buClr>
               <a:buFont typeface="+mj-lt"/>
               <a:buAutoNum type="arabicPeriod"/>
             </a:pPr>
@@ -11347,6 +11560,9 @@
           </a:p>
           <a:p>
             <a:pPr marL="514350" indent="-514350">
+              <a:buClr>
+                <a:srgbClr val="C00000"/>
+              </a:buClr>
               <a:buFont typeface="+mj-lt"/>
               <a:buAutoNum type="arabicPeriod"/>
             </a:pPr>
@@ -11358,6 +11574,9 @@
           </a:p>
           <a:p>
             <a:pPr marL="514350" indent="-514350">
+              <a:buClr>
+                <a:srgbClr val="C00000"/>
+              </a:buClr>
               <a:buFont typeface="+mj-lt"/>
               <a:buAutoNum type="arabicPeriod"/>
             </a:pPr>
@@ -11372,6 +11591,9 @@
           </a:p>
           <a:p>
             <a:pPr marL="514350" indent="-514350">
+              <a:buClr>
+                <a:srgbClr val="C00000"/>
+              </a:buClr>
               <a:buFont typeface="+mj-lt"/>
               <a:buAutoNum type="arabicPeriod"/>
             </a:pPr>
@@ -11383,6 +11605,9 @@
           </a:p>
           <a:p>
             <a:pPr marL="514350" indent="-514350">
+              <a:buClr>
+                <a:srgbClr val="C00000"/>
+              </a:buClr>
               <a:buFont typeface="+mj-lt"/>
               <a:buAutoNum type="arabicPeriod"/>
             </a:pPr>
@@ -11397,6 +11622,9 @@
           </a:p>
           <a:p>
             <a:pPr marL="514350" indent="-514350">
+              <a:buClr>
+                <a:srgbClr val="C00000"/>
+              </a:buClr>
               <a:buFont typeface="+mj-lt"/>
               <a:buAutoNum type="arabicPeriod"/>
             </a:pPr>
@@ -11408,6 +11636,9 @@
           </a:p>
           <a:p>
             <a:pPr marL="514350" indent="-514350">
+              <a:buClr>
+                <a:srgbClr val="C00000"/>
+              </a:buClr>
               <a:buFont typeface="+mj-lt"/>
               <a:buAutoNum type="arabicPeriod"/>
             </a:pPr>
@@ -11510,84 +11741,6 @@
       </p:grpSpPr>
       <p:sp>
         <p:nvSpPr>
-          <p:cNvPr id="2" name="Content Placeholder 1"/>
-          <p:cNvSpPr>
-            <a:spLocks noGrp="1"/>
-          </p:cNvSpPr>
-          <p:nvPr>
-            <p:ph idx="1"/>
-          </p:nvPr>
-        </p:nvSpPr>
-        <p:spPr>
-          <a:xfrm>
-            <a:off x="763074" y="2226468"/>
-            <a:ext cx="7752277" cy="2345532"/>
-          </a:xfrm>
-        </p:spPr>
-        <p:txBody>
-          <a:bodyPr>
-            <a:normAutofit fontScale="25000" lnSpcReduction="20000"/>
-          </a:bodyPr>
-          <a:lstStyle/>
-          <a:p>
-            <a:r>
-              <a:rPr lang="en-US" sz="9600" dirty="0"/>
-              <a:t>A </a:t>
-            </a:r>
-            <a:r>
-              <a:rPr lang="en-US" sz="9600" dirty="0" smtClean="0"/>
-              <a:t>single </a:t>
-            </a:r>
-            <a:r>
-              <a:rPr lang="en-US" sz="9600" dirty="0"/>
-              <a:t>concept </a:t>
-            </a:r>
-            <a:r>
-              <a:rPr lang="en-US" sz="9600" dirty="0" smtClean="0"/>
-              <a:t>may have </a:t>
-            </a:r>
-            <a:r>
-              <a:rPr lang="en-US" sz="9600" dirty="0"/>
-              <a:t>multiple expressions</a:t>
-            </a:r>
-          </a:p>
-          <a:p>
-            <a:r>
-              <a:rPr lang="en-US" sz="9600" dirty="0"/>
-              <a:t>“bachelor’s degree”, the pattern will like below:</a:t>
-            </a:r>
-          </a:p>
-          <a:p>
-            <a:r>
-              <a:rPr lang="en-US" sz="9600" dirty="0"/>
-              <a:t>( Baccalaureate | bachelors | bachelor | B.S | BS | BA ) degree</a:t>
-            </a:r>
-          </a:p>
-          <a:p>
-            <a:endParaRPr lang="en-US" sz="9600" dirty="0"/>
-          </a:p>
-          <a:p>
-            <a:r>
-              <a:rPr lang="en-US" sz="9600" dirty="0"/>
-              <a:t>All words mean bachelors: </a:t>
-            </a:r>
-          </a:p>
-          <a:p>
-            <a:endParaRPr lang="en-US" dirty="0" smtClean="0"/>
-          </a:p>
-          <a:p>
-            <a:endParaRPr lang="en-US" dirty="0"/>
-          </a:p>
-          <a:p>
-            <a:endParaRPr lang="en-US" dirty="0"/>
-          </a:p>
-          <a:p>
-            <a:endParaRPr lang="en-US" dirty="0"/>
-          </a:p>
-        </p:txBody>
-      </p:sp>
-      <p:sp>
-        <p:nvSpPr>
           <p:cNvPr id="3" name="Title 2"/>
           <p:cNvSpPr>
             <a:spLocks noGrp="1"/>
@@ -11622,7 +11775,6 @@
               <a:rPr lang="en-US" dirty="0"/>
               <a:t>xplosion</a:t>
             </a:r>
-            <a:endParaRPr lang="en-US" dirty="0"/>
           </a:p>
         </p:txBody>
       </p:sp>
@@ -11634,8 +11786,8 @@
         </p:nvSpPr>
         <p:spPr>
           <a:xfrm>
-            <a:off x="729199" y="4694304"/>
-            <a:ext cx="8228526" cy="1569660"/>
+            <a:off x="457200" y="1752600"/>
+            <a:ext cx="8304726" cy="4893647"/>
           </a:xfrm>
           <a:prstGeom prst="rect">
             <a:avLst/>
@@ -11649,17 +11801,77 @@
           <a:lstStyle/>
           <a:p>
             <a:r>
+              <a:rPr lang="en-US" dirty="0">
+                <a:solidFill>
+                  <a:schemeClr val="tx1"/>
+                </a:solidFill>
+              </a:rPr>
+              <a:t>A single concept may have multiple </a:t>
+            </a:r>
+            <a:r>
               <a:rPr lang="en-US" dirty="0" smtClean="0">
                 <a:solidFill>
                   <a:schemeClr val="tx1"/>
                 </a:solidFill>
               </a:rPr>
-              <a:t>Baccalaureate, bachelors, bachelor, B.S., BS, BA, BA/BS, 4-year, 4-year, 4 year, four year,  college, Undergraduate </a:t>
+              <a:t>expressions. For example, some words </a:t>
             </a:r>
             <a:r>
               <a:rPr lang="en-US" dirty="0">
                 <a:solidFill>
                   <a:schemeClr val="tx1"/>
+                </a:solidFill>
+              </a:rPr>
+              <a:t>mean </a:t>
+            </a:r>
+            <a:r>
+              <a:rPr lang="en-US" dirty="0" smtClean="0">
+                <a:solidFill>
+                  <a:schemeClr val="tx1"/>
+                </a:solidFill>
+              </a:rPr>
+              <a:t>bachelors are: </a:t>
+            </a:r>
+            <a:endParaRPr lang="en-US" dirty="0">
+              <a:solidFill>
+                <a:schemeClr val="tx1"/>
+              </a:solidFill>
+            </a:endParaRPr>
+          </a:p>
+          <a:p>
+            <a:endParaRPr lang="en-US" dirty="0" smtClean="0">
+              <a:solidFill>
+                <a:schemeClr val="tx1"/>
+              </a:solidFill>
+            </a:endParaRPr>
+          </a:p>
+          <a:p>
+            <a:r>
+              <a:rPr lang="en-US" dirty="0" smtClean="0">
+                <a:solidFill>
+                  <a:schemeClr val="accent1">
+                    <a:lumMod val="75000"/>
+                  </a:schemeClr>
+                </a:solidFill>
+              </a:rPr>
+              <a:t>Baccalaureate</a:t>
+            </a:r>
+            <a:r>
+              <a:rPr lang="en-US" dirty="0" smtClean="0">
+                <a:solidFill>
+                  <a:schemeClr val="accent1">
+                    <a:lumMod val="75000"/>
+                  </a:schemeClr>
+                </a:solidFill>
+              </a:rPr>
+              <a:t>, bachelors, bachelor, B.S., BS, BA, BA/BS, 4-year, 4-year, 4 year, four year,  college, Undergraduate </a:t>
+            </a:r>
+            <a:r>
+              <a:rPr lang="en-US" dirty="0">
+                <a:solidFill>
+                  <a:schemeClr val="accent1">
+                    <a:lumMod val="75000"/>
+                  </a:schemeClr>
                 </a:solidFill>
               </a:rPr>
               <a:t>, </a:t>
@@ -11667,11 +11879,67 @@
             <a:r>
               <a:rPr lang="en-US" dirty="0" smtClean="0">
                 <a:solidFill>
-                  <a:schemeClr val="tx1"/>
+                  <a:schemeClr val="accent1">
+                    <a:lumMod val="75000"/>
+                  </a:schemeClr>
                 </a:solidFill>
               </a:rPr>
               <a:t>University</a:t>
             </a:r>
+          </a:p>
+          <a:p>
+            <a:endParaRPr lang="en-US" dirty="0">
+              <a:solidFill>
+                <a:schemeClr val="tx1"/>
+              </a:solidFill>
+            </a:endParaRPr>
+          </a:p>
+          <a:p>
+            <a:r>
+              <a:rPr lang="en-US" dirty="0" smtClean="0">
+                <a:solidFill>
+                  <a:schemeClr val="tx1"/>
+                </a:solidFill>
+              </a:rPr>
+              <a:t>“</a:t>
+            </a:r>
+            <a:r>
+              <a:rPr lang="en-US" dirty="0">
+                <a:solidFill>
+                  <a:schemeClr val="tx1"/>
+                </a:solidFill>
+              </a:rPr>
+              <a:t>bachelor’s degree”, the pattern will like below</a:t>
+            </a:r>
+            <a:r>
+              <a:rPr lang="en-US" dirty="0" smtClean="0">
+                <a:solidFill>
+                  <a:schemeClr val="tx1"/>
+                </a:solidFill>
+              </a:rPr>
+              <a:t>:</a:t>
+            </a:r>
+          </a:p>
+          <a:p>
+            <a:endParaRPr lang="en-US" dirty="0">
+              <a:solidFill>
+                <a:schemeClr val="tx1"/>
+              </a:solidFill>
+            </a:endParaRPr>
+          </a:p>
+          <a:p>
+            <a:r>
+              <a:rPr lang="en-US" dirty="0">
+                <a:solidFill>
+                  <a:schemeClr val="accent1">
+                    <a:lumMod val="75000"/>
+                  </a:schemeClr>
+                </a:solidFill>
+              </a:rPr>
+              <a:t>( Baccalaureate | bachelors | bachelor | B.S | BS | BA ) degree</a:t>
+            </a:r>
+          </a:p>
+          <a:p>
             <a:endParaRPr lang="en-US" dirty="0">
               <a:solidFill>
                 <a:schemeClr val="tx1"/>
@@ -11757,7 +12025,7 @@
           <a:effectLst/>
           <a:extLst>
             <a:ext uri="{AF507438-7753-43e0-B8FC-AC1667EBCBE1}">
-              <a14:hiddenEffects xmlns:a14="http://schemas.microsoft.com/office/drawing/2010/main" xmlns="">
+              <a14:hiddenEffects xmlns="" xmlns:a14="http://schemas.microsoft.com/office/drawing/2010/main">
                 <a:effectLst>
                   <a:outerShdw blurRad="63500" dist="38099" dir="2700000" algn="ctr" rotWithShape="0">
                     <a:schemeClr val="bg2">
@@ -13076,7 +13344,6 @@
               <a:rPr lang="en-US" dirty="0"/>
               <a:t>Pattern Matching </a:t>
             </a:r>
-            <a:endParaRPr lang="en-US" dirty="0"/>
           </a:p>
         </p:txBody>
       </p:sp>
@@ -13542,11 +13809,7 @@
             </a:r>
             <a:r>
               <a:rPr lang="en-US" dirty="0"/>
-              <a:t>M</a:t>
-            </a:r>
-            <a:r>
-              <a:rPr lang="en-US" dirty="0"/>
-              <a:t>atching </a:t>
+              <a:t>Matching </a:t>
             </a:r>
             <a:r>
               <a:rPr lang="en-US" dirty="0" smtClean="0"/>
@@ -13735,7 +13998,7 @@
         </p:nvSpPr>
         <p:spPr>
           <a:xfrm>
-            <a:off x="685800" y="2209800"/>
+            <a:off x="1066800" y="2209800"/>
             <a:ext cx="7496175" cy="2667000"/>
           </a:xfrm>
         </p:spPr>
@@ -13745,11 +14008,7 @@
           <a:p>
             <a:r>
               <a:rPr lang="en-US" dirty="0"/>
-              <a:t>Implementation of </a:t>
-            </a:r>
-            <a:r>
-              <a:rPr lang="en-US" dirty="0"/>
-              <a:t>Token </a:t>
+              <a:t>Implementation of Token </a:t>
             </a:r>
             <a:r>
               <a:rPr lang="en-US" altLang="zh-CN" dirty="0"/>
@@ -13832,7 +14091,6 @@
               <a:rPr lang="en-US" dirty="0"/>
               <a:t>current support </a:t>
             </a:r>
-            <a:endParaRPr lang="en-US" dirty="0"/>
           </a:p>
         </p:txBody>
       </p:sp>
@@ -13934,7 +14192,7 @@
           <a:effectLst/>
           <a:extLst>
             <a:ext uri="{AF507438-7753-43e0-B8FC-AC1667EBCBE1}">
-              <a14:hiddenEffects xmlns:a14="http://schemas.microsoft.com/office/drawing/2010/main" xmlns="">
+              <a14:hiddenEffects xmlns="" xmlns:a14="http://schemas.microsoft.com/office/drawing/2010/main">
                 <a:effectLst>
                   <a:outerShdw blurRad="63500" dist="38099" dir="2700000" algn="ctr" rotWithShape="0">
                     <a:schemeClr val="bg2">
@@ -14062,11 +14320,7 @@
           <a:p>
             <a:r>
               <a:rPr lang="en-US" dirty="0"/>
-              <a:t>Finite </a:t>
-            </a:r>
-            <a:r>
-              <a:rPr lang="en-US" dirty="0"/>
-              <a:t>Automata </a:t>
+              <a:t>Finite Automata </a:t>
             </a:r>
             <a:r>
               <a:rPr lang="en-US" dirty="0" smtClean="0"/>
@@ -14977,7 +15231,7 @@
           <a:effectLst/>
           <a:extLst>
             <a:ext uri="{AF507438-7753-43e0-B8FC-AC1667EBCBE1}">
-              <a14:hiddenEffects xmlns:a14="http://schemas.microsoft.com/office/drawing/2010/main" xmlns="">
+              <a14:hiddenEffects xmlns="" xmlns:a14="http://schemas.microsoft.com/office/drawing/2010/main">
                 <a:effectLst>
                   <a:outerShdw blurRad="63500" dist="38099" dir="2700000" algn="ctr" rotWithShape="0">
                     <a:schemeClr val="bg2">
@@ -15054,7 +15308,6 @@
               <a:rPr lang="en-US" dirty="0"/>
               <a:t>Problems of Keyword Searching</a:t>
             </a:r>
-            <a:endParaRPr lang="en-US" dirty="0"/>
           </a:p>
         </p:txBody>
       </p:sp>
@@ -15109,7 +15362,7 @@
           <a:effectLst/>
           <a:extLst>
             <a:ext uri="{AF507438-7753-43e0-B8FC-AC1667EBCBE1}">
-              <a14:hiddenEffects xmlns:a14="http://schemas.microsoft.com/office/drawing/2010/main" xmlns="">
+              <a14:hiddenEffects xmlns="" xmlns:a14="http://schemas.microsoft.com/office/drawing/2010/main">
                 <a:effectLst>
                   <a:outerShdw blurRad="63500" dist="38099" dir="2700000" algn="ctr" rotWithShape="0">
                     <a:schemeClr val="bg2">
@@ -15266,16 +15519,134 @@
           <a:lstStyle/>
           <a:p>
             <a:pPr>
+              <a:buClr>
+                <a:srgbClr val="C00000"/>
+              </a:buClr>
+              <a:buFont typeface="Wingdings" panose="05000000000000000000" pitchFamily="2" charset="2"/>
+              <a:buChar char="v"/>
+            </a:pPr>
+            <a:r>
+              <a:rPr lang="en-US" sz="2800" dirty="0" smtClean="0">
+                <a:solidFill>
+                  <a:schemeClr val="tx1"/>
+                </a:solidFill>
+              </a:rPr>
+              <a:t>Easy </a:t>
+            </a:r>
+            <a:r>
+              <a:rPr lang="en-US" sz="2800" dirty="0">
+                <a:solidFill>
+                  <a:schemeClr val="tx1"/>
+                </a:solidFill>
+              </a:rPr>
+              <a:t>to </a:t>
+            </a:r>
+            <a:r>
+              <a:rPr lang="en-US" sz="2800" dirty="0" smtClean="0">
+                <a:solidFill>
+                  <a:schemeClr val="tx1"/>
+                </a:solidFill>
+              </a:rPr>
+              <a:t>implement</a:t>
+            </a:r>
+          </a:p>
+          <a:p>
+            <a:pPr>
+              <a:buClr>
+                <a:srgbClr val="C00000"/>
+              </a:buClr>
+              <a:buFont typeface="Wingdings" panose="05000000000000000000" pitchFamily="2" charset="2"/>
+              <a:buChar char="v"/>
+            </a:pPr>
+            <a:r>
+              <a:rPr lang="en-US" sz="2800" dirty="0" smtClean="0">
+                <a:solidFill>
+                  <a:schemeClr val="tx1"/>
+                </a:solidFill>
+              </a:rPr>
+              <a:t>The </a:t>
+            </a:r>
+            <a:r>
+              <a:rPr lang="en-US" sz="2800" dirty="0">
+                <a:solidFill>
+                  <a:schemeClr val="tx1"/>
+                </a:solidFill>
+              </a:rPr>
+              <a:t>accuracy </a:t>
+            </a:r>
+            <a:r>
+              <a:rPr lang="en-US" sz="2800" dirty="0" smtClean="0">
+                <a:solidFill>
+                  <a:schemeClr val="tx1"/>
+                </a:solidFill>
+              </a:rPr>
+              <a:t>increase</a:t>
+            </a:r>
+            <a:r>
+              <a:rPr lang="en-US" altLang="zh-CN" sz="2800" dirty="0" smtClean="0">
+                <a:solidFill>
+                  <a:schemeClr val="tx1"/>
+                </a:solidFill>
+              </a:rPr>
+              <a:t>s</a:t>
+            </a:r>
+            <a:r>
+              <a:rPr lang="en-US" sz="2800" dirty="0" smtClean="0">
+                <a:solidFill>
+                  <a:schemeClr val="tx1"/>
+                </a:solidFill>
+              </a:rPr>
+              <a:t> as the number of patterns increases</a:t>
+            </a:r>
+          </a:p>
+          <a:p>
+            <a:pPr>
+              <a:buClr>
+                <a:srgbClr val="C00000"/>
+              </a:buClr>
+              <a:buFont typeface="Wingdings" panose="05000000000000000000" pitchFamily="2" charset="2"/>
+              <a:buChar char="v"/>
+            </a:pPr>
+            <a:r>
+              <a:rPr lang="en-US" sz="2800" dirty="0" smtClean="0">
+                <a:solidFill>
+                  <a:schemeClr val="tx1"/>
+                </a:solidFill>
+              </a:rPr>
+              <a:t>Faster</a:t>
+            </a:r>
+            <a:r>
+              <a:rPr lang="en-US" sz="2800" dirty="0" smtClean="0">
+                <a:solidFill>
+                  <a:schemeClr val="tx1"/>
+                </a:solidFill>
+              </a:rPr>
+              <a:t> </a:t>
+            </a:r>
+            <a:r>
+              <a:rPr lang="en-US" sz="2800" dirty="0" smtClean="0">
+                <a:solidFill>
+                  <a:schemeClr val="tx1"/>
+                </a:solidFill>
+              </a:rPr>
+              <a:t>  </a:t>
+            </a:r>
+          </a:p>
+          <a:p>
+            <a:pPr marL="857250" lvl="1" indent="-457200">
+              <a:buClr>
+                <a:srgbClr val="C00000"/>
+              </a:buClr>
               <a:buFont typeface="Arial" panose="020B0604020202020204" pitchFamily="34" charset="0"/>
               <a:buChar char="•"/>
             </a:pPr>
             <a:r>
-              <a:rPr lang="en-US" sz="2400" dirty="0">
+              <a:rPr lang="en-US" sz="2400" dirty="0" smtClean="0">
                 <a:solidFill>
                   <a:schemeClr val="tx1"/>
                 </a:solidFill>
               </a:rPr>
-              <a:t>Easy to </a:t>
+              <a:t>Time </a:t>
             </a:r>
             <a:r>
               <a:rPr lang="en-US" sz="2400" dirty="0" smtClean="0">
@@ -15283,78 +15654,37 @@
                   <a:schemeClr val="tx1"/>
                 </a:solidFill>
               </a:rPr>
-              <a:t>implement</a:t>
-            </a:r>
-          </a:p>
-          <a:p>
-            <a:pPr>
+              <a:t>Complexity   O(n)  </a:t>
+            </a:r>
+            <a:endParaRPr lang="en-US" sz="2400" dirty="0" smtClean="0">
+              <a:solidFill>
+                <a:schemeClr val="tx1"/>
+              </a:solidFill>
+            </a:endParaRPr>
+          </a:p>
+          <a:p>
+            <a:pPr marL="857250" lvl="1" indent="-457200">
+              <a:buClr>
+                <a:srgbClr val="C00000"/>
+              </a:buClr>
               <a:buFont typeface="Arial" panose="020B0604020202020204" pitchFamily="34" charset="0"/>
               <a:buChar char="•"/>
             </a:pPr>
             <a:r>
+              <a:rPr lang="en-US" sz="2400" dirty="0" smtClean="0">
+                <a:solidFill>
+                  <a:schemeClr val="tx1"/>
+                </a:solidFill>
+              </a:rPr>
+              <a:t>Conditional </a:t>
+            </a:r>
+            <a:r>
               <a:rPr lang="en-US" sz="2400" dirty="0">
                 <a:solidFill>
                   <a:schemeClr val="tx1"/>
                 </a:solidFill>
               </a:rPr>
-              <a:t>The accuracy </a:t>
-            </a:r>
-            <a:r>
-              <a:rPr lang="en-US" sz="2400" dirty="0" smtClean="0">
-                <a:solidFill>
-                  <a:schemeClr val="tx1"/>
-                </a:solidFill>
-              </a:rPr>
-              <a:t>increase</a:t>
-            </a:r>
-            <a:r>
-              <a:rPr lang="en-US" altLang="zh-CN" sz="2400" dirty="0" smtClean="0">
-                <a:solidFill>
-                  <a:schemeClr val="tx1"/>
-                </a:solidFill>
-              </a:rPr>
-              <a:t>s</a:t>
-            </a:r>
-            <a:r>
-              <a:rPr lang="en-US" sz="2400" dirty="0" smtClean="0">
-                <a:solidFill>
-                  <a:schemeClr val="tx1"/>
-                </a:solidFill>
-              </a:rPr>
-              <a:t> as the number of patterns increases</a:t>
-            </a:r>
-          </a:p>
-          <a:p>
-            <a:pPr>
-              <a:buFont typeface="Arial" panose="020B0604020202020204" pitchFamily="34" charset="0"/>
-              <a:buChar char="•"/>
-            </a:pPr>
-            <a:r>
-              <a:rPr lang="en-US" sz="2400" dirty="0" smtClean="0">
-                <a:solidFill>
-                  <a:schemeClr val="tx1"/>
-                </a:solidFill>
-              </a:rPr>
-              <a:t>Faster: Time Complexity   O(n)  </a:t>
-            </a:r>
-          </a:p>
-          <a:p>
-            <a:pPr marL="457200" lvl="1" indent="0"/>
-            <a:r>
-              <a:rPr lang="en-US" sz="2000" dirty="0">
-                <a:solidFill>
-                  <a:schemeClr val="tx1"/>
-                </a:solidFill>
-              </a:rPr>
-              <a:t> </a:t>
-            </a:r>
-            <a:r>
-              <a:rPr lang="en-US" sz="2400" dirty="0">
-                <a:solidFill>
-                  <a:schemeClr val="tx1"/>
-                </a:solidFill>
-              </a:rPr>
-              <a:t>Conditional Random Fields(CRFs</a:t>
+              <a:t>Random Fields(CRFs</a:t>
             </a:r>
             <a:r>
               <a:rPr lang="en-US" sz="2400" dirty="0" smtClean="0">
@@ -15414,7 +15744,7 @@
             </a:r>
           </a:p>
           <a:p>
-            <a:pPr>
+            <a:pPr lvl="1">
               <a:buFont typeface="Arial" panose="020B0604020202020204" pitchFamily="34" charset="0"/>
               <a:buChar char="•"/>
             </a:pPr>
@@ -15578,14 +15908,14 @@
           <a:effectLst/>
           <a:extLst>
             <a:ext uri="{909E8E84-426E-40dd-AFC4-6F175D3DCCD1}">
-              <a14:hiddenFill xmlns:a14="http://schemas.microsoft.com/office/drawing/2010/main" xmlns="">
+              <a14:hiddenFill xmlns="" xmlns:a14="http://schemas.microsoft.com/office/drawing/2010/main">
                 <a:solidFill>
                   <a:srgbClr val="FFFFFF"/>
                 </a:solidFill>
               </a14:hiddenFill>
             </a:ext>
             <a:ext uri="{91240B29-F687-4f45-9708-019B960494DF}">
-              <a14:hiddenLine xmlns:a14="http://schemas.microsoft.com/office/drawing/2010/main" xmlns="" w="9525">
+              <a14:hiddenLine xmlns="" xmlns:a14="http://schemas.microsoft.com/office/drawing/2010/main" w="9525">
                 <a:solidFill>
                   <a:srgbClr val="000000"/>
                 </a:solidFill>
@@ -15595,7 +15925,7 @@
               </a14:hiddenLine>
             </a:ext>
             <a:ext uri="{AF507438-7753-43e0-B8FC-AC1667EBCBE1}">
-              <a14:hiddenEffects xmlns:a14="http://schemas.microsoft.com/office/drawing/2010/main" xmlns="">
+              <a14:hiddenEffects xmlns="" xmlns:a14="http://schemas.microsoft.com/office/drawing/2010/main">
                 <a:effectLst>
                   <a:outerShdw blurRad="63500" dist="38099" dir="2700000" algn="ctr" rotWithShape="0">
                     <a:schemeClr val="bg2">
@@ -15606,7 +15936,7 @@
               </a14:hiddenEffects>
             </a:ext>
             <a:ext uri="{FAA26D3D-D897-4be2-8F04-BA451C77F1D7}">
-              <ma14:placeholderFlag xmlns:ma14="http://schemas.microsoft.com/office/mac/drawingml/2011/main" xmlns="" val="1"/>
+              <ma14:placeholderFlag xmlns="" xmlns:ma14="http://schemas.microsoft.com/office/mac/drawingml/2011/main" val="1"/>
             </a:ext>
           </a:extLst>
         </p:spPr>
@@ -15755,19 +16085,40 @@
           <a:bodyPr/>
           <a:lstStyle/>
           <a:p>
-            <a:r>
-              <a:rPr lang="en-US" dirty="0" smtClean="0"/>
-              <a:t> </a:t>
+            <a:pPr marL="514350" indent="-514350">
+              <a:buClr>
+                <a:srgbClr val="C00000"/>
+              </a:buClr>
+              <a:buFont typeface="+mj-lt"/>
+              <a:buAutoNum type="arabicPeriod"/>
+            </a:pPr>
+            <a:r>
+              <a:rPr lang="en-US" sz="2400" dirty="0" smtClean="0"/>
+              <a:t>A </a:t>
             </a:r>
             <a:r>
               <a:rPr lang="en-US" sz="2400" dirty="0"/>
-              <a:t>A high-level language such as Java, Groovy, Ruby or Python; we use Java and Groovy extensively</a:t>
-            </a:r>
-          </a:p>
-          <a:p>
+              <a:t>high-level language such as Java, Groovy, Ruby or Python; we use Java and Groovy extensively</a:t>
+            </a:r>
+          </a:p>
+          <a:p>
+            <a:pPr marL="457200" indent="-457200">
+              <a:buClr>
+                <a:srgbClr val="C00000"/>
+              </a:buClr>
+              <a:buFont typeface="+mj-lt"/>
+              <a:buAutoNum type="arabicPeriod"/>
+            </a:pPr>
             <a:endParaRPr lang="en-US" sz="2400" dirty="0"/>
           </a:p>
           <a:p>
+            <a:pPr marL="457200" indent="-457200">
+              <a:buClr>
+                <a:srgbClr val="C00000"/>
+              </a:buClr>
+              <a:buFont typeface="+mj-lt"/>
+              <a:buAutoNum type="arabicPeriod"/>
+            </a:pPr>
             <a:r>
               <a:rPr lang="en-US" sz="2400" dirty="0"/>
               <a:t>HTML5/CSS3/JavaScript, web standards, jQuery or frameworks like </a:t>
@@ -15782,9 +16133,23 @@
             </a:r>
           </a:p>
           <a:p>
+            <a:pPr marL="457200" indent="-457200">
+              <a:buClr>
+                <a:srgbClr val="C00000"/>
+              </a:buClr>
+              <a:buFont typeface="+mj-lt"/>
+              <a:buAutoNum type="arabicPeriod"/>
+            </a:pPr>
             <a:endParaRPr lang="en-US" sz="2400" dirty="0"/>
           </a:p>
           <a:p>
+            <a:pPr marL="457200" indent="-457200">
+              <a:buClr>
+                <a:srgbClr val="C00000"/>
+              </a:buClr>
+              <a:buFont typeface="+mj-lt"/>
+              <a:buAutoNum type="arabicPeriod"/>
+            </a:pPr>
             <a:r>
               <a:rPr lang="en-US" sz="2400" dirty="0"/>
               <a:t>HTML CSS and </a:t>
@@ -15828,17 +16193,8 @@
           <a:p>
             <a:r>
               <a:rPr lang="en-US" dirty="0"/>
-              <a:t>Find Terms </a:t>
-            </a:r>
-            <a:r>
-              <a:rPr lang="en-US" dirty="0"/>
-              <a:t>in </a:t>
-            </a:r>
-            <a:r>
-              <a:rPr lang="en-US" dirty="0"/>
-              <a:t>Job Descriptions </a:t>
-            </a:r>
-            <a:endParaRPr lang="en-US" dirty="0"/>
+              <a:t>Find Terms in Job Descriptions </a:t>
+            </a:r>
           </a:p>
         </p:txBody>
       </p:sp>
@@ -15899,36 +16255,125 @@
         </p:nvSpPr>
         <p:spPr>
           <a:xfrm>
-            <a:off x="457200" y="2286000"/>
-            <a:ext cx="8228013" cy="4244871"/>
+            <a:off x="443459" y="1752600"/>
+            <a:ext cx="8319541" cy="4724400"/>
           </a:xfrm>
         </p:spPr>
         <p:txBody>
           <a:bodyPr/>
           <a:lstStyle/>
           <a:p>
+            <a:pPr marL="457200" indent="-457200">
+              <a:buClr>
+                <a:srgbClr val="C00000"/>
+              </a:buClr>
+              <a:buFont typeface="Wingdings" panose="05000000000000000000" pitchFamily="2" charset="2"/>
+              <a:buChar char="v"/>
+            </a:pPr>
             <a:r>
               <a:rPr lang="en-US" sz="2800" dirty="0" smtClean="0"/>
-              <a:t>&lt; term </a:t>
-            </a:r>
-            <a:r>
-              <a:rPr lang="en-US" sz="2800" dirty="0"/>
-              <a:t>, * , *, </a:t>
-            </a:r>
-            <a:r>
-              <a:rPr lang="en-US" sz="2800" dirty="0" smtClean="0"/>
-              <a:t>term &gt;  ,   &lt; term </a:t>
-            </a:r>
-            <a:r>
-              <a:rPr lang="en-US" sz="2800" dirty="0"/>
-              <a:t>, * , *, and </a:t>
-            </a:r>
-            <a:r>
-              <a:rPr lang="en-US" sz="2800" dirty="0" smtClean="0"/>
-              <a:t>term &gt; </a:t>
-            </a:r>
-          </a:p>
-          <a:p>
+              <a:t>Patterns</a:t>
+            </a:r>
+            <a:endParaRPr lang="en-US" sz="2800" dirty="0" smtClean="0">
+              <a:solidFill>
+                <a:schemeClr val="accent1">
+                  <a:lumMod val="75000"/>
+                </a:schemeClr>
+              </a:solidFill>
+            </a:endParaRPr>
+          </a:p>
+          <a:p>
+            <a:pPr marL="0" indent="0">
+              <a:buClr>
+                <a:srgbClr val="C00000"/>
+              </a:buClr>
+            </a:pPr>
+            <a:r>
+              <a:rPr lang="en-US" sz="2400" dirty="0">
+                <a:solidFill>
+                  <a:schemeClr val="accent1">
+                    <a:lumMod val="75000"/>
+                  </a:schemeClr>
+                </a:solidFill>
+              </a:rPr>
+              <a:t>	</a:t>
+            </a:r>
+            <a:r>
+              <a:rPr lang="en-US" sz="2400" dirty="0" smtClean="0">
+                <a:solidFill>
+                  <a:schemeClr val="accent1">
+                    <a:lumMod val="75000"/>
+                  </a:schemeClr>
+                </a:solidFill>
+              </a:rPr>
+              <a:t>   TERM </a:t>
+            </a:r>
+            <a:r>
+              <a:rPr lang="en-US" sz="2400" dirty="0" smtClean="0">
+                <a:solidFill>
+                  <a:schemeClr val="accent1">
+                    <a:lumMod val="75000"/>
+                  </a:schemeClr>
+                </a:solidFill>
+              </a:rPr>
+              <a:t>, </a:t>
+            </a:r>
+            <a:r>
+              <a:rPr lang="en-US" sz="2400" dirty="0">
+                <a:solidFill>
+                  <a:schemeClr val="accent1">
+                    <a:lumMod val="75000"/>
+                  </a:schemeClr>
+                </a:solidFill>
+              </a:rPr>
+              <a:t>* , *, </a:t>
+            </a:r>
+            <a:r>
+              <a:rPr lang="en-US" sz="2400" dirty="0" smtClean="0">
+                <a:solidFill>
+                  <a:schemeClr val="accent1">
+                    <a:lumMod val="75000"/>
+                  </a:schemeClr>
+                </a:solidFill>
+              </a:rPr>
+              <a:t>(AND)? </a:t>
+            </a:r>
+            <a:r>
+              <a:rPr lang="en-US" sz="2400" dirty="0" smtClean="0">
+                <a:solidFill>
+                  <a:schemeClr val="accent1">
+                    <a:lumMod val="75000"/>
+                  </a:schemeClr>
+                </a:solidFill>
+              </a:rPr>
+              <a:t>TERM     </a:t>
+            </a:r>
+            <a:r>
+              <a:rPr lang="en-US" sz="2400" dirty="0" smtClean="0">
+                <a:solidFill>
+                  <a:schemeClr val="accent1">
+                    <a:lumMod val="75000"/>
+                  </a:schemeClr>
+                </a:solidFill>
+              </a:rPr>
+              <a:t> </a:t>
+            </a:r>
+            <a:endParaRPr lang="en-US" sz="2400" dirty="0" smtClean="0">
+              <a:solidFill>
+                <a:schemeClr val="accent1">
+                  <a:lumMod val="75000"/>
+                </a:schemeClr>
+              </a:solidFill>
+            </a:endParaRPr>
+          </a:p>
+          <a:p>
+            <a:pPr marL="457200" indent="-457200">
+              <a:buClr>
+                <a:srgbClr val="C00000"/>
+              </a:buClr>
+              <a:buFont typeface="Wingdings" panose="05000000000000000000" pitchFamily="2" charset="2"/>
+              <a:buChar char="v"/>
+            </a:pPr>
             <a:r>
               <a:rPr lang="en-US" sz="2800" dirty="0" smtClean="0"/>
               <a:t>Bootstrap approach </a:t>
@@ -15936,6 +16381,9 @@
           </a:p>
           <a:p>
             <a:pPr marL="685800" lvl="1" indent="-342900">
+              <a:buClr>
+                <a:srgbClr val="C00000"/>
+              </a:buClr>
               <a:buFont typeface="+mj-lt"/>
               <a:buAutoNum type="arabicPeriod"/>
             </a:pPr>
@@ -15946,6 +16394,9 @@
           </a:p>
           <a:p>
             <a:pPr marL="685800" lvl="1" indent="-342900">
+              <a:buClr>
+                <a:srgbClr val="C00000"/>
+              </a:buClr>
               <a:buFont typeface="+mj-lt"/>
               <a:buAutoNum type="arabicPeriod"/>
             </a:pPr>
@@ -15956,6 +16407,9 @@
           </a:p>
           <a:p>
             <a:pPr marL="685800" lvl="1" indent="-342900">
+              <a:buClr>
+                <a:srgbClr val="C00000"/>
+              </a:buClr>
               <a:buFont typeface="+mj-lt"/>
               <a:buAutoNum type="arabicPeriod"/>
             </a:pPr>
@@ -15973,41 +16427,45 @@
             </a:r>
           </a:p>
           <a:p>
-            <a:pPr marL="1085850" lvl="2" indent="-342900">
-              <a:buFont typeface="+mj-lt"/>
-              <a:buAutoNum type="arabicPeriod"/>
+            <a:pPr marL="1200150" lvl="3" indent="0">
+              <a:buClr>
+                <a:srgbClr val="C00000"/>
+              </a:buClr>
             </a:pPr>
             <a:r>
-              <a:rPr lang="en-US" sz="2000" dirty="0" smtClean="0"/>
+              <a:rPr lang="en-US" dirty="0" smtClean="0"/>
               <a:t>under </a:t>
             </a:r>
             <a:r>
-              <a:rPr lang="en-US" sz="2000" dirty="0"/>
+              <a:rPr lang="en-US" dirty="0"/>
               <a:t>the </a:t>
             </a:r>
             <a:r>
-              <a:rPr lang="en-US" sz="2000" dirty="0" smtClean="0"/>
+              <a:rPr lang="en-US" dirty="0" smtClean="0"/>
               <a:t>technical categories </a:t>
             </a:r>
             <a:r>
-              <a:rPr lang="en-US" sz="2000" dirty="0"/>
+              <a:rPr lang="en-US" dirty="0"/>
               <a:t>like </a:t>
             </a:r>
             <a:r>
-              <a:rPr lang="en-US" sz="2000" dirty="0" smtClean="0"/>
+              <a:rPr lang="en-US" dirty="0" smtClean="0"/>
               <a:t>software</a:t>
             </a:r>
             <a:r>
-              <a:rPr lang="en-US" sz="2000" dirty="0"/>
+              <a:rPr lang="en-US" dirty="0"/>
               <a:t>, programming </a:t>
             </a:r>
             <a:r>
-              <a:rPr lang="en-US" sz="2000" dirty="0" smtClean="0"/>
+              <a:rPr lang="en-US" dirty="0" smtClean="0"/>
               <a:t>language and so on.  </a:t>
             </a:r>
           </a:p>
           <a:p>
             <a:pPr marL="685800" lvl="1" indent="-342900">
+              <a:buClr>
+                <a:srgbClr val="C00000"/>
+              </a:buClr>
               <a:buFont typeface="+mj-lt"/>
               <a:buAutoNum type="arabicPeriod"/>
             </a:pPr>
@@ -16143,7 +16601,7 @@
           <a:effectLst/>
           <a:extLst>
             <a:ext uri="{AF507438-7753-43e0-B8FC-AC1667EBCBE1}">
-              <a14:hiddenEffects xmlns:a14="http://schemas.microsoft.com/office/drawing/2010/main" xmlns="">
+              <a14:hiddenEffects xmlns="" xmlns:a14="http://schemas.microsoft.com/office/drawing/2010/main">
                 <a:effectLst>
                   <a:outerShdw blurRad="63500" dist="38099" dir="2700000" algn="ctr" rotWithShape="0">
                     <a:schemeClr val="bg2">
@@ -16220,13 +16678,8 @@
           <a:p>
             <a:r>
               <a:rPr lang="en-US" dirty="0"/>
-              <a:t>Bootstrap </a:t>
-            </a:r>
-            <a:r>
-              <a:rPr lang="en-US" dirty="0"/>
-              <a:t>Approach </a:t>
-            </a:r>
-            <a:endParaRPr lang="en-US" dirty="0"/>
+              <a:t>Bootstrap Approach </a:t>
+            </a:r>
           </a:p>
         </p:txBody>
       </p:sp>
@@ -16355,7 +16808,6 @@
               <a:rPr lang="en-US" dirty="0"/>
               <a:t>Dbpedia Page </a:t>
             </a:r>
-            <a:endParaRPr lang="en-US" dirty="0"/>
           </a:p>
         </p:txBody>
       </p:sp>
@@ -16476,7 +16928,6 @@
               <a:rPr lang="en-US" dirty="0"/>
               <a:t>Ontology</a:t>
             </a:r>
-            <a:endParaRPr lang="en-US" dirty="0"/>
           </a:p>
         </p:txBody>
       </p:sp>
@@ -16643,11 +17094,11 @@
   <p:clrMapOvr>
     <a:masterClrMapping/>
   </p:clrMapOvr>
-  <mc:AlternateContent xmlns:mc="http://schemas.openxmlformats.org/markup-compatibility/2006">
-    <mc:Choice xmlns:p14="http://schemas.microsoft.com/office/powerpoint/2010/main" Requires="p14">
+  <mc:AlternateContent xmlns:mc="http://schemas.openxmlformats.org/markup-compatibility/2006" xmlns:p14="http://schemas.microsoft.com/office/powerpoint/2010/main">
+    <mc:Choice Requires="p14">
       <p:transition spd="slow" p14:dur="2000"/>
     </mc:Choice>
-    <mc:Fallback>
+    <mc:Fallback xmlns="">
       <p:transition spd="slow"/>
     </mc:Fallback>
   </mc:AlternateContent>
@@ -16698,6 +17149,13 @@
           <a:bodyPr/>
           <a:lstStyle/>
           <a:p>
+            <a:pPr marL="457200" indent="-457200">
+              <a:buClr>
+                <a:srgbClr val="C00000"/>
+              </a:buClr>
+              <a:buFont typeface="Wingdings" panose="05000000000000000000" pitchFamily="2" charset="2"/>
+              <a:buChar char="v"/>
+            </a:pPr>
             <a:r>
               <a:rPr lang="en-US" sz="2800" dirty="0" smtClean="0"/>
               <a:t>The résumé has the most personal information </a:t>
@@ -16705,6 +17163,9 @@
           </a:p>
           <a:p>
             <a:pPr marL="800100" lvl="1" indent="-342900">
+              <a:buClr>
+                <a:srgbClr val="C00000"/>
+              </a:buClr>
               <a:buFont typeface="Arial" panose="020B0604020202020204" pitchFamily="34" charset="0"/>
               <a:buChar char="•"/>
             </a:pPr>
@@ -16715,6 +17176,9 @@
           </a:p>
           <a:p>
             <a:pPr marL="800100" lvl="1" indent="-342900">
+              <a:buClr>
+                <a:srgbClr val="C00000"/>
+              </a:buClr>
               <a:buFont typeface="Arial" panose="020B0604020202020204" pitchFamily="34" charset="0"/>
               <a:buChar char="•"/>
             </a:pPr>
@@ -16729,6 +17193,9 @@
           </a:p>
           <a:p>
             <a:pPr marL="800100" lvl="1" indent="-342900">
+              <a:buClr>
+                <a:srgbClr val="C00000"/>
+              </a:buClr>
               <a:buFont typeface="Arial" panose="020B0604020202020204" pitchFamily="34" charset="0"/>
               <a:buChar char="•"/>
             </a:pPr>
@@ -16738,6 +17205,13 @@
             </a:r>
           </a:p>
           <a:p>
+            <a:pPr marL="457200" indent="-457200">
+              <a:buClr>
+                <a:srgbClr val="C00000"/>
+              </a:buClr>
+              <a:buFont typeface="Wingdings" panose="05000000000000000000" pitchFamily="2" charset="2"/>
+              <a:buChar char="v"/>
+            </a:pPr>
             <a:r>
               <a:rPr lang="en-US" sz="2800" dirty="0" smtClean="0"/>
               <a:t>Using </a:t>
@@ -16752,6 +17226,13 @@
             </a:r>
           </a:p>
           <a:p>
+            <a:pPr marL="457200" indent="-457200">
+              <a:buClr>
+                <a:srgbClr val="C00000"/>
+              </a:buClr>
+              <a:buFont typeface="Wingdings" panose="05000000000000000000" pitchFamily="2" charset="2"/>
+              <a:buChar char="v"/>
+            </a:pPr>
             <a:r>
               <a:rPr lang="en-US" sz="2800" dirty="0" smtClean="0"/>
               <a:t>Ranking the jobs by their similarity scores</a:t>
@@ -16860,17 +17341,8 @@
           <a:p>
             <a:r>
               <a:rPr lang="en-US" dirty="0"/>
-              <a:t>Résumé </a:t>
-            </a:r>
-            <a:r>
-              <a:rPr lang="en-US" dirty="0"/>
-              <a:t>and </a:t>
-            </a:r>
-            <a:r>
-              <a:rPr lang="en-US" dirty="0"/>
-              <a:t>Job Description</a:t>
-            </a:r>
-            <a:endParaRPr lang="en-US" dirty="0"/>
+              <a:t>Résumé and Job Description</a:t>
+            </a:r>
           </a:p>
         </p:txBody>
       </p:sp>
@@ -17195,7 +17667,6 @@
               <a:rPr lang="en-US" dirty="0"/>
               <a:t>Ontology similarity</a:t>
             </a:r>
-            <a:endParaRPr lang="en-US" dirty="0"/>
           </a:p>
         </p:txBody>
       </p:sp>
@@ -17332,11 +17803,7 @@
           <a:p>
             <a:r>
               <a:rPr lang="en-US" dirty="0"/>
-              <a:t>Ontology similarity</a:t>
-            </a:r>
-            <a:r>
-              <a:rPr lang="en-US" dirty="0"/>
-              <a:t> </a:t>
+              <a:t>Ontology similarity </a:t>
             </a:r>
           </a:p>
         </p:txBody>
@@ -17591,11 +18058,7 @@
           <a:p>
             <a:r>
               <a:rPr lang="en-US" dirty="0"/>
-              <a:t>Ontology similarity</a:t>
-            </a:r>
-            <a:r>
-              <a:rPr lang="en-US" dirty="0"/>
-              <a:t> </a:t>
+              <a:t>Ontology similarity </a:t>
             </a:r>
           </a:p>
         </p:txBody>
@@ -17689,15 +18152,36 @@
           <a:bodyPr/>
           <a:lstStyle/>
           <a:p>
+            <a:pPr marL="457200" indent="-457200">
+              <a:buClr>
+                <a:srgbClr val="C00000"/>
+              </a:buClr>
+              <a:buFont typeface="+mj-lt"/>
+              <a:buAutoNum type="arabicPeriod"/>
+            </a:pPr>
             <a:r>
               <a:rPr lang="en-US" sz="2400" dirty="0"/>
               <a:t>A high-level language such as Java, Groovy, Ruby or Python; we use Java and Groovy extensively</a:t>
             </a:r>
           </a:p>
           <a:p>
+            <a:pPr marL="457200" indent="-457200">
+              <a:buClr>
+                <a:srgbClr val="C00000"/>
+              </a:buClr>
+              <a:buFont typeface="+mj-lt"/>
+              <a:buAutoNum type="arabicPeriod"/>
+            </a:pPr>
             <a:endParaRPr lang="en-US" sz="2400" dirty="0"/>
           </a:p>
           <a:p>
+            <a:pPr marL="457200" indent="-457200">
+              <a:buClr>
+                <a:srgbClr val="C00000"/>
+              </a:buClr>
+              <a:buFont typeface="+mj-lt"/>
+              <a:buAutoNum type="arabicPeriod"/>
+            </a:pPr>
             <a:r>
               <a:rPr lang="en-US" sz="2400" dirty="0"/>
               <a:t>HTML5/CSS3/JavaScript, web standards, jQuery or frameworks like </a:t>
@@ -17712,9 +18196,23 @@
             </a:r>
           </a:p>
           <a:p>
+            <a:pPr marL="457200" indent="-457200">
+              <a:buClr>
+                <a:srgbClr val="C00000"/>
+              </a:buClr>
+              <a:buFont typeface="+mj-lt"/>
+              <a:buAutoNum type="arabicPeriod"/>
+            </a:pPr>
             <a:endParaRPr lang="en-US" sz="2400" dirty="0"/>
           </a:p>
           <a:p>
+            <a:pPr marL="457200" indent="-457200">
+              <a:buClr>
+                <a:srgbClr val="C00000"/>
+              </a:buClr>
+              <a:buFont typeface="+mj-lt"/>
+              <a:buAutoNum type="arabicPeriod"/>
+            </a:pPr>
             <a:r>
               <a:rPr lang="en-US" sz="2400" dirty="0"/>
               <a:t>HTML CSS and </a:t>
@@ -17757,13 +18255,8 @@
           <a:p>
             <a:r>
               <a:rPr lang="en-US" dirty="0"/>
-              <a:t>Statistical-based </a:t>
-            </a:r>
-            <a:r>
-              <a:rPr lang="en-US" dirty="0"/>
-              <a:t>Measure</a:t>
-            </a:r>
-            <a:endParaRPr lang="en-US" dirty="0"/>
+              <a:t>Statistical-based Measure</a:t>
+            </a:r>
           </a:p>
         </p:txBody>
       </p:sp>
@@ -17832,9 +18325,12 @@
           <a:bodyPr/>
           <a:lstStyle/>
           <a:p>
-            <a:pPr>
-              <a:buFont typeface="Arial" panose="020B0604020202020204" pitchFamily="34" charset="0"/>
-              <a:buChar char="•"/>
+            <a:pPr marL="457200" indent="-457200">
+              <a:buClr>
+                <a:srgbClr val="C00000"/>
+              </a:buClr>
+              <a:buFont typeface="Wingdings" panose="05000000000000000000" pitchFamily="2" charset="2"/>
+              <a:buChar char="v"/>
             </a:pPr>
             <a:r>
               <a:rPr lang="en-US" sz="2800" dirty="0" smtClean="0"/>
@@ -17850,9 +18346,12 @@
             </a:r>
           </a:p>
           <a:p>
-            <a:pPr>
-              <a:buFont typeface="Arial" panose="020B0604020202020204" pitchFamily="34" charset="0"/>
-              <a:buChar char="•"/>
+            <a:pPr marL="457200" indent="-457200">
+              <a:buClr>
+                <a:srgbClr val="C00000"/>
+              </a:buClr>
+              <a:buFont typeface="Wingdings" panose="05000000000000000000" pitchFamily="2" charset="2"/>
+              <a:buChar char="v"/>
             </a:pPr>
             <a:r>
               <a:rPr lang="en-US" sz="2800" dirty="0" smtClean="0"/>
@@ -18593,7 +19092,7 @@
           <a:effectLst/>
           <a:extLst>
             <a:ext uri="{AF507438-7753-43e0-B8FC-AC1667EBCBE1}">
-              <a14:hiddenEffects xmlns:a14="http://schemas.microsoft.com/office/drawing/2010/main" xmlns="">
+              <a14:hiddenEffects xmlns="" xmlns:a14="http://schemas.microsoft.com/office/drawing/2010/main">
                 <a:effectLst>
                   <a:outerShdw blurRad="63500" dist="38099" dir="2700000" algn="ctr" rotWithShape="0">
                     <a:schemeClr val="bg2">
@@ -18675,7 +19174,7 @@
           <a:effectLst/>
           <a:extLst>
             <a:ext uri="{AF507438-7753-43e0-B8FC-AC1667EBCBE1}">
-              <a14:hiddenEffects xmlns:a14="http://schemas.microsoft.com/office/drawing/2010/main" xmlns="">
+              <a14:hiddenEffects xmlns="" xmlns:a14="http://schemas.microsoft.com/office/drawing/2010/main">
                 <a:effectLst>
                   <a:outerShdw blurRad="63500" dist="38099" dir="2700000" algn="ctr" rotWithShape="0">
                     <a:schemeClr val="bg2">
@@ -18974,7 +19473,6 @@
               <a:rPr lang="en-US" dirty="0"/>
               <a:t>Information Extraction </a:t>
             </a:r>
-            <a:endParaRPr lang="en-US" dirty="0"/>
           </a:p>
         </p:txBody>
       </p:sp>
@@ -19218,7 +19716,6 @@
               <a:rPr lang="en-US" dirty="0"/>
               <a:t>Ontology Similarity </a:t>
             </a:r>
-            <a:endParaRPr lang="en-US" dirty="0"/>
           </a:p>
         </p:txBody>
       </p:sp>
@@ -19774,11 +20271,7 @@
           <a:p>
             <a:r>
               <a:rPr lang="en-US" dirty="0"/>
-              <a:t>Ontology </a:t>
-            </a:r>
-            <a:r>
-              <a:rPr lang="en-US" dirty="0"/>
-              <a:t>Similarity </a:t>
+              <a:t>Ontology Similarity </a:t>
             </a:r>
           </a:p>
         </p:txBody>
@@ -19900,11 +20393,7 @@
           <a:p>
             <a:r>
               <a:rPr lang="en-US" dirty="0"/>
-              <a:t>Ontology </a:t>
-            </a:r>
-            <a:r>
-              <a:rPr lang="en-US" dirty="0"/>
-              <a:t>Similarity </a:t>
+              <a:t>Ontology Similarity </a:t>
             </a:r>
           </a:p>
         </p:txBody>
@@ -19966,7 +20455,7 @@
         </p:nvSpPr>
         <p:spPr>
           <a:xfrm>
-            <a:off x="381000" y="2362200"/>
+            <a:off x="400987" y="1986391"/>
             <a:ext cx="8228013" cy="4191000"/>
           </a:xfrm>
         </p:spPr>
@@ -19974,6 +20463,13 @@
           <a:bodyPr/>
           <a:lstStyle/>
           <a:p>
+            <a:pPr marL="457200" indent="-457200">
+              <a:buClr>
+                <a:srgbClr val="C00000"/>
+              </a:buClr>
+              <a:buFont typeface="Wingdings" panose="05000000000000000000" pitchFamily="2" charset="2"/>
+              <a:buChar char="v"/>
+            </a:pPr>
             <a:r>
               <a:rPr lang="en-US" sz="2700" dirty="0"/>
               <a:t>NDCG </a:t>
@@ -19981,6 +20477,13 @@
             <a:endParaRPr lang="en-US" sz="2700" dirty="0" smtClean="0"/>
           </a:p>
           <a:p>
+            <a:pPr marL="457200" indent="-457200">
+              <a:buClr>
+                <a:srgbClr val="C00000"/>
+              </a:buClr>
+              <a:buFont typeface="Wingdings" panose="05000000000000000000" pitchFamily="2" charset="2"/>
+              <a:buChar char="v"/>
+            </a:pPr>
             <a:r>
               <a:rPr lang="en-US" sz="2700" dirty="0" err="1" smtClean="0"/>
               <a:t>Precision@K</a:t>
@@ -19992,6 +20495,7 @@
             <a:endParaRPr lang="en-US" sz="2700" dirty="0"/>
           </a:p>
           <a:p>
+            <a:pPr lvl="1"/>
             <a:r>
               <a:rPr lang="en-US" dirty="0" smtClean="0"/>
               <a:t>The </a:t>
@@ -20030,17 +20534,8 @@
           <a:p>
             <a:r>
               <a:rPr lang="en-US" dirty="0"/>
-              <a:t> Résumé </a:t>
-            </a:r>
-            <a:r>
-              <a:rPr lang="en-US" dirty="0"/>
-              <a:t>–</a:t>
-            </a:r>
-            <a:r>
-              <a:rPr lang="en-US" dirty="0"/>
-              <a:t> Job Matching</a:t>
-            </a:r>
-            <a:endParaRPr lang="en-US" dirty="0"/>
+              <a:t> Résumé – Job Matching</a:t>
+            </a:r>
           </a:p>
         </p:txBody>
       </p:sp>
@@ -20060,7 +20555,7 @@
         </p:blipFill>
         <p:spPr>
           <a:xfrm>
-            <a:off x="1524000" y="4724400"/>
+            <a:off x="1524000" y="4343400"/>
             <a:ext cx="4724400" cy="1444247"/>
           </a:xfrm>
           <a:prstGeom prst="rect">
@@ -20199,7 +20694,6 @@
               <a:rPr lang="en-US" dirty="0"/>
               <a:t>Models to Compare With</a:t>
             </a:r>
-            <a:endParaRPr lang="en-US" dirty="0"/>
           </a:p>
         </p:txBody>
       </p:sp>
@@ -20356,7 +20850,6 @@
               <a:rPr lang="en-US" dirty="0"/>
               <a:t>Models to Compare With</a:t>
             </a:r>
-            <a:endParaRPr lang="en-US" dirty="0"/>
           </a:p>
         </p:txBody>
       </p:sp>
@@ -20516,11 +21009,7 @@
           <a:p>
             <a:r>
               <a:rPr lang="en-US" dirty="0"/>
-              <a:t>Models to Compare </a:t>
-            </a:r>
-            <a:r>
-              <a:rPr lang="en-US" dirty="0"/>
-              <a:t>With</a:t>
+              <a:t>Models to Compare With</a:t>
             </a:r>
           </a:p>
         </p:txBody>
@@ -20614,18 +21103,39 @@
           <a:bodyPr/>
           <a:lstStyle/>
           <a:p>
+            <a:pPr marL="457200" indent="-457200">
+              <a:buClr>
+                <a:srgbClr val="C00000"/>
+              </a:buClr>
+              <a:buFont typeface="Wingdings" panose="05000000000000000000" pitchFamily="2" charset="2"/>
+              <a:buChar char="v"/>
+            </a:pPr>
             <a:r>
               <a:rPr lang="en-US" dirty="0" smtClean="0"/>
               <a:t>5 résumés </a:t>
             </a:r>
           </a:p>
           <a:p>
+            <a:pPr marL="457200" indent="-457200">
+              <a:buClr>
+                <a:srgbClr val="C00000"/>
+              </a:buClr>
+              <a:buFont typeface="Wingdings" panose="05000000000000000000" pitchFamily="2" charset="2"/>
+              <a:buChar char="v"/>
+            </a:pPr>
             <a:r>
               <a:rPr lang="en-US" dirty="0" smtClean="0"/>
               <a:t>100 jobs in the system</a:t>
             </a:r>
           </a:p>
           <a:p>
+            <a:pPr marL="457200" indent="-457200">
+              <a:buClr>
+                <a:srgbClr val="C00000"/>
+              </a:buClr>
+              <a:buFont typeface="Wingdings" panose="05000000000000000000" pitchFamily="2" charset="2"/>
+              <a:buChar char="v"/>
+            </a:pPr>
             <a:r>
               <a:rPr lang="en-US" dirty="0" smtClean="0"/>
               <a:t>Relevance values </a:t>
@@ -20666,7 +21176,6 @@
               <a:rPr lang="en-US" dirty="0"/>
               <a:t>Experiment Setup </a:t>
             </a:r>
-            <a:endParaRPr lang="en-US" dirty="0"/>
           </a:p>
         </p:txBody>
       </p:sp>
@@ -20737,11 +21246,7 @@
           <a:p>
             <a:r>
               <a:rPr lang="en-US" dirty="0"/>
-              <a:t> Ontology </a:t>
-            </a:r>
-            <a:r>
-              <a:rPr lang="en-US" dirty="0"/>
-              <a:t>Matching</a:t>
+              <a:t> Ontology Matching</a:t>
             </a:r>
           </a:p>
         </p:txBody>
@@ -20835,12 +21340,26 @@
           <a:bodyPr/>
           <a:lstStyle/>
           <a:p>
+            <a:pPr>
+              <a:buClr>
+                <a:srgbClr val="C00000"/>
+              </a:buClr>
+              <a:buFont typeface="Wingdings" panose="05000000000000000000" pitchFamily="2" charset="2"/>
+              <a:buChar char="v"/>
+            </a:pPr>
             <a:r>
               <a:rPr lang="en-US" sz="2400" dirty="0"/>
               <a:t>A résumé – job matching system</a:t>
             </a:r>
           </a:p>
           <a:p>
+            <a:pPr>
+              <a:buClr>
+                <a:srgbClr val="C00000"/>
+              </a:buClr>
+              <a:buFont typeface="Wingdings" panose="05000000000000000000" pitchFamily="2" charset="2"/>
+              <a:buChar char="v"/>
+            </a:pPr>
             <a:r>
               <a:rPr lang="en-US" altLang="en-US" sz="2400" dirty="0"/>
               <a:t>Propose </a:t>
@@ -20859,6 +21378,13 @@
             </a:r>
           </a:p>
           <a:p>
+            <a:pPr>
+              <a:buClr>
+                <a:srgbClr val="C00000"/>
+              </a:buClr>
+              <a:buFont typeface="Wingdings" panose="05000000000000000000" pitchFamily="2" charset="2"/>
+              <a:buChar char="v"/>
+            </a:pPr>
             <a:r>
               <a:rPr lang="en-US" altLang="en-US" sz="2400" dirty="0"/>
               <a:t>Propose </a:t>
@@ -20873,6 +21399,13 @@
             </a:r>
           </a:p>
           <a:p>
+            <a:pPr>
+              <a:buClr>
+                <a:srgbClr val="C00000"/>
+              </a:buClr>
+              <a:buFont typeface="Wingdings" panose="05000000000000000000" pitchFamily="2" charset="2"/>
+              <a:buChar char="v"/>
+            </a:pPr>
             <a:r>
               <a:rPr lang="en-US" altLang="en-US" sz="2400" dirty="0"/>
               <a:t>Propose </a:t>
@@ -20887,6 +21420,13 @@
             </a:r>
           </a:p>
           <a:p>
+            <a:pPr>
+              <a:buClr>
+                <a:srgbClr val="C00000"/>
+              </a:buClr>
+              <a:buFont typeface="Wingdings" panose="05000000000000000000" pitchFamily="2" charset="2"/>
+              <a:buChar char="v"/>
+            </a:pPr>
             <a:r>
               <a:rPr lang="en-US" sz="2400" dirty="0"/>
               <a:t>A new searching approach which combines keyword searching and model matching</a:t>
@@ -21023,7 +21563,6 @@
               <a:rPr lang="en-US" dirty="0"/>
               <a:t>Ontology Matching</a:t>
             </a:r>
-            <a:endParaRPr lang="en-US" dirty="0"/>
           </a:p>
         </p:txBody>
       </p:sp>
@@ -21092,6 +21631,13 @@
           <a:bodyPr/>
           <a:lstStyle/>
           <a:p>
+            <a:pPr>
+              <a:buClr>
+                <a:srgbClr val="C00000"/>
+              </a:buClr>
+              <a:buFont typeface="Wingdings" panose="05000000000000000000" pitchFamily="2" charset="2"/>
+              <a:buChar char="v"/>
+            </a:pPr>
             <a:r>
               <a:rPr lang="en-US" sz="2400" dirty="0" smtClean="0"/>
               <a:t>A </a:t>
@@ -21110,18 +21656,39 @@
             </a:r>
           </a:p>
           <a:p>
+            <a:pPr>
+              <a:buClr>
+                <a:srgbClr val="C00000"/>
+              </a:buClr>
+              <a:buFont typeface="Wingdings" panose="05000000000000000000" pitchFamily="2" charset="2"/>
+              <a:buChar char="v"/>
+            </a:pPr>
             <a:r>
               <a:rPr lang="en-US" sz="2400" dirty="0"/>
               <a:t>A semi-automatic approach to collect technical terms</a:t>
             </a:r>
           </a:p>
           <a:p>
+            <a:pPr>
+              <a:buClr>
+                <a:srgbClr val="C00000"/>
+              </a:buClr>
+              <a:buFont typeface="Wingdings" panose="05000000000000000000" pitchFamily="2" charset="2"/>
+              <a:buChar char="v"/>
+            </a:pPr>
             <a:r>
               <a:rPr lang="en-US" sz="2400" dirty="0"/>
               <a:t>A statistical-based ontology similarity measure</a:t>
             </a:r>
           </a:p>
           <a:p>
+            <a:pPr>
+              <a:buClr>
+                <a:srgbClr val="C00000"/>
+              </a:buClr>
+              <a:buFont typeface="Wingdings" panose="05000000000000000000" pitchFamily="2" charset="2"/>
+              <a:buChar char="v"/>
+            </a:pPr>
             <a:r>
               <a:rPr lang="en-US" sz="2400" dirty="0" smtClean="0"/>
               <a:t>A new searching approach which combines </a:t>
@@ -21230,33 +21797,39 @@
           <a:lstStyle/>
           <a:p>
             <a:pPr marL="514350" indent="-514350">
+              <a:buClr>
+                <a:srgbClr val="C00000"/>
+              </a:buClr>
               <a:buFont typeface="+mj-lt"/>
               <a:buAutoNum type="arabicPeriod"/>
             </a:pPr>
             <a:r>
-              <a:rPr lang="en-US" dirty="0" smtClean="0"/>
+              <a:rPr lang="en-US" sz="2800" dirty="0" smtClean="0"/>
               <a:t>Clustering the </a:t>
             </a:r>
             <a:r>
-              <a:rPr lang="en-US" dirty="0"/>
+              <a:rPr lang="en-US" sz="2800" dirty="0"/>
               <a:t>résumé </a:t>
             </a:r>
             <a:r>
-              <a:rPr lang="en-US" dirty="0" smtClean="0"/>
+              <a:rPr lang="en-US" sz="2800" dirty="0" smtClean="0"/>
               <a:t>and job models to decrease the size of the matching set. </a:t>
             </a:r>
           </a:p>
           <a:p>
             <a:pPr marL="514350" indent="-514350">
+              <a:buClr>
+                <a:srgbClr val="C00000"/>
+              </a:buClr>
               <a:buFont typeface="+mj-lt"/>
               <a:buAutoNum type="arabicPeriod"/>
             </a:pPr>
             <a:r>
-              <a:rPr lang="en-US" dirty="0" smtClean="0"/>
+              <a:rPr lang="en-US" sz="2800" dirty="0" smtClean="0"/>
               <a:t>Building more complex job and </a:t>
             </a:r>
             <a:r>
-              <a:rPr lang="en-US" dirty="0" smtClean="0">
+              <a:rPr lang="en-US" sz="2800" dirty="0" smtClean="0">
                 <a:solidFill>
                   <a:schemeClr val="tx1"/>
                 </a:solidFill>
@@ -21266,18 +21839,21 @@
           </a:p>
           <a:p>
             <a:pPr marL="514350" indent="-514350">
+              <a:buClr>
+                <a:srgbClr val="C00000"/>
+              </a:buClr>
               <a:buFont typeface="+mj-lt"/>
               <a:buAutoNum type="arabicPeriod"/>
             </a:pPr>
             <a:r>
-              <a:rPr lang="en-US" dirty="0" smtClean="0">
+              <a:rPr lang="en-US" sz="2800" dirty="0" smtClean="0">
                 <a:solidFill>
                   <a:schemeClr val="tx1"/>
                 </a:solidFill>
               </a:rPr>
               <a:t>Using hybrid recommendation techniques </a:t>
             </a:r>
-            <a:endParaRPr lang="en-US" dirty="0"/>
+            <a:endParaRPr lang="en-US" sz="2800" dirty="0"/>
           </a:p>
         </p:txBody>
       </p:sp>
@@ -21377,14 +21953,14 @@
           <a:effectLst/>
           <a:extLst>
             <a:ext uri="{909E8E84-426E-40dd-AFC4-6F175D3DCCD1}">
-              <a14:hiddenFill xmlns:a14="http://schemas.microsoft.com/office/drawing/2010/main" xmlns="">
+              <a14:hiddenFill xmlns="" xmlns:a14="http://schemas.microsoft.com/office/drawing/2010/main">
                 <a:solidFill>
                   <a:srgbClr val="FFFFFF"/>
                 </a:solidFill>
               </a14:hiddenFill>
             </a:ext>
             <a:ext uri="{91240B29-F687-4f45-9708-019B960494DF}">
-              <a14:hiddenLine xmlns:a14="http://schemas.microsoft.com/office/drawing/2010/main" xmlns="" w="9525">
+              <a14:hiddenLine xmlns="" xmlns:a14="http://schemas.microsoft.com/office/drawing/2010/main" w="9525">
                 <a:solidFill>
                   <a:srgbClr val="000000"/>
                 </a:solidFill>
@@ -21394,7 +21970,7 @@
               </a14:hiddenLine>
             </a:ext>
             <a:ext uri="{AF507438-7753-43e0-B8FC-AC1667EBCBE1}">
-              <a14:hiddenEffects xmlns:a14="http://schemas.microsoft.com/office/drawing/2010/main" xmlns="">
+              <a14:hiddenEffects xmlns="" xmlns:a14="http://schemas.microsoft.com/office/drawing/2010/main">
                 <a:effectLst>
                   <a:outerShdw blurRad="63500" dist="38099" dir="2700000" algn="ctr" rotWithShape="0">
                     <a:srgbClr val="000000">
@@ -21666,8 +22242,11 @@
               <a:spcBef>
                 <a:spcPts val="750"/>
               </a:spcBef>
-              <a:buFont typeface="Arial" panose="020B0604020202020204" pitchFamily="34" charset="0"/>
-              <a:buChar char="•"/>
+              <a:buClr>
+                <a:srgbClr val="C00000"/>
+              </a:buClr>
+              <a:buFont typeface="Wingdings" panose="05000000000000000000" pitchFamily="2" charset="2"/>
+              <a:buChar char="v"/>
             </a:pPr>
             <a:r>
               <a:rPr lang="en-US" altLang="en-US" sz="3000" dirty="0">
@@ -21683,8 +22262,11 @@
               <a:spcBef>
                 <a:spcPts val="750"/>
               </a:spcBef>
-              <a:buFont typeface="Arial" panose="020B0604020202020204" pitchFamily="34" charset="0"/>
-              <a:buChar char="•"/>
+              <a:buClr>
+                <a:srgbClr val="C00000"/>
+              </a:buClr>
+              <a:buFont typeface="Wingdings" panose="05000000000000000000" pitchFamily="2" charset="2"/>
+              <a:buChar char="v"/>
             </a:pPr>
             <a:r>
               <a:rPr lang="en-US" altLang="en-US" sz="3000" dirty="0">
@@ -21724,8 +22306,11 @@
               <a:spcBef>
                 <a:spcPts val="750"/>
               </a:spcBef>
-              <a:buFont typeface="Arial" panose="020B0604020202020204" pitchFamily="34" charset="0"/>
-              <a:buChar char="•"/>
+              <a:buClr>
+                <a:srgbClr val="C00000"/>
+              </a:buClr>
+              <a:buFont typeface="Wingdings" panose="05000000000000000000" pitchFamily="2" charset="2"/>
+              <a:buChar char="v"/>
             </a:pPr>
             <a:r>
               <a:rPr lang="en-US" altLang="en-US" sz="3000" dirty="0">
@@ -21765,8 +22350,11 @@
               <a:spcBef>
                 <a:spcPts val="750"/>
               </a:spcBef>
-              <a:buFont typeface="Arial" panose="020B0604020202020204" pitchFamily="34" charset="0"/>
-              <a:buChar char="•"/>
+              <a:buClr>
+                <a:srgbClr val="C00000"/>
+              </a:buClr>
+              <a:buFont typeface="Wingdings" panose="05000000000000000000" pitchFamily="2" charset="2"/>
+              <a:buChar char="v"/>
             </a:pPr>
             <a:r>
               <a:rPr lang="en-US" altLang="en-US" sz="3000" dirty="0">
@@ -22012,7 +22600,6 @@
               <a:rPr lang="en-US" dirty="0"/>
               <a:t>Acknowledgements</a:t>
             </a:r>
-            <a:endParaRPr lang="en-US" dirty="0"/>
           </a:p>
         </p:txBody>
       </p:sp>
@@ -22097,14 +22684,14 @@
           <a:effectLst/>
           <a:extLst>
             <a:ext uri="{909E8E84-426E-40dd-AFC4-6F175D3DCCD1}">
-              <a14:hiddenFill xmlns:a14="http://schemas.microsoft.com/office/drawing/2010/main" xmlns="">
+              <a14:hiddenFill xmlns="" xmlns:a14="http://schemas.microsoft.com/office/drawing/2010/main">
                 <a:solidFill>
                   <a:srgbClr val="FFFFFF"/>
                 </a:solidFill>
               </a14:hiddenFill>
             </a:ext>
             <a:ext uri="{91240B29-F687-4f45-9708-019B960494DF}">
-              <a14:hiddenLine xmlns:a14="http://schemas.microsoft.com/office/drawing/2010/main" xmlns="" w="9525">
+              <a14:hiddenLine xmlns="" xmlns:a14="http://schemas.microsoft.com/office/drawing/2010/main" w="9525">
                 <a:solidFill>
                   <a:srgbClr val="000000"/>
                 </a:solidFill>
@@ -22114,7 +22701,7 @@
               </a14:hiddenLine>
             </a:ext>
             <a:ext uri="{AF507438-7753-43e0-B8FC-AC1667EBCBE1}">
-              <a14:hiddenEffects xmlns:a14="http://schemas.microsoft.com/office/drawing/2010/main" xmlns="">
+              <a14:hiddenEffects xmlns="" xmlns:a14="http://schemas.microsoft.com/office/drawing/2010/main">
                 <a:effectLst>
                   <a:outerShdw blurRad="63500" dist="38099" dir="2700000" algn="ctr" rotWithShape="0">
                     <a:srgbClr val="000000">
@@ -22999,14 +23586,14 @@
           <a:effectLst/>
           <a:extLst>
             <a:ext uri="{909E8E84-426E-40dd-AFC4-6F175D3DCCD1}">
-              <a14:hiddenFill xmlns:a14="http://schemas.microsoft.com/office/drawing/2010/main" xmlns="">
+              <a14:hiddenFill xmlns="" xmlns:a14="http://schemas.microsoft.com/office/drawing/2010/main">
                 <a:solidFill>
                   <a:srgbClr val="FFFFFF"/>
                 </a:solidFill>
               </a14:hiddenFill>
             </a:ext>
             <a:ext uri="{91240B29-F687-4f45-9708-019B960494DF}">
-              <a14:hiddenLine xmlns:a14="http://schemas.microsoft.com/office/drawing/2010/main" xmlns="" w="9525">
+              <a14:hiddenLine xmlns="" xmlns:a14="http://schemas.microsoft.com/office/drawing/2010/main" w="9525">
                 <a:solidFill>
                   <a:srgbClr val="000000"/>
                 </a:solidFill>
@@ -23016,7 +23603,7 @@
               </a14:hiddenLine>
             </a:ext>
             <a:ext uri="{AF507438-7753-43e0-B8FC-AC1667EBCBE1}">
-              <a14:hiddenEffects xmlns:a14="http://schemas.microsoft.com/office/drawing/2010/main" xmlns="">
+              <a14:hiddenEffects xmlns="" xmlns:a14="http://schemas.microsoft.com/office/drawing/2010/main">
                 <a:effectLst>
                   <a:outerShdw blurRad="63500" dist="38099" dir="2700000" algn="ctr" rotWithShape="0">
                     <a:srgbClr val="000000">
@@ -23322,14 +23909,14 @@
           <a:effectLst/>
           <a:extLst>
             <a:ext uri="{909E8E84-426E-40dd-AFC4-6F175D3DCCD1}">
-              <a14:hiddenFill xmlns:a14="http://schemas.microsoft.com/office/drawing/2010/main" xmlns="">
+              <a14:hiddenFill xmlns="" xmlns:a14="http://schemas.microsoft.com/office/drawing/2010/main">
                 <a:solidFill>
                   <a:srgbClr val="FFFFFF"/>
                 </a:solidFill>
               </a14:hiddenFill>
             </a:ext>
             <a:ext uri="{91240B29-F687-4f45-9708-019B960494DF}">
-              <a14:hiddenLine xmlns:a14="http://schemas.microsoft.com/office/drawing/2010/main" xmlns="" w="9525">
+              <a14:hiddenLine xmlns="" xmlns:a14="http://schemas.microsoft.com/office/drawing/2010/main" w="9525">
                 <a:solidFill>
                   <a:srgbClr val="000000"/>
                 </a:solidFill>
@@ -23339,7 +23926,7 @@
               </a14:hiddenLine>
             </a:ext>
             <a:ext uri="{AF507438-7753-43e0-B8FC-AC1667EBCBE1}">
-              <a14:hiddenEffects xmlns:a14="http://schemas.microsoft.com/office/drawing/2010/main" xmlns="">
+              <a14:hiddenEffects xmlns="" xmlns:a14="http://schemas.microsoft.com/office/drawing/2010/main">
                 <a:effectLst>
                   <a:outerShdw blurRad="63500" dist="38099" dir="2700000" algn="ctr" rotWithShape="0">
                     <a:srgbClr val="000000">
@@ -23767,13 +24354,8 @@
           <a:p>
             <a:r>
               <a:rPr lang="en-US" sz="4800" dirty="0"/>
-              <a:t>Previous </a:t>
-            </a:r>
-            <a:r>
-              <a:rPr lang="en-US" sz="4800" dirty="0"/>
-              <a:t>Work  </a:t>
-            </a:r>
-            <a:endParaRPr lang="en-US" sz="4800" dirty="0"/>
+              <a:t>Previous Work  </a:t>
+            </a:r>
           </a:p>
         </p:txBody>
       </p:sp>
@@ -23836,11 +24418,7 @@
           <a:p>
             <a:r>
               <a:rPr lang="en-US" dirty="0"/>
-              <a:t>Recommender </a:t>
-            </a:r>
-            <a:r>
-              <a:rPr lang="en-US" dirty="0"/>
-              <a:t>Systems </a:t>
+              <a:t>Recommender Systems </a:t>
             </a:r>
           </a:p>
         </p:txBody>
@@ -24201,7 +24779,7 @@
         <a:effectLst/>
         <a:extLst>
           <a:ext uri="{AF507438-7753-43e0-B8FC-AC1667EBCBE1}">
-            <a14:hiddenEffects xmlns:a14="http://schemas.microsoft.com/office/drawing/2010/main" xmlns="">
+            <a14:hiddenEffects xmlns="" xmlns:a14="http://schemas.microsoft.com/office/drawing/2010/main">
               <a:effectLst>
                 <a:outerShdw blurRad="63500" dist="38099" dir="2700000" algn="ctr" rotWithShape="0">
                   <a:schemeClr val="bg2">
@@ -24280,7 +24858,7 @@
         <a:effectLst/>
         <a:extLst>
           <a:ext uri="{AF507438-7753-43e0-B8FC-AC1667EBCBE1}">
-            <a14:hiddenEffects xmlns:a14="http://schemas.microsoft.com/office/drawing/2010/main" xmlns="">
+            <a14:hiddenEffects xmlns="" xmlns:a14="http://schemas.microsoft.com/office/drawing/2010/main">
               <a:effectLst>
                 <a:outerShdw blurRad="63500" dist="38099" dir="2700000" algn="ctr" rotWithShape="0">
                   <a:schemeClr val="bg2">

--- a/media/Master's thesis-2.pptx
+++ b/media/Master's thesis-2.pptx
@@ -5,10 +5,10 @@
     <p:sldMasterId id="2147483648" r:id="rId1"/>
   </p:sldMasterIdLst>
   <p:notesMasterIdLst>
-    <p:notesMasterId r:id="rId74"/>
+    <p:notesMasterId r:id="rId77"/>
   </p:notesMasterIdLst>
   <p:handoutMasterIdLst>
-    <p:handoutMasterId r:id="rId75"/>
+    <p:handoutMasterId r:id="rId78"/>
   </p:handoutMasterIdLst>
   <p:sldIdLst>
     <p:sldId id="258" r:id="rId2"/>
@@ -30,59 +30,62 @@
     <p:sldId id="275" r:id="rId18"/>
     <p:sldId id="276" r:id="rId19"/>
     <p:sldId id="339" r:id="rId20"/>
-    <p:sldId id="338" r:id="rId21"/>
-    <p:sldId id="278" r:id="rId22"/>
-    <p:sldId id="279" r:id="rId23"/>
-    <p:sldId id="280" r:id="rId24"/>
-    <p:sldId id="281" r:id="rId25"/>
-    <p:sldId id="282" r:id="rId26"/>
-    <p:sldId id="283" r:id="rId27"/>
-    <p:sldId id="284" r:id="rId28"/>
-    <p:sldId id="285" r:id="rId29"/>
-    <p:sldId id="286" r:id="rId30"/>
-    <p:sldId id="330" r:id="rId31"/>
-    <p:sldId id="288" r:id="rId32"/>
-    <p:sldId id="287" r:id="rId33"/>
-    <p:sldId id="290" r:id="rId34"/>
-    <p:sldId id="334" r:id="rId35"/>
-    <p:sldId id="331" r:id="rId36"/>
-    <p:sldId id="291" r:id="rId37"/>
-    <p:sldId id="289" r:id="rId38"/>
-    <p:sldId id="292" r:id="rId39"/>
-    <p:sldId id="293" r:id="rId40"/>
-    <p:sldId id="294" r:id="rId41"/>
-    <p:sldId id="333" r:id="rId42"/>
-    <p:sldId id="297" r:id="rId43"/>
-    <p:sldId id="299" r:id="rId44"/>
-    <p:sldId id="300" r:id="rId45"/>
-    <p:sldId id="301" r:id="rId46"/>
-    <p:sldId id="302" r:id="rId47"/>
-    <p:sldId id="303" r:id="rId48"/>
-    <p:sldId id="340" r:id="rId49"/>
-    <p:sldId id="343" r:id="rId50"/>
-    <p:sldId id="298" r:id="rId51"/>
-    <p:sldId id="305" r:id="rId52"/>
-    <p:sldId id="332" r:id="rId53"/>
-    <p:sldId id="306" r:id="rId54"/>
-    <p:sldId id="335" r:id="rId55"/>
-    <p:sldId id="328" r:id="rId56"/>
-    <p:sldId id="341" r:id="rId57"/>
-    <p:sldId id="310" r:id="rId58"/>
-    <p:sldId id="311" r:id="rId59"/>
-    <p:sldId id="313" r:id="rId60"/>
-    <p:sldId id="314" r:id="rId61"/>
-    <p:sldId id="315" r:id="rId62"/>
-    <p:sldId id="337" r:id="rId63"/>
-    <p:sldId id="317" r:id="rId64"/>
-    <p:sldId id="318" r:id="rId65"/>
-    <p:sldId id="319" r:id="rId66"/>
-    <p:sldId id="320" r:id="rId67"/>
-    <p:sldId id="321" r:id="rId68"/>
-    <p:sldId id="322" r:id="rId69"/>
-    <p:sldId id="323" r:id="rId70"/>
-    <p:sldId id="324" r:id="rId71"/>
-    <p:sldId id="325" r:id="rId72"/>
-    <p:sldId id="326" r:id="rId73"/>
+    <p:sldId id="344" r:id="rId21"/>
+    <p:sldId id="338" r:id="rId22"/>
+    <p:sldId id="345" r:id="rId23"/>
+    <p:sldId id="346" r:id="rId24"/>
+    <p:sldId id="347" r:id="rId25"/>
+    <p:sldId id="348" r:id="rId26"/>
+    <p:sldId id="279" r:id="rId27"/>
+    <p:sldId id="280" r:id="rId28"/>
+    <p:sldId id="281" r:id="rId29"/>
+    <p:sldId id="282" r:id="rId30"/>
+    <p:sldId id="283" r:id="rId31"/>
+    <p:sldId id="284" r:id="rId32"/>
+    <p:sldId id="285" r:id="rId33"/>
+    <p:sldId id="286" r:id="rId34"/>
+    <p:sldId id="330" r:id="rId35"/>
+    <p:sldId id="288" r:id="rId36"/>
+    <p:sldId id="287" r:id="rId37"/>
+    <p:sldId id="290" r:id="rId38"/>
+    <p:sldId id="334" r:id="rId39"/>
+    <p:sldId id="331" r:id="rId40"/>
+    <p:sldId id="291" r:id="rId41"/>
+    <p:sldId id="289" r:id="rId42"/>
+    <p:sldId id="292" r:id="rId43"/>
+    <p:sldId id="293" r:id="rId44"/>
+    <p:sldId id="294" r:id="rId45"/>
+    <p:sldId id="333" r:id="rId46"/>
+    <p:sldId id="297" r:id="rId47"/>
+    <p:sldId id="299" r:id="rId48"/>
+    <p:sldId id="300" r:id="rId49"/>
+    <p:sldId id="301" r:id="rId50"/>
+    <p:sldId id="302" r:id="rId51"/>
+    <p:sldId id="303" r:id="rId52"/>
+    <p:sldId id="340" r:id="rId53"/>
+    <p:sldId id="343" r:id="rId54"/>
+    <p:sldId id="298" r:id="rId55"/>
+    <p:sldId id="305" r:id="rId56"/>
+    <p:sldId id="332" r:id="rId57"/>
+    <p:sldId id="306" r:id="rId58"/>
+    <p:sldId id="335" r:id="rId59"/>
+    <p:sldId id="341" r:id="rId60"/>
+    <p:sldId id="310" r:id="rId61"/>
+    <p:sldId id="311" r:id="rId62"/>
+    <p:sldId id="313" r:id="rId63"/>
+    <p:sldId id="314" r:id="rId64"/>
+    <p:sldId id="315" r:id="rId65"/>
+    <p:sldId id="337" r:id="rId66"/>
+    <p:sldId id="317" r:id="rId67"/>
+    <p:sldId id="318" r:id="rId68"/>
+    <p:sldId id="319" r:id="rId69"/>
+    <p:sldId id="320" r:id="rId70"/>
+    <p:sldId id="321" r:id="rId71"/>
+    <p:sldId id="322" r:id="rId72"/>
+    <p:sldId id="323" r:id="rId73"/>
+    <p:sldId id="324" r:id="rId74"/>
+    <p:sldId id="325" r:id="rId75"/>
+    <p:sldId id="326" r:id="rId76"/>
   </p:sldIdLst>
   <p:sldSz cx="9144000" cy="6858000" type="screen4x3"/>
   <p:notesSz cx="6858000" cy="9144000"/>
@@ -526,7 +529,7 @@
           <a:effectLst/>
           <a:extLst>
             <a:ext uri="{91240B29-F687-4f45-9708-019B960494DF}">
-              <a14:hiddenLine xmlns="" xmlns:a14="http://schemas.microsoft.com/office/drawing/2010/main" w="9525">
+              <a14:hiddenLine xmlns:a14="http://schemas.microsoft.com/office/drawing/2010/main" xmlns="" w="9525">
                 <a:solidFill>
                   <a:srgbClr val="000000"/>
                 </a:solidFill>
@@ -536,7 +539,7 @@
               </a14:hiddenLine>
             </a:ext>
             <a:ext uri="{AF507438-7753-43e0-B8FC-AC1667EBCBE1}">
-              <a14:hiddenEffects xmlns="" xmlns:a14="http://schemas.microsoft.com/office/drawing/2010/main">
+              <a14:hiddenEffects xmlns:a14="http://schemas.microsoft.com/office/drawing/2010/main" xmlns="">
                 <a:effectLst>
                   <a:outerShdw blurRad="63500" dist="38099" dir="2700000" algn="ctr" rotWithShape="0">
                     <a:srgbClr val="000000">
@@ -588,14 +591,14 @@
           <a:effectLst/>
           <a:extLst>
             <a:ext uri="{909E8E84-426E-40dd-AFC4-6F175D3DCCD1}">
-              <a14:hiddenFill xmlns="" xmlns:a14="http://schemas.microsoft.com/office/drawing/2010/main">
+              <a14:hiddenFill xmlns:a14="http://schemas.microsoft.com/office/drawing/2010/main" xmlns="">
                 <a:solidFill>
                   <a:srgbClr val="FFFFFF"/>
                 </a:solidFill>
               </a14:hiddenFill>
             </a:ext>
             <a:ext uri="{91240B29-F687-4f45-9708-019B960494DF}">
-              <a14:hiddenLine xmlns="" xmlns:a14="http://schemas.microsoft.com/office/drawing/2010/main" w="9525">
+              <a14:hiddenLine xmlns:a14="http://schemas.microsoft.com/office/drawing/2010/main" xmlns="" w="9525">
                 <a:solidFill>
                   <a:srgbClr val="000000"/>
                 </a:solidFill>
@@ -605,7 +608,7 @@
               </a14:hiddenLine>
             </a:ext>
             <a:ext uri="{AF507438-7753-43e0-B8FC-AC1667EBCBE1}">
-              <a14:hiddenEffects xmlns="" xmlns:a14="http://schemas.microsoft.com/office/drawing/2010/main">
+              <a14:hiddenEffects xmlns:a14="http://schemas.microsoft.com/office/drawing/2010/main" xmlns="">
                 <a:effectLst>
                   <a:outerShdw blurRad="63500" dist="38099" dir="2700000" algn="ctr" rotWithShape="0">
                     <a:srgbClr val="000000">
@@ -657,14 +660,14 @@
           <a:effectLst/>
           <a:extLst>
             <a:ext uri="{909E8E84-426E-40dd-AFC4-6F175D3DCCD1}">
-              <a14:hiddenFill xmlns="" xmlns:a14="http://schemas.microsoft.com/office/drawing/2010/main">
+              <a14:hiddenFill xmlns:a14="http://schemas.microsoft.com/office/drawing/2010/main" xmlns="">
                 <a:solidFill>
                   <a:srgbClr val="FFFFFF"/>
                 </a:solidFill>
               </a14:hiddenFill>
             </a:ext>
             <a:ext uri="{91240B29-F687-4f45-9708-019B960494DF}">
-              <a14:hiddenLine xmlns="" xmlns:a14="http://schemas.microsoft.com/office/drawing/2010/main" w="9525">
+              <a14:hiddenLine xmlns:a14="http://schemas.microsoft.com/office/drawing/2010/main" xmlns="" w="9525">
                 <a:solidFill>
                   <a:srgbClr val="000000"/>
                 </a:solidFill>
@@ -674,7 +677,7 @@
               </a14:hiddenLine>
             </a:ext>
             <a:ext uri="{AF507438-7753-43e0-B8FC-AC1667EBCBE1}">
-              <a14:hiddenEffects xmlns="" xmlns:a14="http://schemas.microsoft.com/office/drawing/2010/main">
+              <a14:hiddenEffects xmlns:a14="http://schemas.microsoft.com/office/drawing/2010/main" xmlns="">
                 <a:effectLst>
                   <a:outerShdw blurRad="63500" dist="38099" dir="2700000" algn="ctr" rotWithShape="0">
                     <a:srgbClr val="000000">
@@ -733,14 +736,14 @@
           <a:effectLst/>
           <a:extLst>
             <a:ext uri="{909E8E84-426E-40dd-AFC4-6F175D3DCCD1}">
-              <a14:hiddenFill xmlns="" xmlns:a14="http://schemas.microsoft.com/office/drawing/2010/main">
+              <a14:hiddenFill xmlns:a14="http://schemas.microsoft.com/office/drawing/2010/main" xmlns="">
                 <a:solidFill>
                   <a:srgbClr val="FFFFFF"/>
                 </a:solidFill>
               </a14:hiddenFill>
             </a:ext>
             <a:ext uri="{AF507438-7753-43e0-B8FC-AC1667EBCBE1}">
-              <a14:hiddenEffects xmlns="" xmlns:a14="http://schemas.microsoft.com/office/drawing/2010/main">
+              <a14:hiddenEffects xmlns:a14="http://schemas.microsoft.com/office/drawing/2010/main" xmlns="">
                 <a:effectLst>
                   <a:outerShdw blurRad="63500" dist="38099" dir="2700000" algn="ctr" rotWithShape="0">
                     <a:schemeClr val="bg2">
@@ -751,7 +754,7 @@
               </a14:hiddenEffects>
             </a:ext>
             <a:ext uri="{FAA26D3D-D897-4be2-8F04-BA451C77F1D7}">
-              <ma14:placeholderFlag xmlns="" xmlns:ma14="http://schemas.microsoft.com/office/mac/drawingml/2011/main" val="1"/>
+              <ma14:placeholderFlag xmlns:ma14="http://schemas.microsoft.com/office/mac/drawingml/2011/main" xmlns="" val="1"/>
             </a:ext>
           </a:extLst>
         </p:spPr>
@@ -781,14 +784,14 @@
           <a:effectLst/>
           <a:extLst>
             <a:ext uri="{909E8E84-426E-40dd-AFC4-6F175D3DCCD1}">
-              <a14:hiddenFill xmlns="" xmlns:a14="http://schemas.microsoft.com/office/drawing/2010/main">
+              <a14:hiddenFill xmlns:a14="http://schemas.microsoft.com/office/drawing/2010/main" xmlns="">
                 <a:solidFill>
                   <a:srgbClr val="FFFFFF"/>
                 </a:solidFill>
               </a14:hiddenFill>
             </a:ext>
             <a:ext uri="{91240B29-F687-4f45-9708-019B960494DF}">
-              <a14:hiddenLine xmlns="" xmlns:a14="http://schemas.microsoft.com/office/drawing/2010/main" w="9525">
+              <a14:hiddenLine xmlns:a14="http://schemas.microsoft.com/office/drawing/2010/main" xmlns="" w="9525">
                 <a:solidFill>
                   <a:srgbClr val="000000"/>
                 </a:solidFill>
@@ -798,7 +801,7 @@
               </a14:hiddenLine>
             </a:ext>
             <a:ext uri="{AF507438-7753-43e0-B8FC-AC1667EBCBE1}">
-              <a14:hiddenEffects xmlns="" xmlns:a14="http://schemas.microsoft.com/office/drawing/2010/main">
+              <a14:hiddenEffects xmlns:a14="http://schemas.microsoft.com/office/drawing/2010/main" xmlns="">
                 <a:effectLst>
                   <a:outerShdw blurRad="63500" dist="38099" dir="2700000" algn="ctr" rotWithShape="0">
                     <a:schemeClr val="bg2">
@@ -809,7 +812,7 @@
               </a14:hiddenEffects>
             </a:ext>
             <a:ext uri="{FAA26D3D-D897-4be2-8F04-BA451C77F1D7}">
-              <ma14:placeholderFlag xmlns="" xmlns:ma14="http://schemas.microsoft.com/office/mac/drawingml/2011/main" val="1"/>
+              <ma14:placeholderFlag xmlns:ma14="http://schemas.microsoft.com/office/mac/drawingml/2011/main" xmlns="" val="1"/>
             </a:ext>
           </a:extLst>
         </p:spPr>
@@ -849,14 +852,14 @@
           <a:effectLst/>
           <a:extLst>
             <a:ext uri="{909E8E84-426E-40dd-AFC4-6F175D3DCCD1}">
-              <a14:hiddenFill xmlns="" xmlns:a14="http://schemas.microsoft.com/office/drawing/2010/main">
+              <a14:hiddenFill xmlns:a14="http://schemas.microsoft.com/office/drawing/2010/main" xmlns="">
                 <a:solidFill>
                   <a:srgbClr val="FFFFFF"/>
                 </a:solidFill>
               </a14:hiddenFill>
             </a:ext>
             <a:ext uri="{91240B29-F687-4f45-9708-019B960494DF}">
-              <a14:hiddenLine xmlns="" xmlns:a14="http://schemas.microsoft.com/office/drawing/2010/main" w="9525">
+              <a14:hiddenLine xmlns:a14="http://schemas.microsoft.com/office/drawing/2010/main" xmlns="" w="9525">
                 <a:solidFill>
                   <a:srgbClr val="000000"/>
                 </a:solidFill>
@@ -866,7 +869,7 @@
               </a14:hiddenLine>
             </a:ext>
             <a:ext uri="{AF507438-7753-43e0-B8FC-AC1667EBCBE1}">
-              <a14:hiddenEffects xmlns="" xmlns:a14="http://schemas.microsoft.com/office/drawing/2010/main">
+              <a14:hiddenEffects xmlns:a14="http://schemas.microsoft.com/office/drawing/2010/main" xmlns="">
                 <a:effectLst>
                   <a:outerShdw blurRad="63500" dist="38099" dir="2700000" algn="ctr" rotWithShape="0">
                     <a:srgbClr val="000000">
@@ -920,14 +923,14 @@
           <a:effectLst/>
           <a:extLst>
             <a:ext uri="{909E8E84-426E-40dd-AFC4-6F175D3DCCD1}">
-              <a14:hiddenFill xmlns="" xmlns:a14="http://schemas.microsoft.com/office/drawing/2010/main">
+              <a14:hiddenFill xmlns:a14="http://schemas.microsoft.com/office/drawing/2010/main" xmlns="">
                 <a:solidFill>
                   <a:srgbClr val="FFFFFF"/>
                 </a:solidFill>
               </a14:hiddenFill>
             </a:ext>
             <a:ext uri="{91240B29-F687-4f45-9708-019B960494DF}">
-              <a14:hiddenLine xmlns="" xmlns:a14="http://schemas.microsoft.com/office/drawing/2010/main" w="9525">
+              <a14:hiddenLine xmlns:a14="http://schemas.microsoft.com/office/drawing/2010/main" xmlns="" w="9525">
                 <a:solidFill>
                   <a:srgbClr val="000000"/>
                 </a:solidFill>
@@ -937,7 +940,7 @@
               </a14:hiddenLine>
             </a:ext>
             <a:ext uri="{AF507438-7753-43e0-B8FC-AC1667EBCBE1}">
-              <a14:hiddenEffects xmlns="" xmlns:a14="http://schemas.microsoft.com/office/drawing/2010/main">
+              <a14:hiddenEffects xmlns:a14="http://schemas.microsoft.com/office/drawing/2010/main" xmlns="">
                 <a:effectLst>
                   <a:outerShdw blurRad="63500" dist="38099" dir="2700000" algn="ctr" rotWithShape="0">
                     <a:schemeClr val="bg2">
@@ -948,7 +951,7 @@
               </a14:hiddenEffects>
             </a:ext>
             <a:ext uri="{FAA26D3D-D897-4be2-8F04-BA451C77F1D7}">
-              <ma14:placeholderFlag xmlns="" xmlns:ma14="http://schemas.microsoft.com/office/mac/drawingml/2011/main" val="1"/>
+              <ma14:placeholderFlag xmlns:ma14="http://schemas.microsoft.com/office/mac/drawingml/2011/main" xmlns="" val="1"/>
             </a:ext>
           </a:extLst>
         </p:spPr>
@@ -1297,7 +1300,7 @@
             <a:fld id="{9F4783CB-4C08-4D00-BD8C-103BE55DB799}" type="slidenum">
               <a:rPr lang="en-US" altLang="en-US" smtClean="0"/>
               <a:pPr/>
-              <a:t>45</a:t>
+              <a:t>49</a:t>
             </a:fld>
             <a:endParaRPr lang="en-US" altLang="en-US"/>
           </a:p>
@@ -1386,7 +1389,7 @@
             <a:fld id="{9F4783CB-4C08-4D00-BD8C-103BE55DB799}" type="slidenum">
               <a:rPr lang="en-US" altLang="en-US" smtClean="0"/>
               <a:pPr/>
-              <a:t>53</a:t>
+              <a:t>57</a:t>
             </a:fld>
             <a:endParaRPr lang="en-US" altLang="en-US"/>
           </a:p>
@@ -1449,6 +1452,18 @@
           <a:bodyPr/>
           <a:lstStyle/>
           <a:p>
+            <a:r>
+              <a:rPr lang="en-US" sz="1200" b="0" i="0" kern="1200" dirty="0" smtClean="0">
+                <a:solidFill>
+                  <a:srgbClr val="000000"/>
+                </a:solidFill>
+                <a:effectLst/>
+                <a:latin typeface="Times New Roman" charset="0"/>
+                <a:ea typeface="ＭＳ Ｐゴシック" charset="0"/>
+                <a:cs typeface="ＭＳ Ｐゴシック" charset="0"/>
+              </a:rPr>
+              <a:t> the graded relevance value is reduced logarithmically proportional to the position of the result.</a:t>
+            </a:r>
             <a:endParaRPr lang="en-US" dirty="0"/>
           </a:p>
         </p:txBody>
@@ -1471,7 +1486,7 @@
             <a:fld id="{9F4783CB-4C08-4D00-BD8C-103BE55DB799}" type="slidenum">
               <a:rPr lang="en-US" altLang="en-US" smtClean="0"/>
               <a:pPr/>
-              <a:t>55</a:t>
+              <a:t>61</a:t>
             </a:fld>
             <a:endParaRPr lang="en-US" altLang="en-US"/>
           </a:p>
@@ -1480,7 +1495,7 @@
     </p:spTree>
     <p:extLst>
       <p:ext uri="{BB962C8B-B14F-4D97-AF65-F5344CB8AC3E}">
-        <p14:creationId xmlns:p14="http://schemas.microsoft.com/office/powerpoint/2010/main" val="1910673594"/>
+        <p14:creationId xmlns:p14="http://schemas.microsoft.com/office/powerpoint/2010/main" val="3030824388"/>
       </p:ext>
     </p:extLst>
   </p:cSld>
@@ -1534,18 +1549,6 @@
           <a:bodyPr/>
           <a:lstStyle/>
           <a:p>
-            <a:r>
-              <a:rPr lang="en-US" sz="1200" b="0" i="0" kern="1200" dirty="0" smtClean="0">
-                <a:solidFill>
-                  <a:srgbClr val="000000"/>
-                </a:solidFill>
-                <a:effectLst/>
-                <a:latin typeface="Times New Roman" charset="0"/>
-                <a:ea typeface="ＭＳ Ｐゴシック" charset="0"/>
-                <a:cs typeface="ＭＳ Ｐゴシック" charset="0"/>
-              </a:rPr>
-              <a:t> the graded relevance value is reduced logarithmically proportional to the position of the result.</a:t>
-            </a:r>
             <a:endParaRPr lang="en-US" dirty="0"/>
           </a:p>
         </p:txBody>
@@ -1568,7 +1571,7 @@
             <a:fld id="{9F4783CB-4C08-4D00-BD8C-103BE55DB799}" type="slidenum">
               <a:rPr lang="en-US" altLang="en-US" smtClean="0"/>
               <a:pPr/>
-              <a:t>58</a:t>
+              <a:t>62</a:t>
             </a:fld>
             <a:endParaRPr lang="en-US" altLang="en-US"/>
           </a:p>
@@ -1577,7 +1580,7 @@
     </p:spTree>
     <p:extLst>
       <p:ext uri="{BB962C8B-B14F-4D97-AF65-F5344CB8AC3E}">
-        <p14:creationId xmlns:p14="http://schemas.microsoft.com/office/powerpoint/2010/main" val="3030824388"/>
+        <p14:creationId xmlns:p14="http://schemas.microsoft.com/office/powerpoint/2010/main" val="990534298"/>
       </p:ext>
     </p:extLst>
   </p:cSld>
@@ -1631,6 +1634,90 @@
           <a:bodyPr/>
           <a:lstStyle/>
           <a:p>
+            <a:r>
+              <a:rPr lang="en-US" sz="1200" b="0" i="0" kern="1200" dirty="0" smtClean="0">
+                <a:solidFill>
+                  <a:srgbClr val="000000"/>
+                </a:solidFill>
+                <a:effectLst/>
+                <a:latin typeface="Times New Roman" charset="0"/>
+                <a:ea typeface="ＭＳ Ｐゴシック" charset="0"/>
+                <a:cs typeface="ＭＳ Ｐゴシック" charset="0"/>
+              </a:rPr>
+              <a:t>In words, it is the expectation of the logarithmic difference between the probabilities </a:t>
+            </a:r>
+            <a:r>
+              <a:rPr lang="en-US" sz="1200" b="0" i="1" kern="1200" dirty="0" smtClean="0">
+                <a:solidFill>
+                  <a:srgbClr val="000000"/>
+                </a:solidFill>
+                <a:effectLst/>
+                <a:latin typeface="Times New Roman" charset="0"/>
+                <a:ea typeface="ＭＳ Ｐゴシック" charset="0"/>
+                <a:cs typeface="ＭＳ Ｐゴシック" charset="0"/>
+              </a:rPr>
+              <a:t>P</a:t>
+            </a:r>
+            <a:r>
+              <a:rPr lang="en-US" sz="1200" b="0" i="0" kern="1200" dirty="0" smtClean="0">
+                <a:solidFill>
+                  <a:srgbClr val="000000"/>
+                </a:solidFill>
+                <a:effectLst/>
+                <a:latin typeface="Times New Roman" charset="0"/>
+                <a:ea typeface="ＭＳ Ｐゴシック" charset="0"/>
+                <a:cs typeface="ＭＳ Ｐゴシック" charset="0"/>
+              </a:rPr>
+              <a:t> and </a:t>
+            </a:r>
+            <a:r>
+              <a:rPr lang="en-US" sz="1200" b="0" i="1" kern="1200" dirty="0" smtClean="0">
+                <a:solidFill>
+                  <a:srgbClr val="000000"/>
+                </a:solidFill>
+                <a:effectLst/>
+                <a:latin typeface="Times New Roman" charset="0"/>
+                <a:ea typeface="ＭＳ Ｐゴシック" charset="0"/>
+                <a:cs typeface="ＭＳ Ｐゴシック" charset="0"/>
+              </a:rPr>
+              <a:t>Q</a:t>
+            </a:r>
+            <a:r>
+              <a:rPr lang="en-US" sz="1200" b="0" i="0" kern="1200" dirty="0" smtClean="0">
+                <a:solidFill>
+                  <a:srgbClr val="000000"/>
+                </a:solidFill>
+                <a:effectLst/>
+                <a:latin typeface="Times New Roman" charset="0"/>
+                <a:ea typeface="ＭＳ Ｐゴシック" charset="0"/>
+                <a:cs typeface="ＭＳ Ｐゴシック" charset="0"/>
+              </a:rPr>
+              <a:t>, where the expectation is taken using the probabilities </a:t>
+            </a:r>
+            <a:r>
+              <a:rPr lang="en-US" sz="1200" b="0" i="1" kern="1200" dirty="0" smtClean="0">
+                <a:solidFill>
+                  <a:srgbClr val="000000"/>
+                </a:solidFill>
+                <a:effectLst/>
+                <a:latin typeface="Times New Roman" charset="0"/>
+                <a:ea typeface="ＭＳ Ｐゴシック" charset="0"/>
+                <a:cs typeface="ＭＳ Ｐゴシック" charset="0"/>
+              </a:rPr>
+              <a:t>P</a:t>
+            </a:r>
+            <a:r>
+              <a:rPr lang="en-US" sz="1200" b="0" i="0" kern="1200" dirty="0" smtClean="0">
+                <a:solidFill>
+                  <a:srgbClr val="000000"/>
+                </a:solidFill>
+                <a:effectLst/>
+                <a:latin typeface="Times New Roman" charset="0"/>
+                <a:ea typeface="ＭＳ Ｐゴシック" charset="0"/>
+                <a:cs typeface="ＭＳ Ｐゴシック" charset="0"/>
+              </a:rPr>
+              <a:t>.</a:t>
+            </a:r>
             <a:endParaRPr lang="en-US" dirty="0"/>
           </a:p>
         </p:txBody>
@@ -1653,7 +1740,7 @@
             <a:fld id="{9F4783CB-4C08-4D00-BD8C-103BE55DB799}" type="slidenum">
               <a:rPr lang="en-US" altLang="en-US" smtClean="0"/>
               <a:pPr/>
-              <a:t>59</a:t>
+              <a:t>65</a:t>
             </a:fld>
             <a:endParaRPr lang="en-US" altLang="en-US"/>
           </a:p>
@@ -1662,7 +1749,7 @@
     </p:spTree>
     <p:extLst>
       <p:ext uri="{BB962C8B-B14F-4D97-AF65-F5344CB8AC3E}">
-        <p14:creationId xmlns:p14="http://schemas.microsoft.com/office/powerpoint/2010/main" val="990534298"/>
+        <p14:creationId xmlns:p14="http://schemas.microsoft.com/office/powerpoint/2010/main" val="1986435715"/>
       </p:ext>
     </p:extLst>
   </p:cSld>
@@ -1716,6 +1803,25 @@
           <a:bodyPr/>
           <a:lstStyle/>
           <a:p>
+            <a:pPr marL="0" marR="0" indent="0" algn="l" defTabSz="457200" rtl="0" eaLnBrk="0" fontAlgn="base" latinLnBrk="0" hangingPunct="0">
+              <a:lnSpc>
+                <a:spcPct val="100000"/>
+              </a:lnSpc>
+              <a:spcBef>
+                <a:spcPct val="30000"/>
+              </a:spcBef>
+              <a:spcAft>
+                <a:spcPct val="0"/>
+              </a:spcAft>
+              <a:buClr>
+                <a:srgbClr val="000000"/>
+              </a:buClr>
+              <a:buSzPct val="100000"/>
+              <a:buFont typeface="Times New Roman" panose="02020603050405020304" pitchFamily="18" charset="0"/>
+              <a:buNone/>
+              <a:tabLst/>
+              <a:defRPr/>
+            </a:pPr>
             <a:r>
               <a:rPr lang="en-US" sz="1200" b="0" i="0" kern="1200" dirty="0" smtClean="0">
                 <a:solidFill>
@@ -1726,19 +1832,19 @@
                 <a:ea typeface="ＭＳ Ｐゴシック" charset="0"/>
                 <a:cs typeface="ＭＳ Ｐゴシック" charset="0"/>
               </a:rPr>
-              <a:t>In words, it is the expectation of the logarithmic difference between the probabilities </a:t>
-            </a:r>
-            <a:r>
-              <a:rPr lang="en-US" sz="1200" b="0" i="1" kern="1200" dirty="0" smtClean="0">
-                <a:solidFill>
-                  <a:srgbClr val="000000"/>
+              <a:t> numerical statistic that is intended to reflect how important a word is </a:t>
+            </a:r>
+            <a:r>
+              <a:rPr lang="en-US" sz="1200" b="0" i="0" kern="1200" dirty="0" smtClean="0">
+                <a:solidFill>
+                  <a:schemeClr val="tx1"/>
                 </a:solidFill>
                 <a:effectLst/>
                 <a:latin typeface="Times New Roman" charset="0"/>
                 <a:ea typeface="ＭＳ Ｐゴシック" charset="0"/>
                 <a:cs typeface="ＭＳ Ｐゴシック" charset="0"/>
               </a:rPr>
-              <a:t>P</a:t>
+              <a:t>to a document in </a:t>
             </a:r>
             <a:r>
               <a:rPr lang="en-US" sz="1200" b="0" i="0" kern="1200" dirty="0" smtClean="0">
@@ -1750,10 +1856,10 @@
                 <a:ea typeface="ＭＳ Ｐゴシック" charset="0"/>
                 <a:cs typeface="ＭＳ Ｐゴシック" charset="0"/>
               </a:rPr>
-              <a:t> and </a:t>
-            </a:r>
-            <a:r>
-              <a:rPr lang="en-US" sz="1200" b="0" i="1" kern="1200" dirty="0" smtClean="0">
+              <a:t>a collection or corpus</a:t>
+            </a:r>
+            <a:r>
+              <a:rPr lang="zh-CN" altLang="en-US" sz="1200" b="0" i="0" kern="1200" dirty="0" smtClean="0">
                 <a:solidFill>
                   <a:srgbClr val="000000"/>
                 </a:solidFill>
@@ -1762,44 +1868,19 @@
                 <a:ea typeface="ＭＳ Ｐゴシック" charset="0"/>
                 <a:cs typeface="ＭＳ Ｐゴシック" charset="0"/>
               </a:rPr>
-              <a:t>Q</a:t>
-            </a:r>
-            <a:r>
-              <a:rPr lang="en-US" sz="1200" b="0" i="0" kern="1200" dirty="0" smtClean="0">
-                <a:solidFill>
-                  <a:srgbClr val="000000"/>
-                </a:solidFill>
-                <a:effectLst/>
-                <a:latin typeface="Times New Roman" charset="0"/>
-                <a:ea typeface="ＭＳ Ｐゴシック" charset="0"/>
-                <a:cs typeface="ＭＳ Ｐゴシック" charset="0"/>
-              </a:rPr>
-              <a:t>, where the expectation is taken using the probabilities </a:t>
-            </a:r>
-            <a:r>
-              <a:rPr lang="en-US" sz="1200" b="0" i="1" kern="1200" dirty="0" smtClean="0">
-                <a:solidFill>
-                  <a:srgbClr val="000000"/>
-                </a:solidFill>
-                <a:effectLst/>
-                <a:latin typeface="Times New Roman" charset="0"/>
-                <a:ea typeface="ＭＳ Ｐゴシック" charset="0"/>
-                <a:cs typeface="ＭＳ Ｐゴシック" charset="0"/>
-              </a:rPr>
-              <a:t>P</a:t>
-            </a:r>
-            <a:r>
-              <a:rPr lang="en-US" sz="1200" b="0" i="0" kern="1200" dirty="0" smtClean="0">
-                <a:solidFill>
-                  <a:srgbClr val="000000"/>
-                </a:solidFill>
-                <a:effectLst/>
-                <a:latin typeface="Times New Roman" charset="0"/>
-                <a:ea typeface="ＭＳ Ｐゴシック" charset="0"/>
-                <a:cs typeface="ＭＳ Ｐゴシック" charset="0"/>
-              </a:rPr>
-              <a:t>.</a:t>
-            </a:r>
+              <a:t>。</a:t>
+            </a:r>
+            <a:endParaRPr lang="en-US" sz="1200" b="0" i="0" kern="1200" dirty="0" smtClean="0">
+              <a:solidFill>
+                <a:srgbClr val="000000"/>
+              </a:solidFill>
+              <a:effectLst/>
+              <a:latin typeface="Times New Roman" charset="0"/>
+              <a:ea typeface="ＭＳ Ｐゴシック" charset="0"/>
+              <a:cs typeface="ＭＳ Ｐゴシック" charset="0"/>
+            </a:endParaRPr>
+          </a:p>
+          <a:p>
             <a:endParaRPr lang="en-US" dirty="0"/>
           </a:p>
         </p:txBody>
@@ -1822,7 +1903,7 @@
             <a:fld id="{9F4783CB-4C08-4D00-BD8C-103BE55DB799}" type="slidenum">
               <a:rPr lang="en-US" altLang="en-US" smtClean="0"/>
               <a:pPr/>
-              <a:t>62</a:t>
+              <a:t>66</a:t>
             </a:fld>
             <a:endParaRPr lang="en-US" altLang="en-US"/>
           </a:p>
@@ -1831,7 +1912,7 @@
     </p:spTree>
     <p:extLst>
       <p:ext uri="{BB962C8B-B14F-4D97-AF65-F5344CB8AC3E}">
-        <p14:creationId xmlns:p14="http://schemas.microsoft.com/office/powerpoint/2010/main" val="1986435715"/>
+        <p14:creationId xmlns:p14="http://schemas.microsoft.com/office/powerpoint/2010/main" val="3059207118"/>
       </p:ext>
     </p:extLst>
   </p:cSld>
@@ -1885,84 +1966,26 @@
           <a:bodyPr/>
           <a:lstStyle/>
           <a:p>
-            <a:pPr marL="0" marR="0" indent="0" algn="l" defTabSz="457200" rtl="0" eaLnBrk="0" fontAlgn="base" latinLnBrk="0" hangingPunct="0">
-              <a:lnSpc>
-                <a:spcPct val="100000"/>
-              </a:lnSpc>
-              <a:spcBef>
-                <a:spcPct val="30000"/>
-              </a:spcBef>
-              <a:spcAft>
-                <a:spcPct val="0"/>
-              </a:spcAft>
-              <a:buClr>
-                <a:srgbClr val="000000"/>
-              </a:buClr>
-              <a:buSzPct val="100000"/>
-              <a:buFont typeface="Times New Roman" panose="02020603050405020304" pitchFamily="18" charset="0"/>
-              <a:buNone/>
-              <a:tabLst/>
-              <a:defRPr/>
-            </a:pPr>
-            <a:r>
-              <a:rPr lang="en-US" sz="1200" b="0" i="0" kern="1200" dirty="0" smtClean="0">
-                <a:solidFill>
-                  <a:srgbClr val="000000"/>
-                </a:solidFill>
-                <a:effectLst/>
-                <a:latin typeface="Times New Roman" charset="0"/>
-                <a:ea typeface="ＭＳ Ｐゴシック" charset="0"/>
-                <a:cs typeface="ＭＳ Ｐゴシック" charset="0"/>
-              </a:rPr>
-              <a:t> numerical statistic that is intended to reflect how important a word is </a:t>
-            </a:r>
-            <a:r>
-              <a:rPr lang="en-US" sz="1200" b="0" i="0" kern="1200" dirty="0" smtClean="0">
-                <a:solidFill>
-                  <a:schemeClr val="tx1"/>
-                </a:solidFill>
-                <a:effectLst/>
-                <a:latin typeface="Times New Roman" charset="0"/>
-                <a:ea typeface="ＭＳ Ｐゴシック" charset="0"/>
-                <a:cs typeface="ＭＳ Ｐゴシック" charset="0"/>
-              </a:rPr>
-              <a:t>to a document in </a:t>
-            </a:r>
-            <a:r>
-              <a:rPr lang="en-US" sz="1200" b="0" i="0" kern="1200" dirty="0" smtClean="0">
-                <a:solidFill>
-                  <a:srgbClr val="000000"/>
-                </a:solidFill>
-                <a:effectLst/>
-                <a:latin typeface="Times New Roman" charset="0"/>
-                <a:ea typeface="ＭＳ Ｐゴシック" charset="0"/>
-                <a:cs typeface="ＭＳ Ｐゴシック" charset="0"/>
-              </a:rPr>
-              <a:t>a collection or corpus</a:t>
-            </a:r>
-            <a:r>
-              <a:rPr lang="zh-CN" altLang="en-US" sz="1200" b="0" i="0" kern="1200" dirty="0" smtClean="0">
-                <a:solidFill>
-                  <a:srgbClr val="000000"/>
-                </a:solidFill>
-                <a:effectLst/>
-                <a:latin typeface="Times New Roman" charset="0"/>
-                <a:ea typeface="ＭＳ Ｐゴシック" charset="0"/>
-                <a:cs typeface="ＭＳ Ｐゴシック" charset="0"/>
-              </a:rPr>
-              <a:t>。</a:t>
-            </a:r>
-            <a:endParaRPr lang="en-US" sz="1200" b="0" i="0" kern="1200" dirty="0" smtClean="0">
-              <a:solidFill>
-                <a:srgbClr val="000000"/>
-              </a:solidFill>
-              <a:effectLst/>
-              <a:latin typeface="Times New Roman" charset="0"/>
-              <a:ea typeface="ＭＳ Ｐゴシック" charset="0"/>
-              <a:cs typeface="ＭＳ Ｐゴシック" charset="0"/>
-            </a:endParaRPr>
-          </a:p>
-          <a:p>
+            <a:r>
+              <a:rPr lang="en-US" dirty="0" smtClean="0"/>
+              <a:t>Where </a:t>
+            </a:r>
+            <a:r>
+              <a:rPr lang="en-US" altLang="zh-CN" dirty="0" smtClean="0"/>
+              <a:t>f(</a:t>
+            </a:r>
+            <a:r>
+              <a:rPr lang="en-US" altLang="zh-CN" dirty="0" err="1" smtClean="0"/>
+              <a:t>q,D</a:t>
+            </a:r>
+            <a:r>
+              <a:rPr lang="en-US" altLang="zh-CN" dirty="0" smtClean="0"/>
+              <a:t>)</a:t>
+            </a:r>
+            <a:r>
+              <a:rPr lang="en-US" dirty="0" smtClean="0"/>
+              <a:t> is 's term frequency in the document D</a:t>
+            </a:r>
             <a:endParaRPr lang="en-US" dirty="0"/>
           </a:p>
         </p:txBody>
@@ -1985,112 +2008,7 @@
             <a:fld id="{9F4783CB-4C08-4D00-BD8C-103BE55DB799}" type="slidenum">
               <a:rPr lang="en-US" altLang="en-US" smtClean="0"/>
               <a:pPr/>
-              <a:t>63</a:t>
-            </a:fld>
-            <a:endParaRPr lang="en-US" altLang="en-US"/>
-          </a:p>
-        </p:txBody>
-      </p:sp>
-    </p:spTree>
-    <p:extLst>
-      <p:ext uri="{BB962C8B-B14F-4D97-AF65-F5344CB8AC3E}">
-        <p14:creationId xmlns:p14="http://schemas.microsoft.com/office/powerpoint/2010/main" val="3059207118"/>
-      </p:ext>
-    </p:extLst>
-  </p:cSld>
-  <p:clrMapOvr>
-    <a:masterClrMapping/>
-  </p:clrMapOvr>
-</p:notes>
-</file>
-
-<file path=ppt/notesSlides/notesSlide17.xml><?xml version="1.0" encoding="utf-8"?>
-<p:notes xmlns:a="http://schemas.openxmlformats.org/drawingml/2006/main" xmlns:r="http://schemas.openxmlformats.org/officeDocument/2006/relationships" xmlns:p="http://schemas.openxmlformats.org/presentationml/2006/main">
-  <p:cSld>
-    <p:spTree>
-      <p:nvGrpSpPr>
-        <p:cNvPr id="1" name=""/>
-        <p:cNvGrpSpPr/>
-        <p:nvPr/>
-      </p:nvGrpSpPr>
-      <p:grpSpPr>
-        <a:xfrm>
-          <a:off x="0" y="0"/>
-          <a:ext cx="0" cy="0"/>
-          <a:chOff x="0" y="0"/>
-          <a:chExt cx="0" cy="0"/>
-        </a:xfrm>
-      </p:grpSpPr>
-      <p:sp>
-        <p:nvSpPr>
-          <p:cNvPr id="2" name="Slide Image Placeholder 1"/>
-          <p:cNvSpPr>
-            <a:spLocks noGrp="1" noRot="1" noChangeAspect="1"/>
-          </p:cNvSpPr>
-          <p:nvPr>
-            <p:ph type="sldImg"/>
-          </p:nvPr>
-        </p:nvSpPr>
-        <p:spPr/>
-      </p:sp>
-      <p:sp>
-        <p:nvSpPr>
-          <p:cNvPr id="3" name="Notes Placeholder 2"/>
-          <p:cNvSpPr>
-            <a:spLocks noGrp="1"/>
-          </p:cNvSpPr>
-          <p:nvPr>
-            <p:ph type="body" idx="1"/>
-          </p:nvPr>
-        </p:nvSpPr>
-        <p:spPr/>
-        <p:txBody>
-          <a:bodyPr/>
-          <a:lstStyle/>
-          <a:p>
-            <a:r>
-              <a:rPr lang="en-US" dirty="0" smtClean="0"/>
-              <a:t>Where </a:t>
-            </a:r>
-            <a:r>
-              <a:rPr lang="en-US" altLang="zh-CN" dirty="0" smtClean="0"/>
-              <a:t>f(</a:t>
-            </a:r>
-            <a:r>
-              <a:rPr lang="en-US" altLang="zh-CN" dirty="0" err="1" smtClean="0"/>
-              <a:t>q,D</a:t>
-            </a:r>
-            <a:r>
-              <a:rPr lang="en-US" altLang="zh-CN" dirty="0" smtClean="0"/>
-              <a:t>)</a:t>
-            </a:r>
-            <a:r>
-              <a:rPr lang="en-US" dirty="0" smtClean="0"/>
-              <a:t> is 's term frequency in the document D</a:t>
-            </a:r>
-            <a:endParaRPr lang="en-US" dirty="0"/>
-          </a:p>
-        </p:txBody>
-      </p:sp>
-      <p:sp>
-        <p:nvSpPr>
-          <p:cNvPr id="4" name="Slide Number Placeholder 3"/>
-          <p:cNvSpPr>
-            <a:spLocks noGrp="1"/>
-          </p:cNvSpPr>
-          <p:nvPr>
-            <p:ph type="sldNum" idx="10"/>
-          </p:nvPr>
-        </p:nvSpPr>
-        <p:spPr/>
-        <p:txBody>
-          <a:bodyPr/>
-          <a:lstStyle/>
-          <a:p>
-            <a:fld id="{9F4783CB-4C08-4D00-BD8C-103BE55DB799}" type="slidenum">
-              <a:rPr lang="en-US" altLang="en-US" smtClean="0"/>
-              <a:pPr/>
-              <a:t>64</a:t>
+              <a:t>67</a:t>
             </a:fld>
             <a:endParaRPr lang="en-US" altLang="en-US"/>
           </a:p>
@@ -2109,7 +2027,7 @@
 </p:notes>
 </file>
 
-<file path=ppt/notesSlides/notesSlide18.xml><?xml version="1.0" encoding="utf-8"?>
+<file path=ppt/notesSlides/notesSlide17.xml><?xml version="1.0" encoding="utf-8"?>
 <p:notes xmlns:a="http://schemas.openxmlformats.org/drawingml/2006/main" xmlns:r="http://schemas.openxmlformats.org/officeDocument/2006/relationships" xmlns:p="http://schemas.openxmlformats.org/presentationml/2006/main">
   <p:cSld>
     <p:bg>
@@ -2147,14 +2065,14 @@
         <p:spPr>
           <a:extLst>
             <a:ext uri="{909E8E84-426E-40dd-AFC4-6F175D3DCCD1}">
-              <a14:hiddenFill xmlns="" xmlns:a14="http://schemas.microsoft.com/office/drawing/2010/main">
+              <a14:hiddenFill xmlns:a14="http://schemas.microsoft.com/office/drawing/2010/main" xmlns="">
                 <a:solidFill>
                   <a:srgbClr val="FFFFFF"/>
                 </a:solidFill>
               </a14:hiddenFill>
             </a:ext>
             <a:ext uri="{91240B29-F687-4f45-9708-019B960494DF}">
-              <a14:hiddenLine xmlns="" xmlns:a14="http://schemas.microsoft.com/office/drawing/2010/main" w="9525">
+              <a14:hiddenLine xmlns:a14="http://schemas.microsoft.com/office/drawing/2010/main" xmlns="" w="9525">
                 <a:solidFill>
                   <a:srgbClr val="000000"/>
                 </a:solidFill>
@@ -2164,7 +2082,7 @@
               </a14:hiddenLine>
             </a:ext>
             <a:ext uri="{AF507438-7753-43e0-B8FC-AC1667EBCBE1}">
-              <a14:hiddenEffects xmlns="" xmlns:a14="http://schemas.microsoft.com/office/drawing/2010/main">
+              <a14:hiddenEffects xmlns:a14="http://schemas.microsoft.com/office/drawing/2010/main" xmlns="">
                 <a:effectLst>
                   <a:outerShdw blurRad="63500" dist="38099" dir="2700000" algn="ctr" rotWithShape="0">
                     <a:schemeClr val="bg2">
@@ -2175,7 +2093,7 @@
               </a14:hiddenEffects>
             </a:ext>
             <a:ext uri="{FAA26D3D-D897-4be2-8F04-BA451C77F1D7}">
-              <ma14:placeholderFlag xmlns="" xmlns:ma14="http://schemas.microsoft.com/office/mac/drawingml/2011/main" val="1"/>
+              <ma14:placeholderFlag xmlns:ma14="http://schemas.microsoft.com/office/mac/drawingml/2011/main" xmlns="" val="1"/>
             </a:ext>
           </a:extLst>
         </p:spPr>
@@ -2372,7 +2290,7 @@
                 <a:latin typeface="Times New Roman" panose="02020603050405020304" pitchFamily="18" charset="0"/>
               </a:rPr>
               <a:pPr eaLnBrk="1" hangingPunct="1"/>
-              <a:t>70</a:t>
+              <a:t>73</a:t>
             </a:fld>
             <a:endParaRPr lang="en-US" altLang="en-US" sz="1200">
               <a:solidFill>
@@ -2489,7 +2407,7 @@
 </p:notes>
 </file>
 
-<file path=ppt/notesSlides/notesSlide19.xml><?xml version="1.0" encoding="utf-8"?>
+<file path=ppt/notesSlides/notesSlide18.xml><?xml version="1.0" encoding="utf-8"?>
 <p:notes xmlns:a="http://schemas.openxmlformats.org/drawingml/2006/main" xmlns:r="http://schemas.openxmlformats.org/officeDocument/2006/relationships" xmlns:p="http://schemas.openxmlformats.org/presentationml/2006/main">
   <p:cSld>
     <p:bg>
@@ -2527,14 +2445,14 @@
         <p:spPr>
           <a:extLst>
             <a:ext uri="{909E8E84-426E-40dd-AFC4-6F175D3DCCD1}">
-              <a14:hiddenFill xmlns="" xmlns:a14="http://schemas.microsoft.com/office/drawing/2010/main">
+              <a14:hiddenFill xmlns:a14="http://schemas.microsoft.com/office/drawing/2010/main" xmlns="">
                 <a:solidFill>
                   <a:srgbClr val="FFFFFF"/>
                 </a:solidFill>
               </a14:hiddenFill>
             </a:ext>
             <a:ext uri="{91240B29-F687-4f45-9708-019B960494DF}">
-              <a14:hiddenLine xmlns="" xmlns:a14="http://schemas.microsoft.com/office/drawing/2010/main" w="9525">
+              <a14:hiddenLine xmlns:a14="http://schemas.microsoft.com/office/drawing/2010/main" xmlns="" w="9525">
                 <a:solidFill>
                   <a:srgbClr val="000000"/>
                 </a:solidFill>
@@ -2544,7 +2462,7 @@
               </a14:hiddenLine>
             </a:ext>
             <a:ext uri="{AF507438-7753-43e0-B8FC-AC1667EBCBE1}">
-              <a14:hiddenEffects xmlns="" xmlns:a14="http://schemas.microsoft.com/office/drawing/2010/main">
+              <a14:hiddenEffects xmlns:a14="http://schemas.microsoft.com/office/drawing/2010/main" xmlns="">
                 <a:effectLst>
                   <a:outerShdw blurRad="63500" dist="38099" dir="2700000" algn="ctr" rotWithShape="0">
                     <a:schemeClr val="bg2">
@@ -2555,7 +2473,7 @@
               </a14:hiddenEffects>
             </a:ext>
             <a:ext uri="{FAA26D3D-D897-4be2-8F04-BA451C77F1D7}">
-              <ma14:placeholderFlag xmlns="" xmlns:ma14="http://schemas.microsoft.com/office/mac/drawingml/2011/main" val="1"/>
+              <ma14:placeholderFlag xmlns:ma14="http://schemas.microsoft.com/office/mac/drawingml/2011/main" xmlns="" val="1"/>
             </a:ext>
           </a:extLst>
         </p:spPr>
@@ -2752,7 +2670,7 @@
                 <a:latin typeface="Times New Roman" panose="02020603050405020304" pitchFamily="18" charset="0"/>
               </a:rPr>
               <a:pPr eaLnBrk="1" hangingPunct="1"/>
-              <a:t>71</a:t>
+              <a:t>74</a:t>
             </a:fld>
             <a:endParaRPr lang="en-US" altLang="en-US" sz="1200">
               <a:solidFill>
@@ -2869,92 +2787,7 @@
 </p:notes>
 </file>
 
-<file path=ppt/notesSlides/notesSlide2.xml><?xml version="1.0" encoding="utf-8"?>
-<p:notes xmlns:a="http://schemas.openxmlformats.org/drawingml/2006/main" xmlns:r="http://schemas.openxmlformats.org/officeDocument/2006/relationships" xmlns:p="http://schemas.openxmlformats.org/presentationml/2006/main">
-  <p:cSld>
-    <p:spTree>
-      <p:nvGrpSpPr>
-        <p:cNvPr id="1" name=""/>
-        <p:cNvGrpSpPr/>
-        <p:nvPr/>
-      </p:nvGrpSpPr>
-      <p:grpSpPr>
-        <a:xfrm>
-          <a:off x="0" y="0"/>
-          <a:ext cx="0" cy="0"/>
-          <a:chOff x="0" y="0"/>
-          <a:chExt cx="0" cy="0"/>
-        </a:xfrm>
-      </p:grpSpPr>
-      <p:sp>
-        <p:nvSpPr>
-          <p:cNvPr id="2" name="Slide Image Placeholder 1"/>
-          <p:cNvSpPr>
-            <a:spLocks noGrp="1" noRot="1" noChangeAspect="1"/>
-          </p:cNvSpPr>
-          <p:nvPr>
-            <p:ph type="sldImg"/>
-          </p:nvPr>
-        </p:nvSpPr>
-        <p:spPr/>
-      </p:sp>
-      <p:sp>
-        <p:nvSpPr>
-          <p:cNvPr id="3" name="Notes Placeholder 2"/>
-          <p:cNvSpPr>
-            <a:spLocks noGrp="1"/>
-          </p:cNvSpPr>
-          <p:nvPr>
-            <p:ph type="body" idx="1"/>
-          </p:nvPr>
-        </p:nvSpPr>
-        <p:spPr/>
-        <p:txBody>
-          <a:bodyPr/>
-          <a:lstStyle/>
-          <a:p>
-            <a:endParaRPr lang="en-US" dirty="0"/>
-          </a:p>
-        </p:txBody>
-      </p:sp>
-      <p:sp>
-        <p:nvSpPr>
-          <p:cNvPr id="4" name="Slide Number Placeholder 3"/>
-          <p:cNvSpPr>
-            <a:spLocks noGrp="1"/>
-          </p:cNvSpPr>
-          <p:nvPr>
-            <p:ph type="sldNum" idx="10"/>
-          </p:nvPr>
-        </p:nvSpPr>
-        <p:spPr/>
-        <p:txBody>
-          <a:bodyPr/>
-          <a:lstStyle/>
-          <a:p>
-            <a:fld id="{9F4783CB-4C08-4D00-BD8C-103BE55DB799}" type="slidenum">
-              <a:rPr lang="en-US" altLang="en-US" smtClean="0"/>
-              <a:pPr/>
-              <a:t>3</a:t>
-            </a:fld>
-            <a:endParaRPr lang="en-US" altLang="en-US"/>
-          </a:p>
-        </p:txBody>
-      </p:sp>
-    </p:spTree>
-    <p:extLst>
-      <p:ext uri="{BB962C8B-B14F-4D97-AF65-F5344CB8AC3E}">
-        <p14:creationId xmlns:p14="http://schemas.microsoft.com/office/powerpoint/2010/main" val="971177727"/>
-      </p:ext>
-    </p:extLst>
-  </p:cSld>
-  <p:clrMapOvr>
-    <a:masterClrMapping/>
-  </p:clrMapOvr>
-</p:notes>
-</file>
-
-<file path=ppt/notesSlides/notesSlide20.xml><?xml version="1.0" encoding="utf-8"?>
+<file path=ppt/notesSlides/notesSlide19.xml><?xml version="1.0" encoding="utf-8"?>
 <p:notes xmlns:a="http://schemas.openxmlformats.org/drawingml/2006/main" xmlns:r="http://schemas.openxmlformats.org/officeDocument/2006/relationships" xmlns:p="http://schemas.openxmlformats.org/presentationml/2006/main">
   <p:cSld>
     <p:bg>
@@ -2992,14 +2825,14 @@
         <p:spPr>
           <a:extLst>
             <a:ext uri="{909E8E84-426E-40dd-AFC4-6F175D3DCCD1}">
-              <a14:hiddenFill xmlns="" xmlns:a14="http://schemas.microsoft.com/office/drawing/2010/main">
+              <a14:hiddenFill xmlns:a14="http://schemas.microsoft.com/office/drawing/2010/main" xmlns="">
                 <a:solidFill>
                   <a:srgbClr val="FFFFFF"/>
                 </a:solidFill>
               </a14:hiddenFill>
             </a:ext>
             <a:ext uri="{91240B29-F687-4f45-9708-019B960494DF}">
-              <a14:hiddenLine xmlns="" xmlns:a14="http://schemas.microsoft.com/office/drawing/2010/main" w="9525">
+              <a14:hiddenLine xmlns:a14="http://schemas.microsoft.com/office/drawing/2010/main" xmlns="" w="9525">
                 <a:solidFill>
                   <a:srgbClr val="000000"/>
                 </a:solidFill>
@@ -3009,7 +2842,7 @@
               </a14:hiddenLine>
             </a:ext>
             <a:ext uri="{AF507438-7753-43e0-B8FC-AC1667EBCBE1}">
-              <a14:hiddenEffects xmlns="" xmlns:a14="http://schemas.microsoft.com/office/drawing/2010/main">
+              <a14:hiddenEffects xmlns:a14="http://schemas.microsoft.com/office/drawing/2010/main" xmlns="">
                 <a:effectLst>
                   <a:outerShdw blurRad="63500" dist="38099" dir="2700000" algn="ctr" rotWithShape="0">
                     <a:schemeClr val="bg2">
@@ -3020,7 +2853,7 @@
               </a14:hiddenEffects>
             </a:ext>
             <a:ext uri="{FAA26D3D-D897-4be2-8F04-BA451C77F1D7}">
-              <ma14:placeholderFlag xmlns="" xmlns:ma14="http://schemas.microsoft.com/office/mac/drawingml/2011/main" val="1"/>
+              <ma14:placeholderFlag xmlns:ma14="http://schemas.microsoft.com/office/mac/drawingml/2011/main" xmlns="" val="1"/>
             </a:ext>
           </a:extLst>
         </p:spPr>
@@ -3217,7 +3050,7 @@
                 <a:latin typeface="Times New Roman" panose="02020603050405020304" pitchFamily="18" charset="0"/>
               </a:rPr>
               <a:pPr eaLnBrk="1" hangingPunct="1"/>
-              <a:t>72</a:t>
+              <a:t>75</a:t>
             </a:fld>
             <a:endParaRPr lang="en-US" altLang="en-US" sz="1200">
               <a:solidFill>
@@ -3325,6 +3158,91 @@
     <p:extLst>
       <p:ext uri="{BB962C8B-B14F-4D97-AF65-F5344CB8AC3E}">
         <p14:creationId xmlns:p14="http://schemas.microsoft.com/office/powerpoint/2010/main" val="892606335"/>
+      </p:ext>
+    </p:extLst>
+  </p:cSld>
+  <p:clrMapOvr>
+    <a:masterClrMapping/>
+  </p:clrMapOvr>
+</p:notes>
+</file>
+
+<file path=ppt/notesSlides/notesSlide2.xml><?xml version="1.0" encoding="utf-8"?>
+<p:notes xmlns:a="http://schemas.openxmlformats.org/drawingml/2006/main" xmlns:r="http://schemas.openxmlformats.org/officeDocument/2006/relationships" xmlns:p="http://schemas.openxmlformats.org/presentationml/2006/main">
+  <p:cSld>
+    <p:spTree>
+      <p:nvGrpSpPr>
+        <p:cNvPr id="1" name=""/>
+        <p:cNvGrpSpPr/>
+        <p:nvPr/>
+      </p:nvGrpSpPr>
+      <p:grpSpPr>
+        <a:xfrm>
+          <a:off x="0" y="0"/>
+          <a:ext cx="0" cy="0"/>
+          <a:chOff x="0" y="0"/>
+          <a:chExt cx="0" cy="0"/>
+        </a:xfrm>
+      </p:grpSpPr>
+      <p:sp>
+        <p:nvSpPr>
+          <p:cNvPr id="2" name="Slide Image Placeholder 1"/>
+          <p:cNvSpPr>
+            <a:spLocks noGrp="1" noRot="1" noChangeAspect="1"/>
+          </p:cNvSpPr>
+          <p:nvPr>
+            <p:ph type="sldImg"/>
+          </p:nvPr>
+        </p:nvSpPr>
+        <p:spPr/>
+      </p:sp>
+      <p:sp>
+        <p:nvSpPr>
+          <p:cNvPr id="3" name="Notes Placeholder 2"/>
+          <p:cNvSpPr>
+            <a:spLocks noGrp="1"/>
+          </p:cNvSpPr>
+          <p:nvPr>
+            <p:ph type="body" idx="1"/>
+          </p:nvPr>
+        </p:nvSpPr>
+        <p:spPr/>
+        <p:txBody>
+          <a:bodyPr/>
+          <a:lstStyle/>
+          <a:p>
+            <a:endParaRPr lang="en-US" dirty="0"/>
+          </a:p>
+        </p:txBody>
+      </p:sp>
+      <p:sp>
+        <p:nvSpPr>
+          <p:cNvPr id="4" name="Slide Number Placeholder 3"/>
+          <p:cNvSpPr>
+            <a:spLocks noGrp="1"/>
+          </p:cNvSpPr>
+          <p:nvPr>
+            <p:ph type="sldNum" idx="10"/>
+          </p:nvPr>
+        </p:nvSpPr>
+        <p:spPr/>
+        <p:txBody>
+          <a:bodyPr/>
+          <a:lstStyle/>
+          <a:p>
+            <a:fld id="{9F4783CB-4C08-4D00-BD8C-103BE55DB799}" type="slidenum">
+              <a:rPr lang="en-US" altLang="en-US" smtClean="0"/>
+              <a:pPr/>
+              <a:t>3</a:t>
+            </a:fld>
+            <a:endParaRPr lang="en-US" altLang="en-US"/>
+          </a:p>
+        </p:txBody>
+      </p:sp>
+    </p:spTree>
+    <p:extLst>
+      <p:ext uri="{BB962C8B-B14F-4D97-AF65-F5344CB8AC3E}">
+        <p14:creationId xmlns:p14="http://schemas.microsoft.com/office/powerpoint/2010/main" val="971177727"/>
       </p:ext>
     </p:extLst>
   </p:cSld>
@@ -3609,7 +3527,7 @@
             <a:fld id="{9F4783CB-4C08-4D00-BD8C-103BE55DB799}" type="slidenum">
               <a:rPr lang="en-US" altLang="en-US" smtClean="0"/>
               <a:pPr/>
-              <a:t>26</a:t>
+              <a:t>30</a:t>
             </a:fld>
             <a:endParaRPr lang="en-US" altLang="en-US"/>
           </a:p>
@@ -3694,7 +3612,7 @@
             <a:fld id="{9F4783CB-4C08-4D00-BD8C-103BE55DB799}" type="slidenum">
               <a:rPr lang="en-US" altLang="en-US" smtClean="0"/>
               <a:pPr/>
-              <a:t>27</a:t>
+              <a:t>31</a:t>
             </a:fld>
             <a:endParaRPr lang="en-US" altLang="en-US"/>
           </a:p>
@@ -3799,7 +3717,7 @@
             <a:fld id="{9F4783CB-4C08-4D00-BD8C-103BE55DB799}" type="slidenum">
               <a:rPr lang="en-US" altLang="en-US" smtClean="0"/>
               <a:pPr/>
-              <a:t>29</a:t>
+              <a:t>33</a:t>
             </a:fld>
             <a:endParaRPr lang="en-US" altLang="en-US"/>
           </a:p>
@@ -3884,7 +3802,7 @@
             <a:fld id="{9F4783CB-4C08-4D00-BD8C-103BE55DB799}" type="slidenum">
               <a:rPr lang="en-US" altLang="en-US" smtClean="0"/>
               <a:pPr/>
-              <a:t>37</a:t>
+              <a:t>41</a:t>
             </a:fld>
             <a:endParaRPr lang="en-US" altLang="en-US"/>
           </a:p>
@@ -3985,7 +3903,7 @@
             <a:fld id="{9F4783CB-4C08-4D00-BD8C-103BE55DB799}" type="slidenum">
               <a:rPr lang="en-US" altLang="en-US" smtClean="0"/>
               <a:pPr/>
-              <a:t>41</a:t>
+              <a:t>45</a:t>
             </a:fld>
             <a:endParaRPr lang="en-US" altLang="en-US"/>
           </a:p>
@@ -5865,7 +5783,7 @@
           <a:effectLst/>
           <a:extLst>
             <a:ext uri="{91240B29-F687-4f45-9708-019B960494DF}">
-              <a14:hiddenLine xmlns="" xmlns:a14="http://schemas.microsoft.com/office/drawing/2010/main" w="9525">
+              <a14:hiddenLine xmlns:a14="http://schemas.microsoft.com/office/drawing/2010/main" xmlns="" w="9525">
                 <a:solidFill>
                   <a:srgbClr val="000000"/>
                 </a:solidFill>
@@ -5875,7 +5793,7 @@
               </a14:hiddenLine>
             </a:ext>
             <a:ext uri="{AF507438-7753-43e0-B8FC-AC1667EBCBE1}">
-              <a14:hiddenEffects xmlns="" xmlns:a14="http://schemas.microsoft.com/office/drawing/2010/main">
+              <a14:hiddenEffects xmlns:a14="http://schemas.microsoft.com/office/drawing/2010/main" xmlns="">
                 <a:effectLst>
                   <a:outerShdw blurRad="63500" dist="38099" dir="2700000" algn="ctr" rotWithShape="0">
                     <a:srgbClr val="000000">
@@ -5928,7 +5846,7 @@
           <a:effectLst/>
           <a:extLst>
             <a:ext uri="{91240B29-F687-4f45-9708-019B960494DF}">
-              <a14:hiddenLine xmlns="" xmlns:a14="http://schemas.microsoft.com/office/drawing/2010/main" w="9525">
+              <a14:hiddenLine xmlns:a14="http://schemas.microsoft.com/office/drawing/2010/main" xmlns="" w="9525">
                 <a:solidFill>
                   <a:srgbClr val="000000"/>
                 </a:solidFill>
@@ -5938,7 +5856,7 @@
               </a14:hiddenLine>
             </a:ext>
             <a:ext uri="{AF507438-7753-43e0-B8FC-AC1667EBCBE1}">
-              <a14:hiddenEffects xmlns="" xmlns:a14="http://schemas.microsoft.com/office/drawing/2010/main">
+              <a14:hiddenEffects xmlns:a14="http://schemas.microsoft.com/office/drawing/2010/main" xmlns="">
                 <a:effectLst>
                   <a:outerShdw blurRad="63500" dist="38099" dir="2700000" algn="ctr" rotWithShape="0">
                     <a:srgbClr val="000000">
@@ -5993,7 +5911,7 @@
           <a:effectLst/>
           <a:extLst>
             <a:ext uri="{91240B29-F687-4f45-9708-019B960494DF}">
-              <a14:hiddenLine xmlns="" xmlns:a14="http://schemas.microsoft.com/office/drawing/2010/main" w="9525">
+              <a14:hiddenLine xmlns:a14="http://schemas.microsoft.com/office/drawing/2010/main" xmlns="" w="9525">
                 <a:solidFill>
                   <a:srgbClr val="000000"/>
                 </a:solidFill>
@@ -6003,7 +5921,7 @@
               </a14:hiddenLine>
             </a:ext>
             <a:ext uri="{AF507438-7753-43e0-B8FC-AC1667EBCBE1}">
-              <a14:hiddenEffects xmlns="" xmlns:a14="http://schemas.microsoft.com/office/drawing/2010/main">
+              <a14:hiddenEffects xmlns:a14="http://schemas.microsoft.com/office/drawing/2010/main" xmlns="">
                 <a:effectLst>
                   <a:outerShdw blurRad="63500" dist="38099" dir="2700000" algn="ctr" rotWithShape="0">
                     <a:srgbClr val="000000">
@@ -6067,7 +5985,7 @@
           <a:effectLst/>
           <a:extLst>
             <a:ext uri="{909E8E84-426E-40dd-AFC4-6F175D3DCCD1}">
-              <a14:hiddenFill xmlns="" xmlns:a14="http://schemas.microsoft.com/office/drawing/2010/main">
+              <a14:hiddenFill xmlns:a14="http://schemas.microsoft.com/office/drawing/2010/main" xmlns="">
                 <a:blipFill dpi="0" rotWithShape="0">
                   <a:blip xmlns:r="http://schemas.openxmlformats.org/officeDocument/2006/relationships"/>
                   <a:srcRect/>
@@ -6078,7 +5996,7 @@
               </a14:hiddenFill>
             </a:ext>
             <a:ext uri="{91240B29-F687-4f45-9708-019B960494DF}">
-              <a14:hiddenLine xmlns="" xmlns:a14="http://schemas.microsoft.com/office/drawing/2010/main" w="9525">
+              <a14:hiddenLine xmlns:a14="http://schemas.microsoft.com/office/drawing/2010/main" xmlns="" w="9525">
                 <a:solidFill>
                   <a:srgbClr val="000000"/>
                 </a:solidFill>
@@ -6088,7 +6006,7 @@
               </a14:hiddenLine>
             </a:ext>
             <a:ext uri="{AF507438-7753-43e0-B8FC-AC1667EBCBE1}">
-              <a14:hiddenEffects xmlns="" xmlns:a14="http://schemas.microsoft.com/office/drawing/2010/main">
+              <a14:hiddenEffects xmlns:a14="http://schemas.microsoft.com/office/drawing/2010/main" xmlns="">
                 <a:effectLst>
                   <a:outerShdw blurRad="63500" dist="38099" dir="2700000" algn="ctr" rotWithShape="0">
                     <a:srgbClr val="000000">
@@ -6124,14 +6042,14 @@
           <a:effectLst/>
           <a:extLst>
             <a:ext uri="{909E8E84-426E-40dd-AFC4-6F175D3DCCD1}">
-              <a14:hiddenFill xmlns="" xmlns:a14="http://schemas.microsoft.com/office/drawing/2010/main">
+              <a14:hiddenFill xmlns:a14="http://schemas.microsoft.com/office/drawing/2010/main" xmlns="">
                 <a:solidFill>
                   <a:srgbClr val="FFFFFF"/>
                 </a:solidFill>
               </a14:hiddenFill>
             </a:ext>
             <a:ext uri="{91240B29-F687-4f45-9708-019B960494DF}">
-              <a14:hiddenLine xmlns="" xmlns:a14="http://schemas.microsoft.com/office/drawing/2010/main" w="9525">
+              <a14:hiddenLine xmlns:a14="http://schemas.microsoft.com/office/drawing/2010/main" xmlns="" w="9525">
                 <a:solidFill>
                   <a:srgbClr val="000000"/>
                 </a:solidFill>
@@ -6141,7 +6059,7 @@
               </a14:hiddenLine>
             </a:ext>
             <a:ext uri="{AF507438-7753-43e0-B8FC-AC1667EBCBE1}">
-              <a14:hiddenEffects xmlns="" xmlns:a14="http://schemas.microsoft.com/office/drawing/2010/main">
+              <a14:hiddenEffects xmlns:a14="http://schemas.microsoft.com/office/drawing/2010/main" xmlns="">
                 <a:effectLst>
                   <a:outerShdw blurRad="63500" dist="38099" dir="2700000" algn="ctr" rotWithShape="0">
                     <a:srgbClr val="000000">
@@ -6452,14 +6370,14 @@
           <a:effectLst/>
           <a:extLst>
             <a:ext uri="{909E8E84-426E-40dd-AFC4-6F175D3DCCD1}">
-              <a14:hiddenFill xmlns="" xmlns:a14="http://schemas.microsoft.com/office/drawing/2010/main">
+              <a14:hiddenFill xmlns:a14="http://schemas.microsoft.com/office/drawing/2010/main" xmlns="">
                 <a:solidFill>
                   <a:srgbClr val="FFFFFF"/>
                 </a:solidFill>
               </a14:hiddenFill>
             </a:ext>
             <a:ext uri="{91240B29-F687-4f45-9708-019B960494DF}">
-              <a14:hiddenLine xmlns="" xmlns:a14="http://schemas.microsoft.com/office/drawing/2010/main" w="9525">
+              <a14:hiddenLine xmlns:a14="http://schemas.microsoft.com/office/drawing/2010/main" xmlns="" w="9525">
                 <a:solidFill>
                   <a:srgbClr val="000000"/>
                 </a:solidFill>
@@ -6469,7 +6387,7 @@
               </a14:hiddenLine>
             </a:ext>
             <a:ext uri="{AF507438-7753-43e0-B8FC-AC1667EBCBE1}">
-              <a14:hiddenEffects xmlns="" xmlns:a14="http://schemas.microsoft.com/office/drawing/2010/main">
+              <a14:hiddenEffects xmlns:a14="http://schemas.microsoft.com/office/drawing/2010/main" xmlns="">
                 <a:effectLst>
                   <a:outerShdw blurRad="63500" dist="38099" dir="2700000" algn="ctr" rotWithShape="0">
                     <a:schemeClr val="bg2">
@@ -6480,7 +6398,7 @@
               </a14:hiddenEffects>
             </a:ext>
             <a:ext uri="{FAA26D3D-D897-4be2-8F04-BA451C77F1D7}">
-              <ma14:placeholderFlag xmlns="" xmlns:ma14="http://schemas.microsoft.com/office/mac/drawingml/2011/main" val="1"/>
+              <ma14:placeholderFlag xmlns:ma14="http://schemas.microsoft.com/office/mac/drawingml/2011/main" xmlns="" val="1"/>
             </a:ext>
           </a:extLst>
         </p:spPr>
@@ -6581,14 +6499,14 @@
           <a:effectLst/>
           <a:extLst>
             <a:ext uri="{909E8E84-426E-40dd-AFC4-6F175D3DCCD1}">
-              <a14:hiddenFill xmlns="" xmlns:a14="http://schemas.microsoft.com/office/drawing/2010/main">
+              <a14:hiddenFill xmlns:a14="http://schemas.microsoft.com/office/drawing/2010/main" xmlns="">
                 <a:solidFill>
                   <a:srgbClr val="FFFFFF"/>
                 </a:solidFill>
               </a14:hiddenFill>
             </a:ext>
             <a:ext uri="{91240B29-F687-4f45-9708-019B960494DF}">
-              <a14:hiddenLine xmlns="" xmlns:a14="http://schemas.microsoft.com/office/drawing/2010/main" w="9525">
+              <a14:hiddenLine xmlns:a14="http://schemas.microsoft.com/office/drawing/2010/main" xmlns="" w="9525">
                 <a:solidFill>
                   <a:srgbClr val="000000"/>
                 </a:solidFill>
@@ -6598,7 +6516,7 @@
               </a14:hiddenLine>
             </a:ext>
             <a:ext uri="{AF507438-7753-43e0-B8FC-AC1667EBCBE1}">
-              <a14:hiddenEffects xmlns="" xmlns:a14="http://schemas.microsoft.com/office/drawing/2010/main">
+              <a14:hiddenEffects xmlns:a14="http://schemas.microsoft.com/office/drawing/2010/main" xmlns="">
                 <a:effectLst>
                   <a:outerShdw blurRad="63500" dist="38099" dir="2700000" algn="ctr" rotWithShape="0">
                     <a:schemeClr val="bg2">
@@ -6609,7 +6527,7 @@
               </a14:hiddenEffects>
             </a:ext>
             <a:ext uri="{FAA26D3D-D897-4be2-8F04-BA451C77F1D7}">
-              <ma14:placeholderFlag xmlns="" xmlns:ma14="http://schemas.microsoft.com/office/mac/drawingml/2011/main" val="1"/>
+              <ma14:placeholderFlag xmlns:ma14="http://schemas.microsoft.com/office/mac/drawingml/2011/main" xmlns="" val="1"/>
             </a:ext>
           </a:extLst>
         </p:spPr>
@@ -7265,7 +7183,7 @@
           <a:effectLst/>
           <a:extLst>
             <a:ext uri="{AF507438-7753-43e0-B8FC-AC1667EBCBE1}">
-              <a14:hiddenEffects xmlns="" xmlns:a14="http://schemas.microsoft.com/office/drawing/2010/main">
+              <a14:hiddenEffects xmlns:a14="http://schemas.microsoft.com/office/drawing/2010/main" xmlns="">
                 <a:effectLst>
                   <a:outerShdw blurRad="63500" dist="38099" dir="2700000" algn="ctr" rotWithShape="0">
                     <a:schemeClr val="bg2">
@@ -7624,7 +7542,7 @@
         </p:nvSpPr>
         <p:spPr>
           <a:xfrm>
-            <a:off x="1017029" y="3945799"/>
+            <a:off x="1009534" y="3825226"/>
             <a:ext cx="7343775" cy="3263504"/>
           </a:xfrm>
         </p:spPr>
@@ -7648,9 +7566,14 @@
               <a:t>Cold </a:t>
             </a:r>
             <a:r>
-              <a:rPr lang="en-US" dirty="0"/>
-              <a:t>start</a:t>
-            </a:r>
+              <a:rPr lang="en-US" dirty="0" smtClean="0"/>
+              <a:t>start: new </a:t>
+            </a:r>
+            <a:r>
+              <a:rPr lang="en-US" dirty="0" smtClean="0"/>
+              <a:t>jobs have no review logs </a:t>
+            </a:r>
+            <a:endParaRPr lang="en-US" dirty="0"/>
           </a:p>
           <a:p>
             <a:pPr marL="914400" lvl="1" indent="-457200">
@@ -7659,12 +7582,21 @@
             </a:pPr>
             <a:r>
               <a:rPr lang="en-US" dirty="0" smtClean="0"/>
-              <a:t>Sparseness </a:t>
+              <a:t>Sparseness: few overlap </a:t>
             </a:r>
             <a:r>
               <a:rPr lang="en-US" dirty="0"/>
-              <a:t>of users’ profiles</a:t>
-            </a:r>
+              <a:t>in </a:t>
+            </a:r>
+            <a:r>
+              <a:rPr lang="en-US" dirty="0" smtClean="0"/>
+              <a:t>users</a:t>
+            </a:r>
+            <a:r>
+              <a:rPr lang="en-US" dirty="0"/>
+              <a:t>’ profiles</a:t>
+            </a:r>
+            <a:endParaRPr lang="en-US" dirty="0"/>
           </a:p>
           <a:p>
             <a:pPr lvl="1"/>
@@ -7724,7 +7656,7 @@
         </p:blipFill>
         <p:spPr>
           <a:xfrm>
-            <a:off x="1171575" y="2285249"/>
+            <a:off x="1338214" y="1855989"/>
             <a:ext cx="4130475" cy="894227"/>
           </a:xfrm>
           <a:prstGeom prst="rect">
@@ -7748,7 +7680,7 @@
         </p:blipFill>
         <p:spPr>
           <a:xfrm>
-            <a:off x="1171575" y="3304613"/>
+            <a:off x="1305735" y="2954480"/>
             <a:ext cx="4847969" cy="666482"/>
           </a:xfrm>
           <a:prstGeom prst="rect">
@@ -8037,7 +7969,7 @@
           <a:effectLst/>
           <a:extLst>
             <a:ext uri="{AF507438-7753-43e0-B8FC-AC1667EBCBE1}">
-              <a14:hiddenEffects xmlns="" xmlns:a14="http://schemas.microsoft.com/office/drawing/2010/main">
+              <a14:hiddenEffects xmlns:a14="http://schemas.microsoft.com/office/drawing/2010/main" xmlns="">
                 <a:effectLst>
                   <a:outerShdw blurRad="63500" dist="38099" dir="2700000" algn="ctr" rotWithShape="0">
                     <a:schemeClr val="bg2">
@@ -8440,7 +8372,7 @@
           <a:effectLst/>
           <a:extLst>
             <a:ext uri="{AF507438-7753-43e0-B8FC-AC1667EBCBE1}">
-              <a14:hiddenEffects xmlns="" xmlns:a14="http://schemas.microsoft.com/office/drawing/2010/main">
+              <a14:hiddenEffects xmlns:a14="http://schemas.microsoft.com/office/drawing/2010/main" xmlns="">
                 <a:effectLst>
                   <a:outerShdw blurRad="63500" dist="38099" dir="2700000" algn="ctr" rotWithShape="0">
                     <a:schemeClr val="bg2">
@@ -9048,7 +8980,7 @@
           <a:effectLst/>
           <a:extLst>
             <a:ext uri="{AF507438-7753-43e0-B8FC-AC1667EBCBE1}">
-              <a14:hiddenEffects xmlns="" xmlns:a14="http://schemas.microsoft.com/office/drawing/2010/main">
+              <a14:hiddenEffects xmlns:a14="http://schemas.microsoft.com/office/drawing/2010/main" xmlns="">
                 <a:effectLst>
                   <a:outerShdw blurRad="63500" dist="38099" dir="2700000" algn="ctr" rotWithShape="0">
                     <a:schemeClr val="bg2">
@@ -9130,7 +9062,7 @@
           <a:effectLst/>
           <a:extLst>
             <a:ext uri="{AF507438-7753-43e0-B8FC-AC1667EBCBE1}">
-              <a14:hiddenEffects xmlns="" xmlns:a14="http://schemas.microsoft.com/office/drawing/2010/main">
+              <a14:hiddenEffects xmlns:a14="http://schemas.microsoft.com/office/drawing/2010/main" xmlns="">
                 <a:effectLst>
                   <a:outerShdw blurRad="63500" dist="38099" dir="2700000" algn="ctr" rotWithShape="0">
                     <a:schemeClr val="bg2">
@@ -9874,6 +9806,160 @@
         </p:nvSpPr>
         <p:spPr>
           <a:xfrm>
+            <a:off x="511455" y="2133600"/>
+            <a:ext cx="8228013" cy="4114799"/>
+          </a:xfrm>
+        </p:spPr>
+        <p:txBody>
+          <a:bodyPr/>
+          <a:lstStyle/>
+          <a:p>
+            <a:pPr marL="457200" indent="-457200">
+              <a:buClr>
+                <a:srgbClr val="C00000"/>
+              </a:buClr>
+              <a:buFont typeface="Wingdings" panose="05000000000000000000" pitchFamily="2" charset="2"/>
+              <a:buChar char="v"/>
+            </a:pPr>
+            <a:r>
+              <a:rPr lang="en-US" sz="2800" dirty="0" smtClean="0"/>
+              <a:t>How to extract models </a:t>
+            </a:r>
+            <a:r>
+              <a:rPr lang="en-US" sz="2800" dirty="0"/>
+              <a:t>from </a:t>
+            </a:r>
+            <a:r>
+              <a:rPr lang="en-US" sz="2800" dirty="0" smtClean="0"/>
+              <a:t>unstructured data sources.</a:t>
+            </a:r>
+            <a:endParaRPr lang="en-US" sz="2800" dirty="0" smtClean="0"/>
+          </a:p>
+          <a:p>
+            <a:pPr marL="457200" indent="-457200">
+              <a:buClr>
+                <a:srgbClr val="C00000"/>
+              </a:buClr>
+              <a:buFont typeface="Wingdings" panose="05000000000000000000" pitchFamily="2" charset="2"/>
+              <a:buChar char="v"/>
+            </a:pPr>
+            <a:r>
+              <a:rPr lang="en-US" sz="2800" dirty="0" smtClean="0"/>
+              <a:t>How to compute the similarity </a:t>
+            </a:r>
+            <a:r>
+              <a:rPr lang="en-US" sz="2800" dirty="0"/>
+              <a:t>between </a:t>
+            </a:r>
+            <a:r>
+              <a:rPr lang="en-US" sz="2800" dirty="0" smtClean="0"/>
+              <a:t>résumé and job models.</a:t>
+            </a:r>
+            <a:endParaRPr lang="en-US" sz="2800" dirty="0" smtClean="0"/>
+          </a:p>
+          <a:p>
+            <a:r>
+              <a:rPr lang="en-US" dirty="0" smtClean="0"/>
+              <a:t> </a:t>
+            </a:r>
+            <a:endParaRPr lang="en-US" dirty="0"/>
+          </a:p>
+          <a:p>
+            <a:endParaRPr lang="en-US" dirty="0" smtClean="0"/>
+          </a:p>
+          <a:p>
+            <a:endParaRPr lang="en-US" dirty="0" smtClean="0"/>
+          </a:p>
+          <a:p>
+            <a:endParaRPr lang="en-US" dirty="0"/>
+          </a:p>
+        </p:txBody>
+      </p:sp>
+      <p:sp>
+        <p:nvSpPr>
+          <p:cNvPr id="3" name="Title 2"/>
+          <p:cNvSpPr>
+            <a:spLocks noGrp="1"/>
+          </p:cNvSpPr>
+          <p:nvPr>
+            <p:ph type="title"/>
+          </p:nvPr>
+        </p:nvSpPr>
+        <p:spPr>
+          <a:xfrm>
+            <a:off x="511455" y="533400"/>
+            <a:ext cx="7343775" cy="994172"/>
+          </a:xfrm>
+        </p:spPr>
+        <p:txBody>
+          <a:bodyPr/>
+          <a:lstStyle/>
+          <a:p>
+            <a:r>
+              <a:rPr lang="en-US" altLang="zh-CN" dirty="0" smtClean="0"/>
+              <a:t>Challenges </a:t>
+            </a:r>
+            <a:endParaRPr lang="en-US" dirty="0"/>
+          </a:p>
+        </p:txBody>
+      </p:sp>
+    </p:spTree>
+    <p:extLst>
+      <p:ext uri="{BB962C8B-B14F-4D97-AF65-F5344CB8AC3E}">
+        <p14:creationId xmlns:p14="http://schemas.microsoft.com/office/powerpoint/2010/main" val="3480136275"/>
+      </p:ext>
+    </p:extLst>
+  </p:cSld>
+  <p:clrMapOvr>
+    <a:masterClrMapping/>
+  </p:clrMapOvr>
+  <mc:AlternateContent xmlns:mc="http://schemas.openxmlformats.org/markup-compatibility/2006">
+    <mc:Choice xmlns:p14="http://schemas.microsoft.com/office/powerpoint/2010/main" Requires="p14">
+      <p:transition spd="slow" p14:dur="2000"/>
+    </mc:Choice>
+    <mc:Fallback>
+      <p:transition spd="slow"/>
+    </mc:Fallback>
+  </mc:AlternateContent>
+  <p:timing>
+    <p:tnLst>
+      <p:par>
+        <p:cTn id="1" dur="indefinite" restart="never" nodeType="tmRoot"/>
+      </p:par>
+    </p:tnLst>
+  </p:timing>
+</p:sld>
+</file>
+
+<file path=ppt/slides/slide21.xml><?xml version="1.0" encoding="utf-8"?>
+<p:sld xmlns:a="http://schemas.openxmlformats.org/drawingml/2006/main" xmlns:r="http://schemas.openxmlformats.org/officeDocument/2006/relationships" xmlns:p="http://schemas.openxmlformats.org/presentationml/2006/main">
+  <p:cSld>
+    <p:spTree>
+      <p:nvGrpSpPr>
+        <p:cNvPr id="1" name=""/>
+        <p:cNvGrpSpPr/>
+        <p:nvPr/>
+      </p:nvGrpSpPr>
+      <p:grpSpPr>
+        <a:xfrm>
+          <a:off x="0" y="0"/>
+          <a:ext cx="0" cy="0"/>
+          <a:chOff x="0" y="0"/>
+          <a:chExt cx="0" cy="0"/>
+        </a:xfrm>
+      </p:grpSpPr>
+      <p:sp>
+        <p:nvSpPr>
+          <p:cNvPr id="2" name="Content Placeholder 1"/>
+          <p:cNvSpPr>
+            <a:spLocks noGrp="1"/>
+          </p:cNvSpPr>
+          <p:nvPr>
+            <p:ph idx="1"/>
+          </p:nvPr>
+        </p:nvSpPr>
+        <p:spPr>
+          <a:xfrm>
             <a:off x="489353" y="1900144"/>
             <a:ext cx="8228013" cy="4114799"/>
           </a:xfrm>
@@ -10074,9 +10160,10 @@
           <a:lstStyle/>
           <a:p>
             <a:r>
-              <a:rPr lang="en-US" dirty="0"/>
-              <a:t>Problem Definition </a:t>
-            </a:r>
+              <a:rPr lang="en-US" dirty="0" smtClean="0"/>
+              <a:t>Model Similarity</a:t>
+            </a:r>
+            <a:endParaRPr lang="en-US" dirty="0"/>
           </a:p>
         </p:txBody>
       </p:sp>
@@ -10132,7 +10219,7 @@
 </p:sld>
 </file>
 
-<file path=ppt/slides/slide21.xml><?xml version="1.0" encoding="utf-8"?>
+<file path=ppt/slides/slide22.xml><?xml version="1.0" encoding="utf-8"?>
 <p:sld xmlns:a="http://schemas.openxmlformats.org/drawingml/2006/main" xmlns:r="http://schemas.openxmlformats.org/officeDocument/2006/relationships" xmlns:p="http://schemas.openxmlformats.org/presentationml/2006/main">
   <p:cSld>
     <p:spTree>
@@ -10151,114 +10238,6 @@
       </p:grpSpPr>
       <p:sp>
         <p:nvSpPr>
-          <p:cNvPr id="2" name="Content Placeholder 1"/>
-          <p:cNvSpPr>
-            <a:spLocks noGrp="1"/>
-          </p:cNvSpPr>
-          <p:nvPr>
-            <p:ph idx="1"/>
-          </p:nvPr>
-        </p:nvSpPr>
-        <p:spPr>
-          <a:xfrm>
-            <a:off x="729455" y="2362200"/>
-            <a:ext cx="8228013" cy="3504211"/>
-          </a:xfrm>
-        </p:spPr>
-        <p:txBody>
-          <a:bodyPr/>
-          <a:lstStyle/>
-          <a:p>
-            <a:r>
-              <a:rPr lang="en-US" sz="2800" dirty="0"/>
-              <a:t>J is the set of </a:t>
-            </a:r>
-            <a:r>
-              <a:rPr lang="en-US" sz="2800" dirty="0" smtClean="0"/>
-              <a:t>jobs </a:t>
-            </a:r>
-            <a:r>
-              <a:rPr lang="en-US" altLang="zh-CN" sz="2800" dirty="0" smtClean="0"/>
-              <a:t>in the system</a:t>
-            </a:r>
-            <a:endParaRPr lang="en-US" sz="2800" dirty="0"/>
-          </a:p>
-          <a:p>
-            <a:r>
-              <a:rPr lang="en-US" sz="2800" dirty="0"/>
-              <a:t>Searching </a:t>
-            </a:r>
-            <a:r>
-              <a:rPr lang="en-US" sz="2800" dirty="0" smtClean="0"/>
-              <a:t>jobs with </a:t>
-            </a:r>
-            <a:r>
-              <a:rPr lang="en-US" sz="2800" dirty="0"/>
-              <a:t>a </a:t>
-            </a:r>
-            <a:r>
-              <a:rPr lang="en-US" sz="2800" dirty="0" smtClean="0"/>
-              <a:t>résumé  </a:t>
-            </a:r>
-            <a:r>
-              <a:rPr lang="en-US" sz="2800" dirty="0" smtClean="0">
-                <a:sym typeface="Wingdings" panose="05000000000000000000" pitchFamily="2" charset="2"/>
-              </a:rPr>
-              <a:t>  </a:t>
-            </a:r>
-            <a:r>
-              <a:rPr lang="en-US" sz="2800" dirty="0">
-                <a:sym typeface="Wingdings" panose="05000000000000000000" pitchFamily="2" charset="2"/>
-              </a:rPr>
-              <a:t>search(r, J)   </a:t>
-            </a:r>
-          </a:p>
-          <a:p>
-            <a:r>
-              <a:rPr lang="en-US" sz="2800" dirty="0" smtClean="0">
-                <a:sym typeface="Wingdings" panose="05000000000000000000" pitchFamily="2" charset="2"/>
-              </a:rPr>
-              <a:t>Return a </a:t>
-            </a:r>
-            <a:r>
-              <a:rPr lang="en-US" sz="2800" dirty="0">
-                <a:sym typeface="Wingdings" panose="05000000000000000000" pitchFamily="2" charset="2"/>
-              </a:rPr>
-              <a:t>list of jobs </a:t>
-            </a:r>
-            <a:r>
-              <a:rPr lang="en-US" sz="2800" dirty="0" smtClean="0">
-                <a:sym typeface="Wingdings" panose="05000000000000000000" pitchFamily="2" charset="2"/>
-              </a:rPr>
-              <a:t>that ranked by their similarity values  </a:t>
-            </a:r>
-            <a:r>
-              <a:rPr lang="en-US" sz="2800" dirty="0" err="1">
-                <a:sym typeface="Wingdings" panose="05000000000000000000" pitchFamily="2" charset="2"/>
-              </a:rPr>
-              <a:t>sim</a:t>
-            </a:r>
-            <a:r>
-              <a:rPr lang="en-US" sz="2800" dirty="0">
-                <a:sym typeface="Wingdings" panose="05000000000000000000" pitchFamily="2" charset="2"/>
-              </a:rPr>
-              <a:t>(r, j </a:t>
-            </a:r>
-            <a:r>
-              <a:rPr lang="en-US" sz="2800" dirty="0" smtClean="0">
-                <a:sym typeface="Wingdings" panose="05000000000000000000" pitchFamily="2" charset="2"/>
-              </a:rPr>
-              <a:t>).</a:t>
-            </a:r>
-            <a:endParaRPr lang="en-US" sz="2800" dirty="0"/>
-          </a:p>
-          <a:p>
-            <a:endParaRPr lang="en-US" dirty="0"/>
-          </a:p>
-        </p:txBody>
-      </p:sp>
-      <p:sp>
-        <p:nvSpPr>
           <p:cNvPr id="3" name="Title 2"/>
           <p:cNvSpPr>
             <a:spLocks noGrp="1"/>
@@ -10269,7 +10248,7 @@
         </p:nvSpPr>
         <p:spPr>
           <a:xfrm>
-            <a:off x="726957" y="533400"/>
+            <a:off x="470615" y="533400"/>
             <a:ext cx="7343775" cy="994172"/>
           </a:xfrm>
         </p:spPr>
@@ -10279,26 +10258,51 @@
           <a:p>
             <a:r>
               <a:rPr lang="en-US" dirty="0"/>
-              <a:t>Problem Definition </a:t>
-            </a:r>
+              <a:t>Model Similarity- Major</a:t>
+            </a:r>
+            <a:endParaRPr lang="en-US" dirty="0"/>
           </a:p>
         </p:txBody>
       </p:sp>
+      <p:pic>
+        <p:nvPicPr>
+          <p:cNvPr id="7" name="Picture 6"/>
+          <p:cNvPicPr>
+            <a:picLocks noChangeAspect="1"/>
+          </p:cNvPicPr>
+          <p:nvPr/>
+        </p:nvPicPr>
+        <p:blipFill>
+          <a:blip r:embed="rId2"/>
+          <a:stretch>
+            <a:fillRect/>
+          </a:stretch>
+        </p:blipFill>
+        <p:spPr>
+          <a:xfrm>
+            <a:off x="490602" y="2667000"/>
+            <a:ext cx="8221756" cy="2514600"/>
+          </a:xfrm>
+          <a:prstGeom prst="rect">
+            <a:avLst/>
+          </a:prstGeom>
+        </p:spPr>
+      </p:pic>
     </p:spTree>
     <p:extLst>
       <p:ext uri="{BB962C8B-B14F-4D97-AF65-F5344CB8AC3E}">
-        <p14:creationId xmlns:p14="http://schemas.microsoft.com/office/powerpoint/2010/main" val="3960271576"/>
+        <p14:creationId xmlns:p14="http://schemas.microsoft.com/office/powerpoint/2010/main" val="920974111"/>
       </p:ext>
     </p:extLst>
   </p:cSld>
   <p:clrMapOvr>
     <a:masterClrMapping/>
   </p:clrMapOvr>
-  <mc:AlternateContent xmlns:mc="http://schemas.openxmlformats.org/markup-compatibility/2006" xmlns:p14="http://schemas.microsoft.com/office/powerpoint/2010/main">
-    <mc:Choice Requires="p14">
+  <mc:AlternateContent xmlns:mc="http://schemas.openxmlformats.org/markup-compatibility/2006">
+    <mc:Choice xmlns:p14="http://schemas.microsoft.com/office/powerpoint/2010/main" Requires="p14">
       <p:transition spd="slow" p14:dur="2000"/>
     </mc:Choice>
-    <mc:Fallback xmlns="">
+    <mc:Fallback>
       <p:transition spd="slow"/>
     </mc:Fallback>
   </mc:AlternateContent>
@@ -10312,7 +10316,843 @@
 </p:sld>
 </file>
 
-<file path=ppt/slides/slide22.xml><?xml version="1.0" encoding="utf-8"?>
+<file path=ppt/slides/slide23.xml><?xml version="1.0" encoding="utf-8"?>
+<p:sld xmlns:a="http://schemas.openxmlformats.org/drawingml/2006/main" xmlns:r="http://schemas.openxmlformats.org/officeDocument/2006/relationships" xmlns:p="http://schemas.openxmlformats.org/presentationml/2006/main">
+  <p:cSld>
+    <p:spTree>
+      <p:nvGrpSpPr>
+        <p:cNvPr id="1" name=""/>
+        <p:cNvGrpSpPr/>
+        <p:nvPr/>
+      </p:nvGrpSpPr>
+      <p:grpSpPr>
+        <a:xfrm>
+          <a:off x="0" y="0"/>
+          <a:ext cx="0" cy="0"/>
+          <a:chOff x="0" y="0"/>
+          <a:chExt cx="0" cy="0"/>
+        </a:xfrm>
+      </p:grpSpPr>
+      <p:sp>
+        <p:nvSpPr>
+          <p:cNvPr id="3" name="Title 2"/>
+          <p:cNvSpPr>
+            <a:spLocks noGrp="1"/>
+          </p:cNvSpPr>
+          <p:nvPr>
+            <p:ph type="title"/>
+          </p:nvPr>
+        </p:nvSpPr>
+        <p:spPr>
+          <a:xfrm>
+            <a:off x="470615" y="533400"/>
+            <a:ext cx="7343775" cy="994172"/>
+          </a:xfrm>
+        </p:spPr>
+        <p:txBody>
+          <a:bodyPr/>
+          <a:lstStyle/>
+          <a:p>
+            <a:r>
+              <a:rPr lang="en-US" dirty="0"/>
+              <a:t>Model Similarity- </a:t>
+            </a:r>
+            <a:r>
+              <a:rPr lang="en-US" dirty="0" smtClean="0"/>
+              <a:t>Degree</a:t>
+            </a:r>
+            <a:endParaRPr lang="en-US" dirty="0"/>
+          </a:p>
+        </p:txBody>
+      </p:sp>
+      <p:pic>
+        <p:nvPicPr>
+          <p:cNvPr id="2" name="Picture 1"/>
+          <p:cNvPicPr>
+            <a:picLocks noChangeAspect="1"/>
+          </p:cNvPicPr>
+          <p:nvPr/>
+        </p:nvPicPr>
+        <p:blipFill>
+          <a:blip r:embed="rId2"/>
+          <a:stretch>
+            <a:fillRect/>
+          </a:stretch>
+        </p:blipFill>
+        <p:spPr>
+          <a:xfrm>
+            <a:off x="762000" y="3429000"/>
+            <a:ext cx="7566454" cy="2514600"/>
+          </a:xfrm>
+          <a:prstGeom prst="rect">
+            <a:avLst/>
+          </a:prstGeom>
+        </p:spPr>
+      </p:pic>
+      <p:graphicFrame>
+        <p:nvGraphicFramePr>
+          <p:cNvPr id="6" name="Table 5"/>
+          <p:cNvGraphicFramePr>
+            <a:graphicFrameLocks noGrp="1"/>
+          </p:cNvGraphicFramePr>
+          <p:nvPr>
+            <p:extLst>
+              <p:ext uri="{D42A27DB-BD31-4B8C-83A1-F6EECF244321}">
+                <p14:modId xmlns:p14="http://schemas.microsoft.com/office/powerpoint/2010/main" val="210111631"/>
+              </p:ext>
+            </p:extLst>
+          </p:nvPr>
+        </p:nvGraphicFramePr>
+        <p:xfrm>
+          <a:off x="762000" y="2057400"/>
+          <a:ext cx="7848601" cy="914400"/>
+        </p:xfrm>
+        <a:graphic>
+          <a:graphicData uri="http://schemas.openxmlformats.org/drawingml/2006/table">
+            <a:tbl>
+              <a:tblPr firstRow="1" bandRow="1">
+                <a:tableStyleId>{5940675A-B579-460E-94D1-54222C63F5DA}</a:tableStyleId>
+              </a:tblPr>
+              <a:tblGrid>
+                <a:gridCol w="1981200"/>
+                <a:gridCol w="1844993"/>
+                <a:gridCol w="1471613"/>
+                <a:gridCol w="1255394"/>
+                <a:gridCol w="1295401"/>
+              </a:tblGrid>
+              <a:tr h="342900">
+                <a:tc>
+                  <a:txBody>
+                    <a:bodyPr/>
+                    <a:lstStyle/>
+                    <a:p>
+                      <a:r>
+                        <a:rPr lang="en-US" sz="2400" dirty="0" smtClean="0"/>
+                        <a:t>High School </a:t>
+                      </a:r>
+                      <a:endParaRPr lang="en-US" sz="2400" dirty="0"/>
+                    </a:p>
+                  </a:txBody>
+                  <a:tcPr/>
+                </a:tc>
+                <a:tc>
+                  <a:txBody>
+                    <a:bodyPr/>
+                    <a:lstStyle/>
+                    <a:p>
+                      <a:r>
+                        <a:rPr lang="en-US" sz="2400" dirty="0" smtClean="0"/>
+                        <a:t>Associate</a:t>
+                      </a:r>
+                      <a:endParaRPr lang="en-US" sz="2400" dirty="0"/>
+                    </a:p>
+                  </a:txBody>
+                  <a:tcPr/>
+                </a:tc>
+                <a:tc>
+                  <a:txBody>
+                    <a:bodyPr/>
+                    <a:lstStyle/>
+                    <a:p>
+                      <a:r>
+                        <a:rPr lang="en-US" sz="2400" dirty="0" smtClean="0"/>
+                        <a:t>Bachelor</a:t>
+                      </a:r>
+                      <a:endParaRPr lang="en-US" sz="2400" dirty="0"/>
+                    </a:p>
+                  </a:txBody>
+                  <a:tcPr/>
+                </a:tc>
+                <a:tc>
+                  <a:txBody>
+                    <a:bodyPr/>
+                    <a:lstStyle/>
+                    <a:p>
+                      <a:r>
+                        <a:rPr lang="en-US" sz="2400" dirty="0" smtClean="0"/>
+                        <a:t>Master</a:t>
+                      </a:r>
+                      <a:endParaRPr lang="en-US" sz="2400" dirty="0"/>
+                    </a:p>
+                  </a:txBody>
+                  <a:tcPr/>
+                </a:tc>
+                <a:tc>
+                  <a:txBody>
+                    <a:bodyPr/>
+                    <a:lstStyle/>
+                    <a:p>
+                      <a:r>
+                        <a:rPr lang="en-US" sz="2400" dirty="0" smtClean="0"/>
+                        <a:t>Ph.D.</a:t>
+                      </a:r>
+                      <a:endParaRPr lang="en-US" sz="2400" dirty="0"/>
+                    </a:p>
+                  </a:txBody>
+                  <a:tcPr/>
+                </a:tc>
+              </a:tr>
+              <a:tr h="342900">
+                <a:tc>
+                  <a:txBody>
+                    <a:bodyPr/>
+                    <a:lstStyle/>
+                    <a:p>
+                      <a:r>
+                        <a:rPr lang="en-US" sz="2400" dirty="0" smtClean="0"/>
+                        <a:t>1</a:t>
+                      </a:r>
+                      <a:endParaRPr lang="en-US" sz="2400" dirty="0"/>
+                    </a:p>
+                  </a:txBody>
+                  <a:tcPr/>
+                </a:tc>
+                <a:tc>
+                  <a:txBody>
+                    <a:bodyPr/>
+                    <a:lstStyle/>
+                    <a:p>
+                      <a:r>
+                        <a:rPr lang="en-US" sz="2400" dirty="0" smtClean="0"/>
+                        <a:t>2</a:t>
+                      </a:r>
+                      <a:endParaRPr lang="en-US" sz="2400" dirty="0"/>
+                    </a:p>
+                  </a:txBody>
+                  <a:tcPr/>
+                </a:tc>
+                <a:tc>
+                  <a:txBody>
+                    <a:bodyPr/>
+                    <a:lstStyle/>
+                    <a:p>
+                      <a:r>
+                        <a:rPr lang="en-US" sz="2400" dirty="0" smtClean="0"/>
+                        <a:t>3</a:t>
+                      </a:r>
+                      <a:endParaRPr lang="en-US" sz="2400" dirty="0"/>
+                    </a:p>
+                  </a:txBody>
+                  <a:tcPr/>
+                </a:tc>
+                <a:tc>
+                  <a:txBody>
+                    <a:bodyPr/>
+                    <a:lstStyle/>
+                    <a:p>
+                      <a:r>
+                        <a:rPr lang="en-US" sz="2400" dirty="0" smtClean="0"/>
+                        <a:t>4</a:t>
+                      </a:r>
+                      <a:endParaRPr lang="en-US" sz="2400" dirty="0"/>
+                    </a:p>
+                  </a:txBody>
+                  <a:tcPr/>
+                </a:tc>
+                <a:tc>
+                  <a:txBody>
+                    <a:bodyPr/>
+                    <a:lstStyle/>
+                    <a:p>
+                      <a:r>
+                        <a:rPr lang="en-US" sz="2400" dirty="0" smtClean="0"/>
+                        <a:t>5</a:t>
+                      </a:r>
+                      <a:endParaRPr lang="en-US" sz="2400" dirty="0"/>
+                    </a:p>
+                  </a:txBody>
+                  <a:tcPr/>
+                </a:tc>
+              </a:tr>
+            </a:tbl>
+          </a:graphicData>
+        </a:graphic>
+      </p:graphicFrame>
+    </p:spTree>
+    <p:extLst>
+      <p:ext uri="{BB962C8B-B14F-4D97-AF65-F5344CB8AC3E}">
+        <p14:creationId xmlns:p14="http://schemas.microsoft.com/office/powerpoint/2010/main" val="4185099093"/>
+      </p:ext>
+    </p:extLst>
+  </p:cSld>
+  <p:clrMapOvr>
+    <a:masterClrMapping/>
+  </p:clrMapOvr>
+  <mc:AlternateContent xmlns:mc="http://schemas.openxmlformats.org/markup-compatibility/2006">
+    <mc:Choice xmlns:p14="http://schemas.microsoft.com/office/powerpoint/2010/main" Requires="p14">
+      <p:transition spd="slow" p14:dur="2000"/>
+    </mc:Choice>
+    <mc:Fallback>
+      <p:transition spd="slow"/>
+    </mc:Fallback>
+  </mc:AlternateContent>
+  <p:timing>
+    <p:tnLst>
+      <p:par>
+        <p:cTn id="1" dur="indefinite" restart="never" nodeType="tmRoot"/>
+      </p:par>
+    </p:tnLst>
+  </p:timing>
+</p:sld>
+</file>
+
+<file path=ppt/slides/slide24.xml><?xml version="1.0" encoding="utf-8"?>
+<p:sld xmlns:a="http://schemas.openxmlformats.org/drawingml/2006/main" xmlns:r="http://schemas.openxmlformats.org/officeDocument/2006/relationships" xmlns:p="http://schemas.openxmlformats.org/presentationml/2006/main">
+  <p:cSld>
+    <p:spTree>
+      <p:nvGrpSpPr>
+        <p:cNvPr id="1" name=""/>
+        <p:cNvGrpSpPr/>
+        <p:nvPr/>
+      </p:nvGrpSpPr>
+      <p:grpSpPr>
+        <a:xfrm>
+          <a:off x="0" y="0"/>
+          <a:ext cx="0" cy="0"/>
+          <a:chOff x="0" y="0"/>
+          <a:chExt cx="0" cy="0"/>
+        </a:xfrm>
+      </p:grpSpPr>
+      <p:sp>
+        <p:nvSpPr>
+          <p:cNvPr id="3" name="Title 2"/>
+          <p:cNvSpPr>
+            <a:spLocks noGrp="1"/>
+          </p:cNvSpPr>
+          <p:nvPr>
+            <p:ph type="title"/>
+          </p:nvPr>
+        </p:nvSpPr>
+        <p:spPr>
+          <a:xfrm>
+            <a:off x="470615" y="533400"/>
+            <a:ext cx="7343775" cy="994172"/>
+          </a:xfrm>
+        </p:spPr>
+        <p:txBody>
+          <a:bodyPr/>
+          <a:lstStyle/>
+          <a:p>
+            <a:r>
+              <a:rPr lang="en-US" dirty="0"/>
+              <a:t>Model Similarity- </a:t>
+            </a:r>
+            <a:r>
+              <a:rPr lang="en-US" dirty="0" smtClean="0"/>
+              <a:t>Job Title</a:t>
+            </a:r>
+            <a:endParaRPr lang="en-US" dirty="0"/>
+          </a:p>
+        </p:txBody>
+      </p:sp>
+      <p:sp>
+        <p:nvSpPr>
+          <p:cNvPr id="4" name="Content Placeholder 1"/>
+          <p:cNvSpPr>
+            <a:spLocks noGrp="1"/>
+          </p:cNvSpPr>
+          <p:nvPr>
+            <p:ph idx="1"/>
+          </p:nvPr>
+        </p:nvSpPr>
+        <p:spPr>
+          <a:xfrm>
+            <a:off x="489353" y="1900144"/>
+            <a:ext cx="8654647" cy="4114799"/>
+          </a:xfrm>
+        </p:spPr>
+        <p:txBody>
+          <a:bodyPr/>
+          <a:lstStyle/>
+          <a:p>
+            <a:pPr marL="457200" lvl="1" indent="-457200">
+              <a:spcBef>
+                <a:spcPts val="800"/>
+              </a:spcBef>
+              <a:buClr>
+                <a:srgbClr val="C00000"/>
+              </a:buClr>
+              <a:buFont typeface="Wingdings" panose="05000000000000000000" pitchFamily="2" charset="2"/>
+              <a:buChar char="v"/>
+            </a:pPr>
+            <a:r>
+              <a:rPr lang="en-US" altLang="zh-CN" sz="2800" dirty="0" smtClean="0"/>
+              <a:t>J</a:t>
+            </a:r>
+            <a:r>
+              <a:rPr lang="en-US" sz="2800" dirty="0" smtClean="0"/>
+              <a:t>ob Role (</a:t>
+            </a:r>
+            <a:r>
+              <a:rPr lang="en-US" sz="2400" dirty="0" smtClean="0"/>
+              <a:t>Developer</a:t>
+            </a:r>
+            <a:r>
+              <a:rPr lang="en-US" sz="2400" dirty="0"/>
+              <a:t>, </a:t>
+            </a:r>
+            <a:r>
+              <a:rPr lang="en-US" sz="2400" dirty="0" smtClean="0"/>
+              <a:t>Manager</a:t>
+            </a:r>
+            <a:r>
+              <a:rPr lang="en-US" sz="2400" dirty="0"/>
+              <a:t>, </a:t>
+            </a:r>
+            <a:r>
+              <a:rPr lang="en-US" sz="2400" dirty="0" smtClean="0"/>
+              <a:t>Administrator</a:t>
+            </a:r>
+            <a:r>
+              <a:rPr lang="en-US" sz="2800" dirty="0" smtClean="0"/>
+              <a:t>)</a:t>
+            </a:r>
+            <a:endParaRPr lang="en-US" sz="2800" dirty="0"/>
+          </a:p>
+          <a:p>
+            <a:pPr marL="457200" indent="-457200">
+              <a:buClr>
+                <a:srgbClr val="C00000"/>
+              </a:buClr>
+              <a:buFont typeface="Wingdings" panose="05000000000000000000" pitchFamily="2" charset="2"/>
+              <a:buChar char="v"/>
+            </a:pPr>
+            <a:r>
+              <a:rPr lang="en-US" sz="2800" dirty="0"/>
+              <a:t>Job Level </a:t>
+            </a:r>
+            <a:r>
+              <a:rPr lang="en-US" sz="2800" dirty="0" smtClean="0"/>
+              <a:t>(Junior</a:t>
+            </a:r>
+            <a:r>
+              <a:rPr lang="en-US" sz="2800" dirty="0"/>
+              <a:t>, </a:t>
+            </a:r>
+            <a:r>
+              <a:rPr lang="en-US" sz="2800" dirty="0" smtClean="0"/>
+              <a:t>Senior </a:t>
+            </a:r>
+            <a:r>
+              <a:rPr lang="en-US" sz="2800" dirty="0"/>
+              <a:t>and </a:t>
+            </a:r>
+            <a:r>
+              <a:rPr lang="en-US" sz="2800" dirty="0" smtClean="0"/>
+              <a:t>Architect</a:t>
+            </a:r>
+            <a:r>
+              <a:rPr lang="en-US" sz="2800" dirty="0"/>
+              <a:t>)</a:t>
+            </a:r>
+            <a:endParaRPr lang="en-US" sz="2800" dirty="0" smtClean="0"/>
+          </a:p>
+          <a:p>
+            <a:pPr marL="457200" indent="-457200">
+              <a:buClr>
+                <a:srgbClr val="C00000"/>
+              </a:buClr>
+              <a:buFont typeface="Wingdings" panose="05000000000000000000" pitchFamily="2" charset="2"/>
+              <a:buChar char="v"/>
+            </a:pPr>
+            <a:r>
+              <a:rPr lang="en-US" sz="2800" dirty="0" smtClean="0"/>
+              <a:t>Platform (Database, J2EE, Web )</a:t>
+            </a:r>
+          </a:p>
+          <a:p>
+            <a:pPr marL="457200" indent="-457200">
+              <a:buClr>
+                <a:srgbClr val="C00000"/>
+              </a:buClr>
+              <a:buFont typeface="Wingdings" panose="05000000000000000000" pitchFamily="2" charset="2"/>
+              <a:buChar char="v"/>
+            </a:pPr>
+            <a:r>
+              <a:rPr lang="en-US" sz="2800" dirty="0" smtClean="0"/>
+              <a:t>Programming language (Python, Java, C++)</a:t>
+            </a:r>
+          </a:p>
+          <a:p>
+            <a:pPr marL="457200" indent="-457200">
+              <a:buClr>
+                <a:srgbClr val="C00000"/>
+              </a:buClr>
+              <a:buFont typeface="Wingdings" panose="05000000000000000000" pitchFamily="2" charset="2"/>
+              <a:buChar char="v"/>
+            </a:pPr>
+            <a:r>
+              <a:rPr lang="en-US" altLang="zh-CN" sz="2800" dirty="0" smtClean="0"/>
+              <a:t>Summation </a:t>
+            </a:r>
+            <a:r>
+              <a:rPr lang="en-US" altLang="zh-CN" sz="2800" dirty="0"/>
+              <a:t>of similarity all </a:t>
+            </a:r>
+            <a:r>
+              <a:rPr lang="en-US" altLang="zh-CN" sz="2800" dirty="0" smtClean="0"/>
+              <a:t>the fields between job and </a:t>
+            </a:r>
+            <a:r>
+              <a:rPr lang="en-US" sz="2800" dirty="0"/>
+              <a:t>résumé</a:t>
+            </a:r>
+            <a:endParaRPr lang="en-US" altLang="zh-CN" sz="2800" dirty="0" smtClean="0"/>
+          </a:p>
+          <a:p>
+            <a:pPr marL="457200" indent="-457200">
+              <a:buClr>
+                <a:srgbClr val="C00000"/>
+              </a:buClr>
+              <a:buFont typeface="Wingdings" panose="05000000000000000000" pitchFamily="2" charset="2"/>
+              <a:buChar char="v"/>
+            </a:pPr>
+            <a:r>
+              <a:rPr lang="en-US" altLang="zh-CN" sz="2800" dirty="0" smtClean="0"/>
+              <a:t>Several job titles in the </a:t>
+            </a:r>
+            <a:r>
+              <a:rPr lang="en-US" sz="2800" dirty="0" smtClean="0"/>
+              <a:t>résumé, return the one with </a:t>
+            </a:r>
+            <a:r>
+              <a:rPr lang="en-US" sz="2800" dirty="0"/>
+              <a:t>maximum </a:t>
+            </a:r>
+            <a:r>
+              <a:rPr lang="en-US" altLang="zh-CN" sz="2800" dirty="0"/>
+              <a:t>similarity </a:t>
+            </a:r>
+            <a:r>
+              <a:rPr lang="en-US" altLang="zh-CN" sz="2800" dirty="0" smtClean="0"/>
+              <a:t>value</a:t>
+            </a:r>
+            <a:endParaRPr lang="en-US" sz="2800" dirty="0"/>
+          </a:p>
+          <a:p>
+            <a:endParaRPr lang="en-US" dirty="0"/>
+          </a:p>
+          <a:p>
+            <a:endParaRPr lang="en-US" dirty="0" smtClean="0"/>
+          </a:p>
+          <a:p>
+            <a:endParaRPr lang="en-US" dirty="0" smtClean="0"/>
+          </a:p>
+          <a:p>
+            <a:endParaRPr lang="en-US" dirty="0"/>
+          </a:p>
+        </p:txBody>
+      </p:sp>
+    </p:spTree>
+    <p:extLst>
+      <p:ext uri="{BB962C8B-B14F-4D97-AF65-F5344CB8AC3E}">
+        <p14:creationId xmlns:p14="http://schemas.microsoft.com/office/powerpoint/2010/main" val="788433845"/>
+      </p:ext>
+    </p:extLst>
+  </p:cSld>
+  <p:clrMapOvr>
+    <a:masterClrMapping/>
+  </p:clrMapOvr>
+  <mc:AlternateContent xmlns:mc="http://schemas.openxmlformats.org/markup-compatibility/2006">
+    <mc:Choice xmlns:p14="http://schemas.microsoft.com/office/powerpoint/2010/main" Requires="p14">
+      <p:transition spd="slow" p14:dur="2000"/>
+    </mc:Choice>
+    <mc:Fallback>
+      <p:transition spd="slow"/>
+    </mc:Fallback>
+  </mc:AlternateContent>
+  <p:timing>
+    <p:tnLst>
+      <p:par>
+        <p:cTn id="1" dur="indefinite" restart="never" nodeType="tmRoot"/>
+      </p:par>
+    </p:tnLst>
+  </p:timing>
+</p:sld>
+</file>
+
+<file path=ppt/slides/slide25.xml><?xml version="1.0" encoding="utf-8"?>
+<p:sld xmlns:a="http://schemas.openxmlformats.org/drawingml/2006/main" xmlns:r="http://schemas.openxmlformats.org/officeDocument/2006/relationships" xmlns:p="http://schemas.openxmlformats.org/presentationml/2006/main">
+  <p:cSld>
+    <p:spTree>
+      <p:nvGrpSpPr>
+        <p:cNvPr id="1" name=""/>
+        <p:cNvGrpSpPr/>
+        <p:nvPr/>
+      </p:nvGrpSpPr>
+      <p:grpSpPr>
+        <a:xfrm>
+          <a:off x="0" y="0"/>
+          <a:ext cx="0" cy="0"/>
+          <a:chOff x="0" y="0"/>
+          <a:chExt cx="0" cy="0"/>
+        </a:xfrm>
+      </p:grpSpPr>
+      <p:sp>
+        <p:nvSpPr>
+          <p:cNvPr id="3" name="Title 2"/>
+          <p:cNvSpPr>
+            <a:spLocks noGrp="1"/>
+          </p:cNvSpPr>
+          <p:nvPr>
+            <p:ph type="title"/>
+          </p:nvPr>
+        </p:nvSpPr>
+        <p:spPr>
+          <a:xfrm>
+            <a:off x="470615" y="533400"/>
+            <a:ext cx="7343775" cy="994172"/>
+          </a:xfrm>
+        </p:spPr>
+        <p:txBody>
+          <a:bodyPr/>
+          <a:lstStyle/>
+          <a:p>
+            <a:r>
+              <a:rPr lang="en-US" dirty="0"/>
+              <a:t>Model Similarity- </a:t>
+            </a:r>
+            <a:r>
+              <a:rPr lang="en-US" dirty="0" smtClean="0"/>
+              <a:t>Skills</a:t>
+            </a:r>
+            <a:endParaRPr lang="en-US" dirty="0"/>
+          </a:p>
+        </p:txBody>
+      </p:sp>
+      <p:sp>
+        <p:nvSpPr>
+          <p:cNvPr id="4" name="Content Placeholder 1"/>
+          <p:cNvSpPr>
+            <a:spLocks noGrp="1"/>
+          </p:cNvSpPr>
+          <p:nvPr>
+            <p:ph idx="1"/>
+          </p:nvPr>
+        </p:nvSpPr>
+        <p:spPr>
+          <a:xfrm>
+            <a:off x="304800" y="3505201"/>
+            <a:ext cx="8654647" cy="2590800"/>
+          </a:xfrm>
+        </p:spPr>
+        <p:txBody>
+          <a:bodyPr/>
+          <a:lstStyle/>
+          <a:p>
+            <a:pPr marL="457200" indent="-457200">
+              <a:buClr>
+                <a:srgbClr val="C00000"/>
+              </a:buClr>
+              <a:buFont typeface="Wingdings" panose="05000000000000000000" pitchFamily="2" charset="2"/>
+              <a:buChar char="v"/>
+            </a:pPr>
+            <a:r>
+              <a:rPr lang="en-US" sz="2800" dirty="0" smtClean="0"/>
+              <a:t>      is </a:t>
+            </a:r>
+            <a:r>
+              <a:rPr lang="en-US" sz="2800" dirty="0"/>
+              <a:t>the </a:t>
+            </a:r>
+            <a:r>
+              <a:rPr lang="en-US" sz="2800" dirty="0" err="1"/>
+              <a:t>ith</a:t>
+            </a:r>
+            <a:r>
+              <a:rPr lang="en-US" sz="2800" dirty="0"/>
+              <a:t> skill in the job </a:t>
+            </a:r>
+            <a:r>
+              <a:rPr lang="en-US" sz="2800" dirty="0" smtClean="0"/>
+              <a:t>model</a:t>
+            </a:r>
+          </a:p>
+          <a:p>
+            <a:pPr marL="457200" indent="-457200">
+              <a:buClr>
+                <a:srgbClr val="C00000"/>
+              </a:buClr>
+              <a:buFont typeface="Wingdings" panose="05000000000000000000" pitchFamily="2" charset="2"/>
+              <a:buChar char="v"/>
+            </a:pPr>
+            <a:r>
+              <a:rPr lang="en-US" altLang="zh-CN" sz="2800" dirty="0"/>
+              <a:t>SR is the skill set of </a:t>
+            </a:r>
+            <a:r>
+              <a:rPr lang="en-US" altLang="zh-CN" sz="2800" dirty="0" smtClean="0"/>
+              <a:t>the </a:t>
+            </a:r>
+            <a:r>
+              <a:rPr lang="en-US" altLang="zh-CN" sz="2800" dirty="0"/>
+              <a:t>résumé </a:t>
+            </a:r>
+            <a:r>
+              <a:rPr lang="en-US" altLang="zh-CN" sz="2800" dirty="0" smtClean="0"/>
+              <a:t>model</a:t>
+            </a:r>
+          </a:p>
+          <a:p>
+            <a:pPr marL="457200" indent="-457200">
+              <a:buClr>
+                <a:srgbClr val="C00000"/>
+              </a:buClr>
+              <a:buFont typeface="Wingdings" panose="05000000000000000000" pitchFamily="2" charset="2"/>
+              <a:buChar char="v"/>
+            </a:pPr>
+            <a:r>
+              <a:rPr lang="en-US" altLang="zh-CN" sz="2800" dirty="0"/>
+              <a:t>If </a:t>
+            </a:r>
+            <a:r>
+              <a:rPr lang="en-US" altLang="zh-CN" sz="2800" dirty="0" smtClean="0"/>
+              <a:t>      in the </a:t>
+            </a:r>
+            <a:r>
+              <a:rPr lang="en-US" altLang="zh-CN" sz="2800" dirty="0"/>
+              <a:t>skill set SR, </a:t>
+            </a:r>
+            <a:r>
+              <a:rPr lang="en-US" altLang="zh-CN" sz="2800" dirty="0" smtClean="0"/>
+              <a:t>return 1.</a:t>
+            </a:r>
+            <a:endParaRPr lang="en-US" altLang="zh-CN" sz="2800" dirty="0"/>
+          </a:p>
+          <a:p>
+            <a:pPr marL="457200" indent="-457200">
+              <a:buClr>
+                <a:srgbClr val="C00000"/>
+              </a:buClr>
+              <a:buFont typeface="Wingdings" panose="05000000000000000000" pitchFamily="2" charset="2"/>
+              <a:buChar char="v"/>
+            </a:pPr>
+            <a:r>
+              <a:rPr lang="en-US" altLang="zh-CN" sz="2800" dirty="0" smtClean="0"/>
+              <a:t>Otherwise return the maximum </a:t>
+            </a:r>
+            <a:r>
+              <a:rPr lang="en-US" altLang="zh-CN" sz="2800" dirty="0"/>
+              <a:t>similarity </a:t>
+            </a:r>
+            <a:r>
+              <a:rPr lang="en-US" altLang="zh-CN" sz="2800" dirty="0" smtClean="0"/>
+              <a:t>value.</a:t>
+            </a:r>
+            <a:endParaRPr lang="en-US" dirty="0"/>
+          </a:p>
+          <a:p>
+            <a:endParaRPr lang="en-US" dirty="0" smtClean="0"/>
+          </a:p>
+          <a:p>
+            <a:endParaRPr lang="en-US" dirty="0" smtClean="0"/>
+          </a:p>
+          <a:p>
+            <a:endParaRPr lang="en-US" dirty="0"/>
+          </a:p>
+        </p:txBody>
+      </p:sp>
+      <p:pic>
+        <p:nvPicPr>
+          <p:cNvPr id="2" name="Picture 1"/>
+          <p:cNvPicPr>
+            <a:picLocks noChangeAspect="1"/>
+          </p:cNvPicPr>
+          <p:nvPr/>
+        </p:nvPicPr>
+        <p:blipFill>
+          <a:blip r:embed="rId2"/>
+          <a:stretch>
+            <a:fillRect/>
+          </a:stretch>
+        </p:blipFill>
+        <p:spPr>
+          <a:xfrm>
+            <a:off x="609600" y="1809506"/>
+            <a:ext cx="7410450" cy="1428750"/>
+          </a:xfrm>
+          <a:prstGeom prst="rect">
+            <a:avLst/>
+          </a:prstGeom>
+        </p:spPr>
+      </p:pic>
+      <p:pic>
+        <p:nvPicPr>
+          <p:cNvPr id="5" name="Picture 4"/>
+          <p:cNvPicPr>
+            <a:picLocks noChangeAspect="1"/>
+          </p:cNvPicPr>
+          <p:nvPr/>
+        </p:nvPicPr>
+        <p:blipFill>
+          <a:blip r:embed="rId3"/>
+          <a:stretch>
+            <a:fillRect/>
+          </a:stretch>
+        </p:blipFill>
+        <p:spPr>
+          <a:xfrm>
+            <a:off x="914400" y="3564535"/>
+            <a:ext cx="508416" cy="415977"/>
+          </a:xfrm>
+          <a:prstGeom prst="rect">
+            <a:avLst/>
+          </a:prstGeom>
+        </p:spPr>
+      </p:pic>
+      <p:pic>
+        <p:nvPicPr>
+          <p:cNvPr id="6" name="Picture 5"/>
+          <p:cNvPicPr>
+            <a:picLocks noChangeAspect="1"/>
+          </p:cNvPicPr>
+          <p:nvPr/>
+        </p:nvPicPr>
+        <p:blipFill>
+          <a:blip r:embed="rId3"/>
+          <a:stretch>
+            <a:fillRect/>
+          </a:stretch>
+        </p:blipFill>
+        <p:spPr>
+          <a:xfrm>
+            <a:off x="1159864" y="4642022"/>
+            <a:ext cx="508416" cy="415977"/>
+          </a:xfrm>
+          <a:prstGeom prst="rect">
+            <a:avLst/>
+          </a:prstGeom>
+        </p:spPr>
+      </p:pic>
+    </p:spTree>
+    <p:extLst>
+      <p:ext uri="{BB962C8B-B14F-4D97-AF65-F5344CB8AC3E}">
+        <p14:creationId xmlns:p14="http://schemas.microsoft.com/office/powerpoint/2010/main" val="95756218"/>
+      </p:ext>
+    </p:extLst>
+  </p:cSld>
+  <p:clrMapOvr>
+    <a:masterClrMapping/>
+  </p:clrMapOvr>
+  <mc:AlternateContent xmlns:mc="http://schemas.openxmlformats.org/markup-compatibility/2006">
+    <mc:Choice xmlns:p14="http://schemas.microsoft.com/office/powerpoint/2010/main" Requires="p14">
+      <p:transition spd="slow" p14:dur="2000"/>
+    </mc:Choice>
+    <mc:Fallback>
+      <p:transition spd="slow"/>
+    </mc:Fallback>
+  </mc:AlternateContent>
+  <p:timing>
+    <p:tnLst>
+      <p:par>
+        <p:cTn id="1" dur="indefinite" restart="never" nodeType="tmRoot"/>
+      </p:par>
+    </p:tnLst>
+  </p:timing>
+</p:sld>
+</file>
+
+<file path=ppt/slides/slide26.xml><?xml version="1.0" encoding="utf-8"?>
 <p:sld xmlns:a="http://schemas.openxmlformats.org/drawingml/2006/main" xmlns:r="http://schemas.openxmlformats.org/officeDocument/2006/relationships" xmlns:p="http://schemas.openxmlformats.org/presentationml/2006/main">
   <p:cSld>
     <p:spTree>
@@ -10358,7 +11198,7 @@
           <a:effectLst/>
           <a:extLst>
             <a:ext uri="{AF507438-7753-43e0-B8FC-AC1667EBCBE1}">
-              <a14:hiddenEffects xmlns="" xmlns:a14="http://schemas.microsoft.com/office/drawing/2010/main">
+              <a14:hiddenEffects xmlns:a14="http://schemas.microsoft.com/office/drawing/2010/main" xmlns="">
                 <a:effectLst>
                   <a:outerShdw blurRad="63500" dist="38099" dir="2700000" algn="ctr" rotWithShape="0">
                     <a:schemeClr val="bg2">
@@ -10496,7 +11336,7 @@
 </p:sld>
 </file>
 
-<file path=ppt/slides/slide23.xml><?xml version="1.0" encoding="utf-8"?>
+<file path=ppt/slides/slide27.xml><?xml version="1.0" encoding="utf-8"?>
 <p:sld xmlns:a="http://schemas.openxmlformats.org/drawingml/2006/main" xmlns:r="http://schemas.openxmlformats.org/officeDocument/2006/relationships" xmlns:p="http://schemas.openxmlformats.org/presentationml/2006/main">
   <p:cSld>
     <p:spTree>
@@ -10598,7 +11438,7 @@
 </p:sld>
 </file>
 
-<file path=ppt/slides/slide24.xml><?xml version="1.0" encoding="utf-8"?>
+<file path=ppt/slides/slide28.xml><?xml version="1.0" encoding="utf-8"?>
 <p:sld xmlns:a="http://schemas.openxmlformats.org/drawingml/2006/main" xmlns:r="http://schemas.openxmlformats.org/officeDocument/2006/relationships" xmlns:p="http://schemas.openxmlformats.org/presentationml/2006/main">
   <p:cSld>
     <p:spTree>
@@ -10672,7 +11512,7 @@
 </p:sld>
 </file>
 
-<file path=ppt/slides/slide25.xml><?xml version="1.0" encoding="utf-8"?>
+<file path=ppt/slides/slide29.xml><?xml version="1.0" encoding="utf-8"?>
 <p:sld xmlns:a="http://schemas.openxmlformats.org/drawingml/2006/main" xmlns:r="http://schemas.openxmlformats.org/officeDocument/2006/relationships" xmlns:p="http://schemas.openxmlformats.org/presentationml/2006/main">
   <p:cSld>
     <p:spTree>
@@ -10851,7 +11691,240 @@
 </p:sld>
 </file>
 
-<file path=ppt/slides/slide26.xml><?xml version="1.0" encoding="utf-8"?>
+<file path=ppt/slides/slide3.xml><?xml version="1.0" encoding="utf-8"?>
+<p:sld xmlns:a="http://schemas.openxmlformats.org/drawingml/2006/main" xmlns:r="http://schemas.openxmlformats.org/officeDocument/2006/relationships" xmlns:p="http://schemas.openxmlformats.org/presentationml/2006/main">
+  <p:cSld>
+    <p:spTree>
+      <p:nvGrpSpPr>
+        <p:cNvPr id="1" name=""/>
+        <p:cNvGrpSpPr/>
+        <p:nvPr/>
+      </p:nvGrpSpPr>
+      <p:grpSpPr>
+        <a:xfrm>
+          <a:off x="0" y="0"/>
+          <a:ext cx="0" cy="0"/>
+          <a:chOff x="0" y="0"/>
+          <a:chExt cx="0" cy="0"/>
+        </a:xfrm>
+      </p:grpSpPr>
+      <p:sp>
+        <p:nvSpPr>
+          <p:cNvPr id="2" name="Rectangle 1"/>
+          <p:cNvSpPr/>
+          <p:nvPr/>
+        </p:nvSpPr>
+        <p:spPr bwMode="auto">
+          <a:xfrm>
+            <a:off x="533400" y="1905000"/>
+            <a:ext cx="7998567" cy="4572000"/>
+          </a:xfrm>
+          <a:prstGeom prst="rect">
+            <a:avLst/>
+          </a:prstGeom>
+          <a:solidFill>
+            <a:schemeClr val="bg1">
+              <a:lumMod val="75000"/>
+            </a:schemeClr>
+          </a:solidFill>
+          <a:ln w="9525" cap="flat" cmpd="sng" algn="ctr">
+            <a:noFill/>
+            <a:prstDash val="solid"/>
+            <a:round/>
+            <a:headEnd type="none" w="med" len="med"/>
+            <a:tailEnd type="none" w="med" len="med"/>
+          </a:ln>
+          <a:effectLst/>
+          <a:extLst>
+            <a:ext uri="{AF507438-7753-43e0-B8FC-AC1667EBCBE1}">
+              <a14:hiddenEffects xmlns:a14="http://schemas.microsoft.com/office/drawing/2010/main" xmlns="">
+                <a:effectLst>
+                  <a:outerShdw blurRad="63500" dist="38099" dir="2700000" algn="ctr" rotWithShape="0">
+                    <a:schemeClr val="bg2">
+                      <a:alpha val="74998"/>
+                    </a:schemeClr>
+                  </a:outerShdw>
+                </a:effectLst>
+              </a14:hiddenEffects>
+            </a:ext>
+          </a:extLst>
+        </p:spPr>
+        <p:txBody>
+          <a:bodyPr vert="horz" wrap="square" lIns="91440" tIns="45720" rIns="91440" bIns="45720" numCol="1" rtlCol="0" anchor="t" anchorCtr="0" compatLnSpc="1">
+            <a:prstTxWarp prst="textNoShape">
+              <a:avLst/>
+            </a:prstTxWarp>
+          </a:bodyPr>
+          <a:lstStyle/>
+          <a:p>
+            <a:pPr marL="0" marR="0" indent="0" algn="l" defTabSz="457200" rtl="0" eaLnBrk="1" fontAlgn="base" latinLnBrk="0" hangingPunct="1">
+              <a:lnSpc>
+                <a:spcPct val="100000"/>
+              </a:lnSpc>
+              <a:spcBef>
+                <a:spcPct val="0"/>
+              </a:spcBef>
+              <a:spcAft>
+                <a:spcPct val="0"/>
+              </a:spcAft>
+              <a:buClr>
+                <a:srgbClr val="000000"/>
+              </a:buClr>
+              <a:buSzPct val="100000"/>
+              <a:buFont typeface="Times New Roman" charset="0"/>
+              <a:buNone/>
+              <a:tabLst/>
+            </a:pPr>
+            <a:endParaRPr kumimoji="0" lang="en-US" sz="2400" b="0" i="0" u="none" strike="noStrike" cap="none" normalizeH="0" baseline="0">
+              <a:ln>
+                <a:noFill/>
+              </a:ln>
+              <a:solidFill>
+                <a:schemeClr val="bg1"/>
+              </a:solidFill>
+              <a:effectLst/>
+              <a:latin typeface="Arial" charset="0"/>
+              <a:ea typeface="ＭＳ Ｐゴシック" charset="0"/>
+              <a:cs typeface="ＭＳ Ｐゴシック" charset="0"/>
+            </a:endParaRPr>
+          </a:p>
+        </p:txBody>
+      </p:sp>
+      <p:pic>
+        <p:nvPicPr>
+          <p:cNvPr id="4" name="Content Placeholder 3"/>
+          <p:cNvPicPr>
+            <a:picLocks noGrp="1" noChangeAspect="1"/>
+          </p:cNvPicPr>
+          <p:nvPr>
+            <p:ph idx="1"/>
+          </p:nvPr>
+        </p:nvPicPr>
+        <p:blipFill>
+          <a:blip r:embed="rId3"/>
+          <a:stretch>
+            <a:fillRect/>
+          </a:stretch>
+        </p:blipFill>
+        <p:spPr>
+          <a:xfrm>
+            <a:off x="727232" y="2276766"/>
+            <a:ext cx="7297293" cy="866115"/>
+          </a:xfrm>
+          <a:prstGeom prst="rect">
+            <a:avLst/>
+          </a:prstGeom>
+        </p:spPr>
+      </p:pic>
+      <p:sp>
+        <p:nvSpPr>
+          <p:cNvPr id="3" name="Title 2"/>
+          <p:cNvSpPr>
+            <a:spLocks noGrp="1"/>
+          </p:cNvSpPr>
+          <p:nvPr>
+            <p:ph type="title"/>
+          </p:nvPr>
+        </p:nvSpPr>
+        <p:spPr>
+          <a:xfrm>
+            <a:off x="465507" y="530020"/>
+            <a:ext cx="8134351" cy="994172"/>
+          </a:xfrm>
+        </p:spPr>
+        <p:txBody>
+          <a:bodyPr/>
+          <a:lstStyle/>
+          <a:p>
+            <a:r>
+              <a:rPr lang="en-US" dirty="0"/>
+              <a:t>They </a:t>
+            </a:r>
+            <a:r>
+              <a:rPr lang="en-US" dirty="0" smtClean="0"/>
+              <a:t>All Use Keyword Searching</a:t>
+            </a:r>
+            <a:endParaRPr lang="en-US" dirty="0"/>
+          </a:p>
+        </p:txBody>
+      </p:sp>
+      <p:pic>
+        <p:nvPicPr>
+          <p:cNvPr id="5" name="Picture 4"/>
+          <p:cNvPicPr>
+            <a:picLocks noChangeAspect="1"/>
+          </p:cNvPicPr>
+          <p:nvPr/>
+        </p:nvPicPr>
+        <p:blipFill>
+          <a:blip r:embed="rId4"/>
+          <a:stretch>
+            <a:fillRect/>
+          </a:stretch>
+        </p:blipFill>
+        <p:spPr>
+          <a:xfrm>
+            <a:off x="897565" y="3817382"/>
+            <a:ext cx="7134455" cy="803274"/>
+          </a:xfrm>
+          <a:prstGeom prst="rect">
+            <a:avLst/>
+          </a:prstGeom>
+        </p:spPr>
+      </p:pic>
+      <p:pic>
+        <p:nvPicPr>
+          <p:cNvPr id="6" name="Picture 5"/>
+          <p:cNvPicPr>
+            <a:picLocks noChangeAspect="1"/>
+          </p:cNvPicPr>
+          <p:nvPr/>
+        </p:nvPicPr>
+        <p:blipFill>
+          <a:blip r:embed="rId5"/>
+          <a:stretch>
+            <a:fillRect/>
+          </a:stretch>
+        </p:blipFill>
+        <p:spPr>
+          <a:xfrm>
+            <a:off x="852290" y="5181600"/>
+            <a:ext cx="7179730" cy="685800"/>
+          </a:xfrm>
+          <a:prstGeom prst="rect">
+            <a:avLst/>
+          </a:prstGeom>
+        </p:spPr>
+      </p:pic>
+    </p:spTree>
+    <p:extLst>
+      <p:ext uri="{BB962C8B-B14F-4D97-AF65-F5344CB8AC3E}">
+        <p14:creationId xmlns:p14="http://schemas.microsoft.com/office/powerpoint/2010/main" val="3888670801"/>
+      </p:ext>
+    </p:extLst>
+  </p:cSld>
+  <p:clrMapOvr>
+    <a:masterClrMapping/>
+  </p:clrMapOvr>
+  <mc:AlternateContent xmlns:mc="http://schemas.openxmlformats.org/markup-compatibility/2006" xmlns:p14="http://schemas.microsoft.com/office/powerpoint/2010/main">
+    <mc:Choice Requires="p14">
+      <p:transition spd="slow" p14:dur="2000"/>
+    </mc:Choice>
+    <mc:Fallback xmlns="">
+      <p:transition spd="slow"/>
+    </mc:Fallback>
+  </mc:AlternateContent>
+  <p:timing>
+    <p:tnLst>
+      <p:par>
+        <p:cTn id="1" dur="indefinite" restart="never" nodeType="tmRoot"/>
+      </p:par>
+    </p:tnLst>
+  </p:timing>
+</p:sld>
+</file>
+
+<file path=ppt/slides/slide30.xml><?xml version="1.0" encoding="utf-8"?>
 <p:sld xmlns:a="http://schemas.openxmlformats.org/drawingml/2006/main" xmlns:r="http://schemas.openxmlformats.org/officeDocument/2006/relationships" xmlns:p="http://schemas.openxmlformats.org/presentationml/2006/main">
   <p:cSld>
     <p:spTree>
@@ -10947,14 +12020,14 @@
           <a:effectLst/>
           <a:extLst>
             <a:ext uri="{909E8E84-426E-40dd-AFC4-6F175D3DCCD1}">
-              <a14:hiddenFill xmlns="" xmlns:a14="http://schemas.microsoft.com/office/drawing/2010/main">
+              <a14:hiddenFill xmlns:a14="http://schemas.microsoft.com/office/drawing/2010/main" xmlns="">
                 <a:solidFill>
                   <a:srgbClr val="FFFFFF"/>
                 </a:solidFill>
               </a14:hiddenFill>
             </a:ext>
             <a:ext uri="{91240B29-F687-4f45-9708-019B960494DF}">
-              <a14:hiddenLine xmlns="" xmlns:a14="http://schemas.microsoft.com/office/drawing/2010/main" w="9525">
+              <a14:hiddenLine xmlns:a14="http://schemas.microsoft.com/office/drawing/2010/main" xmlns="" w="9525">
                 <a:solidFill>
                   <a:srgbClr val="000000"/>
                 </a:solidFill>
@@ -10964,7 +12037,7 @@
               </a14:hiddenLine>
             </a:ext>
             <a:ext uri="{AF507438-7753-43e0-B8FC-AC1667EBCBE1}">
-              <a14:hiddenEffects xmlns="" xmlns:a14="http://schemas.microsoft.com/office/drawing/2010/main">
+              <a14:hiddenEffects xmlns:a14="http://schemas.microsoft.com/office/drawing/2010/main" xmlns="">
                 <a:effectLst>
                   <a:outerShdw blurRad="63500" dist="38099" dir="2700000" algn="ctr" rotWithShape="0">
                     <a:schemeClr val="bg2">
@@ -10975,7 +12048,7 @@
               </a14:hiddenEffects>
             </a:ext>
             <a:ext uri="{FAA26D3D-D897-4be2-8F04-BA451C77F1D7}">
-              <ma14:placeholderFlag xmlns="" xmlns:ma14="http://schemas.microsoft.com/office/mac/drawingml/2011/main" val="1"/>
+              <ma14:placeholderFlag xmlns:ma14="http://schemas.microsoft.com/office/mac/drawingml/2011/main" xmlns="" val="1"/>
             </a:ext>
           </a:extLst>
         </p:spPr>
@@ -11312,7 +12385,7 @@
 </p:sld>
 </file>
 
-<file path=ppt/slides/slide27.xml><?xml version="1.0" encoding="utf-8"?>
+<file path=ppt/slides/slide31.xml><?xml version="1.0" encoding="utf-8"?>
 <p:sld xmlns:a="http://schemas.openxmlformats.org/drawingml/2006/main" xmlns:r="http://schemas.openxmlformats.org/officeDocument/2006/relationships" xmlns:p="http://schemas.openxmlformats.org/presentationml/2006/main">
   <p:cSld>
     <p:spTree>
@@ -11527,7 +12600,7 @@
 </p:sld>
 </file>
 
-<file path=ppt/slides/slide28.xml><?xml version="1.0" encoding="utf-8"?>
+<file path=ppt/slides/slide32.xml><?xml version="1.0" encoding="utf-8"?>
 <p:sld xmlns:a="http://schemas.openxmlformats.org/drawingml/2006/main" xmlns:r="http://schemas.openxmlformats.org/officeDocument/2006/relationships" xmlns:p="http://schemas.openxmlformats.org/presentationml/2006/main">
   <p:cSld>
     <p:spTree>
@@ -11774,7 +12847,7 @@
 </p:sld>
 </file>
 
-<file path=ppt/slides/slide29.xml><?xml version="1.0" encoding="utf-8"?>
+<file path=ppt/slides/slide33.xml><?xml version="1.0" encoding="utf-8"?>
 <p:sld xmlns:a="http://schemas.openxmlformats.org/drawingml/2006/main" xmlns:r="http://schemas.openxmlformats.org/officeDocument/2006/relationships" xmlns:p="http://schemas.openxmlformats.org/presentationml/2006/main">
   <p:cSld>
     <p:spTree>
@@ -12423,240 +13496,7 @@
 </p:sld>
 </file>
 
-<file path=ppt/slides/slide3.xml><?xml version="1.0" encoding="utf-8"?>
-<p:sld xmlns:a="http://schemas.openxmlformats.org/drawingml/2006/main" xmlns:r="http://schemas.openxmlformats.org/officeDocument/2006/relationships" xmlns:p="http://schemas.openxmlformats.org/presentationml/2006/main">
-  <p:cSld>
-    <p:spTree>
-      <p:nvGrpSpPr>
-        <p:cNvPr id="1" name=""/>
-        <p:cNvGrpSpPr/>
-        <p:nvPr/>
-      </p:nvGrpSpPr>
-      <p:grpSpPr>
-        <a:xfrm>
-          <a:off x="0" y="0"/>
-          <a:ext cx="0" cy="0"/>
-          <a:chOff x="0" y="0"/>
-          <a:chExt cx="0" cy="0"/>
-        </a:xfrm>
-      </p:grpSpPr>
-      <p:sp>
-        <p:nvSpPr>
-          <p:cNvPr id="2" name="Rectangle 1"/>
-          <p:cNvSpPr/>
-          <p:nvPr/>
-        </p:nvSpPr>
-        <p:spPr bwMode="auto">
-          <a:xfrm>
-            <a:off x="533400" y="1905000"/>
-            <a:ext cx="7998567" cy="4572000"/>
-          </a:xfrm>
-          <a:prstGeom prst="rect">
-            <a:avLst/>
-          </a:prstGeom>
-          <a:solidFill>
-            <a:schemeClr val="bg1">
-              <a:lumMod val="75000"/>
-            </a:schemeClr>
-          </a:solidFill>
-          <a:ln w="9525" cap="flat" cmpd="sng" algn="ctr">
-            <a:noFill/>
-            <a:prstDash val="solid"/>
-            <a:round/>
-            <a:headEnd type="none" w="med" len="med"/>
-            <a:tailEnd type="none" w="med" len="med"/>
-          </a:ln>
-          <a:effectLst/>
-          <a:extLst>
-            <a:ext uri="{AF507438-7753-43e0-B8FC-AC1667EBCBE1}">
-              <a14:hiddenEffects xmlns="" xmlns:a14="http://schemas.microsoft.com/office/drawing/2010/main">
-                <a:effectLst>
-                  <a:outerShdw blurRad="63500" dist="38099" dir="2700000" algn="ctr" rotWithShape="0">
-                    <a:schemeClr val="bg2">
-                      <a:alpha val="74998"/>
-                    </a:schemeClr>
-                  </a:outerShdw>
-                </a:effectLst>
-              </a14:hiddenEffects>
-            </a:ext>
-          </a:extLst>
-        </p:spPr>
-        <p:txBody>
-          <a:bodyPr vert="horz" wrap="square" lIns="91440" tIns="45720" rIns="91440" bIns="45720" numCol="1" rtlCol="0" anchor="t" anchorCtr="0" compatLnSpc="1">
-            <a:prstTxWarp prst="textNoShape">
-              <a:avLst/>
-            </a:prstTxWarp>
-          </a:bodyPr>
-          <a:lstStyle/>
-          <a:p>
-            <a:pPr marL="0" marR="0" indent="0" algn="l" defTabSz="457200" rtl="0" eaLnBrk="1" fontAlgn="base" latinLnBrk="0" hangingPunct="1">
-              <a:lnSpc>
-                <a:spcPct val="100000"/>
-              </a:lnSpc>
-              <a:spcBef>
-                <a:spcPct val="0"/>
-              </a:spcBef>
-              <a:spcAft>
-                <a:spcPct val="0"/>
-              </a:spcAft>
-              <a:buClr>
-                <a:srgbClr val="000000"/>
-              </a:buClr>
-              <a:buSzPct val="100000"/>
-              <a:buFont typeface="Times New Roman" charset="0"/>
-              <a:buNone/>
-              <a:tabLst/>
-            </a:pPr>
-            <a:endParaRPr kumimoji="0" lang="en-US" sz="2400" b="0" i="0" u="none" strike="noStrike" cap="none" normalizeH="0" baseline="0">
-              <a:ln>
-                <a:noFill/>
-              </a:ln>
-              <a:solidFill>
-                <a:schemeClr val="bg1"/>
-              </a:solidFill>
-              <a:effectLst/>
-              <a:latin typeface="Arial" charset="0"/>
-              <a:ea typeface="ＭＳ Ｐゴシック" charset="0"/>
-              <a:cs typeface="ＭＳ Ｐゴシック" charset="0"/>
-            </a:endParaRPr>
-          </a:p>
-        </p:txBody>
-      </p:sp>
-      <p:pic>
-        <p:nvPicPr>
-          <p:cNvPr id="4" name="Content Placeholder 3"/>
-          <p:cNvPicPr>
-            <a:picLocks noGrp="1" noChangeAspect="1"/>
-          </p:cNvPicPr>
-          <p:nvPr>
-            <p:ph idx="1"/>
-          </p:nvPr>
-        </p:nvPicPr>
-        <p:blipFill>
-          <a:blip r:embed="rId3"/>
-          <a:stretch>
-            <a:fillRect/>
-          </a:stretch>
-        </p:blipFill>
-        <p:spPr>
-          <a:xfrm>
-            <a:off x="727232" y="2276766"/>
-            <a:ext cx="7297293" cy="866115"/>
-          </a:xfrm>
-          <a:prstGeom prst="rect">
-            <a:avLst/>
-          </a:prstGeom>
-        </p:spPr>
-      </p:pic>
-      <p:sp>
-        <p:nvSpPr>
-          <p:cNvPr id="3" name="Title 2"/>
-          <p:cNvSpPr>
-            <a:spLocks noGrp="1"/>
-          </p:cNvSpPr>
-          <p:nvPr>
-            <p:ph type="title"/>
-          </p:nvPr>
-        </p:nvSpPr>
-        <p:spPr>
-          <a:xfrm>
-            <a:off x="465507" y="530020"/>
-            <a:ext cx="8134351" cy="994172"/>
-          </a:xfrm>
-        </p:spPr>
-        <p:txBody>
-          <a:bodyPr/>
-          <a:lstStyle/>
-          <a:p>
-            <a:r>
-              <a:rPr lang="en-US" dirty="0"/>
-              <a:t>They </a:t>
-            </a:r>
-            <a:r>
-              <a:rPr lang="en-US" dirty="0" smtClean="0"/>
-              <a:t>All Use Keyword Searching</a:t>
-            </a:r>
-            <a:endParaRPr lang="en-US" dirty="0"/>
-          </a:p>
-        </p:txBody>
-      </p:sp>
-      <p:pic>
-        <p:nvPicPr>
-          <p:cNvPr id="5" name="Picture 4"/>
-          <p:cNvPicPr>
-            <a:picLocks noChangeAspect="1"/>
-          </p:cNvPicPr>
-          <p:nvPr/>
-        </p:nvPicPr>
-        <p:blipFill>
-          <a:blip r:embed="rId4"/>
-          <a:stretch>
-            <a:fillRect/>
-          </a:stretch>
-        </p:blipFill>
-        <p:spPr>
-          <a:xfrm>
-            <a:off x="897565" y="3817382"/>
-            <a:ext cx="7134455" cy="803274"/>
-          </a:xfrm>
-          <a:prstGeom prst="rect">
-            <a:avLst/>
-          </a:prstGeom>
-        </p:spPr>
-      </p:pic>
-      <p:pic>
-        <p:nvPicPr>
-          <p:cNvPr id="6" name="Picture 5"/>
-          <p:cNvPicPr>
-            <a:picLocks noChangeAspect="1"/>
-          </p:cNvPicPr>
-          <p:nvPr/>
-        </p:nvPicPr>
-        <p:blipFill>
-          <a:blip r:embed="rId5"/>
-          <a:stretch>
-            <a:fillRect/>
-          </a:stretch>
-        </p:blipFill>
-        <p:spPr>
-          <a:xfrm>
-            <a:off x="852290" y="5181600"/>
-            <a:ext cx="7179730" cy="685800"/>
-          </a:xfrm>
-          <a:prstGeom prst="rect">
-            <a:avLst/>
-          </a:prstGeom>
-        </p:spPr>
-      </p:pic>
-    </p:spTree>
-    <p:extLst>
-      <p:ext uri="{BB962C8B-B14F-4D97-AF65-F5344CB8AC3E}">
-        <p14:creationId xmlns:p14="http://schemas.microsoft.com/office/powerpoint/2010/main" val="3888670801"/>
-      </p:ext>
-    </p:extLst>
-  </p:cSld>
-  <p:clrMapOvr>
-    <a:masterClrMapping/>
-  </p:clrMapOvr>
-  <mc:AlternateContent xmlns:mc="http://schemas.openxmlformats.org/markup-compatibility/2006" xmlns:p14="http://schemas.microsoft.com/office/powerpoint/2010/main">
-    <mc:Choice Requires="p14">
-      <p:transition spd="slow" p14:dur="2000"/>
-    </mc:Choice>
-    <mc:Fallback xmlns="">
-      <p:transition spd="slow"/>
-    </mc:Fallback>
-  </mc:AlternateContent>
-  <p:timing>
-    <p:tnLst>
-      <p:par>
-        <p:cTn id="1" dur="indefinite" restart="never" nodeType="tmRoot"/>
-      </p:par>
-    </p:tnLst>
-  </p:timing>
-</p:sld>
-</file>
-
-<file path=ppt/slides/slide30.xml><?xml version="1.0" encoding="utf-8"?>
+<file path=ppt/slides/slide34.xml><?xml version="1.0" encoding="utf-8"?>
 <p:sld xmlns:a="http://schemas.openxmlformats.org/drawingml/2006/main" xmlns:r="http://schemas.openxmlformats.org/officeDocument/2006/relationships" xmlns:p="http://schemas.openxmlformats.org/presentationml/2006/main">
   <p:cSld>
     <p:spTree>
@@ -13098,7 +13938,7 @@
 </p:sld>
 </file>
 
-<file path=ppt/slides/slide31.xml><?xml version="1.0" encoding="utf-8"?>
+<file path=ppt/slides/slide35.xml><?xml version="1.0" encoding="utf-8"?>
 <p:sld xmlns:a="http://schemas.openxmlformats.org/drawingml/2006/main" xmlns:r="http://schemas.openxmlformats.org/officeDocument/2006/relationships" xmlns:p="http://schemas.openxmlformats.org/presentationml/2006/main">
   <p:cSld>
     <p:spTree>
@@ -13280,7 +14120,7 @@
 </p:sld>
 </file>
 
-<file path=ppt/slides/slide32.xml><?xml version="1.0" encoding="utf-8"?>
+<file path=ppt/slides/slide36.xml><?xml version="1.0" encoding="utf-8"?>
 <p:sld xmlns:a="http://schemas.openxmlformats.org/drawingml/2006/main" xmlns:r="http://schemas.openxmlformats.org/officeDocument/2006/relationships" xmlns:p="http://schemas.openxmlformats.org/presentationml/2006/main">
   <p:cSld>
     <p:spTree>
@@ -13743,7 +14583,7 @@
 </p:sld>
 </file>
 
-<file path=ppt/slides/slide33.xml><?xml version="1.0" encoding="utf-8"?>
+<file path=ppt/slides/slide37.xml><?xml version="1.0" encoding="utf-8"?>
 <p:sld xmlns:a="http://schemas.openxmlformats.org/drawingml/2006/main" xmlns:r="http://schemas.openxmlformats.org/officeDocument/2006/relationships" xmlns:p="http://schemas.openxmlformats.org/presentationml/2006/main">
   <p:cSld>
     <p:spTree>
@@ -14030,7 +14870,7 @@
 </p:sld>
 </file>
 
-<file path=ppt/slides/slide34.xml><?xml version="1.0" encoding="utf-8"?>
+<file path=ppt/slides/slide38.xml><?xml version="1.0" encoding="utf-8"?>
 <p:sld xmlns:a="http://schemas.openxmlformats.org/drawingml/2006/main" xmlns:r="http://schemas.openxmlformats.org/officeDocument/2006/relationships" xmlns:p="http://schemas.openxmlformats.org/presentationml/2006/main">
   <p:cSld>
     <p:spTree>
@@ -14165,14 +15005,14 @@
           <a:effectLst/>
           <a:extLst>
             <a:ext uri="{909E8E84-426E-40dd-AFC4-6F175D3DCCD1}">
-              <a14:hiddenFill xmlns="" xmlns:a14="http://schemas.microsoft.com/office/drawing/2010/main">
+              <a14:hiddenFill xmlns:a14="http://schemas.microsoft.com/office/drawing/2010/main" xmlns="">
                 <a:solidFill>
                   <a:srgbClr val="FFFFFF"/>
                 </a:solidFill>
               </a14:hiddenFill>
             </a:ext>
             <a:ext uri="{91240B29-F687-4f45-9708-019B960494DF}">
-              <a14:hiddenLine xmlns="" xmlns:a14="http://schemas.microsoft.com/office/drawing/2010/main" w="9525">
+              <a14:hiddenLine xmlns:a14="http://schemas.microsoft.com/office/drawing/2010/main" xmlns="" w="9525">
                 <a:solidFill>
                   <a:srgbClr val="000000"/>
                 </a:solidFill>
@@ -14182,7 +15022,7 @@
               </a14:hiddenLine>
             </a:ext>
             <a:ext uri="{AF507438-7753-43e0-B8FC-AC1667EBCBE1}">
-              <a14:hiddenEffects xmlns="" xmlns:a14="http://schemas.microsoft.com/office/drawing/2010/main">
+              <a14:hiddenEffects xmlns:a14="http://schemas.microsoft.com/office/drawing/2010/main" xmlns="">
                 <a:effectLst>
                   <a:outerShdw blurRad="63500" dist="38099" dir="2700000" algn="ctr" rotWithShape="0">
                     <a:schemeClr val="bg2">
@@ -14193,7 +15033,7 @@
               </a14:hiddenEffects>
             </a:ext>
             <a:ext uri="{FAA26D3D-D897-4be2-8F04-BA451C77F1D7}">
-              <ma14:placeholderFlag xmlns="" xmlns:ma14="http://schemas.microsoft.com/office/mac/drawingml/2011/main" val="1"/>
+              <ma14:placeholderFlag xmlns:ma14="http://schemas.microsoft.com/office/mac/drawingml/2011/main" xmlns="" val="1"/>
             </a:ext>
           </a:extLst>
         </p:spPr>
@@ -14226,7 +15066,7 @@
 </p:sld>
 </file>
 
-<file path=ppt/slides/slide35.xml><?xml version="1.0" encoding="utf-8"?>
+<file path=ppt/slides/slide39.xml><?xml version="1.0" encoding="utf-8"?>
 <p:sld xmlns:a="http://schemas.openxmlformats.org/drawingml/2006/main" xmlns:r="http://schemas.openxmlformats.org/officeDocument/2006/relationships" xmlns:p="http://schemas.openxmlformats.org/presentationml/2006/main">
   <p:cSld>
     <p:spTree>
@@ -14303,7 +15143,265 @@
 </p:sld>
 </file>
 
-<file path=ppt/slides/slide36.xml><?xml version="1.0" encoding="utf-8"?>
+<file path=ppt/slides/slide4.xml><?xml version="1.0" encoding="utf-8"?>
+<p:sld xmlns:a="http://schemas.openxmlformats.org/drawingml/2006/main" xmlns:r="http://schemas.openxmlformats.org/officeDocument/2006/relationships" xmlns:p="http://schemas.openxmlformats.org/presentationml/2006/main">
+  <p:cSld>
+    <p:spTree>
+      <p:nvGrpSpPr>
+        <p:cNvPr id="1" name=""/>
+        <p:cNvGrpSpPr/>
+        <p:nvPr/>
+      </p:nvGrpSpPr>
+      <p:grpSpPr>
+        <a:xfrm>
+          <a:off x="0" y="0"/>
+          <a:ext cx="0" cy="0"/>
+          <a:chOff x="0" y="0"/>
+          <a:chExt cx="0" cy="0"/>
+        </a:xfrm>
+      </p:grpSpPr>
+      <p:sp>
+        <p:nvSpPr>
+          <p:cNvPr id="5" name="Rectangle 4"/>
+          <p:cNvSpPr/>
+          <p:nvPr/>
+        </p:nvSpPr>
+        <p:spPr bwMode="auto">
+          <a:xfrm>
+            <a:off x="458093" y="1676400"/>
+            <a:ext cx="8419361" cy="4953000"/>
+          </a:xfrm>
+          <a:prstGeom prst="rect">
+            <a:avLst/>
+          </a:prstGeom>
+          <a:solidFill>
+            <a:schemeClr val="bg1"/>
+          </a:solidFill>
+          <a:ln w="9525" cap="flat" cmpd="sng" algn="ctr">
+            <a:solidFill>
+              <a:schemeClr val="tx1"/>
+            </a:solidFill>
+            <a:prstDash val="solid"/>
+            <a:round/>
+            <a:headEnd type="none" w="med" len="med"/>
+            <a:tailEnd type="none" w="med" len="med"/>
+          </a:ln>
+          <a:effectLst/>
+          <a:extLst>
+            <a:ext uri="{AF507438-7753-43e0-B8FC-AC1667EBCBE1}">
+              <a14:hiddenEffects xmlns:a14="http://schemas.microsoft.com/office/drawing/2010/main" xmlns="">
+                <a:effectLst>
+                  <a:outerShdw blurRad="63500" dist="38099" dir="2700000" algn="ctr" rotWithShape="0">
+                    <a:schemeClr val="bg2">
+                      <a:alpha val="74998"/>
+                    </a:schemeClr>
+                  </a:outerShdw>
+                </a:effectLst>
+              </a14:hiddenEffects>
+            </a:ext>
+          </a:extLst>
+        </p:spPr>
+        <p:txBody>
+          <a:bodyPr vert="horz" wrap="square" lIns="91440" tIns="45720" rIns="91440" bIns="45720" numCol="1" rtlCol="0" anchor="t" anchorCtr="0" compatLnSpc="1">
+            <a:prstTxWarp prst="textNoShape">
+              <a:avLst/>
+            </a:prstTxWarp>
+          </a:bodyPr>
+          <a:lstStyle/>
+          <a:p>
+            <a:pPr marL="0" marR="0" indent="0" algn="l" defTabSz="457200" rtl="0" eaLnBrk="1" fontAlgn="base" latinLnBrk="0" hangingPunct="1">
+              <a:lnSpc>
+                <a:spcPct val="100000"/>
+              </a:lnSpc>
+              <a:spcBef>
+                <a:spcPct val="0"/>
+              </a:spcBef>
+              <a:spcAft>
+                <a:spcPct val="0"/>
+              </a:spcAft>
+              <a:buClr>
+                <a:srgbClr val="000000"/>
+              </a:buClr>
+              <a:buSzPct val="100000"/>
+              <a:buFont typeface="Times New Roman" charset="0"/>
+              <a:buNone/>
+              <a:tabLst/>
+            </a:pPr>
+            <a:endParaRPr kumimoji="0" lang="en-US" sz="2400" b="0" i="0" u="none" strike="noStrike" cap="none" normalizeH="0" baseline="0">
+              <a:ln>
+                <a:noFill/>
+              </a:ln>
+              <a:solidFill>
+                <a:schemeClr val="bg1"/>
+              </a:solidFill>
+              <a:effectLst/>
+              <a:latin typeface="Arial" charset="0"/>
+              <a:ea typeface="ＭＳ Ｐゴシック" charset="0"/>
+              <a:cs typeface="ＭＳ Ｐゴシック" charset="0"/>
+            </a:endParaRPr>
+          </a:p>
+        </p:txBody>
+      </p:sp>
+      <p:sp>
+        <p:nvSpPr>
+          <p:cNvPr id="3" name="Title 2"/>
+          <p:cNvSpPr>
+            <a:spLocks noGrp="1"/>
+          </p:cNvSpPr>
+          <p:nvPr>
+            <p:ph type="title"/>
+          </p:nvPr>
+        </p:nvSpPr>
+        <p:spPr>
+          <a:xfrm>
+            <a:off x="450599" y="457200"/>
+            <a:ext cx="8426856" cy="994172"/>
+          </a:xfrm>
+        </p:spPr>
+        <p:txBody>
+          <a:bodyPr/>
+          <a:lstStyle/>
+          <a:p>
+            <a:r>
+              <a:rPr lang="en-US" dirty="0"/>
+              <a:t>Problems of Keyword Searching</a:t>
+            </a:r>
+          </a:p>
+        </p:txBody>
+      </p:sp>
+      <p:pic>
+        <p:nvPicPr>
+          <p:cNvPr id="7" name="Picture 6"/>
+          <p:cNvPicPr>
+            <a:picLocks noChangeAspect="1"/>
+          </p:cNvPicPr>
+          <p:nvPr/>
+        </p:nvPicPr>
+        <p:blipFill>
+          <a:blip r:embed="rId2"/>
+          <a:stretch>
+            <a:fillRect/>
+          </a:stretch>
+        </p:blipFill>
+        <p:spPr>
+          <a:xfrm>
+            <a:off x="493070" y="1752600"/>
+            <a:ext cx="7714068" cy="4800600"/>
+          </a:xfrm>
+          <a:prstGeom prst="rect">
+            <a:avLst/>
+          </a:prstGeom>
+        </p:spPr>
+      </p:pic>
+      <p:sp>
+        <p:nvSpPr>
+          <p:cNvPr id="8" name="Oval 7"/>
+          <p:cNvSpPr/>
+          <p:nvPr/>
+        </p:nvSpPr>
+        <p:spPr bwMode="auto">
+          <a:xfrm>
+            <a:off x="6019800" y="1600200"/>
+            <a:ext cx="2362200" cy="838200"/>
+          </a:xfrm>
+          <a:prstGeom prst="ellipse">
+            <a:avLst/>
+          </a:prstGeom>
+          <a:noFill/>
+          <a:ln w="9525" cap="flat" cmpd="sng" algn="ctr">
+            <a:solidFill>
+              <a:srgbClr val="FF0000"/>
+            </a:solidFill>
+            <a:prstDash val="solid"/>
+            <a:round/>
+            <a:headEnd type="none" w="med" len="med"/>
+            <a:tailEnd type="none" w="med" len="med"/>
+          </a:ln>
+          <a:effectLst/>
+          <a:extLst>
+            <a:ext uri="{AF507438-7753-43e0-B8FC-AC1667EBCBE1}">
+              <a14:hiddenEffects xmlns:a14="http://schemas.microsoft.com/office/drawing/2010/main" xmlns="">
+                <a:effectLst>
+                  <a:outerShdw blurRad="63500" dist="38099" dir="2700000" algn="ctr" rotWithShape="0">
+                    <a:schemeClr val="bg2">
+                      <a:alpha val="74998"/>
+                    </a:schemeClr>
+                  </a:outerShdw>
+                </a:effectLst>
+              </a14:hiddenEffects>
+            </a:ext>
+          </a:extLst>
+        </p:spPr>
+        <p:txBody>
+          <a:bodyPr vert="horz" wrap="square" lIns="91440" tIns="45720" rIns="91440" bIns="45720" numCol="1" rtlCol="0" anchor="t" anchorCtr="0" compatLnSpc="1">
+            <a:prstTxWarp prst="textNoShape">
+              <a:avLst/>
+            </a:prstTxWarp>
+          </a:bodyPr>
+          <a:lstStyle/>
+          <a:p>
+            <a:pPr marL="0" marR="0" indent="0" algn="l" defTabSz="457200" rtl="0" eaLnBrk="1" fontAlgn="base" latinLnBrk="0" hangingPunct="1">
+              <a:lnSpc>
+                <a:spcPct val="100000"/>
+              </a:lnSpc>
+              <a:spcBef>
+                <a:spcPct val="0"/>
+              </a:spcBef>
+              <a:spcAft>
+                <a:spcPct val="0"/>
+              </a:spcAft>
+              <a:buClr>
+                <a:srgbClr val="000000"/>
+              </a:buClr>
+              <a:buSzPct val="100000"/>
+              <a:buFont typeface="Times New Roman" charset="0"/>
+              <a:buNone/>
+              <a:tabLst/>
+            </a:pPr>
+            <a:endParaRPr kumimoji="0" lang="en-US" sz="2400" b="0" i="0" u="none" strike="noStrike" cap="none" normalizeH="0" baseline="0">
+              <a:ln>
+                <a:noFill/>
+              </a:ln>
+              <a:solidFill>
+                <a:schemeClr val="bg1"/>
+              </a:solidFill>
+              <a:effectLst/>
+              <a:latin typeface="Arial" charset="0"/>
+              <a:ea typeface="ＭＳ Ｐゴシック" charset="0"/>
+              <a:cs typeface="ＭＳ Ｐゴシック" charset="0"/>
+            </a:endParaRPr>
+          </a:p>
+        </p:txBody>
+      </p:sp>
+    </p:spTree>
+    <p:extLst>
+      <p:ext uri="{BB962C8B-B14F-4D97-AF65-F5344CB8AC3E}">
+        <p14:creationId xmlns:p14="http://schemas.microsoft.com/office/powerpoint/2010/main" val="2331838778"/>
+      </p:ext>
+    </p:extLst>
+  </p:cSld>
+  <p:clrMapOvr>
+    <a:masterClrMapping/>
+  </p:clrMapOvr>
+  <mc:AlternateContent xmlns:mc="http://schemas.openxmlformats.org/markup-compatibility/2006" xmlns:p14="http://schemas.microsoft.com/office/powerpoint/2010/main">
+    <mc:Choice Requires="p14">
+      <p:transition spd="slow" p14:dur="2000"/>
+    </mc:Choice>
+    <mc:Fallback xmlns="">
+      <p:transition spd="slow"/>
+    </mc:Fallback>
+  </mc:AlternateContent>
+  <p:timing>
+    <p:tnLst>
+      <p:par>
+        <p:cTn id="1" dur="indefinite" restart="never" nodeType="tmRoot"/>
+      </p:par>
+    </p:tnLst>
+  </p:timing>
+</p:sld>
+</file>
+
+<file path=ppt/slides/slide40.xml><?xml version="1.0" encoding="utf-8"?>
 <p:sld xmlns:a="http://schemas.openxmlformats.org/drawingml/2006/main" xmlns:r="http://schemas.openxmlformats.org/officeDocument/2006/relationships" xmlns:p="http://schemas.openxmlformats.org/presentationml/2006/main">
   <p:cSld>
     <p:spTree>
@@ -14447,11 +15545,7 @@
                       </a:pPr>
                       <a:r>
                         <a:rPr lang="en-US" sz="2000" b="1" dirty="0" smtClean="0"/>
-                        <a:t>Counter Part of </a:t>
-                      </a:r>
-                      <a:r>
-                        <a:rPr lang="en-US" sz="2000" b="1" dirty="0" smtClean="0"/>
-                        <a:t>regex</a:t>
+                        <a:t>Counter Part of regex</a:t>
                       </a:r>
                       <a:endParaRPr lang="en-US" sz="2000" b="1" dirty="0"/>
                     </a:p>
@@ -14488,15 +15582,7 @@
                     <a:p>
                       <a:r>
                         <a:rPr lang="en-US" sz="2000" dirty="0" smtClean="0"/>
-                        <a:t>Token </a:t>
-                      </a:r>
-                      <a:r>
-                        <a:rPr lang="en-US" sz="2000" dirty="0" smtClean="0"/>
-                        <a:t>to be </a:t>
-                      </a:r>
-                      <a:r>
-                        <a:rPr lang="en-US" sz="2000" dirty="0" smtClean="0"/>
-                        <a:t>matched</a:t>
+                        <a:t>Token to be matched</a:t>
                       </a:r>
                       <a:endParaRPr lang="en-US" sz="2000" dirty="0"/>
                     </a:p>
@@ -14527,11 +15613,7 @@
                       </a:pPr>
                       <a:r>
                         <a:rPr lang="en-US" sz="2000" dirty="0" smtClean="0"/>
-                        <a:t>Character  </a:t>
-                      </a:r>
-                      <a:r>
-                        <a:rPr lang="en-US" sz="2000" dirty="0" smtClean="0"/>
-                        <a:t>in regex </a:t>
+                        <a:t>Character  in regex </a:t>
                       </a:r>
                       <a:endParaRPr lang="en-US" sz="2000" dirty="0"/>
                     </a:p>
@@ -14561,15 +15643,7 @@
                     <a:p>
                       <a:r>
                         <a:rPr lang="en-US" sz="2000" dirty="0" smtClean="0"/>
-                        <a:t>A </a:t>
-                      </a:r>
-                      <a:r>
-                        <a:rPr lang="en-US" sz="2000" dirty="0" smtClean="0"/>
-                        <a:t>list of </a:t>
-                      </a:r>
-                      <a:r>
-                        <a:rPr lang="en-US" sz="2000" dirty="0" smtClean="0"/>
-                        <a:t>Matchers </a:t>
+                        <a:t>A list of Matchers </a:t>
                       </a:r>
                       <a:endParaRPr lang="en-US" sz="2000" dirty="0"/>
                     </a:p>
@@ -14600,15 +15674,7 @@
                       </a:pPr>
                       <a:r>
                         <a:rPr lang="en-US" sz="2000" dirty="0" smtClean="0"/>
-                        <a:t>Sequence </a:t>
-                      </a:r>
-                      <a:r>
-                        <a:rPr lang="en-US" sz="2000" dirty="0" smtClean="0"/>
-                        <a:t>of </a:t>
-                      </a:r>
-                      <a:r>
-                        <a:rPr lang="en-US" sz="2000" dirty="0" smtClean="0"/>
-                        <a:t>characters</a:t>
+                        <a:t>Sequence of characters</a:t>
                       </a:r>
                       <a:endParaRPr lang="en-US" sz="2000" dirty="0"/>
                     </a:p>
@@ -14659,11 +15725,7 @@
                       </a:pPr>
                       <a:r>
                         <a:rPr lang="en-US" sz="2000" dirty="0" smtClean="0"/>
-                        <a:t>One or more of the preceding </a:t>
-                      </a:r>
-                      <a:r>
-                        <a:rPr lang="en-US" sz="2000" dirty="0" smtClean="0"/>
-                        <a:t>token</a:t>
+                        <a:t>One or more of the preceding token</a:t>
                       </a:r>
                       <a:endParaRPr lang="en-US" sz="2000" dirty="0"/>
                     </a:p>
@@ -14893,7 +15955,7 @@
 </p:sld>
 </file>
 
-<file path=ppt/slides/slide37.xml><?xml version="1.0" encoding="utf-8"?>
+<file path=ppt/slides/slide41.xml><?xml version="1.0" encoding="utf-8"?>
 <p:sld xmlns:a="http://schemas.openxmlformats.org/drawingml/2006/main" xmlns:r="http://schemas.openxmlformats.org/officeDocument/2006/relationships" xmlns:p="http://schemas.openxmlformats.org/presentationml/2006/main">
   <p:cSld>
     <p:spTree>
@@ -14939,7 +16001,7 @@
           <a:effectLst/>
           <a:extLst>
             <a:ext uri="{AF507438-7753-43e0-B8FC-AC1667EBCBE1}">
-              <a14:hiddenEffects xmlns="" xmlns:a14="http://schemas.microsoft.com/office/drawing/2010/main">
+              <a14:hiddenEffects xmlns:a14="http://schemas.microsoft.com/office/drawing/2010/main" xmlns="">
                 <a:effectLst>
                   <a:outerShdw blurRad="63500" dist="38099" dir="2700000" algn="ctr" rotWithShape="0">
                     <a:schemeClr val="bg2">
@@ -15129,7 +16191,7 @@
 </p:sld>
 </file>
 
-<file path=ppt/slides/slide38.xml><?xml version="1.0" encoding="utf-8"?>
+<file path=ppt/slides/slide42.xml><?xml version="1.0" encoding="utf-8"?>
 <p:sld xmlns:a="http://schemas.openxmlformats.org/drawingml/2006/main" xmlns:r="http://schemas.openxmlformats.org/officeDocument/2006/relationships" xmlns:p="http://schemas.openxmlformats.org/presentationml/2006/main">
   <p:cSld>
     <p:spTree>
@@ -15270,1309 +16332,6 @@
     <p:extLst>
       <p:ext uri="{BB962C8B-B14F-4D97-AF65-F5344CB8AC3E}">
         <p14:creationId xmlns:p14="http://schemas.microsoft.com/office/powerpoint/2010/main" val="1451744618"/>
-      </p:ext>
-    </p:extLst>
-  </p:cSld>
-  <p:clrMapOvr>
-    <a:masterClrMapping/>
-  </p:clrMapOvr>
-  <mc:AlternateContent xmlns:mc="http://schemas.openxmlformats.org/markup-compatibility/2006" xmlns:p14="http://schemas.microsoft.com/office/powerpoint/2010/main">
-    <mc:Choice Requires="p14">
-      <p:transition spd="slow" p14:dur="2000"/>
-    </mc:Choice>
-    <mc:Fallback xmlns="">
-      <p:transition spd="slow"/>
-    </mc:Fallback>
-  </mc:AlternateContent>
-  <p:timing>
-    <p:tnLst>
-      <p:par>
-        <p:cTn id="1" dur="indefinite" restart="never" nodeType="tmRoot"/>
-      </p:par>
-    </p:tnLst>
-  </p:timing>
-</p:sld>
-</file>
-
-<file path=ppt/slides/slide39.xml><?xml version="1.0" encoding="utf-8"?>
-<p:sld xmlns:a="http://schemas.openxmlformats.org/drawingml/2006/main" xmlns:r="http://schemas.openxmlformats.org/officeDocument/2006/relationships" xmlns:p="http://schemas.openxmlformats.org/presentationml/2006/main">
-  <p:cSld>
-    <p:spTree>
-      <p:nvGrpSpPr>
-        <p:cNvPr id="1" name=""/>
-        <p:cNvGrpSpPr/>
-        <p:nvPr/>
-      </p:nvGrpSpPr>
-      <p:grpSpPr>
-        <a:xfrm>
-          <a:off x="0" y="0"/>
-          <a:ext cx="0" cy="0"/>
-          <a:chOff x="0" y="0"/>
-          <a:chExt cx="0" cy="0"/>
-        </a:xfrm>
-      </p:grpSpPr>
-      <p:sp>
-        <p:nvSpPr>
-          <p:cNvPr id="2" name="Content Placeholder 1"/>
-          <p:cNvSpPr>
-            <a:spLocks noGrp="1"/>
-          </p:cNvSpPr>
-          <p:nvPr>
-            <p:ph idx="1"/>
-          </p:nvPr>
-        </p:nvSpPr>
-        <p:spPr>
-          <a:xfrm>
-            <a:off x="725608" y="2514600"/>
-            <a:ext cx="8037391" cy="2650331"/>
-          </a:xfrm>
-        </p:spPr>
-        <p:txBody>
-          <a:bodyPr/>
-          <a:lstStyle/>
-          <a:p>
-            <a:r>
-              <a:rPr lang="en-US" sz="2400" dirty="0" smtClean="0"/>
-              <a:t>Pattern: </a:t>
-            </a:r>
-            <a:r>
-              <a:rPr lang="en-US" sz="2400" dirty="0"/>
-              <a:t>”</a:t>
-            </a:r>
-            <a:r>
-              <a:rPr lang="en-US" sz="2400" dirty="0">
-                <a:solidFill>
-                  <a:srgbClr val="0066FF"/>
-                </a:solidFill>
-              </a:rPr>
-              <a:t>DE-LEVEL DEGREE (IN | OF) MAJOR</a:t>
-            </a:r>
-            <a:r>
-              <a:rPr lang="en-US" sz="2400" dirty="0" smtClean="0"/>
-              <a:t>”</a:t>
-            </a:r>
-          </a:p>
-          <a:p>
-            <a:endParaRPr lang="en-US" sz="2400" dirty="0" smtClean="0">
-              <a:solidFill>
-                <a:schemeClr val="accent6"/>
-              </a:solidFill>
-            </a:endParaRPr>
-          </a:p>
-          <a:p>
-            <a:r>
-              <a:rPr lang="en-US" sz="2800" dirty="0" err="1" smtClean="0">
-                <a:solidFill>
-                  <a:srgbClr val="0066FF"/>
-                </a:solidFill>
-                <a:latin typeface="MS PMincho" panose="02020600040205080304" pitchFamily="18" charset="-128"/>
-                <a:ea typeface="MS PMincho" panose="02020600040205080304" pitchFamily="18" charset="-128"/>
-              </a:rPr>
-              <a:t>seqMatcher</a:t>
-            </a:r>
-            <a:r>
-              <a:rPr lang="en-US" sz="2800" dirty="0" smtClean="0">
-                <a:solidFill>
-                  <a:srgbClr val="0066FF"/>
-                </a:solidFill>
-                <a:latin typeface="MS PMincho" panose="02020600040205080304" pitchFamily="18" charset="-128"/>
-                <a:ea typeface="MS PMincho" panose="02020600040205080304" pitchFamily="18" charset="-128"/>
-              </a:rPr>
-              <a:t> </a:t>
-            </a:r>
-            <a:r>
-              <a:rPr lang="en-US" sz="2800" dirty="0">
-                <a:solidFill>
-                  <a:srgbClr val="0066FF"/>
-                </a:solidFill>
-                <a:latin typeface="MS PMincho" panose="02020600040205080304" pitchFamily="18" charset="-128"/>
-                <a:ea typeface="MS PMincho" panose="02020600040205080304" pitchFamily="18" charset="-128"/>
-              </a:rPr>
-              <a:t>= </a:t>
-            </a:r>
-            <a:r>
-              <a:rPr lang="en-US" sz="2800" dirty="0" err="1">
-                <a:solidFill>
-                  <a:srgbClr val="0066FF"/>
-                </a:solidFill>
-                <a:latin typeface="MS PMincho" panose="02020600040205080304" pitchFamily="18" charset="-128"/>
-                <a:ea typeface="MS PMincho" panose="02020600040205080304" pitchFamily="18" charset="-128"/>
-              </a:rPr>
-              <a:t>UnitMatcher</a:t>
-            </a:r>
-            <a:r>
-              <a:rPr lang="en-US" sz="2800" dirty="0">
-                <a:solidFill>
-                  <a:srgbClr val="0066FF"/>
-                </a:solidFill>
-                <a:latin typeface="MS PMincho" panose="02020600040205080304" pitchFamily="18" charset="-128"/>
-                <a:ea typeface="MS PMincho" panose="02020600040205080304" pitchFamily="18" charset="-128"/>
-              </a:rPr>
-              <a:t>(”DE-LEVEL”) </a:t>
-            </a:r>
-            <a:r>
-              <a:rPr lang="en-US" sz="2800" dirty="0" smtClean="0">
-                <a:solidFill>
-                  <a:srgbClr val="0066FF"/>
-                </a:solidFill>
-                <a:latin typeface="MS PMincho" panose="02020600040205080304" pitchFamily="18" charset="-128"/>
-                <a:ea typeface="MS PMincho" panose="02020600040205080304" pitchFamily="18" charset="-128"/>
-              </a:rPr>
-              <a:t>+ </a:t>
-            </a:r>
-            <a:r>
-              <a:rPr lang="en-US" sz="2800" dirty="0" err="1" smtClean="0">
-                <a:solidFill>
-                  <a:srgbClr val="0066FF"/>
-                </a:solidFill>
-                <a:latin typeface="MS PMincho" panose="02020600040205080304" pitchFamily="18" charset="-128"/>
-                <a:ea typeface="MS PMincho" panose="02020600040205080304" pitchFamily="18" charset="-128"/>
-              </a:rPr>
-              <a:t>UnitMatcher</a:t>
-            </a:r>
-            <a:r>
-              <a:rPr lang="en-US" sz="2800" dirty="0">
-                <a:solidFill>
-                  <a:srgbClr val="0066FF"/>
-                </a:solidFill>
-                <a:latin typeface="MS PMincho" panose="02020600040205080304" pitchFamily="18" charset="-128"/>
-                <a:ea typeface="MS PMincho" panose="02020600040205080304" pitchFamily="18" charset="-128"/>
-              </a:rPr>
-              <a:t>(”DEGREE”) </a:t>
-            </a:r>
-            <a:r>
-              <a:rPr lang="en-US" sz="2800" dirty="0" smtClean="0">
-                <a:solidFill>
-                  <a:srgbClr val="0066FF"/>
-                </a:solidFill>
-                <a:latin typeface="MS PMincho" panose="02020600040205080304" pitchFamily="18" charset="-128"/>
-                <a:ea typeface="MS PMincho" panose="02020600040205080304" pitchFamily="18" charset="-128"/>
-              </a:rPr>
-              <a:t>+ ( </a:t>
-            </a:r>
-            <a:r>
-              <a:rPr lang="en-US" sz="2800" dirty="0" err="1">
-                <a:solidFill>
-                  <a:srgbClr val="0066FF"/>
-                </a:solidFill>
-                <a:latin typeface="MS PMincho" panose="02020600040205080304" pitchFamily="18" charset="-128"/>
-                <a:ea typeface="MS PMincho" panose="02020600040205080304" pitchFamily="18" charset="-128"/>
-              </a:rPr>
-              <a:t>UnitMatcher</a:t>
-            </a:r>
-            <a:r>
-              <a:rPr lang="en-US" sz="2800" dirty="0">
-                <a:solidFill>
-                  <a:srgbClr val="0066FF"/>
-                </a:solidFill>
-                <a:latin typeface="MS PMincho" panose="02020600040205080304" pitchFamily="18" charset="-128"/>
-                <a:ea typeface="MS PMincho" panose="02020600040205080304" pitchFamily="18" charset="-128"/>
-              </a:rPr>
-              <a:t>(”IN”) | </a:t>
-            </a:r>
-            <a:r>
-              <a:rPr lang="en-US" sz="2800" dirty="0" err="1">
-                <a:solidFill>
-                  <a:srgbClr val="0066FF"/>
-                </a:solidFill>
-                <a:latin typeface="MS PMincho" panose="02020600040205080304" pitchFamily="18" charset="-128"/>
-                <a:ea typeface="MS PMincho" panose="02020600040205080304" pitchFamily="18" charset="-128"/>
-              </a:rPr>
-              <a:t>UnitMatcher</a:t>
-            </a:r>
-            <a:r>
-              <a:rPr lang="en-US" sz="2800" dirty="0">
-                <a:solidFill>
-                  <a:srgbClr val="0066FF"/>
-                </a:solidFill>
-                <a:latin typeface="MS PMincho" panose="02020600040205080304" pitchFamily="18" charset="-128"/>
-                <a:ea typeface="MS PMincho" panose="02020600040205080304" pitchFamily="18" charset="-128"/>
-              </a:rPr>
-              <a:t>(”OF” ) ) + </a:t>
-            </a:r>
-            <a:r>
-              <a:rPr lang="en-US" sz="2800" dirty="0" err="1">
-                <a:solidFill>
-                  <a:srgbClr val="0066FF"/>
-                </a:solidFill>
-                <a:latin typeface="MS PMincho" panose="02020600040205080304" pitchFamily="18" charset="-128"/>
-                <a:ea typeface="MS PMincho" panose="02020600040205080304" pitchFamily="18" charset="-128"/>
-              </a:rPr>
-              <a:t>UnitMatcher</a:t>
-            </a:r>
-            <a:r>
-              <a:rPr lang="en-US" sz="2800" dirty="0">
-                <a:solidFill>
-                  <a:srgbClr val="0066FF"/>
-                </a:solidFill>
-                <a:latin typeface="MS PMincho" panose="02020600040205080304" pitchFamily="18" charset="-128"/>
-                <a:ea typeface="MS PMincho" panose="02020600040205080304" pitchFamily="18" charset="-128"/>
-              </a:rPr>
-              <a:t>(”MAJOR”)</a:t>
-            </a:r>
-          </a:p>
-        </p:txBody>
-      </p:sp>
-      <p:sp>
-        <p:nvSpPr>
-          <p:cNvPr id="3" name="Title 2"/>
-          <p:cNvSpPr>
-            <a:spLocks noGrp="1"/>
-          </p:cNvSpPr>
-          <p:nvPr>
-            <p:ph type="title"/>
-          </p:nvPr>
-        </p:nvSpPr>
-        <p:spPr>
-          <a:xfrm>
-            <a:off x="315766" y="457200"/>
-            <a:ext cx="8610600" cy="994172"/>
-          </a:xfrm>
-        </p:spPr>
-        <p:txBody>
-          <a:bodyPr>
-            <a:normAutofit/>
-          </a:bodyPr>
-          <a:lstStyle/>
-          <a:p>
-            <a:r>
-              <a:rPr lang="en-US" dirty="0" smtClean="0"/>
-              <a:t>Connected </a:t>
-            </a:r>
-            <a:r>
-              <a:rPr lang="en-US" dirty="0"/>
-              <a:t>by </a:t>
-            </a:r>
-            <a:r>
-              <a:rPr lang="en-US" dirty="0" smtClean="0"/>
-              <a:t>Algebra Operators</a:t>
-            </a:r>
-            <a:endParaRPr lang="en-US" dirty="0"/>
-          </a:p>
-        </p:txBody>
-      </p:sp>
-    </p:spTree>
-    <p:extLst>
-      <p:ext uri="{BB962C8B-B14F-4D97-AF65-F5344CB8AC3E}">
-        <p14:creationId xmlns:p14="http://schemas.microsoft.com/office/powerpoint/2010/main" val="3088075092"/>
-      </p:ext>
-    </p:extLst>
-  </p:cSld>
-  <p:clrMapOvr>
-    <a:masterClrMapping/>
-  </p:clrMapOvr>
-  <mc:AlternateContent xmlns:mc="http://schemas.openxmlformats.org/markup-compatibility/2006" xmlns:p14="http://schemas.microsoft.com/office/powerpoint/2010/main">
-    <mc:Choice Requires="p14">
-      <p:transition spd="slow" p14:dur="2000"/>
-    </mc:Choice>
-    <mc:Fallback xmlns="">
-      <p:transition spd="slow"/>
-    </mc:Fallback>
-  </mc:AlternateContent>
-  <p:timing>
-    <p:tnLst>
-      <p:par>
-        <p:cTn id="1" dur="indefinite" restart="never" nodeType="tmRoot"/>
-      </p:par>
-    </p:tnLst>
-  </p:timing>
-</p:sld>
-</file>
-
-<file path=ppt/slides/slide4.xml><?xml version="1.0" encoding="utf-8"?>
-<p:sld xmlns:a="http://schemas.openxmlformats.org/drawingml/2006/main" xmlns:r="http://schemas.openxmlformats.org/officeDocument/2006/relationships" xmlns:p="http://schemas.openxmlformats.org/presentationml/2006/main">
-  <p:cSld>
-    <p:spTree>
-      <p:nvGrpSpPr>
-        <p:cNvPr id="1" name=""/>
-        <p:cNvGrpSpPr/>
-        <p:nvPr/>
-      </p:nvGrpSpPr>
-      <p:grpSpPr>
-        <a:xfrm>
-          <a:off x="0" y="0"/>
-          <a:ext cx="0" cy="0"/>
-          <a:chOff x="0" y="0"/>
-          <a:chExt cx="0" cy="0"/>
-        </a:xfrm>
-      </p:grpSpPr>
-      <p:sp>
-        <p:nvSpPr>
-          <p:cNvPr id="5" name="Rectangle 4"/>
-          <p:cNvSpPr/>
-          <p:nvPr/>
-        </p:nvSpPr>
-        <p:spPr bwMode="auto">
-          <a:xfrm>
-            <a:off x="458093" y="1676400"/>
-            <a:ext cx="8419361" cy="4953000"/>
-          </a:xfrm>
-          <a:prstGeom prst="rect">
-            <a:avLst/>
-          </a:prstGeom>
-          <a:solidFill>
-            <a:schemeClr val="bg1"/>
-          </a:solidFill>
-          <a:ln w="9525" cap="flat" cmpd="sng" algn="ctr">
-            <a:solidFill>
-              <a:schemeClr val="tx1"/>
-            </a:solidFill>
-            <a:prstDash val="solid"/>
-            <a:round/>
-            <a:headEnd type="none" w="med" len="med"/>
-            <a:tailEnd type="none" w="med" len="med"/>
-          </a:ln>
-          <a:effectLst/>
-          <a:extLst>
-            <a:ext uri="{AF507438-7753-43e0-B8FC-AC1667EBCBE1}">
-              <a14:hiddenEffects xmlns="" xmlns:a14="http://schemas.microsoft.com/office/drawing/2010/main">
-                <a:effectLst>
-                  <a:outerShdw blurRad="63500" dist="38099" dir="2700000" algn="ctr" rotWithShape="0">
-                    <a:schemeClr val="bg2">
-                      <a:alpha val="74998"/>
-                    </a:schemeClr>
-                  </a:outerShdw>
-                </a:effectLst>
-              </a14:hiddenEffects>
-            </a:ext>
-          </a:extLst>
-        </p:spPr>
-        <p:txBody>
-          <a:bodyPr vert="horz" wrap="square" lIns="91440" tIns="45720" rIns="91440" bIns="45720" numCol="1" rtlCol="0" anchor="t" anchorCtr="0" compatLnSpc="1">
-            <a:prstTxWarp prst="textNoShape">
-              <a:avLst/>
-            </a:prstTxWarp>
-          </a:bodyPr>
-          <a:lstStyle/>
-          <a:p>
-            <a:pPr marL="0" marR="0" indent="0" algn="l" defTabSz="457200" rtl="0" eaLnBrk="1" fontAlgn="base" latinLnBrk="0" hangingPunct="1">
-              <a:lnSpc>
-                <a:spcPct val="100000"/>
-              </a:lnSpc>
-              <a:spcBef>
-                <a:spcPct val="0"/>
-              </a:spcBef>
-              <a:spcAft>
-                <a:spcPct val="0"/>
-              </a:spcAft>
-              <a:buClr>
-                <a:srgbClr val="000000"/>
-              </a:buClr>
-              <a:buSzPct val="100000"/>
-              <a:buFont typeface="Times New Roman" charset="0"/>
-              <a:buNone/>
-              <a:tabLst/>
-            </a:pPr>
-            <a:endParaRPr kumimoji="0" lang="en-US" sz="2400" b="0" i="0" u="none" strike="noStrike" cap="none" normalizeH="0" baseline="0">
-              <a:ln>
-                <a:noFill/>
-              </a:ln>
-              <a:solidFill>
-                <a:schemeClr val="bg1"/>
-              </a:solidFill>
-              <a:effectLst/>
-              <a:latin typeface="Arial" charset="0"/>
-              <a:ea typeface="ＭＳ Ｐゴシック" charset="0"/>
-              <a:cs typeface="ＭＳ Ｐゴシック" charset="0"/>
-            </a:endParaRPr>
-          </a:p>
-        </p:txBody>
-      </p:sp>
-      <p:sp>
-        <p:nvSpPr>
-          <p:cNvPr id="3" name="Title 2"/>
-          <p:cNvSpPr>
-            <a:spLocks noGrp="1"/>
-          </p:cNvSpPr>
-          <p:nvPr>
-            <p:ph type="title"/>
-          </p:nvPr>
-        </p:nvSpPr>
-        <p:spPr>
-          <a:xfrm>
-            <a:off x="450599" y="457200"/>
-            <a:ext cx="8426856" cy="994172"/>
-          </a:xfrm>
-        </p:spPr>
-        <p:txBody>
-          <a:bodyPr/>
-          <a:lstStyle/>
-          <a:p>
-            <a:r>
-              <a:rPr lang="en-US" dirty="0"/>
-              <a:t>Problems of Keyword Searching</a:t>
-            </a:r>
-          </a:p>
-        </p:txBody>
-      </p:sp>
-      <p:pic>
-        <p:nvPicPr>
-          <p:cNvPr id="7" name="Picture 6"/>
-          <p:cNvPicPr>
-            <a:picLocks noChangeAspect="1"/>
-          </p:cNvPicPr>
-          <p:nvPr/>
-        </p:nvPicPr>
-        <p:blipFill>
-          <a:blip r:embed="rId2"/>
-          <a:stretch>
-            <a:fillRect/>
-          </a:stretch>
-        </p:blipFill>
-        <p:spPr>
-          <a:xfrm>
-            <a:off x="493070" y="1752600"/>
-            <a:ext cx="7714068" cy="4800600"/>
-          </a:xfrm>
-          <a:prstGeom prst="rect">
-            <a:avLst/>
-          </a:prstGeom>
-        </p:spPr>
-      </p:pic>
-      <p:sp>
-        <p:nvSpPr>
-          <p:cNvPr id="8" name="Oval 7"/>
-          <p:cNvSpPr/>
-          <p:nvPr/>
-        </p:nvSpPr>
-        <p:spPr bwMode="auto">
-          <a:xfrm>
-            <a:off x="6019800" y="1600200"/>
-            <a:ext cx="2362200" cy="838200"/>
-          </a:xfrm>
-          <a:prstGeom prst="ellipse">
-            <a:avLst/>
-          </a:prstGeom>
-          <a:noFill/>
-          <a:ln w="9525" cap="flat" cmpd="sng" algn="ctr">
-            <a:solidFill>
-              <a:srgbClr val="FF0000"/>
-            </a:solidFill>
-            <a:prstDash val="solid"/>
-            <a:round/>
-            <a:headEnd type="none" w="med" len="med"/>
-            <a:tailEnd type="none" w="med" len="med"/>
-          </a:ln>
-          <a:effectLst/>
-          <a:extLst>
-            <a:ext uri="{AF507438-7753-43e0-B8FC-AC1667EBCBE1}">
-              <a14:hiddenEffects xmlns="" xmlns:a14="http://schemas.microsoft.com/office/drawing/2010/main">
-                <a:effectLst>
-                  <a:outerShdw blurRad="63500" dist="38099" dir="2700000" algn="ctr" rotWithShape="0">
-                    <a:schemeClr val="bg2">
-                      <a:alpha val="74998"/>
-                    </a:schemeClr>
-                  </a:outerShdw>
-                </a:effectLst>
-              </a14:hiddenEffects>
-            </a:ext>
-          </a:extLst>
-        </p:spPr>
-        <p:txBody>
-          <a:bodyPr vert="horz" wrap="square" lIns="91440" tIns="45720" rIns="91440" bIns="45720" numCol="1" rtlCol="0" anchor="t" anchorCtr="0" compatLnSpc="1">
-            <a:prstTxWarp prst="textNoShape">
-              <a:avLst/>
-            </a:prstTxWarp>
-          </a:bodyPr>
-          <a:lstStyle/>
-          <a:p>
-            <a:pPr marL="0" marR="0" indent="0" algn="l" defTabSz="457200" rtl="0" eaLnBrk="1" fontAlgn="base" latinLnBrk="0" hangingPunct="1">
-              <a:lnSpc>
-                <a:spcPct val="100000"/>
-              </a:lnSpc>
-              <a:spcBef>
-                <a:spcPct val="0"/>
-              </a:spcBef>
-              <a:spcAft>
-                <a:spcPct val="0"/>
-              </a:spcAft>
-              <a:buClr>
-                <a:srgbClr val="000000"/>
-              </a:buClr>
-              <a:buSzPct val="100000"/>
-              <a:buFont typeface="Times New Roman" charset="0"/>
-              <a:buNone/>
-              <a:tabLst/>
-            </a:pPr>
-            <a:endParaRPr kumimoji="0" lang="en-US" sz="2400" b="0" i="0" u="none" strike="noStrike" cap="none" normalizeH="0" baseline="0">
-              <a:ln>
-                <a:noFill/>
-              </a:ln>
-              <a:solidFill>
-                <a:schemeClr val="bg1"/>
-              </a:solidFill>
-              <a:effectLst/>
-              <a:latin typeface="Arial" charset="0"/>
-              <a:ea typeface="ＭＳ Ｐゴシック" charset="0"/>
-              <a:cs typeface="ＭＳ Ｐゴシック" charset="0"/>
-            </a:endParaRPr>
-          </a:p>
-        </p:txBody>
-      </p:sp>
-    </p:spTree>
-    <p:extLst>
-      <p:ext uri="{BB962C8B-B14F-4D97-AF65-F5344CB8AC3E}">
-        <p14:creationId xmlns:p14="http://schemas.microsoft.com/office/powerpoint/2010/main" val="2331838778"/>
-      </p:ext>
-    </p:extLst>
-  </p:cSld>
-  <p:clrMapOvr>
-    <a:masterClrMapping/>
-  </p:clrMapOvr>
-  <mc:AlternateContent xmlns:mc="http://schemas.openxmlformats.org/markup-compatibility/2006" xmlns:p14="http://schemas.microsoft.com/office/powerpoint/2010/main">
-    <mc:Choice Requires="p14">
-      <p:transition spd="slow" p14:dur="2000"/>
-    </mc:Choice>
-    <mc:Fallback xmlns="">
-      <p:transition spd="slow"/>
-    </mc:Fallback>
-  </mc:AlternateContent>
-  <p:timing>
-    <p:tnLst>
-      <p:par>
-        <p:cTn id="1" dur="indefinite" restart="never" nodeType="tmRoot"/>
-      </p:par>
-    </p:tnLst>
-  </p:timing>
-</p:sld>
-</file>
-
-<file path=ppt/slides/slide40.xml><?xml version="1.0" encoding="utf-8"?>
-<p:sld xmlns:a="http://schemas.openxmlformats.org/drawingml/2006/main" xmlns:r="http://schemas.openxmlformats.org/officeDocument/2006/relationships" xmlns:p="http://schemas.openxmlformats.org/presentationml/2006/main">
-  <p:cSld>
-    <p:spTree>
-      <p:nvGrpSpPr>
-        <p:cNvPr id="1" name=""/>
-        <p:cNvGrpSpPr/>
-        <p:nvPr/>
-      </p:nvGrpSpPr>
-      <p:grpSpPr>
-        <a:xfrm>
-          <a:off x="0" y="0"/>
-          <a:ext cx="0" cy="0"/>
-          <a:chOff x="0" y="0"/>
-          <a:chExt cx="0" cy="0"/>
-        </a:xfrm>
-      </p:grpSpPr>
-      <p:sp>
-        <p:nvSpPr>
-          <p:cNvPr id="3" name="Title 2"/>
-          <p:cNvSpPr>
-            <a:spLocks noGrp="1"/>
-          </p:cNvSpPr>
-          <p:nvPr>
-            <p:ph type="title"/>
-          </p:nvPr>
-        </p:nvSpPr>
-        <p:spPr>
-          <a:xfrm>
-            <a:off x="304800" y="533400"/>
-            <a:ext cx="7905750" cy="994172"/>
-          </a:xfrm>
-        </p:spPr>
-        <p:txBody>
-          <a:bodyPr>
-            <a:normAutofit/>
-          </a:bodyPr>
-          <a:lstStyle/>
-          <a:p>
-            <a:r>
-              <a:rPr lang="en-US" dirty="0"/>
-              <a:t>OO </a:t>
-            </a:r>
-            <a:r>
-              <a:rPr lang="en-US" dirty="0" smtClean="0"/>
-              <a:t>Programming Style</a:t>
-            </a:r>
-            <a:endParaRPr lang="en-US" dirty="0"/>
-          </a:p>
-        </p:txBody>
-      </p:sp>
-      <p:sp>
-        <p:nvSpPr>
-          <p:cNvPr id="2" name="Content Placeholder 1"/>
-          <p:cNvSpPr>
-            <a:spLocks noGrp="1"/>
-          </p:cNvSpPr>
-          <p:nvPr>
-            <p:ph idx="1"/>
-          </p:nvPr>
-        </p:nvSpPr>
-        <p:spPr>
-          <a:xfrm>
-            <a:off x="457200" y="1915606"/>
-            <a:ext cx="8439151" cy="4479131"/>
-          </a:xfrm>
-        </p:spPr>
-        <p:txBody>
-          <a:bodyPr>
-            <a:noAutofit/>
-          </a:bodyPr>
-          <a:lstStyle/>
-          <a:p>
-            <a:r>
-              <a:rPr lang="en-US" sz="2400" dirty="0" smtClean="0">
-                <a:solidFill>
-                  <a:schemeClr val="tx1"/>
-                </a:solidFill>
-              </a:rPr>
-              <a:t>Pattern: </a:t>
-            </a:r>
-            <a:r>
-              <a:rPr lang="en-US" sz="2400" dirty="0">
-                <a:solidFill>
-                  <a:schemeClr val="tx1"/>
-                </a:solidFill>
-              </a:rPr>
-              <a:t>”DE-LEVEL DEGREE (IN | OF) MAJOR”</a:t>
-            </a:r>
-          </a:p>
-          <a:p>
-            <a:r>
-              <a:rPr lang="en-US" sz="2400" dirty="0" smtClean="0">
-                <a:solidFill>
-                  <a:schemeClr val="tx1"/>
-                </a:solidFill>
-              </a:rPr>
-              <a:t> </a:t>
-            </a:r>
-            <a:endParaRPr lang="en-US" sz="2400" dirty="0">
-              <a:solidFill>
-                <a:schemeClr val="tx1"/>
-              </a:solidFill>
-            </a:endParaRPr>
-          </a:p>
-          <a:p>
-            <a:r>
-              <a:rPr lang="en-US" sz="2400" dirty="0">
-                <a:solidFill>
-                  <a:srgbClr val="0066FF"/>
-                </a:solidFill>
-                <a:latin typeface="MS PMincho" panose="02020600040205080304" pitchFamily="18" charset="-128"/>
-                <a:ea typeface="MS PMincho" panose="02020600040205080304" pitchFamily="18" charset="-128"/>
-              </a:rPr>
-              <a:t>matcher1 = </a:t>
-            </a:r>
-            <a:r>
-              <a:rPr lang="en-US" sz="2400" dirty="0" err="1">
-                <a:solidFill>
-                  <a:srgbClr val="0066FF"/>
-                </a:solidFill>
-                <a:latin typeface="MS PMincho" panose="02020600040205080304" pitchFamily="18" charset="-128"/>
-                <a:ea typeface="MS PMincho" panose="02020600040205080304" pitchFamily="18" charset="-128"/>
-              </a:rPr>
-              <a:t>UnitMatcher</a:t>
-            </a:r>
-            <a:r>
-              <a:rPr lang="en-US" sz="2400" dirty="0">
-                <a:solidFill>
-                  <a:srgbClr val="0066FF"/>
-                </a:solidFill>
-                <a:latin typeface="MS PMincho" panose="02020600040205080304" pitchFamily="18" charset="-128"/>
-                <a:ea typeface="MS PMincho" panose="02020600040205080304" pitchFamily="18" charset="-128"/>
-              </a:rPr>
-              <a:t>(”DE-LEVEL”)</a:t>
-            </a:r>
-          </a:p>
-          <a:p>
-            <a:r>
-              <a:rPr lang="en-US" sz="2400" dirty="0">
-                <a:solidFill>
-                  <a:srgbClr val="0066FF"/>
-                </a:solidFill>
-                <a:latin typeface="MS PMincho" panose="02020600040205080304" pitchFamily="18" charset="-128"/>
-                <a:ea typeface="MS PMincho" panose="02020600040205080304" pitchFamily="18" charset="-128"/>
-              </a:rPr>
-              <a:t>matcher2 = </a:t>
-            </a:r>
-            <a:r>
-              <a:rPr lang="en-US" sz="2400" dirty="0" err="1">
-                <a:solidFill>
-                  <a:srgbClr val="0066FF"/>
-                </a:solidFill>
-                <a:latin typeface="MS PMincho" panose="02020600040205080304" pitchFamily="18" charset="-128"/>
-                <a:ea typeface="MS PMincho" panose="02020600040205080304" pitchFamily="18" charset="-128"/>
-              </a:rPr>
-              <a:t>UnitMatcher</a:t>
-            </a:r>
-            <a:r>
-              <a:rPr lang="en-US" sz="2400" dirty="0">
-                <a:solidFill>
-                  <a:srgbClr val="0066FF"/>
-                </a:solidFill>
-                <a:latin typeface="MS PMincho" panose="02020600040205080304" pitchFamily="18" charset="-128"/>
-                <a:ea typeface="MS PMincho" panose="02020600040205080304" pitchFamily="18" charset="-128"/>
-              </a:rPr>
-              <a:t>(”DEGREE”)</a:t>
-            </a:r>
-          </a:p>
-          <a:p>
-            <a:r>
-              <a:rPr lang="en-US" sz="2400" dirty="0">
-                <a:solidFill>
-                  <a:srgbClr val="0066FF"/>
-                </a:solidFill>
-                <a:latin typeface="MS PMincho" panose="02020600040205080304" pitchFamily="18" charset="-128"/>
-                <a:ea typeface="MS PMincho" panose="02020600040205080304" pitchFamily="18" charset="-128"/>
-              </a:rPr>
-              <a:t>matcher3 = </a:t>
-            </a:r>
-            <a:r>
-              <a:rPr lang="en-US" sz="2400" dirty="0" err="1">
-                <a:solidFill>
-                  <a:srgbClr val="0066FF"/>
-                </a:solidFill>
-                <a:latin typeface="MS PMincho" panose="02020600040205080304" pitchFamily="18" charset="-128"/>
-                <a:ea typeface="MS PMincho" panose="02020600040205080304" pitchFamily="18" charset="-128"/>
-              </a:rPr>
-              <a:t>UnitMatcher</a:t>
-            </a:r>
-            <a:r>
-              <a:rPr lang="en-US" sz="2400" dirty="0">
-                <a:solidFill>
-                  <a:srgbClr val="0066FF"/>
-                </a:solidFill>
-                <a:latin typeface="MS PMincho" panose="02020600040205080304" pitchFamily="18" charset="-128"/>
-                <a:ea typeface="MS PMincho" panose="02020600040205080304" pitchFamily="18" charset="-128"/>
-              </a:rPr>
-              <a:t>(”IN”)</a:t>
-            </a:r>
-          </a:p>
-          <a:p>
-            <a:r>
-              <a:rPr lang="en-US" sz="2400" dirty="0">
-                <a:solidFill>
-                  <a:srgbClr val="0066FF"/>
-                </a:solidFill>
-                <a:latin typeface="MS PMincho" panose="02020600040205080304" pitchFamily="18" charset="-128"/>
-                <a:ea typeface="MS PMincho" panose="02020600040205080304" pitchFamily="18" charset="-128"/>
-              </a:rPr>
-              <a:t>matcher4 = </a:t>
-            </a:r>
-            <a:r>
-              <a:rPr lang="en-US" sz="2400" dirty="0" err="1">
-                <a:solidFill>
-                  <a:srgbClr val="0066FF"/>
-                </a:solidFill>
-                <a:latin typeface="MS PMincho" panose="02020600040205080304" pitchFamily="18" charset="-128"/>
-                <a:ea typeface="MS PMincho" panose="02020600040205080304" pitchFamily="18" charset="-128"/>
-              </a:rPr>
-              <a:t>UnitMatcher</a:t>
-            </a:r>
-            <a:r>
-              <a:rPr lang="en-US" sz="2400" dirty="0">
-                <a:solidFill>
-                  <a:srgbClr val="0066FF"/>
-                </a:solidFill>
-                <a:latin typeface="MS PMincho" panose="02020600040205080304" pitchFamily="18" charset="-128"/>
-                <a:ea typeface="MS PMincho" panose="02020600040205080304" pitchFamily="18" charset="-128"/>
-              </a:rPr>
-              <a:t>(”OF”)</a:t>
-            </a:r>
-          </a:p>
-          <a:p>
-            <a:r>
-              <a:rPr lang="en-US" sz="2400" dirty="0">
-                <a:solidFill>
-                  <a:srgbClr val="0066FF"/>
-                </a:solidFill>
-                <a:latin typeface="MS PMincho" panose="02020600040205080304" pitchFamily="18" charset="-128"/>
-                <a:ea typeface="MS PMincho" panose="02020600040205080304" pitchFamily="18" charset="-128"/>
-              </a:rPr>
-              <a:t>matcher5 = </a:t>
-            </a:r>
-            <a:r>
-              <a:rPr lang="en-US" sz="2400" dirty="0" err="1">
-                <a:solidFill>
-                  <a:srgbClr val="0066FF"/>
-                </a:solidFill>
-                <a:latin typeface="MS PMincho" panose="02020600040205080304" pitchFamily="18" charset="-128"/>
-                <a:ea typeface="MS PMincho" panose="02020600040205080304" pitchFamily="18" charset="-128"/>
-              </a:rPr>
-              <a:t>UnitMatcher</a:t>
-            </a:r>
-            <a:r>
-              <a:rPr lang="en-US" sz="2400" dirty="0">
-                <a:solidFill>
-                  <a:srgbClr val="0066FF"/>
-                </a:solidFill>
-                <a:latin typeface="MS PMincho" panose="02020600040205080304" pitchFamily="18" charset="-128"/>
-                <a:ea typeface="MS PMincho" panose="02020600040205080304" pitchFamily="18" charset="-128"/>
-              </a:rPr>
-              <a:t>(”MAJOR”)</a:t>
-            </a:r>
-          </a:p>
-          <a:p>
-            <a:r>
-              <a:rPr lang="en-US" sz="2400" dirty="0">
-                <a:solidFill>
-                  <a:srgbClr val="0066FF"/>
-                </a:solidFill>
-                <a:latin typeface="MS PMincho" panose="02020600040205080304" pitchFamily="18" charset="-128"/>
-                <a:ea typeface="MS PMincho" panose="02020600040205080304" pitchFamily="18" charset="-128"/>
-              </a:rPr>
-              <a:t>matcher6 = </a:t>
-            </a:r>
-            <a:r>
-              <a:rPr lang="en-US" sz="2400" dirty="0" err="1">
-                <a:solidFill>
-                  <a:srgbClr val="0066FF"/>
-                </a:solidFill>
-                <a:latin typeface="MS PMincho" panose="02020600040205080304" pitchFamily="18" charset="-128"/>
-                <a:ea typeface="MS PMincho" panose="02020600040205080304" pitchFamily="18" charset="-128"/>
-              </a:rPr>
-              <a:t>AlternateMatcher</a:t>
-            </a:r>
-            <a:r>
-              <a:rPr lang="en-US" sz="2400" dirty="0">
-                <a:solidFill>
-                  <a:srgbClr val="0066FF"/>
-                </a:solidFill>
-                <a:latin typeface="MS PMincho" panose="02020600040205080304" pitchFamily="18" charset="-128"/>
-                <a:ea typeface="MS PMincho" panose="02020600040205080304" pitchFamily="18" charset="-128"/>
-              </a:rPr>
-              <a:t>([matcher3,matcher4])</a:t>
-            </a:r>
-          </a:p>
-          <a:p>
-            <a:r>
-              <a:rPr lang="en-US" sz="2400" dirty="0" err="1">
-                <a:solidFill>
-                  <a:srgbClr val="0066FF"/>
-                </a:solidFill>
-                <a:latin typeface="MS PMincho" panose="02020600040205080304" pitchFamily="18" charset="-128"/>
-                <a:ea typeface="MS PMincho" panose="02020600040205080304" pitchFamily="18" charset="-128"/>
-              </a:rPr>
-              <a:t>seqMatcher</a:t>
-            </a:r>
-            <a:r>
-              <a:rPr lang="en-US" sz="2400" dirty="0">
-                <a:solidFill>
-                  <a:srgbClr val="0066FF"/>
-                </a:solidFill>
-                <a:latin typeface="MS PMincho" panose="02020600040205080304" pitchFamily="18" charset="-128"/>
-                <a:ea typeface="MS PMincho" panose="02020600040205080304" pitchFamily="18" charset="-128"/>
-              </a:rPr>
-              <a:t> = </a:t>
-            </a:r>
-            <a:r>
-              <a:rPr lang="en-US" sz="2400" dirty="0" err="1">
-                <a:solidFill>
-                  <a:srgbClr val="0066FF"/>
-                </a:solidFill>
-                <a:latin typeface="MS PMincho" panose="02020600040205080304" pitchFamily="18" charset="-128"/>
-                <a:ea typeface="MS PMincho" panose="02020600040205080304" pitchFamily="18" charset="-128"/>
-              </a:rPr>
-              <a:t>SeqMatcher</a:t>
-            </a:r>
-            <a:r>
-              <a:rPr lang="en-US" sz="2400" dirty="0">
-                <a:solidFill>
-                  <a:srgbClr val="0066FF"/>
-                </a:solidFill>
-                <a:latin typeface="MS PMincho" panose="02020600040205080304" pitchFamily="18" charset="-128"/>
-                <a:ea typeface="MS PMincho" panose="02020600040205080304" pitchFamily="18" charset="-128"/>
-              </a:rPr>
-              <a:t>([matcher1, matcher2, matcher6, matcher5])</a:t>
-            </a:r>
-          </a:p>
-        </p:txBody>
-      </p:sp>
-    </p:spTree>
-    <p:extLst>
-      <p:ext uri="{BB962C8B-B14F-4D97-AF65-F5344CB8AC3E}">
-        <p14:creationId xmlns:p14="http://schemas.microsoft.com/office/powerpoint/2010/main" val="3121883632"/>
-      </p:ext>
-    </p:extLst>
-  </p:cSld>
-  <p:clrMapOvr>
-    <a:masterClrMapping/>
-  </p:clrMapOvr>
-  <mc:AlternateContent xmlns:mc="http://schemas.openxmlformats.org/markup-compatibility/2006" xmlns:p14="http://schemas.microsoft.com/office/powerpoint/2010/main">
-    <mc:Choice Requires="p14">
-      <p:transition spd="slow" p14:dur="2000"/>
-    </mc:Choice>
-    <mc:Fallback xmlns="">
-      <p:transition spd="slow"/>
-    </mc:Fallback>
-  </mc:AlternateContent>
-  <p:timing>
-    <p:tnLst>
-      <p:par>
-        <p:cTn id="1" dur="indefinite" restart="never" nodeType="tmRoot"/>
-      </p:par>
-    </p:tnLst>
-  </p:timing>
-</p:sld>
-</file>
-
-<file path=ppt/slides/slide41.xml><?xml version="1.0" encoding="utf-8"?>
-<p:sld xmlns:a="http://schemas.openxmlformats.org/drawingml/2006/main" xmlns:r="http://schemas.openxmlformats.org/officeDocument/2006/relationships" xmlns:p="http://schemas.openxmlformats.org/presentationml/2006/main">
-  <p:cSld>
-    <p:spTree>
-      <p:nvGrpSpPr>
-        <p:cNvPr id="1" name=""/>
-        <p:cNvGrpSpPr/>
-        <p:nvPr/>
-      </p:nvGrpSpPr>
-      <p:grpSpPr>
-        <a:xfrm>
-          <a:off x="0" y="0"/>
-          <a:ext cx="0" cy="0"/>
-          <a:chOff x="0" y="0"/>
-          <a:chExt cx="0" cy="0"/>
-        </a:xfrm>
-      </p:grpSpPr>
-      <p:sp>
-        <p:nvSpPr>
-          <p:cNvPr id="3" name="Title 2"/>
-          <p:cNvSpPr>
-            <a:spLocks noGrp="1"/>
-          </p:cNvSpPr>
-          <p:nvPr>
-            <p:ph type="title"/>
-          </p:nvPr>
-        </p:nvSpPr>
-        <p:spPr>
-          <a:xfrm>
-            <a:off x="448456" y="457200"/>
-            <a:ext cx="7905750" cy="994172"/>
-          </a:xfrm>
-        </p:spPr>
-        <p:txBody>
-          <a:bodyPr>
-            <a:normAutofit/>
-          </a:bodyPr>
-          <a:lstStyle/>
-          <a:p>
-            <a:r>
-              <a:rPr lang="en-US" dirty="0"/>
-              <a:t>Simplicity   </a:t>
-            </a:r>
-            <a:endParaRPr lang="en-US" dirty="0">
-              <a:solidFill>
-                <a:schemeClr val="bg2">
-                  <a:lumMod val="75000"/>
-                </a:schemeClr>
-              </a:solidFill>
-            </a:endParaRPr>
-          </a:p>
-        </p:txBody>
-      </p:sp>
-      <p:sp>
-        <p:nvSpPr>
-          <p:cNvPr id="2" name="Content Placeholder 1"/>
-          <p:cNvSpPr>
-            <a:spLocks noGrp="1"/>
-          </p:cNvSpPr>
-          <p:nvPr>
-            <p:ph idx="1"/>
-          </p:nvPr>
-        </p:nvSpPr>
-        <p:spPr>
-          <a:xfrm>
-            <a:off x="457200" y="1915606"/>
-            <a:ext cx="8439151" cy="4479131"/>
-          </a:xfrm>
-        </p:spPr>
-        <p:txBody>
-          <a:bodyPr>
-            <a:noAutofit/>
-          </a:bodyPr>
-          <a:lstStyle/>
-          <a:p>
-            <a:pPr>
-              <a:buClr>
-                <a:srgbClr val="C00000"/>
-              </a:buClr>
-              <a:buFont typeface="Wingdings" panose="05000000000000000000" pitchFamily="2" charset="2"/>
-              <a:buChar char="v"/>
-            </a:pPr>
-            <a:r>
-              <a:rPr lang="en-US" sz="2800" dirty="0" smtClean="0">
-                <a:solidFill>
-                  <a:schemeClr val="tx1"/>
-                </a:solidFill>
-              </a:rPr>
-              <a:t>Easy </a:t>
-            </a:r>
-            <a:r>
-              <a:rPr lang="en-US" sz="2800" dirty="0">
-                <a:solidFill>
-                  <a:schemeClr val="tx1"/>
-                </a:solidFill>
-              </a:rPr>
-              <a:t>to </a:t>
-            </a:r>
-            <a:r>
-              <a:rPr lang="en-US" sz="2800" dirty="0" smtClean="0">
-                <a:solidFill>
-                  <a:schemeClr val="tx1"/>
-                </a:solidFill>
-              </a:rPr>
-              <a:t>implement</a:t>
-            </a:r>
-          </a:p>
-          <a:p>
-            <a:pPr>
-              <a:buClr>
-                <a:srgbClr val="C00000"/>
-              </a:buClr>
-              <a:buFont typeface="Wingdings" panose="05000000000000000000" pitchFamily="2" charset="2"/>
-              <a:buChar char="v"/>
-            </a:pPr>
-            <a:r>
-              <a:rPr lang="en-US" sz="2800" dirty="0" smtClean="0">
-                <a:solidFill>
-                  <a:schemeClr val="tx1"/>
-                </a:solidFill>
-              </a:rPr>
-              <a:t>The </a:t>
-            </a:r>
-            <a:r>
-              <a:rPr lang="en-US" sz="2800" dirty="0">
-                <a:solidFill>
-                  <a:schemeClr val="tx1"/>
-                </a:solidFill>
-              </a:rPr>
-              <a:t>accuracy </a:t>
-            </a:r>
-            <a:r>
-              <a:rPr lang="en-US" sz="2800" dirty="0" smtClean="0">
-                <a:solidFill>
-                  <a:schemeClr val="tx1"/>
-                </a:solidFill>
-              </a:rPr>
-              <a:t>increase</a:t>
-            </a:r>
-            <a:r>
-              <a:rPr lang="en-US" altLang="zh-CN" sz="2800" dirty="0" smtClean="0">
-                <a:solidFill>
-                  <a:schemeClr val="tx1"/>
-                </a:solidFill>
-              </a:rPr>
-              <a:t>s</a:t>
-            </a:r>
-            <a:r>
-              <a:rPr lang="en-US" sz="2800" dirty="0" smtClean="0">
-                <a:solidFill>
-                  <a:schemeClr val="tx1"/>
-                </a:solidFill>
-              </a:rPr>
-              <a:t> as the number of patterns increases</a:t>
-            </a:r>
-          </a:p>
-          <a:p>
-            <a:pPr>
-              <a:buClr>
-                <a:srgbClr val="C00000"/>
-              </a:buClr>
-              <a:buFont typeface="Wingdings" panose="05000000000000000000" pitchFamily="2" charset="2"/>
-              <a:buChar char="v"/>
-            </a:pPr>
-            <a:r>
-              <a:rPr lang="en-US" sz="2800" dirty="0" smtClean="0">
-                <a:solidFill>
-                  <a:schemeClr val="tx1"/>
-                </a:solidFill>
-              </a:rPr>
-              <a:t>Faster   </a:t>
-            </a:r>
-          </a:p>
-          <a:p>
-            <a:pPr marL="857250" lvl="1" indent="-457200">
-              <a:buClr>
-                <a:srgbClr val="C00000"/>
-              </a:buClr>
-              <a:buFont typeface="Arial" panose="020B0604020202020204" pitchFamily="34" charset="0"/>
-              <a:buChar char="•"/>
-            </a:pPr>
-            <a:r>
-              <a:rPr lang="en-US" sz="2400" dirty="0" smtClean="0">
-                <a:solidFill>
-                  <a:schemeClr val="tx1"/>
-                </a:solidFill>
-              </a:rPr>
-              <a:t>Time Complexity   O(n)  </a:t>
-            </a:r>
-          </a:p>
-          <a:p>
-            <a:pPr marL="857250" lvl="1" indent="-457200">
-              <a:buClr>
-                <a:srgbClr val="C00000"/>
-              </a:buClr>
-              <a:buFont typeface="Arial" panose="020B0604020202020204" pitchFamily="34" charset="0"/>
-              <a:buChar char="•"/>
-            </a:pPr>
-            <a:r>
-              <a:rPr lang="en-US" sz="2400" dirty="0" smtClean="0">
-                <a:solidFill>
-                  <a:schemeClr val="tx1"/>
-                </a:solidFill>
-              </a:rPr>
-              <a:t>Conditional </a:t>
-            </a:r>
-            <a:r>
-              <a:rPr lang="en-US" sz="2400" dirty="0">
-                <a:solidFill>
-                  <a:schemeClr val="tx1"/>
-                </a:solidFill>
-              </a:rPr>
-              <a:t>Random Fields(CRFs</a:t>
-            </a:r>
-            <a:r>
-              <a:rPr lang="en-US" sz="2400" dirty="0" smtClean="0">
-                <a:solidFill>
-                  <a:schemeClr val="tx1"/>
-                </a:solidFill>
-              </a:rPr>
-              <a:t>), </a:t>
-            </a:r>
-            <a:r>
-              <a:rPr lang="en-US" sz="2400" dirty="0">
-                <a:solidFill>
-                  <a:schemeClr val="tx1"/>
-                </a:solidFill>
-              </a:rPr>
-              <a:t>using </a:t>
-            </a:r>
-            <a:r>
-              <a:rPr lang="en-US" sz="2400" dirty="0" smtClean="0">
-                <a:solidFill>
-                  <a:schemeClr val="tx1"/>
-                </a:solidFill>
-              </a:rPr>
-              <a:t>Viterbi </a:t>
-            </a:r>
-            <a:r>
-              <a:rPr lang="en-US" sz="2400" dirty="0">
-                <a:solidFill>
-                  <a:schemeClr val="tx1"/>
-                </a:solidFill>
-              </a:rPr>
-              <a:t>algorithm </a:t>
-            </a:r>
-            <a:r>
-              <a:rPr lang="en-US" sz="2400" dirty="0" smtClean="0">
-                <a:solidFill>
-                  <a:schemeClr val="tx1"/>
-                </a:solidFill>
-              </a:rPr>
-              <a:t>O(</a:t>
-            </a:r>
-            <a:r>
-              <a:rPr lang="en-US" sz="2400" dirty="0"/>
-              <a:t>n</a:t>
-            </a:r>
-            <a:r>
-              <a:rPr lang="en-US" sz="2400" baseline="30000" dirty="0" smtClean="0"/>
-              <a:t>2</a:t>
-            </a:r>
-            <a:r>
-              <a:rPr lang="en-US" sz="2400" dirty="0" smtClean="0">
-                <a:solidFill>
-                  <a:schemeClr val="tx1"/>
-                </a:solidFill>
-              </a:rPr>
-              <a:t>t)</a:t>
-            </a:r>
-          </a:p>
-          <a:p>
-            <a:pPr lvl="1">
-              <a:buFont typeface="Arial" panose="020B0604020202020204" pitchFamily="34" charset="0"/>
-              <a:buChar char="•"/>
-            </a:pPr>
-            <a:endParaRPr lang="en-US" sz="2400" dirty="0">
-              <a:solidFill>
-                <a:schemeClr val="tx1"/>
-              </a:solidFill>
-            </a:endParaRPr>
-          </a:p>
-        </p:txBody>
-      </p:sp>
-    </p:spTree>
-    <p:extLst>
-      <p:ext uri="{BB962C8B-B14F-4D97-AF65-F5344CB8AC3E}">
-        <p14:creationId xmlns:p14="http://schemas.microsoft.com/office/powerpoint/2010/main" val="3743414035"/>
-      </p:ext>
-    </p:extLst>
-  </p:cSld>
-  <p:clrMapOvr>
-    <a:masterClrMapping/>
-  </p:clrMapOvr>
-  <mc:AlternateContent xmlns:mc="http://schemas.openxmlformats.org/markup-compatibility/2006" xmlns:p14="http://schemas.microsoft.com/office/powerpoint/2010/main">
-    <mc:Choice Requires="p14">
-      <p:transition spd="slow" p14:dur="2000"/>
-    </mc:Choice>
-    <mc:Fallback xmlns="">
-      <p:transition spd="slow"/>
-    </mc:Fallback>
-  </mc:AlternateContent>
-  <p:timing>
-    <p:tnLst>
-      <p:par>
-        <p:cTn id="1" dur="indefinite" restart="never" nodeType="tmRoot"/>
-      </p:par>
-    </p:tnLst>
-  </p:timing>
-</p:sld>
-</file>
-
-<file path=ppt/slides/slide42.xml><?xml version="1.0" encoding="utf-8"?>
-<p:sld xmlns:a="http://schemas.openxmlformats.org/drawingml/2006/main" xmlns:r="http://schemas.openxmlformats.org/officeDocument/2006/relationships" xmlns:p="http://schemas.openxmlformats.org/presentationml/2006/main">
-  <p:cSld>
-    <p:spTree>
-      <p:nvGrpSpPr>
-        <p:cNvPr id="1" name=""/>
-        <p:cNvGrpSpPr/>
-        <p:nvPr/>
-      </p:nvGrpSpPr>
-      <p:grpSpPr>
-        <a:xfrm>
-          <a:off x="0" y="0"/>
-          <a:ext cx="0" cy="0"/>
-          <a:chOff x="0" y="0"/>
-          <a:chExt cx="0" cy="0"/>
-        </a:xfrm>
-      </p:grpSpPr>
-      <p:sp>
-        <p:nvSpPr>
-          <p:cNvPr id="3" name="Title 2"/>
-          <p:cNvSpPr>
-            <a:spLocks noGrp="1"/>
-          </p:cNvSpPr>
-          <p:nvPr>
-            <p:ph type="title"/>
-          </p:nvPr>
-        </p:nvSpPr>
-        <p:spPr>
-          <a:xfrm>
-            <a:off x="990600" y="2362200"/>
-            <a:ext cx="7343775" cy="2075745"/>
-          </a:xfrm>
-        </p:spPr>
-        <p:txBody>
-          <a:bodyPr>
-            <a:noAutofit/>
-          </a:bodyPr>
-          <a:lstStyle/>
-          <a:p>
-            <a:r>
-              <a:rPr lang="en-US" sz="4800" dirty="0"/>
-              <a:t>Ontology </a:t>
-            </a:r>
-            <a:r>
-              <a:rPr lang="en-US" sz="4800" dirty="0" smtClean="0"/>
-              <a:t>Construction</a:t>
-            </a:r>
-            <a:endParaRPr lang="en-US" sz="4800" dirty="0"/>
-          </a:p>
-        </p:txBody>
-      </p:sp>
-    </p:spTree>
-    <p:extLst>
-      <p:ext uri="{BB962C8B-B14F-4D97-AF65-F5344CB8AC3E}">
-        <p14:creationId xmlns:p14="http://schemas.microsoft.com/office/powerpoint/2010/main" val="2178587432"/>
       </p:ext>
     </p:extLst>
   </p:cSld>
@@ -16626,97 +16385,193 @@
         </p:nvSpPr>
         <p:spPr>
           <a:xfrm>
-            <a:off x="609600" y="2133600"/>
-            <a:ext cx="8228013" cy="4191000"/>
+            <a:off x="725608" y="2514600"/>
+            <a:ext cx="8037391" cy="2650331"/>
           </a:xfrm>
         </p:spPr>
         <p:txBody>
           <a:bodyPr/>
           <a:lstStyle/>
           <a:p>
-            <a:pPr marL="514350" indent="-514350">
-              <a:buClr>
-                <a:srgbClr val="C00000"/>
-              </a:buClr>
-              <a:buFont typeface="+mj-lt"/>
-              <a:buAutoNum type="arabicPeriod"/>
-            </a:pPr>
             <a:r>
               <a:rPr lang="en-US" sz="2400" dirty="0" smtClean="0"/>
-              <a:t>A </a:t>
+              <a:t>Pattern: </a:t>
             </a:r>
             <a:r>
               <a:rPr lang="en-US" sz="2400" dirty="0"/>
-              <a:t>high-level language such as Java, Groovy, Ruby or Python; we use Java and Groovy extensively</a:t>
-            </a:r>
-          </a:p>
-          <a:p>
-            <a:pPr marL="457200" indent="-457200">
-              <a:buClr>
-                <a:srgbClr val="C00000"/>
-              </a:buClr>
-              <a:buFont typeface="+mj-lt"/>
-              <a:buAutoNum type="arabicPeriod"/>
-            </a:pPr>
-            <a:endParaRPr lang="en-US" sz="2400" dirty="0"/>
-          </a:p>
-          <a:p>
-            <a:pPr marL="457200" indent="-457200">
-              <a:buClr>
-                <a:srgbClr val="C00000"/>
-              </a:buClr>
-              <a:buFont typeface="+mj-lt"/>
-              <a:buAutoNum type="arabicPeriod"/>
-            </a:pPr>
-            <a:r>
-              <a:rPr lang="en-US" sz="2400" dirty="0"/>
-              <a:t>HTML5/CSS3/JavaScript, web standards, jQuery or frameworks like </a:t>
-            </a:r>
-            <a:r>
-              <a:rPr lang="en-US" sz="2400" dirty="0" err="1"/>
-              <a:t>AngularJS</a:t>
-            </a:r>
-            <a:r>
-              <a:rPr lang="en-US" sz="2400" dirty="0"/>
-              <a:t> would be great</a:t>
-            </a:r>
-          </a:p>
-          <a:p>
-            <a:pPr marL="457200" indent="-457200">
-              <a:buClr>
-                <a:srgbClr val="C00000"/>
-              </a:buClr>
-              <a:buFont typeface="+mj-lt"/>
-              <a:buAutoNum type="arabicPeriod"/>
-            </a:pPr>
-            <a:endParaRPr lang="en-US" sz="2400" dirty="0"/>
-          </a:p>
-          <a:p>
-            <a:pPr marL="457200" indent="-457200">
-              <a:buClr>
-                <a:srgbClr val="C00000"/>
-              </a:buClr>
-              <a:buFont typeface="+mj-lt"/>
-              <a:buAutoNum type="arabicPeriod"/>
-            </a:pPr>
-            <a:r>
-              <a:rPr lang="en-US" sz="2400" dirty="0"/>
-              <a:t>HTML CSS and </a:t>
-            </a:r>
-            <a:r>
-              <a:rPr lang="en-US" sz="2400" dirty="0" err="1"/>
-              <a:t>Javascript</a:t>
-            </a:r>
-            <a:r>
-              <a:rPr lang="en-US" sz="2400" dirty="0"/>
-              <a:t> a must 4. Experience with AJAX, XML, XSL, XSLT, CSS, JavaScript, JQuery, HTML and Web Services</a:t>
-            </a:r>
-          </a:p>
-          <a:p>
-            <a:endParaRPr lang="en-US" dirty="0"/>
-          </a:p>
-          <a:p>
-            <a:endParaRPr lang="en-US" dirty="0"/>
+              <a:t>”</a:t>
+            </a:r>
+            <a:r>
+              <a:rPr lang="en-US" sz="2400" dirty="0">
+                <a:solidFill>
+                  <a:srgbClr val="0066FF"/>
+                </a:solidFill>
+              </a:rPr>
+              <a:t>DE-LEVEL DEGREE (IN | OF) MAJOR</a:t>
+            </a:r>
+            <a:r>
+              <a:rPr lang="en-US" sz="2400" dirty="0" smtClean="0"/>
+              <a:t>”</a:t>
+            </a:r>
+          </a:p>
+          <a:p>
+            <a:endParaRPr lang="en-US" sz="2400" dirty="0" smtClean="0">
+              <a:solidFill>
+                <a:schemeClr val="accent6"/>
+              </a:solidFill>
+            </a:endParaRPr>
+          </a:p>
+          <a:p>
+            <a:r>
+              <a:rPr lang="en-US" sz="2800" dirty="0" err="1" smtClean="0">
+                <a:solidFill>
+                  <a:srgbClr val="0066FF"/>
+                </a:solidFill>
+                <a:latin typeface="MS PMincho" panose="02020600040205080304" pitchFamily="18" charset="-128"/>
+                <a:ea typeface="MS PMincho" panose="02020600040205080304" pitchFamily="18" charset="-128"/>
+              </a:rPr>
+              <a:t>seqMatcher</a:t>
+            </a:r>
+            <a:r>
+              <a:rPr lang="en-US" sz="2800" dirty="0" smtClean="0">
+                <a:solidFill>
+                  <a:srgbClr val="0066FF"/>
+                </a:solidFill>
+                <a:latin typeface="MS PMincho" panose="02020600040205080304" pitchFamily="18" charset="-128"/>
+                <a:ea typeface="MS PMincho" panose="02020600040205080304" pitchFamily="18" charset="-128"/>
+              </a:rPr>
+              <a:t> </a:t>
+            </a:r>
+            <a:r>
+              <a:rPr lang="en-US" sz="2800" dirty="0">
+                <a:solidFill>
+                  <a:srgbClr val="0066FF"/>
+                </a:solidFill>
+                <a:latin typeface="MS PMincho" panose="02020600040205080304" pitchFamily="18" charset="-128"/>
+                <a:ea typeface="MS PMincho" panose="02020600040205080304" pitchFamily="18" charset="-128"/>
+              </a:rPr>
+              <a:t>= </a:t>
+            </a:r>
+            <a:r>
+              <a:rPr lang="en-US" sz="2800" dirty="0" err="1">
+                <a:solidFill>
+                  <a:srgbClr val="0066FF"/>
+                </a:solidFill>
+                <a:latin typeface="MS PMincho" panose="02020600040205080304" pitchFamily="18" charset="-128"/>
+                <a:ea typeface="MS PMincho" panose="02020600040205080304" pitchFamily="18" charset="-128"/>
+              </a:rPr>
+              <a:t>UnitMatcher</a:t>
+            </a:r>
+            <a:r>
+              <a:rPr lang="en-US" sz="2800" dirty="0">
+                <a:solidFill>
+                  <a:srgbClr val="0066FF"/>
+                </a:solidFill>
+                <a:latin typeface="MS PMincho" panose="02020600040205080304" pitchFamily="18" charset="-128"/>
+                <a:ea typeface="MS PMincho" panose="02020600040205080304" pitchFamily="18" charset="-128"/>
+              </a:rPr>
+              <a:t>(”DE-LEVEL”) </a:t>
+            </a:r>
+            <a:r>
+              <a:rPr lang="en-US" sz="2800" dirty="0" smtClean="0">
+                <a:solidFill>
+                  <a:srgbClr val="0066FF"/>
+                </a:solidFill>
+                <a:latin typeface="MS PMincho" panose="02020600040205080304" pitchFamily="18" charset="-128"/>
+                <a:ea typeface="MS PMincho" panose="02020600040205080304" pitchFamily="18" charset="-128"/>
+              </a:rPr>
+              <a:t>+ </a:t>
+            </a:r>
+            <a:r>
+              <a:rPr lang="en-US" sz="2800" dirty="0" err="1" smtClean="0">
+                <a:solidFill>
+                  <a:srgbClr val="0066FF"/>
+                </a:solidFill>
+                <a:latin typeface="MS PMincho" panose="02020600040205080304" pitchFamily="18" charset="-128"/>
+                <a:ea typeface="MS PMincho" panose="02020600040205080304" pitchFamily="18" charset="-128"/>
+              </a:rPr>
+              <a:t>UnitMatcher</a:t>
+            </a:r>
+            <a:r>
+              <a:rPr lang="en-US" sz="2800" dirty="0">
+                <a:solidFill>
+                  <a:srgbClr val="0066FF"/>
+                </a:solidFill>
+                <a:latin typeface="MS PMincho" panose="02020600040205080304" pitchFamily="18" charset="-128"/>
+                <a:ea typeface="MS PMincho" panose="02020600040205080304" pitchFamily="18" charset="-128"/>
+              </a:rPr>
+              <a:t>(”DEGREE”) </a:t>
+            </a:r>
+            <a:r>
+              <a:rPr lang="en-US" sz="2800" dirty="0" smtClean="0">
+                <a:solidFill>
+                  <a:srgbClr val="0066FF"/>
+                </a:solidFill>
+                <a:latin typeface="MS PMincho" panose="02020600040205080304" pitchFamily="18" charset="-128"/>
+                <a:ea typeface="MS PMincho" panose="02020600040205080304" pitchFamily="18" charset="-128"/>
+              </a:rPr>
+              <a:t>+ ( </a:t>
+            </a:r>
+            <a:r>
+              <a:rPr lang="en-US" sz="2800" dirty="0" err="1">
+                <a:solidFill>
+                  <a:srgbClr val="0066FF"/>
+                </a:solidFill>
+                <a:latin typeface="MS PMincho" panose="02020600040205080304" pitchFamily="18" charset="-128"/>
+                <a:ea typeface="MS PMincho" panose="02020600040205080304" pitchFamily="18" charset="-128"/>
+              </a:rPr>
+              <a:t>UnitMatcher</a:t>
+            </a:r>
+            <a:r>
+              <a:rPr lang="en-US" sz="2800" dirty="0">
+                <a:solidFill>
+                  <a:srgbClr val="0066FF"/>
+                </a:solidFill>
+                <a:latin typeface="MS PMincho" panose="02020600040205080304" pitchFamily="18" charset="-128"/>
+                <a:ea typeface="MS PMincho" panose="02020600040205080304" pitchFamily="18" charset="-128"/>
+              </a:rPr>
+              <a:t>(”IN”) | </a:t>
+            </a:r>
+            <a:r>
+              <a:rPr lang="en-US" sz="2800" dirty="0" err="1">
+                <a:solidFill>
+                  <a:srgbClr val="0066FF"/>
+                </a:solidFill>
+                <a:latin typeface="MS PMincho" panose="02020600040205080304" pitchFamily="18" charset="-128"/>
+                <a:ea typeface="MS PMincho" panose="02020600040205080304" pitchFamily="18" charset="-128"/>
+              </a:rPr>
+              <a:t>UnitMatcher</a:t>
+            </a:r>
+            <a:r>
+              <a:rPr lang="en-US" sz="2800" dirty="0">
+                <a:solidFill>
+                  <a:srgbClr val="0066FF"/>
+                </a:solidFill>
+                <a:latin typeface="MS PMincho" panose="02020600040205080304" pitchFamily="18" charset="-128"/>
+                <a:ea typeface="MS PMincho" panose="02020600040205080304" pitchFamily="18" charset="-128"/>
+              </a:rPr>
+              <a:t>(”OF” ) ) + </a:t>
+            </a:r>
+            <a:r>
+              <a:rPr lang="en-US" sz="2800" dirty="0" err="1">
+                <a:solidFill>
+                  <a:srgbClr val="0066FF"/>
+                </a:solidFill>
+                <a:latin typeface="MS PMincho" panose="02020600040205080304" pitchFamily="18" charset="-128"/>
+                <a:ea typeface="MS PMincho" panose="02020600040205080304" pitchFamily="18" charset="-128"/>
+              </a:rPr>
+              <a:t>UnitMatcher</a:t>
+            </a:r>
+            <a:r>
+              <a:rPr lang="en-US" sz="2800" dirty="0">
+                <a:solidFill>
+                  <a:srgbClr val="0066FF"/>
+                </a:solidFill>
+                <a:latin typeface="MS PMincho" panose="02020600040205080304" pitchFamily="18" charset="-128"/>
+                <a:ea typeface="MS PMincho" panose="02020600040205080304" pitchFamily="18" charset="-128"/>
+              </a:rPr>
+              <a:t>(”MAJOR”)</a:t>
+            </a:r>
           </a:p>
         </p:txBody>
       </p:sp>
@@ -16732,25 +16587,36 @@
         </p:nvSpPr>
         <p:spPr>
           <a:xfrm>
-            <a:off x="457200" y="609600"/>
-            <a:ext cx="8075613" cy="994172"/>
+            <a:off x="315766" y="457200"/>
+            <a:ext cx="8610600" cy="994172"/>
           </a:xfrm>
         </p:spPr>
         <p:txBody>
-          <a:bodyPr/>
+          <a:bodyPr>
+            <a:normAutofit/>
+          </a:bodyPr>
           <a:lstStyle/>
           <a:p>
             <a:r>
+              <a:rPr lang="en-US" dirty="0" smtClean="0"/>
+              <a:t>Connected </a:t>
+            </a:r>
+            <a:r>
               <a:rPr lang="en-US" dirty="0"/>
-              <a:t>Find Terms in Job Descriptions </a:t>
-            </a:r>
+              <a:t>by </a:t>
+            </a:r>
+            <a:r>
+              <a:rPr lang="en-US" dirty="0" smtClean="0"/>
+              <a:t>Algebra Operators</a:t>
+            </a:r>
+            <a:endParaRPr lang="en-US" dirty="0"/>
           </a:p>
         </p:txBody>
       </p:sp>
     </p:spTree>
     <p:extLst>
       <p:ext uri="{BB962C8B-B14F-4D97-AF65-F5344CB8AC3E}">
-        <p14:creationId xmlns:p14="http://schemas.microsoft.com/office/powerpoint/2010/main" val="2752140381"/>
+        <p14:creationId xmlns:p14="http://schemas.microsoft.com/office/powerpoint/2010/main" val="3088075092"/>
       </p:ext>
     </p:extLst>
   </p:cSld>
@@ -16794,6 +16660,944 @@
       </p:grpSpPr>
       <p:sp>
         <p:nvSpPr>
+          <p:cNvPr id="3" name="Title 2"/>
+          <p:cNvSpPr>
+            <a:spLocks noGrp="1"/>
+          </p:cNvSpPr>
+          <p:nvPr>
+            <p:ph type="title"/>
+          </p:nvPr>
+        </p:nvSpPr>
+        <p:spPr>
+          <a:xfrm>
+            <a:off x="304800" y="533400"/>
+            <a:ext cx="7905750" cy="994172"/>
+          </a:xfrm>
+        </p:spPr>
+        <p:txBody>
+          <a:bodyPr>
+            <a:normAutofit/>
+          </a:bodyPr>
+          <a:lstStyle/>
+          <a:p>
+            <a:r>
+              <a:rPr lang="en-US" dirty="0"/>
+              <a:t>OO </a:t>
+            </a:r>
+            <a:r>
+              <a:rPr lang="en-US" dirty="0" smtClean="0"/>
+              <a:t>Programming Style</a:t>
+            </a:r>
+            <a:endParaRPr lang="en-US" dirty="0"/>
+          </a:p>
+        </p:txBody>
+      </p:sp>
+      <p:sp>
+        <p:nvSpPr>
+          <p:cNvPr id="2" name="Content Placeholder 1"/>
+          <p:cNvSpPr>
+            <a:spLocks noGrp="1"/>
+          </p:cNvSpPr>
+          <p:nvPr>
+            <p:ph idx="1"/>
+          </p:nvPr>
+        </p:nvSpPr>
+        <p:spPr>
+          <a:xfrm>
+            <a:off x="457200" y="1915606"/>
+            <a:ext cx="8439151" cy="4479131"/>
+          </a:xfrm>
+        </p:spPr>
+        <p:txBody>
+          <a:bodyPr>
+            <a:noAutofit/>
+          </a:bodyPr>
+          <a:lstStyle/>
+          <a:p>
+            <a:r>
+              <a:rPr lang="en-US" sz="2400" dirty="0" smtClean="0">
+                <a:solidFill>
+                  <a:schemeClr val="tx1"/>
+                </a:solidFill>
+              </a:rPr>
+              <a:t>Pattern: </a:t>
+            </a:r>
+            <a:r>
+              <a:rPr lang="en-US" sz="2400" dirty="0">
+                <a:solidFill>
+                  <a:schemeClr val="tx1"/>
+                </a:solidFill>
+              </a:rPr>
+              <a:t>”DE-LEVEL DEGREE (IN | OF) MAJOR”</a:t>
+            </a:r>
+          </a:p>
+          <a:p>
+            <a:r>
+              <a:rPr lang="en-US" sz="2400" dirty="0" smtClean="0">
+                <a:solidFill>
+                  <a:schemeClr val="tx1"/>
+                </a:solidFill>
+              </a:rPr>
+              <a:t> </a:t>
+            </a:r>
+            <a:endParaRPr lang="en-US" sz="2400" dirty="0">
+              <a:solidFill>
+                <a:schemeClr val="tx1"/>
+              </a:solidFill>
+            </a:endParaRPr>
+          </a:p>
+          <a:p>
+            <a:r>
+              <a:rPr lang="en-US" sz="2400" dirty="0">
+                <a:solidFill>
+                  <a:srgbClr val="0066FF"/>
+                </a:solidFill>
+                <a:latin typeface="MS PMincho" panose="02020600040205080304" pitchFamily="18" charset="-128"/>
+                <a:ea typeface="MS PMincho" panose="02020600040205080304" pitchFamily="18" charset="-128"/>
+              </a:rPr>
+              <a:t>matcher1 = </a:t>
+            </a:r>
+            <a:r>
+              <a:rPr lang="en-US" sz="2400" dirty="0" err="1">
+                <a:solidFill>
+                  <a:srgbClr val="0066FF"/>
+                </a:solidFill>
+                <a:latin typeface="MS PMincho" panose="02020600040205080304" pitchFamily="18" charset="-128"/>
+                <a:ea typeface="MS PMincho" panose="02020600040205080304" pitchFamily="18" charset="-128"/>
+              </a:rPr>
+              <a:t>UnitMatcher</a:t>
+            </a:r>
+            <a:r>
+              <a:rPr lang="en-US" sz="2400" dirty="0">
+                <a:solidFill>
+                  <a:srgbClr val="0066FF"/>
+                </a:solidFill>
+                <a:latin typeface="MS PMincho" panose="02020600040205080304" pitchFamily="18" charset="-128"/>
+                <a:ea typeface="MS PMincho" panose="02020600040205080304" pitchFamily="18" charset="-128"/>
+              </a:rPr>
+              <a:t>(”DE-LEVEL”)</a:t>
+            </a:r>
+          </a:p>
+          <a:p>
+            <a:r>
+              <a:rPr lang="en-US" sz="2400" dirty="0">
+                <a:solidFill>
+                  <a:srgbClr val="0066FF"/>
+                </a:solidFill>
+                <a:latin typeface="MS PMincho" panose="02020600040205080304" pitchFamily="18" charset="-128"/>
+                <a:ea typeface="MS PMincho" panose="02020600040205080304" pitchFamily="18" charset="-128"/>
+              </a:rPr>
+              <a:t>matcher2 = </a:t>
+            </a:r>
+            <a:r>
+              <a:rPr lang="en-US" sz="2400" dirty="0" err="1">
+                <a:solidFill>
+                  <a:srgbClr val="0066FF"/>
+                </a:solidFill>
+                <a:latin typeface="MS PMincho" panose="02020600040205080304" pitchFamily="18" charset="-128"/>
+                <a:ea typeface="MS PMincho" panose="02020600040205080304" pitchFamily="18" charset="-128"/>
+              </a:rPr>
+              <a:t>UnitMatcher</a:t>
+            </a:r>
+            <a:r>
+              <a:rPr lang="en-US" sz="2400" dirty="0">
+                <a:solidFill>
+                  <a:srgbClr val="0066FF"/>
+                </a:solidFill>
+                <a:latin typeface="MS PMincho" panose="02020600040205080304" pitchFamily="18" charset="-128"/>
+                <a:ea typeface="MS PMincho" panose="02020600040205080304" pitchFamily="18" charset="-128"/>
+              </a:rPr>
+              <a:t>(”DEGREE”)</a:t>
+            </a:r>
+          </a:p>
+          <a:p>
+            <a:r>
+              <a:rPr lang="en-US" sz="2400" dirty="0">
+                <a:solidFill>
+                  <a:srgbClr val="0066FF"/>
+                </a:solidFill>
+                <a:latin typeface="MS PMincho" panose="02020600040205080304" pitchFamily="18" charset="-128"/>
+                <a:ea typeface="MS PMincho" panose="02020600040205080304" pitchFamily="18" charset="-128"/>
+              </a:rPr>
+              <a:t>matcher3 = </a:t>
+            </a:r>
+            <a:r>
+              <a:rPr lang="en-US" sz="2400" dirty="0" err="1">
+                <a:solidFill>
+                  <a:srgbClr val="0066FF"/>
+                </a:solidFill>
+                <a:latin typeface="MS PMincho" panose="02020600040205080304" pitchFamily="18" charset="-128"/>
+                <a:ea typeface="MS PMincho" panose="02020600040205080304" pitchFamily="18" charset="-128"/>
+              </a:rPr>
+              <a:t>UnitMatcher</a:t>
+            </a:r>
+            <a:r>
+              <a:rPr lang="en-US" sz="2400" dirty="0">
+                <a:solidFill>
+                  <a:srgbClr val="0066FF"/>
+                </a:solidFill>
+                <a:latin typeface="MS PMincho" panose="02020600040205080304" pitchFamily="18" charset="-128"/>
+                <a:ea typeface="MS PMincho" panose="02020600040205080304" pitchFamily="18" charset="-128"/>
+              </a:rPr>
+              <a:t>(”IN”)</a:t>
+            </a:r>
+          </a:p>
+          <a:p>
+            <a:r>
+              <a:rPr lang="en-US" sz="2400" dirty="0">
+                <a:solidFill>
+                  <a:srgbClr val="0066FF"/>
+                </a:solidFill>
+                <a:latin typeface="MS PMincho" panose="02020600040205080304" pitchFamily="18" charset="-128"/>
+                <a:ea typeface="MS PMincho" panose="02020600040205080304" pitchFamily="18" charset="-128"/>
+              </a:rPr>
+              <a:t>matcher4 = </a:t>
+            </a:r>
+            <a:r>
+              <a:rPr lang="en-US" sz="2400" dirty="0" err="1">
+                <a:solidFill>
+                  <a:srgbClr val="0066FF"/>
+                </a:solidFill>
+                <a:latin typeface="MS PMincho" panose="02020600040205080304" pitchFamily="18" charset="-128"/>
+                <a:ea typeface="MS PMincho" panose="02020600040205080304" pitchFamily="18" charset="-128"/>
+              </a:rPr>
+              <a:t>UnitMatcher</a:t>
+            </a:r>
+            <a:r>
+              <a:rPr lang="en-US" sz="2400" dirty="0">
+                <a:solidFill>
+                  <a:srgbClr val="0066FF"/>
+                </a:solidFill>
+                <a:latin typeface="MS PMincho" panose="02020600040205080304" pitchFamily="18" charset="-128"/>
+                <a:ea typeface="MS PMincho" panose="02020600040205080304" pitchFamily="18" charset="-128"/>
+              </a:rPr>
+              <a:t>(”OF”)</a:t>
+            </a:r>
+          </a:p>
+          <a:p>
+            <a:r>
+              <a:rPr lang="en-US" sz="2400" dirty="0">
+                <a:solidFill>
+                  <a:srgbClr val="0066FF"/>
+                </a:solidFill>
+                <a:latin typeface="MS PMincho" panose="02020600040205080304" pitchFamily="18" charset="-128"/>
+                <a:ea typeface="MS PMincho" panose="02020600040205080304" pitchFamily="18" charset="-128"/>
+              </a:rPr>
+              <a:t>matcher5 = </a:t>
+            </a:r>
+            <a:r>
+              <a:rPr lang="en-US" sz="2400" dirty="0" err="1">
+                <a:solidFill>
+                  <a:srgbClr val="0066FF"/>
+                </a:solidFill>
+                <a:latin typeface="MS PMincho" panose="02020600040205080304" pitchFamily="18" charset="-128"/>
+                <a:ea typeface="MS PMincho" panose="02020600040205080304" pitchFamily="18" charset="-128"/>
+              </a:rPr>
+              <a:t>UnitMatcher</a:t>
+            </a:r>
+            <a:r>
+              <a:rPr lang="en-US" sz="2400" dirty="0">
+                <a:solidFill>
+                  <a:srgbClr val="0066FF"/>
+                </a:solidFill>
+                <a:latin typeface="MS PMincho" panose="02020600040205080304" pitchFamily="18" charset="-128"/>
+                <a:ea typeface="MS PMincho" panose="02020600040205080304" pitchFamily="18" charset="-128"/>
+              </a:rPr>
+              <a:t>(”MAJOR”)</a:t>
+            </a:r>
+          </a:p>
+          <a:p>
+            <a:r>
+              <a:rPr lang="en-US" sz="2400" dirty="0">
+                <a:solidFill>
+                  <a:srgbClr val="0066FF"/>
+                </a:solidFill>
+                <a:latin typeface="MS PMincho" panose="02020600040205080304" pitchFamily="18" charset="-128"/>
+                <a:ea typeface="MS PMincho" panose="02020600040205080304" pitchFamily="18" charset="-128"/>
+              </a:rPr>
+              <a:t>matcher6 = </a:t>
+            </a:r>
+            <a:r>
+              <a:rPr lang="en-US" sz="2400" dirty="0" err="1">
+                <a:solidFill>
+                  <a:srgbClr val="0066FF"/>
+                </a:solidFill>
+                <a:latin typeface="MS PMincho" panose="02020600040205080304" pitchFamily="18" charset="-128"/>
+                <a:ea typeface="MS PMincho" panose="02020600040205080304" pitchFamily="18" charset="-128"/>
+              </a:rPr>
+              <a:t>AlternateMatcher</a:t>
+            </a:r>
+            <a:r>
+              <a:rPr lang="en-US" sz="2400" dirty="0">
+                <a:solidFill>
+                  <a:srgbClr val="0066FF"/>
+                </a:solidFill>
+                <a:latin typeface="MS PMincho" panose="02020600040205080304" pitchFamily="18" charset="-128"/>
+                <a:ea typeface="MS PMincho" panose="02020600040205080304" pitchFamily="18" charset="-128"/>
+              </a:rPr>
+              <a:t>([matcher3,matcher4])</a:t>
+            </a:r>
+          </a:p>
+          <a:p>
+            <a:r>
+              <a:rPr lang="en-US" sz="2400" dirty="0" err="1">
+                <a:solidFill>
+                  <a:srgbClr val="0066FF"/>
+                </a:solidFill>
+                <a:latin typeface="MS PMincho" panose="02020600040205080304" pitchFamily="18" charset="-128"/>
+                <a:ea typeface="MS PMincho" panose="02020600040205080304" pitchFamily="18" charset="-128"/>
+              </a:rPr>
+              <a:t>seqMatcher</a:t>
+            </a:r>
+            <a:r>
+              <a:rPr lang="en-US" sz="2400" dirty="0">
+                <a:solidFill>
+                  <a:srgbClr val="0066FF"/>
+                </a:solidFill>
+                <a:latin typeface="MS PMincho" panose="02020600040205080304" pitchFamily="18" charset="-128"/>
+                <a:ea typeface="MS PMincho" panose="02020600040205080304" pitchFamily="18" charset="-128"/>
+              </a:rPr>
+              <a:t> = </a:t>
+            </a:r>
+            <a:r>
+              <a:rPr lang="en-US" sz="2400" dirty="0" err="1">
+                <a:solidFill>
+                  <a:srgbClr val="0066FF"/>
+                </a:solidFill>
+                <a:latin typeface="MS PMincho" panose="02020600040205080304" pitchFamily="18" charset="-128"/>
+                <a:ea typeface="MS PMincho" panose="02020600040205080304" pitchFamily="18" charset="-128"/>
+              </a:rPr>
+              <a:t>SeqMatcher</a:t>
+            </a:r>
+            <a:r>
+              <a:rPr lang="en-US" sz="2400" dirty="0">
+                <a:solidFill>
+                  <a:srgbClr val="0066FF"/>
+                </a:solidFill>
+                <a:latin typeface="MS PMincho" panose="02020600040205080304" pitchFamily="18" charset="-128"/>
+                <a:ea typeface="MS PMincho" panose="02020600040205080304" pitchFamily="18" charset="-128"/>
+              </a:rPr>
+              <a:t>([matcher1, matcher2, matcher6, matcher5])</a:t>
+            </a:r>
+          </a:p>
+        </p:txBody>
+      </p:sp>
+    </p:spTree>
+    <p:extLst>
+      <p:ext uri="{BB962C8B-B14F-4D97-AF65-F5344CB8AC3E}">
+        <p14:creationId xmlns:p14="http://schemas.microsoft.com/office/powerpoint/2010/main" val="3121883632"/>
+      </p:ext>
+    </p:extLst>
+  </p:cSld>
+  <p:clrMapOvr>
+    <a:masterClrMapping/>
+  </p:clrMapOvr>
+  <mc:AlternateContent xmlns:mc="http://schemas.openxmlformats.org/markup-compatibility/2006" xmlns:p14="http://schemas.microsoft.com/office/powerpoint/2010/main">
+    <mc:Choice Requires="p14">
+      <p:transition spd="slow" p14:dur="2000"/>
+    </mc:Choice>
+    <mc:Fallback xmlns="">
+      <p:transition spd="slow"/>
+    </mc:Fallback>
+  </mc:AlternateContent>
+  <p:timing>
+    <p:tnLst>
+      <p:par>
+        <p:cTn id="1" dur="indefinite" restart="never" nodeType="tmRoot"/>
+      </p:par>
+    </p:tnLst>
+  </p:timing>
+</p:sld>
+</file>
+
+<file path=ppt/slides/slide45.xml><?xml version="1.0" encoding="utf-8"?>
+<p:sld xmlns:a="http://schemas.openxmlformats.org/drawingml/2006/main" xmlns:r="http://schemas.openxmlformats.org/officeDocument/2006/relationships" xmlns:p="http://schemas.openxmlformats.org/presentationml/2006/main">
+  <p:cSld>
+    <p:spTree>
+      <p:nvGrpSpPr>
+        <p:cNvPr id="1" name=""/>
+        <p:cNvGrpSpPr/>
+        <p:nvPr/>
+      </p:nvGrpSpPr>
+      <p:grpSpPr>
+        <a:xfrm>
+          <a:off x="0" y="0"/>
+          <a:ext cx="0" cy="0"/>
+          <a:chOff x="0" y="0"/>
+          <a:chExt cx="0" cy="0"/>
+        </a:xfrm>
+      </p:grpSpPr>
+      <p:sp>
+        <p:nvSpPr>
+          <p:cNvPr id="3" name="Title 2"/>
+          <p:cNvSpPr>
+            <a:spLocks noGrp="1"/>
+          </p:cNvSpPr>
+          <p:nvPr>
+            <p:ph type="title"/>
+          </p:nvPr>
+        </p:nvSpPr>
+        <p:spPr>
+          <a:xfrm>
+            <a:off x="448456" y="457200"/>
+            <a:ext cx="7905750" cy="994172"/>
+          </a:xfrm>
+        </p:spPr>
+        <p:txBody>
+          <a:bodyPr>
+            <a:normAutofit/>
+          </a:bodyPr>
+          <a:lstStyle/>
+          <a:p>
+            <a:r>
+              <a:rPr lang="en-US" dirty="0"/>
+              <a:t>Simplicity   </a:t>
+            </a:r>
+            <a:endParaRPr lang="en-US" dirty="0">
+              <a:solidFill>
+                <a:schemeClr val="bg2">
+                  <a:lumMod val="75000"/>
+                </a:schemeClr>
+              </a:solidFill>
+            </a:endParaRPr>
+          </a:p>
+        </p:txBody>
+      </p:sp>
+      <p:sp>
+        <p:nvSpPr>
+          <p:cNvPr id="2" name="Content Placeholder 1"/>
+          <p:cNvSpPr>
+            <a:spLocks noGrp="1"/>
+          </p:cNvSpPr>
+          <p:nvPr>
+            <p:ph idx="1"/>
+          </p:nvPr>
+        </p:nvSpPr>
+        <p:spPr>
+          <a:xfrm>
+            <a:off x="457200" y="1915606"/>
+            <a:ext cx="8439151" cy="4479131"/>
+          </a:xfrm>
+        </p:spPr>
+        <p:txBody>
+          <a:bodyPr>
+            <a:noAutofit/>
+          </a:bodyPr>
+          <a:lstStyle/>
+          <a:p>
+            <a:pPr>
+              <a:buClr>
+                <a:srgbClr val="C00000"/>
+              </a:buClr>
+              <a:buFont typeface="Wingdings" panose="05000000000000000000" pitchFamily="2" charset="2"/>
+              <a:buChar char="v"/>
+            </a:pPr>
+            <a:r>
+              <a:rPr lang="en-US" sz="2800" dirty="0" smtClean="0">
+                <a:solidFill>
+                  <a:schemeClr val="tx1"/>
+                </a:solidFill>
+              </a:rPr>
+              <a:t>Easy </a:t>
+            </a:r>
+            <a:r>
+              <a:rPr lang="en-US" sz="2800" dirty="0">
+                <a:solidFill>
+                  <a:schemeClr val="tx1"/>
+                </a:solidFill>
+              </a:rPr>
+              <a:t>to </a:t>
+            </a:r>
+            <a:r>
+              <a:rPr lang="en-US" sz="2800" dirty="0" smtClean="0">
+                <a:solidFill>
+                  <a:schemeClr val="tx1"/>
+                </a:solidFill>
+              </a:rPr>
+              <a:t>implement</a:t>
+            </a:r>
+          </a:p>
+          <a:p>
+            <a:pPr>
+              <a:buClr>
+                <a:srgbClr val="C00000"/>
+              </a:buClr>
+              <a:buFont typeface="Wingdings" panose="05000000000000000000" pitchFamily="2" charset="2"/>
+              <a:buChar char="v"/>
+            </a:pPr>
+            <a:r>
+              <a:rPr lang="en-US" sz="2800" dirty="0" smtClean="0">
+                <a:solidFill>
+                  <a:schemeClr val="tx1"/>
+                </a:solidFill>
+              </a:rPr>
+              <a:t>The </a:t>
+            </a:r>
+            <a:r>
+              <a:rPr lang="en-US" sz="2800" dirty="0">
+                <a:solidFill>
+                  <a:schemeClr val="tx1"/>
+                </a:solidFill>
+              </a:rPr>
+              <a:t>accuracy </a:t>
+            </a:r>
+            <a:r>
+              <a:rPr lang="en-US" sz="2800" dirty="0" smtClean="0">
+                <a:solidFill>
+                  <a:schemeClr val="tx1"/>
+                </a:solidFill>
+              </a:rPr>
+              <a:t>increase</a:t>
+            </a:r>
+            <a:r>
+              <a:rPr lang="en-US" altLang="zh-CN" sz="2800" dirty="0" smtClean="0">
+                <a:solidFill>
+                  <a:schemeClr val="tx1"/>
+                </a:solidFill>
+              </a:rPr>
+              <a:t>s</a:t>
+            </a:r>
+            <a:r>
+              <a:rPr lang="en-US" sz="2800" dirty="0" smtClean="0">
+                <a:solidFill>
+                  <a:schemeClr val="tx1"/>
+                </a:solidFill>
+              </a:rPr>
+              <a:t> as the number of patterns increases</a:t>
+            </a:r>
+          </a:p>
+          <a:p>
+            <a:pPr>
+              <a:buClr>
+                <a:srgbClr val="C00000"/>
+              </a:buClr>
+              <a:buFont typeface="Wingdings" panose="05000000000000000000" pitchFamily="2" charset="2"/>
+              <a:buChar char="v"/>
+            </a:pPr>
+            <a:r>
+              <a:rPr lang="en-US" sz="2800" dirty="0" smtClean="0">
+                <a:solidFill>
+                  <a:schemeClr val="tx1"/>
+                </a:solidFill>
+              </a:rPr>
+              <a:t>Faster   </a:t>
+            </a:r>
+          </a:p>
+          <a:p>
+            <a:pPr marL="857250" lvl="1" indent="-457200">
+              <a:buClr>
+                <a:srgbClr val="C00000"/>
+              </a:buClr>
+              <a:buFont typeface="Arial" panose="020B0604020202020204" pitchFamily="34" charset="0"/>
+              <a:buChar char="•"/>
+            </a:pPr>
+            <a:r>
+              <a:rPr lang="en-US" sz="2400" dirty="0" smtClean="0">
+                <a:solidFill>
+                  <a:schemeClr val="tx1"/>
+                </a:solidFill>
+              </a:rPr>
+              <a:t>Time Complexity   O(n)  </a:t>
+            </a:r>
+          </a:p>
+          <a:p>
+            <a:pPr marL="857250" lvl="1" indent="-457200">
+              <a:buClr>
+                <a:srgbClr val="C00000"/>
+              </a:buClr>
+              <a:buFont typeface="Arial" panose="020B0604020202020204" pitchFamily="34" charset="0"/>
+              <a:buChar char="•"/>
+            </a:pPr>
+            <a:r>
+              <a:rPr lang="en-US" sz="2400" dirty="0" smtClean="0">
+                <a:solidFill>
+                  <a:schemeClr val="tx1"/>
+                </a:solidFill>
+              </a:rPr>
+              <a:t>Conditional </a:t>
+            </a:r>
+            <a:r>
+              <a:rPr lang="en-US" sz="2400" dirty="0">
+                <a:solidFill>
+                  <a:schemeClr val="tx1"/>
+                </a:solidFill>
+              </a:rPr>
+              <a:t>Random Fields(CRFs</a:t>
+            </a:r>
+            <a:r>
+              <a:rPr lang="en-US" sz="2400" dirty="0" smtClean="0">
+                <a:solidFill>
+                  <a:schemeClr val="tx1"/>
+                </a:solidFill>
+              </a:rPr>
+              <a:t>), </a:t>
+            </a:r>
+            <a:r>
+              <a:rPr lang="en-US" sz="2400" dirty="0">
+                <a:solidFill>
+                  <a:schemeClr val="tx1"/>
+                </a:solidFill>
+              </a:rPr>
+              <a:t>using </a:t>
+            </a:r>
+            <a:r>
+              <a:rPr lang="en-US" sz="2400" dirty="0" smtClean="0">
+                <a:solidFill>
+                  <a:schemeClr val="tx1"/>
+                </a:solidFill>
+              </a:rPr>
+              <a:t>Viterbi </a:t>
+            </a:r>
+            <a:r>
+              <a:rPr lang="en-US" sz="2400" dirty="0">
+                <a:solidFill>
+                  <a:schemeClr val="tx1"/>
+                </a:solidFill>
+              </a:rPr>
+              <a:t>algorithm </a:t>
+            </a:r>
+            <a:r>
+              <a:rPr lang="en-US" sz="2400" dirty="0" smtClean="0">
+                <a:solidFill>
+                  <a:schemeClr val="tx1"/>
+                </a:solidFill>
+              </a:rPr>
+              <a:t>O(</a:t>
+            </a:r>
+            <a:r>
+              <a:rPr lang="en-US" sz="2400" dirty="0"/>
+              <a:t>n</a:t>
+            </a:r>
+            <a:r>
+              <a:rPr lang="en-US" sz="2400" baseline="30000" dirty="0" smtClean="0"/>
+              <a:t>2</a:t>
+            </a:r>
+            <a:r>
+              <a:rPr lang="en-US" sz="2400" dirty="0" smtClean="0">
+                <a:solidFill>
+                  <a:schemeClr val="tx1"/>
+                </a:solidFill>
+              </a:rPr>
+              <a:t>t)</a:t>
+            </a:r>
+          </a:p>
+          <a:p>
+            <a:pPr lvl="1">
+              <a:buFont typeface="Arial" panose="020B0604020202020204" pitchFamily="34" charset="0"/>
+              <a:buChar char="•"/>
+            </a:pPr>
+            <a:endParaRPr lang="en-US" sz="2400" dirty="0">
+              <a:solidFill>
+                <a:schemeClr val="tx1"/>
+              </a:solidFill>
+            </a:endParaRPr>
+          </a:p>
+        </p:txBody>
+      </p:sp>
+    </p:spTree>
+    <p:extLst>
+      <p:ext uri="{BB962C8B-B14F-4D97-AF65-F5344CB8AC3E}">
+        <p14:creationId xmlns:p14="http://schemas.microsoft.com/office/powerpoint/2010/main" val="3743414035"/>
+      </p:ext>
+    </p:extLst>
+  </p:cSld>
+  <p:clrMapOvr>
+    <a:masterClrMapping/>
+  </p:clrMapOvr>
+  <mc:AlternateContent xmlns:mc="http://schemas.openxmlformats.org/markup-compatibility/2006" xmlns:p14="http://schemas.microsoft.com/office/powerpoint/2010/main">
+    <mc:Choice Requires="p14">
+      <p:transition spd="slow" p14:dur="2000"/>
+    </mc:Choice>
+    <mc:Fallback xmlns="">
+      <p:transition spd="slow"/>
+    </mc:Fallback>
+  </mc:AlternateContent>
+  <p:timing>
+    <p:tnLst>
+      <p:par>
+        <p:cTn id="1" dur="indefinite" restart="never" nodeType="tmRoot"/>
+      </p:par>
+    </p:tnLst>
+  </p:timing>
+</p:sld>
+</file>
+
+<file path=ppt/slides/slide46.xml><?xml version="1.0" encoding="utf-8"?>
+<p:sld xmlns:a="http://schemas.openxmlformats.org/drawingml/2006/main" xmlns:r="http://schemas.openxmlformats.org/officeDocument/2006/relationships" xmlns:p="http://schemas.openxmlformats.org/presentationml/2006/main">
+  <p:cSld>
+    <p:spTree>
+      <p:nvGrpSpPr>
+        <p:cNvPr id="1" name=""/>
+        <p:cNvGrpSpPr/>
+        <p:nvPr/>
+      </p:nvGrpSpPr>
+      <p:grpSpPr>
+        <a:xfrm>
+          <a:off x="0" y="0"/>
+          <a:ext cx="0" cy="0"/>
+          <a:chOff x="0" y="0"/>
+          <a:chExt cx="0" cy="0"/>
+        </a:xfrm>
+      </p:grpSpPr>
+      <p:sp>
+        <p:nvSpPr>
+          <p:cNvPr id="3" name="Title 2"/>
+          <p:cNvSpPr>
+            <a:spLocks noGrp="1"/>
+          </p:cNvSpPr>
+          <p:nvPr>
+            <p:ph type="title"/>
+          </p:nvPr>
+        </p:nvSpPr>
+        <p:spPr>
+          <a:xfrm>
+            <a:off x="990600" y="2362200"/>
+            <a:ext cx="7343775" cy="2075745"/>
+          </a:xfrm>
+        </p:spPr>
+        <p:txBody>
+          <a:bodyPr>
+            <a:noAutofit/>
+          </a:bodyPr>
+          <a:lstStyle/>
+          <a:p>
+            <a:r>
+              <a:rPr lang="en-US" sz="4800" dirty="0"/>
+              <a:t>Ontology </a:t>
+            </a:r>
+            <a:r>
+              <a:rPr lang="en-US" sz="4800" dirty="0" smtClean="0"/>
+              <a:t>Construction</a:t>
+            </a:r>
+            <a:endParaRPr lang="en-US" sz="4800" dirty="0"/>
+          </a:p>
+        </p:txBody>
+      </p:sp>
+    </p:spTree>
+    <p:extLst>
+      <p:ext uri="{BB962C8B-B14F-4D97-AF65-F5344CB8AC3E}">
+        <p14:creationId xmlns:p14="http://schemas.microsoft.com/office/powerpoint/2010/main" val="2178587432"/>
+      </p:ext>
+    </p:extLst>
+  </p:cSld>
+  <p:clrMapOvr>
+    <a:masterClrMapping/>
+  </p:clrMapOvr>
+  <mc:AlternateContent xmlns:mc="http://schemas.openxmlformats.org/markup-compatibility/2006" xmlns:p14="http://schemas.microsoft.com/office/powerpoint/2010/main">
+    <mc:Choice Requires="p14">
+      <p:transition spd="slow" p14:dur="2000"/>
+    </mc:Choice>
+    <mc:Fallback xmlns="">
+      <p:transition spd="slow"/>
+    </mc:Fallback>
+  </mc:AlternateContent>
+  <p:timing>
+    <p:tnLst>
+      <p:par>
+        <p:cTn id="1" dur="indefinite" restart="never" nodeType="tmRoot"/>
+      </p:par>
+    </p:tnLst>
+  </p:timing>
+</p:sld>
+</file>
+
+<file path=ppt/slides/slide47.xml><?xml version="1.0" encoding="utf-8"?>
+<p:sld xmlns:a="http://schemas.openxmlformats.org/drawingml/2006/main" xmlns:r="http://schemas.openxmlformats.org/officeDocument/2006/relationships" xmlns:p="http://schemas.openxmlformats.org/presentationml/2006/main">
+  <p:cSld>
+    <p:spTree>
+      <p:nvGrpSpPr>
+        <p:cNvPr id="1" name=""/>
+        <p:cNvGrpSpPr/>
+        <p:nvPr/>
+      </p:nvGrpSpPr>
+      <p:grpSpPr>
+        <a:xfrm>
+          <a:off x="0" y="0"/>
+          <a:ext cx="0" cy="0"/>
+          <a:chOff x="0" y="0"/>
+          <a:chExt cx="0" cy="0"/>
+        </a:xfrm>
+      </p:grpSpPr>
+      <p:sp>
+        <p:nvSpPr>
+          <p:cNvPr id="2" name="Content Placeholder 1"/>
+          <p:cNvSpPr>
+            <a:spLocks noGrp="1"/>
+          </p:cNvSpPr>
+          <p:nvPr>
+            <p:ph idx="1"/>
+          </p:nvPr>
+        </p:nvSpPr>
+        <p:spPr>
+          <a:xfrm>
+            <a:off x="609600" y="2133600"/>
+            <a:ext cx="8228013" cy="4191000"/>
+          </a:xfrm>
+        </p:spPr>
+        <p:txBody>
+          <a:bodyPr/>
+          <a:lstStyle/>
+          <a:p>
+            <a:pPr marL="514350" indent="-514350">
+              <a:buClr>
+                <a:srgbClr val="C00000"/>
+              </a:buClr>
+              <a:buFont typeface="+mj-lt"/>
+              <a:buAutoNum type="arabicPeriod"/>
+            </a:pPr>
+            <a:r>
+              <a:rPr lang="en-US" sz="2400" dirty="0" smtClean="0"/>
+              <a:t>A </a:t>
+            </a:r>
+            <a:r>
+              <a:rPr lang="en-US" sz="2400" dirty="0"/>
+              <a:t>high-level language such as Java, Groovy, Ruby or Python; we use Java and Groovy extensively</a:t>
+            </a:r>
+          </a:p>
+          <a:p>
+            <a:pPr marL="457200" indent="-457200">
+              <a:buClr>
+                <a:srgbClr val="C00000"/>
+              </a:buClr>
+              <a:buFont typeface="+mj-lt"/>
+              <a:buAutoNum type="arabicPeriod"/>
+            </a:pPr>
+            <a:endParaRPr lang="en-US" sz="2400" dirty="0"/>
+          </a:p>
+          <a:p>
+            <a:pPr marL="457200" indent="-457200">
+              <a:buClr>
+                <a:srgbClr val="C00000"/>
+              </a:buClr>
+              <a:buFont typeface="+mj-lt"/>
+              <a:buAutoNum type="arabicPeriod"/>
+            </a:pPr>
+            <a:r>
+              <a:rPr lang="en-US" sz="2400" dirty="0"/>
+              <a:t>HTML5/CSS3/JavaScript, web standards, jQuery or frameworks like </a:t>
+            </a:r>
+            <a:r>
+              <a:rPr lang="en-US" sz="2400" dirty="0" err="1"/>
+              <a:t>AngularJS</a:t>
+            </a:r>
+            <a:r>
+              <a:rPr lang="en-US" sz="2400" dirty="0"/>
+              <a:t> would be great</a:t>
+            </a:r>
+          </a:p>
+          <a:p>
+            <a:pPr marL="457200" indent="-457200">
+              <a:buClr>
+                <a:srgbClr val="C00000"/>
+              </a:buClr>
+              <a:buFont typeface="+mj-lt"/>
+              <a:buAutoNum type="arabicPeriod"/>
+            </a:pPr>
+            <a:endParaRPr lang="en-US" sz="2400" dirty="0"/>
+          </a:p>
+          <a:p>
+            <a:pPr marL="457200" indent="-457200">
+              <a:buClr>
+                <a:srgbClr val="C00000"/>
+              </a:buClr>
+              <a:buFont typeface="+mj-lt"/>
+              <a:buAutoNum type="arabicPeriod"/>
+            </a:pPr>
+            <a:r>
+              <a:rPr lang="en-US" sz="2400" dirty="0"/>
+              <a:t>HTML CSS and </a:t>
+            </a:r>
+            <a:r>
+              <a:rPr lang="en-US" sz="2400" dirty="0" err="1"/>
+              <a:t>Javascript</a:t>
+            </a:r>
+            <a:r>
+              <a:rPr lang="en-US" sz="2400" dirty="0"/>
+              <a:t> a must 4. Experience with AJAX, XML, XSL, XSLT, CSS, JavaScript, JQuery, HTML and Web Services</a:t>
+            </a:r>
+          </a:p>
+          <a:p>
+            <a:endParaRPr lang="en-US" dirty="0"/>
+          </a:p>
+          <a:p>
+            <a:endParaRPr lang="en-US" dirty="0"/>
+          </a:p>
+        </p:txBody>
+      </p:sp>
+      <p:sp>
+        <p:nvSpPr>
+          <p:cNvPr id="3" name="Title 2"/>
+          <p:cNvSpPr>
+            <a:spLocks noGrp="1"/>
+          </p:cNvSpPr>
+          <p:nvPr>
+            <p:ph type="title"/>
+          </p:nvPr>
+        </p:nvSpPr>
+        <p:spPr>
+          <a:xfrm>
+            <a:off x="457200" y="609600"/>
+            <a:ext cx="8075613" cy="994172"/>
+          </a:xfrm>
+        </p:spPr>
+        <p:txBody>
+          <a:bodyPr/>
+          <a:lstStyle/>
+          <a:p>
+            <a:r>
+              <a:rPr lang="en-US" dirty="0"/>
+              <a:t>Find Terms in Job Descriptions </a:t>
+            </a:r>
+          </a:p>
+        </p:txBody>
+      </p:sp>
+    </p:spTree>
+    <p:extLst>
+      <p:ext uri="{BB962C8B-B14F-4D97-AF65-F5344CB8AC3E}">
+        <p14:creationId xmlns:p14="http://schemas.microsoft.com/office/powerpoint/2010/main" val="2752140381"/>
+      </p:ext>
+    </p:extLst>
+  </p:cSld>
+  <p:clrMapOvr>
+    <a:masterClrMapping/>
+  </p:clrMapOvr>
+  <mc:AlternateContent xmlns:mc="http://schemas.openxmlformats.org/markup-compatibility/2006" xmlns:p14="http://schemas.microsoft.com/office/powerpoint/2010/main">
+    <mc:Choice Requires="p14">
+      <p:transition spd="slow" p14:dur="2000"/>
+    </mc:Choice>
+    <mc:Fallback xmlns="">
+      <p:transition spd="slow"/>
+    </mc:Fallback>
+  </mc:AlternateContent>
+  <p:timing>
+    <p:tnLst>
+      <p:par>
+        <p:cTn id="1" dur="indefinite" restart="never" nodeType="tmRoot"/>
+      </p:par>
+    </p:tnLst>
+  </p:timing>
+</p:sld>
+</file>
+
+<file path=ppt/slides/slide48.xml><?xml version="1.0" encoding="utf-8"?>
+<p:sld xmlns:a="http://schemas.openxmlformats.org/drawingml/2006/main" xmlns:r="http://schemas.openxmlformats.org/officeDocument/2006/relationships" xmlns:p="http://schemas.openxmlformats.org/presentationml/2006/main">
+  <p:cSld>
+    <p:spTree>
+      <p:nvGrpSpPr>
+        <p:cNvPr id="1" name=""/>
+        <p:cNvGrpSpPr/>
+        <p:nvPr/>
+      </p:nvGrpSpPr>
+      <p:grpSpPr>
+        <a:xfrm>
+          <a:off x="0" y="0"/>
+          <a:ext cx="0" cy="0"/>
+          <a:chOff x="0" y="0"/>
+          <a:chExt cx="0" cy="0"/>
+        </a:xfrm>
+      </p:grpSpPr>
+      <p:sp>
+        <p:nvSpPr>
           <p:cNvPr id="2" name="Content Placeholder 1"/>
           <p:cNvSpPr>
             <a:spLocks noGrp="1"/>
@@ -17083,7 +17887,7 @@
 </p:sld>
 </file>
 
-<file path=ppt/slides/slide45.xml><?xml version="1.0" encoding="utf-8"?>
+<file path=ppt/slides/slide49.xml><?xml version="1.0" encoding="utf-8"?>
 <p:sld xmlns:a="http://schemas.openxmlformats.org/drawingml/2006/main" xmlns:r="http://schemas.openxmlformats.org/officeDocument/2006/relationships" xmlns:p="http://schemas.openxmlformats.org/presentationml/2006/main">
   <p:cSld>
     <p:spTree>
@@ -17129,7 +17933,7 @@
           <a:effectLst/>
           <a:extLst>
             <a:ext uri="{AF507438-7753-43e0-B8FC-AC1667EBCBE1}">
-              <a14:hiddenEffects xmlns="" xmlns:a14="http://schemas.microsoft.com/office/drawing/2010/main">
+              <a14:hiddenEffects xmlns:a14="http://schemas.microsoft.com/office/drawing/2010/main" xmlns="">
                 <a:effectLst>
                   <a:outerShdw blurRad="63500" dist="38099" dir="2700000" algn="ctr" rotWithShape="0">
                     <a:schemeClr val="bg2">
@@ -17269,7 +18073,197 @@
 </p:sld>
 </file>
 
-<file path=ppt/slides/slide46.xml><?xml version="1.0" encoding="utf-8"?>
+<file path=ppt/slides/slide5.xml><?xml version="1.0" encoding="utf-8"?>
+<p:sld xmlns:a="http://schemas.openxmlformats.org/drawingml/2006/main" xmlns:r="http://schemas.openxmlformats.org/officeDocument/2006/relationships" xmlns:p="http://schemas.openxmlformats.org/presentationml/2006/main">
+  <p:cSld>
+    <p:spTree>
+      <p:nvGrpSpPr>
+        <p:cNvPr id="1" name=""/>
+        <p:cNvGrpSpPr/>
+        <p:nvPr/>
+      </p:nvGrpSpPr>
+      <p:grpSpPr>
+        <a:xfrm>
+          <a:off x="0" y="0"/>
+          <a:ext cx="0" cy="0"/>
+          <a:chOff x="0" y="0"/>
+          <a:chExt cx="0" cy="0"/>
+        </a:xfrm>
+      </p:grpSpPr>
+      <p:sp>
+        <p:nvSpPr>
+          <p:cNvPr id="2" name="Content Placeholder 1"/>
+          <p:cNvSpPr>
+            <a:spLocks noGrp="1"/>
+          </p:cNvSpPr>
+          <p:nvPr>
+            <p:ph idx="1"/>
+          </p:nvPr>
+        </p:nvSpPr>
+        <p:spPr>
+          <a:xfrm>
+            <a:off x="457200" y="2057400"/>
+            <a:ext cx="8228013" cy="3886200"/>
+          </a:xfrm>
+        </p:spPr>
+        <p:txBody>
+          <a:bodyPr/>
+          <a:lstStyle/>
+          <a:p>
+            <a:pPr marL="457200" indent="-457200">
+              <a:buClr>
+                <a:srgbClr val="C00000"/>
+              </a:buClr>
+              <a:buFont typeface="Wingdings" panose="05000000000000000000" pitchFamily="2" charset="2"/>
+              <a:buChar char="v"/>
+            </a:pPr>
+            <a:r>
+              <a:rPr lang="en-US" sz="2800" dirty="0" smtClean="0"/>
+              <a:t>The résumé has the most personal information </a:t>
+            </a:r>
+          </a:p>
+          <a:p>
+            <a:pPr marL="800100" lvl="1" indent="-342900">
+              <a:buClr>
+                <a:srgbClr val="C00000"/>
+              </a:buClr>
+              <a:buFont typeface="Arial" panose="020B0604020202020204" pitchFamily="34" charset="0"/>
+              <a:buChar char="•"/>
+            </a:pPr>
+            <a:r>
+              <a:rPr lang="en-US" sz="2400" dirty="0" smtClean="0"/>
+              <a:t>Education Background </a:t>
+            </a:r>
+          </a:p>
+          <a:p>
+            <a:pPr marL="800100" lvl="1" indent="-342900">
+              <a:buClr>
+                <a:srgbClr val="C00000"/>
+              </a:buClr>
+              <a:buFont typeface="Arial" panose="020B0604020202020204" pitchFamily="34" charset="0"/>
+              <a:buChar char="•"/>
+            </a:pPr>
+            <a:r>
+              <a:rPr lang="en-US" sz="2400" dirty="0"/>
+              <a:t>Work </a:t>
+            </a:r>
+            <a:r>
+              <a:rPr lang="en-US" sz="2400" dirty="0" smtClean="0"/>
+              <a:t>experiences</a:t>
+            </a:r>
+          </a:p>
+          <a:p>
+            <a:pPr marL="800100" lvl="1" indent="-342900">
+              <a:buClr>
+                <a:srgbClr val="C00000"/>
+              </a:buClr>
+              <a:buFont typeface="Arial" panose="020B0604020202020204" pitchFamily="34" charset="0"/>
+              <a:buChar char="•"/>
+            </a:pPr>
+            <a:r>
+              <a:rPr lang="en-US" sz="2400" dirty="0" smtClean="0"/>
+              <a:t>Skills </a:t>
+            </a:r>
+          </a:p>
+          <a:p>
+            <a:pPr marL="457200" indent="-457200">
+              <a:buClr>
+                <a:srgbClr val="C00000"/>
+              </a:buClr>
+              <a:buFont typeface="Wingdings" panose="05000000000000000000" pitchFamily="2" charset="2"/>
+              <a:buChar char="v"/>
+            </a:pPr>
+            <a:r>
+              <a:rPr lang="en-US" sz="2800" dirty="0" smtClean="0"/>
+              <a:t>Using </a:t>
+            </a:r>
+            <a:r>
+              <a:rPr lang="en-US" sz="2800" dirty="0"/>
+              <a:t>the résumé </a:t>
+            </a:r>
+            <a:r>
+              <a:rPr lang="en-US" sz="2800" dirty="0" smtClean="0"/>
+              <a:t>as a query to search jobs</a:t>
+            </a:r>
+          </a:p>
+          <a:p>
+            <a:pPr marL="457200" indent="-457200">
+              <a:buClr>
+                <a:srgbClr val="C00000"/>
+              </a:buClr>
+              <a:buFont typeface="Wingdings" panose="05000000000000000000" pitchFamily="2" charset="2"/>
+              <a:buChar char="v"/>
+            </a:pPr>
+            <a:r>
+              <a:rPr lang="en-US" sz="2800" dirty="0" smtClean="0"/>
+              <a:t>Ranking the jobs by their similarity scores</a:t>
+            </a:r>
+          </a:p>
+        </p:txBody>
+      </p:sp>
+      <p:sp>
+        <p:nvSpPr>
+          <p:cNvPr id="3" name="Title 2"/>
+          <p:cNvSpPr>
+            <a:spLocks noGrp="1"/>
+          </p:cNvSpPr>
+          <p:nvPr>
+            <p:ph type="title"/>
+          </p:nvPr>
+        </p:nvSpPr>
+        <p:spPr>
+          <a:xfrm>
+            <a:off x="457200" y="609600"/>
+            <a:ext cx="8228013" cy="701675"/>
+          </a:xfrm>
+        </p:spPr>
+        <p:txBody>
+          <a:bodyPr/>
+          <a:lstStyle/>
+          <a:p>
+            <a:r>
+              <a:rPr lang="en-US" dirty="0" smtClean="0"/>
+              <a:t>Résumés  as Query</a:t>
+            </a:r>
+            <a:endParaRPr lang="en-US" dirty="0">
+              <a:solidFill>
+                <a:schemeClr val="bg2">
+                  <a:lumMod val="75000"/>
+                </a:schemeClr>
+              </a:solidFill>
+            </a:endParaRPr>
+          </a:p>
+        </p:txBody>
+      </p:sp>
+    </p:spTree>
+    <p:extLst>
+      <p:ext uri="{BB962C8B-B14F-4D97-AF65-F5344CB8AC3E}">
+        <p14:creationId xmlns:p14="http://schemas.microsoft.com/office/powerpoint/2010/main" val="3532761650"/>
+      </p:ext>
+    </p:extLst>
+  </p:cSld>
+  <p:clrMapOvr>
+    <a:masterClrMapping/>
+  </p:clrMapOvr>
+  <mc:AlternateContent xmlns:mc="http://schemas.openxmlformats.org/markup-compatibility/2006" xmlns:p14="http://schemas.microsoft.com/office/powerpoint/2010/main">
+    <mc:Choice Requires="p14">
+      <p:transition spd="slow" p14:dur="2000"/>
+    </mc:Choice>
+    <mc:Fallback xmlns="">
+      <p:transition spd="slow"/>
+    </mc:Fallback>
+  </mc:AlternateContent>
+  <p:timing>
+    <p:tnLst>
+      <p:par>
+        <p:cTn id="1" dur="indefinite" restart="never" nodeType="tmRoot"/>
+      </p:par>
+    </p:tnLst>
+  </p:timing>
+</p:sld>
+</file>
+
+<file path=ppt/slides/slide50.xml><?xml version="1.0" encoding="utf-8"?>
 <p:sld xmlns:a="http://schemas.openxmlformats.org/drawingml/2006/main" xmlns:r="http://schemas.openxmlformats.org/officeDocument/2006/relationships" xmlns:p="http://schemas.openxmlformats.org/presentationml/2006/main">
   <p:cSld>
     <p:spTree>
@@ -17391,7 +18385,7 @@
 </p:sld>
 </file>
 
-<file path=ppt/slides/slide47.xml><?xml version="1.0" encoding="utf-8"?>
+<file path=ppt/slides/slide51.xml><?xml version="1.0" encoding="utf-8"?>
 <p:sld xmlns:a="http://schemas.openxmlformats.org/drawingml/2006/main" xmlns:r="http://schemas.openxmlformats.org/officeDocument/2006/relationships" xmlns:p="http://schemas.openxmlformats.org/presentationml/2006/main">
   <p:cSld>
     <p:spTree>
@@ -17487,7 +18481,7 @@
 </p:sld>
 </file>
 
-<file path=ppt/slides/slide48.xml><?xml version="1.0" encoding="utf-8"?>
+<file path=ppt/slides/slide52.xml><?xml version="1.0" encoding="utf-8"?>
 <p:sld xmlns:a="http://schemas.openxmlformats.org/drawingml/2006/main" xmlns:r="http://schemas.openxmlformats.org/officeDocument/2006/relationships" xmlns:p="http://schemas.openxmlformats.org/presentationml/2006/main">
   <p:cSld>
     <p:spTree>
@@ -17561,7 +18555,7 @@
 </p:sld>
 </file>
 
-<file path=ppt/slides/slide49.xml><?xml version="1.0" encoding="utf-8"?>
+<file path=ppt/slides/slide53.xml><?xml version="1.0" encoding="utf-8"?>
 <p:sld xmlns:a="http://schemas.openxmlformats.org/drawingml/2006/main" xmlns:r="http://schemas.openxmlformats.org/officeDocument/2006/relationships" xmlns:p="http://schemas.openxmlformats.org/presentationml/2006/main">
   <p:cSld>
     <p:spTree>
@@ -17640,197 +18634,7 @@
 </p:sld>
 </file>
 
-<file path=ppt/slides/slide5.xml><?xml version="1.0" encoding="utf-8"?>
-<p:sld xmlns:a="http://schemas.openxmlformats.org/drawingml/2006/main" xmlns:r="http://schemas.openxmlformats.org/officeDocument/2006/relationships" xmlns:p="http://schemas.openxmlformats.org/presentationml/2006/main">
-  <p:cSld>
-    <p:spTree>
-      <p:nvGrpSpPr>
-        <p:cNvPr id="1" name=""/>
-        <p:cNvGrpSpPr/>
-        <p:nvPr/>
-      </p:nvGrpSpPr>
-      <p:grpSpPr>
-        <a:xfrm>
-          <a:off x="0" y="0"/>
-          <a:ext cx="0" cy="0"/>
-          <a:chOff x="0" y="0"/>
-          <a:chExt cx="0" cy="0"/>
-        </a:xfrm>
-      </p:grpSpPr>
-      <p:sp>
-        <p:nvSpPr>
-          <p:cNvPr id="2" name="Content Placeholder 1"/>
-          <p:cNvSpPr>
-            <a:spLocks noGrp="1"/>
-          </p:cNvSpPr>
-          <p:nvPr>
-            <p:ph idx="1"/>
-          </p:nvPr>
-        </p:nvSpPr>
-        <p:spPr>
-          <a:xfrm>
-            <a:off x="457200" y="2057400"/>
-            <a:ext cx="8228013" cy="3886200"/>
-          </a:xfrm>
-        </p:spPr>
-        <p:txBody>
-          <a:bodyPr/>
-          <a:lstStyle/>
-          <a:p>
-            <a:pPr marL="457200" indent="-457200">
-              <a:buClr>
-                <a:srgbClr val="C00000"/>
-              </a:buClr>
-              <a:buFont typeface="Wingdings" panose="05000000000000000000" pitchFamily="2" charset="2"/>
-              <a:buChar char="v"/>
-            </a:pPr>
-            <a:r>
-              <a:rPr lang="en-US" sz="2800" dirty="0" smtClean="0"/>
-              <a:t>The résumé has the most personal information </a:t>
-            </a:r>
-          </a:p>
-          <a:p>
-            <a:pPr marL="800100" lvl="1" indent="-342900">
-              <a:buClr>
-                <a:srgbClr val="C00000"/>
-              </a:buClr>
-              <a:buFont typeface="Arial" panose="020B0604020202020204" pitchFamily="34" charset="0"/>
-              <a:buChar char="•"/>
-            </a:pPr>
-            <a:r>
-              <a:rPr lang="en-US" sz="2400" dirty="0" smtClean="0"/>
-              <a:t>Education Background </a:t>
-            </a:r>
-          </a:p>
-          <a:p>
-            <a:pPr marL="800100" lvl="1" indent="-342900">
-              <a:buClr>
-                <a:srgbClr val="C00000"/>
-              </a:buClr>
-              <a:buFont typeface="Arial" panose="020B0604020202020204" pitchFamily="34" charset="0"/>
-              <a:buChar char="•"/>
-            </a:pPr>
-            <a:r>
-              <a:rPr lang="en-US" sz="2400" dirty="0"/>
-              <a:t>Work </a:t>
-            </a:r>
-            <a:r>
-              <a:rPr lang="en-US" sz="2400" dirty="0" smtClean="0"/>
-              <a:t>experiences</a:t>
-            </a:r>
-          </a:p>
-          <a:p>
-            <a:pPr marL="800100" lvl="1" indent="-342900">
-              <a:buClr>
-                <a:srgbClr val="C00000"/>
-              </a:buClr>
-              <a:buFont typeface="Arial" panose="020B0604020202020204" pitchFamily="34" charset="0"/>
-              <a:buChar char="•"/>
-            </a:pPr>
-            <a:r>
-              <a:rPr lang="en-US" sz="2400" dirty="0" smtClean="0"/>
-              <a:t>Skills </a:t>
-            </a:r>
-          </a:p>
-          <a:p>
-            <a:pPr marL="457200" indent="-457200">
-              <a:buClr>
-                <a:srgbClr val="C00000"/>
-              </a:buClr>
-              <a:buFont typeface="Wingdings" panose="05000000000000000000" pitchFamily="2" charset="2"/>
-              <a:buChar char="v"/>
-            </a:pPr>
-            <a:r>
-              <a:rPr lang="en-US" sz="2800" dirty="0" smtClean="0"/>
-              <a:t>Using </a:t>
-            </a:r>
-            <a:r>
-              <a:rPr lang="en-US" sz="2800" dirty="0"/>
-              <a:t>the résumé </a:t>
-            </a:r>
-            <a:r>
-              <a:rPr lang="en-US" sz="2800" dirty="0" smtClean="0"/>
-              <a:t>as a query to search jobs</a:t>
-            </a:r>
-          </a:p>
-          <a:p>
-            <a:pPr marL="457200" indent="-457200">
-              <a:buClr>
-                <a:srgbClr val="C00000"/>
-              </a:buClr>
-              <a:buFont typeface="Wingdings" panose="05000000000000000000" pitchFamily="2" charset="2"/>
-              <a:buChar char="v"/>
-            </a:pPr>
-            <a:r>
-              <a:rPr lang="en-US" sz="2800" dirty="0" smtClean="0"/>
-              <a:t>Ranking the jobs by their similarity scores</a:t>
-            </a:r>
-          </a:p>
-        </p:txBody>
-      </p:sp>
-      <p:sp>
-        <p:nvSpPr>
-          <p:cNvPr id="3" name="Title 2"/>
-          <p:cNvSpPr>
-            <a:spLocks noGrp="1"/>
-          </p:cNvSpPr>
-          <p:nvPr>
-            <p:ph type="title"/>
-          </p:nvPr>
-        </p:nvSpPr>
-        <p:spPr>
-          <a:xfrm>
-            <a:off x="457200" y="609600"/>
-            <a:ext cx="8228013" cy="701675"/>
-          </a:xfrm>
-        </p:spPr>
-        <p:txBody>
-          <a:bodyPr/>
-          <a:lstStyle/>
-          <a:p>
-            <a:r>
-              <a:rPr lang="en-US" dirty="0" smtClean="0"/>
-              <a:t>Résumés  as Query</a:t>
-            </a:r>
-            <a:endParaRPr lang="en-US" dirty="0">
-              <a:solidFill>
-                <a:schemeClr val="bg2">
-                  <a:lumMod val="75000"/>
-                </a:schemeClr>
-              </a:solidFill>
-            </a:endParaRPr>
-          </a:p>
-        </p:txBody>
-      </p:sp>
-    </p:spTree>
-    <p:extLst>
-      <p:ext uri="{BB962C8B-B14F-4D97-AF65-F5344CB8AC3E}">
-        <p14:creationId xmlns:p14="http://schemas.microsoft.com/office/powerpoint/2010/main" val="3532761650"/>
-      </p:ext>
-    </p:extLst>
-  </p:cSld>
-  <p:clrMapOvr>
-    <a:masterClrMapping/>
-  </p:clrMapOvr>
-  <mc:AlternateContent xmlns:mc="http://schemas.openxmlformats.org/markup-compatibility/2006" xmlns:p14="http://schemas.microsoft.com/office/powerpoint/2010/main">
-    <mc:Choice Requires="p14">
-      <p:transition spd="slow" p14:dur="2000"/>
-    </mc:Choice>
-    <mc:Fallback xmlns="">
-      <p:transition spd="slow"/>
-    </mc:Fallback>
-  </mc:AlternateContent>
-  <p:timing>
-    <p:tnLst>
-      <p:par>
-        <p:cTn id="1" dur="indefinite" restart="never" nodeType="tmRoot"/>
-      </p:par>
-    </p:tnLst>
-  </p:timing>
-</p:sld>
-</file>
-
-<file path=ppt/slides/slide50.xml><?xml version="1.0" encoding="utf-8"?>
+<file path=ppt/slides/slide54.xml><?xml version="1.0" encoding="utf-8"?>
 <p:sld xmlns:a="http://schemas.openxmlformats.org/drawingml/2006/main" xmlns:r="http://schemas.openxmlformats.org/officeDocument/2006/relationships" xmlns:p="http://schemas.openxmlformats.org/presentationml/2006/main">
   <p:cSld>
     <p:spTree>
@@ -18084,7 +18888,7 @@
 </p:sld>
 </file>
 
-<file path=ppt/slides/slide51.xml><?xml version="1.0" encoding="utf-8"?>
+<file path=ppt/slides/slide55.xml><?xml version="1.0" encoding="utf-8"?>
 <p:sld xmlns:a="http://schemas.openxmlformats.org/drawingml/2006/main" xmlns:r="http://schemas.openxmlformats.org/officeDocument/2006/relationships" xmlns:p="http://schemas.openxmlformats.org/presentationml/2006/main">
   <p:cSld>
     <p:spTree>
@@ -18257,7 +19061,7 @@
 </p:sld>
 </file>
 
-<file path=ppt/slides/slide52.xml><?xml version="1.0" encoding="utf-8"?>
+<file path=ppt/slides/slide56.xml><?xml version="1.0" encoding="utf-8"?>
 <p:sld xmlns:a="http://schemas.openxmlformats.org/drawingml/2006/main" xmlns:r="http://schemas.openxmlformats.org/officeDocument/2006/relationships" xmlns:p="http://schemas.openxmlformats.org/presentationml/2006/main">
   <p:cSld>
     <p:spTree>
@@ -18397,7 +19201,7 @@
 </p:sld>
 </file>
 
-<file path=ppt/slides/slide53.xml><?xml version="1.0" encoding="utf-8"?>
+<file path=ppt/slides/slide57.xml><?xml version="1.0" encoding="utf-8"?>
 <p:sld xmlns:a="http://schemas.openxmlformats.org/drawingml/2006/main" xmlns:r="http://schemas.openxmlformats.org/officeDocument/2006/relationships" xmlns:p="http://schemas.openxmlformats.org/presentationml/2006/main">
   <p:cSld>
     <p:spTree>
@@ -18426,13 +19230,13 @@
         </p:nvSpPr>
         <p:spPr>
           <a:xfrm>
-            <a:off x="457200" y="1524000"/>
-            <a:ext cx="8686800" cy="4981575"/>
+            <a:off x="457200" y="1566471"/>
+            <a:ext cx="8305800" cy="4981575"/>
           </a:xfrm>
         </p:spPr>
         <p:txBody>
           <a:bodyPr>
-            <a:normAutofit/>
+            <a:normAutofit lnSpcReduction="10000"/>
           </a:bodyPr>
           <a:lstStyle/>
           <a:p>
@@ -18445,17 +19249,82 @@
             <a:endParaRPr lang="en-US" dirty="0" smtClean="0"/>
           </a:p>
           <a:p>
+            <a:pPr marL="457200" indent="-457200">
+              <a:buClr>
+                <a:srgbClr val="C00000"/>
+              </a:buClr>
+              <a:buFont typeface="Wingdings" panose="05000000000000000000" pitchFamily="2" charset="2"/>
+              <a:buChar char="v"/>
+            </a:pPr>
             <a:r>
               <a:rPr lang="en-US" sz="2800" dirty="0" smtClean="0"/>
-              <a:t>The </a:t>
-            </a:r>
-            <a:r>
-              <a:rPr lang="en-US" sz="2800" b="1" dirty="0" smtClean="0"/>
-              <a:t>numerator</a:t>
-            </a:r>
-            <a:r>
-              <a:rPr lang="zh-CN" altLang="en-US" sz="2800" dirty="0" smtClean="0"/>
-              <a:t>： </a:t>
+              <a:t>          The </a:t>
+            </a:r>
+            <a:r>
+              <a:rPr lang="en-US" sz="2800" dirty="0"/>
+              <a:t>number of documents in which the two terms exist together </a:t>
+            </a:r>
+            <a:r>
+              <a:rPr lang="en-US" sz="2800" dirty="0" smtClean="0"/>
+              <a:t>.  </a:t>
+            </a:r>
+          </a:p>
+          <a:p>
+            <a:pPr marL="457200" indent="-457200">
+              <a:buClr>
+                <a:srgbClr val="C00000"/>
+              </a:buClr>
+              <a:buFont typeface="Wingdings" panose="05000000000000000000" pitchFamily="2" charset="2"/>
+              <a:buChar char="v"/>
+            </a:pPr>
+            <a:r>
+              <a:rPr lang="en-US" sz="2800" dirty="0"/>
+              <a:t> </a:t>
+            </a:r>
+            <a:r>
+              <a:rPr lang="en-US" sz="2800" dirty="0" smtClean="0"/>
+              <a:t>         T</a:t>
+            </a:r>
+            <a:r>
+              <a:rPr lang="en-US" sz="2800" dirty="0" smtClean="0"/>
+              <a:t>he </a:t>
+            </a:r>
+            <a:r>
+              <a:rPr lang="en-US" sz="2800" dirty="0"/>
+              <a:t>number of </a:t>
+            </a:r>
+            <a:r>
+              <a:rPr lang="en-US" sz="2800" dirty="0" smtClean="0"/>
+              <a:t>documents that </a:t>
+            </a:r>
+            <a:r>
+              <a:rPr lang="en-US" sz="2800" dirty="0"/>
+              <a:t>have </a:t>
+            </a:r>
+            <a:r>
+              <a:rPr lang="en-US" sz="2800" dirty="0" smtClean="0"/>
+              <a:t>at </a:t>
+            </a:r>
+            <a:r>
+              <a:rPr lang="en-US" sz="2800" dirty="0"/>
+              <a:t>least one </a:t>
+            </a:r>
+            <a:r>
+              <a:rPr lang="en-US" sz="2800" dirty="0" smtClean="0"/>
+              <a:t>them.</a:t>
+            </a:r>
+          </a:p>
+          <a:p>
+            <a:pPr marL="457200" indent="-457200">
+              <a:buClr>
+                <a:srgbClr val="C00000"/>
+              </a:buClr>
+              <a:buFont typeface="Wingdings" panose="05000000000000000000" pitchFamily="2" charset="2"/>
+              <a:buChar char="v"/>
+            </a:pPr>
+            <a:r>
+              <a:rPr lang="en-US" sz="2800" dirty="0" smtClean="0"/>
+              <a:t>                                        </a:t>
             </a:r>
             <a:r>
               <a:rPr lang="en-US" altLang="zh-CN" sz="2800" dirty="0" smtClean="0"/>
@@ -18463,73 +19332,7 @@
             </a:r>
             <a:r>
               <a:rPr lang="en-US" sz="2800" dirty="0" smtClean="0"/>
-              <a:t>he </a:t>
-            </a:r>
-            <a:r>
-              <a:rPr lang="en-US" sz="2800" dirty="0"/>
-              <a:t>ratio of the number of documents in which the two terms exist together </a:t>
-            </a:r>
-            <a:r>
-              <a:rPr lang="en-US" sz="2800" dirty="0" smtClean="0"/>
-              <a:t>  </a:t>
-            </a:r>
-            <a:r>
-              <a:rPr lang="en-US" sz="2800" dirty="0"/>
-              <a:t>to the number of </a:t>
-            </a:r>
-            <a:r>
-              <a:rPr lang="en-US" sz="2800" dirty="0" smtClean="0"/>
-              <a:t>documents that </a:t>
-            </a:r>
-            <a:r>
-              <a:rPr lang="en-US" sz="2800" dirty="0"/>
-              <a:t>have </a:t>
-            </a:r>
-            <a:r>
-              <a:rPr lang="en-US" sz="2800" dirty="0" smtClean="0"/>
-              <a:t>at </a:t>
-            </a:r>
-            <a:r>
-              <a:rPr lang="en-US" sz="2800" dirty="0"/>
-              <a:t>least one </a:t>
-            </a:r>
-            <a:r>
-              <a:rPr lang="en-US" sz="2800" dirty="0" smtClean="0"/>
-              <a:t>them.</a:t>
-            </a:r>
-          </a:p>
-          <a:p>
-            <a:r>
-              <a:rPr lang="en-US" sz="2800" dirty="0" smtClean="0"/>
-              <a:t>The </a:t>
-            </a:r>
-            <a:r>
-              <a:rPr lang="en-US" sz="2800" b="1" dirty="0" smtClean="0"/>
-              <a:t>denominator</a:t>
-            </a:r>
-            <a:r>
-              <a:rPr lang="zh-CN" altLang="en-US" sz="2800" dirty="0" smtClean="0"/>
-              <a:t>：</a:t>
-            </a:r>
-            <a:r>
-              <a:rPr lang="en-US" sz="2800" dirty="0" smtClean="0"/>
-              <a:t> </a:t>
-            </a:r>
-            <a:r>
-              <a:rPr lang="en-US" altLang="zh-CN" sz="2800" dirty="0" smtClean="0"/>
-              <a:t>T</a:t>
-            </a:r>
-            <a:r>
-              <a:rPr lang="en-US" sz="2800" dirty="0" smtClean="0"/>
-              <a:t>he </a:t>
-            </a:r>
-            <a:r>
-              <a:rPr lang="en-US" sz="2800" dirty="0"/>
-              <a:t>average </a:t>
-            </a:r>
-            <a:r>
-              <a:rPr lang="en-US" sz="2800" dirty="0" smtClean="0"/>
-              <a:t>log </a:t>
+              <a:t>he log </a:t>
             </a:r>
             <a:r>
               <a:rPr lang="en-US" sz="2800" dirty="0"/>
@@ -18566,7 +19369,7 @@
         </p:nvSpPr>
         <p:spPr>
           <a:xfrm>
-            <a:off x="457200" y="546067"/>
+            <a:off x="685800" y="530679"/>
             <a:ext cx="7343775" cy="994172"/>
           </a:xfrm>
         </p:spPr>
@@ -18592,7 +19395,7 @@
       </p:sp>
       <p:pic>
         <p:nvPicPr>
-          <p:cNvPr id="4" name="Picture 3"/>
+          <p:cNvPr id="5" name="Picture 4"/>
           <p:cNvPicPr>
             <a:picLocks noChangeAspect="1"/>
           </p:cNvPicPr>
@@ -18606,8 +19409,80 @@
         </p:blipFill>
         <p:spPr>
           <a:xfrm>
-            <a:off x="825958" y="1600199"/>
-            <a:ext cx="6641642" cy="1455555"/>
+            <a:off x="685800" y="1649712"/>
+            <a:ext cx="7962900" cy="1457325"/>
+          </a:xfrm>
+          <a:prstGeom prst="rect">
+            <a:avLst/>
+          </a:prstGeom>
+        </p:spPr>
+      </p:pic>
+      <p:pic>
+        <p:nvPicPr>
+          <p:cNvPr id="6" name="Picture 5"/>
+          <p:cNvPicPr>
+            <a:picLocks noChangeAspect="1"/>
+          </p:cNvPicPr>
+          <p:nvPr/>
+        </p:nvPicPr>
+        <p:blipFill>
+          <a:blip r:embed="rId4"/>
+          <a:stretch>
+            <a:fillRect/>
+          </a:stretch>
+        </p:blipFill>
+        <p:spPr>
+          <a:xfrm>
+            <a:off x="1143000" y="3103389"/>
+            <a:ext cx="762000" cy="449179"/>
+          </a:xfrm>
+          <a:prstGeom prst="rect">
+            <a:avLst/>
+          </a:prstGeom>
+        </p:spPr>
+      </p:pic>
+      <p:pic>
+        <p:nvPicPr>
+          <p:cNvPr id="7" name="Picture 6"/>
+          <p:cNvPicPr>
+            <a:picLocks noChangeAspect="1"/>
+          </p:cNvPicPr>
+          <p:nvPr/>
+        </p:nvPicPr>
+        <p:blipFill>
+          <a:blip r:embed="rId5"/>
+          <a:stretch>
+            <a:fillRect/>
+          </a:stretch>
+        </p:blipFill>
+        <p:spPr>
+          <a:xfrm>
+            <a:off x="1104276" y="4029014"/>
+            <a:ext cx="764498" cy="386273"/>
+          </a:xfrm>
+          <a:prstGeom prst="rect">
+            <a:avLst/>
+          </a:prstGeom>
+        </p:spPr>
+      </p:pic>
+      <p:pic>
+        <p:nvPicPr>
+          <p:cNvPr id="8" name="Picture 7"/>
+          <p:cNvPicPr>
+            <a:picLocks noChangeAspect="1"/>
+          </p:cNvPicPr>
+          <p:nvPr/>
+        </p:nvPicPr>
+        <p:blipFill>
+          <a:blip r:embed="rId6"/>
+          <a:stretch>
+            <a:fillRect/>
+          </a:stretch>
+        </p:blipFill>
+        <p:spPr>
+          <a:xfrm>
+            <a:off x="1069923" y="4891733"/>
+            <a:ext cx="3562350" cy="491359"/>
           </a:xfrm>
           <a:prstGeom prst="rect">
             <a:avLst/>
@@ -18642,7 +19517,7 @@
 </p:sld>
 </file>
 
-<file path=ppt/slides/slide54.xml><?xml version="1.0" encoding="utf-8"?>
+<file path=ppt/slides/slide58.xml><?xml version="1.0" encoding="utf-8"?>
 <p:sld xmlns:a="http://schemas.openxmlformats.org/drawingml/2006/main" xmlns:r="http://schemas.openxmlformats.org/officeDocument/2006/relationships" xmlns:p="http://schemas.openxmlformats.org/presentationml/2006/main">
   <p:cSld>
     <p:spTree>
@@ -18745,189 +19620,7 @@
 </p:sld>
 </file>
 
-<file path=ppt/slides/slide55.xml><?xml version="1.0" encoding="utf-8"?>
-<p:sld xmlns:a="http://schemas.openxmlformats.org/drawingml/2006/main" xmlns:r="http://schemas.openxmlformats.org/officeDocument/2006/relationships" xmlns:p="http://schemas.openxmlformats.org/presentationml/2006/main">
-  <p:cSld>
-    <p:spTree>
-      <p:nvGrpSpPr>
-        <p:cNvPr id="1" name=""/>
-        <p:cNvGrpSpPr/>
-        <p:nvPr/>
-      </p:nvGrpSpPr>
-      <p:grpSpPr>
-        <a:xfrm>
-          <a:off x="0" y="0"/>
-          <a:ext cx="0" cy="0"/>
-          <a:chOff x="0" y="0"/>
-          <a:chExt cx="0" cy="0"/>
-        </a:xfrm>
-      </p:grpSpPr>
-      <p:sp>
-        <p:nvSpPr>
-          <p:cNvPr id="3" name="Title 2"/>
-          <p:cNvSpPr>
-            <a:spLocks noGrp="1"/>
-          </p:cNvSpPr>
-          <p:nvPr>
-            <p:ph type="title"/>
-          </p:nvPr>
-        </p:nvSpPr>
-        <p:spPr>
-          <a:xfrm>
-            <a:off x="890666" y="609600"/>
-            <a:ext cx="6772275" cy="994172"/>
-          </a:xfrm>
-        </p:spPr>
-        <p:txBody>
-          <a:bodyPr/>
-          <a:lstStyle/>
-          <a:p>
-            <a:r>
-              <a:rPr lang="en-US" altLang="zh-CN" dirty="0"/>
-              <a:t>Combine Keyword Search and </a:t>
-            </a:r>
-            <a:r>
-              <a:rPr lang="en-US" dirty="0"/>
-              <a:t>Résumé </a:t>
-            </a:r>
-            <a:r>
-              <a:rPr lang="en-US" altLang="zh-CN" dirty="0"/>
-              <a:t>Matching</a:t>
-            </a:r>
-            <a:endParaRPr lang="en-US" dirty="0"/>
-          </a:p>
-        </p:txBody>
-      </p:sp>
-      <p:sp>
-        <p:nvSpPr>
-          <p:cNvPr id="2" name="TextBox 1"/>
-          <p:cNvSpPr txBox="1"/>
-          <p:nvPr/>
-        </p:nvSpPr>
-        <p:spPr>
-          <a:xfrm>
-            <a:off x="900659" y="2133600"/>
-            <a:ext cx="7032694" cy="2862322"/>
-          </a:xfrm>
-          <a:prstGeom prst="rect">
-            <a:avLst/>
-          </a:prstGeom>
-          <a:noFill/>
-        </p:spPr>
-        <p:txBody>
-          <a:bodyPr wrap="none" rtlCol="0">
-            <a:spAutoFit/>
-          </a:bodyPr>
-          <a:lstStyle/>
-          <a:p>
-            <a:pPr marL="342900" indent="-342900">
-              <a:buFont typeface="Arial" panose="020B0604020202020204" pitchFamily="34" charset="0"/>
-              <a:buChar char="•"/>
-            </a:pPr>
-            <a:r>
-              <a:rPr lang="en-US" sz="2800" dirty="0" smtClean="0">
-                <a:solidFill>
-                  <a:schemeClr val="tx1"/>
-                </a:solidFill>
-              </a:rPr>
-              <a:t>Users’ preference is important </a:t>
-            </a:r>
-          </a:p>
-          <a:p>
-            <a:pPr marL="342900" indent="-342900">
-              <a:buFont typeface="Arial" panose="020B0604020202020204" pitchFamily="34" charset="0"/>
-              <a:buChar char="•"/>
-            </a:pPr>
-            <a:r>
-              <a:rPr lang="en-US" sz="2800" dirty="0" smtClean="0">
-                <a:solidFill>
-                  <a:schemeClr val="tx1"/>
-                </a:solidFill>
-              </a:rPr>
-              <a:t>Keyword represents personal preference</a:t>
-            </a:r>
-          </a:p>
-          <a:p>
-            <a:pPr marL="342900" indent="-342900">
-              <a:buFont typeface="Arial" panose="020B0604020202020204" pitchFamily="34" charset="0"/>
-              <a:buChar char="•"/>
-            </a:pPr>
-            <a:r>
-              <a:rPr lang="en-US" sz="2800" dirty="0" smtClean="0">
-                <a:solidFill>
-                  <a:schemeClr val="tx1"/>
-                </a:solidFill>
-              </a:rPr>
-              <a:t>Ranking by the similarity values  </a:t>
-            </a:r>
-          </a:p>
-          <a:p>
-            <a:endParaRPr lang="en-US" dirty="0">
-              <a:solidFill>
-                <a:schemeClr val="tx1"/>
-              </a:solidFill>
-            </a:endParaRPr>
-          </a:p>
-          <a:p>
-            <a:endParaRPr lang="en-US" dirty="0" smtClean="0">
-              <a:solidFill>
-                <a:schemeClr val="tx1"/>
-              </a:solidFill>
-            </a:endParaRPr>
-          </a:p>
-          <a:p>
-            <a:endParaRPr lang="en-US" dirty="0">
-              <a:solidFill>
-                <a:schemeClr val="tx1"/>
-              </a:solidFill>
-            </a:endParaRPr>
-          </a:p>
-          <a:p>
-            <a:r>
-              <a:rPr lang="en-US" dirty="0" smtClean="0">
-                <a:solidFill>
-                  <a:schemeClr val="tx1"/>
-                </a:solidFill>
-              </a:rPr>
-              <a:t> </a:t>
-            </a:r>
-            <a:endParaRPr lang="en-US" dirty="0">
-              <a:solidFill>
-                <a:schemeClr val="tx1"/>
-              </a:solidFill>
-            </a:endParaRPr>
-          </a:p>
-        </p:txBody>
-      </p:sp>
-    </p:spTree>
-    <p:extLst>
-      <p:ext uri="{BB962C8B-B14F-4D97-AF65-F5344CB8AC3E}">
-        <p14:creationId xmlns:p14="http://schemas.microsoft.com/office/powerpoint/2010/main" val="3554176989"/>
-      </p:ext>
-    </p:extLst>
-  </p:cSld>
-  <p:clrMapOvr>
-    <a:masterClrMapping/>
-  </p:clrMapOvr>
-  <mc:AlternateContent xmlns:mc="http://schemas.openxmlformats.org/markup-compatibility/2006" xmlns:p14="http://schemas.microsoft.com/office/powerpoint/2010/main">
-    <mc:Choice Requires="p14">
-      <p:transition spd="slow" p14:dur="2000"/>
-    </mc:Choice>
-    <mc:Fallback xmlns="">
-      <p:transition spd="slow"/>
-    </mc:Fallback>
-  </mc:AlternateContent>
-  <p:timing>
-    <p:tnLst>
-      <p:par>
-        <p:cTn id="1" dur="indefinite" restart="never" nodeType="tmRoot"/>
-      </p:par>
-    </p:tnLst>
-  </p:timing>
-</p:sld>
-</file>
-
-<file path=ppt/slides/slide56.xml><?xml version="1.0" encoding="utf-8"?>
+<file path=ppt/slides/slide59.xml><?xml version="1.0" encoding="utf-8"?>
 <p:sld xmlns:a="http://schemas.openxmlformats.org/drawingml/2006/main" xmlns:r="http://schemas.openxmlformats.org/officeDocument/2006/relationships" xmlns:p="http://schemas.openxmlformats.org/presentationml/2006/main">
   <p:cSld>
     <p:spTree>
@@ -18981,1010 +19674,6 @@
   <p:clrMapOvr>
     <a:masterClrMapping/>
   </p:clrMapOvr>
-  <p:timing>
-    <p:tnLst>
-      <p:par>
-        <p:cTn id="1" dur="indefinite" restart="never" nodeType="tmRoot"/>
-      </p:par>
-    </p:tnLst>
-  </p:timing>
-</p:sld>
-</file>
-
-<file path=ppt/slides/slide57.xml><?xml version="1.0" encoding="utf-8"?>
-<p:sld xmlns:a="http://schemas.openxmlformats.org/drawingml/2006/main" xmlns:r="http://schemas.openxmlformats.org/officeDocument/2006/relationships" xmlns:p="http://schemas.openxmlformats.org/presentationml/2006/main">
-  <p:cSld>
-    <p:spTree>
-      <p:nvGrpSpPr>
-        <p:cNvPr id="1" name=""/>
-        <p:cNvGrpSpPr/>
-        <p:nvPr/>
-      </p:nvGrpSpPr>
-      <p:grpSpPr>
-        <a:xfrm>
-          <a:off x="0" y="0"/>
-          <a:ext cx="0" cy="0"/>
-          <a:chOff x="0" y="0"/>
-          <a:chExt cx="0" cy="0"/>
-        </a:xfrm>
-      </p:grpSpPr>
-      <p:sp>
-        <p:nvSpPr>
-          <p:cNvPr id="2" name="Content Placeholder 1"/>
-          <p:cNvSpPr>
-            <a:spLocks noGrp="1"/>
-          </p:cNvSpPr>
-          <p:nvPr>
-            <p:ph idx="1"/>
-          </p:nvPr>
-        </p:nvSpPr>
-        <p:spPr>
-          <a:xfrm>
-            <a:off x="549994" y="2438400"/>
-            <a:ext cx="8228013" cy="3024188"/>
-          </a:xfrm>
-        </p:spPr>
-        <p:txBody>
-          <a:bodyPr/>
-          <a:lstStyle/>
-          <a:p>
-            <a:r>
-              <a:rPr lang="en-US" dirty="0" smtClean="0"/>
-              <a:t>Accuracy of </a:t>
-            </a:r>
-            <a:r>
-              <a:rPr lang="en-US" dirty="0"/>
-              <a:t>Information </a:t>
-            </a:r>
-            <a:r>
-              <a:rPr lang="en-US" dirty="0" smtClean="0"/>
-              <a:t>Extraction </a:t>
-            </a:r>
-            <a:r>
-              <a:rPr lang="en-US" altLang="zh-CN" dirty="0" smtClean="0"/>
-              <a:t>Comparing to CRFs</a:t>
-            </a:r>
-            <a:r>
-              <a:rPr lang="en-US" dirty="0" smtClean="0"/>
-              <a:t> Model</a:t>
-            </a:r>
-            <a:endParaRPr lang="en-US" dirty="0"/>
-          </a:p>
-        </p:txBody>
-      </p:sp>
-      <p:sp>
-        <p:nvSpPr>
-          <p:cNvPr id="3" name="Title 2"/>
-          <p:cNvSpPr>
-            <a:spLocks noGrp="1"/>
-          </p:cNvSpPr>
-          <p:nvPr>
-            <p:ph type="title"/>
-          </p:nvPr>
-        </p:nvSpPr>
-        <p:spPr>
-          <a:xfrm>
-            <a:off x="549994" y="533400"/>
-            <a:ext cx="7467600" cy="994172"/>
-          </a:xfrm>
-        </p:spPr>
-        <p:txBody>
-          <a:bodyPr/>
-          <a:lstStyle/>
-          <a:p>
-            <a:r>
-              <a:rPr lang="en-US" dirty="0"/>
-              <a:t>Information Extraction </a:t>
-            </a:r>
-          </a:p>
-        </p:txBody>
-      </p:sp>
-      <p:pic>
-        <p:nvPicPr>
-          <p:cNvPr id="5" name="Picture 4"/>
-          <p:cNvPicPr>
-            <a:picLocks noChangeAspect="1"/>
-          </p:cNvPicPr>
-          <p:nvPr/>
-        </p:nvPicPr>
-        <p:blipFill>
-          <a:blip r:embed="rId2"/>
-          <a:stretch>
-            <a:fillRect/>
-          </a:stretch>
-        </p:blipFill>
-        <p:spPr>
-          <a:xfrm>
-            <a:off x="381000" y="3810000"/>
-            <a:ext cx="8553533" cy="2133600"/>
-          </a:xfrm>
-          <a:prstGeom prst="rect">
-            <a:avLst/>
-          </a:prstGeom>
-        </p:spPr>
-      </p:pic>
-    </p:spTree>
-    <p:extLst>
-      <p:ext uri="{BB962C8B-B14F-4D97-AF65-F5344CB8AC3E}">
-        <p14:creationId xmlns:p14="http://schemas.microsoft.com/office/powerpoint/2010/main" val="2335049587"/>
-      </p:ext>
-    </p:extLst>
-  </p:cSld>
-  <p:clrMapOvr>
-    <a:masterClrMapping/>
-  </p:clrMapOvr>
-  <mc:AlternateContent xmlns:mc="http://schemas.openxmlformats.org/markup-compatibility/2006" xmlns:p14="http://schemas.microsoft.com/office/powerpoint/2010/main">
-    <mc:Choice Requires="p14">
-      <p:transition spd="slow" p14:dur="2000"/>
-    </mc:Choice>
-    <mc:Fallback xmlns="">
-      <p:transition spd="slow"/>
-    </mc:Fallback>
-  </mc:AlternateContent>
-  <p:timing>
-    <p:tnLst>
-      <p:par>
-        <p:cTn id="1" dur="indefinite" restart="never" nodeType="tmRoot"/>
-      </p:par>
-    </p:tnLst>
-  </p:timing>
-</p:sld>
-</file>
-
-<file path=ppt/slides/slide58.xml><?xml version="1.0" encoding="utf-8"?>
-<p:sld xmlns:a="http://schemas.openxmlformats.org/drawingml/2006/main" xmlns:r="http://schemas.openxmlformats.org/officeDocument/2006/relationships" xmlns:p="http://schemas.openxmlformats.org/presentationml/2006/main">
-  <p:cSld>
-    <p:spTree>
-      <p:nvGrpSpPr>
-        <p:cNvPr id="1" name=""/>
-        <p:cNvGrpSpPr/>
-        <p:nvPr/>
-      </p:nvGrpSpPr>
-      <p:grpSpPr>
-        <a:xfrm>
-          <a:off x="0" y="0"/>
-          <a:ext cx="0" cy="0"/>
-          <a:chOff x="0" y="0"/>
-          <a:chExt cx="0" cy="0"/>
-        </a:xfrm>
-      </p:grpSpPr>
-      <p:sp>
-        <p:nvSpPr>
-          <p:cNvPr id="2" name="Content Placeholder 1"/>
-          <p:cNvSpPr>
-            <a:spLocks noGrp="1"/>
-          </p:cNvSpPr>
-          <p:nvPr>
-            <p:ph idx="1"/>
-          </p:nvPr>
-        </p:nvSpPr>
-        <p:spPr>
-          <a:xfrm>
-            <a:off x="838200" y="2438398"/>
-            <a:ext cx="8228013" cy="4724401"/>
-          </a:xfrm>
-        </p:spPr>
-        <p:txBody>
-          <a:bodyPr/>
-          <a:lstStyle/>
-          <a:p>
-            <a:r>
-              <a:rPr lang="en-US" dirty="0" smtClean="0"/>
-              <a:t>NDCG </a:t>
-            </a:r>
-            <a:r>
-              <a:rPr lang="en-US" dirty="0">
-                <a:solidFill>
-                  <a:schemeClr val="tx1"/>
-                </a:solidFill>
-              </a:rPr>
-              <a:t>–</a:t>
-            </a:r>
-            <a:r>
-              <a:rPr lang="en-US" dirty="0" smtClean="0"/>
-              <a:t> Normalized </a:t>
-            </a:r>
-            <a:r>
-              <a:rPr lang="en-US" dirty="0"/>
-              <a:t>Discounted Cumulative </a:t>
-            </a:r>
-            <a:r>
-              <a:rPr lang="en-US" dirty="0" smtClean="0"/>
-              <a:t>Gain </a:t>
-            </a:r>
-          </a:p>
-          <a:p>
-            <a:endParaRPr lang="en-US" dirty="0"/>
-          </a:p>
-          <a:p>
-            <a:endParaRPr lang="en-US" dirty="0" smtClean="0"/>
-          </a:p>
-          <a:p>
-            <a:endParaRPr lang="en-US" dirty="0">
-              <a:solidFill>
-                <a:schemeClr val="tx1"/>
-              </a:solidFill>
-            </a:endParaRPr>
-          </a:p>
-          <a:p>
-            <a:r>
-              <a:rPr lang="en-US" dirty="0">
-                <a:solidFill>
-                  <a:schemeClr val="tx1"/>
-                </a:solidFill>
-              </a:rPr>
-              <a:t> </a:t>
-            </a:r>
-            <a:r>
-              <a:rPr lang="en-US" dirty="0" err="1" smtClean="0">
-                <a:latin typeface="Calibri" panose="020F0502020204030204" pitchFamily="34" charset="0"/>
-              </a:rPr>
-              <a:t>rel</a:t>
-            </a:r>
-            <a:r>
-              <a:rPr lang="en-US" baseline="-25000" dirty="0" err="1" smtClean="0">
-                <a:latin typeface="Calibri" panose="020F0502020204030204" pitchFamily="34" charset="0"/>
-              </a:rPr>
-              <a:t>i</a:t>
-            </a:r>
-            <a:r>
-              <a:rPr lang="en-US" baseline="-25000" dirty="0" smtClean="0"/>
-              <a:t> </a:t>
-            </a:r>
-            <a:r>
-              <a:rPr lang="en-US" dirty="0" smtClean="0">
-                <a:solidFill>
-                  <a:schemeClr val="tx1"/>
-                </a:solidFill>
-              </a:rPr>
-              <a:t>is the </a:t>
-            </a:r>
-            <a:r>
-              <a:rPr lang="en-US" dirty="0">
-                <a:solidFill>
-                  <a:schemeClr val="tx1"/>
-                </a:solidFill>
-              </a:rPr>
-              <a:t>relevance score assessors </a:t>
-            </a:r>
-            <a:r>
-              <a:rPr lang="en-US" dirty="0" smtClean="0">
-                <a:solidFill>
-                  <a:schemeClr val="tx1"/>
-                </a:solidFill>
-              </a:rPr>
-              <a:t>given </a:t>
-            </a:r>
-            <a:r>
-              <a:rPr lang="en-US" dirty="0">
-                <a:solidFill>
-                  <a:schemeClr val="tx1"/>
-                </a:solidFill>
-              </a:rPr>
-              <a:t>to document </a:t>
-            </a:r>
-            <a:r>
-              <a:rPr lang="en-US" dirty="0" smtClean="0">
-                <a:solidFill>
-                  <a:schemeClr val="tx1"/>
-                </a:solidFill>
-              </a:rPr>
-              <a:t>d </a:t>
-            </a:r>
-            <a:r>
-              <a:rPr lang="en-US" dirty="0">
-                <a:solidFill>
-                  <a:schemeClr val="tx1"/>
-                </a:solidFill>
-              </a:rPr>
-              <a:t>for query </a:t>
-            </a:r>
-            <a:r>
-              <a:rPr lang="en-US" dirty="0" smtClean="0">
-                <a:solidFill>
-                  <a:schemeClr val="tx1"/>
-                </a:solidFill>
-              </a:rPr>
-              <a:t>j</a:t>
-            </a:r>
-            <a:endParaRPr lang="en-US" dirty="0">
-              <a:solidFill>
-                <a:schemeClr val="tx1"/>
-              </a:solidFill>
-            </a:endParaRPr>
-          </a:p>
-        </p:txBody>
-      </p:sp>
-      <p:sp>
-        <p:nvSpPr>
-          <p:cNvPr id="3" name="Title 2"/>
-          <p:cNvSpPr>
-            <a:spLocks noGrp="1"/>
-          </p:cNvSpPr>
-          <p:nvPr>
-            <p:ph type="title"/>
-          </p:nvPr>
-        </p:nvSpPr>
-        <p:spPr>
-          <a:xfrm>
-            <a:off x="624007" y="529829"/>
-            <a:ext cx="7343775" cy="994172"/>
-          </a:xfrm>
-        </p:spPr>
-        <p:txBody>
-          <a:bodyPr/>
-          <a:lstStyle/>
-          <a:p>
-            <a:r>
-              <a:rPr lang="en-US" dirty="0"/>
-              <a:t>Ontology Similarity </a:t>
-            </a:r>
-          </a:p>
-        </p:txBody>
-      </p:sp>
-      <p:sp>
-        <p:nvSpPr>
-          <p:cNvPr id="5" name="Rectangle 1"/>
-          <p:cNvSpPr>
-            <a:spLocks noChangeArrowheads="1"/>
-          </p:cNvSpPr>
-          <p:nvPr/>
-        </p:nvSpPr>
-        <p:spPr bwMode="auto">
-          <a:xfrm>
-            <a:off x="0" y="0"/>
-            <a:ext cx="9144000" cy="0"/>
-          </a:xfrm>
-          <a:prstGeom prst="rect">
-            <a:avLst/>
-          </a:prstGeom>
-          <a:noFill/>
-          <a:ln>
-            <a:noFill/>
-          </a:ln>
-          <a:effectLst/>
-          <a:extLst>
-            <a:ext uri="{909E8E84-426E-40DD-AFC4-6F175D3DCCD1}">
-              <a14:hiddenFill xmlns:a14="http://schemas.microsoft.com/office/drawing/2010/main">
-                <a:solidFill>
-                  <a:schemeClr val="accent1"/>
-                </a:solidFill>
-              </a14:hiddenFill>
-            </a:ext>
-            <a:ext uri="{91240B29-F687-4F45-9708-019B960494DF}">
-              <a14:hiddenLine xmlns:a14="http://schemas.microsoft.com/office/drawing/2010/main" w="9525">
-                <a:solidFill>
-                  <a:schemeClr val="tx1"/>
-                </a:solidFill>
-                <a:miter lim="800000"/>
-                <a:headEnd/>
-                <a:tailEnd/>
-              </a14:hiddenLine>
-            </a:ext>
-            <a:ext uri="{AF507438-7753-43E0-B8FC-AC1667EBCBE1}">
-              <a14:hiddenEffects xmlns:a14="http://schemas.microsoft.com/office/drawing/2010/main">
-                <a:effectLst>
-                  <a:outerShdw dist="35921" dir="2700000" algn="ctr" rotWithShape="0">
-                    <a:schemeClr val="bg2"/>
-                  </a:outerShdw>
-                </a:effectLst>
-              </a14:hiddenEffects>
-            </a:ext>
-          </a:extLst>
-        </p:spPr>
-        <p:txBody>
-          <a:bodyPr vert="horz" wrap="none" lIns="91440" tIns="45720" rIns="91440" bIns="45720" numCol="1" anchor="ctr" anchorCtr="0" compatLnSpc="1">
-            <a:prstTxWarp prst="textNoShape">
-              <a:avLst/>
-            </a:prstTxWarp>
-            <a:spAutoFit/>
-          </a:bodyPr>
-          <a:lstStyle>
-            <a:lvl1pPr eaLnBrk="0" hangingPunct="0">
-              <a:defRPr>
-                <a:solidFill>
-                  <a:schemeClr val="tx1"/>
-                </a:solidFill>
-                <a:latin typeface="Arial" panose="020B0604020202020204" pitchFamily="34" charset="0"/>
-              </a:defRPr>
-            </a:lvl1pPr>
-            <a:lvl2pPr marL="457200" eaLnBrk="0" hangingPunct="0">
-              <a:defRPr>
-                <a:solidFill>
-                  <a:schemeClr val="tx1"/>
-                </a:solidFill>
-                <a:latin typeface="Arial" panose="020B0604020202020204" pitchFamily="34" charset="0"/>
-              </a:defRPr>
-            </a:lvl2pPr>
-            <a:lvl3pPr marL="914400" eaLnBrk="0" hangingPunct="0">
-              <a:defRPr>
-                <a:solidFill>
-                  <a:schemeClr val="tx1"/>
-                </a:solidFill>
-                <a:latin typeface="Arial" panose="020B0604020202020204" pitchFamily="34" charset="0"/>
-              </a:defRPr>
-            </a:lvl3pPr>
-            <a:lvl4pPr marL="1371600" eaLnBrk="0" hangingPunct="0">
-              <a:defRPr>
-                <a:solidFill>
-                  <a:schemeClr val="tx1"/>
-                </a:solidFill>
-                <a:latin typeface="Arial" panose="020B0604020202020204" pitchFamily="34" charset="0"/>
-              </a:defRPr>
-            </a:lvl4pPr>
-            <a:lvl5pPr marL="1828800" eaLnBrk="0" hangingPunct="0">
-              <a:defRPr>
-                <a:solidFill>
-                  <a:schemeClr val="tx1"/>
-                </a:solidFill>
-                <a:latin typeface="Arial" panose="020B0604020202020204" pitchFamily="34" charset="0"/>
-              </a:defRPr>
-            </a:lvl5pPr>
-            <a:lvl6pPr eaLnBrk="0" fontAlgn="base" hangingPunct="0">
-              <a:spcBef>
-                <a:spcPct val="0"/>
-              </a:spcBef>
-              <a:spcAft>
-                <a:spcPct val="0"/>
-              </a:spcAft>
-              <a:defRPr>
-                <a:solidFill>
-                  <a:schemeClr val="tx1"/>
-                </a:solidFill>
-                <a:latin typeface="Arial" panose="020B0604020202020204" pitchFamily="34" charset="0"/>
-              </a:defRPr>
-            </a:lvl6pPr>
-            <a:lvl7pPr eaLnBrk="0" fontAlgn="base" hangingPunct="0">
-              <a:spcBef>
-                <a:spcPct val="0"/>
-              </a:spcBef>
-              <a:spcAft>
-                <a:spcPct val="0"/>
-              </a:spcAft>
-              <a:defRPr>
-                <a:solidFill>
-                  <a:schemeClr val="tx1"/>
-                </a:solidFill>
-                <a:latin typeface="Arial" panose="020B0604020202020204" pitchFamily="34" charset="0"/>
-              </a:defRPr>
-            </a:lvl7pPr>
-            <a:lvl8pPr eaLnBrk="0" fontAlgn="base" hangingPunct="0">
-              <a:spcBef>
-                <a:spcPct val="0"/>
-              </a:spcBef>
-              <a:spcAft>
-                <a:spcPct val="0"/>
-              </a:spcAft>
-              <a:defRPr>
-                <a:solidFill>
-                  <a:schemeClr val="tx1"/>
-                </a:solidFill>
-                <a:latin typeface="Arial" panose="020B0604020202020204" pitchFamily="34" charset="0"/>
-              </a:defRPr>
-            </a:lvl8pPr>
-            <a:lvl9pPr eaLnBrk="0" fontAlgn="base" hangingPunct="0">
-              <a:spcBef>
-                <a:spcPct val="0"/>
-              </a:spcBef>
-              <a:spcAft>
-                <a:spcPct val="0"/>
-              </a:spcAft>
-              <a:defRPr>
-                <a:solidFill>
-                  <a:schemeClr val="tx1"/>
-                </a:solidFill>
-                <a:latin typeface="Arial" panose="020B0604020202020204" pitchFamily="34" charset="0"/>
-              </a:defRPr>
-            </a:lvl9pPr>
-          </a:lstStyle>
-          <a:p>
-            <a:pPr marL="0" marR="0" lvl="0" indent="0" algn="l" defTabSz="914400" rtl="0" eaLnBrk="0" fontAlgn="base" latinLnBrk="0" hangingPunct="0">
-              <a:lnSpc>
-                <a:spcPct val="100000"/>
-              </a:lnSpc>
-              <a:spcBef>
-                <a:spcPct val="0"/>
-              </a:spcBef>
-              <a:spcAft>
-                <a:spcPct val="0"/>
-              </a:spcAft>
-              <a:buClrTx/>
-              <a:buSzTx/>
-              <a:buFontTx/>
-              <a:buNone/>
-              <a:tabLst/>
-            </a:pPr>
-            <a:r>
-              <a:rPr kumimoji="0" lang="en-US" altLang="en-US" sz="1800" b="0" i="0" u="none" strike="noStrike" cap="none" normalizeH="0" baseline="0" smtClean="0">
-                <a:ln>
-                  <a:noFill/>
-                </a:ln>
-                <a:solidFill>
-                  <a:srgbClr val="000000"/>
-                </a:solidFill>
-                <a:effectLst/>
-                <a:latin typeface="Times New Roman" panose="02020603050405020304" pitchFamily="18" charset="0"/>
-                <a:cs typeface="Times New Roman" panose="02020603050405020304" pitchFamily="18" charset="0"/>
-              </a:rPr>
-              <a:t> let </a:t>
-            </a:r>
-            <a:r>
-              <a:rPr kumimoji="0" lang="en-US" altLang="en-US" sz="1800" b="0" i="0" u="none" strike="noStrike" cap="none" normalizeH="0" baseline="0" smtClean="0">
-                <a:ln>
-                  <a:noFill/>
-                </a:ln>
-                <a:solidFill>
-                  <a:schemeClr val="tx1"/>
-                </a:solidFill>
-                <a:effectLst/>
-              </a:rPr>
-              <a:t>  </a:t>
-            </a:r>
-            <a:r>
-              <a:rPr kumimoji="0" lang="en-US" altLang="en-US" sz="1900" b="0" i="0" u="none" strike="noStrike" cap="none" normalizeH="0" baseline="0" smtClean="0">
-                <a:ln>
-                  <a:noFill/>
-                </a:ln>
-                <a:solidFill>
-                  <a:srgbClr val="000000"/>
-                </a:solidFill>
-                <a:effectLst/>
-                <a:latin typeface="Times New Roman" panose="02020603050405020304" pitchFamily="18" charset="0"/>
-                <a:cs typeface="Times New Roman" panose="02020603050405020304" pitchFamily="18" charset="0"/>
-              </a:rPr>
-              <a:t> </a:t>
-            </a:r>
-            <a:r>
-              <a:rPr kumimoji="0" lang="en-US" altLang="en-US" sz="1800" b="0" i="0" u="none" strike="noStrike" cap="none" normalizeH="0" baseline="0" smtClean="0">
-                <a:ln>
-                  <a:noFill/>
-                </a:ln>
-                <a:solidFill>
-                  <a:srgbClr val="000000"/>
-                </a:solidFill>
-                <a:effectLst/>
-                <a:latin typeface="Times New Roman" panose="02020603050405020304" pitchFamily="18" charset="0"/>
-                <a:cs typeface="Times New Roman" panose="02020603050405020304" pitchFamily="18" charset="0"/>
-              </a:rPr>
-              <a:t>be the relevance score assessors gave to document </a:t>
-            </a:r>
-            <a:r>
-              <a:rPr kumimoji="0" lang="en-US" altLang="en-US" sz="1800" b="0" i="0" u="none" strike="noStrike" cap="none" normalizeH="0" baseline="0" smtClean="0">
-                <a:ln>
-                  <a:noFill/>
-                </a:ln>
-                <a:solidFill>
-                  <a:schemeClr val="tx1"/>
-                </a:solidFill>
-                <a:effectLst/>
-              </a:rPr>
-              <a:t>  </a:t>
-            </a:r>
-            <a:r>
-              <a:rPr kumimoji="0" lang="en-US" altLang="en-US" sz="1800" b="0" i="0" u="none" strike="noStrike" cap="none" normalizeH="0" baseline="0" smtClean="0">
-                <a:ln>
-                  <a:noFill/>
-                </a:ln>
-                <a:solidFill>
-                  <a:srgbClr val="000000"/>
-                </a:solidFill>
-                <a:effectLst/>
-                <a:latin typeface="Times New Roman" panose="02020603050405020304" pitchFamily="18" charset="0"/>
-                <a:cs typeface="Times New Roman" panose="02020603050405020304" pitchFamily="18" charset="0"/>
-              </a:rPr>
-              <a:t> for query </a:t>
-            </a:r>
-            <a:r>
-              <a:rPr kumimoji="0" lang="en-US" altLang="en-US" sz="1800" b="0" i="0" u="none" strike="noStrike" cap="none" normalizeH="0" baseline="0" smtClean="0">
-                <a:ln>
-                  <a:noFill/>
-                </a:ln>
-                <a:solidFill>
-                  <a:schemeClr val="tx1"/>
-                </a:solidFill>
-                <a:effectLst/>
-              </a:rPr>
-              <a:t>  </a:t>
-            </a:r>
-            <a:r>
-              <a:rPr kumimoji="0" lang="en-US" altLang="en-US" sz="1800" b="0" i="0" u="none" strike="noStrike" cap="none" normalizeH="0" baseline="0" smtClean="0">
-                <a:ln>
-                  <a:noFill/>
-                </a:ln>
-                <a:solidFill>
-                  <a:schemeClr val="tx1"/>
-                </a:solidFill>
-                <a:effectLst/>
-                <a:latin typeface="Arial" panose="020B0604020202020204" pitchFamily="34" charset="0"/>
-              </a:rPr>
-              <a:t> </a:t>
-            </a:r>
-          </a:p>
-        </p:txBody>
-      </p:sp>
-      <p:pic>
-        <p:nvPicPr>
-          <p:cNvPr id="2050" name="Picture 2" descr="$R(j,d)$"/>
-          <p:cNvPicPr>
-            <a:picLocks noChangeAspect="1" noChangeArrowheads="1"/>
-          </p:cNvPicPr>
-          <p:nvPr/>
-        </p:nvPicPr>
-        <p:blipFill>
-          <a:blip r:embed="rId3">
-            <a:extLst>
-              <a:ext uri="{28A0092B-C50C-407E-A947-70E740481C1C}">
-                <a14:useLocalDpi xmlns:a14="http://schemas.microsoft.com/office/drawing/2010/main" val="0"/>
-              </a:ext>
-            </a:extLst>
-          </a:blip>
-          <a:srcRect/>
-          <a:stretch>
-            <a:fillRect/>
-          </a:stretch>
-        </p:blipFill>
-        <p:spPr bwMode="auto">
-          <a:xfrm>
-            <a:off x="498475" y="-144463"/>
-            <a:ext cx="466725" cy="314326"/>
-          </a:xfrm>
-          <a:prstGeom prst="rect">
-            <a:avLst/>
-          </a:prstGeom>
-          <a:noFill/>
-          <a:extLst>
-            <a:ext uri="{909E8E84-426E-40DD-AFC4-6F175D3DCCD1}">
-              <a14:hiddenFill xmlns:a14="http://schemas.microsoft.com/office/drawing/2010/main">
-                <a:solidFill>
-                  <a:srgbClr val="FFFFFF"/>
-                </a:solidFill>
-              </a14:hiddenFill>
-            </a:ext>
-          </a:extLst>
-        </p:spPr>
-      </p:pic>
-      <p:pic>
-        <p:nvPicPr>
-          <p:cNvPr id="2051" name="Picture 3" descr="$d$"/>
-          <p:cNvPicPr>
-            <a:picLocks noChangeAspect="1" noChangeArrowheads="1"/>
-          </p:cNvPicPr>
-          <p:nvPr/>
-        </p:nvPicPr>
-        <p:blipFill>
-          <a:blip r:embed="rId4">
-            <a:extLst>
-              <a:ext uri="{28A0092B-C50C-407E-A947-70E740481C1C}">
-                <a14:useLocalDpi xmlns:a14="http://schemas.microsoft.com/office/drawing/2010/main" val="0"/>
-              </a:ext>
-            </a:extLst>
-          </a:blip>
-          <a:srcRect/>
-          <a:stretch>
-            <a:fillRect/>
-          </a:stretch>
-        </p:blipFill>
-        <p:spPr bwMode="auto">
-          <a:xfrm>
-            <a:off x="5346700" y="-144463"/>
-            <a:ext cx="114300" cy="295276"/>
-          </a:xfrm>
-          <a:prstGeom prst="rect">
-            <a:avLst/>
-          </a:prstGeom>
-          <a:noFill/>
-          <a:extLst>
-            <a:ext uri="{909E8E84-426E-40DD-AFC4-6F175D3DCCD1}">
-              <a14:hiddenFill xmlns:a14="http://schemas.microsoft.com/office/drawing/2010/main">
-                <a:solidFill>
-                  <a:srgbClr val="FFFFFF"/>
-                </a:solidFill>
-              </a14:hiddenFill>
-            </a:ext>
-          </a:extLst>
-        </p:spPr>
-      </p:pic>
-      <p:pic>
-        <p:nvPicPr>
-          <p:cNvPr id="2052" name="Picture 4" descr="$j$"/>
-          <p:cNvPicPr>
-            <a:picLocks noChangeAspect="1" noChangeArrowheads="1"/>
-          </p:cNvPicPr>
-          <p:nvPr/>
-        </p:nvPicPr>
-        <p:blipFill>
-          <a:blip r:embed="rId5">
-            <a:extLst>
-              <a:ext uri="{28A0092B-C50C-407E-A947-70E740481C1C}">
-                <a14:useLocalDpi xmlns:a14="http://schemas.microsoft.com/office/drawing/2010/main" val="0"/>
-              </a:ext>
-            </a:extLst>
-          </a:blip>
-          <a:srcRect/>
-          <a:stretch>
-            <a:fillRect/>
-          </a:stretch>
-        </p:blipFill>
-        <p:spPr bwMode="auto">
-          <a:xfrm>
-            <a:off x="6432550" y="-144463"/>
-            <a:ext cx="85725" cy="295276"/>
-          </a:xfrm>
-          <a:prstGeom prst="rect">
-            <a:avLst/>
-          </a:prstGeom>
-          <a:noFill/>
-          <a:extLst>
-            <a:ext uri="{909E8E84-426E-40DD-AFC4-6F175D3DCCD1}">
-              <a14:hiddenFill xmlns:a14="http://schemas.microsoft.com/office/drawing/2010/main">
-                <a:solidFill>
-                  <a:srgbClr val="FFFFFF"/>
-                </a:solidFill>
-              </a14:hiddenFill>
-            </a:ext>
-          </a:extLst>
-        </p:spPr>
-      </p:pic>
-      <p:pic>
-        <p:nvPicPr>
-          <p:cNvPr id="1026" name="Picture 2" descr=" \mathrm{DCG_{p}} = \sum_{i=1}^{p} \frac{ 2^{rel_{i}} - 1 }{ \log_{2}(i+1)} "/>
-          <p:cNvPicPr>
-            <a:picLocks noChangeAspect="1" noChangeArrowheads="1"/>
-          </p:cNvPicPr>
-          <p:nvPr/>
-        </p:nvPicPr>
-        <p:blipFill>
-          <a:blip r:embed="rId6">
-            <a:extLst>
-              <a:ext uri="{28A0092B-C50C-407E-A947-70E740481C1C}">
-                <a14:useLocalDpi xmlns:a14="http://schemas.microsoft.com/office/drawing/2010/main" val="0"/>
-              </a:ext>
-            </a:extLst>
-          </a:blip>
-          <a:srcRect/>
-          <a:stretch>
-            <a:fillRect/>
-          </a:stretch>
-        </p:blipFill>
-        <p:spPr bwMode="auto">
-          <a:xfrm>
-            <a:off x="992163" y="3962398"/>
-            <a:ext cx="3294641" cy="913366"/>
-          </a:xfrm>
-          <a:prstGeom prst="rect">
-            <a:avLst/>
-          </a:prstGeom>
-          <a:noFill/>
-          <a:extLst>
-            <a:ext uri="{909E8E84-426E-40DD-AFC4-6F175D3DCCD1}">
-              <a14:hiddenFill xmlns:a14="http://schemas.microsoft.com/office/drawing/2010/main">
-                <a:solidFill>
-                  <a:srgbClr val="FFFFFF"/>
-                </a:solidFill>
-              </a14:hiddenFill>
-            </a:ext>
-          </a:extLst>
-        </p:spPr>
-      </p:pic>
-      <p:pic>
-        <p:nvPicPr>
-          <p:cNvPr id="1028" name="Picture 4" descr=" \mathrm{nDCG_{p}} = \frac{DCG_{p}}{IDCG_{p}} "/>
-          <p:cNvPicPr>
-            <a:picLocks noChangeAspect="1" noChangeArrowheads="1"/>
-          </p:cNvPicPr>
-          <p:nvPr/>
-        </p:nvPicPr>
-        <p:blipFill>
-          <a:blip r:embed="rId7">
-            <a:extLst>
-              <a:ext uri="{28A0092B-C50C-407E-A947-70E740481C1C}">
-                <a14:useLocalDpi xmlns:a14="http://schemas.microsoft.com/office/drawing/2010/main" val="0"/>
-              </a:ext>
-            </a:extLst>
-          </a:blip>
-          <a:srcRect/>
-          <a:stretch>
-            <a:fillRect/>
-          </a:stretch>
-        </p:blipFill>
-        <p:spPr bwMode="auto">
-          <a:xfrm>
-            <a:off x="4897318" y="3962398"/>
-            <a:ext cx="3070464" cy="913366"/>
-          </a:xfrm>
-          <a:prstGeom prst="rect">
-            <a:avLst/>
-          </a:prstGeom>
-          <a:noFill/>
-          <a:extLst>
-            <a:ext uri="{909E8E84-426E-40DD-AFC4-6F175D3DCCD1}">
-              <a14:hiddenFill xmlns:a14="http://schemas.microsoft.com/office/drawing/2010/main">
-                <a:solidFill>
-                  <a:srgbClr val="FFFFFF"/>
-                </a:solidFill>
-              </a14:hiddenFill>
-            </a:ext>
-          </a:extLst>
-        </p:spPr>
-      </p:pic>
-    </p:spTree>
-    <p:extLst>
-      <p:ext uri="{BB962C8B-B14F-4D97-AF65-F5344CB8AC3E}">
-        <p14:creationId xmlns:p14="http://schemas.microsoft.com/office/powerpoint/2010/main" val="554177243"/>
-      </p:ext>
-    </p:extLst>
-  </p:cSld>
-  <p:clrMapOvr>
-    <a:masterClrMapping/>
-  </p:clrMapOvr>
-  <mc:AlternateContent xmlns:mc="http://schemas.openxmlformats.org/markup-compatibility/2006" xmlns:p14="http://schemas.microsoft.com/office/powerpoint/2010/main">
-    <mc:Choice Requires="p14">
-      <p:transition spd="slow" p14:dur="2000"/>
-    </mc:Choice>
-    <mc:Fallback xmlns="">
-      <p:transition spd="slow"/>
-    </mc:Fallback>
-  </mc:AlternateContent>
-  <p:timing>
-    <p:tnLst>
-      <p:par>
-        <p:cTn id="1" dur="indefinite" restart="never" nodeType="tmRoot"/>
-      </p:par>
-    </p:tnLst>
-  </p:timing>
-</p:sld>
-</file>
-
-<file path=ppt/slides/slide59.xml><?xml version="1.0" encoding="utf-8"?>
-<p:sld xmlns:a="http://schemas.openxmlformats.org/drawingml/2006/main" xmlns:r="http://schemas.openxmlformats.org/officeDocument/2006/relationships" xmlns:p="http://schemas.openxmlformats.org/presentationml/2006/main">
-  <p:cSld>
-    <p:spTree>
-      <p:nvGrpSpPr>
-        <p:cNvPr id="1" name=""/>
-        <p:cNvGrpSpPr/>
-        <p:nvPr/>
-      </p:nvGrpSpPr>
-      <p:grpSpPr>
-        <a:xfrm>
-          <a:off x="0" y="0"/>
-          <a:ext cx="0" cy="0"/>
-          <a:chOff x="0" y="0"/>
-          <a:chExt cx="0" cy="0"/>
-        </a:xfrm>
-      </p:grpSpPr>
-      <p:sp>
-        <p:nvSpPr>
-          <p:cNvPr id="3" name="Title 2"/>
-          <p:cNvSpPr>
-            <a:spLocks noGrp="1"/>
-          </p:cNvSpPr>
-          <p:nvPr>
-            <p:ph type="title"/>
-          </p:nvPr>
-        </p:nvSpPr>
-        <p:spPr>
-          <a:xfrm>
-            <a:off x="1159668" y="533400"/>
-            <a:ext cx="7343775" cy="994172"/>
-          </a:xfrm>
-        </p:spPr>
-        <p:txBody>
-          <a:bodyPr/>
-          <a:lstStyle/>
-          <a:p>
-            <a:r>
-              <a:rPr lang="en-US" dirty="0"/>
-              <a:t>Ontology Similarity </a:t>
-            </a:r>
-          </a:p>
-        </p:txBody>
-      </p:sp>
-      <p:pic>
-        <p:nvPicPr>
-          <p:cNvPr id="2" name="Picture 1"/>
-          <p:cNvPicPr>
-            <a:picLocks noChangeAspect="1"/>
-          </p:cNvPicPr>
-          <p:nvPr/>
-        </p:nvPicPr>
-        <p:blipFill>
-          <a:blip r:embed="rId3"/>
-          <a:stretch>
-            <a:fillRect/>
-          </a:stretch>
-        </p:blipFill>
-        <p:spPr>
-          <a:xfrm>
-            <a:off x="1447800" y="2514600"/>
-            <a:ext cx="5715000" cy="4246041"/>
-          </a:xfrm>
-          <a:prstGeom prst="rect">
-            <a:avLst/>
-          </a:prstGeom>
-        </p:spPr>
-      </p:pic>
-      <p:sp>
-        <p:nvSpPr>
-          <p:cNvPr id="5" name="TextBox 4"/>
-          <p:cNvSpPr txBox="1"/>
-          <p:nvPr/>
-        </p:nvSpPr>
-        <p:spPr>
-          <a:xfrm>
-            <a:off x="1132186" y="1846788"/>
-            <a:ext cx="7052443" cy="523220"/>
-          </a:xfrm>
-          <a:prstGeom prst="rect">
-            <a:avLst/>
-          </a:prstGeom>
-          <a:solidFill>
-            <a:schemeClr val="bg1"/>
-          </a:solidFill>
-        </p:spPr>
-        <p:txBody>
-          <a:bodyPr wrap="square" rtlCol="0">
-            <a:spAutoFit/>
-          </a:bodyPr>
-          <a:lstStyle/>
-          <a:p>
-            <a:r>
-              <a:rPr lang="en-US" altLang="zh-CN" sz="2800" dirty="0" smtClean="0">
-                <a:solidFill>
-                  <a:srgbClr val="0066FF"/>
-                </a:solidFill>
-              </a:rPr>
-              <a:t>Terms similarity for </a:t>
-            </a:r>
-            <a:r>
-              <a:rPr lang="en-US" altLang="zh-CN" sz="2800" dirty="0" err="1" smtClean="0">
-                <a:solidFill>
-                  <a:srgbClr val="0066FF"/>
-                </a:solidFill>
-              </a:rPr>
-              <a:t>Javascript</a:t>
-            </a:r>
-            <a:r>
-              <a:rPr lang="en-US" altLang="zh-CN" sz="2800" dirty="0" smtClean="0">
-                <a:solidFill>
-                  <a:srgbClr val="0066FF"/>
-                </a:solidFill>
-              </a:rPr>
-              <a:t>, </a:t>
-            </a:r>
-            <a:r>
-              <a:rPr lang="en-US" altLang="zh-CN" dirty="0" smtClean="0">
-                <a:solidFill>
-                  <a:srgbClr val="0066FF"/>
-                </a:solidFill>
-              </a:rPr>
-              <a:t>NDCG = 0.94</a:t>
-            </a:r>
-            <a:endParaRPr lang="en-US" dirty="0">
-              <a:solidFill>
-                <a:schemeClr val="tx1"/>
-              </a:solidFill>
-            </a:endParaRPr>
-          </a:p>
-        </p:txBody>
-      </p:sp>
-    </p:spTree>
-    <p:extLst>
-      <p:ext uri="{BB962C8B-B14F-4D97-AF65-F5344CB8AC3E}">
-        <p14:creationId xmlns:p14="http://schemas.microsoft.com/office/powerpoint/2010/main" val="4053220873"/>
-      </p:ext>
-    </p:extLst>
-  </p:cSld>
-  <p:clrMapOvr>
-    <a:masterClrMapping/>
-  </p:clrMapOvr>
-  <mc:AlternateContent xmlns:mc="http://schemas.openxmlformats.org/markup-compatibility/2006" xmlns:p14="http://schemas.microsoft.com/office/powerpoint/2010/main">
-    <mc:Choice Requires="p14">
-      <p:transition spd="slow" p14:dur="2000"/>
-    </mc:Choice>
-    <mc:Fallback xmlns="">
-      <p:transition spd="slow"/>
-    </mc:Fallback>
-  </mc:AlternateContent>
   <p:timing>
     <p:tnLst>
       <p:par>
@@ -20041,7 +19730,7 @@
           <a:effectLst/>
           <a:extLst>
             <a:ext uri="{AF507438-7753-43e0-B8FC-AC1667EBCBE1}">
-              <a14:hiddenEffects xmlns="" xmlns:a14="http://schemas.microsoft.com/office/drawing/2010/main">
+              <a14:hiddenEffects xmlns:a14="http://schemas.microsoft.com/office/drawing/2010/main" xmlns="">
                 <a:effectLst>
                   <a:outerShdw blurRad="63500" dist="38099" dir="2700000" algn="ctr" rotWithShape="0">
                     <a:schemeClr val="bg2">
@@ -20123,7 +19812,7 @@
           <a:effectLst/>
           <a:extLst>
             <a:ext uri="{AF507438-7753-43e0-B8FC-AC1667EBCBE1}">
-              <a14:hiddenEffects xmlns="" xmlns:a14="http://schemas.microsoft.com/office/drawing/2010/main">
+              <a14:hiddenEffects xmlns:a14="http://schemas.microsoft.com/office/drawing/2010/main" xmlns="">
                 <a:effectLst>
                   <a:outerShdw blurRad="63500" dist="38099" dir="2700000" algn="ctr" rotWithShape="0">
                     <a:schemeClr val="bg2">
@@ -20356,6 +20045,1010 @@
       </p:grpSpPr>
       <p:sp>
         <p:nvSpPr>
+          <p:cNvPr id="2" name="Content Placeholder 1"/>
+          <p:cNvSpPr>
+            <a:spLocks noGrp="1"/>
+          </p:cNvSpPr>
+          <p:nvPr>
+            <p:ph idx="1"/>
+          </p:nvPr>
+        </p:nvSpPr>
+        <p:spPr>
+          <a:xfrm>
+            <a:off x="549994" y="2438400"/>
+            <a:ext cx="8228013" cy="3024188"/>
+          </a:xfrm>
+        </p:spPr>
+        <p:txBody>
+          <a:bodyPr/>
+          <a:lstStyle/>
+          <a:p>
+            <a:r>
+              <a:rPr lang="en-US" dirty="0" smtClean="0"/>
+              <a:t>Accuracy of </a:t>
+            </a:r>
+            <a:r>
+              <a:rPr lang="en-US" dirty="0"/>
+              <a:t>Information </a:t>
+            </a:r>
+            <a:r>
+              <a:rPr lang="en-US" dirty="0" smtClean="0"/>
+              <a:t>Extraction </a:t>
+            </a:r>
+            <a:r>
+              <a:rPr lang="en-US" altLang="zh-CN" dirty="0" smtClean="0"/>
+              <a:t>Comparing to CRFs</a:t>
+            </a:r>
+            <a:r>
+              <a:rPr lang="en-US" dirty="0" smtClean="0"/>
+              <a:t> Model</a:t>
+            </a:r>
+            <a:endParaRPr lang="en-US" dirty="0"/>
+          </a:p>
+        </p:txBody>
+      </p:sp>
+      <p:sp>
+        <p:nvSpPr>
+          <p:cNvPr id="3" name="Title 2"/>
+          <p:cNvSpPr>
+            <a:spLocks noGrp="1"/>
+          </p:cNvSpPr>
+          <p:nvPr>
+            <p:ph type="title"/>
+          </p:nvPr>
+        </p:nvSpPr>
+        <p:spPr>
+          <a:xfrm>
+            <a:off x="549994" y="533400"/>
+            <a:ext cx="7467600" cy="994172"/>
+          </a:xfrm>
+        </p:spPr>
+        <p:txBody>
+          <a:bodyPr/>
+          <a:lstStyle/>
+          <a:p>
+            <a:r>
+              <a:rPr lang="en-US" dirty="0"/>
+              <a:t>Information Extraction </a:t>
+            </a:r>
+          </a:p>
+        </p:txBody>
+      </p:sp>
+      <p:pic>
+        <p:nvPicPr>
+          <p:cNvPr id="5" name="Picture 4"/>
+          <p:cNvPicPr>
+            <a:picLocks noChangeAspect="1"/>
+          </p:cNvPicPr>
+          <p:nvPr/>
+        </p:nvPicPr>
+        <p:blipFill>
+          <a:blip r:embed="rId2"/>
+          <a:stretch>
+            <a:fillRect/>
+          </a:stretch>
+        </p:blipFill>
+        <p:spPr>
+          <a:xfrm>
+            <a:off x="381000" y="3810000"/>
+            <a:ext cx="8553533" cy="2133600"/>
+          </a:xfrm>
+          <a:prstGeom prst="rect">
+            <a:avLst/>
+          </a:prstGeom>
+        </p:spPr>
+      </p:pic>
+    </p:spTree>
+    <p:extLst>
+      <p:ext uri="{BB962C8B-B14F-4D97-AF65-F5344CB8AC3E}">
+        <p14:creationId xmlns:p14="http://schemas.microsoft.com/office/powerpoint/2010/main" val="2335049587"/>
+      </p:ext>
+    </p:extLst>
+  </p:cSld>
+  <p:clrMapOvr>
+    <a:masterClrMapping/>
+  </p:clrMapOvr>
+  <mc:AlternateContent xmlns:mc="http://schemas.openxmlformats.org/markup-compatibility/2006" xmlns:p14="http://schemas.microsoft.com/office/powerpoint/2010/main">
+    <mc:Choice Requires="p14">
+      <p:transition spd="slow" p14:dur="2000"/>
+    </mc:Choice>
+    <mc:Fallback xmlns="">
+      <p:transition spd="slow"/>
+    </mc:Fallback>
+  </mc:AlternateContent>
+  <p:timing>
+    <p:tnLst>
+      <p:par>
+        <p:cTn id="1" dur="indefinite" restart="never" nodeType="tmRoot"/>
+      </p:par>
+    </p:tnLst>
+  </p:timing>
+</p:sld>
+</file>
+
+<file path=ppt/slides/slide61.xml><?xml version="1.0" encoding="utf-8"?>
+<p:sld xmlns:a="http://schemas.openxmlformats.org/drawingml/2006/main" xmlns:r="http://schemas.openxmlformats.org/officeDocument/2006/relationships" xmlns:p="http://schemas.openxmlformats.org/presentationml/2006/main">
+  <p:cSld>
+    <p:spTree>
+      <p:nvGrpSpPr>
+        <p:cNvPr id="1" name=""/>
+        <p:cNvGrpSpPr/>
+        <p:nvPr/>
+      </p:nvGrpSpPr>
+      <p:grpSpPr>
+        <a:xfrm>
+          <a:off x="0" y="0"/>
+          <a:ext cx="0" cy="0"/>
+          <a:chOff x="0" y="0"/>
+          <a:chExt cx="0" cy="0"/>
+        </a:xfrm>
+      </p:grpSpPr>
+      <p:sp>
+        <p:nvSpPr>
+          <p:cNvPr id="2" name="Content Placeholder 1"/>
+          <p:cNvSpPr>
+            <a:spLocks noGrp="1"/>
+          </p:cNvSpPr>
+          <p:nvPr>
+            <p:ph idx="1"/>
+          </p:nvPr>
+        </p:nvSpPr>
+        <p:spPr>
+          <a:xfrm>
+            <a:off x="838200" y="2438398"/>
+            <a:ext cx="8228013" cy="4724401"/>
+          </a:xfrm>
+        </p:spPr>
+        <p:txBody>
+          <a:bodyPr/>
+          <a:lstStyle/>
+          <a:p>
+            <a:r>
+              <a:rPr lang="en-US" dirty="0" smtClean="0"/>
+              <a:t>NDCG </a:t>
+            </a:r>
+            <a:r>
+              <a:rPr lang="en-US" dirty="0">
+                <a:solidFill>
+                  <a:schemeClr val="tx1"/>
+                </a:solidFill>
+              </a:rPr>
+              <a:t>–</a:t>
+            </a:r>
+            <a:r>
+              <a:rPr lang="en-US" dirty="0" smtClean="0"/>
+              <a:t> Normalized </a:t>
+            </a:r>
+            <a:r>
+              <a:rPr lang="en-US" dirty="0"/>
+              <a:t>Discounted Cumulative </a:t>
+            </a:r>
+            <a:r>
+              <a:rPr lang="en-US" dirty="0" smtClean="0"/>
+              <a:t>Gain </a:t>
+            </a:r>
+          </a:p>
+          <a:p>
+            <a:endParaRPr lang="en-US" dirty="0"/>
+          </a:p>
+          <a:p>
+            <a:endParaRPr lang="en-US" dirty="0" smtClean="0"/>
+          </a:p>
+          <a:p>
+            <a:endParaRPr lang="en-US" dirty="0">
+              <a:solidFill>
+                <a:schemeClr val="tx1"/>
+              </a:solidFill>
+            </a:endParaRPr>
+          </a:p>
+          <a:p>
+            <a:r>
+              <a:rPr lang="en-US" dirty="0">
+                <a:solidFill>
+                  <a:schemeClr val="tx1"/>
+                </a:solidFill>
+              </a:rPr>
+              <a:t> </a:t>
+            </a:r>
+            <a:r>
+              <a:rPr lang="en-US" dirty="0" err="1" smtClean="0">
+                <a:latin typeface="Calibri" panose="020F0502020204030204" pitchFamily="34" charset="0"/>
+              </a:rPr>
+              <a:t>rel</a:t>
+            </a:r>
+            <a:r>
+              <a:rPr lang="en-US" baseline="-25000" dirty="0" err="1" smtClean="0">
+                <a:latin typeface="Calibri" panose="020F0502020204030204" pitchFamily="34" charset="0"/>
+              </a:rPr>
+              <a:t>i</a:t>
+            </a:r>
+            <a:r>
+              <a:rPr lang="en-US" baseline="-25000" dirty="0" smtClean="0"/>
+              <a:t> </a:t>
+            </a:r>
+            <a:r>
+              <a:rPr lang="en-US" dirty="0" smtClean="0">
+                <a:solidFill>
+                  <a:schemeClr val="tx1"/>
+                </a:solidFill>
+              </a:rPr>
+              <a:t>is the </a:t>
+            </a:r>
+            <a:r>
+              <a:rPr lang="en-US" dirty="0">
+                <a:solidFill>
+                  <a:schemeClr val="tx1"/>
+                </a:solidFill>
+              </a:rPr>
+              <a:t>relevance score assessors </a:t>
+            </a:r>
+            <a:r>
+              <a:rPr lang="en-US" dirty="0" smtClean="0">
+                <a:solidFill>
+                  <a:schemeClr val="tx1"/>
+                </a:solidFill>
+              </a:rPr>
+              <a:t>given </a:t>
+            </a:r>
+            <a:r>
+              <a:rPr lang="en-US" dirty="0">
+                <a:solidFill>
+                  <a:schemeClr val="tx1"/>
+                </a:solidFill>
+              </a:rPr>
+              <a:t>to document </a:t>
+            </a:r>
+            <a:r>
+              <a:rPr lang="en-US" dirty="0" smtClean="0">
+                <a:solidFill>
+                  <a:schemeClr val="tx1"/>
+                </a:solidFill>
+              </a:rPr>
+              <a:t>d </a:t>
+            </a:r>
+            <a:r>
+              <a:rPr lang="en-US" dirty="0">
+                <a:solidFill>
+                  <a:schemeClr val="tx1"/>
+                </a:solidFill>
+              </a:rPr>
+              <a:t>for query </a:t>
+            </a:r>
+            <a:r>
+              <a:rPr lang="en-US" dirty="0" smtClean="0">
+                <a:solidFill>
+                  <a:schemeClr val="tx1"/>
+                </a:solidFill>
+              </a:rPr>
+              <a:t>j</a:t>
+            </a:r>
+            <a:endParaRPr lang="en-US" dirty="0">
+              <a:solidFill>
+                <a:schemeClr val="tx1"/>
+              </a:solidFill>
+            </a:endParaRPr>
+          </a:p>
+        </p:txBody>
+      </p:sp>
+      <p:sp>
+        <p:nvSpPr>
+          <p:cNvPr id="3" name="Title 2"/>
+          <p:cNvSpPr>
+            <a:spLocks noGrp="1"/>
+          </p:cNvSpPr>
+          <p:nvPr>
+            <p:ph type="title"/>
+          </p:nvPr>
+        </p:nvSpPr>
+        <p:spPr>
+          <a:xfrm>
+            <a:off x="624007" y="529829"/>
+            <a:ext cx="7343775" cy="994172"/>
+          </a:xfrm>
+        </p:spPr>
+        <p:txBody>
+          <a:bodyPr/>
+          <a:lstStyle/>
+          <a:p>
+            <a:r>
+              <a:rPr lang="en-US" dirty="0"/>
+              <a:t>Ontology Similarity </a:t>
+            </a:r>
+          </a:p>
+        </p:txBody>
+      </p:sp>
+      <p:sp>
+        <p:nvSpPr>
+          <p:cNvPr id="5" name="Rectangle 1"/>
+          <p:cNvSpPr>
+            <a:spLocks noChangeArrowheads="1"/>
+          </p:cNvSpPr>
+          <p:nvPr/>
+        </p:nvSpPr>
+        <p:spPr bwMode="auto">
+          <a:xfrm>
+            <a:off x="0" y="0"/>
+            <a:ext cx="9144000" cy="0"/>
+          </a:xfrm>
+          <a:prstGeom prst="rect">
+            <a:avLst/>
+          </a:prstGeom>
+          <a:noFill/>
+          <a:ln>
+            <a:noFill/>
+          </a:ln>
+          <a:effectLst/>
+          <a:extLst>
+            <a:ext uri="{909E8E84-426E-40DD-AFC4-6F175D3DCCD1}">
+              <a14:hiddenFill xmlns:a14="http://schemas.microsoft.com/office/drawing/2010/main">
+                <a:solidFill>
+                  <a:schemeClr val="accent1"/>
+                </a:solidFill>
+              </a14:hiddenFill>
+            </a:ext>
+            <a:ext uri="{91240B29-F687-4F45-9708-019B960494DF}">
+              <a14:hiddenLine xmlns:a14="http://schemas.microsoft.com/office/drawing/2010/main" w="9525">
+                <a:solidFill>
+                  <a:schemeClr val="tx1"/>
+                </a:solidFill>
+                <a:miter lim="800000"/>
+                <a:headEnd/>
+                <a:tailEnd/>
+              </a14:hiddenLine>
+            </a:ext>
+            <a:ext uri="{AF507438-7753-43E0-B8FC-AC1667EBCBE1}">
+              <a14:hiddenEffects xmlns:a14="http://schemas.microsoft.com/office/drawing/2010/main">
+                <a:effectLst>
+                  <a:outerShdw dist="35921" dir="2700000" algn="ctr" rotWithShape="0">
+                    <a:schemeClr val="bg2"/>
+                  </a:outerShdw>
+                </a:effectLst>
+              </a14:hiddenEffects>
+            </a:ext>
+          </a:extLst>
+        </p:spPr>
+        <p:txBody>
+          <a:bodyPr vert="horz" wrap="none" lIns="91440" tIns="45720" rIns="91440" bIns="45720" numCol="1" anchor="ctr" anchorCtr="0" compatLnSpc="1">
+            <a:prstTxWarp prst="textNoShape">
+              <a:avLst/>
+            </a:prstTxWarp>
+            <a:spAutoFit/>
+          </a:bodyPr>
+          <a:lstStyle>
+            <a:lvl1pPr eaLnBrk="0" hangingPunct="0">
+              <a:defRPr>
+                <a:solidFill>
+                  <a:schemeClr val="tx1"/>
+                </a:solidFill>
+                <a:latin typeface="Arial" panose="020B0604020202020204" pitchFamily="34" charset="0"/>
+              </a:defRPr>
+            </a:lvl1pPr>
+            <a:lvl2pPr marL="457200" eaLnBrk="0" hangingPunct="0">
+              <a:defRPr>
+                <a:solidFill>
+                  <a:schemeClr val="tx1"/>
+                </a:solidFill>
+                <a:latin typeface="Arial" panose="020B0604020202020204" pitchFamily="34" charset="0"/>
+              </a:defRPr>
+            </a:lvl2pPr>
+            <a:lvl3pPr marL="914400" eaLnBrk="0" hangingPunct="0">
+              <a:defRPr>
+                <a:solidFill>
+                  <a:schemeClr val="tx1"/>
+                </a:solidFill>
+                <a:latin typeface="Arial" panose="020B0604020202020204" pitchFamily="34" charset="0"/>
+              </a:defRPr>
+            </a:lvl3pPr>
+            <a:lvl4pPr marL="1371600" eaLnBrk="0" hangingPunct="0">
+              <a:defRPr>
+                <a:solidFill>
+                  <a:schemeClr val="tx1"/>
+                </a:solidFill>
+                <a:latin typeface="Arial" panose="020B0604020202020204" pitchFamily="34" charset="0"/>
+              </a:defRPr>
+            </a:lvl4pPr>
+            <a:lvl5pPr marL="1828800" eaLnBrk="0" hangingPunct="0">
+              <a:defRPr>
+                <a:solidFill>
+                  <a:schemeClr val="tx1"/>
+                </a:solidFill>
+                <a:latin typeface="Arial" panose="020B0604020202020204" pitchFamily="34" charset="0"/>
+              </a:defRPr>
+            </a:lvl5pPr>
+            <a:lvl6pPr eaLnBrk="0" fontAlgn="base" hangingPunct="0">
+              <a:spcBef>
+                <a:spcPct val="0"/>
+              </a:spcBef>
+              <a:spcAft>
+                <a:spcPct val="0"/>
+              </a:spcAft>
+              <a:defRPr>
+                <a:solidFill>
+                  <a:schemeClr val="tx1"/>
+                </a:solidFill>
+                <a:latin typeface="Arial" panose="020B0604020202020204" pitchFamily="34" charset="0"/>
+              </a:defRPr>
+            </a:lvl6pPr>
+            <a:lvl7pPr eaLnBrk="0" fontAlgn="base" hangingPunct="0">
+              <a:spcBef>
+                <a:spcPct val="0"/>
+              </a:spcBef>
+              <a:spcAft>
+                <a:spcPct val="0"/>
+              </a:spcAft>
+              <a:defRPr>
+                <a:solidFill>
+                  <a:schemeClr val="tx1"/>
+                </a:solidFill>
+                <a:latin typeface="Arial" panose="020B0604020202020204" pitchFamily="34" charset="0"/>
+              </a:defRPr>
+            </a:lvl7pPr>
+            <a:lvl8pPr eaLnBrk="0" fontAlgn="base" hangingPunct="0">
+              <a:spcBef>
+                <a:spcPct val="0"/>
+              </a:spcBef>
+              <a:spcAft>
+                <a:spcPct val="0"/>
+              </a:spcAft>
+              <a:defRPr>
+                <a:solidFill>
+                  <a:schemeClr val="tx1"/>
+                </a:solidFill>
+                <a:latin typeface="Arial" panose="020B0604020202020204" pitchFamily="34" charset="0"/>
+              </a:defRPr>
+            </a:lvl8pPr>
+            <a:lvl9pPr eaLnBrk="0" fontAlgn="base" hangingPunct="0">
+              <a:spcBef>
+                <a:spcPct val="0"/>
+              </a:spcBef>
+              <a:spcAft>
+                <a:spcPct val="0"/>
+              </a:spcAft>
+              <a:defRPr>
+                <a:solidFill>
+                  <a:schemeClr val="tx1"/>
+                </a:solidFill>
+                <a:latin typeface="Arial" panose="020B0604020202020204" pitchFamily="34" charset="0"/>
+              </a:defRPr>
+            </a:lvl9pPr>
+          </a:lstStyle>
+          <a:p>
+            <a:pPr marL="0" marR="0" lvl="0" indent="0" algn="l" defTabSz="914400" rtl="0" eaLnBrk="0" fontAlgn="base" latinLnBrk="0" hangingPunct="0">
+              <a:lnSpc>
+                <a:spcPct val="100000"/>
+              </a:lnSpc>
+              <a:spcBef>
+                <a:spcPct val="0"/>
+              </a:spcBef>
+              <a:spcAft>
+                <a:spcPct val="0"/>
+              </a:spcAft>
+              <a:buClrTx/>
+              <a:buSzTx/>
+              <a:buFontTx/>
+              <a:buNone/>
+              <a:tabLst/>
+            </a:pPr>
+            <a:r>
+              <a:rPr kumimoji="0" lang="en-US" altLang="en-US" sz="1800" b="0" i="0" u="none" strike="noStrike" cap="none" normalizeH="0" baseline="0" smtClean="0">
+                <a:ln>
+                  <a:noFill/>
+                </a:ln>
+                <a:solidFill>
+                  <a:srgbClr val="000000"/>
+                </a:solidFill>
+                <a:effectLst/>
+                <a:latin typeface="Times New Roman" panose="02020603050405020304" pitchFamily="18" charset="0"/>
+                <a:cs typeface="Times New Roman" panose="02020603050405020304" pitchFamily="18" charset="0"/>
+              </a:rPr>
+              <a:t> let </a:t>
+            </a:r>
+            <a:r>
+              <a:rPr kumimoji="0" lang="en-US" altLang="en-US" sz="1800" b="0" i="0" u="none" strike="noStrike" cap="none" normalizeH="0" baseline="0" smtClean="0">
+                <a:ln>
+                  <a:noFill/>
+                </a:ln>
+                <a:solidFill>
+                  <a:schemeClr val="tx1"/>
+                </a:solidFill>
+                <a:effectLst/>
+              </a:rPr>
+              <a:t>  </a:t>
+            </a:r>
+            <a:r>
+              <a:rPr kumimoji="0" lang="en-US" altLang="en-US" sz="1900" b="0" i="0" u="none" strike="noStrike" cap="none" normalizeH="0" baseline="0" smtClean="0">
+                <a:ln>
+                  <a:noFill/>
+                </a:ln>
+                <a:solidFill>
+                  <a:srgbClr val="000000"/>
+                </a:solidFill>
+                <a:effectLst/>
+                <a:latin typeface="Times New Roman" panose="02020603050405020304" pitchFamily="18" charset="0"/>
+                <a:cs typeface="Times New Roman" panose="02020603050405020304" pitchFamily="18" charset="0"/>
+              </a:rPr>
+              <a:t> </a:t>
+            </a:r>
+            <a:r>
+              <a:rPr kumimoji="0" lang="en-US" altLang="en-US" sz="1800" b="0" i="0" u="none" strike="noStrike" cap="none" normalizeH="0" baseline="0" smtClean="0">
+                <a:ln>
+                  <a:noFill/>
+                </a:ln>
+                <a:solidFill>
+                  <a:srgbClr val="000000"/>
+                </a:solidFill>
+                <a:effectLst/>
+                <a:latin typeface="Times New Roman" panose="02020603050405020304" pitchFamily="18" charset="0"/>
+                <a:cs typeface="Times New Roman" panose="02020603050405020304" pitchFamily="18" charset="0"/>
+              </a:rPr>
+              <a:t>be the relevance score assessors gave to document </a:t>
+            </a:r>
+            <a:r>
+              <a:rPr kumimoji="0" lang="en-US" altLang="en-US" sz="1800" b="0" i="0" u="none" strike="noStrike" cap="none" normalizeH="0" baseline="0" smtClean="0">
+                <a:ln>
+                  <a:noFill/>
+                </a:ln>
+                <a:solidFill>
+                  <a:schemeClr val="tx1"/>
+                </a:solidFill>
+                <a:effectLst/>
+              </a:rPr>
+              <a:t>  </a:t>
+            </a:r>
+            <a:r>
+              <a:rPr kumimoji="0" lang="en-US" altLang="en-US" sz="1800" b="0" i="0" u="none" strike="noStrike" cap="none" normalizeH="0" baseline="0" smtClean="0">
+                <a:ln>
+                  <a:noFill/>
+                </a:ln>
+                <a:solidFill>
+                  <a:srgbClr val="000000"/>
+                </a:solidFill>
+                <a:effectLst/>
+                <a:latin typeface="Times New Roman" panose="02020603050405020304" pitchFamily="18" charset="0"/>
+                <a:cs typeface="Times New Roman" panose="02020603050405020304" pitchFamily="18" charset="0"/>
+              </a:rPr>
+              <a:t> for query </a:t>
+            </a:r>
+            <a:r>
+              <a:rPr kumimoji="0" lang="en-US" altLang="en-US" sz="1800" b="0" i="0" u="none" strike="noStrike" cap="none" normalizeH="0" baseline="0" smtClean="0">
+                <a:ln>
+                  <a:noFill/>
+                </a:ln>
+                <a:solidFill>
+                  <a:schemeClr val="tx1"/>
+                </a:solidFill>
+                <a:effectLst/>
+              </a:rPr>
+              <a:t>  </a:t>
+            </a:r>
+            <a:r>
+              <a:rPr kumimoji="0" lang="en-US" altLang="en-US" sz="1800" b="0" i="0" u="none" strike="noStrike" cap="none" normalizeH="0" baseline="0" smtClean="0">
+                <a:ln>
+                  <a:noFill/>
+                </a:ln>
+                <a:solidFill>
+                  <a:schemeClr val="tx1"/>
+                </a:solidFill>
+                <a:effectLst/>
+                <a:latin typeface="Arial" panose="020B0604020202020204" pitchFamily="34" charset="0"/>
+              </a:rPr>
+              <a:t> </a:t>
+            </a:r>
+          </a:p>
+        </p:txBody>
+      </p:sp>
+      <p:pic>
+        <p:nvPicPr>
+          <p:cNvPr id="2050" name="Picture 2" descr="$R(j,d)$"/>
+          <p:cNvPicPr>
+            <a:picLocks noChangeAspect="1" noChangeArrowheads="1"/>
+          </p:cNvPicPr>
+          <p:nvPr/>
+        </p:nvPicPr>
+        <p:blipFill>
+          <a:blip r:embed="rId3">
+            <a:extLst>
+              <a:ext uri="{28A0092B-C50C-407E-A947-70E740481C1C}">
+                <a14:useLocalDpi xmlns:a14="http://schemas.microsoft.com/office/drawing/2010/main" val="0"/>
+              </a:ext>
+            </a:extLst>
+          </a:blip>
+          <a:srcRect/>
+          <a:stretch>
+            <a:fillRect/>
+          </a:stretch>
+        </p:blipFill>
+        <p:spPr bwMode="auto">
+          <a:xfrm>
+            <a:off x="498475" y="-144463"/>
+            <a:ext cx="466725" cy="314326"/>
+          </a:xfrm>
+          <a:prstGeom prst="rect">
+            <a:avLst/>
+          </a:prstGeom>
+          <a:noFill/>
+          <a:extLst>
+            <a:ext uri="{909E8E84-426E-40DD-AFC4-6F175D3DCCD1}">
+              <a14:hiddenFill xmlns:a14="http://schemas.microsoft.com/office/drawing/2010/main">
+                <a:solidFill>
+                  <a:srgbClr val="FFFFFF"/>
+                </a:solidFill>
+              </a14:hiddenFill>
+            </a:ext>
+          </a:extLst>
+        </p:spPr>
+      </p:pic>
+      <p:pic>
+        <p:nvPicPr>
+          <p:cNvPr id="2051" name="Picture 3" descr="$d$"/>
+          <p:cNvPicPr>
+            <a:picLocks noChangeAspect="1" noChangeArrowheads="1"/>
+          </p:cNvPicPr>
+          <p:nvPr/>
+        </p:nvPicPr>
+        <p:blipFill>
+          <a:blip r:embed="rId4">
+            <a:extLst>
+              <a:ext uri="{28A0092B-C50C-407E-A947-70E740481C1C}">
+                <a14:useLocalDpi xmlns:a14="http://schemas.microsoft.com/office/drawing/2010/main" val="0"/>
+              </a:ext>
+            </a:extLst>
+          </a:blip>
+          <a:srcRect/>
+          <a:stretch>
+            <a:fillRect/>
+          </a:stretch>
+        </p:blipFill>
+        <p:spPr bwMode="auto">
+          <a:xfrm>
+            <a:off x="5346700" y="-144463"/>
+            <a:ext cx="114300" cy="295276"/>
+          </a:xfrm>
+          <a:prstGeom prst="rect">
+            <a:avLst/>
+          </a:prstGeom>
+          <a:noFill/>
+          <a:extLst>
+            <a:ext uri="{909E8E84-426E-40DD-AFC4-6F175D3DCCD1}">
+              <a14:hiddenFill xmlns:a14="http://schemas.microsoft.com/office/drawing/2010/main">
+                <a:solidFill>
+                  <a:srgbClr val="FFFFFF"/>
+                </a:solidFill>
+              </a14:hiddenFill>
+            </a:ext>
+          </a:extLst>
+        </p:spPr>
+      </p:pic>
+      <p:pic>
+        <p:nvPicPr>
+          <p:cNvPr id="2052" name="Picture 4" descr="$j$"/>
+          <p:cNvPicPr>
+            <a:picLocks noChangeAspect="1" noChangeArrowheads="1"/>
+          </p:cNvPicPr>
+          <p:nvPr/>
+        </p:nvPicPr>
+        <p:blipFill>
+          <a:blip r:embed="rId5">
+            <a:extLst>
+              <a:ext uri="{28A0092B-C50C-407E-A947-70E740481C1C}">
+                <a14:useLocalDpi xmlns:a14="http://schemas.microsoft.com/office/drawing/2010/main" val="0"/>
+              </a:ext>
+            </a:extLst>
+          </a:blip>
+          <a:srcRect/>
+          <a:stretch>
+            <a:fillRect/>
+          </a:stretch>
+        </p:blipFill>
+        <p:spPr bwMode="auto">
+          <a:xfrm>
+            <a:off x="6432550" y="-144463"/>
+            <a:ext cx="85725" cy="295276"/>
+          </a:xfrm>
+          <a:prstGeom prst="rect">
+            <a:avLst/>
+          </a:prstGeom>
+          <a:noFill/>
+          <a:extLst>
+            <a:ext uri="{909E8E84-426E-40DD-AFC4-6F175D3DCCD1}">
+              <a14:hiddenFill xmlns:a14="http://schemas.microsoft.com/office/drawing/2010/main">
+                <a:solidFill>
+                  <a:srgbClr val="FFFFFF"/>
+                </a:solidFill>
+              </a14:hiddenFill>
+            </a:ext>
+          </a:extLst>
+        </p:spPr>
+      </p:pic>
+      <p:pic>
+        <p:nvPicPr>
+          <p:cNvPr id="1026" name="Picture 2" descr=" \mathrm{DCG_{p}} = \sum_{i=1}^{p} \frac{ 2^{rel_{i}} - 1 }{ \log_{2}(i+1)} "/>
+          <p:cNvPicPr>
+            <a:picLocks noChangeAspect="1" noChangeArrowheads="1"/>
+          </p:cNvPicPr>
+          <p:nvPr/>
+        </p:nvPicPr>
+        <p:blipFill>
+          <a:blip r:embed="rId6">
+            <a:extLst>
+              <a:ext uri="{28A0092B-C50C-407E-A947-70E740481C1C}">
+                <a14:useLocalDpi xmlns:a14="http://schemas.microsoft.com/office/drawing/2010/main" val="0"/>
+              </a:ext>
+            </a:extLst>
+          </a:blip>
+          <a:srcRect/>
+          <a:stretch>
+            <a:fillRect/>
+          </a:stretch>
+        </p:blipFill>
+        <p:spPr bwMode="auto">
+          <a:xfrm>
+            <a:off x="992163" y="3962398"/>
+            <a:ext cx="3294641" cy="913366"/>
+          </a:xfrm>
+          <a:prstGeom prst="rect">
+            <a:avLst/>
+          </a:prstGeom>
+          <a:noFill/>
+          <a:extLst>
+            <a:ext uri="{909E8E84-426E-40DD-AFC4-6F175D3DCCD1}">
+              <a14:hiddenFill xmlns:a14="http://schemas.microsoft.com/office/drawing/2010/main">
+                <a:solidFill>
+                  <a:srgbClr val="FFFFFF"/>
+                </a:solidFill>
+              </a14:hiddenFill>
+            </a:ext>
+          </a:extLst>
+        </p:spPr>
+      </p:pic>
+      <p:pic>
+        <p:nvPicPr>
+          <p:cNvPr id="1028" name="Picture 4" descr=" \mathrm{nDCG_{p}} = \frac{DCG_{p}}{IDCG_{p}} "/>
+          <p:cNvPicPr>
+            <a:picLocks noChangeAspect="1" noChangeArrowheads="1"/>
+          </p:cNvPicPr>
+          <p:nvPr/>
+        </p:nvPicPr>
+        <p:blipFill>
+          <a:blip r:embed="rId7">
+            <a:extLst>
+              <a:ext uri="{28A0092B-C50C-407E-A947-70E740481C1C}">
+                <a14:useLocalDpi xmlns:a14="http://schemas.microsoft.com/office/drawing/2010/main" val="0"/>
+              </a:ext>
+            </a:extLst>
+          </a:blip>
+          <a:srcRect/>
+          <a:stretch>
+            <a:fillRect/>
+          </a:stretch>
+        </p:blipFill>
+        <p:spPr bwMode="auto">
+          <a:xfrm>
+            <a:off x="4897318" y="3962398"/>
+            <a:ext cx="3070464" cy="913366"/>
+          </a:xfrm>
+          <a:prstGeom prst="rect">
+            <a:avLst/>
+          </a:prstGeom>
+          <a:noFill/>
+          <a:extLst>
+            <a:ext uri="{909E8E84-426E-40DD-AFC4-6F175D3DCCD1}">
+              <a14:hiddenFill xmlns:a14="http://schemas.microsoft.com/office/drawing/2010/main">
+                <a:solidFill>
+                  <a:srgbClr val="FFFFFF"/>
+                </a:solidFill>
+              </a14:hiddenFill>
+            </a:ext>
+          </a:extLst>
+        </p:spPr>
+      </p:pic>
+    </p:spTree>
+    <p:extLst>
+      <p:ext uri="{BB962C8B-B14F-4D97-AF65-F5344CB8AC3E}">
+        <p14:creationId xmlns:p14="http://schemas.microsoft.com/office/powerpoint/2010/main" val="554177243"/>
+      </p:ext>
+    </p:extLst>
+  </p:cSld>
+  <p:clrMapOvr>
+    <a:masterClrMapping/>
+  </p:clrMapOvr>
+  <mc:AlternateContent xmlns:mc="http://schemas.openxmlformats.org/markup-compatibility/2006" xmlns:p14="http://schemas.microsoft.com/office/powerpoint/2010/main">
+    <mc:Choice Requires="p14">
+      <p:transition spd="slow" p14:dur="2000"/>
+    </mc:Choice>
+    <mc:Fallback xmlns="">
+      <p:transition spd="slow"/>
+    </mc:Fallback>
+  </mc:AlternateContent>
+  <p:timing>
+    <p:tnLst>
+      <p:par>
+        <p:cTn id="1" dur="indefinite" restart="never" nodeType="tmRoot"/>
+      </p:par>
+    </p:tnLst>
+  </p:timing>
+</p:sld>
+</file>
+
+<file path=ppt/slides/slide62.xml><?xml version="1.0" encoding="utf-8"?>
+<p:sld xmlns:a="http://schemas.openxmlformats.org/drawingml/2006/main" xmlns:r="http://schemas.openxmlformats.org/officeDocument/2006/relationships" xmlns:p="http://schemas.openxmlformats.org/presentationml/2006/main">
+  <p:cSld>
+    <p:spTree>
+      <p:nvGrpSpPr>
+        <p:cNvPr id="1" name=""/>
+        <p:cNvGrpSpPr/>
+        <p:nvPr/>
+      </p:nvGrpSpPr>
+      <p:grpSpPr>
+        <a:xfrm>
+          <a:off x="0" y="0"/>
+          <a:ext cx="0" cy="0"/>
+          <a:chOff x="0" y="0"/>
+          <a:chExt cx="0" cy="0"/>
+        </a:xfrm>
+      </p:grpSpPr>
+      <p:sp>
+        <p:nvSpPr>
+          <p:cNvPr id="3" name="Title 2"/>
+          <p:cNvSpPr>
+            <a:spLocks noGrp="1"/>
+          </p:cNvSpPr>
+          <p:nvPr>
+            <p:ph type="title"/>
+          </p:nvPr>
+        </p:nvSpPr>
+        <p:spPr>
+          <a:xfrm>
+            <a:off x="1159668" y="533400"/>
+            <a:ext cx="7343775" cy="994172"/>
+          </a:xfrm>
+        </p:spPr>
+        <p:txBody>
+          <a:bodyPr/>
+          <a:lstStyle/>
+          <a:p>
+            <a:r>
+              <a:rPr lang="en-US" dirty="0"/>
+              <a:t>Ontology Similarity </a:t>
+            </a:r>
+          </a:p>
+        </p:txBody>
+      </p:sp>
+      <p:pic>
+        <p:nvPicPr>
+          <p:cNvPr id="2" name="Picture 1"/>
+          <p:cNvPicPr>
+            <a:picLocks noChangeAspect="1"/>
+          </p:cNvPicPr>
+          <p:nvPr/>
+        </p:nvPicPr>
+        <p:blipFill>
+          <a:blip r:embed="rId3"/>
+          <a:stretch>
+            <a:fillRect/>
+          </a:stretch>
+        </p:blipFill>
+        <p:spPr>
+          <a:xfrm>
+            <a:off x="1447800" y="2514600"/>
+            <a:ext cx="5715000" cy="4246041"/>
+          </a:xfrm>
+          <a:prstGeom prst="rect">
+            <a:avLst/>
+          </a:prstGeom>
+        </p:spPr>
+      </p:pic>
+      <p:sp>
+        <p:nvSpPr>
+          <p:cNvPr id="5" name="TextBox 4"/>
+          <p:cNvSpPr txBox="1"/>
+          <p:nvPr/>
+        </p:nvSpPr>
+        <p:spPr>
+          <a:xfrm>
+            <a:off x="1132186" y="1846788"/>
+            <a:ext cx="7052443" cy="523220"/>
+          </a:xfrm>
+          <a:prstGeom prst="rect">
+            <a:avLst/>
+          </a:prstGeom>
+          <a:solidFill>
+            <a:schemeClr val="bg1"/>
+          </a:solidFill>
+        </p:spPr>
+        <p:txBody>
+          <a:bodyPr wrap="square" rtlCol="0">
+            <a:spAutoFit/>
+          </a:bodyPr>
+          <a:lstStyle/>
+          <a:p>
+            <a:r>
+              <a:rPr lang="en-US" altLang="zh-CN" sz="2800" dirty="0" smtClean="0">
+                <a:solidFill>
+                  <a:srgbClr val="0066FF"/>
+                </a:solidFill>
+              </a:rPr>
+              <a:t>Terms similarity for </a:t>
+            </a:r>
+            <a:r>
+              <a:rPr lang="en-US" altLang="zh-CN" sz="2800" dirty="0" err="1" smtClean="0">
+                <a:solidFill>
+                  <a:srgbClr val="0066FF"/>
+                </a:solidFill>
+              </a:rPr>
+              <a:t>Javascript</a:t>
+            </a:r>
+            <a:r>
+              <a:rPr lang="en-US" altLang="zh-CN" sz="2800" dirty="0" smtClean="0">
+                <a:solidFill>
+                  <a:srgbClr val="0066FF"/>
+                </a:solidFill>
+              </a:rPr>
+              <a:t>, </a:t>
+            </a:r>
+            <a:r>
+              <a:rPr lang="en-US" altLang="zh-CN" dirty="0" smtClean="0">
+                <a:solidFill>
+                  <a:srgbClr val="0066FF"/>
+                </a:solidFill>
+              </a:rPr>
+              <a:t>NDCG = 0.94</a:t>
+            </a:r>
+            <a:endParaRPr lang="en-US" dirty="0">
+              <a:solidFill>
+                <a:schemeClr val="tx1"/>
+              </a:solidFill>
+            </a:endParaRPr>
+          </a:p>
+        </p:txBody>
+      </p:sp>
+    </p:spTree>
+    <p:extLst>
+      <p:ext uri="{BB962C8B-B14F-4D97-AF65-F5344CB8AC3E}">
+        <p14:creationId xmlns:p14="http://schemas.microsoft.com/office/powerpoint/2010/main" val="4053220873"/>
+      </p:ext>
+    </p:extLst>
+  </p:cSld>
+  <p:clrMapOvr>
+    <a:masterClrMapping/>
+  </p:clrMapOvr>
+  <mc:AlternateContent xmlns:mc="http://schemas.openxmlformats.org/markup-compatibility/2006" xmlns:p14="http://schemas.microsoft.com/office/powerpoint/2010/main">
+    <mc:Choice Requires="p14">
+      <p:transition spd="slow" p14:dur="2000"/>
+    </mc:Choice>
+    <mc:Fallback xmlns="">
+      <p:transition spd="slow"/>
+    </mc:Fallback>
+  </mc:AlternateContent>
+  <p:timing>
+    <p:tnLst>
+      <p:par>
+        <p:cTn id="1" dur="indefinite" restart="never" nodeType="tmRoot"/>
+      </p:par>
+    </p:tnLst>
+  </p:timing>
+</p:sld>
+</file>
+
+<file path=ppt/slides/slide63.xml><?xml version="1.0" encoding="utf-8"?>
+<p:sld xmlns:a="http://schemas.openxmlformats.org/drawingml/2006/main" xmlns:r="http://schemas.openxmlformats.org/officeDocument/2006/relationships" xmlns:p="http://schemas.openxmlformats.org/presentationml/2006/main">
+  <p:cSld>
+    <p:spTree>
+      <p:nvGrpSpPr>
+        <p:cNvPr id="1" name=""/>
+        <p:cNvGrpSpPr/>
+        <p:nvPr/>
+      </p:nvGrpSpPr>
+      <p:grpSpPr>
+        <a:xfrm>
+          <a:off x="0" y="0"/>
+          <a:ext cx="0" cy="0"/>
+          <a:chOff x="0" y="0"/>
+          <a:chExt cx="0" cy="0"/>
+        </a:xfrm>
+      </p:grpSpPr>
+      <p:sp>
+        <p:nvSpPr>
           <p:cNvPr id="3" name="Title 2"/>
           <p:cNvSpPr>
             <a:spLocks noGrp="1"/>
@@ -20481,7 +21174,7 @@
 </p:sld>
 </file>
 
-<file path=ppt/slides/slide61.xml><?xml version="1.0" encoding="utf-8"?>
+<file path=ppt/slides/slide64.xml><?xml version="1.0" encoding="utf-8"?>
 <p:sld xmlns:a="http://schemas.openxmlformats.org/drawingml/2006/main" xmlns:r="http://schemas.openxmlformats.org/officeDocument/2006/relationships" xmlns:p="http://schemas.openxmlformats.org/presentationml/2006/main">
   <p:cSld>
     <p:spTree>
@@ -20646,7 +21339,7 @@
 </p:sld>
 </file>
 
-<file path=ppt/slides/slide62.xml><?xml version="1.0" encoding="utf-8"?>
+<file path=ppt/slides/slide65.xml><?xml version="1.0" encoding="utf-8"?>
 <p:sld xmlns:a="http://schemas.openxmlformats.org/drawingml/2006/main" xmlns:r="http://schemas.openxmlformats.org/officeDocument/2006/relationships" xmlns:p="http://schemas.openxmlformats.org/presentationml/2006/main">
   <p:cSld>
     <p:spTree>
@@ -20826,7 +21519,7 @@
 </p:sld>
 </file>
 
-<file path=ppt/slides/slide63.xml><?xml version="1.0" encoding="utf-8"?>
+<file path=ppt/slides/slide66.xml><?xml version="1.0" encoding="utf-8"?>
 <p:sld xmlns:a="http://schemas.openxmlformats.org/drawingml/2006/main" xmlns:r="http://schemas.openxmlformats.org/officeDocument/2006/relationships" xmlns:p="http://schemas.openxmlformats.org/presentationml/2006/main">
   <p:cSld>
     <p:spTree>
@@ -21035,7 +21728,7 @@
 </p:sld>
 </file>
 
-<file path=ppt/slides/slide64.xml><?xml version="1.0" encoding="utf-8"?>
+<file path=ppt/slides/slide67.xml><?xml version="1.0" encoding="utf-8"?>
 <p:sld xmlns:a="http://schemas.openxmlformats.org/drawingml/2006/main" xmlns:r="http://schemas.openxmlformats.org/officeDocument/2006/relationships" xmlns:p="http://schemas.openxmlformats.org/presentationml/2006/main">
   <p:cSld>
     <p:spTree>
@@ -21186,7 +21879,7 @@
 </p:sld>
 </file>
 
-<file path=ppt/slides/slide65.xml><?xml version="1.0" encoding="utf-8"?>
+<file path=ppt/slides/slide68.xml><?xml version="1.0" encoding="utf-8"?>
 <p:sld xmlns:a="http://schemas.openxmlformats.org/drawingml/2006/main" xmlns:r="http://schemas.openxmlformats.org/officeDocument/2006/relationships" xmlns:p="http://schemas.openxmlformats.org/presentationml/2006/main">
   <p:cSld>
     <p:spTree>
@@ -21327,7 +22020,7 @@
 </p:sld>
 </file>
 
-<file path=ppt/slides/slide66.xml><?xml version="1.0" encoding="utf-8"?>
+<file path=ppt/slides/slide69.xml><?xml version="1.0" encoding="utf-8"?>
 <p:sld xmlns:a="http://schemas.openxmlformats.org/drawingml/2006/main" xmlns:r="http://schemas.openxmlformats.org/officeDocument/2006/relationships" xmlns:p="http://schemas.openxmlformats.org/presentationml/2006/main">
   <p:cSld>
     <p:spTree>
@@ -21473,7 +22166,200 @@
 </p:sld>
 </file>
 
-<file path=ppt/slides/slide67.xml><?xml version="1.0" encoding="utf-8"?>
+<file path=ppt/slides/slide7.xml><?xml version="1.0" encoding="utf-8"?>
+<p:sld xmlns:a="http://schemas.openxmlformats.org/drawingml/2006/main" xmlns:r="http://schemas.openxmlformats.org/officeDocument/2006/relationships" xmlns:p="http://schemas.openxmlformats.org/presentationml/2006/main">
+  <p:cSld>
+    <p:spTree>
+      <p:nvGrpSpPr>
+        <p:cNvPr id="1" name=""/>
+        <p:cNvGrpSpPr/>
+        <p:nvPr/>
+      </p:nvGrpSpPr>
+      <p:grpSpPr>
+        <a:xfrm>
+          <a:off x="0" y="0"/>
+          <a:ext cx="0" cy="0"/>
+          <a:chOff x="0" y="0"/>
+          <a:chExt cx="0" cy="0"/>
+        </a:xfrm>
+      </p:grpSpPr>
+      <p:sp>
+        <p:nvSpPr>
+          <p:cNvPr id="2" name="Content Placeholder 1"/>
+          <p:cNvSpPr>
+            <a:spLocks noGrp="1"/>
+          </p:cNvSpPr>
+          <p:nvPr>
+            <p:ph idx="1"/>
+          </p:nvPr>
+        </p:nvSpPr>
+        <p:spPr>
+          <a:xfrm>
+            <a:off x="533400" y="2057400"/>
+            <a:ext cx="8228013" cy="3990975"/>
+          </a:xfrm>
+        </p:spPr>
+        <p:txBody>
+          <a:bodyPr/>
+          <a:lstStyle/>
+          <a:p>
+            <a:pPr>
+              <a:buClr>
+                <a:srgbClr val="C00000"/>
+              </a:buClr>
+              <a:buFont typeface="Wingdings" panose="05000000000000000000" pitchFamily="2" charset="2"/>
+              <a:buChar char="v"/>
+            </a:pPr>
+            <a:r>
+              <a:rPr lang="en-US" sz="2400" dirty="0"/>
+              <a:t>A résumé – job matching system</a:t>
+            </a:r>
+          </a:p>
+          <a:p>
+            <a:pPr>
+              <a:buClr>
+                <a:srgbClr val="C00000"/>
+              </a:buClr>
+              <a:buFont typeface="Wingdings" panose="05000000000000000000" pitchFamily="2" charset="2"/>
+              <a:buChar char="v"/>
+            </a:pPr>
+            <a:r>
+              <a:rPr lang="en-US" altLang="en-US" sz="2400" dirty="0"/>
+              <a:t>Propose </a:t>
+            </a:r>
+            <a:r>
+              <a:rPr lang="en-US" altLang="en-US" sz="2400" dirty="0" smtClean="0"/>
+              <a:t>a</a:t>
+            </a:r>
+            <a:r>
+              <a:rPr lang="en-US" sz="2400" dirty="0" smtClean="0"/>
+              <a:t> </a:t>
+            </a:r>
+            <a:r>
+              <a:rPr lang="en-US" sz="2400" dirty="0"/>
+              <a:t>finite state transducer based tool for information extraction</a:t>
+            </a:r>
+          </a:p>
+          <a:p>
+            <a:pPr>
+              <a:buClr>
+                <a:srgbClr val="C00000"/>
+              </a:buClr>
+              <a:buFont typeface="Wingdings" panose="05000000000000000000" pitchFamily="2" charset="2"/>
+              <a:buChar char="v"/>
+            </a:pPr>
+            <a:r>
+              <a:rPr lang="en-US" altLang="en-US" sz="2400" dirty="0"/>
+              <a:t>Propose </a:t>
+            </a:r>
+            <a:r>
+              <a:rPr lang="en-US" sz="2400" dirty="0" smtClean="0"/>
+              <a:t>a </a:t>
+            </a:r>
+            <a:r>
+              <a:rPr lang="en-US" sz="2400" dirty="0"/>
+              <a:t>semi-automatic approach to collect technical terms</a:t>
+            </a:r>
+          </a:p>
+          <a:p>
+            <a:pPr>
+              <a:buClr>
+                <a:srgbClr val="C00000"/>
+              </a:buClr>
+              <a:buFont typeface="Wingdings" panose="05000000000000000000" pitchFamily="2" charset="2"/>
+              <a:buChar char="v"/>
+            </a:pPr>
+            <a:r>
+              <a:rPr lang="en-US" altLang="en-US" sz="2400" dirty="0"/>
+              <a:t>Propose </a:t>
+            </a:r>
+            <a:r>
+              <a:rPr lang="en-US" sz="2400" dirty="0" smtClean="0"/>
+              <a:t>a </a:t>
+            </a:r>
+            <a:r>
+              <a:rPr lang="en-US" sz="2400" dirty="0"/>
+              <a:t>statistical-based ontology similarity measure</a:t>
+            </a:r>
+          </a:p>
+          <a:p>
+            <a:pPr>
+              <a:buClr>
+                <a:srgbClr val="C00000"/>
+              </a:buClr>
+              <a:buFont typeface="Wingdings" panose="05000000000000000000" pitchFamily="2" charset="2"/>
+              <a:buChar char="v"/>
+            </a:pPr>
+            <a:r>
+              <a:rPr lang="en-US" sz="2400" dirty="0"/>
+              <a:t>A new searching approach which combines keyword searching and model matching</a:t>
+            </a:r>
+          </a:p>
+          <a:p>
+            <a:endParaRPr lang="en-US" dirty="0" smtClean="0"/>
+          </a:p>
+          <a:p>
+            <a:endParaRPr lang="en-US" dirty="0"/>
+          </a:p>
+        </p:txBody>
+      </p:sp>
+      <p:sp>
+        <p:nvSpPr>
+          <p:cNvPr id="3" name="Title 2"/>
+          <p:cNvSpPr>
+            <a:spLocks noGrp="1"/>
+          </p:cNvSpPr>
+          <p:nvPr>
+            <p:ph type="title"/>
+          </p:nvPr>
+        </p:nvSpPr>
+        <p:spPr>
+          <a:xfrm>
+            <a:off x="512164" y="609600"/>
+            <a:ext cx="7343775" cy="994172"/>
+          </a:xfrm>
+        </p:spPr>
+        <p:txBody>
+          <a:bodyPr/>
+          <a:lstStyle/>
+          <a:p>
+            <a:r>
+              <a:rPr lang="en-US" altLang="zh-CN" dirty="0"/>
+              <a:t>Contributions of our works</a:t>
+            </a:r>
+            <a:endParaRPr lang="en-US" dirty="0"/>
+          </a:p>
+        </p:txBody>
+      </p:sp>
+    </p:spTree>
+    <p:extLst>
+      <p:ext uri="{BB962C8B-B14F-4D97-AF65-F5344CB8AC3E}">
+        <p14:creationId xmlns:p14="http://schemas.microsoft.com/office/powerpoint/2010/main" val="810325"/>
+      </p:ext>
+    </p:extLst>
+  </p:cSld>
+  <p:clrMapOvr>
+    <a:masterClrMapping/>
+  </p:clrMapOvr>
+  <mc:AlternateContent xmlns:mc="http://schemas.openxmlformats.org/markup-compatibility/2006" xmlns:p14="http://schemas.microsoft.com/office/powerpoint/2010/main">
+    <mc:Choice Requires="p14">
+      <p:transition spd="slow" p14:dur="2000"/>
+    </mc:Choice>
+    <mc:Fallback xmlns="">
+      <p:transition spd="slow"/>
+    </mc:Fallback>
+  </mc:AlternateContent>
+  <p:timing>
+    <p:tnLst>
+      <p:par>
+        <p:cTn id="1" dur="indefinite" restart="never" nodeType="tmRoot"/>
+      </p:par>
+    </p:tnLst>
+  </p:timing>
+</p:sld>
+</file>
+
+<file path=ppt/slides/slide70.xml><?xml version="1.0" encoding="utf-8"?>
 <p:sld xmlns:a="http://schemas.openxmlformats.org/drawingml/2006/main" xmlns:r="http://schemas.openxmlformats.org/officeDocument/2006/relationships" xmlns:p="http://schemas.openxmlformats.org/presentationml/2006/main">
   <p:cSld>
     <p:spTree>
@@ -21621,7 +22507,7 @@
 </p:sld>
 </file>
 
-<file path=ppt/slides/slide68.xml><?xml version="1.0" encoding="utf-8"?>
+<file path=ppt/slides/slide71.xml><?xml version="1.0" encoding="utf-8"?>
 <p:sld xmlns:a="http://schemas.openxmlformats.org/drawingml/2006/main" xmlns:r="http://schemas.openxmlformats.org/officeDocument/2006/relationships" xmlns:p="http://schemas.openxmlformats.org/presentationml/2006/main">
   <p:cSld>
     <p:spTree>
@@ -21786,7 +22672,7 @@
 </p:sld>
 </file>
 
-<file path=ppt/slides/slide69.xml><?xml version="1.0" encoding="utf-8"?>
+<file path=ppt/slides/slide72.xml><?xml version="1.0" encoding="utf-8"?>
 <p:sld xmlns:a="http://schemas.openxmlformats.org/drawingml/2006/main" xmlns:r="http://schemas.openxmlformats.org/officeDocument/2006/relationships" xmlns:p="http://schemas.openxmlformats.org/presentationml/2006/main">
   <p:cSld>
     <p:spTree>
@@ -21940,200 +22826,7 @@
 </p:sld>
 </file>
 
-<file path=ppt/slides/slide7.xml><?xml version="1.0" encoding="utf-8"?>
-<p:sld xmlns:a="http://schemas.openxmlformats.org/drawingml/2006/main" xmlns:r="http://schemas.openxmlformats.org/officeDocument/2006/relationships" xmlns:p="http://schemas.openxmlformats.org/presentationml/2006/main">
-  <p:cSld>
-    <p:spTree>
-      <p:nvGrpSpPr>
-        <p:cNvPr id="1" name=""/>
-        <p:cNvGrpSpPr/>
-        <p:nvPr/>
-      </p:nvGrpSpPr>
-      <p:grpSpPr>
-        <a:xfrm>
-          <a:off x="0" y="0"/>
-          <a:ext cx="0" cy="0"/>
-          <a:chOff x="0" y="0"/>
-          <a:chExt cx="0" cy="0"/>
-        </a:xfrm>
-      </p:grpSpPr>
-      <p:sp>
-        <p:nvSpPr>
-          <p:cNvPr id="2" name="Content Placeholder 1"/>
-          <p:cNvSpPr>
-            <a:spLocks noGrp="1"/>
-          </p:cNvSpPr>
-          <p:nvPr>
-            <p:ph idx="1"/>
-          </p:nvPr>
-        </p:nvSpPr>
-        <p:spPr>
-          <a:xfrm>
-            <a:off x="533400" y="2057400"/>
-            <a:ext cx="8228013" cy="3990975"/>
-          </a:xfrm>
-        </p:spPr>
-        <p:txBody>
-          <a:bodyPr/>
-          <a:lstStyle/>
-          <a:p>
-            <a:pPr>
-              <a:buClr>
-                <a:srgbClr val="C00000"/>
-              </a:buClr>
-              <a:buFont typeface="Wingdings" panose="05000000000000000000" pitchFamily="2" charset="2"/>
-              <a:buChar char="v"/>
-            </a:pPr>
-            <a:r>
-              <a:rPr lang="en-US" sz="2400" dirty="0"/>
-              <a:t>A résumé – job matching system</a:t>
-            </a:r>
-          </a:p>
-          <a:p>
-            <a:pPr>
-              <a:buClr>
-                <a:srgbClr val="C00000"/>
-              </a:buClr>
-              <a:buFont typeface="Wingdings" panose="05000000000000000000" pitchFamily="2" charset="2"/>
-              <a:buChar char="v"/>
-            </a:pPr>
-            <a:r>
-              <a:rPr lang="en-US" altLang="en-US" sz="2400" dirty="0"/>
-              <a:t>Propose </a:t>
-            </a:r>
-            <a:r>
-              <a:rPr lang="en-US" altLang="en-US" sz="2400" dirty="0" smtClean="0"/>
-              <a:t>a</a:t>
-            </a:r>
-            <a:r>
-              <a:rPr lang="en-US" sz="2400" dirty="0" smtClean="0"/>
-              <a:t> </a:t>
-            </a:r>
-            <a:r>
-              <a:rPr lang="en-US" sz="2400" dirty="0"/>
-              <a:t>finite state transducer based tool for information extraction</a:t>
-            </a:r>
-          </a:p>
-          <a:p>
-            <a:pPr>
-              <a:buClr>
-                <a:srgbClr val="C00000"/>
-              </a:buClr>
-              <a:buFont typeface="Wingdings" panose="05000000000000000000" pitchFamily="2" charset="2"/>
-              <a:buChar char="v"/>
-            </a:pPr>
-            <a:r>
-              <a:rPr lang="en-US" altLang="en-US" sz="2400" dirty="0"/>
-              <a:t>Propose </a:t>
-            </a:r>
-            <a:r>
-              <a:rPr lang="en-US" sz="2400" dirty="0" smtClean="0"/>
-              <a:t>a </a:t>
-            </a:r>
-            <a:r>
-              <a:rPr lang="en-US" sz="2400" dirty="0"/>
-              <a:t>semi-automatic approach to collect technical terms</a:t>
-            </a:r>
-          </a:p>
-          <a:p>
-            <a:pPr>
-              <a:buClr>
-                <a:srgbClr val="C00000"/>
-              </a:buClr>
-              <a:buFont typeface="Wingdings" panose="05000000000000000000" pitchFamily="2" charset="2"/>
-              <a:buChar char="v"/>
-            </a:pPr>
-            <a:r>
-              <a:rPr lang="en-US" altLang="en-US" sz="2400" dirty="0"/>
-              <a:t>Propose </a:t>
-            </a:r>
-            <a:r>
-              <a:rPr lang="en-US" sz="2400" dirty="0" smtClean="0"/>
-              <a:t>a </a:t>
-            </a:r>
-            <a:r>
-              <a:rPr lang="en-US" sz="2400" dirty="0"/>
-              <a:t>statistical-based ontology similarity measure</a:t>
-            </a:r>
-          </a:p>
-          <a:p>
-            <a:pPr>
-              <a:buClr>
-                <a:srgbClr val="C00000"/>
-              </a:buClr>
-              <a:buFont typeface="Wingdings" panose="05000000000000000000" pitchFamily="2" charset="2"/>
-              <a:buChar char="v"/>
-            </a:pPr>
-            <a:r>
-              <a:rPr lang="en-US" sz="2400" dirty="0"/>
-              <a:t>A new searching approach which combines keyword searching and model matching</a:t>
-            </a:r>
-          </a:p>
-          <a:p>
-            <a:endParaRPr lang="en-US" dirty="0" smtClean="0"/>
-          </a:p>
-          <a:p>
-            <a:endParaRPr lang="en-US" dirty="0"/>
-          </a:p>
-        </p:txBody>
-      </p:sp>
-      <p:sp>
-        <p:nvSpPr>
-          <p:cNvPr id="3" name="Title 2"/>
-          <p:cNvSpPr>
-            <a:spLocks noGrp="1"/>
-          </p:cNvSpPr>
-          <p:nvPr>
-            <p:ph type="title"/>
-          </p:nvPr>
-        </p:nvSpPr>
-        <p:spPr>
-          <a:xfrm>
-            <a:off x="512164" y="609600"/>
-            <a:ext cx="7343775" cy="994172"/>
-          </a:xfrm>
-        </p:spPr>
-        <p:txBody>
-          <a:bodyPr/>
-          <a:lstStyle/>
-          <a:p>
-            <a:r>
-              <a:rPr lang="en-US" altLang="zh-CN" dirty="0"/>
-              <a:t>Contributions of our works</a:t>
-            </a:r>
-            <a:endParaRPr lang="en-US" dirty="0"/>
-          </a:p>
-        </p:txBody>
-      </p:sp>
-    </p:spTree>
-    <p:extLst>
-      <p:ext uri="{BB962C8B-B14F-4D97-AF65-F5344CB8AC3E}">
-        <p14:creationId xmlns:p14="http://schemas.microsoft.com/office/powerpoint/2010/main" val="810325"/>
-      </p:ext>
-    </p:extLst>
-  </p:cSld>
-  <p:clrMapOvr>
-    <a:masterClrMapping/>
-  </p:clrMapOvr>
-  <mc:AlternateContent xmlns:mc="http://schemas.openxmlformats.org/markup-compatibility/2006" xmlns:p14="http://schemas.microsoft.com/office/powerpoint/2010/main">
-    <mc:Choice Requires="p14">
-      <p:transition spd="slow" p14:dur="2000"/>
-    </mc:Choice>
-    <mc:Fallback xmlns="">
-      <p:transition spd="slow"/>
-    </mc:Fallback>
-  </mc:AlternateContent>
-  <p:timing>
-    <p:tnLst>
-      <p:par>
-        <p:cTn id="1" dur="indefinite" restart="never" nodeType="tmRoot"/>
-      </p:par>
-    </p:tnLst>
-  </p:timing>
-</p:sld>
-</file>
-
-<file path=ppt/slides/slide70.xml><?xml version="1.0" encoding="utf-8"?>
+<file path=ppt/slides/slide73.xml><?xml version="1.0" encoding="utf-8"?>
 <p:sld xmlns:a="http://schemas.openxmlformats.org/drawingml/2006/main" xmlns:r="http://schemas.openxmlformats.org/officeDocument/2006/relationships" xmlns:p="http://schemas.openxmlformats.org/presentationml/2006/main">
   <p:cSld>
     <p:spTree>
@@ -22173,14 +22866,14 @@
           <a:effectLst/>
           <a:extLst>
             <a:ext uri="{909E8E84-426E-40dd-AFC4-6F175D3DCCD1}">
-              <a14:hiddenFill xmlns="" xmlns:a14="http://schemas.microsoft.com/office/drawing/2010/main">
+              <a14:hiddenFill xmlns:a14="http://schemas.microsoft.com/office/drawing/2010/main" xmlns="">
                 <a:solidFill>
                   <a:srgbClr val="FFFFFF"/>
                 </a:solidFill>
               </a14:hiddenFill>
             </a:ext>
             <a:ext uri="{91240B29-F687-4f45-9708-019B960494DF}">
-              <a14:hiddenLine xmlns="" xmlns:a14="http://schemas.microsoft.com/office/drawing/2010/main" w="9525">
+              <a14:hiddenLine xmlns:a14="http://schemas.microsoft.com/office/drawing/2010/main" xmlns="" w="9525">
                 <a:solidFill>
                   <a:srgbClr val="000000"/>
                 </a:solidFill>
@@ -22190,7 +22883,7 @@
               </a14:hiddenLine>
             </a:ext>
             <a:ext uri="{AF507438-7753-43e0-B8FC-AC1667EBCBE1}">
-              <a14:hiddenEffects xmlns="" xmlns:a14="http://schemas.microsoft.com/office/drawing/2010/main">
+              <a14:hiddenEffects xmlns:a14="http://schemas.microsoft.com/office/drawing/2010/main" xmlns="">
                 <a:effectLst>
                   <a:outerShdw blurRad="63500" dist="38099" dir="2700000" algn="ctr" rotWithShape="0">
                     <a:srgbClr val="000000">
@@ -22864,7 +23557,7 @@
 </p:sld>
 </file>
 
-<file path=ppt/slides/slide71.xml><?xml version="1.0" encoding="utf-8"?>
+<file path=ppt/slides/slide74.xml><?xml version="1.0" encoding="utf-8"?>
 <p:sld xmlns:a="http://schemas.openxmlformats.org/drawingml/2006/main" xmlns:r="http://schemas.openxmlformats.org/officeDocument/2006/relationships" xmlns:p="http://schemas.openxmlformats.org/presentationml/2006/main">
   <p:cSld>
     <p:spTree>
@@ -22904,14 +23597,14 @@
           <a:effectLst/>
           <a:extLst>
             <a:ext uri="{909E8E84-426E-40dd-AFC4-6F175D3DCCD1}">
-              <a14:hiddenFill xmlns="" xmlns:a14="http://schemas.microsoft.com/office/drawing/2010/main">
+              <a14:hiddenFill xmlns:a14="http://schemas.microsoft.com/office/drawing/2010/main" xmlns="">
                 <a:solidFill>
                   <a:srgbClr val="FFFFFF"/>
                 </a:solidFill>
               </a14:hiddenFill>
             </a:ext>
             <a:ext uri="{91240B29-F687-4f45-9708-019B960494DF}">
-              <a14:hiddenLine xmlns="" xmlns:a14="http://schemas.microsoft.com/office/drawing/2010/main" w="9525">
+              <a14:hiddenLine xmlns:a14="http://schemas.microsoft.com/office/drawing/2010/main" xmlns="" w="9525">
                 <a:solidFill>
                   <a:srgbClr val="000000"/>
                 </a:solidFill>
@@ -22921,7 +23614,7 @@
               </a14:hiddenLine>
             </a:ext>
             <a:ext uri="{AF507438-7753-43e0-B8FC-AC1667EBCBE1}">
-              <a14:hiddenEffects xmlns="" xmlns:a14="http://schemas.microsoft.com/office/drawing/2010/main">
+              <a14:hiddenEffects xmlns:a14="http://schemas.microsoft.com/office/drawing/2010/main" xmlns="">
                 <a:effectLst>
                   <a:outerShdw blurRad="63500" dist="38099" dir="2700000" algn="ctr" rotWithShape="0">
                     <a:srgbClr val="000000">
@@ -23766,7 +24459,7 @@
 </p:sld>
 </file>
 
-<file path=ppt/slides/slide72.xml><?xml version="1.0" encoding="utf-8"?>
+<file path=ppt/slides/slide75.xml><?xml version="1.0" encoding="utf-8"?>
 <p:sld xmlns:a="http://schemas.openxmlformats.org/drawingml/2006/main" xmlns:r="http://schemas.openxmlformats.org/officeDocument/2006/relationships" xmlns:p="http://schemas.openxmlformats.org/presentationml/2006/main">
   <p:cSld>
     <p:spTree>
@@ -23806,14 +24499,14 @@
           <a:effectLst/>
           <a:extLst>
             <a:ext uri="{909E8E84-426E-40dd-AFC4-6F175D3DCCD1}">
-              <a14:hiddenFill xmlns="" xmlns:a14="http://schemas.microsoft.com/office/drawing/2010/main">
+              <a14:hiddenFill xmlns:a14="http://schemas.microsoft.com/office/drawing/2010/main" xmlns="">
                 <a:solidFill>
                   <a:srgbClr val="FFFFFF"/>
                 </a:solidFill>
               </a14:hiddenFill>
             </a:ext>
             <a:ext uri="{91240B29-F687-4f45-9708-019B960494DF}">
-              <a14:hiddenLine xmlns="" xmlns:a14="http://schemas.microsoft.com/office/drawing/2010/main" w="9525">
+              <a14:hiddenLine xmlns:a14="http://schemas.microsoft.com/office/drawing/2010/main" xmlns="" w="9525">
                 <a:solidFill>
                   <a:srgbClr val="000000"/>
                 </a:solidFill>
@@ -23823,7 +24516,7 @@
               </a14:hiddenLine>
             </a:ext>
             <a:ext uri="{AF507438-7753-43e0-B8FC-AC1667EBCBE1}">
-              <a14:hiddenEffects xmlns="" xmlns:a14="http://schemas.microsoft.com/office/drawing/2010/main">
+              <a14:hiddenEffects xmlns:a14="http://schemas.microsoft.com/office/drawing/2010/main" xmlns="">
                 <a:effectLst>
                   <a:outerShdw blurRad="63500" dist="38099" dir="2700000" algn="ctr" rotWithShape="0">
                     <a:srgbClr val="000000">
@@ -24129,14 +24822,14 @@
           <a:effectLst/>
           <a:extLst>
             <a:ext uri="{909E8E84-426E-40dd-AFC4-6F175D3DCCD1}">
-              <a14:hiddenFill xmlns="" xmlns:a14="http://schemas.microsoft.com/office/drawing/2010/main">
+              <a14:hiddenFill xmlns:a14="http://schemas.microsoft.com/office/drawing/2010/main" xmlns="">
                 <a:solidFill>
                   <a:srgbClr val="FFFFFF"/>
                 </a:solidFill>
               </a14:hiddenFill>
             </a:ext>
             <a:ext uri="{91240B29-F687-4f45-9708-019B960494DF}">
-              <a14:hiddenLine xmlns="" xmlns:a14="http://schemas.microsoft.com/office/drawing/2010/main" w="9525">
+              <a14:hiddenLine xmlns:a14="http://schemas.microsoft.com/office/drawing/2010/main" xmlns="" w="9525">
                 <a:solidFill>
                   <a:srgbClr val="000000"/>
                 </a:solidFill>
@@ -24146,7 +24839,7 @@
               </a14:hiddenLine>
             </a:ext>
             <a:ext uri="{AF507438-7753-43e0-B8FC-AC1667EBCBE1}">
-              <a14:hiddenEffects xmlns="" xmlns:a14="http://schemas.microsoft.com/office/drawing/2010/main">
+              <a14:hiddenEffects xmlns:a14="http://schemas.microsoft.com/office/drawing/2010/main" xmlns="">
                 <a:effectLst>
                   <a:outerShdw blurRad="63500" dist="38099" dir="2700000" algn="ctr" rotWithShape="0">
                     <a:srgbClr val="000000">
@@ -25093,7 +25786,7 @@
         <a:effectLst/>
         <a:extLst>
           <a:ext uri="{AF507438-7753-43e0-B8FC-AC1667EBCBE1}">
-            <a14:hiddenEffects xmlns="" xmlns:a14="http://schemas.microsoft.com/office/drawing/2010/main">
+            <a14:hiddenEffects xmlns:a14="http://schemas.microsoft.com/office/drawing/2010/main" xmlns="">
               <a:effectLst>
                 <a:outerShdw blurRad="63500" dist="38099" dir="2700000" algn="ctr" rotWithShape="0">
                   <a:schemeClr val="bg2">
@@ -25172,7 +25865,7 @@
         <a:effectLst/>
         <a:extLst>
           <a:ext uri="{AF507438-7753-43e0-B8FC-AC1667EBCBE1}">
-            <a14:hiddenEffects xmlns="" xmlns:a14="http://schemas.microsoft.com/office/drawing/2010/main">
+            <a14:hiddenEffects xmlns:a14="http://schemas.microsoft.com/office/drawing/2010/main" xmlns="">
               <a:effectLst>
                 <a:outerShdw blurRad="63500" dist="38099" dir="2700000" algn="ctr" rotWithShape="0">
                   <a:schemeClr val="bg2">

--- a/media/Master's thesis-2.pptx
+++ b/media/Master's thesis-2.pptx
@@ -375,7 +375,7 @@
             <a:fld id="{8D49A9A6-EEBE-4A10-B375-E3DE23A9130F}" type="datetimeFigureOut">
               <a:rPr lang="en-US" altLang="en-US"/>
               <a:pPr/>
-              <a:t>12/14/2014</a:t>
+              <a:t>12/15/2014</a:t>
             </a:fld>
             <a:endParaRPr lang="en-US" altLang="en-US"/>
           </a:p>
@@ -7346,20 +7346,18 @@
               <a:buChar char="v"/>
             </a:pPr>
             <a:r>
-              <a:rPr lang="en-US" sz="2800" dirty="0" smtClean="0"/>
-              <a:t>CASPER</a:t>
-            </a:r>
-          </a:p>
-          <a:p>
-            <a:pPr marL="400050" lvl="1" indent="0">
-              <a:buClr>
-                <a:srgbClr val="C00000"/>
-              </a:buClr>
-            </a:pPr>
-            <a:r>
-              <a:rPr lang="en-US" sz="2000" dirty="0" smtClean="0"/>
-              <a:t>Rafter, Rachael, and Barry Smyth. "Passive profiling from server logs in an online recruitment environment." (2001).</a:t>
-            </a:r>
+              <a:rPr lang="en-US" sz="2800" dirty="0"/>
+              <a:t>CASPER </a:t>
+            </a:r>
+            <a:r>
+              <a:rPr lang="en-US" sz="2400" dirty="0"/>
+              <a:t>(Rafter, Rachael, and Barry </a:t>
+            </a:r>
+            <a:r>
+              <a:rPr lang="en-US" sz="2400" dirty="0" smtClean="0"/>
+              <a:t>Smyth 2001)</a:t>
+            </a:r>
+            <a:endParaRPr lang="en-US" sz="2800" dirty="0" smtClean="0"/>
           </a:p>
           <a:p>
             <a:pPr marL="457200" indent="-457200">
@@ -7563,15 +7561,7 @@
             </a:pPr>
             <a:r>
               <a:rPr lang="en-US" dirty="0" smtClean="0"/>
-              <a:t>Cold </a:t>
-            </a:r>
-            <a:r>
-              <a:rPr lang="en-US" dirty="0" smtClean="0"/>
-              <a:t>start: new </a:t>
-            </a:r>
-            <a:r>
-              <a:rPr lang="en-US" dirty="0" smtClean="0"/>
-              <a:t>jobs have no review logs </a:t>
+              <a:t>Cold start: new jobs have no review logs </a:t>
             </a:r>
             <a:endParaRPr lang="en-US" dirty="0"/>
           </a:p>
@@ -7596,7 +7586,6 @@
               <a:rPr lang="en-US" dirty="0"/>
               <a:t>’ profiles</a:t>
             </a:r>
-            <a:endParaRPr lang="en-US" dirty="0"/>
           </a:p>
           <a:p>
             <a:pPr lvl="1"/>
@@ -7762,44 +7751,37 @@
             </a:pPr>
             <a:r>
               <a:rPr lang="en-US" sz="2800" dirty="0"/>
-              <a:t>Yao Lu et. </a:t>
+              <a:t>A recommender system for job seeking and recruiting </a:t>
             </a:r>
             <a:r>
               <a:rPr lang="en-US" sz="2800" dirty="0" smtClean="0"/>
-              <a:t>al. </a:t>
-            </a:r>
-            <a:r>
-              <a:rPr lang="en-US" sz="2800" dirty="0"/>
-              <a:t>2013 </a:t>
-            </a:r>
-            <a:endParaRPr lang="en-US" sz="2800" dirty="0" smtClean="0"/>
-          </a:p>
-          <a:p>
-            <a:pPr marL="400050" lvl="1" indent="0">
-              <a:buClr>
-                <a:srgbClr val="C00000"/>
-              </a:buClr>
-            </a:pPr>
-            <a:r>
-              <a:rPr lang="en-US" sz="2000" dirty="0"/>
+              <a:t>website </a:t>
+            </a:r>
+            <a:r>
+              <a:rPr lang="en-US" sz="2400" dirty="0" smtClean="0"/>
+              <a:t>(</a:t>
+            </a:r>
+            <a:r>
+              <a:rPr lang="en-US" sz="2400" dirty="0"/>
               <a:t>Lu, Yao, Sandy El </a:t>
             </a:r>
             <a:r>
-              <a:rPr lang="en-US" sz="2000" dirty="0" err="1"/>
+              <a:rPr lang="en-US" sz="2400" dirty="0" err="1"/>
               <a:t>Helou</a:t>
             </a:r>
             <a:r>
-              <a:rPr lang="en-US" sz="2000" dirty="0"/>
-              <a:t>, and Denis Gillet. "A recommender system for job seeking and recruiting website." </a:t>
-            </a:r>
-            <a:r>
-              <a:rPr lang="en-US" sz="2000" i="1" dirty="0"/>
-              <a:t>Proceedings of the 22nd international conference on World Wide Web companion</a:t>
-            </a:r>
-            <a:r>
-              <a:rPr lang="en-US" sz="2000" dirty="0"/>
-              <a:t>. International World Wide Web Conferences Steering Committee, 2013</a:t>
-            </a:r>
+              <a:rPr lang="en-US" sz="2400" dirty="0"/>
+              <a:t>, and Denis </a:t>
+            </a:r>
+            <a:r>
+              <a:rPr lang="en-US" sz="2400" dirty="0" smtClean="0"/>
+              <a:t>Gillet 2013</a:t>
+            </a:r>
+            <a:r>
+              <a:rPr lang="en-US" sz="2800" dirty="0" smtClean="0"/>
+              <a:t>)</a:t>
+            </a:r>
+            <a:endParaRPr lang="en-US" sz="2800" dirty="0"/>
           </a:p>
           <a:p>
             <a:pPr marL="457200" indent="-457200">
@@ -7810,7 +7792,7 @@
               <a:buChar char="v"/>
             </a:pPr>
             <a:r>
-              <a:rPr lang="en-US" sz="2800" dirty="0"/>
+              <a:rPr lang="en-US" sz="2800" dirty="0" smtClean="0"/>
               <a:t>Content </a:t>
             </a:r>
             <a:r>
@@ -7826,15 +7808,15 @@
               </a:buClr>
             </a:pPr>
             <a:r>
-              <a:rPr lang="en-US" sz="2000" dirty="0"/>
+              <a:rPr lang="en-US" dirty="0"/>
               <a:t>Similarity is computed </a:t>
             </a:r>
             <a:r>
-              <a:rPr lang="en-US" sz="2000" dirty="0" smtClean="0"/>
+              <a:rPr lang="en-US" dirty="0" smtClean="0"/>
               <a:t>using </a:t>
             </a:r>
             <a:r>
-              <a:rPr lang="en-US" sz="2000" dirty="0"/>
+              <a:rPr lang="en-US" dirty="0"/>
               <a:t>Latent Semantic Analysis (LSA) </a:t>
             </a:r>
           </a:p>
@@ -7848,17 +7830,16 @@
             </a:pPr>
             <a:r>
               <a:rPr lang="en-US" sz="2800" dirty="0"/>
-              <a:t>Collaborative Filtering </a:t>
-            </a:r>
-            <a:r>
-              <a:rPr lang="en-US" sz="2800" dirty="0" smtClean="0"/>
+              <a:t>Collaborative </a:t>
+            </a:r>
+            <a:r>
+              <a:rPr lang="en-US" sz="2800"/>
+              <a:t>Filtering </a:t>
+            </a:r>
+            <a:r>
+              <a:rPr lang="en-US" sz="2800" smtClean="0"/>
               <a:t>Recommendation</a:t>
             </a:r>
-          </a:p>
-          <a:p>
-            <a:endParaRPr lang="en-US" dirty="0" smtClean="0"/>
-          </a:p>
-          <a:p>
             <a:endParaRPr lang="en-US" dirty="0" smtClean="0"/>
           </a:p>
           <a:p>
@@ -8181,29 +8162,14 @@
               <a:buChar char="v"/>
             </a:pPr>
             <a:r>
+              <a:rPr lang="en-US" sz="2800" dirty="0"/>
+              <a:t>Prospect (Singh, Amit, et </a:t>
+            </a:r>
+            <a:r>
               <a:rPr lang="en-US" sz="2800" dirty="0" smtClean="0"/>
-              <a:t>Prospect</a:t>
-            </a:r>
-          </a:p>
-          <a:p>
-            <a:pPr marL="400050" lvl="1" indent="0">
-              <a:buClr>
-                <a:srgbClr val="C00000"/>
-              </a:buClr>
-            </a:pPr>
-            <a:r>
-              <a:rPr lang="en-US" sz="2000" dirty="0"/>
-              <a:t>Singh, Amit, et al. "PROSPECT: a system for screening candidates for recruitment." </a:t>
-            </a:r>
-            <a:r>
-              <a:rPr lang="en-US" sz="2000" i="1" dirty="0"/>
-              <a:t>Proceedings of the 19th ACM international conference on Information and knowledge management</a:t>
-            </a:r>
-            <a:r>
-              <a:rPr lang="en-US" sz="2000" dirty="0"/>
-              <a:t>. ACM, 2010.</a:t>
-            </a:r>
-            <a:endParaRPr lang="en-US" sz="2000" dirty="0" smtClean="0"/>
+              <a:t>al 2010)</a:t>
+            </a:r>
+            <a:endParaRPr lang="en-US" sz="2800" dirty="0" smtClean="0"/>
           </a:p>
           <a:p>
             <a:pPr marL="457200" indent="-457200">
@@ -8584,41 +8550,36 @@
               <a:buChar char="v"/>
             </a:pPr>
             <a:r>
-              <a:rPr lang="en-US" sz="2800" dirty="0" err="1" smtClean="0"/>
-              <a:t>Fsdf</a:t>
+              <a:rPr lang="en-US" sz="2800" dirty="0"/>
+              <a:t>Adaptive employee profile classification for resource planning </a:t>
             </a:r>
             <a:r>
               <a:rPr lang="en-US" sz="2800" dirty="0" smtClean="0"/>
-              <a:t>????</a:t>
-            </a:r>
-          </a:p>
-          <a:p>
-            <a:pPr marL="857250" lvl="1" indent="-457200">
-              <a:buClr>
-                <a:srgbClr val="C00000"/>
-              </a:buClr>
-              <a:buFont typeface="Wingdings" panose="05000000000000000000" pitchFamily="2" charset="2"/>
-              <a:buChar char="v"/>
-            </a:pPr>
-            <a:r>
-              <a:rPr lang="en-US" sz="2400" dirty="0"/>
-              <a:t>Gonzalez, </a:t>
-            </a:r>
-            <a:r>
-              <a:rPr lang="en-US" sz="2400" dirty="0" err="1"/>
+              <a:t>tool </a:t>
+            </a:r>
+            <a:r>
+              <a:rPr lang="zh-CN" altLang="en-US" sz="2800" dirty="0" smtClean="0"/>
+              <a:t>（</a:t>
+            </a:r>
+            <a:r>
+              <a:rPr lang="en-US" sz="2800" dirty="0"/>
+              <a:t> Gonzalez, </a:t>
+            </a:r>
+            <a:r>
+              <a:rPr lang="en-US" sz="2800" dirty="0" err="1"/>
               <a:t>Tere</a:t>
             </a:r>
             <a:r>
-              <a:rPr lang="en-US" sz="2400" dirty="0"/>
-              <a:t>, et al. "Adaptive employee profile classification for resource planning tool." </a:t>
-            </a:r>
-            <a:r>
-              <a:rPr lang="en-US" sz="2400" i="1" dirty="0"/>
-              <a:t>SRII Global Conference (SRII), 2012 Annual</a:t>
-            </a:r>
-            <a:r>
-              <a:rPr lang="en-US" sz="2400" dirty="0"/>
-              <a:t>. IEEE, 2012.</a:t>
+              <a:rPr lang="en-US" sz="2800" dirty="0"/>
+              <a:t>, et al. </a:t>
+            </a:r>
+            <a:r>
+              <a:rPr lang="en-US" altLang="zh-CN" sz="2800" dirty="0" smtClean="0"/>
+              <a:t>2012</a:t>
+            </a:r>
+            <a:r>
+              <a:rPr lang="zh-CN" altLang="en-US" sz="2400" dirty="0" smtClean="0"/>
+              <a:t>） </a:t>
             </a:r>
             <a:endParaRPr lang="en-US" sz="2400" dirty="0" smtClean="0"/>
           </a:p>
@@ -8632,7 +8593,31 @@
             </a:pPr>
             <a:r>
               <a:rPr lang="en-US" sz="2800" dirty="0" smtClean="0"/>
-              <a:t>Help managers to find right candidates</a:t>
+              <a:t>Help managers to </a:t>
+            </a:r>
+            <a:endParaRPr lang="en-US" sz="2800" dirty="0" smtClean="0"/>
+          </a:p>
+          <a:p>
+            <a:pPr marL="0" indent="0">
+              <a:buClr>
+                <a:srgbClr val="C00000"/>
+              </a:buClr>
+            </a:pPr>
+            <a:r>
+              <a:rPr lang="en-US" sz="2800" dirty="0"/>
+              <a:t> </a:t>
+            </a:r>
+            <a:r>
+              <a:rPr lang="en-US" sz="2800" dirty="0" smtClean="0"/>
+              <a:t>   </a:t>
+            </a:r>
+            <a:r>
+              <a:rPr lang="en-US" sz="2800" dirty="0" smtClean="0"/>
+              <a:t>find </a:t>
+            </a:r>
+            <a:r>
+              <a:rPr lang="en-US" sz="2800" dirty="0" smtClean="0"/>
+              <a:t>right candidates</a:t>
             </a:r>
           </a:p>
           <a:p>
@@ -8645,24 +8630,32 @@
             </a:pPr>
             <a:r>
               <a:rPr lang="en-US" sz="2800" dirty="0"/>
-              <a:t>Staged Information Extraction Framework</a:t>
-            </a:r>
-          </a:p>
-          <a:p>
-            <a:pPr marL="457200" indent="-457200">
+              <a:t>Staged Information </a:t>
+            </a:r>
+            <a:endParaRPr lang="en-US" sz="2800" dirty="0" smtClean="0"/>
+          </a:p>
+          <a:p>
+            <a:pPr marL="0" indent="0">
               <a:buClr>
                 <a:srgbClr val="C00000"/>
               </a:buClr>
-              <a:buFont typeface="Wingdings" panose="05000000000000000000" pitchFamily="2" charset="2"/>
-              <a:buChar char="v"/>
             </a:pPr>
-            <a:endParaRPr lang="en-US" sz="2800" dirty="0"/>
-          </a:p>
-          <a:p>
-            <a:endParaRPr lang="en-US" dirty="0" smtClean="0"/>
-          </a:p>
-          <a:p>
-            <a:endParaRPr lang="en-US" dirty="0" smtClean="0"/>
+            <a:r>
+              <a:rPr lang="en-US" sz="2800" dirty="0"/>
+              <a:t> </a:t>
+            </a:r>
+            <a:r>
+              <a:rPr lang="en-US" sz="2800" dirty="0" smtClean="0"/>
+              <a:t>   </a:t>
+            </a:r>
+            <a:r>
+              <a:rPr lang="en-US" sz="2800" dirty="0" smtClean="0"/>
+              <a:t>Extraction </a:t>
+            </a:r>
+            <a:r>
+              <a:rPr lang="en-US" sz="2800" dirty="0"/>
+              <a:t>Framework</a:t>
+            </a:r>
           </a:p>
           <a:p>
             <a:endParaRPr lang="en-US" dirty="0" smtClean="0"/>
@@ -8717,8 +8710,8 @@
         </p:blipFill>
         <p:spPr>
           <a:xfrm>
-            <a:off x="3886200" y="3124200"/>
-            <a:ext cx="5134409" cy="3223359"/>
+            <a:off x="4340651" y="3537679"/>
+            <a:ext cx="4803349" cy="3015521"/>
           </a:xfrm>
           <a:prstGeom prst="rect">
             <a:avLst/>
@@ -9833,7 +9826,6 @@
               <a:rPr lang="en-US" sz="2800" dirty="0" smtClean="0"/>
               <a:t>unstructured data sources.</a:t>
             </a:r>
-            <a:endParaRPr lang="en-US" sz="2800" dirty="0" smtClean="0"/>
           </a:p>
           <a:p>
             <a:pPr marL="457200" indent="-457200">
@@ -9855,7 +9847,6 @@
               <a:rPr lang="en-US" sz="2800" dirty="0" smtClean="0"/>
               <a:t>résumé and job models.</a:t>
             </a:r>
-            <a:endParaRPr lang="en-US" sz="2800" dirty="0" smtClean="0"/>
           </a:p>
           <a:p>
             <a:r>
@@ -9913,11 +9904,11 @@
   <p:clrMapOvr>
     <a:masterClrMapping/>
   </p:clrMapOvr>
-  <mc:AlternateContent xmlns:mc="http://schemas.openxmlformats.org/markup-compatibility/2006">
-    <mc:Choice xmlns:p14="http://schemas.microsoft.com/office/powerpoint/2010/main" Requires="p14">
+  <mc:AlternateContent xmlns:mc="http://schemas.openxmlformats.org/markup-compatibility/2006" xmlns:p14="http://schemas.microsoft.com/office/powerpoint/2010/main">
+    <mc:Choice Requires="p14">
       <p:transition spd="slow" p14:dur="2000"/>
     </mc:Choice>
-    <mc:Fallback>
+    <mc:Fallback xmlns="">
       <p:transition spd="slow"/>
     </mc:Fallback>
   </mc:AlternateContent>
@@ -10260,7 +10251,6 @@
               <a:rPr lang="en-US" dirty="0"/>
               <a:t>Model Similarity- Major</a:t>
             </a:r>
-            <a:endParaRPr lang="en-US" dirty="0"/>
           </a:p>
         </p:txBody>
       </p:sp>
@@ -10298,11 +10288,11 @@
   <p:clrMapOvr>
     <a:masterClrMapping/>
   </p:clrMapOvr>
-  <mc:AlternateContent xmlns:mc="http://schemas.openxmlformats.org/markup-compatibility/2006">
-    <mc:Choice xmlns:p14="http://schemas.microsoft.com/office/powerpoint/2010/main" Requires="p14">
+  <mc:AlternateContent xmlns:mc="http://schemas.openxmlformats.org/markup-compatibility/2006" xmlns:p14="http://schemas.microsoft.com/office/powerpoint/2010/main">
+    <mc:Choice Requires="p14">
       <p:transition spd="slow" p14:dur="2000"/>
     </mc:Choice>
-    <mc:Fallback>
+    <mc:Fallback xmlns="">
       <p:transition spd="slow"/>
     </mc:Fallback>
   </mc:AlternateContent>
@@ -10578,11 +10568,11 @@
   <p:clrMapOvr>
     <a:masterClrMapping/>
   </p:clrMapOvr>
-  <mc:AlternateContent xmlns:mc="http://schemas.openxmlformats.org/markup-compatibility/2006">
-    <mc:Choice xmlns:p14="http://schemas.microsoft.com/office/powerpoint/2010/main" Requires="p14">
+  <mc:AlternateContent xmlns:mc="http://schemas.openxmlformats.org/markup-compatibility/2006" xmlns:p14="http://schemas.microsoft.com/office/powerpoint/2010/main">
+    <mc:Choice Requires="p14">
       <p:transition spd="slow" p14:dur="2000"/>
     </mc:Choice>
-    <mc:Fallback>
+    <mc:Fallback xmlns="">
       <p:transition spd="slow"/>
     </mc:Fallback>
   </mc:AlternateContent>
@@ -10853,11 +10843,11 @@
   <p:clrMapOvr>
     <a:masterClrMapping/>
   </p:clrMapOvr>
-  <mc:AlternateContent xmlns:mc="http://schemas.openxmlformats.org/markup-compatibility/2006">
-    <mc:Choice xmlns:p14="http://schemas.microsoft.com/office/powerpoint/2010/main" Requires="p14">
+  <mc:AlternateContent xmlns:mc="http://schemas.openxmlformats.org/markup-compatibility/2006" xmlns:p14="http://schemas.microsoft.com/office/powerpoint/2010/main">
+    <mc:Choice Requires="p14">
       <p:transition spd="slow" p14:dur="2000"/>
     </mc:Choice>
-    <mc:Fallback>
+    <mc:Fallback xmlns="">
       <p:transition spd="slow"/>
     </mc:Fallback>
   </mc:AlternateContent>
@@ -11134,11 +11124,11 @@
   <p:clrMapOvr>
     <a:masterClrMapping/>
   </p:clrMapOvr>
-  <mc:AlternateContent xmlns:mc="http://schemas.openxmlformats.org/markup-compatibility/2006">
-    <mc:Choice xmlns:p14="http://schemas.microsoft.com/office/powerpoint/2010/main" Requires="p14">
+  <mc:AlternateContent xmlns:mc="http://schemas.openxmlformats.org/markup-compatibility/2006" xmlns:p14="http://schemas.microsoft.com/office/powerpoint/2010/main">
+    <mc:Choice Requires="p14">
       <p:transition spd="slow" p14:dur="2000"/>
     </mc:Choice>
-    <mc:Fallback>
+    <mc:Fallback xmlns="">
       <p:transition spd="slow"/>
     </mc:Fallback>
   </mc:AlternateContent>
@@ -19283,11 +19273,7 @@
             </a:r>
             <a:r>
               <a:rPr lang="en-US" sz="2800" dirty="0" smtClean="0"/>
-              <a:t>         T</a:t>
-            </a:r>
-            <a:r>
-              <a:rPr lang="en-US" sz="2800" dirty="0" smtClean="0"/>
-              <a:t>he </a:t>
+              <a:t>         The </a:t>
             </a:r>
             <a:r>
               <a:rPr lang="en-US" sz="2800" dirty="0"/>
@@ -22283,19 +22269,6 @@
             </a:r>
           </a:p>
           <a:p>
-            <a:pPr>
-              <a:buClr>
-                <a:srgbClr val="C00000"/>
-              </a:buClr>
-              <a:buFont typeface="Wingdings" panose="05000000000000000000" pitchFamily="2" charset="2"/>
-              <a:buChar char="v"/>
-            </a:pPr>
-            <a:r>
-              <a:rPr lang="en-US" sz="2400" dirty="0"/>
-              <a:t>A new searching approach which combines keyword searching and model matching</a:t>
-            </a:r>
-          </a:p>
-          <a:p>
             <a:endParaRPr lang="en-US" dirty="0" smtClean="0"/>
           </a:p>
           <a:p>
@@ -22552,20 +22525,8 @@
               <a:buChar char="v"/>
             </a:pPr>
             <a:r>
-              <a:rPr lang="en-US" sz="2400" dirty="0" smtClean="0"/>
-              <a:t>A </a:t>
-            </a:r>
-            <a:r>
-              <a:rPr lang="en-US" sz="2400" dirty="0"/>
-              <a:t>finite state transducer </a:t>
-            </a:r>
-            <a:r>
-              <a:rPr lang="en-US" sz="2400" dirty="0" smtClean="0"/>
-              <a:t>based pattern matching tool </a:t>
-            </a:r>
-            <a:r>
-              <a:rPr lang="en-US" sz="2400" dirty="0"/>
-              <a:t>for information extraction</a:t>
+              <a:rPr lang="en-US" sz="2400"/>
+              <a:t>A résumé – job matching system</a:t>
             </a:r>
           </a:p>
           <a:p>
@@ -22577,8 +22538,20 @@
               <a:buChar char="v"/>
             </a:pPr>
             <a:r>
+              <a:rPr lang="en-US" sz="2400" smtClean="0"/>
+              <a:t>A </a:t>
+            </a:r>
+            <a:r>
               <a:rPr lang="en-US" sz="2400" dirty="0"/>
-              <a:t>A semi-automatic approach to collect technical terms</a:t>
+              <a:t>finite state transducer </a:t>
+            </a:r>
+            <a:r>
+              <a:rPr lang="en-US" sz="2400" dirty="0" smtClean="0"/>
+              <a:t>based pattern matching tool </a:t>
+            </a:r>
+            <a:r>
+              <a:rPr lang="en-US" sz="2400" dirty="0"/>
+              <a:t>for information extraction</a:t>
             </a:r>
           </a:p>
           <a:p>
@@ -22591,7 +22564,7 @@
             </a:pPr>
             <a:r>
               <a:rPr lang="en-US" sz="2400" dirty="0"/>
-              <a:t>A statistical-based ontology similarity measure</a:t>
+              <a:t>A semi-automatic approach to collect technical terms</a:t>
             </a:r>
           </a:p>
           <a:p>
@@ -22603,12 +22576,8 @@
               <a:buChar char="v"/>
             </a:pPr>
             <a:r>
-              <a:rPr lang="en-US" sz="2400" dirty="0" smtClean="0"/>
-              <a:t>A new searching approach which combines </a:t>
-            </a:r>
-            <a:r>
               <a:rPr lang="en-US" sz="2400" dirty="0"/>
-              <a:t>keyword searching and model matching</a:t>
+              <a:t>A statistical-based ontology similarity measure</a:t>
             </a:r>
           </a:p>
           <a:p>

--- a/media/Master's thesis-2.pptx
+++ b/media/Master's thesis-2.pptx
@@ -5,10 +5,10 @@
     <p:sldMasterId id="2147483648" r:id="rId1"/>
   </p:sldMasterIdLst>
   <p:notesMasterIdLst>
-    <p:notesMasterId r:id="rId77"/>
+    <p:notesMasterId r:id="rId81"/>
   </p:notesMasterIdLst>
   <p:handoutMasterIdLst>
-    <p:handoutMasterId r:id="rId78"/>
+    <p:handoutMasterId r:id="rId82"/>
   </p:handoutMasterIdLst>
   <p:sldIdLst>
     <p:sldId id="258" r:id="rId2"/>
@@ -81,11 +81,15 @@
     <p:sldId id="319" r:id="rId69"/>
     <p:sldId id="320" r:id="rId70"/>
     <p:sldId id="321" r:id="rId71"/>
-    <p:sldId id="322" r:id="rId72"/>
-    <p:sldId id="323" r:id="rId73"/>
-    <p:sldId id="324" r:id="rId74"/>
-    <p:sldId id="325" r:id="rId75"/>
-    <p:sldId id="326" r:id="rId76"/>
+    <p:sldId id="349" r:id="rId72"/>
+    <p:sldId id="352" r:id="rId73"/>
+    <p:sldId id="350" r:id="rId74"/>
+    <p:sldId id="351" r:id="rId75"/>
+    <p:sldId id="322" r:id="rId76"/>
+    <p:sldId id="323" r:id="rId77"/>
+    <p:sldId id="324" r:id="rId78"/>
+    <p:sldId id="325" r:id="rId79"/>
+    <p:sldId id="326" r:id="rId80"/>
   </p:sldIdLst>
   <p:sldSz cx="9144000" cy="6858000" type="screen4x3"/>
   <p:notesSz cx="6858000" cy="9144000"/>
@@ -375,7 +379,7 @@
             <a:fld id="{8D49A9A6-EEBE-4A10-B375-E3DE23A9130F}" type="datetimeFigureOut">
               <a:rPr lang="en-US" altLang="en-US"/>
               <a:pPr/>
-              <a:t>12/15/2014</a:t>
+              <a:t>12/16/2014</a:t>
             </a:fld>
             <a:endParaRPr lang="en-US" altLang="en-US"/>
           </a:p>
@@ -2290,7 +2294,7 @@
                 <a:latin typeface="Times New Roman" panose="02020603050405020304" pitchFamily="18" charset="0"/>
               </a:rPr>
               <a:pPr eaLnBrk="1" hangingPunct="1"/>
-              <a:t>73</a:t>
+              <a:t>77</a:t>
             </a:fld>
             <a:endParaRPr lang="en-US" altLang="en-US" sz="1200">
               <a:solidFill>
@@ -2670,7 +2674,7 @@
                 <a:latin typeface="Times New Roman" panose="02020603050405020304" pitchFamily="18" charset="0"/>
               </a:rPr>
               <a:pPr eaLnBrk="1" hangingPunct="1"/>
-              <a:t>74</a:t>
+              <a:t>78</a:t>
             </a:fld>
             <a:endParaRPr lang="en-US" altLang="en-US" sz="1200">
               <a:solidFill>
@@ -3050,7 +3054,7 @@
                 <a:latin typeface="Times New Roman" panose="02020603050405020304" pitchFamily="18" charset="0"/>
               </a:rPr>
               <a:pPr eaLnBrk="1" hangingPunct="1"/>
-              <a:t>75</a:t>
+              <a:t>79</a:t>
             </a:fld>
             <a:endParaRPr lang="en-US" altLang="en-US" sz="1200">
               <a:solidFill>
@@ -7793,11 +7797,7 @@
             </a:pPr>
             <a:r>
               <a:rPr lang="en-US" sz="2800" dirty="0" smtClean="0"/>
-              <a:t>Content </a:t>
-            </a:r>
-            <a:r>
-              <a:rPr lang="en-US" sz="2800" dirty="0" smtClean="0"/>
-              <a:t>– based Recommendation </a:t>
+              <a:t>Content – based Recommendation </a:t>
             </a:r>
             <a:endParaRPr lang="en-US" sz="2800" dirty="0"/>
           </a:p>
@@ -8169,7 +8169,6 @@
               <a:rPr lang="en-US" sz="2800" dirty="0" smtClean="0"/>
               <a:t>al 2010)</a:t>
             </a:r>
-            <a:endParaRPr lang="en-US" sz="2800" dirty="0" smtClean="0"/>
           </a:p>
           <a:p>
             <a:pPr marL="457200" indent="-457200">
@@ -8595,7 +8594,6 @@
               <a:rPr lang="en-US" sz="2800" dirty="0" smtClean="0"/>
               <a:t>Help managers to </a:t>
             </a:r>
-            <a:endParaRPr lang="en-US" sz="2800" dirty="0" smtClean="0"/>
           </a:p>
           <a:p>
             <a:pPr marL="0" indent="0">
@@ -8609,15 +8607,7 @@
             </a:r>
             <a:r>
               <a:rPr lang="en-US" sz="2800" dirty="0" smtClean="0"/>
-              <a:t>   </a:t>
-            </a:r>
-            <a:r>
-              <a:rPr lang="en-US" sz="2800" dirty="0" smtClean="0"/>
-              <a:t>find </a:t>
-            </a:r>
-            <a:r>
-              <a:rPr lang="en-US" sz="2800" dirty="0" smtClean="0"/>
-              <a:t>right candidates</a:t>
+              <a:t>   find right candidates</a:t>
             </a:r>
           </a:p>
           <a:p>
@@ -8646,11 +8636,7 @@
             </a:r>
             <a:r>
               <a:rPr lang="en-US" sz="2800" dirty="0" smtClean="0"/>
-              <a:t>   </a:t>
-            </a:r>
-            <a:r>
-              <a:rPr lang="en-US" sz="2800" dirty="0" smtClean="0"/>
-              <a:t>Extraction </a:t>
+              <a:t>   Extraction </a:t>
             </a:r>
             <a:r>
               <a:rPr lang="en-US" sz="2800" dirty="0"/>
@@ -20124,6 +20110,88 @@
           </a:prstGeom>
         </p:spPr>
       </p:pic>
+      <p:sp>
+        <p:nvSpPr>
+          <p:cNvPr id="6" name="Rectangle 5"/>
+          <p:cNvSpPr/>
+          <p:nvPr/>
+        </p:nvSpPr>
+        <p:spPr bwMode="auto">
+          <a:xfrm>
+            <a:off x="457199" y="3810000"/>
+            <a:ext cx="8320807" cy="533400"/>
+          </a:xfrm>
+          <a:prstGeom prst="rect">
+            <a:avLst/>
+          </a:prstGeom>
+          <a:solidFill>
+            <a:srgbClr val="00B8FF">
+              <a:alpha val="29000"/>
+            </a:srgbClr>
+          </a:solidFill>
+          <a:ln w="9525" cap="flat" cmpd="sng" algn="ctr">
+            <a:noFill/>
+            <a:prstDash val="solid"/>
+            <a:round/>
+            <a:headEnd type="none" w="med" len="med"/>
+            <a:tailEnd type="none" w="med" len="med"/>
+          </a:ln>
+          <a:effectLst/>
+          <a:extLst>
+            <a:ext uri="{AF507438-7753-43e0-B8FC-AC1667EBCBE1}">
+              <a14:hiddenEffects xmlns:a14="http://schemas.microsoft.com/office/drawing/2010/main" xmlns="">
+                <a:effectLst>
+                  <a:outerShdw blurRad="63500" dist="38099" dir="2700000" algn="ctr" rotWithShape="0">
+                    <a:schemeClr val="bg2">
+                      <a:alpha val="74998"/>
+                    </a:schemeClr>
+                  </a:outerShdw>
+                </a:effectLst>
+              </a14:hiddenEffects>
+            </a:ext>
+          </a:extLst>
+        </p:spPr>
+        <p:txBody>
+          <a:bodyPr vert="horz" wrap="square" lIns="91440" tIns="45720" rIns="91440" bIns="45720" numCol="1" rtlCol="0" anchor="t" anchorCtr="0" compatLnSpc="1">
+            <a:prstTxWarp prst="textNoShape">
+              <a:avLst/>
+            </a:prstTxWarp>
+          </a:bodyPr>
+          <a:lstStyle/>
+          <a:p>
+            <a:pPr marL="0" marR="0" indent="0" algn="l" defTabSz="457200" rtl="0" eaLnBrk="1" fontAlgn="base" latinLnBrk="0" hangingPunct="1">
+              <a:lnSpc>
+                <a:spcPct val="100000"/>
+              </a:lnSpc>
+              <a:spcBef>
+                <a:spcPct val="0"/>
+              </a:spcBef>
+              <a:spcAft>
+                <a:spcPct val="0"/>
+              </a:spcAft>
+              <a:buClr>
+                <a:srgbClr val="000000"/>
+              </a:buClr>
+              <a:buSzPct val="100000"/>
+              <a:buFont typeface="Times New Roman" charset="0"/>
+              <a:buNone/>
+              <a:tabLst/>
+            </a:pPr>
+            <a:endParaRPr kumimoji="0" lang="en-US" sz="2400" b="0" i="0" u="none" strike="noStrike" cap="none" normalizeH="0" baseline="0">
+              <a:ln>
+                <a:noFill/>
+              </a:ln>
+              <a:solidFill>
+                <a:schemeClr val="bg1"/>
+              </a:solidFill>
+              <a:effectLst/>
+              <a:latin typeface="Arial" charset="0"/>
+              <a:ea typeface="ＭＳ Ｐゴシック" charset="0"/>
+              <a:cs typeface="ＭＳ Ｐゴシック" charset="0"/>
+            </a:endParaRPr>
+          </a:p>
+        </p:txBody>
+      </p:sp>
     </p:spTree>
     <p:extLst>
       <p:ext uri="{BB962C8B-B14F-4D97-AF65-F5344CB8AC3E}">
@@ -20988,6 +21056,88 @@
           </a:p>
         </p:txBody>
       </p:sp>
+      <p:sp>
+        <p:nvSpPr>
+          <p:cNvPr id="6" name="Rectangle 5"/>
+          <p:cNvSpPr/>
+          <p:nvPr/>
+        </p:nvSpPr>
+        <p:spPr bwMode="auto">
+          <a:xfrm>
+            <a:off x="1524000" y="2514600"/>
+            <a:ext cx="5562600" cy="533400"/>
+          </a:xfrm>
+          <a:prstGeom prst="rect">
+            <a:avLst/>
+          </a:prstGeom>
+          <a:solidFill>
+            <a:srgbClr val="00B8FF">
+              <a:alpha val="29000"/>
+            </a:srgbClr>
+          </a:solidFill>
+          <a:ln w="9525" cap="flat" cmpd="sng" algn="ctr">
+            <a:noFill/>
+            <a:prstDash val="solid"/>
+            <a:round/>
+            <a:headEnd type="none" w="med" len="med"/>
+            <a:tailEnd type="none" w="med" len="med"/>
+          </a:ln>
+          <a:effectLst/>
+          <a:extLst>
+            <a:ext uri="{AF507438-7753-43e0-B8FC-AC1667EBCBE1}">
+              <a14:hiddenEffects xmlns:a14="http://schemas.microsoft.com/office/drawing/2010/main" xmlns="">
+                <a:effectLst>
+                  <a:outerShdw blurRad="63500" dist="38099" dir="2700000" algn="ctr" rotWithShape="0">
+                    <a:schemeClr val="bg2">
+                      <a:alpha val="74998"/>
+                    </a:schemeClr>
+                  </a:outerShdw>
+                </a:effectLst>
+              </a14:hiddenEffects>
+            </a:ext>
+          </a:extLst>
+        </p:spPr>
+        <p:txBody>
+          <a:bodyPr vert="horz" wrap="square" lIns="91440" tIns="45720" rIns="91440" bIns="45720" numCol="1" rtlCol="0" anchor="t" anchorCtr="0" compatLnSpc="1">
+            <a:prstTxWarp prst="textNoShape">
+              <a:avLst/>
+            </a:prstTxWarp>
+          </a:bodyPr>
+          <a:lstStyle/>
+          <a:p>
+            <a:pPr marL="0" marR="0" indent="0" algn="l" defTabSz="457200" rtl="0" eaLnBrk="1" fontAlgn="base" latinLnBrk="0" hangingPunct="1">
+              <a:lnSpc>
+                <a:spcPct val="100000"/>
+              </a:lnSpc>
+              <a:spcBef>
+                <a:spcPct val="0"/>
+              </a:spcBef>
+              <a:spcAft>
+                <a:spcPct val="0"/>
+              </a:spcAft>
+              <a:buClr>
+                <a:srgbClr val="000000"/>
+              </a:buClr>
+              <a:buSzPct val="100000"/>
+              <a:buFont typeface="Times New Roman" charset="0"/>
+              <a:buNone/>
+              <a:tabLst/>
+            </a:pPr>
+            <a:endParaRPr kumimoji="0" lang="en-US" sz="2400" b="0" i="0" u="none" strike="noStrike" cap="none" normalizeH="0" baseline="0">
+              <a:ln>
+                <a:noFill/>
+              </a:ln>
+              <a:solidFill>
+                <a:schemeClr val="bg1"/>
+              </a:solidFill>
+              <a:effectLst/>
+              <a:latin typeface="Arial" charset="0"/>
+              <a:ea typeface="ＭＳ Ｐゴシック" charset="0"/>
+              <a:cs typeface="ＭＳ Ｐゴシック" charset="0"/>
+            </a:endParaRPr>
+          </a:p>
+        </p:txBody>
+      </p:sp>
     </p:spTree>
     <p:extLst>
       <p:ext uri="{BB962C8B-B14F-4D97-AF65-F5344CB8AC3E}">
@@ -21128,6 +21278,88 @@
               <a:solidFill>
                 <a:schemeClr val="tx1"/>
               </a:solidFill>
+            </a:endParaRPr>
+          </a:p>
+        </p:txBody>
+      </p:sp>
+      <p:sp>
+        <p:nvSpPr>
+          <p:cNvPr id="2" name="Rectangle 1"/>
+          <p:cNvSpPr/>
+          <p:nvPr/>
+        </p:nvSpPr>
+        <p:spPr bwMode="auto">
+          <a:xfrm>
+            <a:off x="1371600" y="2354330"/>
+            <a:ext cx="5867400" cy="502920"/>
+          </a:xfrm>
+          <a:prstGeom prst="rect">
+            <a:avLst/>
+          </a:prstGeom>
+          <a:solidFill>
+            <a:srgbClr val="00B8FF">
+              <a:alpha val="29000"/>
+            </a:srgbClr>
+          </a:solidFill>
+          <a:ln w="9525" cap="flat" cmpd="sng" algn="ctr">
+            <a:noFill/>
+            <a:prstDash val="solid"/>
+            <a:round/>
+            <a:headEnd type="none" w="med" len="med"/>
+            <a:tailEnd type="none" w="med" len="med"/>
+          </a:ln>
+          <a:effectLst/>
+          <a:extLst>
+            <a:ext uri="{AF507438-7753-43e0-B8FC-AC1667EBCBE1}">
+              <a14:hiddenEffects xmlns:a14="http://schemas.microsoft.com/office/drawing/2010/main" xmlns="">
+                <a:effectLst>
+                  <a:outerShdw blurRad="63500" dist="38099" dir="2700000" algn="ctr" rotWithShape="0">
+                    <a:schemeClr val="bg2">
+                      <a:alpha val="74998"/>
+                    </a:schemeClr>
+                  </a:outerShdw>
+                </a:effectLst>
+              </a14:hiddenEffects>
+            </a:ext>
+          </a:extLst>
+        </p:spPr>
+        <p:txBody>
+          <a:bodyPr vert="horz" wrap="square" lIns="91440" tIns="45720" rIns="91440" bIns="45720" numCol="1" rtlCol="0" anchor="t" anchorCtr="0" compatLnSpc="1">
+            <a:prstTxWarp prst="textNoShape">
+              <a:avLst/>
+            </a:prstTxWarp>
+          </a:bodyPr>
+          <a:lstStyle/>
+          <a:p>
+            <a:pPr marL="0" marR="0" indent="0" algn="l" defTabSz="457200" rtl="0" eaLnBrk="1" fontAlgn="base" latinLnBrk="0" hangingPunct="1">
+              <a:lnSpc>
+                <a:spcPct val="100000"/>
+              </a:lnSpc>
+              <a:spcBef>
+                <a:spcPct val="0"/>
+              </a:spcBef>
+              <a:spcAft>
+                <a:spcPct val="0"/>
+              </a:spcAft>
+              <a:buClr>
+                <a:srgbClr val="000000"/>
+              </a:buClr>
+              <a:buSzPct val="100000"/>
+              <a:buFont typeface="Times New Roman" charset="0"/>
+              <a:buNone/>
+              <a:tabLst/>
+            </a:pPr>
+            <a:endParaRPr kumimoji="0" lang="en-US" sz="2400" b="0" i="0" u="none" strike="noStrike" cap="none" normalizeH="0" baseline="0">
+              <a:ln>
+                <a:noFill/>
+              </a:ln>
+              <a:solidFill>
+                <a:schemeClr val="bg1"/>
+              </a:solidFill>
+              <a:effectLst/>
+              <a:latin typeface="Arial" charset="0"/>
+              <a:ea typeface="ＭＳ Ｐゴシック" charset="0"/>
+              <a:cs typeface="ＭＳ Ｐゴシック" charset="0"/>
             </a:endParaRPr>
           </a:p>
         </p:txBody>
@@ -22066,8 +22298,8 @@
         </p:blipFill>
         <p:spPr>
           <a:xfrm>
-            <a:off x="228600" y="2514600"/>
-            <a:ext cx="8067675" cy="3114675"/>
+            <a:off x="228601" y="2514601"/>
+            <a:ext cx="8001000" cy="3088934"/>
           </a:xfrm>
           <a:prstGeom prst="rect">
             <a:avLst/>
@@ -22120,6 +22352,88 @@
               <a:solidFill>
                 <a:schemeClr val="tx1"/>
               </a:solidFill>
+            </a:endParaRPr>
+          </a:p>
+        </p:txBody>
+      </p:sp>
+      <p:sp>
+        <p:nvSpPr>
+          <p:cNvPr id="6" name="Rectangle 5"/>
+          <p:cNvSpPr/>
+          <p:nvPr/>
+        </p:nvSpPr>
+        <p:spPr bwMode="auto">
+          <a:xfrm>
+            <a:off x="481010" y="3030829"/>
+            <a:ext cx="7562851" cy="548390"/>
+          </a:xfrm>
+          <a:prstGeom prst="rect">
+            <a:avLst/>
+          </a:prstGeom>
+          <a:solidFill>
+            <a:srgbClr val="00B8FF">
+              <a:alpha val="29000"/>
+            </a:srgbClr>
+          </a:solidFill>
+          <a:ln w="9525" cap="flat" cmpd="sng" algn="ctr">
+            <a:noFill/>
+            <a:prstDash val="solid"/>
+            <a:round/>
+            <a:headEnd type="none" w="med" len="med"/>
+            <a:tailEnd type="none" w="med" len="med"/>
+          </a:ln>
+          <a:effectLst/>
+          <a:extLst>
+            <a:ext uri="{AF507438-7753-43e0-B8FC-AC1667EBCBE1}">
+              <a14:hiddenEffects xmlns:a14="http://schemas.microsoft.com/office/drawing/2010/main" xmlns="">
+                <a:effectLst>
+                  <a:outerShdw blurRad="63500" dist="38099" dir="2700000" algn="ctr" rotWithShape="0">
+                    <a:schemeClr val="bg2">
+                      <a:alpha val="74998"/>
+                    </a:schemeClr>
+                  </a:outerShdw>
+                </a:effectLst>
+              </a14:hiddenEffects>
+            </a:ext>
+          </a:extLst>
+        </p:spPr>
+        <p:txBody>
+          <a:bodyPr vert="horz" wrap="square" lIns="91440" tIns="45720" rIns="91440" bIns="45720" numCol="1" rtlCol="0" anchor="t" anchorCtr="0" compatLnSpc="1">
+            <a:prstTxWarp prst="textNoShape">
+              <a:avLst/>
+            </a:prstTxWarp>
+          </a:bodyPr>
+          <a:lstStyle/>
+          <a:p>
+            <a:pPr marL="0" marR="0" indent="0" algn="l" defTabSz="457200" rtl="0" eaLnBrk="1" fontAlgn="base" latinLnBrk="0" hangingPunct="1">
+              <a:lnSpc>
+                <a:spcPct val="100000"/>
+              </a:lnSpc>
+              <a:spcBef>
+                <a:spcPct val="0"/>
+              </a:spcBef>
+              <a:spcAft>
+                <a:spcPct val="0"/>
+              </a:spcAft>
+              <a:buClr>
+                <a:srgbClr val="000000"/>
+              </a:buClr>
+              <a:buSzPct val="100000"/>
+              <a:buFont typeface="Times New Roman" charset="0"/>
+              <a:buNone/>
+              <a:tabLst/>
+            </a:pPr>
+            <a:endParaRPr kumimoji="0" lang="en-US" sz="2400" b="0" i="0" u="none" strike="noStrike" cap="none" normalizeH="0" baseline="0">
+              <a:ln>
+                <a:noFill/>
+              </a:ln>
+              <a:solidFill>
+                <a:schemeClr val="bg1"/>
+              </a:solidFill>
+              <a:effectLst/>
+              <a:latin typeface="Arial" charset="0"/>
+              <a:ea typeface="ＭＳ Ｐゴシック" charset="0"/>
+              <a:cs typeface="ＭＳ Ｐゴシック" charset="0"/>
             </a:endParaRPr>
           </a:p>
         </p:txBody>
@@ -22288,7 +22602,7 @@
         </p:nvSpPr>
         <p:spPr>
           <a:xfrm>
-            <a:off x="512164" y="609600"/>
+            <a:off x="512164" y="533400"/>
             <a:ext cx="7343775" cy="994172"/>
           </a:xfrm>
         </p:spPr>
@@ -22452,6 +22766,88 @@
           </a:p>
         </p:txBody>
       </p:sp>
+      <p:sp>
+        <p:nvSpPr>
+          <p:cNvPr id="6" name="Rectangle 5"/>
+          <p:cNvSpPr/>
+          <p:nvPr/>
+        </p:nvSpPr>
+        <p:spPr bwMode="auto">
+          <a:xfrm>
+            <a:off x="838200" y="2946380"/>
+            <a:ext cx="7543800" cy="558820"/>
+          </a:xfrm>
+          <a:prstGeom prst="rect">
+            <a:avLst/>
+          </a:prstGeom>
+          <a:solidFill>
+            <a:srgbClr val="00B8FF">
+              <a:alpha val="29000"/>
+            </a:srgbClr>
+          </a:solidFill>
+          <a:ln w="9525" cap="flat" cmpd="sng" algn="ctr">
+            <a:noFill/>
+            <a:prstDash val="solid"/>
+            <a:round/>
+            <a:headEnd type="none" w="med" len="med"/>
+            <a:tailEnd type="none" w="med" len="med"/>
+          </a:ln>
+          <a:effectLst/>
+          <a:extLst>
+            <a:ext uri="{AF507438-7753-43e0-B8FC-AC1667EBCBE1}">
+              <a14:hiddenEffects xmlns:a14="http://schemas.microsoft.com/office/drawing/2010/main" xmlns="">
+                <a:effectLst>
+                  <a:outerShdw blurRad="63500" dist="38099" dir="2700000" algn="ctr" rotWithShape="0">
+                    <a:schemeClr val="bg2">
+                      <a:alpha val="74998"/>
+                    </a:schemeClr>
+                  </a:outerShdw>
+                </a:effectLst>
+              </a14:hiddenEffects>
+            </a:ext>
+          </a:extLst>
+        </p:spPr>
+        <p:txBody>
+          <a:bodyPr vert="horz" wrap="square" lIns="91440" tIns="45720" rIns="91440" bIns="45720" numCol="1" rtlCol="0" anchor="t" anchorCtr="0" compatLnSpc="1">
+            <a:prstTxWarp prst="textNoShape">
+              <a:avLst/>
+            </a:prstTxWarp>
+          </a:bodyPr>
+          <a:lstStyle/>
+          <a:p>
+            <a:pPr marL="0" marR="0" indent="0" algn="l" defTabSz="457200" rtl="0" eaLnBrk="1" fontAlgn="base" latinLnBrk="0" hangingPunct="1">
+              <a:lnSpc>
+                <a:spcPct val="100000"/>
+              </a:lnSpc>
+              <a:spcBef>
+                <a:spcPct val="0"/>
+              </a:spcBef>
+              <a:spcAft>
+                <a:spcPct val="0"/>
+              </a:spcAft>
+              <a:buClr>
+                <a:srgbClr val="000000"/>
+              </a:buClr>
+              <a:buSzPct val="100000"/>
+              <a:buFont typeface="Times New Roman" charset="0"/>
+              <a:buNone/>
+              <a:tabLst/>
+            </a:pPr>
+            <a:endParaRPr kumimoji="0" lang="en-US" sz="2400" b="0" i="0" u="none" strike="noStrike" cap="none" normalizeH="0" baseline="0">
+              <a:ln>
+                <a:noFill/>
+              </a:ln>
+              <a:solidFill>
+                <a:schemeClr val="bg1"/>
+              </a:solidFill>
+              <a:effectLst/>
+              <a:latin typeface="Arial" charset="0"/>
+              <a:ea typeface="ＭＳ Ｐゴシック" charset="0"/>
+              <a:cs typeface="ＭＳ Ｐゴシック" charset="0"/>
+            </a:endParaRPr>
+          </a:p>
+        </p:txBody>
+      </p:sp>
     </p:spTree>
     <p:extLst>
       <p:ext uri="{BB962C8B-B14F-4D97-AF65-F5344CB8AC3E}">
@@ -22499,6 +22895,2433 @@
       </p:grpSpPr>
       <p:sp>
         <p:nvSpPr>
+          <p:cNvPr id="3" name="Title 2"/>
+          <p:cNvSpPr>
+            <a:spLocks noGrp="1"/>
+          </p:cNvSpPr>
+          <p:nvPr>
+            <p:ph type="title"/>
+          </p:nvPr>
+        </p:nvSpPr>
+        <p:spPr>
+          <a:xfrm>
+            <a:off x="457200" y="457200"/>
+            <a:ext cx="6093617" cy="994172"/>
+          </a:xfrm>
+        </p:spPr>
+        <p:txBody>
+          <a:bodyPr/>
+          <a:lstStyle/>
+          <a:p>
+            <a:r>
+              <a:rPr lang="en-US" dirty="0" smtClean="0"/>
+              <a:t>Comparing with Indeed</a:t>
+            </a:r>
+            <a:endParaRPr lang="en-US" dirty="0"/>
+          </a:p>
+        </p:txBody>
+      </p:sp>
+      <p:sp>
+        <p:nvSpPr>
+          <p:cNvPr id="11" name="Content Placeholder 1"/>
+          <p:cNvSpPr>
+            <a:spLocks noGrp="1"/>
+          </p:cNvSpPr>
+          <p:nvPr>
+            <p:ph idx="1"/>
+          </p:nvPr>
+        </p:nvSpPr>
+        <p:spPr>
+          <a:xfrm>
+            <a:off x="685800" y="2209800"/>
+            <a:ext cx="8228013" cy="3146326"/>
+          </a:xfrm>
+        </p:spPr>
+        <p:txBody>
+          <a:bodyPr/>
+          <a:lstStyle/>
+          <a:p>
+            <a:pPr marL="457200" indent="-457200">
+              <a:buClr>
+                <a:srgbClr val="C00000"/>
+              </a:buClr>
+              <a:buFont typeface="Wingdings" panose="05000000000000000000" pitchFamily="2" charset="2"/>
+              <a:buChar char="v"/>
+            </a:pPr>
+            <a:r>
+              <a:rPr lang="en-US" dirty="0" smtClean="0"/>
+              <a:t>Keyword search in Indeed</a:t>
+            </a:r>
+            <a:endParaRPr lang="en-US" dirty="0" smtClean="0"/>
+          </a:p>
+          <a:p>
+            <a:pPr marL="457200" indent="-457200">
+              <a:buClr>
+                <a:srgbClr val="C00000"/>
+              </a:buClr>
+              <a:buFont typeface="Wingdings" panose="05000000000000000000" pitchFamily="2" charset="2"/>
+              <a:buChar char="v"/>
+            </a:pPr>
+            <a:r>
+              <a:rPr lang="en-US" smtClean="0"/>
+              <a:t>Collecting </a:t>
+            </a:r>
+            <a:r>
+              <a:rPr lang="en-US" dirty="0" smtClean="0"/>
+              <a:t>the </a:t>
+            </a:r>
+            <a:r>
+              <a:rPr lang="en-US" smtClean="0"/>
+              <a:t>front 100 search </a:t>
+            </a:r>
+            <a:r>
+              <a:rPr lang="en-US" dirty="0" smtClean="0"/>
+              <a:t>results</a:t>
+            </a:r>
+            <a:endParaRPr lang="en-US" dirty="0" smtClean="0"/>
+          </a:p>
+          <a:p>
+            <a:pPr marL="457200" indent="-457200">
+              <a:buClr>
+                <a:srgbClr val="C00000"/>
+              </a:buClr>
+              <a:buFont typeface="Wingdings" panose="05000000000000000000" pitchFamily="2" charset="2"/>
+              <a:buChar char="v"/>
+            </a:pPr>
+            <a:r>
+              <a:rPr lang="en-US" dirty="0"/>
+              <a:t>Relevance values between résumés and jobs are manually assigned </a:t>
+            </a:r>
+            <a:endParaRPr lang="en-US" dirty="0" smtClean="0"/>
+          </a:p>
+          <a:p>
+            <a:pPr marL="457200" indent="-457200">
+              <a:buClr>
+                <a:srgbClr val="C00000"/>
+              </a:buClr>
+              <a:buFont typeface="Wingdings" panose="05000000000000000000" pitchFamily="2" charset="2"/>
+              <a:buChar char="v"/>
+            </a:pPr>
+            <a:r>
+              <a:rPr lang="en-US" dirty="0" smtClean="0"/>
+              <a:t>Using our system to re-rank the results</a:t>
+            </a:r>
+            <a:endParaRPr lang="en-US" dirty="0"/>
+          </a:p>
+        </p:txBody>
+      </p:sp>
+    </p:spTree>
+    <p:extLst>
+      <p:ext uri="{BB962C8B-B14F-4D97-AF65-F5344CB8AC3E}">
+        <p14:creationId xmlns:p14="http://schemas.microsoft.com/office/powerpoint/2010/main" val="3433143881"/>
+      </p:ext>
+    </p:extLst>
+  </p:cSld>
+  <p:clrMapOvr>
+    <a:masterClrMapping/>
+  </p:clrMapOvr>
+  <mc:AlternateContent xmlns:mc="http://schemas.openxmlformats.org/markup-compatibility/2006">
+    <mc:Choice xmlns:p14="http://schemas.microsoft.com/office/powerpoint/2010/main" Requires="p14">
+      <p:transition spd="slow" p14:dur="2000"/>
+    </mc:Choice>
+    <mc:Fallback>
+      <p:transition spd="slow"/>
+    </mc:Fallback>
+  </mc:AlternateContent>
+  <p:timing>
+    <p:tnLst>
+      <p:par>
+        <p:cTn id="1" dur="indefinite" restart="never" nodeType="tmRoot"/>
+      </p:par>
+    </p:tnLst>
+  </p:timing>
+</p:sld>
+</file>
+
+<file path=ppt/slides/slide72.xml><?xml version="1.0" encoding="utf-8"?>
+<p:sld xmlns:a="http://schemas.openxmlformats.org/drawingml/2006/main" xmlns:r="http://schemas.openxmlformats.org/officeDocument/2006/relationships" xmlns:p="http://schemas.openxmlformats.org/presentationml/2006/main">
+  <p:cSld>
+    <p:spTree>
+      <p:nvGrpSpPr>
+        <p:cNvPr id="1" name=""/>
+        <p:cNvGrpSpPr/>
+        <p:nvPr/>
+      </p:nvGrpSpPr>
+      <p:grpSpPr>
+        <a:xfrm>
+          <a:off x="0" y="0"/>
+          <a:ext cx="0" cy="0"/>
+          <a:chOff x="0" y="0"/>
+          <a:chExt cx="0" cy="0"/>
+        </a:xfrm>
+      </p:grpSpPr>
+      <p:sp>
+        <p:nvSpPr>
+          <p:cNvPr id="3" name="Title 2"/>
+          <p:cNvSpPr>
+            <a:spLocks noGrp="1"/>
+          </p:cNvSpPr>
+          <p:nvPr>
+            <p:ph type="title"/>
+          </p:nvPr>
+        </p:nvSpPr>
+        <p:spPr>
+          <a:xfrm>
+            <a:off x="457200" y="457200"/>
+            <a:ext cx="6093617" cy="994172"/>
+          </a:xfrm>
+        </p:spPr>
+        <p:txBody>
+          <a:bodyPr/>
+          <a:lstStyle/>
+          <a:p>
+            <a:r>
+              <a:rPr lang="en-US" dirty="0" smtClean="0"/>
+              <a:t>Comparing with Indeed</a:t>
+            </a:r>
+            <a:endParaRPr lang="en-US" dirty="0"/>
+          </a:p>
+        </p:txBody>
+      </p:sp>
+      <p:graphicFrame>
+        <p:nvGraphicFramePr>
+          <p:cNvPr id="7" name="Content Placeholder 6"/>
+          <p:cNvGraphicFramePr>
+            <a:graphicFrameLocks noGrp="1"/>
+          </p:cNvGraphicFramePr>
+          <p:nvPr>
+            <p:ph idx="1"/>
+          </p:nvPr>
+        </p:nvGraphicFramePr>
+        <p:xfrm>
+          <a:off x="442210" y="3124200"/>
+          <a:ext cx="8142286" cy="2651760"/>
+        </p:xfrm>
+        <a:graphic>
+          <a:graphicData uri="http://schemas.openxmlformats.org/drawingml/2006/table">
+            <a:tbl>
+              <a:tblPr firstRow="1" bandRow="1">
+                <a:tableStyleId>{5940675A-B579-460E-94D1-54222C63F5DA}</a:tableStyleId>
+              </a:tblPr>
+              <a:tblGrid>
+                <a:gridCol w="1628457"/>
+                <a:gridCol w="1628457"/>
+                <a:gridCol w="1891545"/>
+                <a:gridCol w="1365370"/>
+                <a:gridCol w="1628457"/>
+              </a:tblGrid>
+              <a:tr h="320040">
+                <a:tc rowSpan="2">
+                  <a:txBody>
+                    <a:bodyPr/>
+                    <a:lstStyle/>
+                    <a:p>
+                      <a:pPr algn="ctr"/>
+                      <a:endParaRPr lang="en-US" sz="2400" b="0" dirty="0" smtClean="0">
+                        <a:solidFill>
+                          <a:schemeClr val="tx1"/>
+                        </a:solidFill>
+                      </a:endParaRPr>
+                    </a:p>
+                    <a:p>
+                      <a:pPr algn="ctr"/>
+                      <a:r>
+                        <a:rPr lang="en-US" sz="2400" b="0" dirty="0" smtClean="0">
+                          <a:solidFill>
+                            <a:schemeClr val="tx1"/>
+                          </a:solidFill>
+                        </a:rPr>
+                        <a:t>K</a:t>
+                      </a:r>
+                      <a:endParaRPr lang="en-US" sz="2400" b="0" dirty="0">
+                        <a:solidFill>
+                          <a:schemeClr val="tx1"/>
+                        </a:solidFill>
+                      </a:endParaRPr>
+                    </a:p>
+                  </a:txBody>
+                  <a:tcPr>
+                    <a:solidFill>
+                      <a:srgbClr val="00B0F0">
+                        <a:alpha val="45000"/>
+                      </a:srgbClr>
+                    </a:solidFill>
+                  </a:tcPr>
+                </a:tc>
+                <a:tc gridSpan="2">
+                  <a:txBody>
+                    <a:bodyPr/>
+                    <a:lstStyle/>
+                    <a:p>
+                      <a:pPr algn="ctr"/>
+                      <a:r>
+                        <a:rPr lang="en-US" sz="2400" b="0" dirty="0" err="1" smtClean="0">
+                          <a:solidFill>
+                            <a:schemeClr val="tx1"/>
+                          </a:solidFill>
+                        </a:rPr>
+                        <a:t>Precision@k</a:t>
+                      </a:r>
+                      <a:endParaRPr lang="en-US" sz="2400" b="0" dirty="0">
+                        <a:solidFill>
+                          <a:schemeClr val="tx1"/>
+                        </a:solidFill>
+                      </a:endParaRPr>
+                    </a:p>
+                  </a:txBody>
+                  <a:tcPr>
+                    <a:solidFill>
+                      <a:srgbClr val="00B0F0">
+                        <a:alpha val="45000"/>
+                      </a:srgbClr>
+                    </a:solidFill>
+                  </a:tcPr>
+                </a:tc>
+                <a:tc hMerge="1">
+                  <a:txBody>
+                    <a:bodyPr/>
+                    <a:lstStyle/>
+                    <a:p>
+                      <a:endParaRPr lang="en-US" dirty="0"/>
+                    </a:p>
+                  </a:txBody>
+                  <a:tcPr>
+                    <a:solidFill>
+                      <a:srgbClr val="00B0F0">
+                        <a:alpha val="45000"/>
+                      </a:srgbClr>
+                    </a:solidFill>
+                  </a:tcPr>
+                </a:tc>
+                <a:tc gridSpan="2">
+                  <a:txBody>
+                    <a:bodyPr/>
+                    <a:lstStyle/>
+                    <a:p>
+                      <a:pPr algn="ctr"/>
+                      <a:r>
+                        <a:rPr lang="en-US" sz="2400" b="0" dirty="0" smtClean="0">
+                          <a:solidFill>
+                            <a:schemeClr val="tx1"/>
+                          </a:solidFill>
+                        </a:rPr>
+                        <a:t>DCG</a:t>
+                      </a:r>
+                      <a:endParaRPr lang="en-US" sz="2400" b="0" dirty="0">
+                        <a:solidFill>
+                          <a:schemeClr val="tx1"/>
+                        </a:solidFill>
+                      </a:endParaRPr>
+                    </a:p>
+                  </a:txBody>
+                  <a:tcPr>
+                    <a:solidFill>
+                      <a:srgbClr val="00B0F0">
+                        <a:alpha val="45000"/>
+                      </a:srgbClr>
+                    </a:solidFill>
+                  </a:tcPr>
+                </a:tc>
+                <a:tc hMerge="1">
+                  <a:txBody>
+                    <a:bodyPr/>
+                    <a:lstStyle/>
+                    <a:p>
+                      <a:endParaRPr lang="en-US" dirty="0"/>
+                    </a:p>
+                  </a:txBody>
+                  <a:tcPr>
+                    <a:solidFill>
+                      <a:srgbClr val="00B0F0">
+                        <a:alpha val="45000"/>
+                      </a:srgbClr>
+                    </a:solidFill>
+                  </a:tcPr>
+                </a:tc>
+              </a:tr>
+              <a:tr h="320040">
+                <a:tc vMerge="1">
+                  <a:txBody>
+                    <a:bodyPr/>
+                    <a:lstStyle/>
+                    <a:p>
+                      <a:endParaRPr lang="en-US"/>
+                    </a:p>
+                  </a:txBody>
+                  <a:tcPr/>
+                </a:tc>
+                <a:tc>
+                  <a:txBody>
+                    <a:bodyPr/>
+                    <a:lstStyle/>
+                    <a:p>
+                      <a:r>
+                        <a:rPr lang="en-US" sz="2400" b="0" dirty="0" smtClean="0">
+                          <a:solidFill>
+                            <a:schemeClr val="tx1"/>
+                          </a:solidFill>
+                        </a:rPr>
+                        <a:t>Indeed </a:t>
+                      </a:r>
+                      <a:endParaRPr lang="en-US" sz="2400" b="0" dirty="0">
+                        <a:solidFill>
+                          <a:schemeClr val="tx1"/>
+                        </a:solidFill>
+                      </a:endParaRPr>
+                    </a:p>
+                  </a:txBody>
+                  <a:tcPr>
+                    <a:solidFill>
+                      <a:srgbClr val="00B0F0">
+                        <a:alpha val="45000"/>
+                      </a:srgbClr>
+                    </a:solidFill>
+                  </a:tcPr>
+                </a:tc>
+                <a:tc>
+                  <a:txBody>
+                    <a:bodyPr/>
+                    <a:lstStyle/>
+                    <a:p>
+                      <a:r>
+                        <a:rPr lang="en-US" sz="2400" b="0" dirty="0" smtClean="0">
+                          <a:solidFill>
+                            <a:schemeClr val="tx1"/>
+                          </a:solidFill>
+                        </a:rPr>
+                        <a:t>Ontology Matching </a:t>
+                      </a:r>
+                      <a:endParaRPr lang="en-US" sz="2400" b="0" dirty="0">
+                        <a:solidFill>
+                          <a:schemeClr val="tx1"/>
+                        </a:solidFill>
+                      </a:endParaRPr>
+                    </a:p>
+                  </a:txBody>
+                  <a:tcPr>
+                    <a:solidFill>
+                      <a:srgbClr val="00B0F0">
+                        <a:alpha val="45000"/>
+                      </a:srgbClr>
+                    </a:solidFill>
+                  </a:tcPr>
+                </a:tc>
+                <a:tc>
+                  <a:txBody>
+                    <a:bodyPr/>
+                    <a:lstStyle/>
+                    <a:p>
+                      <a:r>
+                        <a:rPr lang="en-US" sz="2400" b="0" dirty="0" smtClean="0">
+                          <a:solidFill>
+                            <a:schemeClr val="tx1"/>
+                          </a:solidFill>
+                        </a:rPr>
+                        <a:t>Indeed </a:t>
+                      </a:r>
+                      <a:endParaRPr lang="en-US" sz="2400" b="0" dirty="0">
+                        <a:solidFill>
+                          <a:schemeClr val="tx1"/>
+                        </a:solidFill>
+                      </a:endParaRPr>
+                    </a:p>
+                  </a:txBody>
+                  <a:tcPr>
+                    <a:solidFill>
+                      <a:srgbClr val="00B0F0">
+                        <a:alpha val="45000"/>
+                      </a:srgbClr>
+                    </a:solidFill>
+                  </a:tcPr>
+                </a:tc>
+                <a:tc>
+                  <a:txBody>
+                    <a:bodyPr/>
+                    <a:lstStyle/>
+                    <a:p>
+                      <a:r>
+                        <a:rPr lang="en-US" sz="2400" b="0" dirty="0" smtClean="0">
+                          <a:solidFill>
+                            <a:schemeClr val="tx1"/>
+                          </a:solidFill>
+                        </a:rPr>
+                        <a:t>Ontology Matching </a:t>
+                      </a:r>
+                      <a:endParaRPr lang="en-US" sz="2400" b="0" dirty="0">
+                        <a:solidFill>
+                          <a:schemeClr val="tx1"/>
+                        </a:solidFill>
+                      </a:endParaRPr>
+                    </a:p>
+                  </a:txBody>
+                  <a:tcPr>
+                    <a:solidFill>
+                      <a:srgbClr val="00B0F0">
+                        <a:alpha val="45000"/>
+                      </a:srgbClr>
+                    </a:solidFill>
+                  </a:tcPr>
+                </a:tc>
+              </a:tr>
+              <a:tr h="370840">
+                <a:tc>
+                  <a:txBody>
+                    <a:bodyPr/>
+                    <a:lstStyle/>
+                    <a:p>
+                      <a:r>
+                        <a:rPr lang="en-US" sz="2400" b="0" dirty="0" smtClean="0"/>
+                        <a:t>5</a:t>
+                      </a:r>
+                      <a:endParaRPr lang="en-US" sz="2400" b="0" dirty="0"/>
+                    </a:p>
+                  </a:txBody>
+                  <a:tcPr/>
+                </a:tc>
+                <a:tc>
+                  <a:txBody>
+                    <a:bodyPr/>
+                    <a:lstStyle/>
+                    <a:p>
+                      <a:r>
+                        <a:rPr lang="en-US" altLang="zh-CN" sz="2000" b="0" dirty="0" smtClean="0"/>
+                        <a:t>0.6</a:t>
+                      </a:r>
+                      <a:endParaRPr lang="en-US" sz="2000" b="0" dirty="0"/>
+                    </a:p>
+                  </a:txBody>
+                  <a:tcPr/>
+                </a:tc>
+                <a:tc>
+                  <a:txBody>
+                    <a:bodyPr/>
+                    <a:lstStyle/>
+                    <a:p>
+                      <a:r>
+                        <a:rPr lang="en-US" altLang="zh-CN" sz="2000" b="0" dirty="0" smtClean="0"/>
+                        <a:t>1</a:t>
+                      </a:r>
+                      <a:endParaRPr lang="en-US" sz="2000" b="0" dirty="0"/>
+                    </a:p>
+                  </a:txBody>
+                  <a:tcPr/>
+                </a:tc>
+                <a:tc>
+                  <a:txBody>
+                    <a:bodyPr/>
+                    <a:lstStyle/>
+                    <a:p>
+                      <a:r>
+                        <a:rPr lang="en-US" altLang="zh-CN" sz="2000" b="0" dirty="0" smtClean="0"/>
+                        <a:t>13.35</a:t>
+                      </a:r>
+                      <a:endParaRPr lang="en-US" sz="2000" b="0" dirty="0"/>
+                    </a:p>
+                  </a:txBody>
+                  <a:tcPr/>
+                </a:tc>
+                <a:tc>
+                  <a:txBody>
+                    <a:bodyPr/>
+                    <a:lstStyle/>
+                    <a:p>
+                      <a:r>
+                        <a:rPr lang="en-US" altLang="zh-CN" sz="2000" b="0" dirty="0" smtClean="0"/>
+                        <a:t>24.39</a:t>
+                      </a:r>
+                      <a:endParaRPr lang="en-US" sz="2000" b="0" dirty="0"/>
+                    </a:p>
+                  </a:txBody>
+                  <a:tcPr/>
+                </a:tc>
+              </a:tr>
+              <a:tr h="370840">
+                <a:tc>
+                  <a:txBody>
+                    <a:bodyPr/>
+                    <a:lstStyle/>
+                    <a:p>
+                      <a:r>
+                        <a:rPr lang="en-US" sz="2400" b="0" dirty="0" smtClean="0"/>
+                        <a:t>10</a:t>
+                      </a:r>
+                      <a:endParaRPr lang="en-US" sz="2400" b="0" dirty="0"/>
+                    </a:p>
+                  </a:txBody>
+                  <a:tcPr/>
+                </a:tc>
+                <a:tc>
+                  <a:txBody>
+                    <a:bodyPr/>
+                    <a:lstStyle/>
+                    <a:p>
+                      <a:r>
+                        <a:rPr lang="en-US" altLang="zh-CN" sz="2000" b="0" dirty="0" smtClean="0"/>
+                        <a:t>0.5</a:t>
+                      </a:r>
+                      <a:endParaRPr lang="en-US" sz="2000" b="0" dirty="0"/>
+                    </a:p>
+                  </a:txBody>
+                  <a:tcPr/>
+                </a:tc>
+                <a:tc>
+                  <a:txBody>
+                    <a:bodyPr/>
+                    <a:lstStyle/>
+                    <a:p>
+                      <a:r>
+                        <a:rPr lang="en-US" altLang="zh-CN" sz="2000" b="0" dirty="0" smtClean="0"/>
+                        <a:t>0.9</a:t>
+                      </a:r>
+                      <a:endParaRPr lang="en-US" sz="2000" b="0" dirty="0"/>
+                    </a:p>
+                  </a:txBody>
+                  <a:tcPr/>
+                </a:tc>
+                <a:tc>
+                  <a:txBody>
+                    <a:bodyPr/>
+                    <a:lstStyle/>
+                    <a:p>
+                      <a:r>
+                        <a:rPr lang="en-US" altLang="zh-CN" sz="2000" b="0" dirty="0" smtClean="0"/>
+                        <a:t>17.8</a:t>
+                      </a:r>
+                      <a:endParaRPr lang="en-US" sz="2000" b="0" dirty="0"/>
+                    </a:p>
+                  </a:txBody>
+                  <a:tcPr/>
+                </a:tc>
+                <a:tc>
+                  <a:txBody>
+                    <a:bodyPr/>
+                    <a:lstStyle/>
+                    <a:p>
+                      <a:r>
+                        <a:rPr lang="en-US" altLang="zh-CN" sz="2000" b="0" dirty="0" smtClean="0"/>
+                        <a:t>27.64</a:t>
+                      </a:r>
+                      <a:endParaRPr lang="en-US" sz="2000" b="0" dirty="0"/>
+                    </a:p>
+                  </a:txBody>
+                  <a:tcPr/>
+                </a:tc>
+              </a:tr>
+              <a:tr h="370840">
+                <a:tc>
+                  <a:txBody>
+                    <a:bodyPr/>
+                    <a:lstStyle/>
+                    <a:p>
+                      <a:r>
+                        <a:rPr lang="en-US" sz="2400" b="0" dirty="0" smtClean="0"/>
+                        <a:t>20</a:t>
+                      </a:r>
+                      <a:endParaRPr lang="en-US" sz="2400" b="0" dirty="0"/>
+                    </a:p>
+                  </a:txBody>
+                  <a:tcPr/>
+                </a:tc>
+                <a:tc>
+                  <a:txBody>
+                    <a:bodyPr/>
+                    <a:lstStyle/>
+                    <a:p>
+                      <a:r>
+                        <a:rPr lang="en-US" altLang="zh-CN" sz="2000" b="0" dirty="0" smtClean="0"/>
+                        <a:t>0.5</a:t>
+                      </a:r>
+                      <a:endParaRPr lang="en-US" sz="2000" b="0" dirty="0"/>
+                    </a:p>
+                  </a:txBody>
+                  <a:tcPr/>
+                </a:tc>
+                <a:tc>
+                  <a:txBody>
+                    <a:bodyPr/>
+                    <a:lstStyle/>
+                    <a:p>
+                      <a:r>
+                        <a:rPr lang="en-US" altLang="zh-CN" sz="2000" b="0" dirty="0" smtClean="0"/>
+                        <a:t>0.7</a:t>
+                      </a:r>
+                      <a:endParaRPr lang="en-US" sz="2000" b="0" dirty="0"/>
+                    </a:p>
+                  </a:txBody>
+                  <a:tcPr/>
+                </a:tc>
+                <a:tc>
+                  <a:txBody>
+                    <a:bodyPr/>
+                    <a:lstStyle/>
+                    <a:p>
+                      <a:r>
+                        <a:rPr lang="en-US" altLang="zh-CN" sz="2000" b="0" dirty="0" smtClean="0"/>
+                        <a:t>25.62</a:t>
+                      </a:r>
+                      <a:endParaRPr lang="en-US" sz="2000" b="0" dirty="0"/>
+                    </a:p>
+                  </a:txBody>
+                  <a:tcPr/>
+                </a:tc>
+                <a:tc>
+                  <a:txBody>
+                    <a:bodyPr/>
+                    <a:lstStyle/>
+                    <a:p>
+                      <a:r>
+                        <a:rPr lang="en-US" altLang="zh-CN" sz="2000" b="0" dirty="0" smtClean="0"/>
+                        <a:t>41.67</a:t>
+                      </a:r>
+                      <a:endParaRPr lang="en-US" sz="2000" b="0" dirty="0"/>
+                    </a:p>
+                  </a:txBody>
+                  <a:tcPr/>
+                </a:tc>
+              </a:tr>
+            </a:tbl>
+          </a:graphicData>
+        </a:graphic>
+      </p:graphicFrame>
+      <p:sp>
+        <p:nvSpPr>
+          <p:cNvPr id="8" name="Rectangle 7"/>
+          <p:cNvSpPr/>
+          <p:nvPr/>
+        </p:nvSpPr>
+        <p:spPr>
+          <a:xfrm>
+            <a:off x="1295400" y="1981200"/>
+            <a:ext cx="6706792" cy="584775"/>
+          </a:xfrm>
+          <a:prstGeom prst="rect">
+            <a:avLst/>
+          </a:prstGeom>
+        </p:spPr>
+        <p:txBody>
+          <a:bodyPr wrap="square">
+            <a:spAutoFit/>
+          </a:bodyPr>
+          <a:lstStyle/>
+          <a:p>
+            <a:pPr>
+              <a:buClr>
+                <a:srgbClr val="C00000"/>
+              </a:buClr>
+            </a:pPr>
+            <a:r>
+              <a:rPr lang="en-US" sz="3200" dirty="0" smtClean="0">
+                <a:solidFill>
+                  <a:schemeClr val="tx1"/>
+                </a:solidFill>
+              </a:rPr>
+              <a:t>Searching Keyword:</a:t>
+            </a:r>
+            <a:r>
+              <a:rPr lang="zh-CN" altLang="en-US" sz="3200" dirty="0">
+                <a:solidFill>
+                  <a:schemeClr val="tx1"/>
+                </a:solidFill>
+              </a:rPr>
+              <a:t>　</a:t>
+            </a:r>
+            <a:r>
+              <a:rPr lang="en-US" altLang="zh-CN" sz="3200" dirty="0" smtClean="0">
+                <a:solidFill>
+                  <a:schemeClr val="tx1"/>
+                </a:solidFill>
+              </a:rPr>
+              <a:t>Java</a:t>
+            </a:r>
+            <a:endParaRPr lang="en-US" sz="3200" dirty="0">
+              <a:solidFill>
+                <a:schemeClr val="tx1"/>
+              </a:solidFill>
+            </a:endParaRPr>
+          </a:p>
+        </p:txBody>
+      </p:sp>
+    </p:spTree>
+    <p:extLst>
+      <p:ext uri="{BB962C8B-B14F-4D97-AF65-F5344CB8AC3E}">
+        <p14:creationId xmlns:p14="http://schemas.microsoft.com/office/powerpoint/2010/main" val="2502920751"/>
+      </p:ext>
+    </p:extLst>
+  </p:cSld>
+  <p:clrMapOvr>
+    <a:masterClrMapping/>
+  </p:clrMapOvr>
+  <mc:AlternateContent xmlns:mc="http://schemas.openxmlformats.org/markup-compatibility/2006">
+    <mc:Choice xmlns:p14="http://schemas.microsoft.com/office/powerpoint/2010/main" Requires="p14">
+      <p:transition spd="slow" p14:dur="2000"/>
+    </mc:Choice>
+    <mc:Fallback>
+      <p:transition spd="slow"/>
+    </mc:Fallback>
+  </mc:AlternateContent>
+  <p:timing>
+    <p:tnLst>
+      <p:par>
+        <p:cTn id="1" dur="indefinite" restart="never" nodeType="tmRoot"/>
+      </p:par>
+    </p:tnLst>
+  </p:timing>
+</p:sld>
+</file>
+
+<file path=ppt/slides/slide73.xml><?xml version="1.0" encoding="utf-8"?>
+<p:sld xmlns:a="http://schemas.openxmlformats.org/drawingml/2006/main" xmlns:r="http://schemas.openxmlformats.org/officeDocument/2006/relationships" xmlns:p="http://schemas.openxmlformats.org/presentationml/2006/main">
+  <p:cSld>
+    <p:spTree>
+      <p:nvGrpSpPr>
+        <p:cNvPr id="1" name=""/>
+        <p:cNvGrpSpPr/>
+        <p:nvPr/>
+      </p:nvGrpSpPr>
+      <p:grpSpPr>
+        <a:xfrm>
+          <a:off x="0" y="0"/>
+          <a:ext cx="0" cy="0"/>
+          <a:chOff x="0" y="0"/>
+          <a:chExt cx="0" cy="0"/>
+        </a:xfrm>
+      </p:grpSpPr>
+      <p:sp>
+        <p:nvSpPr>
+          <p:cNvPr id="3" name="Title 2"/>
+          <p:cNvSpPr>
+            <a:spLocks noGrp="1"/>
+          </p:cNvSpPr>
+          <p:nvPr>
+            <p:ph type="title"/>
+          </p:nvPr>
+        </p:nvSpPr>
+        <p:spPr>
+          <a:xfrm>
+            <a:off x="457200" y="457200"/>
+            <a:ext cx="6093617" cy="994172"/>
+          </a:xfrm>
+        </p:spPr>
+        <p:txBody>
+          <a:bodyPr/>
+          <a:lstStyle/>
+          <a:p>
+            <a:r>
+              <a:rPr lang="en-US" dirty="0" smtClean="0"/>
+              <a:t>Comparing with Indeed</a:t>
+            </a:r>
+            <a:endParaRPr lang="en-US" dirty="0"/>
+          </a:p>
+        </p:txBody>
+      </p:sp>
+      <p:graphicFrame>
+        <p:nvGraphicFramePr>
+          <p:cNvPr id="7" name="Content Placeholder 6"/>
+          <p:cNvGraphicFramePr>
+            <a:graphicFrameLocks noGrp="1"/>
+          </p:cNvGraphicFramePr>
+          <p:nvPr>
+            <p:ph idx="1"/>
+            <p:extLst>
+              <p:ext uri="{D42A27DB-BD31-4B8C-83A1-F6EECF244321}">
+                <p14:modId xmlns:p14="http://schemas.microsoft.com/office/powerpoint/2010/main" val="2274972092"/>
+              </p:ext>
+            </p:extLst>
+          </p:nvPr>
+        </p:nvGraphicFramePr>
+        <p:xfrm>
+          <a:off x="442210" y="3124200"/>
+          <a:ext cx="8142286" cy="2651760"/>
+        </p:xfrm>
+        <a:graphic>
+          <a:graphicData uri="http://schemas.openxmlformats.org/drawingml/2006/table">
+            <a:tbl>
+              <a:tblPr firstRow="1" bandRow="1">
+                <a:tableStyleId>{5940675A-B579-460E-94D1-54222C63F5DA}</a:tableStyleId>
+              </a:tblPr>
+              <a:tblGrid>
+                <a:gridCol w="1628457"/>
+                <a:gridCol w="1628457"/>
+                <a:gridCol w="1891545"/>
+                <a:gridCol w="1365370"/>
+                <a:gridCol w="1628457"/>
+              </a:tblGrid>
+              <a:tr h="320040">
+                <a:tc rowSpan="2">
+                  <a:txBody>
+                    <a:bodyPr/>
+                    <a:lstStyle/>
+                    <a:p>
+                      <a:pPr algn="ctr"/>
+                      <a:endParaRPr lang="en-US" sz="2400" b="0" dirty="0" smtClean="0">
+                        <a:solidFill>
+                          <a:schemeClr val="tx1"/>
+                        </a:solidFill>
+                      </a:endParaRPr>
+                    </a:p>
+                    <a:p>
+                      <a:pPr algn="ctr"/>
+                      <a:r>
+                        <a:rPr lang="en-US" sz="2400" b="0" dirty="0" smtClean="0">
+                          <a:solidFill>
+                            <a:schemeClr val="tx1"/>
+                          </a:solidFill>
+                        </a:rPr>
+                        <a:t>K</a:t>
+                      </a:r>
+                      <a:endParaRPr lang="en-US" sz="2400" b="0" dirty="0">
+                        <a:solidFill>
+                          <a:schemeClr val="tx1"/>
+                        </a:solidFill>
+                      </a:endParaRPr>
+                    </a:p>
+                  </a:txBody>
+                  <a:tcPr>
+                    <a:solidFill>
+                      <a:srgbClr val="00B0F0">
+                        <a:alpha val="45000"/>
+                      </a:srgbClr>
+                    </a:solidFill>
+                  </a:tcPr>
+                </a:tc>
+                <a:tc gridSpan="2">
+                  <a:txBody>
+                    <a:bodyPr/>
+                    <a:lstStyle/>
+                    <a:p>
+                      <a:pPr algn="ctr"/>
+                      <a:r>
+                        <a:rPr lang="en-US" sz="2400" b="0" dirty="0" err="1" smtClean="0">
+                          <a:solidFill>
+                            <a:schemeClr val="tx1"/>
+                          </a:solidFill>
+                        </a:rPr>
+                        <a:t>Precision@k</a:t>
+                      </a:r>
+                      <a:endParaRPr lang="en-US" sz="2400" b="0" dirty="0">
+                        <a:solidFill>
+                          <a:schemeClr val="tx1"/>
+                        </a:solidFill>
+                      </a:endParaRPr>
+                    </a:p>
+                  </a:txBody>
+                  <a:tcPr>
+                    <a:solidFill>
+                      <a:srgbClr val="00B0F0">
+                        <a:alpha val="45000"/>
+                      </a:srgbClr>
+                    </a:solidFill>
+                  </a:tcPr>
+                </a:tc>
+                <a:tc hMerge="1">
+                  <a:txBody>
+                    <a:bodyPr/>
+                    <a:lstStyle/>
+                    <a:p>
+                      <a:endParaRPr lang="en-US" dirty="0"/>
+                    </a:p>
+                  </a:txBody>
+                  <a:tcPr>
+                    <a:solidFill>
+                      <a:srgbClr val="00B0F0">
+                        <a:alpha val="45000"/>
+                      </a:srgbClr>
+                    </a:solidFill>
+                  </a:tcPr>
+                </a:tc>
+                <a:tc gridSpan="2">
+                  <a:txBody>
+                    <a:bodyPr/>
+                    <a:lstStyle/>
+                    <a:p>
+                      <a:pPr algn="ctr"/>
+                      <a:r>
+                        <a:rPr lang="en-US" sz="2400" b="0" dirty="0" smtClean="0">
+                          <a:solidFill>
+                            <a:schemeClr val="tx1"/>
+                          </a:solidFill>
+                        </a:rPr>
+                        <a:t>DCG</a:t>
+                      </a:r>
+                      <a:endParaRPr lang="en-US" sz="2400" b="0" dirty="0">
+                        <a:solidFill>
+                          <a:schemeClr val="tx1"/>
+                        </a:solidFill>
+                      </a:endParaRPr>
+                    </a:p>
+                  </a:txBody>
+                  <a:tcPr>
+                    <a:solidFill>
+                      <a:srgbClr val="00B0F0">
+                        <a:alpha val="45000"/>
+                      </a:srgbClr>
+                    </a:solidFill>
+                  </a:tcPr>
+                </a:tc>
+                <a:tc hMerge="1">
+                  <a:txBody>
+                    <a:bodyPr/>
+                    <a:lstStyle/>
+                    <a:p>
+                      <a:endParaRPr lang="en-US" dirty="0"/>
+                    </a:p>
+                  </a:txBody>
+                  <a:tcPr>
+                    <a:solidFill>
+                      <a:srgbClr val="00B0F0">
+                        <a:alpha val="45000"/>
+                      </a:srgbClr>
+                    </a:solidFill>
+                  </a:tcPr>
+                </a:tc>
+              </a:tr>
+              <a:tr h="320040">
+                <a:tc vMerge="1">
+                  <a:txBody>
+                    <a:bodyPr/>
+                    <a:lstStyle/>
+                    <a:p>
+                      <a:endParaRPr lang="en-US"/>
+                    </a:p>
+                  </a:txBody>
+                  <a:tcPr/>
+                </a:tc>
+                <a:tc>
+                  <a:txBody>
+                    <a:bodyPr/>
+                    <a:lstStyle/>
+                    <a:p>
+                      <a:r>
+                        <a:rPr lang="en-US" sz="2400" b="0" dirty="0" smtClean="0">
+                          <a:solidFill>
+                            <a:schemeClr val="tx1"/>
+                          </a:solidFill>
+                        </a:rPr>
+                        <a:t>Indeed </a:t>
+                      </a:r>
+                      <a:endParaRPr lang="en-US" sz="2400" b="0" dirty="0">
+                        <a:solidFill>
+                          <a:schemeClr val="tx1"/>
+                        </a:solidFill>
+                      </a:endParaRPr>
+                    </a:p>
+                  </a:txBody>
+                  <a:tcPr>
+                    <a:solidFill>
+                      <a:srgbClr val="00B0F0">
+                        <a:alpha val="45000"/>
+                      </a:srgbClr>
+                    </a:solidFill>
+                  </a:tcPr>
+                </a:tc>
+                <a:tc>
+                  <a:txBody>
+                    <a:bodyPr/>
+                    <a:lstStyle/>
+                    <a:p>
+                      <a:r>
+                        <a:rPr lang="en-US" sz="2400" b="0" dirty="0" smtClean="0">
+                          <a:solidFill>
+                            <a:schemeClr val="tx1"/>
+                          </a:solidFill>
+                        </a:rPr>
+                        <a:t>Ontology Matching </a:t>
+                      </a:r>
+                      <a:endParaRPr lang="en-US" sz="2400" b="0" dirty="0">
+                        <a:solidFill>
+                          <a:schemeClr val="tx1"/>
+                        </a:solidFill>
+                      </a:endParaRPr>
+                    </a:p>
+                  </a:txBody>
+                  <a:tcPr>
+                    <a:solidFill>
+                      <a:srgbClr val="00B0F0">
+                        <a:alpha val="45000"/>
+                      </a:srgbClr>
+                    </a:solidFill>
+                  </a:tcPr>
+                </a:tc>
+                <a:tc>
+                  <a:txBody>
+                    <a:bodyPr/>
+                    <a:lstStyle/>
+                    <a:p>
+                      <a:r>
+                        <a:rPr lang="en-US" sz="2400" b="0" dirty="0" smtClean="0">
+                          <a:solidFill>
+                            <a:schemeClr val="tx1"/>
+                          </a:solidFill>
+                        </a:rPr>
+                        <a:t>Indeed </a:t>
+                      </a:r>
+                      <a:endParaRPr lang="en-US" sz="2400" b="0" dirty="0">
+                        <a:solidFill>
+                          <a:schemeClr val="tx1"/>
+                        </a:solidFill>
+                      </a:endParaRPr>
+                    </a:p>
+                  </a:txBody>
+                  <a:tcPr>
+                    <a:solidFill>
+                      <a:srgbClr val="00B0F0">
+                        <a:alpha val="45000"/>
+                      </a:srgbClr>
+                    </a:solidFill>
+                  </a:tcPr>
+                </a:tc>
+                <a:tc>
+                  <a:txBody>
+                    <a:bodyPr/>
+                    <a:lstStyle/>
+                    <a:p>
+                      <a:r>
+                        <a:rPr lang="en-US" sz="2400" b="0" dirty="0" smtClean="0">
+                          <a:solidFill>
+                            <a:schemeClr val="tx1"/>
+                          </a:solidFill>
+                        </a:rPr>
+                        <a:t>Ontology Matching </a:t>
+                      </a:r>
+                      <a:endParaRPr lang="en-US" sz="2400" b="0" dirty="0">
+                        <a:solidFill>
+                          <a:schemeClr val="tx1"/>
+                        </a:solidFill>
+                      </a:endParaRPr>
+                    </a:p>
+                  </a:txBody>
+                  <a:tcPr>
+                    <a:solidFill>
+                      <a:srgbClr val="00B0F0">
+                        <a:alpha val="45000"/>
+                      </a:srgbClr>
+                    </a:solidFill>
+                  </a:tcPr>
+                </a:tc>
+              </a:tr>
+              <a:tr h="396240">
+                <a:tc>
+                  <a:txBody>
+                    <a:bodyPr/>
+                    <a:lstStyle/>
+                    <a:p>
+                      <a:r>
+                        <a:rPr lang="en-US" sz="2400" b="0" dirty="0" smtClean="0"/>
+                        <a:t>5</a:t>
+                      </a:r>
+                      <a:endParaRPr lang="en-US" sz="2400" b="0" dirty="0"/>
+                    </a:p>
+                  </a:txBody>
+                  <a:tcPr/>
+                </a:tc>
+                <a:tc>
+                  <a:txBody>
+                    <a:bodyPr/>
+                    <a:lstStyle/>
+                    <a:p>
+                      <a:pPr marL="0" algn="l" defTabSz="457200" rtl="0" eaLnBrk="1" latinLnBrk="0" hangingPunct="1"/>
+                      <a:r>
+                        <a:rPr lang="en-US" altLang="zh-CN" sz="2000" b="0" kern="1200" dirty="0" smtClean="0">
+                          <a:solidFill>
+                            <a:schemeClr val="tx1"/>
+                          </a:solidFill>
+                          <a:latin typeface="+mn-lt"/>
+                          <a:ea typeface="+mn-ea"/>
+                          <a:cs typeface="+mn-cs"/>
+                        </a:rPr>
+                        <a:t>0.4</a:t>
+                      </a:r>
+                      <a:endParaRPr lang="en-US" sz="2000" b="0" kern="1200" dirty="0">
+                        <a:solidFill>
+                          <a:schemeClr val="tx1"/>
+                        </a:solidFill>
+                        <a:latin typeface="+mn-lt"/>
+                        <a:ea typeface="+mn-ea"/>
+                        <a:cs typeface="+mn-cs"/>
+                      </a:endParaRPr>
+                    </a:p>
+                  </a:txBody>
+                  <a:tcPr/>
+                </a:tc>
+                <a:tc>
+                  <a:txBody>
+                    <a:bodyPr/>
+                    <a:lstStyle/>
+                    <a:p>
+                      <a:pPr marL="0" algn="l" defTabSz="457200" rtl="0" eaLnBrk="1" latinLnBrk="0" hangingPunct="1"/>
+                      <a:r>
+                        <a:rPr lang="en-US" altLang="zh-CN" sz="2000" b="0" kern="1200" dirty="0" smtClean="0">
+                          <a:solidFill>
+                            <a:schemeClr val="tx1"/>
+                          </a:solidFill>
+                          <a:latin typeface="+mn-lt"/>
+                          <a:ea typeface="+mn-ea"/>
+                          <a:cs typeface="+mn-cs"/>
+                        </a:rPr>
+                        <a:t>0.6</a:t>
+                      </a:r>
+                      <a:endParaRPr lang="en-US" sz="2000" b="0" kern="1200" dirty="0">
+                        <a:solidFill>
+                          <a:schemeClr val="tx1"/>
+                        </a:solidFill>
+                        <a:latin typeface="+mn-lt"/>
+                        <a:ea typeface="+mn-ea"/>
+                        <a:cs typeface="+mn-cs"/>
+                      </a:endParaRPr>
+                    </a:p>
+                  </a:txBody>
+                  <a:tcPr/>
+                </a:tc>
+                <a:tc>
+                  <a:txBody>
+                    <a:bodyPr/>
+                    <a:lstStyle/>
+                    <a:p>
+                      <a:pPr marL="0" algn="l" defTabSz="457200" rtl="0" eaLnBrk="1" latinLnBrk="0" hangingPunct="1"/>
+                      <a:r>
+                        <a:rPr lang="en-US" sz="2000" b="0" kern="1200" dirty="0" smtClean="0">
+                          <a:solidFill>
+                            <a:schemeClr val="tx1"/>
+                          </a:solidFill>
+                          <a:latin typeface="+mn-lt"/>
+                          <a:ea typeface="+mn-ea"/>
+                          <a:cs typeface="+mn-cs"/>
+                        </a:rPr>
+                        <a:t>11.27</a:t>
+                      </a:r>
+                      <a:endParaRPr lang="en-US" sz="2000" b="0" kern="1200" dirty="0">
+                        <a:solidFill>
+                          <a:schemeClr val="tx1"/>
+                        </a:solidFill>
+                        <a:latin typeface="+mn-lt"/>
+                        <a:ea typeface="+mn-ea"/>
+                        <a:cs typeface="+mn-cs"/>
+                      </a:endParaRPr>
+                    </a:p>
+                  </a:txBody>
+                  <a:tcPr/>
+                </a:tc>
+                <a:tc>
+                  <a:txBody>
+                    <a:bodyPr/>
+                    <a:lstStyle/>
+                    <a:p>
+                      <a:pPr marL="0" algn="l" defTabSz="457200" rtl="0" eaLnBrk="1" latinLnBrk="0" hangingPunct="1"/>
+                      <a:r>
+                        <a:rPr lang="en-US" sz="2000" b="0" kern="1200" dirty="0" smtClean="0">
+                          <a:solidFill>
+                            <a:schemeClr val="tx1"/>
+                          </a:solidFill>
+                          <a:latin typeface="+mn-lt"/>
+                          <a:ea typeface="+mn-ea"/>
+                          <a:cs typeface="+mn-cs"/>
+                        </a:rPr>
+                        <a:t>11.98</a:t>
+                      </a:r>
+                      <a:endParaRPr lang="en-US" sz="2000" b="0" kern="1200" dirty="0">
+                        <a:solidFill>
+                          <a:schemeClr val="tx1"/>
+                        </a:solidFill>
+                        <a:latin typeface="+mn-lt"/>
+                        <a:ea typeface="+mn-ea"/>
+                        <a:cs typeface="+mn-cs"/>
+                      </a:endParaRPr>
+                    </a:p>
+                  </a:txBody>
+                  <a:tcPr/>
+                </a:tc>
+              </a:tr>
+              <a:tr h="370840">
+                <a:tc>
+                  <a:txBody>
+                    <a:bodyPr/>
+                    <a:lstStyle/>
+                    <a:p>
+                      <a:r>
+                        <a:rPr lang="en-US" sz="2400" b="0" dirty="0" smtClean="0"/>
+                        <a:t>10</a:t>
+                      </a:r>
+                      <a:endParaRPr lang="en-US" sz="2400" b="0" dirty="0"/>
+                    </a:p>
+                  </a:txBody>
+                  <a:tcPr/>
+                </a:tc>
+                <a:tc>
+                  <a:txBody>
+                    <a:bodyPr/>
+                    <a:lstStyle/>
+                    <a:p>
+                      <a:pPr marL="0" algn="l" defTabSz="457200" rtl="0" eaLnBrk="1" latinLnBrk="0" hangingPunct="1"/>
+                      <a:r>
+                        <a:rPr lang="en-US" altLang="zh-CN" sz="2000" b="0" kern="1200" dirty="0" smtClean="0">
+                          <a:solidFill>
+                            <a:schemeClr val="tx1"/>
+                          </a:solidFill>
+                          <a:latin typeface="+mn-lt"/>
+                          <a:ea typeface="+mn-ea"/>
+                          <a:cs typeface="+mn-cs"/>
+                        </a:rPr>
+                        <a:t>0.3</a:t>
+                      </a:r>
+                      <a:endParaRPr lang="en-US" sz="2000" b="0" kern="1200" dirty="0">
+                        <a:solidFill>
+                          <a:schemeClr val="tx1"/>
+                        </a:solidFill>
+                        <a:latin typeface="+mn-lt"/>
+                        <a:ea typeface="+mn-ea"/>
+                        <a:cs typeface="+mn-cs"/>
+                      </a:endParaRPr>
+                    </a:p>
+                  </a:txBody>
+                  <a:tcPr/>
+                </a:tc>
+                <a:tc>
+                  <a:txBody>
+                    <a:bodyPr/>
+                    <a:lstStyle/>
+                    <a:p>
+                      <a:pPr marL="0" algn="l" defTabSz="457200" rtl="0" eaLnBrk="1" latinLnBrk="0" hangingPunct="1"/>
+                      <a:r>
+                        <a:rPr lang="en-US" altLang="zh-CN" sz="2000" b="0" kern="1200" dirty="0" smtClean="0">
+                          <a:solidFill>
+                            <a:schemeClr val="tx1"/>
+                          </a:solidFill>
+                          <a:latin typeface="+mn-lt"/>
+                          <a:ea typeface="+mn-ea"/>
+                          <a:cs typeface="+mn-cs"/>
+                        </a:rPr>
+                        <a:t>0.6</a:t>
+                      </a:r>
+                      <a:endParaRPr lang="en-US" sz="2000" b="0" kern="1200" dirty="0">
+                        <a:solidFill>
+                          <a:schemeClr val="tx1"/>
+                        </a:solidFill>
+                        <a:latin typeface="+mn-lt"/>
+                        <a:ea typeface="+mn-ea"/>
+                        <a:cs typeface="+mn-cs"/>
+                      </a:endParaRPr>
+                    </a:p>
+                  </a:txBody>
+                  <a:tcPr/>
+                </a:tc>
+                <a:tc>
+                  <a:txBody>
+                    <a:bodyPr/>
+                    <a:lstStyle/>
+                    <a:p>
+                      <a:pPr marL="0" algn="l" defTabSz="457200" rtl="0" eaLnBrk="1" latinLnBrk="0" hangingPunct="1"/>
+                      <a:r>
+                        <a:rPr lang="en-US" sz="2000" b="0" kern="1200" dirty="0" smtClean="0">
+                          <a:solidFill>
+                            <a:schemeClr val="tx1"/>
+                          </a:solidFill>
+                          <a:latin typeface="+mn-lt"/>
+                          <a:ea typeface="+mn-ea"/>
+                          <a:cs typeface="+mn-cs"/>
+                        </a:rPr>
+                        <a:t>13.43</a:t>
+                      </a:r>
+                      <a:endParaRPr lang="en-US" sz="2000" b="0" kern="1200" dirty="0">
+                        <a:solidFill>
+                          <a:schemeClr val="tx1"/>
+                        </a:solidFill>
+                        <a:latin typeface="+mn-lt"/>
+                        <a:ea typeface="+mn-ea"/>
+                        <a:cs typeface="+mn-cs"/>
+                      </a:endParaRPr>
+                    </a:p>
+                  </a:txBody>
+                  <a:tcPr/>
+                </a:tc>
+                <a:tc>
+                  <a:txBody>
+                    <a:bodyPr/>
+                    <a:lstStyle/>
+                    <a:p>
+                      <a:pPr marL="0" algn="l" defTabSz="457200" rtl="0" eaLnBrk="1" latinLnBrk="0" hangingPunct="1"/>
+                      <a:r>
+                        <a:rPr lang="en-US" sz="2000" b="0" kern="1200" dirty="0" smtClean="0">
+                          <a:solidFill>
+                            <a:schemeClr val="tx1"/>
+                          </a:solidFill>
+                          <a:latin typeface="+mn-lt"/>
+                          <a:ea typeface="+mn-ea"/>
+                          <a:cs typeface="+mn-cs"/>
+                        </a:rPr>
+                        <a:t>15.79</a:t>
+                      </a:r>
+                      <a:endParaRPr lang="en-US" sz="2000" b="0" kern="1200" dirty="0">
+                        <a:solidFill>
+                          <a:schemeClr val="tx1"/>
+                        </a:solidFill>
+                        <a:latin typeface="+mn-lt"/>
+                        <a:ea typeface="+mn-ea"/>
+                        <a:cs typeface="+mn-cs"/>
+                      </a:endParaRPr>
+                    </a:p>
+                  </a:txBody>
+                  <a:tcPr/>
+                </a:tc>
+              </a:tr>
+              <a:tr h="370840">
+                <a:tc>
+                  <a:txBody>
+                    <a:bodyPr/>
+                    <a:lstStyle/>
+                    <a:p>
+                      <a:r>
+                        <a:rPr lang="en-US" sz="2400" b="0" dirty="0" smtClean="0"/>
+                        <a:t>20</a:t>
+                      </a:r>
+                      <a:endParaRPr lang="en-US" sz="2400" b="0" dirty="0"/>
+                    </a:p>
+                  </a:txBody>
+                  <a:tcPr/>
+                </a:tc>
+                <a:tc>
+                  <a:txBody>
+                    <a:bodyPr/>
+                    <a:lstStyle/>
+                    <a:p>
+                      <a:pPr marL="0" algn="l" defTabSz="457200" rtl="0" eaLnBrk="1" latinLnBrk="0" hangingPunct="1"/>
+                      <a:r>
+                        <a:rPr lang="en-US" altLang="zh-CN" sz="2000" b="0" kern="1200" dirty="0" smtClean="0">
+                          <a:solidFill>
+                            <a:schemeClr val="tx1"/>
+                          </a:solidFill>
+                          <a:latin typeface="+mn-lt"/>
+                          <a:ea typeface="+mn-ea"/>
+                          <a:cs typeface="+mn-cs"/>
+                        </a:rPr>
+                        <a:t>0.2</a:t>
+                      </a:r>
+                      <a:endParaRPr lang="en-US" sz="2000" b="0" kern="1200" dirty="0">
+                        <a:solidFill>
+                          <a:schemeClr val="tx1"/>
+                        </a:solidFill>
+                        <a:latin typeface="+mn-lt"/>
+                        <a:ea typeface="+mn-ea"/>
+                        <a:cs typeface="+mn-cs"/>
+                      </a:endParaRPr>
+                    </a:p>
+                  </a:txBody>
+                  <a:tcPr/>
+                </a:tc>
+                <a:tc>
+                  <a:txBody>
+                    <a:bodyPr/>
+                    <a:lstStyle/>
+                    <a:p>
+                      <a:pPr marL="0" algn="l" defTabSz="457200" rtl="0" eaLnBrk="1" latinLnBrk="0" hangingPunct="1"/>
+                      <a:r>
+                        <a:rPr lang="en-US" altLang="zh-CN" sz="2000" b="0" kern="1200" dirty="0" smtClean="0">
+                          <a:solidFill>
+                            <a:schemeClr val="tx1"/>
+                          </a:solidFill>
+                          <a:latin typeface="+mn-lt"/>
+                          <a:ea typeface="+mn-ea"/>
+                          <a:cs typeface="+mn-cs"/>
+                        </a:rPr>
+                        <a:t>0.4</a:t>
+                      </a:r>
+                      <a:endParaRPr lang="en-US" sz="2000" b="0" kern="1200" dirty="0">
+                        <a:solidFill>
+                          <a:schemeClr val="tx1"/>
+                        </a:solidFill>
+                        <a:latin typeface="+mn-lt"/>
+                        <a:ea typeface="+mn-ea"/>
+                        <a:cs typeface="+mn-cs"/>
+                      </a:endParaRPr>
+                    </a:p>
+                  </a:txBody>
+                  <a:tcPr/>
+                </a:tc>
+                <a:tc>
+                  <a:txBody>
+                    <a:bodyPr/>
+                    <a:lstStyle/>
+                    <a:p>
+                      <a:pPr marL="0" algn="l" defTabSz="457200" rtl="0" eaLnBrk="1" latinLnBrk="0" hangingPunct="1"/>
+                      <a:r>
+                        <a:rPr lang="en-US" sz="2000" b="0" kern="1200" dirty="0" smtClean="0">
+                          <a:solidFill>
+                            <a:schemeClr val="tx1"/>
+                          </a:solidFill>
+                          <a:latin typeface="+mn-lt"/>
+                          <a:ea typeface="+mn-ea"/>
+                          <a:cs typeface="+mn-cs"/>
+                        </a:rPr>
+                        <a:t>16.44</a:t>
+                      </a:r>
+                      <a:endParaRPr lang="en-US" sz="2000" b="0" kern="1200" dirty="0">
+                        <a:solidFill>
+                          <a:schemeClr val="tx1"/>
+                        </a:solidFill>
+                        <a:latin typeface="+mn-lt"/>
+                        <a:ea typeface="+mn-ea"/>
+                        <a:cs typeface="+mn-cs"/>
+                      </a:endParaRPr>
+                    </a:p>
+                  </a:txBody>
+                  <a:tcPr/>
+                </a:tc>
+                <a:tc>
+                  <a:txBody>
+                    <a:bodyPr/>
+                    <a:lstStyle/>
+                    <a:p>
+                      <a:pPr marL="0" algn="l" defTabSz="457200" rtl="0" eaLnBrk="1" latinLnBrk="0" hangingPunct="1"/>
+                      <a:r>
+                        <a:rPr lang="en-US" sz="2000" b="0" kern="1200" dirty="0" smtClean="0">
+                          <a:solidFill>
+                            <a:schemeClr val="tx1"/>
+                          </a:solidFill>
+                          <a:latin typeface="+mn-lt"/>
+                          <a:ea typeface="+mn-ea"/>
+                          <a:cs typeface="+mn-cs"/>
+                        </a:rPr>
+                        <a:t>20.21</a:t>
+                      </a:r>
+                      <a:endParaRPr lang="en-US" sz="2000" b="0" kern="1200" dirty="0">
+                        <a:solidFill>
+                          <a:schemeClr val="tx1"/>
+                        </a:solidFill>
+                        <a:latin typeface="+mn-lt"/>
+                        <a:ea typeface="+mn-ea"/>
+                        <a:cs typeface="+mn-cs"/>
+                      </a:endParaRPr>
+                    </a:p>
+                  </a:txBody>
+                  <a:tcPr/>
+                </a:tc>
+              </a:tr>
+            </a:tbl>
+          </a:graphicData>
+        </a:graphic>
+      </p:graphicFrame>
+      <p:sp>
+        <p:nvSpPr>
+          <p:cNvPr id="8" name="Rectangle 7"/>
+          <p:cNvSpPr/>
+          <p:nvPr/>
+        </p:nvSpPr>
+        <p:spPr>
+          <a:xfrm>
+            <a:off x="1295400" y="1981200"/>
+            <a:ext cx="6706792" cy="584775"/>
+          </a:xfrm>
+          <a:prstGeom prst="rect">
+            <a:avLst/>
+          </a:prstGeom>
+        </p:spPr>
+        <p:txBody>
+          <a:bodyPr wrap="square">
+            <a:spAutoFit/>
+          </a:bodyPr>
+          <a:lstStyle/>
+          <a:p>
+            <a:pPr>
+              <a:buClr>
+                <a:srgbClr val="C00000"/>
+              </a:buClr>
+            </a:pPr>
+            <a:r>
+              <a:rPr lang="en-US" sz="3200" dirty="0" smtClean="0">
+                <a:solidFill>
+                  <a:schemeClr val="tx1"/>
+                </a:solidFill>
+              </a:rPr>
+              <a:t>Searching Keyword:</a:t>
+            </a:r>
+            <a:r>
+              <a:rPr lang="zh-CN" altLang="en-US" sz="3200" dirty="0">
+                <a:solidFill>
+                  <a:schemeClr val="tx1"/>
+                </a:solidFill>
+              </a:rPr>
+              <a:t>　</a:t>
+            </a:r>
+            <a:r>
+              <a:rPr lang="en-US" altLang="zh-CN" sz="3200" dirty="0" smtClean="0">
+                <a:solidFill>
+                  <a:schemeClr val="tx1"/>
+                </a:solidFill>
+              </a:rPr>
+              <a:t>Python</a:t>
+            </a:r>
+            <a:endParaRPr lang="en-US" sz="3200" dirty="0">
+              <a:solidFill>
+                <a:schemeClr val="tx1"/>
+              </a:solidFill>
+            </a:endParaRPr>
+          </a:p>
+        </p:txBody>
+      </p:sp>
+    </p:spTree>
+    <p:extLst>
+      <p:ext uri="{BB962C8B-B14F-4D97-AF65-F5344CB8AC3E}">
+        <p14:creationId xmlns:p14="http://schemas.microsoft.com/office/powerpoint/2010/main" val="3314977152"/>
+      </p:ext>
+    </p:extLst>
+  </p:cSld>
+  <p:clrMapOvr>
+    <a:masterClrMapping/>
+  </p:clrMapOvr>
+  <mc:AlternateContent xmlns:mc="http://schemas.openxmlformats.org/markup-compatibility/2006">
+    <mc:Choice xmlns:p14="http://schemas.microsoft.com/office/powerpoint/2010/main" Requires="p14">
+      <p:transition spd="slow" p14:dur="2000"/>
+    </mc:Choice>
+    <mc:Fallback>
+      <p:transition spd="slow"/>
+    </mc:Fallback>
+  </mc:AlternateContent>
+  <p:timing>
+    <p:tnLst>
+      <p:par>
+        <p:cTn id="1" dur="indefinite" restart="never" nodeType="tmRoot"/>
+      </p:par>
+    </p:tnLst>
+  </p:timing>
+</p:sld>
+</file>
+
+<file path=ppt/slides/slide74.xml><?xml version="1.0" encoding="utf-8"?>
+<p:sld xmlns:a="http://schemas.openxmlformats.org/drawingml/2006/main" xmlns:r="http://schemas.openxmlformats.org/officeDocument/2006/relationships" xmlns:p="http://schemas.openxmlformats.org/presentationml/2006/main">
+  <p:cSld>
+    <p:spTree>
+      <p:nvGrpSpPr>
+        <p:cNvPr id="1" name=""/>
+        <p:cNvGrpSpPr/>
+        <p:nvPr/>
+      </p:nvGrpSpPr>
+      <p:grpSpPr>
+        <a:xfrm>
+          <a:off x="0" y="0"/>
+          <a:ext cx="0" cy="0"/>
+          <a:chOff x="0" y="0"/>
+          <a:chExt cx="0" cy="0"/>
+        </a:xfrm>
+      </p:grpSpPr>
+      <p:sp>
+        <p:nvSpPr>
+          <p:cNvPr id="3" name="Title 2"/>
+          <p:cNvSpPr>
+            <a:spLocks noGrp="1"/>
+          </p:cNvSpPr>
+          <p:nvPr>
+            <p:ph type="title"/>
+          </p:nvPr>
+        </p:nvSpPr>
+        <p:spPr>
+          <a:xfrm>
+            <a:off x="457200" y="457200"/>
+            <a:ext cx="6093617" cy="994172"/>
+          </a:xfrm>
+        </p:spPr>
+        <p:txBody>
+          <a:bodyPr/>
+          <a:lstStyle/>
+          <a:p>
+            <a:r>
+              <a:rPr lang="en-US" dirty="0" smtClean="0"/>
+              <a:t>Comparing with Indeed</a:t>
+            </a:r>
+            <a:endParaRPr lang="en-US" dirty="0"/>
+          </a:p>
+        </p:txBody>
+      </p:sp>
+      <p:graphicFrame>
+        <p:nvGraphicFramePr>
+          <p:cNvPr id="7" name="Content Placeholder 6"/>
+          <p:cNvGraphicFramePr>
+            <a:graphicFrameLocks noGrp="1"/>
+          </p:cNvGraphicFramePr>
+          <p:nvPr>
+            <p:ph idx="1"/>
+            <p:extLst>
+              <p:ext uri="{D42A27DB-BD31-4B8C-83A1-F6EECF244321}">
+                <p14:modId xmlns:p14="http://schemas.microsoft.com/office/powerpoint/2010/main" val="2255633396"/>
+              </p:ext>
+            </p:extLst>
+          </p:nvPr>
+        </p:nvGraphicFramePr>
+        <p:xfrm>
+          <a:off x="457200" y="3429000"/>
+          <a:ext cx="8142286" cy="2651760"/>
+        </p:xfrm>
+        <a:graphic>
+          <a:graphicData uri="http://schemas.openxmlformats.org/drawingml/2006/table">
+            <a:tbl>
+              <a:tblPr firstRow="1" bandRow="1">
+                <a:tableStyleId>{5940675A-B579-460E-94D1-54222C63F5DA}</a:tableStyleId>
+              </a:tblPr>
+              <a:tblGrid>
+                <a:gridCol w="1628457"/>
+                <a:gridCol w="1628457"/>
+                <a:gridCol w="1891545"/>
+                <a:gridCol w="1365370"/>
+                <a:gridCol w="1628457"/>
+              </a:tblGrid>
+              <a:tr h="320040">
+                <a:tc rowSpan="2">
+                  <a:txBody>
+                    <a:bodyPr/>
+                    <a:lstStyle/>
+                    <a:p>
+                      <a:pPr algn="ctr"/>
+                      <a:endParaRPr lang="en-US" sz="2400" b="0" dirty="0" smtClean="0">
+                        <a:solidFill>
+                          <a:schemeClr val="tx1"/>
+                        </a:solidFill>
+                      </a:endParaRPr>
+                    </a:p>
+                    <a:p>
+                      <a:pPr algn="ctr"/>
+                      <a:r>
+                        <a:rPr lang="en-US" sz="2400" b="0" dirty="0" smtClean="0">
+                          <a:solidFill>
+                            <a:schemeClr val="tx1"/>
+                          </a:solidFill>
+                        </a:rPr>
+                        <a:t>K</a:t>
+                      </a:r>
+                      <a:endParaRPr lang="en-US" sz="2400" b="0" dirty="0">
+                        <a:solidFill>
+                          <a:schemeClr val="tx1"/>
+                        </a:solidFill>
+                      </a:endParaRPr>
+                    </a:p>
+                  </a:txBody>
+                  <a:tcPr>
+                    <a:solidFill>
+                      <a:srgbClr val="00B0F0">
+                        <a:alpha val="45000"/>
+                      </a:srgbClr>
+                    </a:solidFill>
+                  </a:tcPr>
+                </a:tc>
+                <a:tc gridSpan="2">
+                  <a:txBody>
+                    <a:bodyPr/>
+                    <a:lstStyle/>
+                    <a:p>
+                      <a:pPr algn="ctr"/>
+                      <a:r>
+                        <a:rPr lang="en-US" sz="2400" b="0" dirty="0" err="1" smtClean="0">
+                          <a:solidFill>
+                            <a:schemeClr val="tx1"/>
+                          </a:solidFill>
+                        </a:rPr>
+                        <a:t>Precision@k</a:t>
+                      </a:r>
+                      <a:endParaRPr lang="en-US" sz="2400" b="0" dirty="0">
+                        <a:solidFill>
+                          <a:schemeClr val="tx1"/>
+                        </a:solidFill>
+                      </a:endParaRPr>
+                    </a:p>
+                  </a:txBody>
+                  <a:tcPr>
+                    <a:solidFill>
+                      <a:srgbClr val="00B0F0">
+                        <a:alpha val="45000"/>
+                      </a:srgbClr>
+                    </a:solidFill>
+                  </a:tcPr>
+                </a:tc>
+                <a:tc hMerge="1">
+                  <a:txBody>
+                    <a:bodyPr/>
+                    <a:lstStyle/>
+                    <a:p>
+                      <a:endParaRPr lang="en-US" dirty="0"/>
+                    </a:p>
+                  </a:txBody>
+                  <a:tcPr>
+                    <a:solidFill>
+                      <a:srgbClr val="00B0F0">
+                        <a:alpha val="45000"/>
+                      </a:srgbClr>
+                    </a:solidFill>
+                  </a:tcPr>
+                </a:tc>
+                <a:tc gridSpan="2">
+                  <a:txBody>
+                    <a:bodyPr/>
+                    <a:lstStyle/>
+                    <a:p>
+                      <a:pPr algn="ctr"/>
+                      <a:r>
+                        <a:rPr lang="en-US" sz="2400" b="0" dirty="0" smtClean="0">
+                          <a:solidFill>
+                            <a:schemeClr val="tx1"/>
+                          </a:solidFill>
+                        </a:rPr>
+                        <a:t>DCG</a:t>
+                      </a:r>
+                      <a:endParaRPr lang="en-US" sz="2400" b="0" dirty="0">
+                        <a:solidFill>
+                          <a:schemeClr val="tx1"/>
+                        </a:solidFill>
+                      </a:endParaRPr>
+                    </a:p>
+                  </a:txBody>
+                  <a:tcPr>
+                    <a:solidFill>
+                      <a:srgbClr val="00B0F0">
+                        <a:alpha val="45000"/>
+                      </a:srgbClr>
+                    </a:solidFill>
+                  </a:tcPr>
+                </a:tc>
+                <a:tc hMerge="1">
+                  <a:txBody>
+                    <a:bodyPr/>
+                    <a:lstStyle/>
+                    <a:p>
+                      <a:endParaRPr lang="en-US" dirty="0"/>
+                    </a:p>
+                  </a:txBody>
+                  <a:tcPr>
+                    <a:solidFill>
+                      <a:srgbClr val="00B0F0">
+                        <a:alpha val="45000"/>
+                      </a:srgbClr>
+                    </a:solidFill>
+                  </a:tcPr>
+                </a:tc>
+              </a:tr>
+              <a:tr h="320040">
+                <a:tc vMerge="1">
+                  <a:txBody>
+                    <a:bodyPr/>
+                    <a:lstStyle/>
+                    <a:p>
+                      <a:endParaRPr lang="en-US"/>
+                    </a:p>
+                  </a:txBody>
+                  <a:tcPr/>
+                </a:tc>
+                <a:tc>
+                  <a:txBody>
+                    <a:bodyPr/>
+                    <a:lstStyle/>
+                    <a:p>
+                      <a:r>
+                        <a:rPr lang="en-US" sz="2400" b="0" dirty="0" smtClean="0">
+                          <a:solidFill>
+                            <a:schemeClr val="tx1"/>
+                          </a:solidFill>
+                        </a:rPr>
+                        <a:t>Indeed </a:t>
+                      </a:r>
+                      <a:endParaRPr lang="en-US" sz="2400" b="0" dirty="0">
+                        <a:solidFill>
+                          <a:schemeClr val="tx1"/>
+                        </a:solidFill>
+                      </a:endParaRPr>
+                    </a:p>
+                  </a:txBody>
+                  <a:tcPr>
+                    <a:solidFill>
+                      <a:srgbClr val="00B0F0">
+                        <a:alpha val="45000"/>
+                      </a:srgbClr>
+                    </a:solidFill>
+                  </a:tcPr>
+                </a:tc>
+                <a:tc>
+                  <a:txBody>
+                    <a:bodyPr/>
+                    <a:lstStyle/>
+                    <a:p>
+                      <a:r>
+                        <a:rPr lang="en-US" sz="2400" b="0" dirty="0" smtClean="0">
+                          <a:solidFill>
+                            <a:schemeClr val="tx1"/>
+                          </a:solidFill>
+                        </a:rPr>
+                        <a:t>Ontology Matching </a:t>
+                      </a:r>
+                      <a:endParaRPr lang="en-US" sz="2400" b="0" dirty="0">
+                        <a:solidFill>
+                          <a:schemeClr val="tx1"/>
+                        </a:solidFill>
+                      </a:endParaRPr>
+                    </a:p>
+                  </a:txBody>
+                  <a:tcPr>
+                    <a:solidFill>
+                      <a:srgbClr val="00B0F0">
+                        <a:alpha val="45000"/>
+                      </a:srgbClr>
+                    </a:solidFill>
+                  </a:tcPr>
+                </a:tc>
+                <a:tc>
+                  <a:txBody>
+                    <a:bodyPr/>
+                    <a:lstStyle/>
+                    <a:p>
+                      <a:r>
+                        <a:rPr lang="en-US" sz="2400" b="0" dirty="0" smtClean="0">
+                          <a:solidFill>
+                            <a:schemeClr val="tx1"/>
+                          </a:solidFill>
+                        </a:rPr>
+                        <a:t>Indeed </a:t>
+                      </a:r>
+                      <a:endParaRPr lang="en-US" sz="2400" b="0" dirty="0">
+                        <a:solidFill>
+                          <a:schemeClr val="tx1"/>
+                        </a:solidFill>
+                      </a:endParaRPr>
+                    </a:p>
+                  </a:txBody>
+                  <a:tcPr>
+                    <a:solidFill>
+                      <a:srgbClr val="00B0F0">
+                        <a:alpha val="45000"/>
+                      </a:srgbClr>
+                    </a:solidFill>
+                  </a:tcPr>
+                </a:tc>
+                <a:tc>
+                  <a:txBody>
+                    <a:bodyPr/>
+                    <a:lstStyle/>
+                    <a:p>
+                      <a:r>
+                        <a:rPr lang="en-US" sz="2400" b="0" dirty="0" smtClean="0">
+                          <a:solidFill>
+                            <a:schemeClr val="tx1"/>
+                          </a:solidFill>
+                        </a:rPr>
+                        <a:t>Ontology Matching </a:t>
+                      </a:r>
+                      <a:endParaRPr lang="en-US" sz="2400" b="0" dirty="0">
+                        <a:solidFill>
+                          <a:schemeClr val="tx1"/>
+                        </a:solidFill>
+                      </a:endParaRPr>
+                    </a:p>
+                  </a:txBody>
+                  <a:tcPr>
+                    <a:solidFill>
+                      <a:srgbClr val="00B0F0">
+                        <a:alpha val="45000"/>
+                      </a:srgbClr>
+                    </a:solidFill>
+                  </a:tcPr>
+                </a:tc>
+              </a:tr>
+              <a:tr h="396240">
+                <a:tc>
+                  <a:txBody>
+                    <a:bodyPr/>
+                    <a:lstStyle/>
+                    <a:p>
+                      <a:r>
+                        <a:rPr lang="en-US" sz="2400" b="0" dirty="0" smtClean="0"/>
+                        <a:t>5</a:t>
+                      </a:r>
+                      <a:endParaRPr lang="en-US" sz="2400" b="0" dirty="0"/>
+                    </a:p>
+                  </a:txBody>
+                  <a:tcPr/>
+                </a:tc>
+                <a:tc>
+                  <a:txBody>
+                    <a:bodyPr/>
+                    <a:lstStyle/>
+                    <a:p>
+                      <a:pPr marL="0" algn="l" defTabSz="457200" rtl="0" eaLnBrk="1" latinLnBrk="0" hangingPunct="1"/>
+                      <a:r>
+                        <a:rPr lang="en-US" altLang="zh-CN" sz="2000" b="0" kern="1200" dirty="0" smtClean="0">
+                          <a:solidFill>
+                            <a:schemeClr val="tx1"/>
+                          </a:solidFill>
+                          <a:latin typeface="+mn-lt"/>
+                          <a:ea typeface="+mn-ea"/>
+                          <a:cs typeface="+mn-cs"/>
+                        </a:rPr>
+                        <a:t>0.67</a:t>
+                      </a:r>
+                      <a:endParaRPr lang="en-US" sz="2000" b="0" kern="1200" dirty="0">
+                        <a:solidFill>
+                          <a:schemeClr val="tx1"/>
+                        </a:solidFill>
+                        <a:latin typeface="+mn-lt"/>
+                        <a:ea typeface="+mn-ea"/>
+                        <a:cs typeface="+mn-cs"/>
+                      </a:endParaRPr>
+                    </a:p>
+                  </a:txBody>
+                  <a:tcPr/>
+                </a:tc>
+                <a:tc>
+                  <a:txBody>
+                    <a:bodyPr/>
+                    <a:lstStyle/>
+                    <a:p>
+                      <a:pPr marL="0" algn="l" defTabSz="457200" rtl="0" eaLnBrk="1" latinLnBrk="0" hangingPunct="1"/>
+                      <a:r>
+                        <a:rPr lang="en-US" altLang="zh-CN" sz="2000" b="0" kern="1200" dirty="0" smtClean="0">
+                          <a:solidFill>
+                            <a:schemeClr val="tx1"/>
+                          </a:solidFill>
+                          <a:latin typeface="+mn-lt"/>
+                          <a:ea typeface="+mn-ea"/>
+                          <a:cs typeface="+mn-cs"/>
+                        </a:rPr>
+                        <a:t>0.82</a:t>
+                      </a:r>
+                      <a:endParaRPr lang="en-US" sz="2000" b="0" kern="1200" dirty="0">
+                        <a:solidFill>
+                          <a:schemeClr val="tx1"/>
+                        </a:solidFill>
+                        <a:latin typeface="+mn-lt"/>
+                        <a:ea typeface="+mn-ea"/>
+                        <a:cs typeface="+mn-cs"/>
+                      </a:endParaRPr>
+                    </a:p>
+                  </a:txBody>
+                  <a:tcPr/>
+                </a:tc>
+                <a:tc>
+                  <a:txBody>
+                    <a:bodyPr/>
+                    <a:lstStyle/>
+                    <a:p>
+                      <a:pPr marL="0" algn="l" defTabSz="457200" rtl="0" eaLnBrk="1" latinLnBrk="0" hangingPunct="1"/>
+                      <a:r>
+                        <a:rPr lang="en-US" sz="2000" b="0" kern="1200" dirty="0" smtClean="0">
+                          <a:solidFill>
+                            <a:schemeClr val="tx1"/>
+                          </a:solidFill>
+                          <a:latin typeface="+mn-lt"/>
+                          <a:ea typeface="+mn-ea"/>
+                          <a:cs typeface="+mn-cs"/>
+                        </a:rPr>
+                        <a:t>13.15</a:t>
+                      </a:r>
+                      <a:endParaRPr lang="en-US" sz="2000" b="0" kern="1200" dirty="0">
+                        <a:solidFill>
+                          <a:schemeClr val="tx1"/>
+                        </a:solidFill>
+                        <a:latin typeface="+mn-lt"/>
+                        <a:ea typeface="+mn-ea"/>
+                        <a:cs typeface="+mn-cs"/>
+                      </a:endParaRPr>
+                    </a:p>
+                  </a:txBody>
+                  <a:tcPr/>
+                </a:tc>
+                <a:tc>
+                  <a:txBody>
+                    <a:bodyPr/>
+                    <a:lstStyle/>
+                    <a:p>
+                      <a:pPr marL="0" algn="l" defTabSz="457200" rtl="0" eaLnBrk="1" latinLnBrk="0" hangingPunct="1"/>
+                      <a:r>
+                        <a:rPr lang="en-US" sz="2000" b="0" kern="1200" dirty="0" smtClean="0">
+                          <a:solidFill>
+                            <a:schemeClr val="tx1"/>
+                          </a:solidFill>
+                          <a:latin typeface="+mn-lt"/>
+                          <a:ea typeface="+mn-ea"/>
+                          <a:cs typeface="+mn-cs"/>
+                        </a:rPr>
+                        <a:t>16.63</a:t>
+                      </a:r>
+                      <a:endParaRPr lang="en-US" sz="2000" b="0" kern="1200" dirty="0">
+                        <a:solidFill>
+                          <a:schemeClr val="tx1"/>
+                        </a:solidFill>
+                        <a:latin typeface="+mn-lt"/>
+                        <a:ea typeface="+mn-ea"/>
+                        <a:cs typeface="+mn-cs"/>
+                      </a:endParaRPr>
+                    </a:p>
+                  </a:txBody>
+                  <a:tcPr/>
+                </a:tc>
+              </a:tr>
+              <a:tr h="370840">
+                <a:tc>
+                  <a:txBody>
+                    <a:bodyPr/>
+                    <a:lstStyle/>
+                    <a:p>
+                      <a:r>
+                        <a:rPr lang="en-US" sz="2400" b="0" dirty="0" smtClean="0"/>
+                        <a:t>10</a:t>
+                      </a:r>
+                      <a:endParaRPr lang="en-US" sz="2400" b="0" dirty="0"/>
+                    </a:p>
+                  </a:txBody>
+                  <a:tcPr/>
+                </a:tc>
+                <a:tc>
+                  <a:txBody>
+                    <a:bodyPr/>
+                    <a:lstStyle/>
+                    <a:p>
+                      <a:pPr marL="0" algn="l" defTabSz="457200" rtl="0" eaLnBrk="1" latinLnBrk="0" hangingPunct="1"/>
+                      <a:r>
+                        <a:rPr lang="en-US" altLang="zh-CN" sz="2000" b="0" kern="1200" dirty="0" smtClean="0">
+                          <a:solidFill>
+                            <a:schemeClr val="tx1"/>
+                          </a:solidFill>
+                          <a:latin typeface="+mn-lt"/>
+                          <a:ea typeface="+mn-ea"/>
+                          <a:cs typeface="+mn-cs"/>
+                        </a:rPr>
+                        <a:t>0.53</a:t>
+                      </a:r>
+                      <a:endParaRPr lang="en-US" sz="2000" b="0" kern="1200" dirty="0">
+                        <a:solidFill>
+                          <a:schemeClr val="tx1"/>
+                        </a:solidFill>
+                        <a:latin typeface="+mn-lt"/>
+                        <a:ea typeface="+mn-ea"/>
+                        <a:cs typeface="+mn-cs"/>
+                      </a:endParaRPr>
+                    </a:p>
+                  </a:txBody>
+                  <a:tcPr/>
+                </a:tc>
+                <a:tc>
+                  <a:txBody>
+                    <a:bodyPr/>
+                    <a:lstStyle/>
+                    <a:p>
+                      <a:pPr marL="0" algn="l" defTabSz="457200" rtl="0" eaLnBrk="1" latinLnBrk="0" hangingPunct="1"/>
+                      <a:r>
+                        <a:rPr lang="en-US" altLang="zh-CN" sz="2000" b="0" kern="1200" dirty="0" smtClean="0">
+                          <a:solidFill>
+                            <a:schemeClr val="tx1"/>
+                          </a:solidFill>
+                          <a:latin typeface="+mn-lt"/>
+                          <a:ea typeface="+mn-ea"/>
+                          <a:cs typeface="+mn-cs"/>
+                        </a:rPr>
+                        <a:t>0.81</a:t>
+                      </a:r>
+                      <a:endParaRPr lang="en-US" sz="2000" b="0" kern="1200" dirty="0">
+                        <a:solidFill>
+                          <a:schemeClr val="tx1"/>
+                        </a:solidFill>
+                        <a:latin typeface="+mn-lt"/>
+                        <a:ea typeface="+mn-ea"/>
+                        <a:cs typeface="+mn-cs"/>
+                      </a:endParaRPr>
+                    </a:p>
+                  </a:txBody>
+                  <a:tcPr/>
+                </a:tc>
+                <a:tc>
+                  <a:txBody>
+                    <a:bodyPr/>
+                    <a:lstStyle/>
+                    <a:p>
+                      <a:pPr marL="0" algn="l" defTabSz="457200" rtl="0" eaLnBrk="1" latinLnBrk="0" hangingPunct="1"/>
+                      <a:r>
+                        <a:rPr lang="en-US" sz="2000" b="0" kern="1200" dirty="0" smtClean="0">
+                          <a:solidFill>
+                            <a:schemeClr val="tx1"/>
+                          </a:solidFill>
+                          <a:latin typeface="+mn-lt"/>
+                          <a:ea typeface="+mn-ea"/>
+                          <a:cs typeface="+mn-cs"/>
+                        </a:rPr>
+                        <a:t>16.96</a:t>
+                      </a:r>
+                      <a:endParaRPr lang="en-US" sz="2000" b="0" kern="1200" dirty="0">
+                        <a:solidFill>
+                          <a:schemeClr val="tx1"/>
+                        </a:solidFill>
+                        <a:latin typeface="+mn-lt"/>
+                        <a:ea typeface="+mn-ea"/>
+                        <a:cs typeface="+mn-cs"/>
+                      </a:endParaRPr>
+                    </a:p>
+                  </a:txBody>
+                  <a:tcPr/>
+                </a:tc>
+                <a:tc>
+                  <a:txBody>
+                    <a:bodyPr/>
+                    <a:lstStyle/>
+                    <a:p>
+                      <a:pPr marL="0" algn="l" defTabSz="457200" rtl="0" eaLnBrk="1" latinLnBrk="0" hangingPunct="1"/>
+                      <a:r>
+                        <a:rPr lang="en-US" sz="2000" b="0" kern="1200" dirty="0" smtClean="0">
+                          <a:solidFill>
+                            <a:schemeClr val="tx1"/>
+                          </a:solidFill>
+                          <a:latin typeface="+mn-lt"/>
+                          <a:ea typeface="+mn-ea"/>
+                          <a:cs typeface="+mn-cs"/>
+                        </a:rPr>
+                        <a:t>21.03</a:t>
+                      </a:r>
+                      <a:endParaRPr lang="en-US" sz="2000" b="0" kern="1200" dirty="0">
+                        <a:solidFill>
+                          <a:schemeClr val="tx1"/>
+                        </a:solidFill>
+                        <a:latin typeface="+mn-lt"/>
+                        <a:ea typeface="+mn-ea"/>
+                        <a:cs typeface="+mn-cs"/>
+                      </a:endParaRPr>
+                    </a:p>
+                  </a:txBody>
+                  <a:tcPr/>
+                </a:tc>
+              </a:tr>
+              <a:tr h="370840">
+                <a:tc>
+                  <a:txBody>
+                    <a:bodyPr/>
+                    <a:lstStyle/>
+                    <a:p>
+                      <a:r>
+                        <a:rPr lang="en-US" sz="2400" b="0" dirty="0" smtClean="0"/>
+                        <a:t>20</a:t>
+                      </a:r>
+                      <a:endParaRPr lang="en-US" sz="2400" b="0" dirty="0"/>
+                    </a:p>
+                  </a:txBody>
+                  <a:tcPr/>
+                </a:tc>
+                <a:tc>
+                  <a:txBody>
+                    <a:bodyPr/>
+                    <a:lstStyle/>
+                    <a:p>
+                      <a:pPr marL="0" algn="l" defTabSz="457200" rtl="0" eaLnBrk="1" latinLnBrk="0" hangingPunct="1"/>
+                      <a:r>
+                        <a:rPr lang="en-US" altLang="zh-CN" sz="2000" b="0" kern="1200" dirty="0" smtClean="0">
+                          <a:solidFill>
+                            <a:schemeClr val="tx1"/>
+                          </a:solidFill>
+                          <a:latin typeface="+mn-lt"/>
+                          <a:ea typeface="+mn-ea"/>
+                          <a:cs typeface="+mn-cs"/>
+                        </a:rPr>
+                        <a:t>0.41</a:t>
+                      </a:r>
+                      <a:endParaRPr lang="en-US" sz="2000" b="0" kern="1200" dirty="0">
+                        <a:solidFill>
+                          <a:schemeClr val="tx1"/>
+                        </a:solidFill>
+                        <a:latin typeface="+mn-lt"/>
+                        <a:ea typeface="+mn-ea"/>
+                        <a:cs typeface="+mn-cs"/>
+                      </a:endParaRPr>
+                    </a:p>
+                  </a:txBody>
+                  <a:tcPr/>
+                </a:tc>
+                <a:tc>
+                  <a:txBody>
+                    <a:bodyPr/>
+                    <a:lstStyle/>
+                    <a:p>
+                      <a:pPr marL="0" algn="l" defTabSz="457200" rtl="0" eaLnBrk="1" latinLnBrk="0" hangingPunct="1"/>
+                      <a:r>
+                        <a:rPr lang="en-US" altLang="zh-CN" sz="2000" b="0" kern="1200" dirty="0" smtClean="0">
+                          <a:solidFill>
+                            <a:schemeClr val="tx1"/>
+                          </a:solidFill>
+                          <a:latin typeface="+mn-lt"/>
+                          <a:ea typeface="+mn-ea"/>
+                          <a:cs typeface="+mn-cs"/>
+                        </a:rPr>
+                        <a:t>0.63</a:t>
+                      </a:r>
+                      <a:endParaRPr lang="en-US" sz="2000" b="0" kern="1200" dirty="0">
+                        <a:solidFill>
+                          <a:schemeClr val="tx1"/>
+                        </a:solidFill>
+                        <a:latin typeface="+mn-lt"/>
+                        <a:ea typeface="+mn-ea"/>
+                        <a:cs typeface="+mn-cs"/>
+                      </a:endParaRPr>
+                    </a:p>
+                  </a:txBody>
+                  <a:tcPr/>
+                </a:tc>
+                <a:tc>
+                  <a:txBody>
+                    <a:bodyPr/>
+                    <a:lstStyle/>
+                    <a:p>
+                      <a:pPr marL="0" algn="l" defTabSz="457200" rtl="0" eaLnBrk="1" latinLnBrk="0" hangingPunct="1"/>
+                      <a:r>
+                        <a:rPr lang="en-US" sz="2000" b="0" kern="1200" dirty="0" smtClean="0">
+                          <a:solidFill>
+                            <a:schemeClr val="tx1"/>
+                          </a:solidFill>
+                          <a:latin typeface="+mn-lt"/>
+                          <a:ea typeface="+mn-ea"/>
+                          <a:cs typeface="+mn-cs"/>
+                        </a:rPr>
+                        <a:t>21.90</a:t>
+                      </a:r>
+                      <a:endParaRPr lang="en-US" sz="2000" b="0" kern="1200" dirty="0">
+                        <a:solidFill>
+                          <a:schemeClr val="tx1"/>
+                        </a:solidFill>
+                        <a:latin typeface="+mn-lt"/>
+                        <a:ea typeface="+mn-ea"/>
+                        <a:cs typeface="+mn-cs"/>
+                      </a:endParaRPr>
+                    </a:p>
+                  </a:txBody>
+                  <a:tcPr/>
+                </a:tc>
+                <a:tc>
+                  <a:txBody>
+                    <a:bodyPr/>
+                    <a:lstStyle/>
+                    <a:p>
+                      <a:pPr marL="0" algn="l" defTabSz="457200" rtl="0" eaLnBrk="1" latinLnBrk="0" hangingPunct="1"/>
+                      <a:r>
+                        <a:rPr lang="en-US" sz="2000" b="0" kern="1200" dirty="0" smtClean="0">
+                          <a:solidFill>
+                            <a:schemeClr val="tx1"/>
+                          </a:solidFill>
+                          <a:latin typeface="+mn-lt"/>
+                          <a:ea typeface="+mn-ea"/>
+                          <a:cs typeface="+mn-cs"/>
+                        </a:rPr>
+                        <a:t>30.02</a:t>
+                      </a:r>
+                      <a:endParaRPr lang="en-US" sz="2000" b="0" kern="1200" dirty="0">
+                        <a:solidFill>
+                          <a:schemeClr val="tx1"/>
+                        </a:solidFill>
+                        <a:latin typeface="+mn-lt"/>
+                        <a:ea typeface="+mn-ea"/>
+                        <a:cs typeface="+mn-cs"/>
+                      </a:endParaRPr>
+                    </a:p>
+                  </a:txBody>
+                  <a:tcPr/>
+                </a:tc>
+              </a:tr>
+            </a:tbl>
+          </a:graphicData>
+        </a:graphic>
+      </p:graphicFrame>
+      <p:sp>
+        <p:nvSpPr>
+          <p:cNvPr id="8" name="Rectangle 7"/>
+          <p:cNvSpPr/>
+          <p:nvPr/>
+        </p:nvSpPr>
+        <p:spPr>
+          <a:xfrm>
+            <a:off x="1295400" y="1981200"/>
+            <a:ext cx="6706792" cy="1077218"/>
+          </a:xfrm>
+          <a:prstGeom prst="rect">
+            <a:avLst/>
+          </a:prstGeom>
+        </p:spPr>
+        <p:txBody>
+          <a:bodyPr wrap="square">
+            <a:spAutoFit/>
+          </a:bodyPr>
+          <a:lstStyle/>
+          <a:p>
+            <a:pPr>
+              <a:buClr>
+                <a:srgbClr val="C00000"/>
+              </a:buClr>
+            </a:pPr>
+            <a:r>
+              <a:rPr lang="en-US" sz="3200" dirty="0" smtClean="0">
+                <a:solidFill>
+                  <a:schemeClr val="tx1"/>
+                </a:solidFill>
+              </a:rPr>
+              <a:t>5 keywords</a:t>
+            </a:r>
+          </a:p>
+          <a:p>
+            <a:pPr>
+              <a:buClr>
+                <a:srgbClr val="C00000"/>
+              </a:buClr>
+            </a:pPr>
+            <a:r>
+              <a:rPr lang="en-US" sz="3200" dirty="0" smtClean="0">
+                <a:solidFill>
+                  <a:schemeClr val="tx1"/>
+                </a:solidFill>
+              </a:rPr>
+              <a:t>5 </a:t>
+            </a:r>
+            <a:r>
+              <a:rPr lang="en-US" sz="3200" dirty="0">
+                <a:solidFill>
+                  <a:schemeClr val="tx1"/>
+                </a:solidFill>
+              </a:rPr>
+              <a:t>résumés </a:t>
+            </a:r>
+          </a:p>
+        </p:txBody>
+      </p:sp>
+    </p:spTree>
+    <p:extLst>
+      <p:ext uri="{BB962C8B-B14F-4D97-AF65-F5344CB8AC3E}">
+        <p14:creationId xmlns:p14="http://schemas.microsoft.com/office/powerpoint/2010/main" val="1775769701"/>
+      </p:ext>
+    </p:extLst>
+  </p:cSld>
+  <p:clrMapOvr>
+    <a:masterClrMapping/>
+  </p:clrMapOvr>
+  <mc:AlternateContent xmlns:mc="http://schemas.openxmlformats.org/markup-compatibility/2006">
+    <mc:Choice xmlns:p14="http://schemas.microsoft.com/office/powerpoint/2010/main" Requires="p14">
+      <p:transition spd="slow" p14:dur="2000"/>
+    </mc:Choice>
+    <mc:Fallback>
+      <p:transition spd="slow"/>
+    </mc:Fallback>
+  </mc:AlternateContent>
+  <p:timing>
+    <p:tnLst>
+      <p:par>
+        <p:cTn id="1" dur="indefinite" restart="never" nodeType="tmRoot"/>
+      </p:par>
+    </p:tnLst>
+  </p:timing>
+</p:sld>
+</file>
+
+<file path=ppt/slides/slide75.xml><?xml version="1.0" encoding="utf-8"?>
+<p:sld xmlns:a="http://schemas.openxmlformats.org/drawingml/2006/main" xmlns:r="http://schemas.openxmlformats.org/officeDocument/2006/relationships" xmlns:p="http://schemas.openxmlformats.org/presentationml/2006/main">
+  <p:cSld>
+    <p:spTree>
+      <p:nvGrpSpPr>
+        <p:cNvPr id="1" name=""/>
+        <p:cNvGrpSpPr/>
+        <p:nvPr/>
+      </p:nvGrpSpPr>
+      <p:grpSpPr>
+        <a:xfrm>
+          <a:off x="0" y="0"/>
+          <a:ext cx="0" cy="0"/>
+          <a:chOff x="0" y="0"/>
+          <a:chExt cx="0" cy="0"/>
+        </a:xfrm>
+      </p:grpSpPr>
+      <p:sp>
+        <p:nvSpPr>
           <p:cNvPr id="2" name="Content Placeholder 1"/>
           <p:cNvSpPr>
             <a:spLocks noGrp="1"/>
@@ -22525,7 +25348,7 @@
               <a:buChar char="v"/>
             </a:pPr>
             <a:r>
-              <a:rPr lang="en-US" sz="2400"/>
+              <a:rPr lang="en-US" sz="2400" dirty="0"/>
               <a:t>A résumé – job matching system</a:t>
             </a:r>
           </a:p>
@@ -22538,7 +25361,7 @@
               <a:buChar char="v"/>
             </a:pPr>
             <a:r>
-              <a:rPr lang="en-US" sz="2400" smtClean="0"/>
+              <a:rPr lang="en-US" sz="2400" dirty="0" smtClean="0"/>
               <a:t>A </a:t>
             </a:r>
             <a:r>
@@ -22641,7 +25464,7 @@
 </p:sld>
 </file>
 
-<file path=ppt/slides/slide72.xml><?xml version="1.0" encoding="utf-8"?>
+<file path=ppt/slides/slide76.xml><?xml version="1.0" encoding="utf-8"?>
 <p:sld xmlns:a="http://schemas.openxmlformats.org/drawingml/2006/main" xmlns:r="http://schemas.openxmlformats.org/officeDocument/2006/relationships" xmlns:p="http://schemas.openxmlformats.org/presentationml/2006/main">
   <p:cSld>
     <p:spTree>
@@ -22795,7 +25618,7 @@
 </p:sld>
 </file>
 
-<file path=ppt/slides/slide73.xml><?xml version="1.0" encoding="utf-8"?>
+<file path=ppt/slides/slide77.xml><?xml version="1.0" encoding="utf-8"?>
 <p:sld xmlns:a="http://schemas.openxmlformats.org/drawingml/2006/main" xmlns:r="http://schemas.openxmlformats.org/officeDocument/2006/relationships" xmlns:p="http://schemas.openxmlformats.org/presentationml/2006/main">
   <p:cSld>
     <p:spTree>
@@ -23526,7 +26349,7 @@
 </p:sld>
 </file>
 
-<file path=ppt/slides/slide74.xml><?xml version="1.0" encoding="utf-8"?>
+<file path=ppt/slides/slide78.xml><?xml version="1.0" encoding="utf-8"?>
 <p:sld xmlns:a="http://schemas.openxmlformats.org/drawingml/2006/main" xmlns:r="http://schemas.openxmlformats.org/officeDocument/2006/relationships" xmlns:p="http://schemas.openxmlformats.org/presentationml/2006/main">
   <p:cSld>
     <p:spTree>
@@ -24428,7 +27251,7 @@
 </p:sld>
 </file>
 
-<file path=ppt/slides/slide75.xml><?xml version="1.0" encoding="utf-8"?>
+<file path=ppt/slides/slide79.xml><?xml version="1.0" encoding="utf-8"?>
 <p:sld xmlns:a="http://schemas.openxmlformats.org/drawingml/2006/main" xmlns:r="http://schemas.openxmlformats.org/officeDocument/2006/relationships" xmlns:p="http://schemas.openxmlformats.org/presentationml/2006/main">
   <p:cSld>
     <p:spTree>
@@ -24455,7 +27278,7 @@
         </p:nvSpPr>
         <p:spPr bwMode="auto">
           <a:xfrm>
-            <a:off x="457200" y="754063"/>
+            <a:off x="762000" y="1447800"/>
             <a:ext cx="8229600" cy="701675"/>
           </a:xfrm>
           <a:prstGeom prst="rect">
@@ -24778,8 +27601,8 @@
         </p:nvSpPr>
         <p:spPr bwMode="auto">
           <a:xfrm>
-            <a:off x="457200" y="685800"/>
-            <a:ext cx="8229600" cy="4983163"/>
+            <a:off x="762000" y="1447800"/>
+            <a:ext cx="7239000" cy="3852914"/>
           </a:xfrm>
           <a:prstGeom prst="rect">
             <a:avLst/>
@@ -25076,36 +27899,6 @@
               </a:defRPr>
             </a:lvl9pPr>
           </a:lstStyle>
-          <a:p>
-            <a:pPr eaLnBrk="1" hangingPunct="1">
-              <a:spcBef>
-                <a:spcPts val="750"/>
-              </a:spcBef>
-              <a:buFont typeface="Times New Roman" charset="0"/>
-              <a:buNone/>
-              <a:defRPr/>
-            </a:pPr>
-            <a:endParaRPr lang="en-US" sz="3000" dirty="0" smtClean="0">
-              <a:solidFill>
-                <a:srgbClr val="000000"/>
-              </a:solidFill>
-            </a:endParaRPr>
-          </a:p>
-          <a:p>
-            <a:pPr eaLnBrk="1" hangingPunct="1">
-              <a:spcBef>
-                <a:spcPts val="750"/>
-              </a:spcBef>
-              <a:buFont typeface="Times New Roman" charset="0"/>
-              <a:buNone/>
-              <a:defRPr/>
-            </a:pPr>
-            <a:endParaRPr lang="en-US" sz="3000" dirty="0" smtClean="0">
-              <a:solidFill>
-                <a:srgbClr val="000000"/>
-              </a:solidFill>
-            </a:endParaRPr>
-          </a:p>
           <a:p>
             <a:pPr eaLnBrk="1" hangingPunct="1">
               <a:spcBef>

--- a/media/Master's thesis-2.pptx
+++ b/media/Master's thesis-2.pptx
@@ -30,8 +30,8 @@
     <p:sldId id="275" r:id="rId18"/>
     <p:sldId id="276" r:id="rId19"/>
     <p:sldId id="339" r:id="rId20"/>
-    <p:sldId id="344" r:id="rId21"/>
-    <p:sldId id="338" r:id="rId22"/>
+    <p:sldId id="338" r:id="rId21"/>
+    <p:sldId id="344" r:id="rId22"/>
     <p:sldId id="345" r:id="rId23"/>
     <p:sldId id="346" r:id="rId24"/>
     <p:sldId id="347" r:id="rId25"/>
@@ -379,7 +379,7 @@
             <a:fld id="{8D49A9A6-EEBE-4A10-B375-E3DE23A9130F}" type="datetimeFigureOut">
               <a:rPr lang="en-US" altLang="en-US"/>
               <a:pPr/>
-              <a:t>12/16/2014</a:t>
+              <a:t>12/17/2014</a:t>
             </a:fld>
             <a:endParaRPr lang="en-US" altLang="en-US"/>
           </a:p>
@@ -533,7 +533,7 @@
           <a:effectLst/>
           <a:extLst>
             <a:ext uri="{91240B29-F687-4f45-9708-019B960494DF}">
-              <a14:hiddenLine xmlns:a14="http://schemas.microsoft.com/office/drawing/2010/main" xmlns="" w="9525">
+              <a14:hiddenLine xmlns="" xmlns:a14="http://schemas.microsoft.com/office/drawing/2010/main" w="9525">
                 <a:solidFill>
                   <a:srgbClr val="000000"/>
                 </a:solidFill>
@@ -543,7 +543,7 @@
               </a14:hiddenLine>
             </a:ext>
             <a:ext uri="{AF507438-7753-43e0-B8FC-AC1667EBCBE1}">
-              <a14:hiddenEffects xmlns:a14="http://schemas.microsoft.com/office/drawing/2010/main" xmlns="">
+              <a14:hiddenEffects xmlns="" xmlns:a14="http://schemas.microsoft.com/office/drawing/2010/main">
                 <a:effectLst>
                   <a:outerShdw blurRad="63500" dist="38099" dir="2700000" algn="ctr" rotWithShape="0">
                     <a:srgbClr val="000000">
@@ -595,14 +595,14 @@
           <a:effectLst/>
           <a:extLst>
             <a:ext uri="{909E8E84-426E-40dd-AFC4-6F175D3DCCD1}">
-              <a14:hiddenFill xmlns:a14="http://schemas.microsoft.com/office/drawing/2010/main" xmlns="">
+              <a14:hiddenFill xmlns="" xmlns:a14="http://schemas.microsoft.com/office/drawing/2010/main">
                 <a:solidFill>
                   <a:srgbClr val="FFFFFF"/>
                 </a:solidFill>
               </a14:hiddenFill>
             </a:ext>
             <a:ext uri="{91240B29-F687-4f45-9708-019B960494DF}">
-              <a14:hiddenLine xmlns:a14="http://schemas.microsoft.com/office/drawing/2010/main" xmlns="" w="9525">
+              <a14:hiddenLine xmlns="" xmlns:a14="http://schemas.microsoft.com/office/drawing/2010/main" w="9525">
                 <a:solidFill>
                   <a:srgbClr val="000000"/>
                 </a:solidFill>
@@ -612,7 +612,7 @@
               </a14:hiddenLine>
             </a:ext>
             <a:ext uri="{AF507438-7753-43e0-B8FC-AC1667EBCBE1}">
-              <a14:hiddenEffects xmlns:a14="http://schemas.microsoft.com/office/drawing/2010/main" xmlns="">
+              <a14:hiddenEffects xmlns="" xmlns:a14="http://schemas.microsoft.com/office/drawing/2010/main">
                 <a:effectLst>
                   <a:outerShdw blurRad="63500" dist="38099" dir="2700000" algn="ctr" rotWithShape="0">
                     <a:srgbClr val="000000">
@@ -664,14 +664,14 @@
           <a:effectLst/>
           <a:extLst>
             <a:ext uri="{909E8E84-426E-40dd-AFC4-6F175D3DCCD1}">
-              <a14:hiddenFill xmlns:a14="http://schemas.microsoft.com/office/drawing/2010/main" xmlns="">
+              <a14:hiddenFill xmlns="" xmlns:a14="http://schemas.microsoft.com/office/drawing/2010/main">
                 <a:solidFill>
                   <a:srgbClr val="FFFFFF"/>
                 </a:solidFill>
               </a14:hiddenFill>
             </a:ext>
             <a:ext uri="{91240B29-F687-4f45-9708-019B960494DF}">
-              <a14:hiddenLine xmlns:a14="http://schemas.microsoft.com/office/drawing/2010/main" xmlns="" w="9525">
+              <a14:hiddenLine xmlns="" xmlns:a14="http://schemas.microsoft.com/office/drawing/2010/main" w="9525">
                 <a:solidFill>
                   <a:srgbClr val="000000"/>
                 </a:solidFill>
@@ -681,7 +681,7 @@
               </a14:hiddenLine>
             </a:ext>
             <a:ext uri="{AF507438-7753-43e0-B8FC-AC1667EBCBE1}">
-              <a14:hiddenEffects xmlns:a14="http://schemas.microsoft.com/office/drawing/2010/main" xmlns="">
+              <a14:hiddenEffects xmlns="" xmlns:a14="http://schemas.microsoft.com/office/drawing/2010/main">
                 <a:effectLst>
                   <a:outerShdw blurRad="63500" dist="38099" dir="2700000" algn="ctr" rotWithShape="0">
                     <a:srgbClr val="000000">
@@ -740,14 +740,14 @@
           <a:effectLst/>
           <a:extLst>
             <a:ext uri="{909E8E84-426E-40dd-AFC4-6F175D3DCCD1}">
-              <a14:hiddenFill xmlns:a14="http://schemas.microsoft.com/office/drawing/2010/main" xmlns="">
+              <a14:hiddenFill xmlns="" xmlns:a14="http://schemas.microsoft.com/office/drawing/2010/main">
                 <a:solidFill>
                   <a:srgbClr val="FFFFFF"/>
                 </a:solidFill>
               </a14:hiddenFill>
             </a:ext>
             <a:ext uri="{AF507438-7753-43e0-B8FC-AC1667EBCBE1}">
-              <a14:hiddenEffects xmlns:a14="http://schemas.microsoft.com/office/drawing/2010/main" xmlns="">
+              <a14:hiddenEffects xmlns="" xmlns:a14="http://schemas.microsoft.com/office/drawing/2010/main">
                 <a:effectLst>
                   <a:outerShdw blurRad="63500" dist="38099" dir="2700000" algn="ctr" rotWithShape="0">
                     <a:schemeClr val="bg2">
@@ -758,7 +758,7 @@
               </a14:hiddenEffects>
             </a:ext>
             <a:ext uri="{FAA26D3D-D897-4be2-8F04-BA451C77F1D7}">
-              <ma14:placeholderFlag xmlns:ma14="http://schemas.microsoft.com/office/mac/drawingml/2011/main" xmlns="" val="1"/>
+              <ma14:placeholderFlag xmlns="" xmlns:ma14="http://schemas.microsoft.com/office/mac/drawingml/2011/main" val="1"/>
             </a:ext>
           </a:extLst>
         </p:spPr>
@@ -788,14 +788,14 @@
           <a:effectLst/>
           <a:extLst>
             <a:ext uri="{909E8E84-426E-40dd-AFC4-6F175D3DCCD1}">
-              <a14:hiddenFill xmlns:a14="http://schemas.microsoft.com/office/drawing/2010/main" xmlns="">
+              <a14:hiddenFill xmlns="" xmlns:a14="http://schemas.microsoft.com/office/drawing/2010/main">
                 <a:solidFill>
                   <a:srgbClr val="FFFFFF"/>
                 </a:solidFill>
               </a14:hiddenFill>
             </a:ext>
             <a:ext uri="{91240B29-F687-4f45-9708-019B960494DF}">
-              <a14:hiddenLine xmlns:a14="http://schemas.microsoft.com/office/drawing/2010/main" xmlns="" w="9525">
+              <a14:hiddenLine xmlns="" xmlns:a14="http://schemas.microsoft.com/office/drawing/2010/main" w="9525">
                 <a:solidFill>
                   <a:srgbClr val="000000"/>
                 </a:solidFill>
@@ -805,7 +805,7 @@
               </a14:hiddenLine>
             </a:ext>
             <a:ext uri="{AF507438-7753-43e0-B8FC-AC1667EBCBE1}">
-              <a14:hiddenEffects xmlns:a14="http://schemas.microsoft.com/office/drawing/2010/main" xmlns="">
+              <a14:hiddenEffects xmlns="" xmlns:a14="http://schemas.microsoft.com/office/drawing/2010/main">
                 <a:effectLst>
                   <a:outerShdw blurRad="63500" dist="38099" dir="2700000" algn="ctr" rotWithShape="0">
                     <a:schemeClr val="bg2">
@@ -816,7 +816,7 @@
               </a14:hiddenEffects>
             </a:ext>
             <a:ext uri="{FAA26D3D-D897-4be2-8F04-BA451C77F1D7}">
-              <ma14:placeholderFlag xmlns:ma14="http://schemas.microsoft.com/office/mac/drawingml/2011/main" xmlns="" val="1"/>
+              <ma14:placeholderFlag xmlns="" xmlns:ma14="http://schemas.microsoft.com/office/mac/drawingml/2011/main" val="1"/>
             </a:ext>
           </a:extLst>
         </p:spPr>
@@ -856,14 +856,14 @@
           <a:effectLst/>
           <a:extLst>
             <a:ext uri="{909E8E84-426E-40dd-AFC4-6F175D3DCCD1}">
-              <a14:hiddenFill xmlns:a14="http://schemas.microsoft.com/office/drawing/2010/main" xmlns="">
+              <a14:hiddenFill xmlns="" xmlns:a14="http://schemas.microsoft.com/office/drawing/2010/main">
                 <a:solidFill>
                   <a:srgbClr val="FFFFFF"/>
                 </a:solidFill>
               </a14:hiddenFill>
             </a:ext>
             <a:ext uri="{91240B29-F687-4f45-9708-019B960494DF}">
-              <a14:hiddenLine xmlns:a14="http://schemas.microsoft.com/office/drawing/2010/main" xmlns="" w="9525">
+              <a14:hiddenLine xmlns="" xmlns:a14="http://schemas.microsoft.com/office/drawing/2010/main" w="9525">
                 <a:solidFill>
                   <a:srgbClr val="000000"/>
                 </a:solidFill>
@@ -873,7 +873,7 @@
               </a14:hiddenLine>
             </a:ext>
             <a:ext uri="{AF507438-7753-43e0-B8FC-AC1667EBCBE1}">
-              <a14:hiddenEffects xmlns:a14="http://schemas.microsoft.com/office/drawing/2010/main" xmlns="">
+              <a14:hiddenEffects xmlns="" xmlns:a14="http://schemas.microsoft.com/office/drawing/2010/main">
                 <a:effectLst>
                   <a:outerShdw blurRad="63500" dist="38099" dir="2700000" algn="ctr" rotWithShape="0">
                     <a:srgbClr val="000000">
@@ -927,14 +927,14 @@
           <a:effectLst/>
           <a:extLst>
             <a:ext uri="{909E8E84-426E-40dd-AFC4-6F175D3DCCD1}">
-              <a14:hiddenFill xmlns:a14="http://schemas.microsoft.com/office/drawing/2010/main" xmlns="">
+              <a14:hiddenFill xmlns="" xmlns:a14="http://schemas.microsoft.com/office/drawing/2010/main">
                 <a:solidFill>
                   <a:srgbClr val="FFFFFF"/>
                 </a:solidFill>
               </a14:hiddenFill>
             </a:ext>
             <a:ext uri="{91240B29-F687-4f45-9708-019B960494DF}">
-              <a14:hiddenLine xmlns:a14="http://schemas.microsoft.com/office/drawing/2010/main" xmlns="" w="9525">
+              <a14:hiddenLine xmlns="" xmlns:a14="http://schemas.microsoft.com/office/drawing/2010/main" w="9525">
                 <a:solidFill>
                   <a:srgbClr val="000000"/>
                 </a:solidFill>
@@ -944,7 +944,7 @@
               </a14:hiddenLine>
             </a:ext>
             <a:ext uri="{AF507438-7753-43e0-B8FC-AC1667EBCBE1}">
-              <a14:hiddenEffects xmlns:a14="http://schemas.microsoft.com/office/drawing/2010/main" xmlns="">
+              <a14:hiddenEffects xmlns="" xmlns:a14="http://schemas.microsoft.com/office/drawing/2010/main">
                 <a:effectLst>
                   <a:outerShdw blurRad="63500" dist="38099" dir="2700000" algn="ctr" rotWithShape="0">
                     <a:schemeClr val="bg2">
@@ -955,7 +955,7 @@
               </a14:hiddenEffects>
             </a:ext>
             <a:ext uri="{FAA26D3D-D897-4be2-8F04-BA451C77F1D7}">
-              <ma14:placeholderFlag xmlns:ma14="http://schemas.microsoft.com/office/mac/drawingml/2011/main" xmlns="" val="1"/>
+              <ma14:placeholderFlag xmlns="" xmlns:ma14="http://schemas.microsoft.com/office/mac/drawingml/2011/main" val="1"/>
             </a:ext>
           </a:extLst>
         </p:spPr>
@@ -2069,14 +2069,14 @@
         <p:spPr>
           <a:extLst>
             <a:ext uri="{909E8E84-426E-40dd-AFC4-6F175D3DCCD1}">
-              <a14:hiddenFill xmlns:a14="http://schemas.microsoft.com/office/drawing/2010/main" xmlns="">
+              <a14:hiddenFill xmlns="" xmlns:a14="http://schemas.microsoft.com/office/drawing/2010/main">
                 <a:solidFill>
                   <a:srgbClr val="FFFFFF"/>
                 </a:solidFill>
               </a14:hiddenFill>
             </a:ext>
             <a:ext uri="{91240B29-F687-4f45-9708-019B960494DF}">
-              <a14:hiddenLine xmlns:a14="http://schemas.microsoft.com/office/drawing/2010/main" xmlns="" w="9525">
+              <a14:hiddenLine xmlns="" xmlns:a14="http://schemas.microsoft.com/office/drawing/2010/main" w="9525">
                 <a:solidFill>
                   <a:srgbClr val="000000"/>
                 </a:solidFill>
@@ -2086,7 +2086,7 @@
               </a14:hiddenLine>
             </a:ext>
             <a:ext uri="{AF507438-7753-43e0-B8FC-AC1667EBCBE1}">
-              <a14:hiddenEffects xmlns:a14="http://schemas.microsoft.com/office/drawing/2010/main" xmlns="">
+              <a14:hiddenEffects xmlns="" xmlns:a14="http://schemas.microsoft.com/office/drawing/2010/main">
                 <a:effectLst>
                   <a:outerShdw blurRad="63500" dist="38099" dir="2700000" algn="ctr" rotWithShape="0">
                     <a:schemeClr val="bg2">
@@ -2097,7 +2097,7 @@
               </a14:hiddenEffects>
             </a:ext>
             <a:ext uri="{FAA26D3D-D897-4be2-8F04-BA451C77F1D7}">
-              <ma14:placeholderFlag xmlns:ma14="http://schemas.microsoft.com/office/mac/drawingml/2011/main" xmlns="" val="1"/>
+              <ma14:placeholderFlag xmlns="" xmlns:ma14="http://schemas.microsoft.com/office/mac/drawingml/2011/main" val="1"/>
             </a:ext>
           </a:extLst>
         </p:spPr>
@@ -2449,14 +2449,14 @@
         <p:spPr>
           <a:extLst>
             <a:ext uri="{909E8E84-426E-40dd-AFC4-6F175D3DCCD1}">
-              <a14:hiddenFill xmlns:a14="http://schemas.microsoft.com/office/drawing/2010/main" xmlns="">
+              <a14:hiddenFill xmlns="" xmlns:a14="http://schemas.microsoft.com/office/drawing/2010/main">
                 <a:solidFill>
                   <a:srgbClr val="FFFFFF"/>
                 </a:solidFill>
               </a14:hiddenFill>
             </a:ext>
             <a:ext uri="{91240B29-F687-4f45-9708-019B960494DF}">
-              <a14:hiddenLine xmlns:a14="http://schemas.microsoft.com/office/drawing/2010/main" xmlns="" w="9525">
+              <a14:hiddenLine xmlns="" xmlns:a14="http://schemas.microsoft.com/office/drawing/2010/main" w="9525">
                 <a:solidFill>
                   <a:srgbClr val="000000"/>
                 </a:solidFill>
@@ -2466,7 +2466,7 @@
               </a14:hiddenLine>
             </a:ext>
             <a:ext uri="{AF507438-7753-43e0-B8FC-AC1667EBCBE1}">
-              <a14:hiddenEffects xmlns:a14="http://schemas.microsoft.com/office/drawing/2010/main" xmlns="">
+              <a14:hiddenEffects xmlns="" xmlns:a14="http://schemas.microsoft.com/office/drawing/2010/main">
                 <a:effectLst>
                   <a:outerShdw blurRad="63500" dist="38099" dir="2700000" algn="ctr" rotWithShape="0">
                     <a:schemeClr val="bg2">
@@ -2477,7 +2477,7 @@
               </a14:hiddenEffects>
             </a:ext>
             <a:ext uri="{FAA26D3D-D897-4be2-8F04-BA451C77F1D7}">
-              <ma14:placeholderFlag xmlns:ma14="http://schemas.microsoft.com/office/mac/drawingml/2011/main" xmlns="" val="1"/>
+              <ma14:placeholderFlag xmlns="" xmlns:ma14="http://schemas.microsoft.com/office/mac/drawingml/2011/main" val="1"/>
             </a:ext>
           </a:extLst>
         </p:spPr>
@@ -2829,14 +2829,14 @@
         <p:spPr>
           <a:extLst>
             <a:ext uri="{909E8E84-426E-40dd-AFC4-6F175D3DCCD1}">
-              <a14:hiddenFill xmlns:a14="http://schemas.microsoft.com/office/drawing/2010/main" xmlns="">
+              <a14:hiddenFill xmlns="" xmlns:a14="http://schemas.microsoft.com/office/drawing/2010/main">
                 <a:solidFill>
                   <a:srgbClr val="FFFFFF"/>
                 </a:solidFill>
               </a14:hiddenFill>
             </a:ext>
             <a:ext uri="{91240B29-F687-4f45-9708-019B960494DF}">
-              <a14:hiddenLine xmlns:a14="http://schemas.microsoft.com/office/drawing/2010/main" xmlns="" w="9525">
+              <a14:hiddenLine xmlns="" xmlns:a14="http://schemas.microsoft.com/office/drawing/2010/main" w="9525">
                 <a:solidFill>
                   <a:srgbClr val="000000"/>
                 </a:solidFill>
@@ -2846,7 +2846,7 @@
               </a14:hiddenLine>
             </a:ext>
             <a:ext uri="{AF507438-7753-43e0-B8FC-AC1667EBCBE1}">
-              <a14:hiddenEffects xmlns:a14="http://schemas.microsoft.com/office/drawing/2010/main" xmlns="">
+              <a14:hiddenEffects xmlns="" xmlns:a14="http://schemas.microsoft.com/office/drawing/2010/main">
                 <a:effectLst>
                   <a:outerShdw blurRad="63500" dist="38099" dir="2700000" algn="ctr" rotWithShape="0">
                     <a:schemeClr val="bg2">
@@ -2857,7 +2857,7 @@
               </a14:hiddenEffects>
             </a:ext>
             <a:ext uri="{FAA26D3D-D897-4be2-8F04-BA451C77F1D7}">
-              <ma14:placeholderFlag xmlns:ma14="http://schemas.microsoft.com/office/mac/drawingml/2011/main" xmlns="" val="1"/>
+              <ma14:placeholderFlag xmlns="" xmlns:ma14="http://schemas.microsoft.com/office/mac/drawingml/2011/main" val="1"/>
             </a:ext>
           </a:extLst>
         </p:spPr>
@@ -5787,7 +5787,7 @@
           <a:effectLst/>
           <a:extLst>
             <a:ext uri="{91240B29-F687-4f45-9708-019B960494DF}">
-              <a14:hiddenLine xmlns:a14="http://schemas.microsoft.com/office/drawing/2010/main" xmlns="" w="9525">
+              <a14:hiddenLine xmlns="" xmlns:a14="http://schemas.microsoft.com/office/drawing/2010/main" w="9525">
                 <a:solidFill>
                   <a:srgbClr val="000000"/>
                 </a:solidFill>
@@ -5797,7 +5797,7 @@
               </a14:hiddenLine>
             </a:ext>
             <a:ext uri="{AF507438-7753-43e0-B8FC-AC1667EBCBE1}">
-              <a14:hiddenEffects xmlns:a14="http://schemas.microsoft.com/office/drawing/2010/main" xmlns="">
+              <a14:hiddenEffects xmlns="" xmlns:a14="http://schemas.microsoft.com/office/drawing/2010/main">
                 <a:effectLst>
                   <a:outerShdw blurRad="63500" dist="38099" dir="2700000" algn="ctr" rotWithShape="0">
                     <a:srgbClr val="000000">
@@ -5850,7 +5850,7 @@
           <a:effectLst/>
           <a:extLst>
             <a:ext uri="{91240B29-F687-4f45-9708-019B960494DF}">
-              <a14:hiddenLine xmlns:a14="http://schemas.microsoft.com/office/drawing/2010/main" xmlns="" w="9525">
+              <a14:hiddenLine xmlns="" xmlns:a14="http://schemas.microsoft.com/office/drawing/2010/main" w="9525">
                 <a:solidFill>
                   <a:srgbClr val="000000"/>
                 </a:solidFill>
@@ -5860,7 +5860,7 @@
               </a14:hiddenLine>
             </a:ext>
             <a:ext uri="{AF507438-7753-43e0-B8FC-AC1667EBCBE1}">
-              <a14:hiddenEffects xmlns:a14="http://schemas.microsoft.com/office/drawing/2010/main" xmlns="">
+              <a14:hiddenEffects xmlns="" xmlns:a14="http://schemas.microsoft.com/office/drawing/2010/main">
                 <a:effectLst>
                   <a:outerShdw blurRad="63500" dist="38099" dir="2700000" algn="ctr" rotWithShape="0">
                     <a:srgbClr val="000000">
@@ -5915,7 +5915,7 @@
           <a:effectLst/>
           <a:extLst>
             <a:ext uri="{91240B29-F687-4f45-9708-019B960494DF}">
-              <a14:hiddenLine xmlns:a14="http://schemas.microsoft.com/office/drawing/2010/main" xmlns="" w="9525">
+              <a14:hiddenLine xmlns="" xmlns:a14="http://schemas.microsoft.com/office/drawing/2010/main" w="9525">
                 <a:solidFill>
                   <a:srgbClr val="000000"/>
                 </a:solidFill>
@@ -5925,7 +5925,7 @@
               </a14:hiddenLine>
             </a:ext>
             <a:ext uri="{AF507438-7753-43e0-B8FC-AC1667EBCBE1}">
-              <a14:hiddenEffects xmlns:a14="http://schemas.microsoft.com/office/drawing/2010/main" xmlns="">
+              <a14:hiddenEffects xmlns="" xmlns:a14="http://schemas.microsoft.com/office/drawing/2010/main">
                 <a:effectLst>
                   <a:outerShdw blurRad="63500" dist="38099" dir="2700000" algn="ctr" rotWithShape="0">
                     <a:srgbClr val="000000">
@@ -5989,7 +5989,7 @@
           <a:effectLst/>
           <a:extLst>
             <a:ext uri="{909E8E84-426E-40dd-AFC4-6F175D3DCCD1}">
-              <a14:hiddenFill xmlns:a14="http://schemas.microsoft.com/office/drawing/2010/main" xmlns="">
+              <a14:hiddenFill xmlns="" xmlns:a14="http://schemas.microsoft.com/office/drawing/2010/main">
                 <a:blipFill dpi="0" rotWithShape="0">
                   <a:blip xmlns:r="http://schemas.openxmlformats.org/officeDocument/2006/relationships"/>
                   <a:srcRect/>
@@ -6000,7 +6000,7 @@
               </a14:hiddenFill>
             </a:ext>
             <a:ext uri="{91240B29-F687-4f45-9708-019B960494DF}">
-              <a14:hiddenLine xmlns:a14="http://schemas.microsoft.com/office/drawing/2010/main" xmlns="" w="9525">
+              <a14:hiddenLine xmlns="" xmlns:a14="http://schemas.microsoft.com/office/drawing/2010/main" w="9525">
                 <a:solidFill>
                   <a:srgbClr val="000000"/>
                 </a:solidFill>
@@ -6010,7 +6010,7 @@
               </a14:hiddenLine>
             </a:ext>
             <a:ext uri="{AF507438-7753-43e0-B8FC-AC1667EBCBE1}">
-              <a14:hiddenEffects xmlns:a14="http://schemas.microsoft.com/office/drawing/2010/main" xmlns="">
+              <a14:hiddenEffects xmlns="" xmlns:a14="http://schemas.microsoft.com/office/drawing/2010/main">
                 <a:effectLst>
                   <a:outerShdw blurRad="63500" dist="38099" dir="2700000" algn="ctr" rotWithShape="0">
                     <a:srgbClr val="000000">
@@ -6046,14 +6046,14 @@
           <a:effectLst/>
           <a:extLst>
             <a:ext uri="{909E8E84-426E-40dd-AFC4-6F175D3DCCD1}">
-              <a14:hiddenFill xmlns:a14="http://schemas.microsoft.com/office/drawing/2010/main" xmlns="">
+              <a14:hiddenFill xmlns="" xmlns:a14="http://schemas.microsoft.com/office/drawing/2010/main">
                 <a:solidFill>
                   <a:srgbClr val="FFFFFF"/>
                 </a:solidFill>
               </a14:hiddenFill>
             </a:ext>
             <a:ext uri="{91240B29-F687-4f45-9708-019B960494DF}">
-              <a14:hiddenLine xmlns:a14="http://schemas.microsoft.com/office/drawing/2010/main" xmlns="" w="9525">
+              <a14:hiddenLine xmlns="" xmlns:a14="http://schemas.microsoft.com/office/drawing/2010/main" w="9525">
                 <a:solidFill>
                   <a:srgbClr val="000000"/>
                 </a:solidFill>
@@ -6063,7 +6063,7 @@
               </a14:hiddenLine>
             </a:ext>
             <a:ext uri="{AF507438-7753-43e0-B8FC-AC1667EBCBE1}">
-              <a14:hiddenEffects xmlns:a14="http://schemas.microsoft.com/office/drawing/2010/main" xmlns="">
+              <a14:hiddenEffects xmlns="" xmlns:a14="http://schemas.microsoft.com/office/drawing/2010/main">
                 <a:effectLst>
                   <a:outerShdw blurRad="63500" dist="38099" dir="2700000" algn="ctr" rotWithShape="0">
                     <a:srgbClr val="000000">
@@ -6374,14 +6374,14 @@
           <a:effectLst/>
           <a:extLst>
             <a:ext uri="{909E8E84-426E-40dd-AFC4-6F175D3DCCD1}">
-              <a14:hiddenFill xmlns:a14="http://schemas.microsoft.com/office/drawing/2010/main" xmlns="">
+              <a14:hiddenFill xmlns="" xmlns:a14="http://schemas.microsoft.com/office/drawing/2010/main">
                 <a:solidFill>
                   <a:srgbClr val="FFFFFF"/>
                 </a:solidFill>
               </a14:hiddenFill>
             </a:ext>
             <a:ext uri="{91240B29-F687-4f45-9708-019B960494DF}">
-              <a14:hiddenLine xmlns:a14="http://schemas.microsoft.com/office/drawing/2010/main" xmlns="" w="9525">
+              <a14:hiddenLine xmlns="" xmlns:a14="http://schemas.microsoft.com/office/drawing/2010/main" w="9525">
                 <a:solidFill>
                   <a:srgbClr val="000000"/>
                 </a:solidFill>
@@ -6391,7 +6391,7 @@
               </a14:hiddenLine>
             </a:ext>
             <a:ext uri="{AF507438-7753-43e0-B8FC-AC1667EBCBE1}">
-              <a14:hiddenEffects xmlns:a14="http://schemas.microsoft.com/office/drawing/2010/main" xmlns="">
+              <a14:hiddenEffects xmlns="" xmlns:a14="http://schemas.microsoft.com/office/drawing/2010/main">
                 <a:effectLst>
                   <a:outerShdw blurRad="63500" dist="38099" dir="2700000" algn="ctr" rotWithShape="0">
                     <a:schemeClr val="bg2">
@@ -6402,7 +6402,7 @@
               </a14:hiddenEffects>
             </a:ext>
             <a:ext uri="{FAA26D3D-D897-4be2-8F04-BA451C77F1D7}">
-              <ma14:placeholderFlag xmlns:ma14="http://schemas.microsoft.com/office/mac/drawingml/2011/main" xmlns="" val="1"/>
+              <ma14:placeholderFlag xmlns="" xmlns:ma14="http://schemas.microsoft.com/office/mac/drawingml/2011/main" val="1"/>
             </a:ext>
           </a:extLst>
         </p:spPr>
@@ -6503,14 +6503,14 @@
           <a:effectLst/>
           <a:extLst>
             <a:ext uri="{909E8E84-426E-40dd-AFC4-6F175D3DCCD1}">
-              <a14:hiddenFill xmlns:a14="http://schemas.microsoft.com/office/drawing/2010/main" xmlns="">
+              <a14:hiddenFill xmlns="" xmlns:a14="http://schemas.microsoft.com/office/drawing/2010/main">
                 <a:solidFill>
                   <a:srgbClr val="FFFFFF"/>
                 </a:solidFill>
               </a14:hiddenFill>
             </a:ext>
             <a:ext uri="{91240B29-F687-4f45-9708-019B960494DF}">
-              <a14:hiddenLine xmlns:a14="http://schemas.microsoft.com/office/drawing/2010/main" xmlns="" w="9525">
+              <a14:hiddenLine xmlns="" xmlns:a14="http://schemas.microsoft.com/office/drawing/2010/main" w="9525">
                 <a:solidFill>
                   <a:srgbClr val="000000"/>
                 </a:solidFill>
@@ -6520,7 +6520,7 @@
               </a14:hiddenLine>
             </a:ext>
             <a:ext uri="{AF507438-7753-43e0-B8FC-AC1667EBCBE1}">
-              <a14:hiddenEffects xmlns:a14="http://schemas.microsoft.com/office/drawing/2010/main" xmlns="">
+              <a14:hiddenEffects xmlns="" xmlns:a14="http://schemas.microsoft.com/office/drawing/2010/main">
                 <a:effectLst>
                   <a:outerShdw blurRad="63500" dist="38099" dir="2700000" algn="ctr" rotWithShape="0">
                     <a:schemeClr val="bg2">
@@ -6531,7 +6531,7 @@
               </a14:hiddenEffects>
             </a:ext>
             <a:ext uri="{FAA26D3D-D897-4be2-8F04-BA451C77F1D7}">
-              <ma14:placeholderFlag xmlns:ma14="http://schemas.microsoft.com/office/mac/drawingml/2011/main" xmlns="" val="1"/>
+              <ma14:placeholderFlag xmlns="" xmlns:ma14="http://schemas.microsoft.com/office/mac/drawingml/2011/main" val="1"/>
             </a:ext>
           </a:extLst>
         </p:spPr>
@@ -7187,7 +7187,7 @@
           <a:effectLst/>
           <a:extLst>
             <a:ext uri="{AF507438-7753-43e0-B8FC-AC1667EBCBE1}">
-              <a14:hiddenEffects xmlns:a14="http://schemas.microsoft.com/office/drawing/2010/main" xmlns="">
+              <a14:hiddenEffects xmlns="" xmlns:a14="http://schemas.microsoft.com/office/drawing/2010/main">
                 <a:effectLst>
                   <a:outerShdw blurRad="63500" dist="38099" dir="2700000" algn="ctr" rotWithShape="0">
                     <a:schemeClr val="bg2">
@@ -7950,7 +7950,7 @@
           <a:effectLst/>
           <a:extLst>
             <a:ext uri="{AF507438-7753-43e0-B8FC-AC1667EBCBE1}">
-              <a14:hiddenEffects xmlns:a14="http://schemas.microsoft.com/office/drawing/2010/main" xmlns="">
+              <a14:hiddenEffects xmlns="" xmlns:a14="http://schemas.microsoft.com/office/drawing/2010/main">
                 <a:effectLst>
                   <a:outerShdw blurRad="63500" dist="38099" dir="2700000" algn="ctr" rotWithShape="0">
                     <a:schemeClr val="bg2">
@@ -8337,7 +8337,7 @@
           <a:effectLst/>
           <a:extLst>
             <a:ext uri="{AF507438-7753-43e0-B8FC-AC1667EBCBE1}">
-              <a14:hiddenEffects xmlns:a14="http://schemas.microsoft.com/office/drawing/2010/main" xmlns="">
+              <a14:hiddenEffects xmlns="" xmlns:a14="http://schemas.microsoft.com/office/drawing/2010/main">
                 <a:effectLst>
                   <a:outerShdw blurRad="63500" dist="38099" dir="2700000" algn="ctr" rotWithShape="0">
                     <a:schemeClr val="bg2">
@@ -8959,7 +8959,7 @@
           <a:effectLst/>
           <a:extLst>
             <a:ext uri="{AF507438-7753-43e0-B8FC-AC1667EBCBE1}">
-              <a14:hiddenEffects xmlns:a14="http://schemas.microsoft.com/office/drawing/2010/main" xmlns="">
+              <a14:hiddenEffects xmlns="" xmlns:a14="http://schemas.microsoft.com/office/drawing/2010/main">
                 <a:effectLst>
                   <a:outerShdw blurRad="63500" dist="38099" dir="2700000" algn="ctr" rotWithShape="0">
                     <a:schemeClr val="bg2">
@@ -9041,7 +9041,7 @@
           <a:effectLst/>
           <a:extLst>
             <a:ext uri="{AF507438-7753-43e0-B8FC-AC1667EBCBE1}">
-              <a14:hiddenEffects xmlns:a14="http://schemas.microsoft.com/office/drawing/2010/main" xmlns="">
+              <a14:hiddenEffects xmlns="" xmlns:a14="http://schemas.microsoft.com/office/drawing/2010/main">
                 <a:effectLst>
                   <a:outerShdw blurRad="63500" dist="38099" dir="2700000" algn="ctr" rotWithShape="0">
                     <a:schemeClr val="bg2">
@@ -9785,7 +9785,7 @@
         </p:nvSpPr>
         <p:spPr>
           <a:xfrm>
-            <a:off x="511455" y="2133600"/>
+            <a:off x="489353" y="1900144"/>
             <a:ext cx="8228013" cy="4114799"/>
           </a:xfrm>
         </p:spPr>
@@ -9802,15 +9802,15 @@
             </a:pPr>
             <a:r>
               <a:rPr lang="en-US" sz="2800" dirty="0" smtClean="0"/>
-              <a:t>How to extract models </a:t>
+              <a:t>r </a:t>
             </a:r>
             <a:r>
               <a:rPr lang="en-US" sz="2800" dirty="0"/>
-              <a:t>from </a:t>
+              <a:t>is the user‘s résumé </a:t>
             </a:r>
             <a:r>
               <a:rPr lang="en-US" sz="2800" dirty="0" smtClean="0"/>
-              <a:t>unstructured data sources.</a:t>
+              <a:t>model </a:t>
             </a:r>
           </a:p>
           <a:p>
@@ -9822,17 +9822,129 @@
               <a:buChar char="v"/>
             </a:pPr>
             <a:r>
+              <a:rPr lang="en-US" sz="2800" dirty="0" err="1" smtClean="0"/>
+              <a:t>r</a:t>
+            </a:r>
+            <a:r>
+              <a:rPr lang="en-US" sz="2800" baseline="-25000" dirty="0" err="1" smtClean="0"/>
+              <a:t>i</a:t>
+            </a:r>
+            <a:r>
+              <a:rPr lang="en-US" sz="2800" baseline="-25000" dirty="0" smtClean="0"/>
+              <a:t>  </a:t>
+            </a:r>
+            <a:r>
+              <a:rPr lang="en-US" sz="2800" dirty="0"/>
+              <a:t>is </a:t>
+            </a:r>
+            <a:r>
               <a:rPr lang="en-US" sz="2800" dirty="0" smtClean="0"/>
-              <a:t>How to compute the similarity </a:t>
+              <a:t>the </a:t>
+            </a:r>
+            <a:r>
+              <a:rPr lang="en-US" sz="2800" dirty="0" err="1" smtClean="0"/>
+              <a:t>ith</a:t>
+            </a:r>
+            <a:r>
+              <a:rPr lang="en-US" sz="2800" dirty="0" smtClean="0"/>
+              <a:t> </a:t>
             </a:r>
             <a:r>
               <a:rPr lang="en-US" sz="2800" dirty="0"/>
-              <a:t>between </a:t>
+              <a:t>feature of résumé </a:t>
             </a:r>
             <a:r>
               <a:rPr lang="en-US" sz="2800" dirty="0" smtClean="0"/>
-              <a:t>résumé and job models.</a:t>
-            </a:r>
+              <a:t> r </a:t>
+            </a:r>
+            <a:endParaRPr lang="en-US" sz="2800" dirty="0"/>
+          </a:p>
+          <a:p>
+            <a:pPr marL="457200" indent="-457200">
+              <a:buClr>
+                <a:srgbClr val="C00000"/>
+              </a:buClr>
+              <a:buFont typeface="Wingdings" panose="05000000000000000000" pitchFamily="2" charset="2"/>
+              <a:buChar char="v"/>
+            </a:pPr>
+            <a:r>
+              <a:rPr lang="en-US" sz="2800" dirty="0"/>
+              <a:t>j is the </a:t>
+            </a:r>
+            <a:r>
+              <a:rPr lang="en-US" sz="2800" dirty="0" smtClean="0"/>
+              <a:t>job </a:t>
+            </a:r>
+            <a:r>
+              <a:rPr lang="en-US" sz="2800" dirty="0"/>
+              <a:t>description </a:t>
+            </a:r>
+            <a:r>
+              <a:rPr lang="en-US" sz="2800" dirty="0" smtClean="0"/>
+              <a:t>model</a:t>
+            </a:r>
+          </a:p>
+          <a:p>
+            <a:pPr marL="457200" indent="-457200">
+              <a:buClr>
+                <a:srgbClr val="C00000"/>
+              </a:buClr>
+              <a:buFont typeface="Wingdings" panose="05000000000000000000" pitchFamily="2" charset="2"/>
+              <a:buChar char="v"/>
+            </a:pPr>
+            <a:r>
+              <a:rPr lang="en-US" sz="2800" dirty="0" err="1" smtClean="0"/>
+              <a:t>j</a:t>
+            </a:r>
+            <a:r>
+              <a:rPr lang="en-US" sz="2800" baseline="-25000" dirty="0" err="1" smtClean="0"/>
+              <a:t>i</a:t>
+            </a:r>
+            <a:r>
+              <a:rPr lang="en-US" sz="2800" baseline="-25000" dirty="0" smtClean="0"/>
+              <a:t>  </a:t>
+            </a:r>
+            <a:r>
+              <a:rPr lang="en-US" sz="2800" dirty="0"/>
+              <a:t>is </a:t>
+            </a:r>
+            <a:r>
+              <a:rPr lang="en-US" sz="2800" dirty="0" smtClean="0"/>
+              <a:t>the </a:t>
+            </a:r>
+            <a:r>
+              <a:rPr lang="en-US" sz="2800" dirty="0" err="1" smtClean="0"/>
+              <a:t>ith</a:t>
+            </a:r>
+            <a:r>
+              <a:rPr lang="en-US" sz="2800" dirty="0" smtClean="0"/>
+              <a:t> </a:t>
+            </a:r>
+            <a:r>
+              <a:rPr lang="en-US" sz="2800" dirty="0"/>
+              <a:t>feature of </a:t>
+            </a:r>
+            <a:r>
+              <a:rPr lang="en-US" sz="2800" dirty="0" smtClean="0"/>
+              <a:t>job j</a:t>
+            </a:r>
+          </a:p>
+          <a:p>
+            <a:pPr marL="457200" indent="-457200">
+              <a:buClr>
+                <a:srgbClr val="C00000"/>
+              </a:buClr>
+              <a:buFont typeface="Wingdings" panose="05000000000000000000" pitchFamily="2" charset="2"/>
+              <a:buChar char="v"/>
+            </a:pPr>
+            <a:r>
+              <a:rPr lang="en-US" sz="2800" dirty="0" smtClean="0"/>
+              <a:t>Similarity value is the summation of weighted similarity values of each field in the models  </a:t>
+            </a:r>
+            <a:endParaRPr lang="en-US" sz="2800" dirty="0"/>
+          </a:p>
+          <a:p>
+            <a:endParaRPr lang="en-US" sz="2800" dirty="0"/>
           </a:p>
           <a:p>
             <a:r>
@@ -9864,7 +9976,7 @@
         </p:nvSpPr>
         <p:spPr>
           <a:xfrm>
-            <a:off x="511455" y="533400"/>
+            <a:off x="470615" y="533400"/>
             <a:ext cx="7343775" cy="994172"/>
           </a:xfrm>
         </p:spPr>
@@ -9873,17 +9985,41 @@
           <a:lstStyle/>
           <a:p>
             <a:r>
-              <a:rPr lang="en-US" altLang="zh-CN" dirty="0" smtClean="0"/>
-              <a:t>Challenges </a:t>
+              <a:rPr lang="en-US" dirty="0" smtClean="0"/>
+              <a:t>Model Similarity</a:t>
             </a:r>
             <a:endParaRPr lang="en-US" dirty="0"/>
           </a:p>
         </p:txBody>
       </p:sp>
+      <p:pic>
+        <p:nvPicPr>
+          <p:cNvPr id="5" name="Picture 4"/>
+          <p:cNvPicPr>
+            <a:picLocks noChangeAspect="1"/>
+          </p:cNvPicPr>
+          <p:nvPr/>
+        </p:nvPicPr>
+        <p:blipFill>
+          <a:blip r:embed="rId2"/>
+          <a:stretch>
+            <a:fillRect/>
+          </a:stretch>
+        </p:blipFill>
+        <p:spPr>
+          <a:xfrm>
+            <a:off x="1458179" y="4961899"/>
+            <a:ext cx="5493544" cy="1107281"/>
+          </a:xfrm>
+          <a:prstGeom prst="rect">
+            <a:avLst/>
+          </a:prstGeom>
+        </p:spPr>
+      </p:pic>
     </p:spTree>
     <p:extLst>
       <p:ext uri="{BB962C8B-B14F-4D97-AF65-F5344CB8AC3E}">
-        <p14:creationId xmlns:p14="http://schemas.microsoft.com/office/powerpoint/2010/main" val="3480136275"/>
+        <p14:creationId xmlns:p14="http://schemas.microsoft.com/office/powerpoint/2010/main" val="1996116478"/>
       </p:ext>
     </p:extLst>
   </p:cSld>
@@ -9937,7 +10073,7 @@
         </p:nvSpPr>
         <p:spPr>
           <a:xfrm>
-            <a:off x="489353" y="1900144"/>
+            <a:off x="511455" y="2133600"/>
             <a:ext cx="8228013" cy="4114799"/>
           </a:xfrm>
         </p:spPr>
@@ -9954,15 +10090,15 @@
             </a:pPr>
             <a:r>
               <a:rPr lang="en-US" sz="2800" dirty="0" smtClean="0"/>
-              <a:t>r </a:t>
+              <a:t>How to extract models </a:t>
             </a:r>
             <a:r>
               <a:rPr lang="en-US" sz="2800" dirty="0"/>
-              <a:t>is the user‘s résumé </a:t>
+              <a:t>from </a:t>
             </a:r>
             <a:r>
               <a:rPr lang="en-US" sz="2800" dirty="0" smtClean="0"/>
-              <a:t>model </a:t>
+              <a:t>unstructured data sources.</a:t>
             </a:r>
           </a:p>
           <a:p>
@@ -9974,129 +10110,17 @@
               <a:buChar char="v"/>
             </a:pPr>
             <a:r>
-              <a:rPr lang="en-US" sz="2800" dirty="0" err="1" smtClean="0"/>
-              <a:t>r</a:t>
-            </a:r>
-            <a:r>
-              <a:rPr lang="en-US" sz="2800" baseline="-25000" dirty="0" err="1" smtClean="0"/>
-              <a:t>i</a:t>
-            </a:r>
-            <a:r>
-              <a:rPr lang="en-US" sz="2800" baseline="-25000" dirty="0" smtClean="0"/>
-              <a:t>  </a:t>
+              <a:rPr lang="en-US" sz="2800" dirty="0" smtClean="0"/>
+              <a:t>How to compute the similarity </a:t>
             </a:r>
             <a:r>
               <a:rPr lang="en-US" sz="2800" dirty="0"/>
-              <a:t>is </a:t>
+              <a:t>between </a:t>
             </a:r>
             <a:r>
               <a:rPr lang="en-US" sz="2800" dirty="0" smtClean="0"/>
-              <a:t>the </a:t>
-            </a:r>
-            <a:r>
-              <a:rPr lang="en-US" sz="2800" dirty="0" err="1" smtClean="0"/>
-              <a:t>ith</a:t>
-            </a:r>
-            <a:r>
-              <a:rPr lang="en-US" sz="2800" dirty="0" smtClean="0"/>
-              <a:t> </a:t>
-            </a:r>
-            <a:r>
-              <a:rPr lang="en-US" sz="2800" dirty="0"/>
-              <a:t>feature of résumé </a:t>
-            </a:r>
-            <a:r>
-              <a:rPr lang="en-US" sz="2800" dirty="0" smtClean="0"/>
-              <a:t> r </a:t>
-            </a:r>
-            <a:endParaRPr lang="en-US" sz="2800" dirty="0"/>
-          </a:p>
-          <a:p>
-            <a:pPr marL="457200" indent="-457200">
-              <a:buClr>
-                <a:srgbClr val="C00000"/>
-              </a:buClr>
-              <a:buFont typeface="Wingdings" panose="05000000000000000000" pitchFamily="2" charset="2"/>
-              <a:buChar char="v"/>
-            </a:pPr>
-            <a:r>
-              <a:rPr lang="en-US" sz="2800" dirty="0"/>
-              <a:t>j is the </a:t>
-            </a:r>
-            <a:r>
-              <a:rPr lang="en-US" sz="2800" dirty="0" smtClean="0"/>
-              <a:t>job </a:t>
-            </a:r>
-            <a:r>
-              <a:rPr lang="en-US" sz="2800" dirty="0"/>
-              <a:t>description </a:t>
-            </a:r>
-            <a:r>
-              <a:rPr lang="en-US" sz="2800" dirty="0" smtClean="0"/>
-              <a:t>model</a:t>
-            </a:r>
-          </a:p>
-          <a:p>
-            <a:pPr marL="457200" indent="-457200">
-              <a:buClr>
-                <a:srgbClr val="C00000"/>
-              </a:buClr>
-              <a:buFont typeface="Wingdings" panose="05000000000000000000" pitchFamily="2" charset="2"/>
-              <a:buChar char="v"/>
-            </a:pPr>
-            <a:r>
-              <a:rPr lang="en-US" sz="2800" dirty="0" err="1" smtClean="0"/>
-              <a:t>j</a:t>
-            </a:r>
-            <a:r>
-              <a:rPr lang="en-US" sz="2800" baseline="-25000" dirty="0" err="1" smtClean="0"/>
-              <a:t>i</a:t>
-            </a:r>
-            <a:r>
-              <a:rPr lang="en-US" sz="2800" baseline="-25000" dirty="0" smtClean="0"/>
-              <a:t>  </a:t>
-            </a:r>
-            <a:r>
-              <a:rPr lang="en-US" sz="2800" dirty="0"/>
-              <a:t>is </a:t>
-            </a:r>
-            <a:r>
-              <a:rPr lang="en-US" sz="2800" dirty="0" smtClean="0"/>
-              <a:t>the </a:t>
-            </a:r>
-            <a:r>
-              <a:rPr lang="en-US" sz="2800" dirty="0" err="1" smtClean="0"/>
-              <a:t>ith</a:t>
-            </a:r>
-            <a:r>
-              <a:rPr lang="en-US" sz="2800" dirty="0" smtClean="0"/>
-              <a:t> </a:t>
-            </a:r>
-            <a:r>
-              <a:rPr lang="en-US" sz="2800" dirty="0"/>
-              <a:t>feature of </a:t>
-            </a:r>
-            <a:r>
-              <a:rPr lang="en-US" sz="2800" dirty="0" smtClean="0"/>
-              <a:t>job j</a:t>
-            </a:r>
-          </a:p>
-          <a:p>
-            <a:pPr marL="457200" indent="-457200">
-              <a:buClr>
-                <a:srgbClr val="C00000"/>
-              </a:buClr>
-              <a:buFont typeface="Wingdings" panose="05000000000000000000" pitchFamily="2" charset="2"/>
-              <a:buChar char="v"/>
-            </a:pPr>
-            <a:r>
-              <a:rPr lang="en-US" sz="2800" dirty="0" smtClean="0"/>
-              <a:t>Similarity value is the summation of weighted similarity values of each field in the models  </a:t>
-            </a:r>
-            <a:endParaRPr lang="en-US" sz="2800" dirty="0"/>
-          </a:p>
-          <a:p>
-            <a:endParaRPr lang="en-US" sz="2800" dirty="0"/>
+              <a:t>résumé and job models.</a:t>
+            </a:r>
           </a:p>
           <a:p>
             <a:r>
@@ -10128,7 +10152,7 @@
         </p:nvSpPr>
         <p:spPr>
           <a:xfrm>
-            <a:off x="470615" y="533400"/>
+            <a:off x="511455" y="533400"/>
             <a:ext cx="7343775" cy="994172"/>
           </a:xfrm>
         </p:spPr>
@@ -10137,41 +10161,17 @@
           <a:lstStyle/>
           <a:p>
             <a:r>
-              <a:rPr lang="en-US" dirty="0" smtClean="0"/>
-              <a:t>Model Similarity</a:t>
+              <a:rPr lang="en-US" altLang="zh-CN" dirty="0" smtClean="0"/>
+              <a:t>Challenges </a:t>
             </a:r>
             <a:endParaRPr lang="en-US" dirty="0"/>
           </a:p>
         </p:txBody>
       </p:sp>
-      <p:pic>
-        <p:nvPicPr>
-          <p:cNvPr id="5" name="Picture 4"/>
-          <p:cNvPicPr>
-            <a:picLocks noChangeAspect="1"/>
-          </p:cNvPicPr>
-          <p:nvPr/>
-        </p:nvPicPr>
-        <p:blipFill>
-          <a:blip r:embed="rId2"/>
-          <a:stretch>
-            <a:fillRect/>
-          </a:stretch>
-        </p:blipFill>
-        <p:spPr>
-          <a:xfrm>
-            <a:off x="1458179" y="4961899"/>
-            <a:ext cx="5493544" cy="1107281"/>
-          </a:xfrm>
-          <a:prstGeom prst="rect">
-            <a:avLst/>
-          </a:prstGeom>
-        </p:spPr>
-      </p:pic>
     </p:spTree>
     <p:extLst>
       <p:ext uri="{BB962C8B-B14F-4D97-AF65-F5344CB8AC3E}">
-        <p14:creationId xmlns:p14="http://schemas.microsoft.com/office/powerpoint/2010/main" val="1996116478"/>
+        <p14:creationId xmlns:p14="http://schemas.microsoft.com/office/powerpoint/2010/main" val="3480136275"/>
       </p:ext>
     </p:extLst>
   </p:cSld>
@@ -11174,7 +11174,7 @@
           <a:effectLst/>
           <a:extLst>
             <a:ext uri="{AF507438-7753-43e0-B8FC-AC1667EBCBE1}">
-              <a14:hiddenEffects xmlns:a14="http://schemas.microsoft.com/office/drawing/2010/main" xmlns="">
+              <a14:hiddenEffects xmlns="" xmlns:a14="http://schemas.microsoft.com/office/drawing/2010/main">
                 <a:effectLst>
                   <a:outerShdw blurRad="63500" dist="38099" dir="2700000" algn="ctr" rotWithShape="0">
                     <a:schemeClr val="bg2">
@@ -11713,7 +11713,7 @@
           <a:effectLst/>
           <a:extLst>
             <a:ext uri="{AF507438-7753-43e0-B8FC-AC1667EBCBE1}">
-              <a14:hiddenEffects xmlns:a14="http://schemas.microsoft.com/office/drawing/2010/main" xmlns="">
+              <a14:hiddenEffects xmlns="" xmlns:a14="http://schemas.microsoft.com/office/drawing/2010/main">
                 <a:effectLst>
                   <a:outerShdw blurRad="63500" dist="38099" dir="2700000" algn="ctr" rotWithShape="0">
                     <a:schemeClr val="bg2">
@@ -11996,14 +11996,14 @@
           <a:effectLst/>
           <a:extLst>
             <a:ext uri="{909E8E84-426E-40dd-AFC4-6F175D3DCCD1}">
-              <a14:hiddenFill xmlns:a14="http://schemas.microsoft.com/office/drawing/2010/main" xmlns="">
+              <a14:hiddenFill xmlns="" xmlns:a14="http://schemas.microsoft.com/office/drawing/2010/main">
                 <a:solidFill>
                   <a:srgbClr val="FFFFFF"/>
                 </a:solidFill>
               </a14:hiddenFill>
             </a:ext>
             <a:ext uri="{91240B29-F687-4f45-9708-019B960494DF}">
-              <a14:hiddenLine xmlns:a14="http://schemas.microsoft.com/office/drawing/2010/main" xmlns="" w="9525">
+              <a14:hiddenLine xmlns="" xmlns:a14="http://schemas.microsoft.com/office/drawing/2010/main" w="9525">
                 <a:solidFill>
                   <a:srgbClr val="000000"/>
                 </a:solidFill>
@@ -12013,7 +12013,7 @@
               </a14:hiddenLine>
             </a:ext>
             <a:ext uri="{AF507438-7753-43e0-B8FC-AC1667EBCBE1}">
-              <a14:hiddenEffects xmlns:a14="http://schemas.microsoft.com/office/drawing/2010/main" xmlns="">
+              <a14:hiddenEffects xmlns="" xmlns:a14="http://schemas.microsoft.com/office/drawing/2010/main">
                 <a:effectLst>
                   <a:outerShdw blurRad="63500" dist="38099" dir="2700000" algn="ctr" rotWithShape="0">
                     <a:schemeClr val="bg2">
@@ -12024,7 +12024,7 @@
               </a14:hiddenEffects>
             </a:ext>
             <a:ext uri="{FAA26D3D-D897-4be2-8F04-BA451C77F1D7}">
-              <ma14:placeholderFlag xmlns:ma14="http://schemas.microsoft.com/office/mac/drawingml/2011/main" xmlns="" val="1"/>
+              <ma14:placeholderFlag xmlns="" xmlns:ma14="http://schemas.microsoft.com/office/mac/drawingml/2011/main" val="1"/>
             </a:ext>
           </a:extLst>
         </p:spPr>
@@ -14981,14 +14981,14 @@
           <a:effectLst/>
           <a:extLst>
             <a:ext uri="{909E8E84-426E-40dd-AFC4-6F175D3DCCD1}">
-              <a14:hiddenFill xmlns:a14="http://schemas.microsoft.com/office/drawing/2010/main" xmlns="">
+              <a14:hiddenFill xmlns="" xmlns:a14="http://schemas.microsoft.com/office/drawing/2010/main">
                 <a:solidFill>
                   <a:srgbClr val="FFFFFF"/>
                 </a:solidFill>
               </a14:hiddenFill>
             </a:ext>
             <a:ext uri="{91240B29-F687-4f45-9708-019B960494DF}">
-              <a14:hiddenLine xmlns:a14="http://schemas.microsoft.com/office/drawing/2010/main" xmlns="" w="9525">
+              <a14:hiddenLine xmlns="" xmlns:a14="http://schemas.microsoft.com/office/drawing/2010/main" w="9525">
                 <a:solidFill>
                   <a:srgbClr val="000000"/>
                 </a:solidFill>
@@ -14998,7 +14998,7 @@
               </a14:hiddenLine>
             </a:ext>
             <a:ext uri="{AF507438-7753-43e0-B8FC-AC1667EBCBE1}">
-              <a14:hiddenEffects xmlns:a14="http://schemas.microsoft.com/office/drawing/2010/main" xmlns="">
+              <a14:hiddenEffects xmlns="" xmlns:a14="http://schemas.microsoft.com/office/drawing/2010/main">
                 <a:effectLst>
                   <a:outerShdw blurRad="63500" dist="38099" dir="2700000" algn="ctr" rotWithShape="0">
                     <a:schemeClr val="bg2">
@@ -15009,7 +15009,7 @@
               </a14:hiddenEffects>
             </a:ext>
             <a:ext uri="{FAA26D3D-D897-4be2-8F04-BA451C77F1D7}">
-              <ma14:placeholderFlag xmlns:ma14="http://schemas.microsoft.com/office/mac/drawingml/2011/main" xmlns="" val="1"/>
+              <ma14:placeholderFlag xmlns="" xmlns:ma14="http://schemas.microsoft.com/office/mac/drawingml/2011/main" val="1"/>
             </a:ext>
           </a:extLst>
         </p:spPr>
@@ -15165,7 +15165,7 @@
           <a:effectLst/>
           <a:extLst>
             <a:ext uri="{AF507438-7753-43e0-B8FC-AC1667EBCBE1}">
-              <a14:hiddenEffects xmlns:a14="http://schemas.microsoft.com/office/drawing/2010/main" xmlns="">
+              <a14:hiddenEffects xmlns="" xmlns:a14="http://schemas.microsoft.com/office/drawing/2010/main">
                 <a:effectLst>
                   <a:outerShdw blurRad="63500" dist="38099" dir="2700000" algn="ctr" rotWithShape="0">
                     <a:schemeClr val="bg2">
@@ -15296,7 +15296,7 @@
           <a:effectLst/>
           <a:extLst>
             <a:ext uri="{AF507438-7753-43e0-B8FC-AC1667EBCBE1}">
-              <a14:hiddenEffects xmlns:a14="http://schemas.microsoft.com/office/drawing/2010/main" xmlns="">
+              <a14:hiddenEffects xmlns="" xmlns:a14="http://schemas.microsoft.com/office/drawing/2010/main">
                 <a:effectLst>
                   <a:outerShdw blurRad="63500" dist="38099" dir="2700000" algn="ctr" rotWithShape="0">
                     <a:schemeClr val="bg2">
@@ -15977,7 +15977,7 @@
           <a:effectLst/>
           <a:extLst>
             <a:ext uri="{AF507438-7753-43e0-B8FC-AC1667EBCBE1}">
-              <a14:hiddenEffects xmlns:a14="http://schemas.microsoft.com/office/drawing/2010/main" xmlns="">
+              <a14:hiddenEffects xmlns="" xmlns:a14="http://schemas.microsoft.com/office/drawing/2010/main">
                 <a:effectLst>
                   <a:outerShdw blurRad="63500" dist="38099" dir="2700000" algn="ctr" rotWithShape="0">
                     <a:schemeClr val="bg2">
@@ -16704,7 +16704,23 @@
                   <a:schemeClr val="tx1"/>
                 </a:solidFill>
               </a:rPr>
-              <a:t>”DE-LEVEL DEGREE (IN | OF) MAJOR”</a:t>
+              <a:t>”</a:t>
+            </a:r>
+            <a:r>
+              <a:rPr lang="en-US" sz="2400" dirty="0">
+                <a:solidFill>
+                  <a:srgbClr val="0066FF"/>
+                </a:solidFill>
+              </a:rPr>
+              <a:t>DE-LEVEL DEGREE (IN | OF) MAJOR</a:t>
+            </a:r>
+            <a:r>
+              <a:rPr lang="en-US" sz="2400" dirty="0">
+                <a:solidFill>
+                  <a:schemeClr val="tx1"/>
+                </a:solidFill>
+              </a:rPr>
+              <a:t>”</a:t>
             </a:r>
           </a:p>
           <a:p>
@@ -16724,7 +16740,7 @@
           </a:p>
           <a:p>
             <a:r>
-              <a:rPr lang="en-US" sz="2400" dirty="0">
+              <a:rPr lang="en-US" sz="2400" b="1" dirty="0">
                 <a:solidFill>
                   <a:srgbClr val="0066FF"/>
                 </a:solidFill>
@@ -16734,7 +16750,7 @@
               <a:t>matcher1 = </a:t>
             </a:r>
             <a:r>
-              <a:rPr lang="en-US" sz="2400" dirty="0" err="1">
+              <a:rPr lang="en-US" sz="2400" b="1" dirty="0" err="1">
                 <a:solidFill>
                   <a:srgbClr val="0066FF"/>
                 </a:solidFill>
@@ -16744,7 +16760,7 @@
               <a:t>UnitMatcher</a:t>
             </a:r>
             <a:r>
-              <a:rPr lang="en-US" sz="2400" dirty="0">
+              <a:rPr lang="en-US" sz="2400" b="1" dirty="0">
                 <a:solidFill>
                   <a:srgbClr val="0066FF"/>
                 </a:solidFill>
@@ -16756,7 +16772,7 @@
           </a:p>
           <a:p>
             <a:r>
-              <a:rPr lang="en-US" sz="2400" dirty="0">
+              <a:rPr lang="en-US" sz="2400" b="1" dirty="0">
                 <a:solidFill>
                   <a:srgbClr val="0066FF"/>
                 </a:solidFill>
@@ -16766,7 +16782,7 @@
               <a:t>matcher2 = </a:t>
             </a:r>
             <a:r>
-              <a:rPr lang="en-US" sz="2400" dirty="0" err="1">
+              <a:rPr lang="en-US" sz="2400" b="1" dirty="0" err="1">
                 <a:solidFill>
                   <a:srgbClr val="0066FF"/>
                 </a:solidFill>
@@ -16776,7 +16792,7 @@
               <a:t>UnitMatcher</a:t>
             </a:r>
             <a:r>
-              <a:rPr lang="en-US" sz="2400" dirty="0">
+              <a:rPr lang="en-US" sz="2400" b="1" dirty="0">
                 <a:solidFill>
                   <a:srgbClr val="0066FF"/>
                 </a:solidFill>
@@ -16788,7 +16804,7 @@
           </a:p>
           <a:p>
             <a:r>
-              <a:rPr lang="en-US" sz="2400" dirty="0">
+              <a:rPr lang="en-US" sz="2400" b="1" dirty="0">
                 <a:solidFill>
                   <a:srgbClr val="0066FF"/>
                 </a:solidFill>
@@ -16798,7 +16814,7 @@
               <a:t>matcher3 = </a:t>
             </a:r>
             <a:r>
-              <a:rPr lang="en-US" sz="2400" dirty="0" err="1">
+              <a:rPr lang="en-US" sz="2400" b="1" dirty="0" err="1">
                 <a:solidFill>
                   <a:srgbClr val="0066FF"/>
                 </a:solidFill>
@@ -16808,7 +16824,7 @@
               <a:t>UnitMatcher</a:t>
             </a:r>
             <a:r>
-              <a:rPr lang="en-US" sz="2400" dirty="0">
+              <a:rPr lang="en-US" sz="2400" b="1" dirty="0">
                 <a:solidFill>
                   <a:srgbClr val="0066FF"/>
                 </a:solidFill>
@@ -16820,7 +16836,7 @@
           </a:p>
           <a:p>
             <a:r>
-              <a:rPr lang="en-US" sz="2400" dirty="0">
+              <a:rPr lang="en-US" sz="2400" b="1" dirty="0">
                 <a:solidFill>
                   <a:srgbClr val="0066FF"/>
                 </a:solidFill>
@@ -16830,7 +16846,7 @@
               <a:t>matcher4 = </a:t>
             </a:r>
             <a:r>
-              <a:rPr lang="en-US" sz="2400" dirty="0" err="1">
+              <a:rPr lang="en-US" sz="2400" b="1" dirty="0" err="1">
                 <a:solidFill>
                   <a:srgbClr val="0066FF"/>
                 </a:solidFill>
@@ -16840,7 +16856,7 @@
               <a:t>UnitMatcher</a:t>
             </a:r>
             <a:r>
-              <a:rPr lang="en-US" sz="2400" dirty="0">
+              <a:rPr lang="en-US" sz="2400" b="1" dirty="0">
                 <a:solidFill>
                   <a:srgbClr val="0066FF"/>
                 </a:solidFill>
@@ -16852,7 +16868,7 @@
           </a:p>
           <a:p>
             <a:r>
-              <a:rPr lang="en-US" sz="2400" dirty="0">
+              <a:rPr lang="en-US" sz="2400" b="1" dirty="0">
                 <a:solidFill>
                   <a:srgbClr val="0066FF"/>
                 </a:solidFill>
@@ -16862,7 +16878,7 @@
               <a:t>matcher5 = </a:t>
             </a:r>
             <a:r>
-              <a:rPr lang="en-US" sz="2400" dirty="0" err="1">
+              <a:rPr lang="en-US" sz="2400" b="1" dirty="0" err="1">
                 <a:solidFill>
                   <a:srgbClr val="0066FF"/>
                 </a:solidFill>
@@ -16872,7 +16888,7 @@
               <a:t>UnitMatcher</a:t>
             </a:r>
             <a:r>
-              <a:rPr lang="en-US" sz="2400" dirty="0">
+              <a:rPr lang="en-US" sz="2400" b="1" dirty="0">
                 <a:solidFill>
                   <a:srgbClr val="0066FF"/>
                 </a:solidFill>
@@ -16884,7 +16900,7 @@
           </a:p>
           <a:p>
             <a:r>
-              <a:rPr lang="en-US" sz="2400" dirty="0">
+              <a:rPr lang="en-US" sz="2400" b="1" dirty="0">
                 <a:solidFill>
                   <a:srgbClr val="0066FF"/>
                 </a:solidFill>
@@ -16894,7 +16910,7 @@
               <a:t>matcher6 = </a:t>
             </a:r>
             <a:r>
-              <a:rPr lang="en-US" sz="2400" dirty="0" err="1">
+              <a:rPr lang="en-US" sz="2400" b="1" dirty="0" err="1">
                 <a:solidFill>
                   <a:srgbClr val="0066FF"/>
                 </a:solidFill>
@@ -16904,7 +16920,7 @@
               <a:t>AlternateMatcher</a:t>
             </a:r>
             <a:r>
-              <a:rPr lang="en-US" sz="2400" dirty="0">
+              <a:rPr lang="en-US" sz="2400" b="1" dirty="0">
                 <a:solidFill>
                   <a:srgbClr val="0066FF"/>
                 </a:solidFill>
@@ -16916,7 +16932,7 @@
           </a:p>
           <a:p>
             <a:r>
-              <a:rPr lang="en-US" sz="2400" dirty="0" err="1">
+              <a:rPr lang="en-US" sz="2400" b="1" dirty="0" err="1">
                 <a:solidFill>
                   <a:srgbClr val="0066FF"/>
                 </a:solidFill>
@@ -16926,7 +16942,7 @@
               <a:t>seqMatcher</a:t>
             </a:r>
             <a:r>
-              <a:rPr lang="en-US" sz="2400" dirty="0">
+              <a:rPr lang="en-US" sz="2400" b="1" dirty="0">
                 <a:solidFill>
                   <a:srgbClr val="0066FF"/>
                 </a:solidFill>
@@ -16936,7 +16952,7 @@
               <a:t> = </a:t>
             </a:r>
             <a:r>
-              <a:rPr lang="en-US" sz="2400" dirty="0" err="1">
+              <a:rPr lang="en-US" sz="2400" b="1" dirty="0" err="1">
                 <a:solidFill>
                   <a:srgbClr val="0066FF"/>
                 </a:solidFill>
@@ -16946,7 +16962,7 @@
               <a:t>SeqMatcher</a:t>
             </a:r>
             <a:r>
-              <a:rPr lang="en-US" sz="2400" dirty="0">
+              <a:rPr lang="en-US" sz="2400" b="1" dirty="0">
                 <a:solidFill>
                   <a:srgbClr val="0066FF"/>
                 </a:solidFill>
@@ -17173,7 +17189,23 @@
                   <a:schemeClr val="tx1"/>
                 </a:solidFill>
               </a:rPr>
-              <a:t>Time Complexity   O(n)  </a:t>
+              <a:t>Time </a:t>
+            </a:r>
+            <a:r>
+              <a:rPr lang="en-US" sz="2400" dirty="0" smtClean="0">
+                <a:solidFill>
+                  <a:schemeClr val="tx1"/>
+                </a:solidFill>
+              </a:rPr>
+              <a:t>Complexity </a:t>
+            </a:r>
+            <a:r>
+              <a:rPr lang="en-US" sz="2400" dirty="0" smtClean="0">
+                <a:solidFill>
+                  <a:schemeClr val="tx1"/>
+                </a:solidFill>
+              </a:rPr>
+              <a:t>O(n)  </a:t>
             </a:r>
           </a:p>
           <a:p>
@@ -17909,7 +17941,7 @@
           <a:effectLst/>
           <a:extLst>
             <a:ext uri="{AF507438-7753-43e0-B8FC-AC1667EBCBE1}">
-              <a14:hiddenEffects xmlns:a14="http://schemas.microsoft.com/office/drawing/2010/main" xmlns="">
+              <a14:hiddenEffects xmlns="" xmlns:a14="http://schemas.microsoft.com/office/drawing/2010/main">
                 <a:effectLst>
                   <a:outerShdw blurRad="63500" dist="38099" dir="2700000" algn="ctr" rotWithShape="0">
                     <a:schemeClr val="bg2">
@@ -19702,7 +19734,7 @@
           <a:effectLst/>
           <a:extLst>
             <a:ext uri="{AF507438-7753-43e0-B8FC-AC1667EBCBE1}">
-              <a14:hiddenEffects xmlns:a14="http://schemas.microsoft.com/office/drawing/2010/main" xmlns="">
+              <a14:hiddenEffects xmlns="" xmlns:a14="http://schemas.microsoft.com/office/drawing/2010/main">
                 <a:effectLst>
                   <a:outerShdw blurRad="63500" dist="38099" dir="2700000" algn="ctr" rotWithShape="0">
                     <a:schemeClr val="bg2">
@@ -19784,7 +19816,7 @@
           <a:effectLst/>
           <a:extLst>
             <a:ext uri="{AF507438-7753-43e0-B8FC-AC1667EBCBE1}">
-              <a14:hiddenEffects xmlns:a14="http://schemas.microsoft.com/office/drawing/2010/main" xmlns="">
+              <a14:hiddenEffects xmlns="" xmlns:a14="http://schemas.microsoft.com/office/drawing/2010/main">
                 <a:effectLst>
                   <a:outerShdw blurRad="63500" dist="38099" dir="2700000" algn="ctr" rotWithShape="0">
                     <a:schemeClr val="bg2">
@@ -20027,7 +20059,7 @@
         </p:nvSpPr>
         <p:spPr>
           <a:xfrm>
-            <a:off x="549994" y="2438400"/>
+            <a:off x="503595" y="1981200"/>
             <a:ext cx="8228013" cy="3024188"/>
           </a:xfrm>
         </p:spPr>
@@ -20102,7 +20134,7 @@
         </p:blipFill>
         <p:spPr>
           <a:xfrm>
-            <a:off x="381000" y="3810000"/>
+            <a:off x="340834" y="3657600"/>
             <a:ext cx="8553533" cy="2133600"/>
           </a:xfrm>
           <a:prstGeom prst="rect">
@@ -20118,7 +20150,7 @@
         </p:nvSpPr>
         <p:spPr bwMode="auto">
           <a:xfrm>
-            <a:off x="457199" y="3810000"/>
+            <a:off x="410801" y="3657600"/>
             <a:ext cx="8320807" cy="533400"/>
           </a:xfrm>
           <a:prstGeom prst="rect">
@@ -20139,7 +20171,7 @@
           <a:effectLst/>
           <a:extLst>
             <a:ext uri="{AF507438-7753-43e0-B8FC-AC1667EBCBE1}">
-              <a14:hiddenEffects xmlns:a14="http://schemas.microsoft.com/office/drawing/2010/main" xmlns="">
+              <a14:hiddenEffects xmlns="" xmlns:a14="http://schemas.microsoft.com/office/drawing/2010/main">
                 <a:effectLst>
                   <a:outerShdw blurRad="63500" dist="38099" dir="2700000" algn="ctr" rotWithShape="0">
                     <a:schemeClr val="bg2">
@@ -21064,7 +21096,7 @@
         </p:nvSpPr>
         <p:spPr bwMode="auto">
           <a:xfrm>
-            <a:off x="1524000" y="2514600"/>
+            <a:off x="1521502" y="2544580"/>
             <a:ext cx="5562600" cy="533400"/>
           </a:xfrm>
           <a:prstGeom prst="rect">
@@ -21085,7 +21117,7 @@
           <a:effectLst/>
           <a:extLst>
             <a:ext uri="{AF507438-7753-43e0-B8FC-AC1667EBCBE1}">
-              <a14:hiddenEffects xmlns:a14="http://schemas.microsoft.com/office/drawing/2010/main" xmlns="">
+              <a14:hiddenEffects xmlns="" xmlns:a14="http://schemas.microsoft.com/office/drawing/2010/main">
                 <a:effectLst>
                   <a:outerShdw blurRad="63500" dist="38099" dir="2700000" algn="ctr" rotWithShape="0">
                     <a:schemeClr val="bg2">
@@ -21311,7 +21343,7 @@
           <a:effectLst/>
           <a:extLst>
             <a:ext uri="{AF507438-7753-43e0-B8FC-AC1667EBCBE1}">
-              <a14:hiddenEffects xmlns:a14="http://schemas.microsoft.com/office/drawing/2010/main" xmlns="">
+              <a14:hiddenEffects xmlns="" xmlns:a14="http://schemas.microsoft.com/office/drawing/2010/main">
                 <a:effectLst>
                   <a:outerShdw blurRad="63500" dist="38099" dir="2700000" algn="ctr" rotWithShape="0">
                     <a:schemeClr val="bg2">
@@ -22385,7 +22417,7 @@
           <a:effectLst/>
           <a:extLst>
             <a:ext uri="{AF507438-7753-43e0-B8FC-AC1667EBCBE1}">
-              <a14:hiddenEffects xmlns:a14="http://schemas.microsoft.com/office/drawing/2010/main" xmlns="">
+              <a14:hiddenEffects xmlns="" xmlns:a14="http://schemas.microsoft.com/office/drawing/2010/main">
                 <a:effectLst>
                   <a:outerShdw blurRad="63500" dist="38099" dir="2700000" algn="ctr" rotWithShape="0">
                     <a:schemeClr val="bg2">
@@ -22795,7 +22827,7 @@
           <a:effectLst/>
           <a:extLst>
             <a:ext uri="{AF507438-7753-43e0-B8FC-AC1667EBCBE1}">
-              <a14:hiddenEffects xmlns:a14="http://schemas.microsoft.com/office/drawing/2010/main" xmlns="">
+              <a14:hiddenEffects xmlns="" xmlns:a14="http://schemas.microsoft.com/office/drawing/2010/main">
                 <a:effectLst>
                   <a:outerShdw blurRad="63500" dist="38099" dir="2700000" algn="ctr" rotWithShape="0">
                     <a:schemeClr val="bg2">
@@ -22905,8 +22937,8 @@
         </p:nvSpPr>
         <p:spPr>
           <a:xfrm>
-            <a:off x="457200" y="457200"/>
-            <a:ext cx="6093617" cy="994172"/>
+            <a:off x="685800" y="457200"/>
+            <a:ext cx="7239000" cy="994172"/>
           </a:xfrm>
         </p:spPr>
         <p:txBody>
@@ -22915,7 +22947,15 @@
           <a:p>
             <a:r>
               <a:rPr lang="en-US" dirty="0" smtClean="0"/>
-              <a:t>Comparing with Indeed</a:t>
+              <a:t>Comparing with </a:t>
+            </a:r>
+            <a:r>
+              <a:rPr lang="en-US" dirty="0" smtClean="0"/>
+              <a:t>Indeed.</a:t>
+            </a:r>
+            <a:r>
+              <a:rPr lang="en-US" altLang="zh-CN" dirty="0" smtClean="0"/>
+              <a:t>com</a:t>
             </a:r>
             <a:endParaRPr lang="en-US" dirty="0"/>
           </a:p>
@@ -22952,7 +22992,6 @@
               <a:rPr lang="en-US" dirty="0" smtClean="0"/>
               <a:t>Keyword search in Indeed</a:t>
             </a:r>
-            <a:endParaRPr lang="en-US" dirty="0" smtClean="0"/>
           </a:p>
           <a:p>
             <a:pPr marL="457200" indent="-457200">
@@ -22978,7 +23017,6 @@
               <a:rPr lang="en-US" dirty="0" smtClean="0"/>
               <a:t>results</a:t>
             </a:r>
-            <a:endParaRPr lang="en-US" dirty="0" smtClean="0"/>
           </a:p>
           <a:p>
             <a:pPr marL="457200" indent="-457200">
@@ -23020,11 +23058,11 @@
   <p:clrMapOvr>
     <a:masterClrMapping/>
   </p:clrMapOvr>
-  <mc:AlternateContent xmlns:mc="http://schemas.openxmlformats.org/markup-compatibility/2006">
-    <mc:Choice xmlns:p14="http://schemas.microsoft.com/office/powerpoint/2010/main" Requires="p14">
+  <mc:AlternateContent xmlns:mc="http://schemas.openxmlformats.org/markup-compatibility/2006" xmlns:p14="http://schemas.microsoft.com/office/powerpoint/2010/main">
+    <mc:Choice Requires="p14">
       <p:transition spd="slow" p14:dur="2000"/>
     </mc:Choice>
-    <mc:Fallback>
+    <mc:Fallback xmlns="">
       <p:transition spd="slow"/>
     </mc:Fallback>
   </mc:AlternateContent>
@@ -23068,7 +23106,7 @@
         <p:spPr>
           <a:xfrm>
             <a:off x="457200" y="457200"/>
-            <a:ext cx="6093617" cy="994172"/>
+            <a:ext cx="7239000" cy="994172"/>
           </a:xfrm>
         </p:spPr>
         <p:txBody>
@@ -23076,8 +23114,12 @@
           <a:lstStyle/>
           <a:p>
             <a:r>
-              <a:rPr lang="en-US" dirty="0" smtClean="0"/>
-              <a:t>Comparing with Indeed</a:t>
+              <a:rPr lang="en-US" dirty="0"/>
+              <a:t>Comparing with Indeed.</a:t>
+            </a:r>
+            <a:r>
+              <a:rPr lang="en-US" altLang="zh-CN" dirty="0"/>
+              <a:t>com</a:t>
             </a:r>
             <a:endParaRPr lang="en-US" dirty="0"/>
           </a:p>
@@ -23651,11 +23693,11 @@
   <p:clrMapOvr>
     <a:masterClrMapping/>
   </p:clrMapOvr>
-  <mc:AlternateContent xmlns:mc="http://schemas.openxmlformats.org/markup-compatibility/2006">
-    <mc:Choice xmlns:p14="http://schemas.microsoft.com/office/powerpoint/2010/main" Requires="p14">
+  <mc:AlternateContent xmlns:mc="http://schemas.openxmlformats.org/markup-compatibility/2006" xmlns:p14="http://schemas.microsoft.com/office/powerpoint/2010/main">
+    <mc:Choice Requires="p14">
       <p:transition spd="slow" p14:dur="2000"/>
     </mc:Choice>
-    <mc:Fallback>
+    <mc:Fallback xmlns="">
       <p:transition spd="slow"/>
     </mc:Fallback>
   </mc:AlternateContent>
@@ -23699,7 +23741,7 @@
         <p:spPr>
           <a:xfrm>
             <a:off x="457200" y="457200"/>
-            <a:ext cx="6093617" cy="994172"/>
+            <a:ext cx="7315200" cy="994172"/>
           </a:xfrm>
         </p:spPr>
         <p:txBody>
@@ -23707,8 +23749,12 @@
           <a:lstStyle/>
           <a:p>
             <a:r>
-              <a:rPr lang="en-US" dirty="0" smtClean="0"/>
-              <a:t>Comparing with Indeed</a:t>
+              <a:rPr lang="en-US" dirty="0"/>
+              <a:t>Comparing with Indeed.</a:t>
+            </a:r>
+            <a:r>
+              <a:rPr lang="en-US" altLang="zh-CN" dirty="0"/>
+              <a:t>com</a:t>
             </a:r>
             <a:endParaRPr lang="en-US" dirty="0"/>
           </a:p>
@@ -24467,11 +24513,11 @@
   <p:clrMapOvr>
     <a:masterClrMapping/>
   </p:clrMapOvr>
-  <mc:AlternateContent xmlns:mc="http://schemas.openxmlformats.org/markup-compatibility/2006">
-    <mc:Choice xmlns:p14="http://schemas.microsoft.com/office/powerpoint/2010/main" Requires="p14">
+  <mc:AlternateContent xmlns:mc="http://schemas.openxmlformats.org/markup-compatibility/2006" xmlns:p14="http://schemas.microsoft.com/office/powerpoint/2010/main">
+    <mc:Choice Requires="p14">
       <p:transition spd="slow" p14:dur="2000"/>
     </mc:Choice>
-    <mc:Fallback>
+    <mc:Fallback xmlns="">
       <p:transition spd="slow"/>
     </mc:Fallback>
   </mc:AlternateContent>
@@ -24515,7 +24561,7 @@
         <p:spPr>
           <a:xfrm>
             <a:off x="457200" y="457200"/>
-            <a:ext cx="6093617" cy="994172"/>
+            <a:ext cx="7239000" cy="994172"/>
           </a:xfrm>
         </p:spPr>
         <p:txBody>
@@ -24523,8 +24569,12 @@
           <a:lstStyle/>
           <a:p>
             <a:r>
-              <a:rPr lang="en-US" dirty="0" smtClean="0"/>
-              <a:t>Comparing with Indeed</a:t>
+              <a:rPr lang="en-US" dirty="0"/>
+              <a:t>Comparing with Indeed.</a:t>
+            </a:r>
+            <a:r>
+              <a:rPr lang="en-US" altLang="zh-CN" dirty="0"/>
+              <a:t>com</a:t>
             </a:r>
             <a:endParaRPr lang="en-US" dirty="0"/>
           </a:p>
@@ -25285,11 +25335,11 @@
   <p:clrMapOvr>
     <a:masterClrMapping/>
   </p:clrMapOvr>
-  <mc:AlternateContent xmlns:mc="http://schemas.openxmlformats.org/markup-compatibility/2006">
-    <mc:Choice xmlns:p14="http://schemas.microsoft.com/office/powerpoint/2010/main" Requires="p14">
+  <mc:AlternateContent xmlns:mc="http://schemas.openxmlformats.org/markup-compatibility/2006" xmlns:p14="http://schemas.microsoft.com/office/powerpoint/2010/main">
+    <mc:Choice Requires="p14">
       <p:transition spd="slow" p14:dur="2000"/>
     </mc:Choice>
-    <mc:Fallback>
+    <mc:Fallback xmlns="">
       <p:transition spd="slow"/>
     </mc:Fallback>
   </mc:AlternateContent>
@@ -25531,7 +25581,19 @@
             </a:pPr>
             <a:r>
               <a:rPr lang="en-US" sz="2800" dirty="0" smtClean="0"/>
-              <a:t>Building more complex job and </a:t>
+              <a:t>Building more complex job </a:t>
+            </a:r>
+            <a:r>
+              <a:rPr lang="en-US" sz="2800" smtClean="0"/>
+              <a:t>and </a:t>
+            </a:r>
+            <a:r>
+              <a:rPr lang="en-US" sz="2800" smtClean="0">
+                <a:solidFill>
+                  <a:schemeClr val="tx1"/>
+                </a:solidFill>
+              </a:rPr>
+              <a:t>résumé </a:t>
             </a:r>
             <a:r>
               <a:rPr lang="en-US" sz="2800" dirty="0" smtClean="0">
@@ -25539,7 +25601,7 @@
                   <a:schemeClr val="tx1"/>
                 </a:solidFill>
               </a:rPr>
-              <a:t>Résumé model</a:t>
+              <a:t>model</a:t>
             </a:r>
           </a:p>
           <a:p>
@@ -25658,14 +25720,14 @@
           <a:effectLst/>
           <a:extLst>
             <a:ext uri="{909E8E84-426E-40dd-AFC4-6F175D3DCCD1}">
-              <a14:hiddenFill xmlns:a14="http://schemas.microsoft.com/office/drawing/2010/main" xmlns="">
+              <a14:hiddenFill xmlns="" xmlns:a14="http://schemas.microsoft.com/office/drawing/2010/main">
                 <a:solidFill>
                   <a:srgbClr val="FFFFFF"/>
                 </a:solidFill>
               </a14:hiddenFill>
             </a:ext>
             <a:ext uri="{91240B29-F687-4f45-9708-019B960494DF}">
-              <a14:hiddenLine xmlns:a14="http://schemas.microsoft.com/office/drawing/2010/main" xmlns="" w="9525">
+              <a14:hiddenLine xmlns="" xmlns:a14="http://schemas.microsoft.com/office/drawing/2010/main" w="9525">
                 <a:solidFill>
                   <a:srgbClr val="000000"/>
                 </a:solidFill>
@@ -25675,7 +25737,7 @@
               </a14:hiddenLine>
             </a:ext>
             <a:ext uri="{AF507438-7753-43e0-B8FC-AC1667EBCBE1}">
-              <a14:hiddenEffects xmlns:a14="http://schemas.microsoft.com/office/drawing/2010/main" xmlns="">
+              <a14:hiddenEffects xmlns="" xmlns:a14="http://schemas.microsoft.com/office/drawing/2010/main">
                 <a:effectLst>
                   <a:outerShdw blurRad="63500" dist="38099" dir="2700000" algn="ctr" rotWithShape="0">
                     <a:srgbClr val="000000">
@@ -26389,14 +26451,14 @@
           <a:effectLst/>
           <a:extLst>
             <a:ext uri="{909E8E84-426E-40dd-AFC4-6F175D3DCCD1}">
-              <a14:hiddenFill xmlns:a14="http://schemas.microsoft.com/office/drawing/2010/main" xmlns="">
+              <a14:hiddenFill xmlns="" xmlns:a14="http://schemas.microsoft.com/office/drawing/2010/main">
                 <a:solidFill>
                   <a:srgbClr val="FFFFFF"/>
                 </a:solidFill>
               </a14:hiddenFill>
             </a:ext>
             <a:ext uri="{91240B29-F687-4f45-9708-019B960494DF}">
-              <a14:hiddenLine xmlns:a14="http://schemas.microsoft.com/office/drawing/2010/main" xmlns="" w="9525">
+              <a14:hiddenLine xmlns="" xmlns:a14="http://schemas.microsoft.com/office/drawing/2010/main" w="9525">
                 <a:solidFill>
                   <a:srgbClr val="000000"/>
                 </a:solidFill>
@@ -26406,7 +26468,7 @@
               </a14:hiddenLine>
             </a:ext>
             <a:ext uri="{AF507438-7753-43e0-B8FC-AC1667EBCBE1}">
-              <a14:hiddenEffects xmlns:a14="http://schemas.microsoft.com/office/drawing/2010/main" xmlns="">
+              <a14:hiddenEffects xmlns="" xmlns:a14="http://schemas.microsoft.com/office/drawing/2010/main">
                 <a:effectLst>
                   <a:outerShdw blurRad="63500" dist="38099" dir="2700000" algn="ctr" rotWithShape="0">
                     <a:srgbClr val="000000">
@@ -27291,14 +27353,14 @@
           <a:effectLst/>
           <a:extLst>
             <a:ext uri="{909E8E84-426E-40dd-AFC4-6F175D3DCCD1}">
-              <a14:hiddenFill xmlns:a14="http://schemas.microsoft.com/office/drawing/2010/main" xmlns="">
+              <a14:hiddenFill xmlns="" xmlns:a14="http://schemas.microsoft.com/office/drawing/2010/main">
                 <a:solidFill>
                   <a:srgbClr val="FFFFFF"/>
                 </a:solidFill>
               </a14:hiddenFill>
             </a:ext>
             <a:ext uri="{91240B29-F687-4f45-9708-019B960494DF}">
-              <a14:hiddenLine xmlns:a14="http://schemas.microsoft.com/office/drawing/2010/main" xmlns="" w="9525">
+              <a14:hiddenLine xmlns="" xmlns:a14="http://schemas.microsoft.com/office/drawing/2010/main" w="9525">
                 <a:solidFill>
                   <a:srgbClr val="000000"/>
                 </a:solidFill>
@@ -27308,7 +27370,7 @@
               </a14:hiddenLine>
             </a:ext>
             <a:ext uri="{AF507438-7753-43e0-B8FC-AC1667EBCBE1}">
-              <a14:hiddenEffects xmlns:a14="http://schemas.microsoft.com/office/drawing/2010/main" xmlns="">
+              <a14:hiddenEffects xmlns="" xmlns:a14="http://schemas.microsoft.com/office/drawing/2010/main">
                 <a:effectLst>
                   <a:outerShdw blurRad="63500" dist="38099" dir="2700000" algn="ctr" rotWithShape="0">
                     <a:srgbClr val="000000">
@@ -27614,14 +27676,14 @@
           <a:effectLst/>
           <a:extLst>
             <a:ext uri="{909E8E84-426E-40dd-AFC4-6F175D3DCCD1}">
-              <a14:hiddenFill xmlns:a14="http://schemas.microsoft.com/office/drawing/2010/main" xmlns="">
+              <a14:hiddenFill xmlns="" xmlns:a14="http://schemas.microsoft.com/office/drawing/2010/main">
                 <a:solidFill>
                   <a:srgbClr val="FFFFFF"/>
                 </a:solidFill>
               </a14:hiddenFill>
             </a:ext>
             <a:ext uri="{91240B29-F687-4f45-9708-019B960494DF}">
-              <a14:hiddenLine xmlns:a14="http://schemas.microsoft.com/office/drawing/2010/main" xmlns="" w="9525">
+              <a14:hiddenLine xmlns="" xmlns:a14="http://schemas.microsoft.com/office/drawing/2010/main" w="9525">
                 <a:solidFill>
                   <a:srgbClr val="000000"/>
                 </a:solidFill>
@@ -27631,7 +27693,7 @@
               </a14:hiddenLine>
             </a:ext>
             <a:ext uri="{AF507438-7753-43e0-B8FC-AC1667EBCBE1}">
-              <a14:hiddenEffects xmlns:a14="http://schemas.microsoft.com/office/drawing/2010/main" xmlns="">
+              <a14:hiddenEffects xmlns="" xmlns:a14="http://schemas.microsoft.com/office/drawing/2010/main">
                 <a:effectLst>
                   <a:outerShdw blurRad="63500" dist="38099" dir="2700000" algn="ctr" rotWithShape="0">
                     <a:srgbClr val="000000">
@@ -28548,7 +28610,7 @@
         <a:effectLst/>
         <a:extLst>
           <a:ext uri="{AF507438-7753-43e0-B8FC-AC1667EBCBE1}">
-            <a14:hiddenEffects xmlns:a14="http://schemas.microsoft.com/office/drawing/2010/main" xmlns="">
+            <a14:hiddenEffects xmlns="" xmlns:a14="http://schemas.microsoft.com/office/drawing/2010/main">
               <a:effectLst>
                 <a:outerShdw blurRad="63500" dist="38099" dir="2700000" algn="ctr" rotWithShape="0">
                   <a:schemeClr val="bg2">
@@ -28627,7 +28689,7 @@
         <a:effectLst/>
         <a:extLst>
           <a:ext uri="{AF507438-7753-43e0-B8FC-AC1667EBCBE1}">
-            <a14:hiddenEffects xmlns:a14="http://schemas.microsoft.com/office/drawing/2010/main" xmlns="">
+            <a14:hiddenEffects xmlns="" xmlns:a14="http://schemas.microsoft.com/office/drawing/2010/main">
               <a:effectLst>
                 <a:outerShdw blurRad="63500" dist="38099" dir="2700000" algn="ctr" rotWithShape="0">
                   <a:schemeClr val="bg2">

--- a/media/Master's thesis-2.pptx
+++ b/media/Master's thesis-2.pptx
@@ -5,10 +5,10 @@
     <p:sldMasterId id="2147483648" r:id="rId1"/>
   </p:sldMasterIdLst>
   <p:notesMasterIdLst>
-    <p:notesMasterId r:id="rId81"/>
+    <p:notesMasterId r:id="rId82"/>
   </p:notesMasterIdLst>
   <p:handoutMasterIdLst>
-    <p:handoutMasterId r:id="rId82"/>
+    <p:handoutMasterId r:id="rId83"/>
   </p:handoutMasterIdLst>
   <p:sldIdLst>
     <p:sldId id="258" r:id="rId2"/>
@@ -56,19 +56,19 @@
     <p:sldId id="293" r:id="rId44"/>
     <p:sldId id="294" r:id="rId45"/>
     <p:sldId id="333" r:id="rId46"/>
-    <p:sldId id="297" r:id="rId47"/>
-    <p:sldId id="299" r:id="rId48"/>
-    <p:sldId id="300" r:id="rId49"/>
-    <p:sldId id="301" r:id="rId50"/>
-    <p:sldId id="302" r:id="rId51"/>
-    <p:sldId id="303" r:id="rId52"/>
-    <p:sldId id="340" r:id="rId53"/>
-    <p:sldId id="343" r:id="rId54"/>
-    <p:sldId id="298" r:id="rId55"/>
-    <p:sldId id="305" r:id="rId56"/>
-    <p:sldId id="332" r:id="rId57"/>
-    <p:sldId id="306" r:id="rId58"/>
-    <p:sldId id="335" r:id="rId59"/>
+    <p:sldId id="343" r:id="rId47"/>
+    <p:sldId id="298" r:id="rId48"/>
+    <p:sldId id="303" r:id="rId49"/>
+    <p:sldId id="305" r:id="rId50"/>
+    <p:sldId id="332" r:id="rId51"/>
+    <p:sldId id="306" r:id="rId52"/>
+    <p:sldId id="335" r:id="rId53"/>
+    <p:sldId id="357" r:id="rId54"/>
+    <p:sldId id="358" r:id="rId55"/>
+    <p:sldId id="353" r:id="rId56"/>
+    <p:sldId id="354" r:id="rId57"/>
+    <p:sldId id="355" r:id="rId58"/>
+    <p:sldId id="356" r:id="rId59"/>
     <p:sldId id="341" r:id="rId60"/>
     <p:sldId id="310" r:id="rId61"/>
     <p:sldId id="311" r:id="rId62"/>
@@ -90,6 +90,7 @@
     <p:sldId id="324" r:id="rId78"/>
     <p:sldId id="325" r:id="rId79"/>
     <p:sldId id="326" r:id="rId80"/>
+    <p:sldId id="359" r:id="rId81"/>
   </p:sldIdLst>
   <p:sldSz cx="9144000" cy="6858000" type="screen4x3"/>
   <p:notesSz cx="6858000" cy="9144000"/>
@@ -379,7 +380,7 @@
             <a:fld id="{8D49A9A6-EEBE-4A10-B375-E3DE23A9130F}" type="datetimeFigureOut">
               <a:rPr lang="en-US" altLang="en-US"/>
               <a:pPr/>
-              <a:t>12/17/2014</a:t>
+              <a:t>12/18/2014</a:t>
             </a:fld>
             <a:endParaRPr lang="en-US" altLang="en-US"/>
           </a:p>
@@ -1282,6 +1283,10 @@
           <a:bodyPr/>
           <a:lstStyle/>
           <a:p>
+            <a:r>
+              <a:rPr lang="en-US" dirty="0" smtClean="0"/>
+              <a:t>logarithmic</a:t>
+            </a:r>
             <a:endParaRPr lang="en-US" dirty="0"/>
           </a:p>
         </p:txBody>
@@ -1304,7 +1309,7 @@
             <a:fld id="{9F4783CB-4C08-4D00-BD8C-103BE55DB799}" type="slidenum">
               <a:rPr lang="en-US" altLang="en-US" smtClean="0"/>
               <a:pPr/>
-              <a:t>49</a:t>
+              <a:t>51</a:t>
             </a:fld>
             <a:endParaRPr lang="en-US" altLang="en-US"/>
           </a:p>
@@ -1313,7 +1318,7 @@
     </p:spTree>
     <p:extLst>
       <p:ext uri="{BB962C8B-B14F-4D97-AF65-F5344CB8AC3E}">
-        <p14:creationId xmlns:p14="http://schemas.microsoft.com/office/powerpoint/2010/main" val="3352830311"/>
+        <p14:creationId xmlns:p14="http://schemas.microsoft.com/office/powerpoint/2010/main" val="1734476604"/>
       </p:ext>
     </p:extLst>
   </p:cSld>
@@ -1367,10 +1372,6 @@
           <a:bodyPr/>
           <a:lstStyle/>
           <a:p>
-            <a:r>
-              <a:rPr lang="en-US" dirty="0" smtClean="0"/>
-              <a:t>logarithmic</a:t>
-            </a:r>
             <a:endParaRPr lang="en-US" dirty="0"/>
           </a:p>
         </p:txBody>
@@ -1402,7 +1403,7 @@
     </p:spTree>
     <p:extLst>
       <p:ext uri="{BB962C8B-B14F-4D97-AF65-F5344CB8AC3E}">
-        <p14:creationId xmlns:p14="http://schemas.microsoft.com/office/powerpoint/2010/main" val="1734476604"/>
+        <p14:creationId xmlns:p14="http://schemas.microsoft.com/office/powerpoint/2010/main" val="229124285"/>
       </p:ext>
     </p:extLst>
   </p:cSld>
@@ -3247,6 +3248,175 @@
     <p:extLst>
       <p:ext uri="{BB962C8B-B14F-4D97-AF65-F5344CB8AC3E}">
         <p14:creationId xmlns:p14="http://schemas.microsoft.com/office/powerpoint/2010/main" val="971177727"/>
+      </p:ext>
+    </p:extLst>
+  </p:cSld>
+  <p:clrMapOvr>
+    <a:masterClrMapping/>
+  </p:clrMapOvr>
+</p:notes>
+</file>
+
+<file path=ppt/notesSlides/notesSlide20.xml><?xml version="1.0" encoding="utf-8"?>
+<p:notes xmlns:a="http://schemas.openxmlformats.org/drawingml/2006/main" xmlns:r="http://schemas.openxmlformats.org/officeDocument/2006/relationships" xmlns:p="http://schemas.openxmlformats.org/presentationml/2006/main">
+  <p:cSld>
+    <p:spTree>
+      <p:nvGrpSpPr>
+        <p:cNvPr id="1" name=""/>
+        <p:cNvGrpSpPr/>
+        <p:nvPr/>
+      </p:nvGrpSpPr>
+      <p:grpSpPr>
+        <a:xfrm>
+          <a:off x="0" y="0"/>
+          <a:ext cx="0" cy="0"/>
+          <a:chOff x="0" y="0"/>
+          <a:chExt cx="0" cy="0"/>
+        </a:xfrm>
+      </p:grpSpPr>
+      <p:sp>
+        <p:nvSpPr>
+          <p:cNvPr id="2" name="Slide Image Placeholder 1"/>
+          <p:cNvSpPr>
+            <a:spLocks noGrp="1" noRot="1" noChangeAspect="1"/>
+          </p:cNvSpPr>
+          <p:nvPr>
+            <p:ph type="sldImg"/>
+          </p:nvPr>
+        </p:nvSpPr>
+        <p:spPr/>
+      </p:sp>
+      <p:sp>
+        <p:nvSpPr>
+          <p:cNvPr id="3" name="Notes Placeholder 2"/>
+          <p:cNvSpPr>
+            <a:spLocks noGrp="1"/>
+          </p:cNvSpPr>
+          <p:nvPr>
+            <p:ph type="body" idx="1"/>
+          </p:nvPr>
+        </p:nvSpPr>
+        <p:spPr/>
+        <p:txBody>
+          <a:bodyPr/>
+          <a:lstStyle/>
+          <a:p>
+            <a:r>
+              <a:rPr lang="en-US" sz="1200" b="0" i="0" kern="1200" dirty="0" smtClean="0">
+                <a:solidFill>
+                  <a:srgbClr val="000000"/>
+                </a:solidFill>
+                <a:effectLst/>
+                <a:latin typeface="Times New Roman" charset="0"/>
+                <a:ea typeface="ＭＳ Ｐゴシック" charset="0"/>
+                <a:cs typeface="ＭＳ Ｐゴシック" charset="0"/>
+              </a:rPr>
+              <a:t>In words, it is the expectation of the logarithmic difference between the probabilities </a:t>
+            </a:r>
+            <a:r>
+              <a:rPr lang="en-US" sz="1200" b="0" i="1" kern="1200" dirty="0" smtClean="0">
+                <a:solidFill>
+                  <a:srgbClr val="000000"/>
+                </a:solidFill>
+                <a:effectLst/>
+                <a:latin typeface="Times New Roman" charset="0"/>
+                <a:ea typeface="ＭＳ Ｐゴシック" charset="0"/>
+                <a:cs typeface="ＭＳ Ｐゴシック" charset="0"/>
+              </a:rPr>
+              <a:t>P</a:t>
+            </a:r>
+            <a:r>
+              <a:rPr lang="en-US" sz="1200" b="0" i="0" kern="1200" dirty="0" smtClean="0">
+                <a:solidFill>
+                  <a:srgbClr val="000000"/>
+                </a:solidFill>
+                <a:effectLst/>
+                <a:latin typeface="Times New Roman" charset="0"/>
+                <a:ea typeface="ＭＳ Ｐゴシック" charset="0"/>
+                <a:cs typeface="ＭＳ Ｐゴシック" charset="0"/>
+              </a:rPr>
+              <a:t> and </a:t>
+            </a:r>
+            <a:r>
+              <a:rPr lang="en-US" sz="1200" b="0" i="1" kern="1200" dirty="0" smtClean="0">
+                <a:solidFill>
+                  <a:srgbClr val="000000"/>
+                </a:solidFill>
+                <a:effectLst/>
+                <a:latin typeface="Times New Roman" charset="0"/>
+                <a:ea typeface="ＭＳ Ｐゴシック" charset="0"/>
+                <a:cs typeface="ＭＳ Ｐゴシック" charset="0"/>
+              </a:rPr>
+              <a:t>Q</a:t>
+            </a:r>
+            <a:r>
+              <a:rPr lang="en-US" sz="1200" b="0" i="0" kern="1200" dirty="0" smtClean="0">
+                <a:solidFill>
+                  <a:srgbClr val="000000"/>
+                </a:solidFill>
+                <a:effectLst/>
+                <a:latin typeface="Times New Roman" charset="0"/>
+                <a:ea typeface="ＭＳ Ｐゴシック" charset="0"/>
+                <a:cs typeface="ＭＳ Ｐゴシック" charset="0"/>
+              </a:rPr>
+              <a:t>, where the expectation is taken using the probabilities </a:t>
+            </a:r>
+            <a:r>
+              <a:rPr lang="en-US" sz="1200" b="0" i="1" kern="1200" dirty="0" smtClean="0">
+                <a:solidFill>
+                  <a:srgbClr val="000000"/>
+                </a:solidFill>
+                <a:effectLst/>
+                <a:latin typeface="Times New Roman" charset="0"/>
+                <a:ea typeface="ＭＳ Ｐゴシック" charset="0"/>
+                <a:cs typeface="ＭＳ Ｐゴシック" charset="0"/>
+              </a:rPr>
+              <a:t>P</a:t>
+            </a:r>
+            <a:r>
+              <a:rPr lang="en-US" sz="1200" b="0" i="0" kern="1200" dirty="0" smtClean="0">
+                <a:solidFill>
+                  <a:srgbClr val="000000"/>
+                </a:solidFill>
+                <a:effectLst/>
+                <a:latin typeface="Times New Roman" charset="0"/>
+                <a:ea typeface="ＭＳ Ｐゴシック" charset="0"/>
+                <a:cs typeface="ＭＳ Ｐゴシック" charset="0"/>
+              </a:rPr>
+              <a:t>.</a:t>
+            </a:r>
+            <a:endParaRPr lang="en-US" dirty="0"/>
+          </a:p>
+        </p:txBody>
+      </p:sp>
+      <p:sp>
+        <p:nvSpPr>
+          <p:cNvPr id="4" name="Slide Number Placeholder 3"/>
+          <p:cNvSpPr>
+            <a:spLocks noGrp="1"/>
+          </p:cNvSpPr>
+          <p:nvPr>
+            <p:ph type="sldNum" idx="10"/>
+          </p:nvPr>
+        </p:nvSpPr>
+        <p:spPr/>
+        <p:txBody>
+          <a:bodyPr/>
+          <a:lstStyle/>
+          <a:p>
+            <a:fld id="{9F4783CB-4C08-4D00-BD8C-103BE55DB799}" type="slidenum">
+              <a:rPr lang="en-US" altLang="en-US" smtClean="0"/>
+              <a:pPr/>
+              <a:t>80</a:t>
+            </a:fld>
+            <a:endParaRPr lang="en-US" altLang="en-US"/>
+          </a:p>
+        </p:txBody>
+      </p:sp>
+    </p:spTree>
+    <p:extLst>
+      <p:ext uri="{BB962C8B-B14F-4D97-AF65-F5344CB8AC3E}">
+        <p14:creationId xmlns:p14="http://schemas.microsoft.com/office/powerpoint/2010/main" val="967287302"/>
       </p:ext>
     </p:extLst>
   </p:cSld>
@@ -17189,23 +17359,7 @@
                   <a:schemeClr val="tx1"/>
                 </a:solidFill>
               </a:rPr>
-              <a:t>Time </a:t>
-            </a:r>
-            <a:r>
-              <a:rPr lang="en-US" sz="2400" dirty="0" smtClean="0">
-                <a:solidFill>
-                  <a:schemeClr val="tx1"/>
-                </a:solidFill>
-              </a:rPr>
-              <a:t>Complexity </a:t>
-            </a:r>
-            <a:r>
-              <a:rPr lang="en-US" sz="2400" dirty="0" smtClean="0">
-                <a:solidFill>
-                  <a:schemeClr val="tx1"/>
-                </a:solidFill>
-              </a:rPr>
-              <a:t>O(n)  </a:t>
+              <a:t>Time Complexity O(n)  </a:t>
             </a:r>
           </a:p>
           <a:p>
@@ -17375,1239 +17529,6 @@
             </a:r>
             <a:r>
               <a:rPr lang="en-US" sz="4800" dirty="0" smtClean="0"/>
-              <a:t>Construction</a:t>
-            </a:r>
-            <a:endParaRPr lang="en-US" sz="4800" dirty="0"/>
-          </a:p>
-        </p:txBody>
-      </p:sp>
-    </p:spTree>
-    <p:extLst>
-      <p:ext uri="{BB962C8B-B14F-4D97-AF65-F5344CB8AC3E}">
-        <p14:creationId xmlns:p14="http://schemas.microsoft.com/office/powerpoint/2010/main" val="2178587432"/>
-      </p:ext>
-    </p:extLst>
-  </p:cSld>
-  <p:clrMapOvr>
-    <a:masterClrMapping/>
-  </p:clrMapOvr>
-  <mc:AlternateContent xmlns:mc="http://schemas.openxmlformats.org/markup-compatibility/2006" xmlns:p14="http://schemas.microsoft.com/office/powerpoint/2010/main">
-    <mc:Choice Requires="p14">
-      <p:transition spd="slow" p14:dur="2000"/>
-    </mc:Choice>
-    <mc:Fallback xmlns="">
-      <p:transition spd="slow"/>
-    </mc:Fallback>
-  </mc:AlternateContent>
-  <p:timing>
-    <p:tnLst>
-      <p:par>
-        <p:cTn id="1" dur="indefinite" restart="never" nodeType="tmRoot"/>
-      </p:par>
-    </p:tnLst>
-  </p:timing>
-</p:sld>
-</file>
-
-<file path=ppt/slides/slide47.xml><?xml version="1.0" encoding="utf-8"?>
-<p:sld xmlns:a="http://schemas.openxmlformats.org/drawingml/2006/main" xmlns:r="http://schemas.openxmlformats.org/officeDocument/2006/relationships" xmlns:p="http://schemas.openxmlformats.org/presentationml/2006/main">
-  <p:cSld>
-    <p:spTree>
-      <p:nvGrpSpPr>
-        <p:cNvPr id="1" name=""/>
-        <p:cNvGrpSpPr/>
-        <p:nvPr/>
-      </p:nvGrpSpPr>
-      <p:grpSpPr>
-        <a:xfrm>
-          <a:off x="0" y="0"/>
-          <a:ext cx="0" cy="0"/>
-          <a:chOff x="0" y="0"/>
-          <a:chExt cx="0" cy="0"/>
-        </a:xfrm>
-      </p:grpSpPr>
-      <p:sp>
-        <p:nvSpPr>
-          <p:cNvPr id="2" name="Content Placeholder 1"/>
-          <p:cNvSpPr>
-            <a:spLocks noGrp="1"/>
-          </p:cNvSpPr>
-          <p:nvPr>
-            <p:ph idx="1"/>
-          </p:nvPr>
-        </p:nvSpPr>
-        <p:spPr>
-          <a:xfrm>
-            <a:off x="609600" y="2133600"/>
-            <a:ext cx="8228013" cy="4191000"/>
-          </a:xfrm>
-        </p:spPr>
-        <p:txBody>
-          <a:bodyPr/>
-          <a:lstStyle/>
-          <a:p>
-            <a:pPr marL="514350" indent="-514350">
-              <a:buClr>
-                <a:srgbClr val="C00000"/>
-              </a:buClr>
-              <a:buFont typeface="+mj-lt"/>
-              <a:buAutoNum type="arabicPeriod"/>
-            </a:pPr>
-            <a:r>
-              <a:rPr lang="en-US" sz="2400" dirty="0" smtClean="0"/>
-              <a:t>A </a:t>
-            </a:r>
-            <a:r>
-              <a:rPr lang="en-US" sz="2400" dirty="0"/>
-              <a:t>high-level language such as Java, Groovy, Ruby or Python; we use Java and Groovy extensively</a:t>
-            </a:r>
-          </a:p>
-          <a:p>
-            <a:pPr marL="457200" indent="-457200">
-              <a:buClr>
-                <a:srgbClr val="C00000"/>
-              </a:buClr>
-              <a:buFont typeface="+mj-lt"/>
-              <a:buAutoNum type="arabicPeriod"/>
-            </a:pPr>
-            <a:endParaRPr lang="en-US" sz="2400" dirty="0"/>
-          </a:p>
-          <a:p>
-            <a:pPr marL="457200" indent="-457200">
-              <a:buClr>
-                <a:srgbClr val="C00000"/>
-              </a:buClr>
-              <a:buFont typeface="+mj-lt"/>
-              <a:buAutoNum type="arabicPeriod"/>
-            </a:pPr>
-            <a:r>
-              <a:rPr lang="en-US" sz="2400" dirty="0"/>
-              <a:t>HTML5/CSS3/JavaScript, web standards, jQuery or frameworks like </a:t>
-            </a:r>
-            <a:r>
-              <a:rPr lang="en-US" sz="2400" dirty="0" err="1"/>
-              <a:t>AngularJS</a:t>
-            </a:r>
-            <a:r>
-              <a:rPr lang="en-US" sz="2400" dirty="0"/>
-              <a:t> would be great</a:t>
-            </a:r>
-          </a:p>
-          <a:p>
-            <a:pPr marL="457200" indent="-457200">
-              <a:buClr>
-                <a:srgbClr val="C00000"/>
-              </a:buClr>
-              <a:buFont typeface="+mj-lt"/>
-              <a:buAutoNum type="arabicPeriod"/>
-            </a:pPr>
-            <a:endParaRPr lang="en-US" sz="2400" dirty="0"/>
-          </a:p>
-          <a:p>
-            <a:pPr marL="457200" indent="-457200">
-              <a:buClr>
-                <a:srgbClr val="C00000"/>
-              </a:buClr>
-              <a:buFont typeface="+mj-lt"/>
-              <a:buAutoNum type="arabicPeriod"/>
-            </a:pPr>
-            <a:r>
-              <a:rPr lang="en-US" sz="2400" dirty="0"/>
-              <a:t>HTML CSS and </a:t>
-            </a:r>
-            <a:r>
-              <a:rPr lang="en-US" sz="2400" dirty="0" err="1"/>
-              <a:t>Javascript</a:t>
-            </a:r>
-            <a:r>
-              <a:rPr lang="en-US" sz="2400" dirty="0"/>
-              <a:t> a must 4. Experience with AJAX, XML, XSL, XSLT, CSS, JavaScript, JQuery, HTML and Web Services</a:t>
-            </a:r>
-          </a:p>
-          <a:p>
-            <a:endParaRPr lang="en-US" dirty="0"/>
-          </a:p>
-          <a:p>
-            <a:endParaRPr lang="en-US" dirty="0"/>
-          </a:p>
-        </p:txBody>
-      </p:sp>
-      <p:sp>
-        <p:nvSpPr>
-          <p:cNvPr id="3" name="Title 2"/>
-          <p:cNvSpPr>
-            <a:spLocks noGrp="1"/>
-          </p:cNvSpPr>
-          <p:nvPr>
-            <p:ph type="title"/>
-          </p:nvPr>
-        </p:nvSpPr>
-        <p:spPr>
-          <a:xfrm>
-            <a:off x="457200" y="609600"/>
-            <a:ext cx="8075613" cy="994172"/>
-          </a:xfrm>
-        </p:spPr>
-        <p:txBody>
-          <a:bodyPr/>
-          <a:lstStyle/>
-          <a:p>
-            <a:r>
-              <a:rPr lang="en-US" dirty="0"/>
-              <a:t>Find Terms in Job Descriptions </a:t>
-            </a:r>
-          </a:p>
-        </p:txBody>
-      </p:sp>
-    </p:spTree>
-    <p:extLst>
-      <p:ext uri="{BB962C8B-B14F-4D97-AF65-F5344CB8AC3E}">
-        <p14:creationId xmlns:p14="http://schemas.microsoft.com/office/powerpoint/2010/main" val="2752140381"/>
-      </p:ext>
-    </p:extLst>
-  </p:cSld>
-  <p:clrMapOvr>
-    <a:masterClrMapping/>
-  </p:clrMapOvr>
-  <mc:AlternateContent xmlns:mc="http://schemas.openxmlformats.org/markup-compatibility/2006" xmlns:p14="http://schemas.microsoft.com/office/powerpoint/2010/main">
-    <mc:Choice Requires="p14">
-      <p:transition spd="slow" p14:dur="2000"/>
-    </mc:Choice>
-    <mc:Fallback xmlns="">
-      <p:transition spd="slow"/>
-    </mc:Fallback>
-  </mc:AlternateContent>
-  <p:timing>
-    <p:tnLst>
-      <p:par>
-        <p:cTn id="1" dur="indefinite" restart="never" nodeType="tmRoot"/>
-      </p:par>
-    </p:tnLst>
-  </p:timing>
-</p:sld>
-</file>
-
-<file path=ppt/slides/slide48.xml><?xml version="1.0" encoding="utf-8"?>
-<p:sld xmlns:a="http://schemas.openxmlformats.org/drawingml/2006/main" xmlns:r="http://schemas.openxmlformats.org/officeDocument/2006/relationships" xmlns:p="http://schemas.openxmlformats.org/presentationml/2006/main">
-  <p:cSld>
-    <p:spTree>
-      <p:nvGrpSpPr>
-        <p:cNvPr id="1" name=""/>
-        <p:cNvGrpSpPr/>
-        <p:nvPr/>
-      </p:nvGrpSpPr>
-      <p:grpSpPr>
-        <a:xfrm>
-          <a:off x="0" y="0"/>
-          <a:ext cx="0" cy="0"/>
-          <a:chOff x="0" y="0"/>
-          <a:chExt cx="0" cy="0"/>
-        </a:xfrm>
-      </p:grpSpPr>
-      <p:sp>
-        <p:nvSpPr>
-          <p:cNvPr id="2" name="Content Placeholder 1"/>
-          <p:cNvSpPr>
-            <a:spLocks noGrp="1"/>
-          </p:cNvSpPr>
-          <p:nvPr>
-            <p:ph idx="1"/>
-          </p:nvPr>
-        </p:nvSpPr>
-        <p:spPr>
-          <a:xfrm>
-            <a:off x="443459" y="1752600"/>
-            <a:ext cx="8319541" cy="4724400"/>
-          </a:xfrm>
-        </p:spPr>
-        <p:txBody>
-          <a:bodyPr/>
-          <a:lstStyle/>
-          <a:p>
-            <a:pPr marL="457200" indent="-457200">
-              <a:buClr>
-                <a:srgbClr val="C00000"/>
-              </a:buClr>
-              <a:buFont typeface="Wingdings" panose="05000000000000000000" pitchFamily="2" charset="2"/>
-              <a:buChar char="v"/>
-            </a:pPr>
-            <a:r>
-              <a:rPr lang="en-US" sz="2800" dirty="0" smtClean="0"/>
-              <a:t>Pattern </a:t>
-            </a:r>
-            <a:r>
-              <a:rPr lang="en-US" sz="2800" dirty="0"/>
-              <a:t>t</a:t>
-            </a:r>
-            <a:r>
-              <a:rPr lang="en-US" sz="2800" dirty="0" smtClean="0"/>
-              <a:t>o </a:t>
-            </a:r>
-            <a:r>
-              <a:rPr lang="en-US" sz="2800" dirty="0"/>
-              <a:t>e</a:t>
-            </a:r>
-            <a:r>
-              <a:rPr lang="en-US" sz="2800" dirty="0" smtClean="0"/>
-              <a:t>xtract terms</a:t>
-            </a:r>
-            <a:endParaRPr lang="en-US" sz="2800" dirty="0" smtClean="0">
-              <a:solidFill>
-                <a:schemeClr val="accent1">
-                  <a:lumMod val="75000"/>
-                </a:schemeClr>
-              </a:solidFill>
-            </a:endParaRPr>
-          </a:p>
-          <a:p>
-            <a:pPr marL="0" indent="0">
-              <a:buClr>
-                <a:srgbClr val="C00000"/>
-              </a:buClr>
-            </a:pPr>
-            <a:r>
-              <a:rPr lang="en-US" sz="2400" dirty="0">
-                <a:solidFill>
-                  <a:schemeClr val="accent1">
-                    <a:lumMod val="75000"/>
-                  </a:schemeClr>
-                </a:solidFill>
-              </a:rPr>
-              <a:t>	</a:t>
-            </a:r>
-            <a:r>
-              <a:rPr lang="en-US" sz="2400" dirty="0" smtClean="0">
-                <a:solidFill>
-                  <a:schemeClr val="accent1">
-                    <a:lumMod val="75000"/>
-                  </a:schemeClr>
-                </a:solidFill>
-              </a:rPr>
-              <a:t>   TERM , </a:t>
-            </a:r>
-            <a:r>
-              <a:rPr lang="en-US" sz="2400" dirty="0">
-                <a:solidFill>
-                  <a:schemeClr val="accent1">
-                    <a:lumMod val="75000"/>
-                  </a:schemeClr>
-                </a:solidFill>
-              </a:rPr>
-              <a:t>* , *, </a:t>
-            </a:r>
-            <a:r>
-              <a:rPr lang="en-US" sz="2400" dirty="0" smtClean="0">
-                <a:solidFill>
-                  <a:schemeClr val="accent1">
-                    <a:lumMod val="75000"/>
-                  </a:schemeClr>
-                </a:solidFill>
-              </a:rPr>
-              <a:t>(AND)? TERM      </a:t>
-            </a:r>
-          </a:p>
-          <a:p>
-            <a:pPr marL="457200" indent="-457200">
-              <a:buClr>
-                <a:srgbClr val="C00000"/>
-              </a:buClr>
-              <a:buFont typeface="Wingdings" panose="05000000000000000000" pitchFamily="2" charset="2"/>
-              <a:buChar char="v"/>
-            </a:pPr>
-            <a:r>
-              <a:rPr lang="en-US" sz="2800" dirty="0" smtClean="0"/>
-              <a:t>Bootstrap approach </a:t>
-            </a:r>
-          </a:p>
-          <a:p>
-            <a:pPr marL="685800" lvl="1" indent="-342900">
-              <a:buClr>
-                <a:srgbClr val="C00000"/>
-              </a:buClr>
-              <a:buFont typeface="+mj-lt"/>
-              <a:buAutoNum type="arabicPeriod"/>
-            </a:pPr>
-            <a:r>
-              <a:rPr lang="en-US" sz="2400" dirty="0" smtClean="0"/>
-              <a:t>Collecting fifty initial terms manually, and adding them  to term list</a:t>
-            </a:r>
-          </a:p>
-          <a:p>
-            <a:pPr marL="685800" lvl="1" indent="-342900">
-              <a:buClr>
-                <a:srgbClr val="C00000"/>
-              </a:buClr>
-              <a:buFont typeface="+mj-lt"/>
-              <a:buAutoNum type="arabicPeriod"/>
-            </a:pPr>
-            <a:r>
-              <a:rPr lang="en-US" sz="2400" dirty="0" smtClean="0"/>
-              <a:t>Using the pattern matching library to find new terms</a:t>
-            </a:r>
-          </a:p>
-          <a:p>
-            <a:pPr marL="685800" lvl="1" indent="-342900">
-              <a:buClr>
-                <a:srgbClr val="C00000"/>
-              </a:buClr>
-              <a:buFont typeface="+mj-lt"/>
-              <a:buAutoNum type="arabicPeriod"/>
-            </a:pPr>
-            <a:r>
-              <a:rPr lang="en-US" sz="2400" dirty="0" smtClean="0"/>
-              <a:t>Checking the found terms on </a:t>
-            </a:r>
-            <a:r>
-              <a:rPr lang="en-US" sz="2400" dirty="0" err="1" smtClean="0"/>
-              <a:t>Dbpedia</a:t>
-            </a:r>
-            <a:r>
-              <a:rPr lang="en-US" sz="2400" dirty="0" smtClean="0"/>
-              <a:t> </a:t>
-            </a:r>
-          </a:p>
-          <a:p>
-            <a:pPr marL="1200150" lvl="3" indent="0">
-              <a:buClr>
-                <a:srgbClr val="C00000"/>
-              </a:buClr>
-            </a:pPr>
-            <a:r>
-              <a:rPr lang="en-US" dirty="0" smtClean="0"/>
-              <a:t>under </a:t>
-            </a:r>
-            <a:r>
-              <a:rPr lang="en-US" dirty="0"/>
-              <a:t>the </a:t>
-            </a:r>
-            <a:r>
-              <a:rPr lang="en-US" dirty="0" smtClean="0"/>
-              <a:t>technical categories </a:t>
-            </a:r>
-            <a:r>
-              <a:rPr lang="en-US" dirty="0"/>
-              <a:t>like </a:t>
-            </a:r>
-            <a:r>
-              <a:rPr lang="en-US" dirty="0" smtClean="0"/>
-              <a:t>software</a:t>
-            </a:r>
-            <a:r>
-              <a:rPr lang="en-US" dirty="0"/>
-              <a:t>, programming </a:t>
-            </a:r>
-            <a:r>
-              <a:rPr lang="en-US" dirty="0" smtClean="0"/>
-              <a:t>language and so on.  </a:t>
-            </a:r>
-          </a:p>
-          <a:p>
-            <a:pPr marL="685800" lvl="1" indent="-342900">
-              <a:buClr>
-                <a:srgbClr val="C00000"/>
-              </a:buClr>
-              <a:buFont typeface="+mj-lt"/>
-              <a:buAutoNum type="arabicPeriod"/>
-            </a:pPr>
-            <a:r>
-              <a:rPr lang="en-US" sz="2400" dirty="0" smtClean="0"/>
-              <a:t>Adding the new terms in to term list</a:t>
-            </a:r>
-          </a:p>
-          <a:p>
-            <a:pPr marL="685800" lvl="1" indent="-342900">
-              <a:buFont typeface="+mj-lt"/>
-              <a:buAutoNum type="arabicPeriod"/>
-            </a:pPr>
-            <a:endParaRPr lang="en-US" dirty="0"/>
-          </a:p>
-        </p:txBody>
-      </p:sp>
-      <p:sp>
-        <p:nvSpPr>
-          <p:cNvPr id="3" name="Title 2"/>
-          <p:cNvSpPr>
-            <a:spLocks noGrp="1"/>
-          </p:cNvSpPr>
-          <p:nvPr>
-            <p:ph type="title"/>
-          </p:nvPr>
-        </p:nvSpPr>
-        <p:spPr>
-          <a:xfrm>
-            <a:off x="443459" y="533400"/>
-            <a:ext cx="7343775" cy="994172"/>
-          </a:xfrm>
-        </p:spPr>
-        <p:txBody>
-          <a:bodyPr/>
-          <a:lstStyle/>
-          <a:p>
-            <a:r>
-              <a:rPr lang="en-US" dirty="0">
-                <a:solidFill>
-                  <a:schemeClr val="tx1"/>
-                </a:solidFill>
-              </a:rPr>
-              <a:t>Bootstrap </a:t>
-            </a:r>
-            <a:r>
-              <a:rPr lang="en-US" dirty="0" smtClean="0">
-                <a:solidFill>
-                  <a:schemeClr val="tx1"/>
-                </a:solidFill>
-              </a:rPr>
-              <a:t>Approach </a:t>
-            </a:r>
-            <a:endParaRPr lang="en-US" dirty="0">
-              <a:solidFill>
-                <a:schemeClr val="tx1"/>
-              </a:solidFill>
-            </a:endParaRPr>
-          </a:p>
-        </p:txBody>
-      </p:sp>
-    </p:spTree>
-    <p:extLst>
-      <p:ext uri="{BB962C8B-B14F-4D97-AF65-F5344CB8AC3E}">
-        <p14:creationId xmlns:p14="http://schemas.microsoft.com/office/powerpoint/2010/main" val="2127755479"/>
-      </p:ext>
-    </p:extLst>
-  </p:cSld>
-  <p:clrMapOvr>
-    <a:masterClrMapping/>
-  </p:clrMapOvr>
-  <mc:AlternateContent xmlns:mc="http://schemas.openxmlformats.org/markup-compatibility/2006" xmlns:p14="http://schemas.microsoft.com/office/powerpoint/2010/main">
-    <mc:Choice Requires="p14">
-      <p:transition spd="slow" p14:dur="2000"/>
-    </mc:Choice>
-    <mc:Fallback xmlns="">
-      <p:transition spd="slow"/>
-    </mc:Fallback>
-  </mc:AlternateContent>
-  <p:timing>
-    <p:tnLst>
-      <p:par>
-        <p:cTn id="1" dur="indefinite" restart="never" nodeType="tmRoot"/>
-      </p:par>
-    </p:tnLst>
-  </p:timing>
-</p:sld>
-</file>
-
-<file path=ppt/slides/slide49.xml><?xml version="1.0" encoding="utf-8"?>
-<p:sld xmlns:a="http://schemas.openxmlformats.org/drawingml/2006/main" xmlns:r="http://schemas.openxmlformats.org/officeDocument/2006/relationships" xmlns:p="http://schemas.openxmlformats.org/presentationml/2006/main">
-  <p:cSld>
-    <p:spTree>
-      <p:nvGrpSpPr>
-        <p:cNvPr id="1" name=""/>
-        <p:cNvGrpSpPr/>
-        <p:nvPr/>
-      </p:nvGrpSpPr>
-      <p:grpSpPr>
-        <a:xfrm>
-          <a:off x="0" y="0"/>
-          <a:ext cx="0" cy="0"/>
-          <a:chOff x="0" y="0"/>
-          <a:chExt cx="0" cy="0"/>
-        </a:xfrm>
-      </p:grpSpPr>
-      <p:sp>
-        <p:nvSpPr>
-          <p:cNvPr id="2" name="Rectangle 1"/>
-          <p:cNvSpPr/>
-          <p:nvPr/>
-        </p:nvSpPr>
-        <p:spPr bwMode="auto">
-          <a:xfrm>
-            <a:off x="381000" y="1828800"/>
-            <a:ext cx="8458200" cy="4495800"/>
-          </a:xfrm>
-          <a:prstGeom prst="rect">
-            <a:avLst/>
-          </a:prstGeom>
-          <a:solidFill>
-            <a:schemeClr val="bg1"/>
-          </a:solidFill>
-          <a:ln w="9525" cap="flat" cmpd="sng" algn="ctr">
-            <a:solidFill>
-              <a:schemeClr val="tx1"/>
-            </a:solidFill>
-            <a:prstDash val="solid"/>
-            <a:round/>
-            <a:headEnd type="none" w="med" len="med"/>
-            <a:tailEnd type="none" w="med" len="med"/>
-          </a:ln>
-          <a:effectLst/>
-          <a:extLst>
-            <a:ext uri="{AF507438-7753-43e0-B8FC-AC1667EBCBE1}">
-              <a14:hiddenEffects xmlns="" xmlns:a14="http://schemas.microsoft.com/office/drawing/2010/main">
-                <a:effectLst>
-                  <a:outerShdw blurRad="63500" dist="38099" dir="2700000" algn="ctr" rotWithShape="0">
-                    <a:schemeClr val="bg2">
-                      <a:alpha val="74998"/>
-                    </a:schemeClr>
-                  </a:outerShdw>
-                </a:effectLst>
-              </a14:hiddenEffects>
-            </a:ext>
-          </a:extLst>
-        </p:spPr>
-        <p:txBody>
-          <a:bodyPr vert="horz" wrap="square" lIns="91440" tIns="45720" rIns="91440" bIns="45720" numCol="1" rtlCol="0" anchor="t" anchorCtr="0" compatLnSpc="1">
-            <a:prstTxWarp prst="textNoShape">
-              <a:avLst/>
-            </a:prstTxWarp>
-          </a:bodyPr>
-          <a:lstStyle/>
-          <a:p>
-            <a:pPr marL="0" marR="0" indent="0" algn="l" defTabSz="457200" rtl="0" eaLnBrk="1" fontAlgn="base" latinLnBrk="0" hangingPunct="1">
-              <a:lnSpc>
-                <a:spcPct val="100000"/>
-              </a:lnSpc>
-              <a:spcBef>
-                <a:spcPct val="0"/>
-              </a:spcBef>
-              <a:spcAft>
-                <a:spcPct val="0"/>
-              </a:spcAft>
-              <a:buClr>
-                <a:srgbClr val="000000"/>
-              </a:buClr>
-              <a:buSzPct val="100000"/>
-              <a:buFont typeface="Times New Roman" charset="0"/>
-              <a:buNone/>
-              <a:tabLst/>
-            </a:pPr>
-            <a:endParaRPr kumimoji="0" lang="en-US" sz="2400" b="0" i="0" u="none" strike="noStrike" cap="none" normalizeH="0" baseline="0">
-              <a:ln>
-                <a:noFill/>
-              </a:ln>
-              <a:solidFill>
-                <a:schemeClr val="bg1"/>
-              </a:solidFill>
-              <a:effectLst/>
-              <a:latin typeface="Arial" charset="0"/>
-              <a:ea typeface="ＭＳ Ｐゴシック" charset="0"/>
-              <a:cs typeface="ＭＳ Ｐゴシック" charset="0"/>
-            </a:endParaRPr>
-          </a:p>
-        </p:txBody>
-      </p:sp>
-      <p:sp>
-        <p:nvSpPr>
-          <p:cNvPr id="3" name="Title 2"/>
-          <p:cNvSpPr>
-            <a:spLocks noGrp="1"/>
-          </p:cNvSpPr>
-          <p:nvPr>
-            <p:ph type="title"/>
-          </p:nvPr>
-        </p:nvSpPr>
-        <p:spPr>
-          <a:xfrm>
-            <a:off x="685800" y="533400"/>
-            <a:ext cx="7343775" cy="994172"/>
-          </a:xfrm>
-        </p:spPr>
-        <p:txBody>
-          <a:bodyPr>
-            <a:normAutofit/>
-          </a:bodyPr>
-          <a:lstStyle/>
-          <a:p>
-            <a:r>
-              <a:rPr lang="en-US" dirty="0"/>
-              <a:t>Bootstrap Approach </a:t>
-            </a:r>
-          </a:p>
-        </p:txBody>
-      </p:sp>
-      <p:pic>
-        <p:nvPicPr>
-          <p:cNvPr id="4" name="Picture 3"/>
-          <p:cNvPicPr>
-            <a:picLocks noChangeAspect="1"/>
-          </p:cNvPicPr>
-          <p:nvPr/>
-        </p:nvPicPr>
-        <p:blipFill>
-          <a:blip r:embed="rId3">
-            <a:extLst>
-              <a:ext uri="{28A0092B-C50C-407E-A947-70E740481C1C}">
-                <a14:useLocalDpi xmlns:a14="http://schemas.microsoft.com/office/drawing/2010/main" val="0"/>
-              </a:ext>
-            </a:extLst>
-          </a:blip>
-          <a:stretch>
-            <a:fillRect/>
-          </a:stretch>
-        </p:blipFill>
-        <p:spPr>
-          <a:xfrm>
-            <a:off x="533400" y="2133600"/>
-            <a:ext cx="8149202" cy="3581400"/>
-          </a:xfrm>
-          <a:prstGeom prst="rect">
-            <a:avLst/>
-          </a:prstGeom>
-        </p:spPr>
-      </p:pic>
-    </p:spTree>
-    <p:extLst>
-      <p:ext uri="{BB962C8B-B14F-4D97-AF65-F5344CB8AC3E}">
-        <p14:creationId xmlns:p14="http://schemas.microsoft.com/office/powerpoint/2010/main" val="1859082101"/>
-      </p:ext>
-    </p:extLst>
-  </p:cSld>
-  <p:clrMapOvr>
-    <a:masterClrMapping/>
-  </p:clrMapOvr>
-  <mc:AlternateContent xmlns:mc="http://schemas.openxmlformats.org/markup-compatibility/2006" xmlns:p14="http://schemas.microsoft.com/office/powerpoint/2010/main">
-    <mc:Choice Requires="p14">
-      <p:transition spd="slow" p14:dur="2000"/>
-    </mc:Choice>
-    <mc:Fallback xmlns="">
-      <p:transition spd="slow"/>
-    </mc:Fallback>
-  </mc:AlternateContent>
-  <p:timing>
-    <p:tnLst>
-      <p:par>
-        <p:cTn id="1" dur="indefinite" restart="never" nodeType="tmRoot"/>
-      </p:par>
-    </p:tnLst>
-  </p:timing>
-</p:sld>
-</file>
-
-<file path=ppt/slides/slide5.xml><?xml version="1.0" encoding="utf-8"?>
-<p:sld xmlns:a="http://schemas.openxmlformats.org/drawingml/2006/main" xmlns:r="http://schemas.openxmlformats.org/officeDocument/2006/relationships" xmlns:p="http://schemas.openxmlformats.org/presentationml/2006/main">
-  <p:cSld>
-    <p:spTree>
-      <p:nvGrpSpPr>
-        <p:cNvPr id="1" name=""/>
-        <p:cNvGrpSpPr/>
-        <p:nvPr/>
-      </p:nvGrpSpPr>
-      <p:grpSpPr>
-        <a:xfrm>
-          <a:off x="0" y="0"/>
-          <a:ext cx="0" cy="0"/>
-          <a:chOff x="0" y="0"/>
-          <a:chExt cx="0" cy="0"/>
-        </a:xfrm>
-      </p:grpSpPr>
-      <p:sp>
-        <p:nvSpPr>
-          <p:cNvPr id="2" name="Content Placeholder 1"/>
-          <p:cNvSpPr>
-            <a:spLocks noGrp="1"/>
-          </p:cNvSpPr>
-          <p:nvPr>
-            <p:ph idx="1"/>
-          </p:nvPr>
-        </p:nvSpPr>
-        <p:spPr>
-          <a:xfrm>
-            <a:off x="457200" y="2057400"/>
-            <a:ext cx="8228013" cy="3886200"/>
-          </a:xfrm>
-        </p:spPr>
-        <p:txBody>
-          <a:bodyPr/>
-          <a:lstStyle/>
-          <a:p>
-            <a:pPr marL="457200" indent="-457200">
-              <a:buClr>
-                <a:srgbClr val="C00000"/>
-              </a:buClr>
-              <a:buFont typeface="Wingdings" panose="05000000000000000000" pitchFamily="2" charset="2"/>
-              <a:buChar char="v"/>
-            </a:pPr>
-            <a:r>
-              <a:rPr lang="en-US" sz="2800" dirty="0" smtClean="0"/>
-              <a:t>The résumé has the most personal information </a:t>
-            </a:r>
-          </a:p>
-          <a:p>
-            <a:pPr marL="800100" lvl="1" indent="-342900">
-              <a:buClr>
-                <a:srgbClr val="C00000"/>
-              </a:buClr>
-              <a:buFont typeface="Arial" panose="020B0604020202020204" pitchFamily="34" charset="0"/>
-              <a:buChar char="•"/>
-            </a:pPr>
-            <a:r>
-              <a:rPr lang="en-US" sz="2400" dirty="0" smtClean="0"/>
-              <a:t>Education Background </a:t>
-            </a:r>
-          </a:p>
-          <a:p>
-            <a:pPr marL="800100" lvl="1" indent="-342900">
-              <a:buClr>
-                <a:srgbClr val="C00000"/>
-              </a:buClr>
-              <a:buFont typeface="Arial" panose="020B0604020202020204" pitchFamily="34" charset="0"/>
-              <a:buChar char="•"/>
-            </a:pPr>
-            <a:r>
-              <a:rPr lang="en-US" sz="2400" dirty="0"/>
-              <a:t>Work </a:t>
-            </a:r>
-            <a:r>
-              <a:rPr lang="en-US" sz="2400" dirty="0" smtClean="0"/>
-              <a:t>experiences</a:t>
-            </a:r>
-          </a:p>
-          <a:p>
-            <a:pPr marL="800100" lvl="1" indent="-342900">
-              <a:buClr>
-                <a:srgbClr val="C00000"/>
-              </a:buClr>
-              <a:buFont typeface="Arial" panose="020B0604020202020204" pitchFamily="34" charset="0"/>
-              <a:buChar char="•"/>
-            </a:pPr>
-            <a:r>
-              <a:rPr lang="en-US" sz="2400" dirty="0" smtClean="0"/>
-              <a:t>Skills </a:t>
-            </a:r>
-          </a:p>
-          <a:p>
-            <a:pPr marL="457200" indent="-457200">
-              <a:buClr>
-                <a:srgbClr val="C00000"/>
-              </a:buClr>
-              <a:buFont typeface="Wingdings" panose="05000000000000000000" pitchFamily="2" charset="2"/>
-              <a:buChar char="v"/>
-            </a:pPr>
-            <a:r>
-              <a:rPr lang="en-US" sz="2800" dirty="0" smtClean="0"/>
-              <a:t>Using </a:t>
-            </a:r>
-            <a:r>
-              <a:rPr lang="en-US" sz="2800" dirty="0"/>
-              <a:t>the résumé </a:t>
-            </a:r>
-            <a:r>
-              <a:rPr lang="en-US" sz="2800" dirty="0" smtClean="0"/>
-              <a:t>as a query to search jobs</a:t>
-            </a:r>
-          </a:p>
-          <a:p>
-            <a:pPr marL="457200" indent="-457200">
-              <a:buClr>
-                <a:srgbClr val="C00000"/>
-              </a:buClr>
-              <a:buFont typeface="Wingdings" panose="05000000000000000000" pitchFamily="2" charset="2"/>
-              <a:buChar char="v"/>
-            </a:pPr>
-            <a:r>
-              <a:rPr lang="en-US" sz="2800" dirty="0" smtClean="0"/>
-              <a:t>Ranking the jobs by their similarity scores</a:t>
-            </a:r>
-          </a:p>
-        </p:txBody>
-      </p:sp>
-      <p:sp>
-        <p:nvSpPr>
-          <p:cNvPr id="3" name="Title 2"/>
-          <p:cNvSpPr>
-            <a:spLocks noGrp="1"/>
-          </p:cNvSpPr>
-          <p:nvPr>
-            <p:ph type="title"/>
-          </p:nvPr>
-        </p:nvSpPr>
-        <p:spPr>
-          <a:xfrm>
-            <a:off x="457200" y="609600"/>
-            <a:ext cx="8228013" cy="701675"/>
-          </a:xfrm>
-        </p:spPr>
-        <p:txBody>
-          <a:bodyPr/>
-          <a:lstStyle/>
-          <a:p>
-            <a:r>
-              <a:rPr lang="en-US" dirty="0" smtClean="0"/>
-              <a:t>Résumés  as Query</a:t>
-            </a:r>
-            <a:endParaRPr lang="en-US" dirty="0">
-              <a:solidFill>
-                <a:schemeClr val="bg2">
-                  <a:lumMod val="75000"/>
-                </a:schemeClr>
-              </a:solidFill>
-            </a:endParaRPr>
-          </a:p>
-        </p:txBody>
-      </p:sp>
-    </p:spTree>
-    <p:extLst>
-      <p:ext uri="{BB962C8B-B14F-4D97-AF65-F5344CB8AC3E}">
-        <p14:creationId xmlns:p14="http://schemas.microsoft.com/office/powerpoint/2010/main" val="3532761650"/>
-      </p:ext>
-    </p:extLst>
-  </p:cSld>
-  <p:clrMapOvr>
-    <a:masterClrMapping/>
-  </p:clrMapOvr>
-  <mc:AlternateContent xmlns:mc="http://schemas.openxmlformats.org/markup-compatibility/2006" xmlns:p14="http://schemas.microsoft.com/office/powerpoint/2010/main">
-    <mc:Choice Requires="p14">
-      <p:transition spd="slow" p14:dur="2000"/>
-    </mc:Choice>
-    <mc:Fallback xmlns="">
-      <p:transition spd="slow"/>
-    </mc:Fallback>
-  </mc:AlternateContent>
-  <p:timing>
-    <p:tnLst>
-      <p:par>
-        <p:cTn id="1" dur="indefinite" restart="never" nodeType="tmRoot"/>
-      </p:par>
-    </p:tnLst>
-  </p:timing>
-</p:sld>
-</file>
-
-<file path=ppt/slides/slide50.xml><?xml version="1.0" encoding="utf-8"?>
-<p:sld xmlns:a="http://schemas.openxmlformats.org/drawingml/2006/main" xmlns:r="http://schemas.openxmlformats.org/officeDocument/2006/relationships" xmlns:p="http://schemas.openxmlformats.org/presentationml/2006/main">
-  <p:cSld>
-    <p:spTree>
-      <p:nvGrpSpPr>
-        <p:cNvPr id="1" name=""/>
-        <p:cNvGrpSpPr/>
-        <p:nvPr/>
-      </p:nvGrpSpPr>
-      <p:grpSpPr>
-        <a:xfrm>
-          <a:off x="0" y="0"/>
-          <a:ext cx="0" cy="0"/>
-          <a:chOff x="0" y="0"/>
-          <a:chExt cx="0" cy="0"/>
-        </a:xfrm>
-      </p:grpSpPr>
-      <p:pic>
-        <p:nvPicPr>
-          <p:cNvPr id="4" name="Content Placeholder 3"/>
-          <p:cNvPicPr>
-            <a:picLocks noGrp="1" noChangeAspect="1"/>
-          </p:cNvPicPr>
-          <p:nvPr>
-            <p:ph idx="1"/>
-          </p:nvPr>
-        </p:nvPicPr>
-        <p:blipFill>
-          <a:blip r:embed="rId2"/>
-          <a:stretch>
-            <a:fillRect/>
-          </a:stretch>
-        </p:blipFill>
-        <p:spPr>
-          <a:xfrm>
-            <a:off x="1239190" y="2125267"/>
-            <a:ext cx="6450806" cy="678656"/>
-          </a:xfrm>
-          <a:prstGeom prst="rect">
-            <a:avLst/>
-          </a:prstGeom>
-        </p:spPr>
-      </p:pic>
-      <p:sp>
-        <p:nvSpPr>
-          <p:cNvPr id="3" name="Title 2"/>
-          <p:cNvSpPr>
-            <a:spLocks noGrp="1"/>
-          </p:cNvSpPr>
-          <p:nvPr>
-            <p:ph type="title"/>
-          </p:nvPr>
-        </p:nvSpPr>
-        <p:spPr>
-          <a:xfrm>
-            <a:off x="1134092" y="562777"/>
-            <a:ext cx="7343775" cy="994172"/>
-          </a:xfrm>
-        </p:spPr>
-        <p:txBody>
-          <a:bodyPr/>
-          <a:lstStyle/>
-          <a:p>
-            <a:r>
-              <a:rPr lang="en-US" dirty="0"/>
-              <a:t>Dbpedia Page </a:t>
-            </a:r>
-          </a:p>
-        </p:txBody>
-      </p:sp>
-      <p:pic>
-        <p:nvPicPr>
-          <p:cNvPr id="6" name="Picture 5"/>
-          <p:cNvPicPr>
-            <a:picLocks noChangeAspect="1"/>
-          </p:cNvPicPr>
-          <p:nvPr/>
-        </p:nvPicPr>
-        <p:blipFill>
-          <a:blip r:embed="rId3"/>
-          <a:stretch>
-            <a:fillRect/>
-          </a:stretch>
-        </p:blipFill>
-        <p:spPr>
-          <a:xfrm>
-            <a:off x="1239190" y="2878932"/>
-            <a:ext cx="7263661" cy="3261877"/>
-          </a:xfrm>
-          <a:prstGeom prst="rect">
-            <a:avLst/>
-          </a:prstGeom>
-        </p:spPr>
-      </p:pic>
-    </p:spTree>
-    <p:extLst>
-      <p:ext uri="{BB962C8B-B14F-4D97-AF65-F5344CB8AC3E}">
-        <p14:creationId xmlns:p14="http://schemas.microsoft.com/office/powerpoint/2010/main" val="1722967672"/>
-      </p:ext>
-    </p:extLst>
-  </p:cSld>
-  <p:clrMapOvr>
-    <a:masterClrMapping/>
-  </p:clrMapOvr>
-  <mc:AlternateContent xmlns:mc="http://schemas.openxmlformats.org/markup-compatibility/2006" xmlns:p14="http://schemas.microsoft.com/office/powerpoint/2010/main">
-    <mc:Choice Requires="p14">
-      <p:transition spd="slow" p14:dur="2000"/>
-    </mc:Choice>
-    <mc:Fallback xmlns="">
-      <p:transition spd="slow"/>
-    </mc:Fallback>
-  </mc:AlternateContent>
-  <p:timing>
-    <p:tnLst>
-      <p:par>
-        <p:cTn id="1" dur="indefinite" restart="never" nodeType="tmRoot"/>
-      </p:par>
-    </p:tnLst>
-  </p:timing>
-</p:sld>
-</file>
-
-<file path=ppt/slides/slide51.xml><?xml version="1.0" encoding="utf-8"?>
-<p:sld xmlns:a="http://schemas.openxmlformats.org/drawingml/2006/main" xmlns:r="http://schemas.openxmlformats.org/officeDocument/2006/relationships" xmlns:p="http://schemas.openxmlformats.org/presentationml/2006/main">
-  <p:cSld>
-    <p:spTree>
-      <p:nvGrpSpPr>
-        <p:cNvPr id="1" name=""/>
-        <p:cNvGrpSpPr/>
-        <p:nvPr/>
-      </p:nvGrpSpPr>
-      <p:grpSpPr>
-        <a:xfrm>
-          <a:off x="0" y="0"/>
-          <a:ext cx="0" cy="0"/>
-          <a:chOff x="0" y="0"/>
-          <a:chExt cx="0" cy="0"/>
-        </a:xfrm>
-      </p:grpSpPr>
-      <p:pic>
-        <p:nvPicPr>
-          <p:cNvPr id="3" name="Picture 2"/>
-          <p:cNvPicPr>
-            <a:picLocks noChangeAspect="1"/>
-          </p:cNvPicPr>
-          <p:nvPr/>
-        </p:nvPicPr>
-        <p:blipFill>
-          <a:blip r:embed="rId2"/>
-          <a:stretch>
-            <a:fillRect/>
-          </a:stretch>
-        </p:blipFill>
-        <p:spPr>
-          <a:xfrm>
-            <a:off x="0" y="2133600"/>
-            <a:ext cx="9191884" cy="3505200"/>
-          </a:xfrm>
-          <a:prstGeom prst="rect">
-            <a:avLst/>
-          </a:prstGeom>
-        </p:spPr>
-      </p:pic>
-      <p:sp>
-        <p:nvSpPr>
-          <p:cNvPr id="5" name="Title 2"/>
-          <p:cNvSpPr>
-            <a:spLocks noGrp="1"/>
-          </p:cNvSpPr>
-          <p:nvPr>
-            <p:ph type="title"/>
-          </p:nvPr>
-        </p:nvSpPr>
-        <p:spPr>
-          <a:xfrm>
-            <a:off x="609600" y="533400"/>
-            <a:ext cx="7343775" cy="994172"/>
-          </a:xfrm>
-        </p:spPr>
-        <p:txBody>
-          <a:bodyPr/>
-          <a:lstStyle/>
-          <a:p>
-            <a:r>
-              <a:rPr lang="en-US" dirty="0"/>
-              <a:t>Ontology</a:t>
-            </a:r>
-          </a:p>
-        </p:txBody>
-      </p:sp>
-    </p:spTree>
-    <p:extLst>
-      <p:ext uri="{BB962C8B-B14F-4D97-AF65-F5344CB8AC3E}">
-        <p14:creationId xmlns:p14="http://schemas.microsoft.com/office/powerpoint/2010/main" val="3814410725"/>
-      </p:ext>
-    </p:extLst>
-  </p:cSld>
-  <p:clrMapOvr>
-    <a:masterClrMapping/>
-  </p:clrMapOvr>
-  <mc:AlternateContent xmlns:mc="http://schemas.openxmlformats.org/markup-compatibility/2006" xmlns:p14="http://schemas.microsoft.com/office/powerpoint/2010/main">
-    <mc:Choice Requires="p14">
-      <p:transition spd="slow" p14:dur="2000"/>
-    </mc:Choice>
-    <mc:Fallback xmlns="">
-      <p:transition spd="slow"/>
-    </mc:Fallback>
-  </mc:AlternateContent>
-  <p:timing>
-    <p:tnLst>
-      <p:par>
-        <p:cTn id="1" dur="indefinite" restart="never" nodeType="tmRoot"/>
-      </p:par>
-    </p:tnLst>
-  </p:timing>
-</p:sld>
-</file>
-
-<file path=ppt/slides/slide52.xml><?xml version="1.0" encoding="utf-8"?>
-<p:sld xmlns:a="http://schemas.openxmlformats.org/drawingml/2006/main" xmlns:r="http://schemas.openxmlformats.org/officeDocument/2006/relationships" xmlns:p="http://schemas.openxmlformats.org/presentationml/2006/main">
-  <p:cSld>
-    <p:spTree>
-      <p:nvGrpSpPr>
-        <p:cNvPr id="1" name=""/>
-        <p:cNvGrpSpPr/>
-        <p:nvPr/>
-      </p:nvGrpSpPr>
-      <p:grpSpPr>
-        <a:xfrm>
-          <a:off x="0" y="0"/>
-          <a:ext cx="0" cy="0"/>
-          <a:chOff x="0" y="0"/>
-          <a:chExt cx="0" cy="0"/>
-        </a:xfrm>
-      </p:grpSpPr>
-      <p:pic>
-        <p:nvPicPr>
-          <p:cNvPr id="4" name="Content Placeholder 3"/>
-          <p:cNvPicPr>
-            <a:picLocks noGrp="1" noChangeAspect="1"/>
-          </p:cNvPicPr>
-          <p:nvPr>
-            <p:ph idx="1"/>
-          </p:nvPr>
-        </p:nvPicPr>
-        <p:blipFill>
-          <a:blip r:embed="rId2">
-            <a:extLst>
-              <a:ext uri="{28A0092B-C50C-407E-A947-70E740481C1C}">
-                <a14:useLocalDpi xmlns:a14="http://schemas.microsoft.com/office/drawing/2010/main" val="0"/>
-              </a:ext>
-            </a:extLst>
-          </a:blip>
-          <a:stretch>
-            <a:fillRect/>
-          </a:stretch>
-        </p:blipFill>
-        <p:spPr>
-          <a:xfrm>
-            <a:off x="0" y="380999"/>
-            <a:ext cx="9144000" cy="6787387"/>
-          </a:xfrm>
-        </p:spPr>
-      </p:pic>
-    </p:spTree>
-    <p:extLst>
-      <p:ext uri="{BB962C8B-B14F-4D97-AF65-F5344CB8AC3E}">
-        <p14:creationId xmlns:p14="http://schemas.microsoft.com/office/powerpoint/2010/main" val="712021103"/>
-      </p:ext>
-    </p:extLst>
-  </p:cSld>
-  <p:clrMapOvr>
-    <a:masterClrMapping/>
-  </p:clrMapOvr>
-  <mc:AlternateContent xmlns:mc="http://schemas.openxmlformats.org/markup-compatibility/2006" xmlns:p14="http://schemas.microsoft.com/office/powerpoint/2010/main">
-    <mc:Choice Requires="p14">
-      <p:transition spd="slow" p14:dur="2000"/>
-    </mc:Choice>
-    <mc:Fallback xmlns="">
-      <p:transition spd="slow"/>
-    </mc:Fallback>
-  </mc:AlternateContent>
-  <p:timing>
-    <p:tnLst>
-      <p:par>
-        <p:cTn id="1" dur="indefinite" restart="never" nodeType="tmRoot"/>
-      </p:par>
-    </p:tnLst>
-  </p:timing>
-</p:sld>
-</file>
-
-<file path=ppt/slides/slide53.xml><?xml version="1.0" encoding="utf-8"?>
-<p:sld xmlns:a="http://schemas.openxmlformats.org/drawingml/2006/main" xmlns:r="http://schemas.openxmlformats.org/officeDocument/2006/relationships" xmlns:p="http://schemas.openxmlformats.org/presentationml/2006/main">
-  <p:cSld>
-    <p:spTree>
-      <p:nvGrpSpPr>
-        <p:cNvPr id="1" name=""/>
-        <p:cNvGrpSpPr/>
-        <p:nvPr/>
-      </p:nvGrpSpPr>
-      <p:grpSpPr>
-        <a:xfrm>
-          <a:off x="0" y="0"/>
-          <a:ext cx="0" cy="0"/>
-          <a:chOff x="0" y="0"/>
-          <a:chExt cx="0" cy="0"/>
-        </a:xfrm>
-      </p:grpSpPr>
-      <p:sp>
-        <p:nvSpPr>
-          <p:cNvPr id="3" name="Title 2"/>
-          <p:cNvSpPr>
-            <a:spLocks noGrp="1"/>
-          </p:cNvSpPr>
-          <p:nvPr>
-            <p:ph type="title"/>
-          </p:nvPr>
-        </p:nvSpPr>
-        <p:spPr>
-          <a:xfrm>
-            <a:off x="990600" y="2362200"/>
-            <a:ext cx="7343775" cy="2075745"/>
-          </a:xfrm>
-        </p:spPr>
-        <p:txBody>
-          <a:bodyPr>
-            <a:noAutofit/>
-          </a:bodyPr>
-          <a:lstStyle/>
-          <a:p>
-            <a:r>
-              <a:rPr lang="en-US" sz="4800" dirty="0"/>
-              <a:t>Ontology </a:t>
-            </a:r>
-            <a:r>
-              <a:rPr lang="en-US" sz="4800" dirty="0" smtClean="0"/>
               <a:t>Similarity</a:t>
             </a:r>
             <a:endParaRPr lang="en-US" sz="4800" dirty="0"/>
@@ -18642,7 +17563,7 @@
 </p:sld>
 </file>
 
-<file path=ppt/slides/slide54.xml><?xml version="1.0" encoding="utf-8"?>
+<file path=ppt/slides/slide47.xml><?xml version="1.0" encoding="utf-8"?>
 <p:sld xmlns:a="http://schemas.openxmlformats.org/drawingml/2006/main" xmlns:r="http://schemas.openxmlformats.org/officeDocument/2006/relationships" xmlns:p="http://schemas.openxmlformats.org/presentationml/2006/main">
   <p:cSld>
     <p:spTree>
@@ -18896,7 +17817,103 @@
 </p:sld>
 </file>
 
-<file path=ppt/slides/slide55.xml><?xml version="1.0" encoding="utf-8"?>
+<file path=ppt/slides/slide48.xml><?xml version="1.0" encoding="utf-8"?>
+<p:sld xmlns:a="http://schemas.openxmlformats.org/drawingml/2006/main" xmlns:r="http://schemas.openxmlformats.org/officeDocument/2006/relationships" xmlns:p="http://schemas.openxmlformats.org/presentationml/2006/main">
+  <p:cSld>
+    <p:spTree>
+      <p:nvGrpSpPr>
+        <p:cNvPr id="1" name=""/>
+        <p:cNvGrpSpPr/>
+        <p:nvPr/>
+      </p:nvGrpSpPr>
+      <p:grpSpPr>
+        <a:xfrm>
+          <a:off x="0" y="0"/>
+          <a:ext cx="0" cy="0"/>
+          <a:chOff x="0" y="0"/>
+          <a:chExt cx="0" cy="0"/>
+        </a:xfrm>
+      </p:grpSpPr>
+      <p:pic>
+        <p:nvPicPr>
+          <p:cNvPr id="3" name="Picture 2"/>
+          <p:cNvPicPr>
+            <a:picLocks noChangeAspect="1"/>
+          </p:cNvPicPr>
+          <p:nvPr/>
+        </p:nvPicPr>
+        <p:blipFill>
+          <a:blip r:embed="rId2"/>
+          <a:stretch>
+            <a:fillRect/>
+          </a:stretch>
+        </p:blipFill>
+        <p:spPr>
+          <a:xfrm>
+            <a:off x="0" y="2133600"/>
+            <a:ext cx="9191884" cy="3505200"/>
+          </a:xfrm>
+          <a:prstGeom prst="rect">
+            <a:avLst/>
+          </a:prstGeom>
+        </p:spPr>
+      </p:pic>
+      <p:sp>
+        <p:nvSpPr>
+          <p:cNvPr id="5" name="Title 2"/>
+          <p:cNvSpPr>
+            <a:spLocks noGrp="1"/>
+          </p:cNvSpPr>
+          <p:nvPr>
+            <p:ph type="title"/>
+          </p:nvPr>
+        </p:nvSpPr>
+        <p:spPr>
+          <a:xfrm>
+            <a:off x="609600" y="533400"/>
+            <a:ext cx="7343775" cy="994172"/>
+          </a:xfrm>
+        </p:spPr>
+        <p:txBody>
+          <a:bodyPr/>
+          <a:lstStyle/>
+          <a:p>
+            <a:r>
+              <a:rPr lang="en-US" dirty="0"/>
+              <a:t>Ontology</a:t>
+            </a:r>
+          </a:p>
+        </p:txBody>
+      </p:sp>
+    </p:spTree>
+    <p:extLst>
+      <p:ext uri="{BB962C8B-B14F-4D97-AF65-F5344CB8AC3E}">
+        <p14:creationId xmlns:p14="http://schemas.microsoft.com/office/powerpoint/2010/main" val="3814410725"/>
+      </p:ext>
+    </p:extLst>
+  </p:cSld>
+  <p:clrMapOvr>
+    <a:masterClrMapping/>
+  </p:clrMapOvr>
+  <mc:AlternateContent xmlns:mc="http://schemas.openxmlformats.org/markup-compatibility/2006" xmlns:p14="http://schemas.microsoft.com/office/powerpoint/2010/main">
+    <mc:Choice Requires="p14">
+      <p:transition spd="slow" p14:dur="2000"/>
+    </mc:Choice>
+    <mc:Fallback xmlns="">
+      <p:transition spd="slow"/>
+    </mc:Fallback>
+  </mc:AlternateContent>
+  <p:timing>
+    <p:tnLst>
+      <p:par>
+        <p:cTn id="1" dur="indefinite" restart="never" nodeType="tmRoot"/>
+      </p:par>
+    </p:tnLst>
+  </p:timing>
+</p:sld>
+</file>
+
+<file path=ppt/slides/slide49.xml><?xml version="1.0" encoding="utf-8"?>
 <p:sld xmlns:a="http://schemas.openxmlformats.org/drawingml/2006/main" xmlns:r="http://schemas.openxmlformats.org/officeDocument/2006/relationships" xmlns:p="http://schemas.openxmlformats.org/presentationml/2006/main">
   <p:cSld>
     <p:spTree>
@@ -19069,7 +18086,197 @@
 </p:sld>
 </file>
 
-<file path=ppt/slides/slide56.xml><?xml version="1.0" encoding="utf-8"?>
+<file path=ppt/slides/slide5.xml><?xml version="1.0" encoding="utf-8"?>
+<p:sld xmlns:a="http://schemas.openxmlformats.org/drawingml/2006/main" xmlns:r="http://schemas.openxmlformats.org/officeDocument/2006/relationships" xmlns:p="http://schemas.openxmlformats.org/presentationml/2006/main">
+  <p:cSld>
+    <p:spTree>
+      <p:nvGrpSpPr>
+        <p:cNvPr id="1" name=""/>
+        <p:cNvGrpSpPr/>
+        <p:nvPr/>
+      </p:nvGrpSpPr>
+      <p:grpSpPr>
+        <a:xfrm>
+          <a:off x="0" y="0"/>
+          <a:ext cx="0" cy="0"/>
+          <a:chOff x="0" y="0"/>
+          <a:chExt cx="0" cy="0"/>
+        </a:xfrm>
+      </p:grpSpPr>
+      <p:sp>
+        <p:nvSpPr>
+          <p:cNvPr id="2" name="Content Placeholder 1"/>
+          <p:cNvSpPr>
+            <a:spLocks noGrp="1"/>
+          </p:cNvSpPr>
+          <p:nvPr>
+            <p:ph idx="1"/>
+          </p:nvPr>
+        </p:nvSpPr>
+        <p:spPr>
+          <a:xfrm>
+            <a:off x="457200" y="2057400"/>
+            <a:ext cx="8228013" cy="3886200"/>
+          </a:xfrm>
+        </p:spPr>
+        <p:txBody>
+          <a:bodyPr/>
+          <a:lstStyle/>
+          <a:p>
+            <a:pPr marL="457200" indent="-457200">
+              <a:buClr>
+                <a:srgbClr val="C00000"/>
+              </a:buClr>
+              <a:buFont typeface="Wingdings" panose="05000000000000000000" pitchFamily="2" charset="2"/>
+              <a:buChar char="v"/>
+            </a:pPr>
+            <a:r>
+              <a:rPr lang="en-US" sz="2800" dirty="0" smtClean="0"/>
+              <a:t>The résumé has the most personal information </a:t>
+            </a:r>
+          </a:p>
+          <a:p>
+            <a:pPr marL="800100" lvl="1" indent="-342900">
+              <a:buClr>
+                <a:srgbClr val="C00000"/>
+              </a:buClr>
+              <a:buFont typeface="Arial" panose="020B0604020202020204" pitchFamily="34" charset="0"/>
+              <a:buChar char="•"/>
+            </a:pPr>
+            <a:r>
+              <a:rPr lang="en-US" sz="2400" dirty="0" smtClean="0"/>
+              <a:t>Education Background </a:t>
+            </a:r>
+          </a:p>
+          <a:p>
+            <a:pPr marL="800100" lvl="1" indent="-342900">
+              <a:buClr>
+                <a:srgbClr val="C00000"/>
+              </a:buClr>
+              <a:buFont typeface="Arial" panose="020B0604020202020204" pitchFamily="34" charset="0"/>
+              <a:buChar char="•"/>
+            </a:pPr>
+            <a:r>
+              <a:rPr lang="en-US" sz="2400" dirty="0"/>
+              <a:t>Work </a:t>
+            </a:r>
+            <a:r>
+              <a:rPr lang="en-US" sz="2400" dirty="0" smtClean="0"/>
+              <a:t>experiences</a:t>
+            </a:r>
+          </a:p>
+          <a:p>
+            <a:pPr marL="800100" lvl="1" indent="-342900">
+              <a:buClr>
+                <a:srgbClr val="C00000"/>
+              </a:buClr>
+              <a:buFont typeface="Arial" panose="020B0604020202020204" pitchFamily="34" charset="0"/>
+              <a:buChar char="•"/>
+            </a:pPr>
+            <a:r>
+              <a:rPr lang="en-US" sz="2400" dirty="0" smtClean="0"/>
+              <a:t>Skills </a:t>
+            </a:r>
+          </a:p>
+          <a:p>
+            <a:pPr marL="457200" indent="-457200">
+              <a:buClr>
+                <a:srgbClr val="C00000"/>
+              </a:buClr>
+              <a:buFont typeface="Wingdings" panose="05000000000000000000" pitchFamily="2" charset="2"/>
+              <a:buChar char="v"/>
+            </a:pPr>
+            <a:r>
+              <a:rPr lang="en-US" sz="2800" dirty="0" smtClean="0"/>
+              <a:t>Using </a:t>
+            </a:r>
+            <a:r>
+              <a:rPr lang="en-US" sz="2800" dirty="0"/>
+              <a:t>the résumé </a:t>
+            </a:r>
+            <a:r>
+              <a:rPr lang="en-US" sz="2800" dirty="0" smtClean="0"/>
+              <a:t>as a query to search jobs</a:t>
+            </a:r>
+          </a:p>
+          <a:p>
+            <a:pPr marL="457200" indent="-457200">
+              <a:buClr>
+                <a:srgbClr val="C00000"/>
+              </a:buClr>
+              <a:buFont typeface="Wingdings" panose="05000000000000000000" pitchFamily="2" charset="2"/>
+              <a:buChar char="v"/>
+            </a:pPr>
+            <a:r>
+              <a:rPr lang="en-US" sz="2800" dirty="0" smtClean="0"/>
+              <a:t>Ranking the jobs by their similarity scores</a:t>
+            </a:r>
+          </a:p>
+        </p:txBody>
+      </p:sp>
+      <p:sp>
+        <p:nvSpPr>
+          <p:cNvPr id="3" name="Title 2"/>
+          <p:cNvSpPr>
+            <a:spLocks noGrp="1"/>
+          </p:cNvSpPr>
+          <p:nvPr>
+            <p:ph type="title"/>
+          </p:nvPr>
+        </p:nvSpPr>
+        <p:spPr>
+          <a:xfrm>
+            <a:off x="457200" y="609600"/>
+            <a:ext cx="8228013" cy="701675"/>
+          </a:xfrm>
+        </p:spPr>
+        <p:txBody>
+          <a:bodyPr/>
+          <a:lstStyle/>
+          <a:p>
+            <a:r>
+              <a:rPr lang="en-US" dirty="0" smtClean="0"/>
+              <a:t>Résumés  as Query</a:t>
+            </a:r>
+            <a:endParaRPr lang="en-US" dirty="0">
+              <a:solidFill>
+                <a:schemeClr val="bg2">
+                  <a:lumMod val="75000"/>
+                </a:schemeClr>
+              </a:solidFill>
+            </a:endParaRPr>
+          </a:p>
+        </p:txBody>
+      </p:sp>
+    </p:spTree>
+    <p:extLst>
+      <p:ext uri="{BB962C8B-B14F-4D97-AF65-F5344CB8AC3E}">
+        <p14:creationId xmlns:p14="http://schemas.microsoft.com/office/powerpoint/2010/main" val="3532761650"/>
+      </p:ext>
+    </p:extLst>
+  </p:cSld>
+  <p:clrMapOvr>
+    <a:masterClrMapping/>
+  </p:clrMapOvr>
+  <mc:AlternateContent xmlns:mc="http://schemas.openxmlformats.org/markup-compatibility/2006" xmlns:p14="http://schemas.microsoft.com/office/powerpoint/2010/main">
+    <mc:Choice Requires="p14">
+      <p:transition spd="slow" p14:dur="2000"/>
+    </mc:Choice>
+    <mc:Fallback xmlns="">
+      <p:transition spd="slow"/>
+    </mc:Fallback>
+  </mc:AlternateContent>
+  <p:timing>
+    <p:tnLst>
+      <p:par>
+        <p:cTn id="1" dur="indefinite" restart="never" nodeType="tmRoot"/>
+      </p:par>
+    </p:tnLst>
+  </p:timing>
+</p:sld>
+</file>
+
+<file path=ppt/slides/slide50.xml><?xml version="1.0" encoding="utf-8"?>
 <p:sld xmlns:a="http://schemas.openxmlformats.org/drawingml/2006/main" xmlns:r="http://schemas.openxmlformats.org/officeDocument/2006/relationships" xmlns:p="http://schemas.openxmlformats.org/presentationml/2006/main">
   <p:cSld>
     <p:spTree>
@@ -19209,7 +18416,7 @@
 </p:sld>
 </file>
 
-<file path=ppt/slides/slide57.xml><?xml version="1.0" encoding="utf-8"?>
+<file path=ppt/slides/slide51.xml><?xml version="1.0" encoding="utf-8"?>
 <p:sld xmlns:a="http://schemas.openxmlformats.org/drawingml/2006/main" xmlns:r="http://schemas.openxmlformats.org/officeDocument/2006/relationships" xmlns:p="http://schemas.openxmlformats.org/presentationml/2006/main">
   <p:cSld>
     <p:spTree>
@@ -19521,7 +18728,7 @@
 </p:sld>
 </file>
 
-<file path=ppt/slides/slide58.xml><?xml version="1.0" encoding="utf-8"?>
+<file path=ppt/slides/slide52.xml><?xml version="1.0" encoding="utf-8"?>
 <p:sld xmlns:a="http://schemas.openxmlformats.org/drawingml/2006/main" xmlns:r="http://schemas.openxmlformats.org/officeDocument/2006/relationships" xmlns:p="http://schemas.openxmlformats.org/presentationml/2006/main">
   <p:cSld>
     <p:spTree>
@@ -19600,6 +18807,953 @@
     <p:extLst>
       <p:ext uri="{BB962C8B-B14F-4D97-AF65-F5344CB8AC3E}">
         <p14:creationId xmlns:p14="http://schemas.microsoft.com/office/powerpoint/2010/main" val="1765580452"/>
+      </p:ext>
+    </p:extLst>
+  </p:cSld>
+  <p:clrMapOvr>
+    <a:masterClrMapping/>
+  </p:clrMapOvr>
+  <mc:AlternateContent xmlns:mc="http://schemas.openxmlformats.org/markup-compatibility/2006" xmlns:p14="http://schemas.microsoft.com/office/powerpoint/2010/main">
+    <mc:Choice Requires="p14">
+      <p:transition spd="slow" p14:dur="2000"/>
+    </mc:Choice>
+    <mc:Fallback xmlns="">
+      <p:transition spd="slow"/>
+    </mc:Fallback>
+  </mc:AlternateContent>
+  <p:timing>
+    <p:tnLst>
+      <p:par>
+        <p:cTn id="1" dur="indefinite" restart="never" nodeType="tmRoot"/>
+      </p:par>
+    </p:tnLst>
+  </p:timing>
+</p:sld>
+</file>
+
+<file path=ppt/slides/slide53.xml><?xml version="1.0" encoding="utf-8"?>
+<p:sld xmlns:a="http://schemas.openxmlformats.org/drawingml/2006/main" xmlns:r="http://schemas.openxmlformats.org/officeDocument/2006/relationships" xmlns:p="http://schemas.openxmlformats.org/presentationml/2006/main">
+  <p:cSld>
+    <p:spTree>
+      <p:nvGrpSpPr>
+        <p:cNvPr id="1" name=""/>
+        <p:cNvGrpSpPr/>
+        <p:nvPr/>
+      </p:nvGrpSpPr>
+      <p:grpSpPr>
+        <a:xfrm>
+          <a:off x="0" y="0"/>
+          <a:ext cx="0" cy="0"/>
+          <a:chOff x="0" y="0"/>
+          <a:chExt cx="0" cy="0"/>
+        </a:xfrm>
+      </p:grpSpPr>
+      <p:pic>
+        <p:nvPicPr>
+          <p:cNvPr id="4" name="Content Placeholder 3"/>
+          <p:cNvPicPr>
+            <a:picLocks noGrp="1" noChangeAspect="1"/>
+          </p:cNvPicPr>
+          <p:nvPr>
+            <p:ph idx="1"/>
+          </p:nvPr>
+        </p:nvPicPr>
+        <p:blipFill>
+          <a:blip r:embed="rId2">
+            <a:extLst>
+              <a:ext uri="{28A0092B-C50C-407E-A947-70E740481C1C}">
+                <a14:useLocalDpi xmlns:a14="http://schemas.microsoft.com/office/drawing/2010/main" val="0"/>
+              </a:ext>
+            </a:extLst>
+          </a:blip>
+          <a:stretch>
+            <a:fillRect/>
+          </a:stretch>
+        </p:blipFill>
+        <p:spPr>
+          <a:xfrm>
+            <a:off x="0" y="380999"/>
+            <a:ext cx="9144000" cy="6787387"/>
+          </a:xfrm>
+        </p:spPr>
+      </p:pic>
+    </p:spTree>
+    <p:extLst>
+      <p:ext uri="{BB962C8B-B14F-4D97-AF65-F5344CB8AC3E}">
+        <p14:creationId xmlns:p14="http://schemas.microsoft.com/office/powerpoint/2010/main" val="2609138191"/>
+      </p:ext>
+    </p:extLst>
+  </p:cSld>
+  <p:clrMapOvr>
+    <a:masterClrMapping/>
+  </p:clrMapOvr>
+  <mc:AlternateContent xmlns:mc="http://schemas.openxmlformats.org/markup-compatibility/2006" xmlns:p14="http://schemas.microsoft.com/office/powerpoint/2010/main">
+    <mc:Choice Requires="p14">
+      <p:transition spd="slow" p14:dur="2000"/>
+    </mc:Choice>
+    <mc:Fallback xmlns="">
+      <p:transition spd="slow"/>
+    </mc:Fallback>
+  </mc:AlternateContent>
+  <p:timing>
+    <p:tnLst>
+      <p:par>
+        <p:cTn id="1" dur="indefinite" restart="never" nodeType="tmRoot"/>
+      </p:par>
+    </p:tnLst>
+  </p:timing>
+</p:sld>
+</file>
+
+<file path=ppt/slides/slide54.xml><?xml version="1.0" encoding="utf-8"?>
+<p:sld xmlns:a="http://schemas.openxmlformats.org/drawingml/2006/main" xmlns:r="http://schemas.openxmlformats.org/officeDocument/2006/relationships" xmlns:p="http://schemas.openxmlformats.org/presentationml/2006/main">
+  <p:cSld>
+    <p:spTree>
+      <p:nvGrpSpPr>
+        <p:cNvPr id="1" name=""/>
+        <p:cNvGrpSpPr/>
+        <p:nvPr/>
+      </p:nvGrpSpPr>
+      <p:grpSpPr>
+        <a:xfrm>
+          <a:off x="0" y="0"/>
+          <a:ext cx="0" cy="0"/>
+          <a:chOff x="0" y="0"/>
+          <a:chExt cx="0" cy="0"/>
+        </a:xfrm>
+      </p:grpSpPr>
+      <p:sp>
+        <p:nvSpPr>
+          <p:cNvPr id="3" name="Title 2"/>
+          <p:cNvSpPr>
+            <a:spLocks noGrp="1"/>
+          </p:cNvSpPr>
+          <p:nvPr>
+            <p:ph type="title"/>
+          </p:nvPr>
+        </p:nvSpPr>
+        <p:spPr>
+          <a:xfrm>
+            <a:off x="990600" y="2362200"/>
+            <a:ext cx="7343775" cy="2075745"/>
+          </a:xfrm>
+        </p:spPr>
+        <p:txBody>
+          <a:bodyPr>
+            <a:noAutofit/>
+          </a:bodyPr>
+          <a:lstStyle/>
+          <a:p>
+            <a:r>
+              <a:rPr lang="en-US" sz="4800" dirty="0"/>
+              <a:t>Ontology </a:t>
+            </a:r>
+            <a:r>
+              <a:rPr lang="en-US" sz="4800" dirty="0" smtClean="0"/>
+              <a:t>Construction</a:t>
+            </a:r>
+            <a:endParaRPr lang="en-US" sz="4800" dirty="0"/>
+          </a:p>
+        </p:txBody>
+      </p:sp>
+    </p:spTree>
+    <p:extLst>
+      <p:ext uri="{BB962C8B-B14F-4D97-AF65-F5344CB8AC3E}">
+        <p14:creationId xmlns:p14="http://schemas.microsoft.com/office/powerpoint/2010/main" val="551306326"/>
+      </p:ext>
+    </p:extLst>
+  </p:cSld>
+  <p:clrMapOvr>
+    <a:masterClrMapping/>
+  </p:clrMapOvr>
+  <mc:AlternateContent xmlns:mc="http://schemas.openxmlformats.org/markup-compatibility/2006" xmlns:p14="http://schemas.microsoft.com/office/powerpoint/2010/main">
+    <mc:Choice Requires="p14">
+      <p:transition spd="slow" p14:dur="2000"/>
+    </mc:Choice>
+    <mc:Fallback xmlns="">
+      <p:transition spd="slow"/>
+    </mc:Fallback>
+  </mc:AlternateContent>
+  <p:timing>
+    <p:tnLst>
+      <p:par>
+        <p:cTn id="1" dur="indefinite" restart="never" nodeType="tmRoot"/>
+      </p:par>
+    </p:tnLst>
+  </p:timing>
+</p:sld>
+</file>
+
+<file path=ppt/slides/slide55.xml><?xml version="1.0" encoding="utf-8"?>
+<p:sld xmlns:a="http://schemas.openxmlformats.org/drawingml/2006/main" xmlns:r="http://schemas.openxmlformats.org/officeDocument/2006/relationships" xmlns:p="http://schemas.openxmlformats.org/presentationml/2006/main">
+  <p:cSld>
+    <p:spTree>
+      <p:nvGrpSpPr>
+        <p:cNvPr id="1" name=""/>
+        <p:cNvGrpSpPr/>
+        <p:nvPr/>
+      </p:nvGrpSpPr>
+      <p:grpSpPr>
+        <a:xfrm>
+          <a:off x="0" y="0"/>
+          <a:ext cx="0" cy="0"/>
+          <a:chOff x="0" y="0"/>
+          <a:chExt cx="0" cy="0"/>
+        </a:xfrm>
+      </p:grpSpPr>
+      <p:sp>
+        <p:nvSpPr>
+          <p:cNvPr id="2" name="Content Placeholder 1"/>
+          <p:cNvSpPr>
+            <a:spLocks noGrp="1"/>
+          </p:cNvSpPr>
+          <p:nvPr>
+            <p:ph idx="1"/>
+          </p:nvPr>
+        </p:nvSpPr>
+        <p:spPr>
+          <a:xfrm>
+            <a:off x="609600" y="2133600"/>
+            <a:ext cx="8228013" cy="4191000"/>
+          </a:xfrm>
+        </p:spPr>
+        <p:txBody>
+          <a:bodyPr/>
+          <a:lstStyle/>
+          <a:p>
+            <a:pPr marL="514350" indent="-514350">
+              <a:buClr>
+                <a:srgbClr val="C00000"/>
+              </a:buClr>
+              <a:buFont typeface="+mj-lt"/>
+              <a:buAutoNum type="arabicPeriod"/>
+            </a:pPr>
+            <a:r>
+              <a:rPr lang="en-US" sz="2400" dirty="0" smtClean="0"/>
+              <a:t>A </a:t>
+            </a:r>
+            <a:r>
+              <a:rPr lang="en-US" sz="2400" dirty="0"/>
+              <a:t>high-level language such as Java, Groovy, Ruby or Python; we use Java and Groovy extensively</a:t>
+            </a:r>
+          </a:p>
+          <a:p>
+            <a:pPr marL="457200" indent="-457200">
+              <a:buClr>
+                <a:srgbClr val="C00000"/>
+              </a:buClr>
+              <a:buFont typeface="+mj-lt"/>
+              <a:buAutoNum type="arabicPeriod"/>
+            </a:pPr>
+            <a:endParaRPr lang="en-US" sz="2400" dirty="0"/>
+          </a:p>
+          <a:p>
+            <a:pPr marL="457200" indent="-457200">
+              <a:buClr>
+                <a:srgbClr val="C00000"/>
+              </a:buClr>
+              <a:buFont typeface="+mj-lt"/>
+              <a:buAutoNum type="arabicPeriod"/>
+            </a:pPr>
+            <a:r>
+              <a:rPr lang="en-US" sz="2400" dirty="0"/>
+              <a:t>HTML5/CSS3/JavaScript, web standards, jQuery or frameworks like </a:t>
+            </a:r>
+            <a:r>
+              <a:rPr lang="en-US" sz="2400" dirty="0" err="1"/>
+              <a:t>AngularJS</a:t>
+            </a:r>
+            <a:r>
+              <a:rPr lang="en-US" sz="2400" dirty="0"/>
+              <a:t> would be great</a:t>
+            </a:r>
+          </a:p>
+          <a:p>
+            <a:pPr marL="457200" indent="-457200">
+              <a:buClr>
+                <a:srgbClr val="C00000"/>
+              </a:buClr>
+              <a:buFont typeface="+mj-lt"/>
+              <a:buAutoNum type="arabicPeriod"/>
+            </a:pPr>
+            <a:endParaRPr lang="en-US" sz="2400" dirty="0"/>
+          </a:p>
+          <a:p>
+            <a:pPr marL="457200" indent="-457200">
+              <a:buClr>
+                <a:srgbClr val="C00000"/>
+              </a:buClr>
+              <a:buFont typeface="+mj-lt"/>
+              <a:buAutoNum type="arabicPeriod"/>
+            </a:pPr>
+            <a:r>
+              <a:rPr lang="en-US" sz="2400" dirty="0"/>
+              <a:t>HTML CSS and </a:t>
+            </a:r>
+            <a:r>
+              <a:rPr lang="en-US" sz="2400" dirty="0" err="1"/>
+              <a:t>Javascript</a:t>
+            </a:r>
+            <a:r>
+              <a:rPr lang="en-US" sz="2400" dirty="0"/>
+              <a:t> a must 4. Experience with AJAX, XML, XSL, XSLT, CSS, JavaScript, JQuery, HTML and Web Services</a:t>
+            </a:r>
+          </a:p>
+          <a:p>
+            <a:endParaRPr lang="en-US" dirty="0"/>
+          </a:p>
+          <a:p>
+            <a:endParaRPr lang="en-US" dirty="0"/>
+          </a:p>
+        </p:txBody>
+      </p:sp>
+      <p:sp>
+        <p:nvSpPr>
+          <p:cNvPr id="3" name="Title 2"/>
+          <p:cNvSpPr>
+            <a:spLocks noGrp="1"/>
+          </p:cNvSpPr>
+          <p:nvPr>
+            <p:ph type="title"/>
+          </p:nvPr>
+        </p:nvSpPr>
+        <p:spPr>
+          <a:xfrm>
+            <a:off x="457200" y="609600"/>
+            <a:ext cx="8075613" cy="994172"/>
+          </a:xfrm>
+        </p:spPr>
+        <p:txBody>
+          <a:bodyPr/>
+          <a:lstStyle/>
+          <a:p>
+            <a:r>
+              <a:rPr lang="en-US" dirty="0"/>
+              <a:t>Find Terms in Job Descriptions </a:t>
+            </a:r>
+          </a:p>
+        </p:txBody>
+      </p:sp>
+    </p:spTree>
+    <p:extLst>
+      <p:ext uri="{BB962C8B-B14F-4D97-AF65-F5344CB8AC3E}">
+        <p14:creationId xmlns:p14="http://schemas.microsoft.com/office/powerpoint/2010/main" val="5236157"/>
+      </p:ext>
+    </p:extLst>
+  </p:cSld>
+  <p:clrMapOvr>
+    <a:masterClrMapping/>
+  </p:clrMapOvr>
+  <mc:AlternateContent xmlns:mc="http://schemas.openxmlformats.org/markup-compatibility/2006" xmlns:p14="http://schemas.microsoft.com/office/powerpoint/2010/main">
+    <mc:Choice Requires="p14">
+      <p:transition spd="slow" p14:dur="2000"/>
+    </mc:Choice>
+    <mc:Fallback xmlns="">
+      <p:transition spd="slow"/>
+    </mc:Fallback>
+  </mc:AlternateContent>
+  <p:timing>
+    <p:tnLst>
+      <p:par>
+        <p:cTn id="1" dur="indefinite" restart="never" nodeType="tmRoot"/>
+      </p:par>
+    </p:tnLst>
+  </p:timing>
+</p:sld>
+</file>
+
+<file path=ppt/slides/slide56.xml><?xml version="1.0" encoding="utf-8"?>
+<p:sld xmlns:a="http://schemas.openxmlformats.org/drawingml/2006/main" xmlns:r="http://schemas.openxmlformats.org/officeDocument/2006/relationships" xmlns:p="http://schemas.openxmlformats.org/presentationml/2006/main">
+  <p:cSld>
+    <p:spTree>
+      <p:nvGrpSpPr>
+        <p:cNvPr id="1" name=""/>
+        <p:cNvGrpSpPr/>
+        <p:nvPr/>
+      </p:nvGrpSpPr>
+      <p:grpSpPr>
+        <a:xfrm>
+          <a:off x="0" y="0"/>
+          <a:ext cx="0" cy="0"/>
+          <a:chOff x="0" y="0"/>
+          <a:chExt cx="0" cy="0"/>
+        </a:xfrm>
+      </p:grpSpPr>
+      <p:sp>
+        <p:nvSpPr>
+          <p:cNvPr id="2" name="Content Placeholder 1"/>
+          <p:cNvSpPr>
+            <a:spLocks noGrp="1"/>
+          </p:cNvSpPr>
+          <p:nvPr>
+            <p:ph idx="1"/>
+          </p:nvPr>
+        </p:nvSpPr>
+        <p:spPr>
+          <a:xfrm>
+            <a:off x="443459" y="1752600"/>
+            <a:ext cx="8319541" cy="4724400"/>
+          </a:xfrm>
+        </p:spPr>
+        <p:txBody>
+          <a:bodyPr/>
+          <a:lstStyle/>
+          <a:p>
+            <a:pPr marL="457200" indent="-457200">
+              <a:buClr>
+                <a:srgbClr val="C00000"/>
+              </a:buClr>
+              <a:buFont typeface="Wingdings" panose="05000000000000000000" pitchFamily="2" charset="2"/>
+              <a:buChar char="v"/>
+            </a:pPr>
+            <a:r>
+              <a:rPr lang="en-US" sz="2800" dirty="0" smtClean="0"/>
+              <a:t>Pattern </a:t>
+            </a:r>
+            <a:r>
+              <a:rPr lang="en-US" sz="2800" dirty="0"/>
+              <a:t>t</a:t>
+            </a:r>
+            <a:r>
+              <a:rPr lang="en-US" sz="2800" dirty="0" smtClean="0"/>
+              <a:t>o </a:t>
+            </a:r>
+            <a:r>
+              <a:rPr lang="en-US" sz="2800" dirty="0"/>
+              <a:t>e</a:t>
+            </a:r>
+            <a:r>
+              <a:rPr lang="en-US" sz="2800" dirty="0" smtClean="0"/>
+              <a:t>xtract terms</a:t>
+            </a:r>
+            <a:endParaRPr lang="en-US" sz="2800" dirty="0" smtClean="0">
+              <a:solidFill>
+                <a:schemeClr val="accent1">
+                  <a:lumMod val="75000"/>
+                </a:schemeClr>
+              </a:solidFill>
+            </a:endParaRPr>
+          </a:p>
+          <a:p>
+            <a:pPr marL="0" indent="0">
+              <a:buClr>
+                <a:srgbClr val="C00000"/>
+              </a:buClr>
+            </a:pPr>
+            <a:r>
+              <a:rPr lang="en-US" sz="2400" dirty="0">
+                <a:solidFill>
+                  <a:schemeClr val="accent1">
+                    <a:lumMod val="75000"/>
+                  </a:schemeClr>
+                </a:solidFill>
+              </a:rPr>
+              <a:t>	</a:t>
+            </a:r>
+            <a:r>
+              <a:rPr lang="en-US" sz="2400" dirty="0" smtClean="0">
+                <a:solidFill>
+                  <a:schemeClr val="accent1">
+                    <a:lumMod val="75000"/>
+                  </a:schemeClr>
+                </a:solidFill>
+              </a:rPr>
+              <a:t>   TERM , </a:t>
+            </a:r>
+            <a:r>
+              <a:rPr lang="en-US" sz="2400" dirty="0">
+                <a:solidFill>
+                  <a:schemeClr val="accent1">
+                    <a:lumMod val="75000"/>
+                  </a:schemeClr>
+                </a:solidFill>
+              </a:rPr>
+              <a:t>* , *, </a:t>
+            </a:r>
+            <a:r>
+              <a:rPr lang="en-US" sz="2400" dirty="0" smtClean="0">
+                <a:solidFill>
+                  <a:schemeClr val="accent1">
+                    <a:lumMod val="75000"/>
+                  </a:schemeClr>
+                </a:solidFill>
+              </a:rPr>
+              <a:t>(AND)? TERM      </a:t>
+            </a:r>
+          </a:p>
+          <a:p>
+            <a:pPr marL="457200" indent="-457200">
+              <a:buClr>
+                <a:srgbClr val="C00000"/>
+              </a:buClr>
+              <a:buFont typeface="Wingdings" panose="05000000000000000000" pitchFamily="2" charset="2"/>
+              <a:buChar char="v"/>
+            </a:pPr>
+            <a:r>
+              <a:rPr lang="en-US" sz="2800" dirty="0" smtClean="0"/>
+              <a:t>Bootstrap approach </a:t>
+            </a:r>
+          </a:p>
+          <a:p>
+            <a:pPr marL="685800" lvl="1" indent="-342900">
+              <a:buClr>
+                <a:srgbClr val="C00000"/>
+              </a:buClr>
+              <a:buFont typeface="+mj-lt"/>
+              <a:buAutoNum type="arabicPeriod"/>
+            </a:pPr>
+            <a:r>
+              <a:rPr lang="en-US" sz="2400" dirty="0" smtClean="0"/>
+              <a:t>Collecting fifty initial terms manually, and adding them  to term list</a:t>
+            </a:r>
+          </a:p>
+          <a:p>
+            <a:pPr marL="685800" lvl="1" indent="-342900">
+              <a:buClr>
+                <a:srgbClr val="C00000"/>
+              </a:buClr>
+              <a:buFont typeface="+mj-lt"/>
+              <a:buAutoNum type="arabicPeriod"/>
+            </a:pPr>
+            <a:r>
+              <a:rPr lang="en-US" sz="2400" dirty="0" smtClean="0"/>
+              <a:t>Using the pattern matching library to find new terms</a:t>
+            </a:r>
+          </a:p>
+          <a:p>
+            <a:pPr marL="685800" lvl="1" indent="-342900">
+              <a:buClr>
+                <a:srgbClr val="C00000"/>
+              </a:buClr>
+              <a:buFont typeface="+mj-lt"/>
+              <a:buAutoNum type="arabicPeriod"/>
+            </a:pPr>
+            <a:r>
+              <a:rPr lang="en-US" sz="2400" dirty="0" smtClean="0"/>
+              <a:t>Checking the found terms on </a:t>
+            </a:r>
+            <a:r>
+              <a:rPr lang="en-US" sz="2400" dirty="0" err="1" smtClean="0"/>
+              <a:t>Dbpedia</a:t>
+            </a:r>
+            <a:r>
+              <a:rPr lang="en-US" sz="2400" dirty="0" smtClean="0"/>
+              <a:t> </a:t>
+            </a:r>
+          </a:p>
+          <a:p>
+            <a:pPr marL="1200150" lvl="3" indent="0">
+              <a:buClr>
+                <a:srgbClr val="C00000"/>
+              </a:buClr>
+            </a:pPr>
+            <a:r>
+              <a:rPr lang="en-US" dirty="0" smtClean="0"/>
+              <a:t>under </a:t>
+            </a:r>
+            <a:r>
+              <a:rPr lang="en-US" dirty="0"/>
+              <a:t>the </a:t>
+            </a:r>
+            <a:r>
+              <a:rPr lang="en-US" dirty="0" smtClean="0"/>
+              <a:t>technical categories </a:t>
+            </a:r>
+            <a:r>
+              <a:rPr lang="en-US" dirty="0"/>
+              <a:t>like </a:t>
+            </a:r>
+            <a:r>
+              <a:rPr lang="en-US" dirty="0" smtClean="0"/>
+              <a:t>software</a:t>
+            </a:r>
+            <a:r>
+              <a:rPr lang="en-US" dirty="0"/>
+              <a:t>, programming </a:t>
+            </a:r>
+            <a:r>
+              <a:rPr lang="en-US" dirty="0" smtClean="0"/>
+              <a:t>language and so on.  </a:t>
+            </a:r>
+          </a:p>
+          <a:p>
+            <a:pPr marL="685800" lvl="1" indent="-342900">
+              <a:buClr>
+                <a:srgbClr val="C00000"/>
+              </a:buClr>
+              <a:buFont typeface="+mj-lt"/>
+              <a:buAutoNum type="arabicPeriod"/>
+            </a:pPr>
+            <a:r>
+              <a:rPr lang="en-US" sz="2400" dirty="0" smtClean="0"/>
+              <a:t>Adding the new terms in to term list</a:t>
+            </a:r>
+          </a:p>
+          <a:p>
+            <a:pPr marL="685800" lvl="1" indent="-342900">
+              <a:buFont typeface="+mj-lt"/>
+              <a:buAutoNum type="arabicPeriod"/>
+            </a:pPr>
+            <a:endParaRPr lang="en-US" dirty="0"/>
+          </a:p>
+        </p:txBody>
+      </p:sp>
+      <p:sp>
+        <p:nvSpPr>
+          <p:cNvPr id="3" name="Title 2"/>
+          <p:cNvSpPr>
+            <a:spLocks noGrp="1"/>
+          </p:cNvSpPr>
+          <p:nvPr>
+            <p:ph type="title"/>
+          </p:nvPr>
+        </p:nvSpPr>
+        <p:spPr>
+          <a:xfrm>
+            <a:off x="443459" y="533400"/>
+            <a:ext cx="7343775" cy="994172"/>
+          </a:xfrm>
+        </p:spPr>
+        <p:txBody>
+          <a:bodyPr/>
+          <a:lstStyle/>
+          <a:p>
+            <a:r>
+              <a:rPr lang="en-US" dirty="0">
+                <a:solidFill>
+                  <a:schemeClr val="tx1"/>
+                </a:solidFill>
+              </a:rPr>
+              <a:t>Bootstrap </a:t>
+            </a:r>
+            <a:r>
+              <a:rPr lang="en-US" dirty="0" smtClean="0">
+                <a:solidFill>
+                  <a:schemeClr val="tx1"/>
+                </a:solidFill>
+              </a:rPr>
+              <a:t>Approach </a:t>
+            </a:r>
+            <a:endParaRPr lang="en-US" dirty="0">
+              <a:solidFill>
+                <a:schemeClr val="tx1"/>
+              </a:solidFill>
+            </a:endParaRPr>
+          </a:p>
+        </p:txBody>
+      </p:sp>
+    </p:spTree>
+    <p:extLst>
+      <p:ext uri="{BB962C8B-B14F-4D97-AF65-F5344CB8AC3E}">
+        <p14:creationId xmlns:p14="http://schemas.microsoft.com/office/powerpoint/2010/main" val="311115961"/>
+      </p:ext>
+    </p:extLst>
+  </p:cSld>
+  <p:clrMapOvr>
+    <a:masterClrMapping/>
+  </p:clrMapOvr>
+  <mc:AlternateContent xmlns:mc="http://schemas.openxmlformats.org/markup-compatibility/2006" xmlns:p14="http://schemas.microsoft.com/office/powerpoint/2010/main">
+    <mc:Choice Requires="p14">
+      <p:transition spd="slow" p14:dur="2000"/>
+    </mc:Choice>
+    <mc:Fallback xmlns="">
+      <p:transition spd="slow"/>
+    </mc:Fallback>
+  </mc:AlternateContent>
+  <p:timing>
+    <p:tnLst>
+      <p:par>
+        <p:cTn id="1" dur="indefinite" restart="never" nodeType="tmRoot"/>
+      </p:par>
+    </p:tnLst>
+  </p:timing>
+</p:sld>
+</file>
+
+<file path=ppt/slides/slide57.xml><?xml version="1.0" encoding="utf-8"?>
+<p:sld xmlns:a="http://schemas.openxmlformats.org/drawingml/2006/main" xmlns:r="http://schemas.openxmlformats.org/officeDocument/2006/relationships" xmlns:p="http://schemas.openxmlformats.org/presentationml/2006/main">
+  <p:cSld>
+    <p:spTree>
+      <p:nvGrpSpPr>
+        <p:cNvPr id="1" name=""/>
+        <p:cNvGrpSpPr/>
+        <p:nvPr/>
+      </p:nvGrpSpPr>
+      <p:grpSpPr>
+        <a:xfrm>
+          <a:off x="0" y="0"/>
+          <a:ext cx="0" cy="0"/>
+          <a:chOff x="0" y="0"/>
+          <a:chExt cx="0" cy="0"/>
+        </a:xfrm>
+      </p:grpSpPr>
+      <p:sp>
+        <p:nvSpPr>
+          <p:cNvPr id="2" name="Rectangle 1"/>
+          <p:cNvSpPr/>
+          <p:nvPr/>
+        </p:nvSpPr>
+        <p:spPr bwMode="auto">
+          <a:xfrm>
+            <a:off x="381000" y="1828800"/>
+            <a:ext cx="8458200" cy="4495800"/>
+          </a:xfrm>
+          <a:prstGeom prst="rect">
+            <a:avLst/>
+          </a:prstGeom>
+          <a:solidFill>
+            <a:schemeClr val="bg1"/>
+          </a:solidFill>
+          <a:ln w="9525" cap="flat" cmpd="sng" algn="ctr">
+            <a:solidFill>
+              <a:schemeClr val="tx1"/>
+            </a:solidFill>
+            <a:prstDash val="solid"/>
+            <a:round/>
+            <a:headEnd type="none" w="med" len="med"/>
+            <a:tailEnd type="none" w="med" len="med"/>
+          </a:ln>
+          <a:effectLst/>
+          <a:extLst>
+            <a:ext uri="{AF507438-7753-43e0-B8FC-AC1667EBCBE1}">
+              <a14:hiddenEffects xmlns="" xmlns:a14="http://schemas.microsoft.com/office/drawing/2010/main">
+                <a:effectLst>
+                  <a:outerShdw blurRad="63500" dist="38099" dir="2700000" algn="ctr" rotWithShape="0">
+                    <a:schemeClr val="bg2">
+                      <a:alpha val="74998"/>
+                    </a:schemeClr>
+                  </a:outerShdw>
+                </a:effectLst>
+              </a14:hiddenEffects>
+            </a:ext>
+          </a:extLst>
+        </p:spPr>
+        <p:txBody>
+          <a:bodyPr vert="horz" wrap="square" lIns="91440" tIns="45720" rIns="91440" bIns="45720" numCol="1" rtlCol="0" anchor="t" anchorCtr="0" compatLnSpc="1">
+            <a:prstTxWarp prst="textNoShape">
+              <a:avLst/>
+            </a:prstTxWarp>
+          </a:bodyPr>
+          <a:lstStyle/>
+          <a:p>
+            <a:pPr marL="0" marR="0" indent="0" algn="l" defTabSz="457200" rtl="0" eaLnBrk="1" fontAlgn="base" latinLnBrk="0" hangingPunct="1">
+              <a:lnSpc>
+                <a:spcPct val="100000"/>
+              </a:lnSpc>
+              <a:spcBef>
+                <a:spcPct val="0"/>
+              </a:spcBef>
+              <a:spcAft>
+                <a:spcPct val="0"/>
+              </a:spcAft>
+              <a:buClr>
+                <a:srgbClr val="000000"/>
+              </a:buClr>
+              <a:buSzPct val="100000"/>
+              <a:buFont typeface="Times New Roman" charset="0"/>
+              <a:buNone/>
+              <a:tabLst/>
+            </a:pPr>
+            <a:endParaRPr kumimoji="0" lang="en-US" sz="2400" b="0" i="0" u="none" strike="noStrike" cap="none" normalizeH="0" baseline="0">
+              <a:ln>
+                <a:noFill/>
+              </a:ln>
+              <a:solidFill>
+                <a:schemeClr val="bg1"/>
+              </a:solidFill>
+              <a:effectLst/>
+              <a:latin typeface="Arial" charset="0"/>
+              <a:ea typeface="ＭＳ Ｐゴシック" charset="0"/>
+              <a:cs typeface="ＭＳ Ｐゴシック" charset="0"/>
+            </a:endParaRPr>
+          </a:p>
+        </p:txBody>
+      </p:sp>
+      <p:sp>
+        <p:nvSpPr>
+          <p:cNvPr id="3" name="Title 2"/>
+          <p:cNvSpPr>
+            <a:spLocks noGrp="1"/>
+          </p:cNvSpPr>
+          <p:nvPr>
+            <p:ph type="title"/>
+          </p:nvPr>
+        </p:nvSpPr>
+        <p:spPr>
+          <a:xfrm>
+            <a:off x="685800" y="533400"/>
+            <a:ext cx="7343775" cy="994172"/>
+          </a:xfrm>
+        </p:spPr>
+        <p:txBody>
+          <a:bodyPr>
+            <a:normAutofit/>
+          </a:bodyPr>
+          <a:lstStyle/>
+          <a:p>
+            <a:r>
+              <a:rPr lang="en-US" dirty="0"/>
+              <a:t>Bootstrap Approach </a:t>
+            </a:r>
+          </a:p>
+        </p:txBody>
+      </p:sp>
+      <p:pic>
+        <p:nvPicPr>
+          <p:cNvPr id="4" name="Picture 3"/>
+          <p:cNvPicPr>
+            <a:picLocks noChangeAspect="1"/>
+          </p:cNvPicPr>
+          <p:nvPr/>
+        </p:nvPicPr>
+        <p:blipFill>
+          <a:blip r:embed="rId3">
+            <a:extLst>
+              <a:ext uri="{28A0092B-C50C-407E-A947-70E740481C1C}">
+                <a14:useLocalDpi xmlns:a14="http://schemas.microsoft.com/office/drawing/2010/main" val="0"/>
+              </a:ext>
+            </a:extLst>
+          </a:blip>
+          <a:stretch>
+            <a:fillRect/>
+          </a:stretch>
+        </p:blipFill>
+        <p:spPr>
+          <a:xfrm>
+            <a:off x="533400" y="2133600"/>
+            <a:ext cx="8149202" cy="3581400"/>
+          </a:xfrm>
+          <a:prstGeom prst="rect">
+            <a:avLst/>
+          </a:prstGeom>
+        </p:spPr>
+      </p:pic>
+    </p:spTree>
+    <p:extLst>
+      <p:ext uri="{BB962C8B-B14F-4D97-AF65-F5344CB8AC3E}">
+        <p14:creationId xmlns:p14="http://schemas.microsoft.com/office/powerpoint/2010/main" val="3281651148"/>
+      </p:ext>
+    </p:extLst>
+  </p:cSld>
+  <p:clrMapOvr>
+    <a:masterClrMapping/>
+  </p:clrMapOvr>
+  <mc:AlternateContent xmlns:mc="http://schemas.openxmlformats.org/markup-compatibility/2006" xmlns:p14="http://schemas.microsoft.com/office/powerpoint/2010/main">
+    <mc:Choice Requires="p14">
+      <p:transition spd="slow" p14:dur="2000"/>
+    </mc:Choice>
+    <mc:Fallback xmlns="">
+      <p:transition spd="slow"/>
+    </mc:Fallback>
+  </mc:AlternateContent>
+  <p:timing>
+    <p:tnLst>
+      <p:par>
+        <p:cTn id="1" dur="indefinite" restart="never" nodeType="tmRoot"/>
+      </p:par>
+    </p:tnLst>
+  </p:timing>
+</p:sld>
+</file>
+
+<file path=ppt/slides/slide58.xml><?xml version="1.0" encoding="utf-8"?>
+<p:sld xmlns:a="http://schemas.openxmlformats.org/drawingml/2006/main" xmlns:r="http://schemas.openxmlformats.org/officeDocument/2006/relationships" xmlns:p="http://schemas.openxmlformats.org/presentationml/2006/main">
+  <p:cSld>
+    <p:spTree>
+      <p:nvGrpSpPr>
+        <p:cNvPr id="1" name=""/>
+        <p:cNvGrpSpPr/>
+        <p:nvPr/>
+      </p:nvGrpSpPr>
+      <p:grpSpPr>
+        <a:xfrm>
+          <a:off x="0" y="0"/>
+          <a:ext cx="0" cy="0"/>
+          <a:chOff x="0" y="0"/>
+          <a:chExt cx="0" cy="0"/>
+        </a:xfrm>
+      </p:grpSpPr>
+      <p:pic>
+        <p:nvPicPr>
+          <p:cNvPr id="4" name="Content Placeholder 3"/>
+          <p:cNvPicPr>
+            <a:picLocks noGrp="1" noChangeAspect="1"/>
+          </p:cNvPicPr>
+          <p:nvPr>
+            <p:ph idx="1"/>
+          </p:nvPr>
+        </p:nvPicPr>
+        <p:blipFill>
+          <a:blip r:embed="rId2"/>
+          <a:stretch>
+            <a:fillRect/>
+          </a:stretch>
+        </p:blipFill>
+        <p:spPr>
+          <a:xfrm>
+            <a:off x="1239190" y="2125267"/>
+            <a:ext cx="6450806" cy="678656"/>
+          </a:xfrm>
+          <a:prstGeom prst="rect">
+            <a:avLst/>
+          </a:prstGeom>
+        </p:spPr>
+      </p:pic>
+      <p:sp>
+        <p:nvSpPr>
+          <p:cNvPr id="3" name="Title 2"/>
+          <p:cNvSpPr>
+            <a:spLocks noGrp="1"/>
+          </p:cNvSpPr>
+          <p:nvPr>
+            <p:ph type="title"/>
+          </p:nvPr>
+        </p:nvSpPr>
+        <p:spPr>
+          <a:xfrm>
+            <a:off x="1134092" y="562777"/>
+            <a:ext cx="7343775" cy="994172"/>
+          </a:xfrm>
+        </p:spPr>
+        <p:txBody>
+          <a:bodyPr/>
+          <a:lstStyle/>
+          <a:p>
+            <a:r>
+              <a:rPr lang="en-US" dirty="0"/>
+              <a:t>Dbpedia Page </a:t>
+            </a:r>
+          </a:p>
+        </p:txBody>
+      </p:sp>
+      <p:pic>
+        <p:nvPicPr>
+          <p:cNvPr id="6" name="Picture 5"/>
+          <p:cNvPicPr>
+            <a:picLocks noChangeAspect="1"/>
+          </p:cNvPicPr>
+          <p:nvPr/>
+        </p:nvPicPr>
+        <p:blipFill>
+          <a:blip r:embed="rId3"/>
+          <a:stretch>
+            <a:fillRect/>
+          </a:stretch>
+        </p:blipFill>
+        <p:spPr>
+          <a:xfrm>
+            <a:off x="1239190" y="2878932"/>
+            <a:ext cx="7263661" cy="3261877"/>
+          </a:xfrm>
+          <a:prstGeom prst="rect">
+            <a:avLst/>
+          </a:prstGeom>
+        </p:spPr>
+      </p:pic>
+    </p:spTree>
+    <p:extLst>
+      <p:ext uri="{BB962C8B-B14F-4D97-AF65-F5344CB8AC3E}">
+        <p14:creationId xmlns:p14="http://schemas.microsoft.com/office/powerpoint/2010/main" val="3944379653"/>
       </p:ext>
     </p:extLst>
   </p:cSld>
@@ -20281,7 +20435,7 @@
         </p:nvSpPr>
         <p:spPr>
           <a:xfrm>
-            <a:off x="838200" y="2438398"/>
+            <a:off x="457993" y="1847741"/>
             <a:ext cx="8228013" cy="4724401"/>
           </a:xfrm>
         </p:spPr>
@@ -20869,7 +21023,7 @@
         </p:blipFill>
         <p:spPr bwMode="auto">
           <a:xfrm>
-            <a:off x="992163" y="3962398"/>
+            <a:off x="731837" y="3296575"/>
             <a:ext cx="3294641" cy="913366"/>
           </a:xfrm>
           <a:prstGeom prst="rect">
@@ -20910,7 +21064,7 @@
         </p:blipFill>
         <p:spPr bwMode="auto">
           <a:xfrm>
-            <a:off x="4897318" y="3962398"/>
+            <a:off x="4824758" y="3258822"/>
             <a:ext cx="3070464" cy="913366"/>
           </a:xfrm>
           <a:prstGeom prst="rect">
@@ -21215,6 +21369,30 @@
           <a:chExt cx="0" cy="0"/>
         </a:xfrm>
       </p:grpSpPr>
+      <p:pic>
+        <p:nvPicPr>
+          <p:cNvPr id="4" name="Picture 3"/>
+          <p:cNvPicPr>
+            <a:picLocks noChangeAspect="1"/>
+          </p:cNvPicPr>
+          <p:nvPr/>
+        </p:nvPicPr>
+        <p:blipFill>
+          <a:blip r:embed="rId2"/>
+          <a:stretch>
+            <a:fillRect/>
+          </a:stretch>
+        </p:blipFill>
+        <p:spPr>
+          <a:xfrm>
+            <a:off x="1337872" y="2286000"/>
+            <a:ext cx="6241565" cy="4343400"/>
+          </a:xfrm>
+          <a:prstGeom prst="rect">
+            <a:avLst/>
+          </a:prstGeom>
+        </p:spPr>
+      </p:pic>
       <p:sp>
         <p:nvSpPr>
           <p:cNvPr id="3" name="Title 2"/>
@@ -21242,30 +21420,6 @@
           </a:p>
         </p:txBody>
       </p:sp>
-      <p:pic>
-        <p:nvPicPr>
-          <p:cNvPr id="5" name="Picture 4"/>
-          <p:cNvPicPr>
-            <a:picLocks noChangeAspect="1"/>
-          </p:cNvPicPr>
-          <p:nvPr/>
-        </p:nvPicPr>
-        <p:blipFill>
-          <a:blip r:embed="rId2"/>
-          <a:stretch>
-            <a:fillRect/>
-          </a:stretch>
-        </p:blipFill>
-        <p:spPr>
-          <a:xfrm>
-            <a:off x="1371600" y="2286000"/>
-            <a:ext cx="5943600" cy="4199860"/>
-          </a:xfrm>
-          <a:prstGeom prst="rect">
-            <a:avLst/>
-          </a:prstGeom>
-        </p:spPr>
-      </p:pic>
       <p:sp>
         <p:nvSpPr>
           <p:cNvPr id="6" name="TextBox 5"/>
@@ -21322,8 +21476,8 @@
         </p:nvSpPr>
         <p:spPr bwMode="auto">
           <a:xfrm>
-            <a:off x="1371600" y="2354330"/>
-            <a:ext cx="5867400" cy="502920"/>
+            <a:off x="1386590" y="2339340"/>
+            <a:ext cx="6096000" cy="502920"/>
           </a:xfrm>
           <a:prstGeom prst="rect">
             <a:avLst/>
@@ -22947,11 +23101,7 @@
           <a:p>
             <a:r>
               <a:rPr lang="en-US" dirty="0" smtClean="0"/>
-              <a:t>Comparing with </a:t>
-            </a:r>
-            <a:r>
-              <a:rPr lang="en-US" dirty="0" smtClean="0"/>
-              <a:t>Indeed.</a:t>
+              <a:t>Comparing with Indeed.</a:t>
             </a:r>
             <a:r>
               <a:rPr lang="en-US" altLang="zh-CN" dirty="0" smtClean="0"/>
@@ -28106,6 +28256,337 @@
   <p:clrMapOvr>
     <a:masterClrMapping/>
   </p:clrMapOvr>
+  <p:timing>
+    <p:tnLst>
+      <p:par>
+        <p:cTn id="1" dur="indefinite" restart="never" nodeType="tmRoot"/>
+      </p:par>
+    </p:tnLst>
+  </p:timing>
+</p:sld>
+</file>
+
+<file path=ppt/slides/slide80.xml><?xml version="1.0" encoding="utf-8"?>
+<p:sld xmlns:a="http://schemas.openxmlformats.org/drawingml/2006/main" xmlns:r="http://schemas.openxmlformats.org/officeDocument/2006/relationships" xmlns:p="http://schemas.openxmlformats.org/presentationml/2006/main">
+  <p:cSld>
+    <p:spTree>
+      <p:nvGrpSpPr>
+        <p:cNvPr id="1" name=""/>
+        <p:cNvGrpSpPr/>
+        <p:nvPr/>
+      </p:nvGrpSpPr>
+      <p:grpSpPr>
+        <a:xfrm>
+          <a:off x="0" y="0"/>
+          <a:ext cx="0" cy="0"/>
+          <a:chOff x="0" y="0"/>
+          <a:chExt cx="0" cy="0"/>
+        </a:xfrm>
+      </p:grpSpPr>
+      <p:sp>
+        <p:nvSpPr>
+          <p:cNvPr id="2" name="Content Placeholder 1"/>
+          <p:cNvSpPr>
+            <a:spLocks noGrp="1"/>
+          </p:cNvSpPr>
+          <p:nvPr>
+            <p:ph idx="1"/>
+          </p:nvPr>
+        </p:nvSpPr>
+        <p:spPr>
+          <a:xfrm>
+            <a:off x="505126" y="1752600"/>
+            <a:ext cx="8228013" cy="4419600"/>
+          </a:xfrm>
+        </p:spPr>
+        <p:txBody>
+          <a:bodyPr/>
+          <a:lstStyle/>
+          <a:p>
+            <a:pPr marL="457200" indent="-457200">
+              <a:buClr>
+                <a:srgbClr val="C00000"/>
+              </a:buClr>
+              <a:buFont typeface="Wingdings" panose="05000000000000000000" pitchFamily="2" charset="2"/>
+              <a:buChar char="v"/>
+            </a:pPr>
+            <a:r>
+              <a:rPr lang="en-US" sz="2800" dirty="0" smtClean="0"/>
+              <a:t>KL</a:t>
+            </a:r>
+            <a:r>
+              <a:rPr lang="zh-CN" altLang="en-US" sz="2800" dirty="0" smtClean="0"/>
+              <a:t>： </a:t>
+            </a:r>
+            <a:r>
+              <a:rPr lang="en-US" altLang="zh-CN" sz="2800" dirty="0" err="1"/>
+              <a:t>Kullback-Leibler</a:t>
+            </a:r>
+            <a:r>
+              <a:rPr lang="en-US" altLang="zh-CN" sz="2800" dirty="0"/>
+              <a:t> divergence </a:t>
+            </a:r>
+            <a:r>
+              <a:rPr lang="en-US" altLang="zh-CN" sz="2000" dirty="0"/>
+              <a:t>(C. </a:t>
+            </a:r>
+            <a:r>
+              <a:rPr lang="en-US" altLang="zh-CN" sz="2000" dirty="0" err="1" smtClean="0"/>
+              <a:t>Zhai</a:t>
+            </a:r>
+            <a:r>
+              <a:rPr lang="en-US" altLang="zh-CN" sz="2000" dirty="0" smtClean="0"/>
+              <a:t>, 2008)</a:t>
+            </a:r>
+            <a:endParaRPr lang="en-US" altLang="zh-CN" sz="2000" dirty="0" smtClean="0"/>
+          </a:p>
+          <a:p>
+            <a:pPr marL="457200" indent="-457200">
+              <a:buClr>
+                <a:srgbClr val="C00000"/>
+              </a:buClr>
+              <a:buFont typeface="Wingdings" panose="05000000000000000000" pitchFamily="2" charset="2"/>
+              <a:buChar char="v"/>
+            </a:pPr>
+            <a:r>
+              <a:rPr lang="en-US" sz="2800" dirty="0"/>
+              <a:t>KL </a:t>
+            </a:r>
+            <a:r>
+              <a:rPr lang="en-US" altLang="zh-CN" sz="2800" dirty="0" smtClean="0"/>
+              <a:t>is </a:t>
+            </a:r>
+            <a:r>
+              <a:rPr lang="en-US" altLang="zh-CN" sz="2800" dirty="0"/>
+              <a:t>a measure of the information lost when Q is used to approximate </a:t>
+            </a:r>
+            <a:r>
+              <a:rPr lang="en-US" altLang="zh-CN" sz="2800" dirty="0" smtClean="0"/>
+              <a:t>P.</a:t>
+            </a:r>
+          </a:p>
+          <a:p>
+            <a:pPr marL="457200" indent="-457200">
+              <a:buClr>
+                <a:srgbClr val="C00000"/>
+              </a:buClr>
+              <a:buFont typeface="Wingdings" panose="05000000000000000000" pitchFamily="2" charset="2"/>
+              <a:buChar char="v"/>
+            </a:pPr>
+            <a:endParaRPr lang="en-US" sz="2800" dirty="0"/>
+          </a:p>
+          <a:p>
+            <a:pPr marL="457200" indent="-457200">
+              <a:buClr>
+                <a:srgbClr val="C00000"/>
+              </a:buClr>
+              <a:buFont typeface="Wingdings" panose="05000000000000000000" pitchFamily="2" charset="2"/>
+              <a:buChar char="v"/>
+            </a:pPr>
+            <a:endParaRPr lang="en-US" sz="2800" dirty="0" smtClean="0"/>
+          </a:p>
+          <a:p>
+            <a:pPr marL="457200" indent="-457200">
+              <a:buClr>
+                <a:srgbClr val="C00000"/>
+              </a:buClr>
+              <a:buFont typeface="Wingdings" panose="05000000000000000000" pitchFamily="2" charset="2"/>
+              <a:buChar char="v"/>
+            </a:pPr>
+            <a:r>
+              <a:rPr lang="en-US" sz="2800" dirty="0" smtClean="0"/>
+              <a:t>P(</a:t>
+            </a:r>
+            <a:r>
+              <a:rPr lang="en-US" sz="2800" dirty="0" err="1" smtClean="0"/>
+              <a:t>i</a:t>
+            </a:r>
+            <a:r>
+              <a:rPr lang="en-US" sz="2800" dirty="0" smtClean="0"/>
+              <a:t>) : Probability of word </a:t>
+            </a:r>
+            <a:r>
+              <a:rPr lang="en-US" sz="2800" dirty="0" err="1" smtClean="0"/>
+              <a:t>i</a:t>
+            </a:r>
+            <a:r>
+              <a:rPr lang="en-US" sz="2800" dirty="0" smtClean="0"/>
+              <a:t> in document P.</a:t>
+            </a:r>
+          </a:p>
+          <a:p>
+            <a:pPr marL="457200" indent="-457200">
+              <a:buClr>
+                <a:srgbClr val="C00000"/>
+              </a:buClr>
+              <a:buFont typeface="Wingdings" panose="05000000000000000000" pitchFamily="2" charset="2"/>
+              <a:buChar char="v"/>
+            </a:pPr>
+            <a:r>
+              <a:rPr lang="en-US" sz="2800" dirty="0" smtClean="0"/>
+              <a:t>Q(</a:t>
+            </a:r>
+            <a:r>
+              <a:rPr lang="en-US" sz="2800" dirty="0" err="1" smtClean="0"/>
+              <a:t>i</a:t>
+            </a:r>
+            <a:r>
+              <a:rPr lang="en-US" sz="2800" dirty="0"/>
+              <a:t>) : Probability of word </a:t>
+            </a:r>
+            <a:r>
+              <a:rPr lang="en-US" sz="2800" dirty="0" err="1"/>
+              <a:t>i</a:t>
+            </a:r>
+            <a:r>
+              <a:rPr lang="en-US" sz="2800" dirty="0"/>
+              <a:t> in document P.</a:t>
+            </a:r>
+          </a:p>
+          <a:p>
+            <a:pPr marL="457200" indent="-457200">
+              <a:buClr>
+                <a:srgbClr val="C00000"/>
+              </a:buClr>
+              <a:buFont typeface="Wingdings" panose="05000000000000000000" pitchFamily="2" charset="2"/>
+              <a:buChar char="v"/>
+            </a:pPr>
+            <a:endParaRPr lang="en-US" sz="2800" dirty="0"/>
+          </a:p>
+          <a:p>
+            <a:pPr marL="457200" indent="-457200">
+              <a:buClr>
+                <a:srgbClr val="C00000"/>
+              </a:buClr>
+              <a:buFont typeface="Wingdings" panose="05000000000000000000" pitchFamily="2" charset="2"/>
+              <a:buChar char="v"/>
+            </a:pPr>
+            <a:endParaRPr lang="en-US" sz="2800" dirty="0"/>
+          </a:p>
+        </p:txBody>
+      </p:sp>
+      <p:sp>
+        <p:nvSpPr>
+          <p:cNvPr id="3" name="Title 2"/>
+          <p:cNvSpPr>
+            <a:spLocks noGrp="1"/>
+          </p:cNvSpPr>
+          <p:nvPr>
+            <p:ph type="title"/>
+          </p:nvPr>
+        </p:nvSpPr>
+        <p:spPr/>
+        <p:txBody>
+          <a:bodyPr/>
+          <a:lstStyle/>
+          <a:p>
+            <a:r>
+              <a:rPr lang="en-US" dirty="0"/>
+              <a:t>Models </a:t>
+            </a:r>
+            <a:r>
+              <a:rPr lang="en-US" dirty="0" smtClean="0"/>
+              <a:t>to be Compared </a:t>
+            </a:r>
+            <a:r>
+              <a:rPr lang="en-US" dirty="0"/>
+              <a:t>With</a:t>
+            </a:r>
+          </a:p>
+        </p:txBody>
+      </p:sp>
+      <p:sp>
+        <p:nvSpPr>
+          <p:cNvPr id="6" name="Rectangle 5"/>
+          <p:cNvSpPr/>
+          <p:nvPr/>
+        </p:nvSpPr>
+        <p:spPr>
+          <a:xfrm>
+            <a:off x="7170816" y="-50850"/>
+            <a:ext cx="1624163" cy="461665"/>
+          </a:xfrm>
+          <a:prstGeom prst="rect">
+            <a:avLst/>
+          </a:prstGeom>
+        </p:spPr>
+        <p:txBody>
+          <a:bodyPr wrap="none">
+            <a:spAutoFit/>
+          </a:bodyPr>
+          <a:lstStyle/>
+          <a:p>
+            <a:r>
+              <a:rPr lang="en-US" dirty="0"/>
+              <a:t>E</a:t>
+            </a:r>
+            <a:r>
+              <a:rPr lang="en-US" altLang="zh-CN" dirty="0"/>
+              <a:t>valuation</a:t>
+            </a:r>
+            <a:endParaRPr lang="en-US" dirty="0"/>
+          </a:p>
+        </p:txBody>
+      </p:sp>
+      <p:pic>
+        <p:nvPicPr>
+          <p:cNvPr id="1026" name="Picture 2" descr="D_{\mathrm{KL}}(P\|Q) = \sum_i P(i) \, \ln\frac{P(i)}{Q(i)}."/>
+          <p:cNvPicPr>
+            <a:picLocks noChangeAspect="1" noChangeArrowheads="1"/>
+          </p:cNvPicPr>
+          <p:nvPr/>
+        </p:nvPicPr>
+        <p:blipFill>
+          <a:blip r:embed="rId3">
+            <a:extLst>
+              <a:ext uri="{28A0092B-C50C-407E-A947-70E740481C1C}">
+                <a14:useLocalDpi xmlns:a14="http://schemas.microsoft.com/office/drawing/2010/main" val="0"/>
+              </a:ext>
+            </a:extLst>
+          </a:blip>
+          <a:srcRect/>
+          <a:stretch>
+            <a:fillRect/>
+          </a:stretch>
+        </p:blipFill>
+        <p:spPr bwMode="auto">
+          <a:xfrm>
+            <a:off x="1752600" y="3352800"/>
+            <a:ext cx="4191000" cy="854321"/>
+          </a:xfrm>
+          <a:prstGeom prst="rect">
+            <a:avLst/>
+          </a:prstGeom>
+          <a:noFill/>
+          <a:extLst>
+            <a:ext uri="{909E8E84-426E-40DD-AFC4-6F175D3DCCD1}">
+              <a14:hiddenFill xmlns:a14="http://schemas.microsoft.com/office/drawing/2010/main">
+                <a:solidFill>
+                  <a:srgbClr val="FFFFFF"/>
+                </a:solidFill>
+              </a14:hiddenFill>
+            </a:ext>
+          </a:extLst>
+        </p:spPr>
+      </p:pic>
+    </p:spTree>
+    <p:extLst>
+      <p:ext uri="{BB962C8B-B14F-4D97-AF65-F5344CB8AC3E}">
+        <p14:creationId xmlns:p14="http://schemas.microsoft.com/office/powerpoint/2010/main" val="3385143570"/>
+      </p:ext>
+    </p:extLst>
+  </p:cSld>
+  <p:clrMapOvr>
+    <a:masterClrMapping/>
+  </p:clrMapOvr>
+  <mc:AlternateContent xmlns:mc="http://schemas.openxmlformats.org/markup-compatibility/2006">
+    <mc:Choice xmlns:p14="http://schemas.microsoft.com/office/powerpoint/2010/main" Requires="p14">
+      <p:transition spd="slow" p14:dur="2000"/>
+    </mc:Choice>
+    <mc:Fallback>
+      <p:transition spd="slow"/>
+    </mc:Fallback>
+  </mc:AlternateContent>
   <p:timing>
     <p:tnLst>
       <p:par>
